--- a/Create-react-app.pptx
+++ b/Create-react-app.pptx
@@ -7,6 +7,8 @@
   <p:sldIdLst>
     <p:sldId id="256" r:id="rId2"/>
     <p:sldId id="257" r:id="rId3"/>
+    <p:sldId id="258" r:id="rId4"/>
+    <p:sldId id="259" r:id="rId5"/>
   </p:sldIdLst>
   <p:sldSz cx="12192000" cy="6858000"/>
   <p:notesSz cx="6858000" cy="9144000"/>
@@ -105,6 +107,11 @@
       </a:defRPr>
     </a:lvl9pPr>
   </p:defaultTextStyle>
+  <p:extLst>
+    <p:ext uri="{EFAFB233-063F-42B5-8137-9DF3F51BA10A}">
+      <p15:sldGuideLst xmlns:p15="http://schemas.microsoft.com/office/powerpoint/2012/main"/>
+    </p:ext>
+  </p:extLst>
 </p:presentation>
 </file>
 
@@ -255,7 +262,7 @@
           <a:p>
             <a:fld id="{8ABDCE5D-2F42-4C45-98AA-7AAD2A36BEC8}" type="datetimeFigureOut">
               <a:rPr lang="en-US" smtClean="0"/>
-              <a:t>3/21/2023</a:t>
+              <a:t>3/23/2023</a:t>
             </a:fld>
             <a:endParaRPr lang="en-US"/>
           </a:p>
@@ -453,7 +460,7 @@
           <a:p>
             <a:fld id="{8ABDCE5D-2F42-4C45-98AA-7AAD2A36BEC8}" type="datetimeFigureOut">
               <a:rPr lang="en-US" smtClean="0"/>
-              <a:t>3/21/2023</a:t>
+              <a:t>3/23/2023</a:t>
             </a:fld>
             <a:endParaRPr lang="en-US"/>
           </a:p>
@@ -661,7 +668,7 @@
           <a:p>
             <a:fld id="{8ABDCE5D-2F42-4C45-98AA-7AAD2A36BEC8}" type="datetimeFigureOut">
               <a:rPr lang="en-US" smtClean="0"/>
-              <a:t>3/21/2023</a:t>
+              <a:t>3/23/2023</a:t>
             </a:fld>
             <a:endParaRPr lang="en-US"/>
           </a:p>
@@ -859,7 +866,7 @@
           <a:p>
             <a:fld id="{8ABDCE5D-2F42-4C45-98AA-7AAD2A36BEC8}" type="datetimeFigureOut">
               <a:rPr lang="en-US" smtClean="0"/>
-              <a:t>3/21/2023</a:t>
+              <a:t>3/23/2023</a:t>
             </a:fld>
             <a:endParaRPr lang="en-US"/>
           </a:p>
@@ -1134,7 +1141,7 @@
           <a:p>
             <a:fld id="{8ABDCE5D-2F42-4C45-98AA-7AAD2A36BEC8}" type="datetimeFigureOut">
               <a:rPr lang="en-US" smtClean="0"/>
-              <a:t>3/21/2023</a:t>
+              <a:t>3/23/2023</a:t>
             </a:fld>
             <a:endParaRPr lang="en-US"/>
           </a:p>
@@ -1399,7 +1406,7 @@
           <a:p>
             <a:fld id="{8ABDCE5D-2F42-4C45-98AA-7AAD2A36BEC8}" type="datetimeFigureOut">
               <a:rPr lang="en-US" smtClean="0"/>
-              <a:t>3/21/2023</a:t>
+              <a:t>3/23/2023</a:t>
             </a:fld>
             <a:endParaRPr lang="en-US"/>
           </a:p>
@@ -1811,7 +1818,7 @@
           <a:p>
             <a:fld id="{8ABDCE5D-2F42-4C45-98AA-7AAD2A36BEC8}" type="datetimeFigureOut">
               <a:rPr lang="en-US" smtClean="0"/>
-              <a:t>3/21/2023</a:t>
+              <a:t>3/23/2023</a:t>
             </a:fld>
             <a:endParaRPr lang="en-US"/>
           </a:p>
@@ -1952,7 +1959,7 @@
           <a:p>
             <a:fld id="{8ABDCE5D-2F42-4C45-98AA-7AAD2A36BEC8}" type="datetimeFigureOut">
               <a:rPr lang="en-US" smtClean="0"/>
-              <a:t>3/21/2023</a:t>
+              <a:t>3/23/2023</a:t>
             </a:fld>
             <a:endParaRPr lang="en-US"/>
           </a:p>
@@ -2065,7 +2072,7 @@
           <a:p>
             <a:fld id="{8ABDCE5D-2F42-4C45-98AA-7AAD2A36BEC8}" type="datetimeFigureOut">
               <a:rPr lang="en-US" smtClean="0"/>
-              <a:t>3/21/2023</a:t>
+              <a:t>3/23/2023</a:t>
             </a:fld>
             <a:endParaRPr lang="en-US"/>
           </a:p>
@@ -2376,7 +2383,7 @@
           <a:p>
             <a:fld id="{8ABDCE5D-2F42-4C45-98AA-7AAD2A36BEC8}" type="datetimeFigureOut">
               <a:rPr lang="en-US" smtClean="0"/>
-              <a:t>3/21/2023</a:t>
+              <a:t>3/23/2023</a:t>
             </a:fld>
             <a:endParaRPr lang="en-US"/>
           </a:p>
@@ -2664,7 +2671,7 @@
           <a:p>
             <a:fld id="{8ABDCE5D-2F42-4C45-98AA-7AAD2A36BEC8}" type="datetimeFigureOut">
               <a:rPr lang="en-US" smtClean="0"/>
-              <a:t>3/21/2023</a:t>
+              <a:t>3/23/2023</a:t>
             </a:fld>
             <a:endParaRPr lang="en-US"/>
           </a:p>
@@ -2905,7 +2912,7 @@
           <a:p>
             <a:fld id="{8ABDCE5D-2F42-4C45-98AA-7AAD2A36BEC8}" type="datetimeFigureOut">
               <a:rPr lang="en-US" smtClean="0"/>
-              <a:t>3/21/2023</a:t>
+              <a:t>3/23/2023</a:t>
             </a:fld>
             <a:endParaRPr lang="en-US"/>
           </a:p>
@@ -3731,6 +3738,277 @@
 </p:sld>
 </file>
 
+<file path=ppt/slides/slide3.xml><?xml version="1.0" encoding="utf-8"?>
+<p:sld xmlns:a="http://schemas.openxmlformats.org/drawingml/2006/main" xmlns:r="http://schemas.openxmlformats.org/officeDocument/2006/relationships" xmlns:p="http://schemas.openxmlformats.org/presentationml/2006/main">
+  <p:cSld>
+    <p:spTree>
+      <p:nvGrpSpPr>
+        <p:cNvPr id="1" name=""/>
+        <p:cNvGrpSpPr/>
+        <p:nvPr/>
+      </p:nvGrpSpPr>
+      <p:grpSpPr>
+        <a:xfrm>
+          <a:off x="0" y="0"/>
+          <a:ext cx="0" cy="0"/>
+          <a:chOff x="0" y="0"/>
+          <a:chExt cx="0" cy="0"/>
+        </a:xfrm>
+      </p:grpSpPr>
+      <p:sp>
+        <p:nvSpPr>
+          <p:cNvPr id="3" name="Content Placeholder 2">
+            <a:extLst>
+              <a:ext uri="{FF2B5EF4-FFF2-40B4-BE49-F238E27FC236}">
+                <a16:creationId xmlns:a16="http://schemas.microsoft.com/office/drawing/2014/main" id="{1CFA870E-2114-3F86-EE1E-08C3E6871B36}"/>
+              </a:ext>
+            </a:extLst>
+          </p:cNvPr>
+          <p:cNvSpPr>
+            <a:spLocks noGrp="1"/>
+          </p:cNvSpPr>
+          <p:nvPr>
+            <p:ph idx="1"/>
+          </p:nvPr>
+        </p:nvSpPr>
+        <p:spPr>
+          <a:xfrm>
+            <a:off x="838200" y="164123"/>
+            <a:ext cx="10515600" cy="6400800"/>
+          </a:xfrm>
+        </p:spPr>
+        <p:txBody>
+          <a:bodyPr/>
+          <a:lstStyle/>
+          <a:p>
+            <a:r>
+              <a:rPr lang="en-US" dirty="0"/>
+              <a:t>Lists rendering conditionals /content conditionally</a:t>
+            </a:r>
+          </a:p>
+          <a:p>
+            <a:r>
+              <a:rPr lang="en-US" dirty="0"/>
+              <a:t>Handle dynamic content the </a:t>
+            </a:r>
+            <a:r>
+              <a:rPr lang="en-US" dirty="0" err="1"/>
+              <a:t>js</a:t>
+            </a:r>
+            <a:r>
+              <a:rPr lang="en-US" dirty="0"/>
+              <a:t> way.</a:t>
+            </a:r>
+          </a:p>
+          <a:p>
+            <a:r>
+              <a:rPr lang="en-US" dirty="0"/>
+              <a:t>Outputting lists</a:t>
+            </a:r>
+          </a:p>
+          <a:p>
+            <a:r>
+              <a:rPr lang="en-US" dirty="0"/>
+              <a:t>Lists and state</a:t>
+            </a:r>
+          </a:p>
+          <a:p>
+            <a:r>
+              <a:rPr lang="en-US" dirty="0"/>
+              <a:t>Immutable updates</a:t>
+            </a:r>
+          </a:p>
+          <a:p>
+            <a:r>
+              <a:rPr lang="en-US" dirty="0"/>
+              <a:t>List and keys</a:t>
+            </a:r>
+          </a:p>
+          <a:p>
+            <a:r>
+              <a:rPr lang="en-US" dirty="0"/>
+              <a:t>Flexible lists</a:t>
+            </a:r>
+          </a:p>
+        </p:txBody>
+      </p:sp>
+    </p:spTree>
+    <p:extLst>
+      <p:ext uri="{BB962C8B-B14F-4D97-AF65-F5344CB8AC3E}">
+        <p14:creationId xmlns:p14="http://schemas.microsoft.com/office/powerpoint/2010/main" val="2627538580"/>
+      </p:ext>
+    </p:extLst>
+  </p:cSld>
+  <p:clrMapOvr>
+    <a:masterClrMapping/>
+  </p:clrMapOvr>
+</p:sld>
+</file>
+
+<file path=ppt/slides/slide4.xml><?xml version="1.0" encoding="utf-8"?>
+<p:sld xmlns:a="http://schemas.openxmlformats.org/drawingml/2006/main" xmlns:r="http://schemas.openxmlformats.org/officeDocument/2006/relationships" xmlns:p="http://schemas.openxmlformats.org/presentationml/2006/main">
+  <p:cSld>
+    <p:spTree>
+      <p:nvGrpSpPr>
+        <p:cNvPr id="1" name=""/>
+        <p:cNvGrpSpPr/>
+        <p:nvPr/>
+      </p:nvGrpSpPr>
+      <p:grpSpPr>
+        <a:xfrm>
+          <a:off x="0" y="0"/>
+          <a:ext cx="0" cy="0"/>
+          <a:chOff x="0" y="0"/>
+          <a:chExt cx="0" cy="0"/>
+        </a:xfrm>
+      </p:grpSpPr>
+      <p:sp>
+        <p:nvSpPr>
+          <p:cNvPr id="3" name="Content Placeholder 2">
+            <a:extLst>
+              <a:ext uri="{FF2B5EF4-FFF2-40B4-BE49-F238E27FC236}">
+                <a16:creationId xmlns:a16="http://schemas.microsoft.com/office/drawing/2014/main" id="{736881D4-1801-589F-2F36-643DDF87D2C0}"/>
+              </a:ext>
+            </a:extLst>
+          </p:cNvPr>
+          <p:cNvSpPr>
+            <a:spLocks noGrp="1"/>
+          </p:cNvSpPr>
+          <p:nvPr>
+            <p:ph idx="1"/>
+          </p:nvPr>
+        </p:nvSpPr>
+        <p:spPr>
+          <a:xfrm>
+            <a:off x="838200" y="164122"/>
+            <a:ext cx="10515600" cy="6455041"/>
+          </a:xfrm>
+        </p:spPr>
+        <p:txBody>
+          <a:bodyPr>
+            <a:normAutofit fontScale="92500" lnSpcReduction="10000"/>
+          </a:bodyPr>
+          <a:lstStyle/>
+          <a:p>
+            <a:pPr algn="just"/>
+            <a:r>
+              <a:rPr lang="en-US" dirty="0"/>
+              <a:t>Create an input field (in App component) with a change listener which outputs the length of the entered text below it (</a:t>
+            </a:r>
+            <a:r>
+              <a:rPr lang="en-US" dirty="0" err="1"/>
+              <a:t>e.g</a:t>
+            </a:r>
+            <a:r>
+              <a:rPr lang="en-US" dirty="0"/>
+              <a:t> in a paragraph).</a:t>
+            </a:r>
+          </a:p>
+          <a:p>
+            <a:pPr algn="just"/>
+            <a:r>
+              <a:rPr lang="en-US" dirty="0"/>
+              <a:t>Create a new component (=&gt; </a:t>
+            </a:r>
+            <a:r>
+              <a:rPr lang="en-US" dirty="0" err="1"/>
+              <a:t>ValidationComponent</a:t>
+            </a:r>
+            <a:r>
+              <a:rPr lang="en-US" dirty="0"/>
+              <a:t>) which receives the text length as a prop.</a:t>
+            </a:r>
+          </a:p>
+          <a:p>
+            <a:pPr algn="just"/>
+            <a:r>
+              <a:rPr lang="en-US" dirty="0"/>
+              <a:t>Inside the </a:t>
+            </a:r>
+            <a:r>
+              <a:rPr lang="en-US" dirty="0" err="1"/>
+              <a:t>ValidationComponent</a:t>
+            </a:r>
+            <a:r>
+              <a:rPr lang="en-US" dirty="0"/>
+              <a:t>, either output “Text too short” or “Text long enough” depending on the text length (e.g. take 5 as a minimum length)</a:t>
+            </a:r>
+          </a:p>
+          <a:p>
+            <a:pPr algn="just"/>
+            <a:r>
+              <a:rPr lang="en-US" dirty="0"/>
+              <a:t>Create another component (=&gt; </a:t>
+            </a:r>
+            <a:r>
+              <a:rPr lang="en-US" dirty="0" err="1"/>
+              <a:t>CharComponent</a:t>
+            </a:r>
+            <a:r>
+              <a:rPr lang="en-US" dirty="0"/>
+              <a:t>) and style it as an inline box(=&gt; display: inline-block, padding: 16px, text-align: center, margin:16px, border: 1px solid black).</a:t>
+            </a:r>
+          </a:p>
+          <a:p>
+            <a:pPr algn="just"/>
+            <a:r>
+              <a:rPr lang="en-US" dirty="0"/>
+              <a:t>Render a list of </a:t>
+            </a:r>
+            <a:r>
+              <a:rPr lang="en-US" dirty="0" err="1"/>
+              <a:t>CharComponents</a:t>
+            </a:r>
+            <a:r>
+              <a:rPr lang="en-US" dirty="0"/>
+              <a:t> where each </a:t>
+            </a:r>
+            <a:r>
+              <a:rPr lang="en-US" dirty="0" err="1"/>
+              <a:t>CharComponet</a:t>
+            </a:r>
+            <a:r>
+              <a:rPr lang="en-US" dirty="0"/>
+              <a:t> receives a different letter of the entered text (in the initial input field) as a prop.</a:t>
+            </a:r>
+          </a:p>
+          <a:p>
+            <a:pPr algn="just"/>
+            <a:r>
+              <a:rPr lang="en-US" dirty="0"/>
+              <a:t>When you click a Char Component, it should be removed from the entered text.</a:t>
+            </a:r>
+          </a:p>
+          <a:p>
+            <a:pPr marL="0" indent="0" algn="just">
+              <a:buNone/>
+            </a:pPr>
+            <a:endParaRPr lang="en-US" dirty="0"/>
+          </a:p>
+          <a:p>
+            <a:pPr marL="0" indent="0" algn="just">
+              <a:buNone/>
+            </a:pPr>
+            <a:r>
+              <a:rPr lang="en-US" dirty="0"/>
+              <a:t>Hint: Keep in mind that JavaScript strings are basically arrays!</a:t>
+            </a:r>
+          </a:p>
+        </p:txBody>
+      </p:sp>
+    </p:spTree>
+    <p:extLst>
+      <p:ext uri="{BB962C8B-B14F-4D97-AF65-F5344CB8AC3E}">
+        <p14:creationId xmlns:p14="http://schemas.microsoft.com/office/powerpoint/2010/main" val="3778621065"/>
+      </p:ext>
+    </p:extLst>
+  </p:cSld>
+  <p:clrMapOvr>
+    <a:masterClrMapping/>
+  </p:clrMapOvr>
+</p:sld>
+</file>
+
 <file path=ppt/theme/theme1.xml><?xml version="1.0" encoding="utf-8"?>
 <a:theme xmlns:a="http://schemas.openxmlformats.org/drawingml/2006/main" name="Office Theme">
   <a:themeElements>

--- a/Create-react-app.pptx
+++ b/Create-react-app.pptx
@@ -9,6 +9,7 @@
     <p:sldId id="257" r:id="rId3"/>
     <p:sldId id="258" r:id="rId4"/>
     <p:sldId id="259" r:id="rId5"/>
+    <p:sldId id="260" r:id="rId6"/>
   </p:sldIdLst>
   <p:sldSz cx="12192000" cy="6858000"/>
   <p:notesSz cx="6858000" cy="9144000"/>
@@ -262,7 +263,7 @@
           <a:p>
             <a:fld id="{8ABDCE5D-2F42-4C45-98AA-7AAD2A36BEC8}" type="datetimeFigureOut">
               <a:rPr lang="en-US" smtClean="0"/>
-              <a:t>3/23/2023</a:t>
+              <a:t>3/28/2023</a:t>
             </a:fld>
             <a:endParaRPr lang="en-US"/>
           </a:p>
@@ -460,7 +461,7 @@
           <a:p>
             <a:fld id="{8ABDCE5D-2F42-4C45-98AA-7AAD2A36BEC8}" type="datetimeFigureOut">
               <a:rPr lang="en-US" smtClean="0"/>
-              <a:t>3/23/2023</a:t>
+              <a:t>3/28/2023</a:t>
             </a:fld>
             <a:endParaRPr lang="en-US"/>
           </a:p>
@@ -668,7 +669,7 @@
           <a:p>
             <a:fld id="{8ABDCE5D-2F42-4C45-98AA-7AAD2A36BEC8}" type="datetimeFigureOut">
               <a:rPr lang="en-US" smtClean="0"/>
-              <a:t>3/23/2023</a:t>
+              <a:t>3/28/2023</a:t>
             </a:fld>
             <a:endParaRPr lang="en-US"/>
           </a:p>
@@ -866,7 +867,7 @@
           <a:p>
             <a:fld id="{8ABDCE5D-2F42-4C45-98AA-7AAD2A36BEC8}" type="datetimeFigureOut">
               <a:rPr lang="en-US" smtClean="0"/>
-              <a:t>3/23/2023</a:t>
+              <a:t>3/28/2023</a:t>
             </a:fld>
             <a:endParaRPr lang="en-US"/>
           </a:p>
@@ -1141,7 +1142,7 @@
           <a:p>
             <a:fld id="{8ABDCE5D-2F42-4C45-98AA-7AAD2A36BEC8}" type="datetimeFigureOut">
               <a:rPr lang="en-US" smtClean="0"/>
-              <a:t>3/23/2023</a:t>
+              <a:t>3/28/2023</a:t>
             </a:fld>
             <a:endParaRPr lang="en-US"/>
           </a:p>
@@ -1406,7 +1407,7 @@
           <a:p>
             <a:fld id="{8ABDCE5D-2F42-4C45-98AA-7AAD2A36BEC8}" type="datetimeFigureOut">
               <a:rPr lang="en-US" smtClean="0"/>
-              <a:t>3/23/2023</a:t>
+              <a:t>3/28/2023</a:t>
             </a:fld>
             <a:endParaRPr lang="en-US"/>
           </a:p>
@@ -1818,7 +1819,7 @@
           <a:p>
             <a:fld id="{8ABDCE5D-2F42-4C45-98AA-7AAD2A36BEC8}" type="datetimeFigureOut">
               <a:rPr lang="en-US" smtClean="0"/>
-              <a:t>3/23/2023</a:t>
+              <a:t>3/28/2023</a:t>
             </a:fld>
             <a:endParaRPr lang="en-US"/>
           </a:p>
@@ -1959,7 +1960,7 @@
           <a:p>
             <a:fld id="{8ABDCE5D-2F42-4C45-98AA-7AAD2A36BEC8}" type="datetimeFigureOut">
               <a:rPr lang="en-US" smtClean="0"/>
-              <a:t>3/23/2023</a:t>
+              <a:t>3/28/2023</a:t>
             </a:fld>
             <a:endParaRPr lang="en-US"/>
           </a:p>
@@ -2072,7 +2073,7 @@
           <a:p>
             <a:fld id="{8ABDCE5D-2F42-4C45-98AA-7AAD2A36BEC8}" type="datetimeFigureOut">
               <a:rPr lang="en-US" smtClean="0"/>
-              <a:t>3/23/2023</a:t>
+              <a:t>3/28/2023</a:t>
             </a:fld>
             <a:endParaRPr lang="en-US"/>
           </a:p>
@@ -2383,7 +2384,7 @@
           <a:p>
             <a:fld id="{8ABDCE5D-2F42-4C45-98AA-7AAD2A36BEC8}" type="datetimeFigureOut">
               <a:rPr lang="en-US" smtClean="0"/>
-              <a:t>3/23/2023</a:t>
+              <a:t>3/28/2023</a:t>
             </a:fld>
             <a:endParaRPr lang="en-US"/>
           </a:p>
@@ -2671,7 +2672,7 @@
           <a:p>
             <a:fld id="{8ABDCE5D-2F42-4C45-98AA-7AAD2A36BEC8}" type="datetimeFigureOut">
               <a:rPr lang="en-US" smtClean="0"/>
-              <a:t>3/23/2023</a:t>
+              <a:t>3/28/2023</a:t>
             </a:fld>
             <a:endParaRPr lang="en-US"/>
           </a:p>
@@ -2912,7 +2913,7 @@
           <a:p>
             <a:fld id="{8ABDCE5D-2F42-4C45-98AA-7AAD2A36BEC8}" type="datetimeFigureOut">
               <a:rPr lang="en-US" smtClean="0"/>
-              <a:t>3/23/2023</a:t>
+              <a:t>3/28/2023</a:t>
             </a:fld>
             <a:endParaRPr lang="en-US"/>
           </a:p>
@@ -4009,6 +4010,134 @@
 </p:sld>
 </file>
 
+<file path=ppt/slides/slide5.xml><?xml version="1.0" encoding="utf-8"?>
+<p:sld xmlns:a="http://schemas.openxmlformats.org/drawingml/2006/main" xmlns:r="http://schemas.openxmlformats.org/officeDocument/2006/relationships" xmlns:p="http://schemas.openxmlformats.org/presentationml/2006/main">
+  <p:cSld>
+    <p:spTree>
+      <p:nvGrpSpPr>
+        <p:cNvPr id="1" name=""/>
+        <p:cNvGrpSpPr/>
+        <p:nvPr/>
+      </p:nvGrpSpPr>
+      <p:grpSpPr>
+        <a:xfrm>
+          <a:off x="0" y="0"/>
+          <a:ext cx="0" cy="0"/>
+          <a:chOff x="0" y="0"/>
+          <a:chExt cx="0" cy="0"/>
+        </a:xfrm>
+      </p:grpSpPr>
+      <p:sp>
+        <p:nvSpPr>
+          <p:cNvPr id="2" name="Title 1">
+            <a:extLst>
+              <a:ext uri="{FF2B5EF4-FFF2-40B4-BE49-F238E27FC236}">
+                <a16:creationId xmlns:a16="http://schemas.microsoft.com/office/drawing/2014/main" id="{2BA536E6-ECC6-D5F3-9961-8BD94C207363}"/>
+              </a:ext>
+            </a:extLst>
+          </p:cNvPr>
+          <p:cNvSpPr>
+            <a:spLocks noGrp="1"/>
+          </p:cNvSpPr>
+          <p:nvPr>
+            <p:ph type="title"/>
+          </p:nvPr>
+        </p:nvSpPr>
+        <p:spPr/>
+        <p:txBody>
+          <a:bodyPr/>
+          <a:lstStyle/>
+          <a:p>
+            <a:r>
+              <a:rPr lang="en-US" dirty="0"/>
+              <a:t>Styling</a:t>
+            </a:r>
+          </a:p>
+        </p:txBody>
+      </p:sp>
+      <p:sp>
+        <p:nvSpPr>
+          <p:cNvPr id="3" name="Content Placeholder 2">
+            <a:extLst>
+              <a:ext uri="{FF2B5EF4-FFF2-40B4-BE49-F238E27FC236}">
+                <a16:creationId xmlns:a16="http://schemas.microsoft.com/office/drawing/2014/main" id="{B1500851-E87B-6565-C18D-E9AEE2AAE9B7}"/>
+              </a:ext>
+            </a:extLst>
+          </p:cNvPr>
+          <p:cNvSpPr>
+            <a:spLocks noGrp="1"/>
+          </p:cNvSpPr>
+          <p:nvPr>
+            <p:ph idx="1"/>
+          </p:nvPr>
+        </p:nvSpPr>
+        <p:spPr/>
+        <p:txBody>
+          <a:bodyPr/>
+          <a:lstStyle/>
+          <a:p>
+            <a:r>
+              <a:rPr lang="en-US" dirty="0"/>
+              <a:t>Outlining the problem set</a:t>
+            </a:r>
+          </a:p>
+          <a:p>
+            <a:r>
+              <a:rPr lang="en-US" dirty="0"/>
+              <a:t>Setting styles dynamically</a:t>
+            </a:r>
+          </a:p>
+          <a:p>
+            <a:r>
+              <a:rPr lang="en-US" dirty="0"/>
+              <a:t>Setting class names dynamically</a:t>
+            </a:r>
+          </a:p>
+          <a:p>
+            <a:r>
+              <a:rPr lang="en-US" dirty="0"/>
+              <a:t>Dynamic content in styled components</a:t>
+            </a:r>
+          </a:p>
+          <a:p>
+            <a:r>
+              <a:rPr lang="en-US" dirty="0" err="1"/>
+              <a:t>Css</a:t>
+            </a:r>
+            <a:r>
+              <a:rPr lang="en-US" dirty="0"/>
+              <a:t>-modules</a:t>
+            </a:r>
+          </a:p>
+          <a:p>
+            <a:r>
+              <a:rPr lang="en-US" dirty="0"/>
+              <a:t>More on </a:t>
+            </a:r>
+            <a:r>
+              <a:rPr lang="en-US" dirty="0" err="1"/>
+              <a:t>css</a:t>
+            </a:r>
+            <a:r>
+              <a:rPr lang="en-US" dirty="0"/>
+              <a:t> modules</a:t>
+            </a:r>
+          </a:p>
+        </p:txBody>
+      </p:sp>
+    </p:spTree>
+    <p:extLst>
+      <p:ext uri="{BB962C8B-B14F-4D97-AF65-F5344CB8AC3E}">
+        <p14:creationId xmlns:p14="http://schemas.microsoft.com/office/powerpoint/2010/main" val="1784379798"/>
+      </p:ext>
+    </p:extLst>
+  </p:cSld>
+  <p:clrMapOvr>
+    <a:masterClrMapping/>
+  </p:clrMapOvr>
+</p:sld>
+</file>
+
 <file path=ppt/theme/theme1.xml><?xml version="1.0" encoding="utf-8"?>
 <a:theme xmlns:a="http://schemas.openxmlformats.org/drawingml/2006/main" name="Office Theme">
   <a:themeElements>

--- a/Create-react-app.pptx
+++ b/Create-react-app.pptx
@@ -10,6 +10,10 @@
     <p:sldId id="258" r:id="rId4"/>
     <p:sldId id="259" r:id="rId5"/>
     <p:sldId id="260" r:id="rId6"/>
+    <p:sldId id="261" r:id="rId7"/>
+    <p:sldId id="262" r:id="rId8"/>
+    <p:sldId id="263" r:id="rId9"/>
+    <p:sldId id="264" r:id="rId10"/>
   </p:sldIdLst>
   <p:sldSz cx="12192000" cy="6858000"/>
   <p:notesSz cx="6858000" cy="9144000"/>
@@ -263,7 +267,7 @@
           <a:p>
             <a:fld id="{8ABDCE5D-2F42-4C45-98AA-7AAD2A36BEC8}" type="datetimeFigureOut">
               <a:rPr lang="en-US" smtClean="0"/>
-              <a:t>3/28/2023</a:t>
+              <a:t>3/31/2023</a:t>
             </a:fld>
             <a:endParaRPr lang="en-US"/>
           </a:p>
@@ -461,7 +465,7 @@
           <a:p>
             <a:fld id="{8ABDCE5D-2F42-4C45-98AA-7AAD2A36BEC8}" type="datetimeFigureOut">
               <a:rPr lang="en-US" smtClean="0"/>
-              <a:t>3/28/2023</a:t>
+              <a:t>3/31/2023</a:t>
             </a:fld>
             <a:endParaRPr lang="en-US"/>
           </a:p>
@@ -669,7 +673,7 @@
           <a:p>
             <a:fld id="{8ABDCE5D-2F42-4C45-98AA-7AAD2A36BEC8}" type="datetimeFigureOut">
               <a:rPr lang="en-US" smtClean="0"/>
-              <a:t>3/28/2023</a:t>
+              <a:t>3/31/2023</a:t>
             </a:fld>
             <a:endParaRPr lang="en-US"/>
           </a:p>
@@ -867,7 +871,7 @@
           <a:p>
             <a:fld id="{8ABDCE5D-2F42-4C45-98AA-7AAD2A36BEC8}" type="datetimeFigureOut">
               <a:rPr lang="en-US" smtClean="0"/>
-              <a:t>3/28/2023</a:t>
+              <a:t>3/31/2023</a:t>
             </a:fld>
             <a:endParaRPr lang="en-US"/>
           </a:p>
@@ -1142,7 +1146,7 @@
           <a:p>
             <a:fld id="{8ABDCE5D-2F42-4C45-98AA-7AAD2A36BEC8}" type="datetimeFigureOut">
               <a:rPr lang="en-US" smtClean="0"/>
-              <a:t>3/28/2023</a:t>
+              <a:t>3/31/2023</a:t>
             </a:fld>
             <a:endParaRPr lang="en-US"/>
           </a:p>
@@ -1407,7 +1411,7 @@
           <a:p>
             <a:fld id="{8ABDCE5D-2F42-4C45-98AA-7AAD2A36BEC8}" type="datetimeFigureOut">
               <a:rPr lang="en-US" smtClean="0"/>
-              <a:t>3/28/2023</a:t>
+              <a:t>3/31/2023</a:t>
             </a:fld>
             <a:endParaRPr lang="en-US"/>
           </a:p>
@@ -1819,7 +1823,7 @@
           <a:p>
             <a:fld id="{8ABDCE5D-2F42-4C45-98AA-7AAD2A36BEC8}" type="datetimeFigureOut">
               <a:rPr lang="en-US" smtClean="0"/>
-              <a:t>3/28/2023</a:t>
+              <a:t>3/31/2023</a:t>
             </a:fld>
             <a:endParaRPr lang="en-US"/>
           </a:p>
@@ -1960,7 +1964,7 @@
           <a:p>
             <a:fld id="{8ABDCE5D-2F42-4C45-98AA-7AAD2A36BEC8}" type="datetimeFigureOut">
               <a:rPr lang="en-US" smtClean="0"/>
-              <a:t>3/28/2023</a:t>
+              <a:t>3/31/2023</a:t>
             </a:fld>
             <a:endParaRPr lang="en-US"/>
           </a:p>
@@ -2073,7 +2077,7 @@
           <a:p>
             <a:fld id="{8ABDCE5D-2F42-4C45-98AA-7AAD2A36BEC8}" type="datetimeFigureOut">
               <a:rPr lang="en-US" smtClean="0"/>
-              <a:t>3/28/2023</a:t>
+              <a:t>3/31/2023</a:t>
             </a:fld>
             <a:endParaRPr lang="en-US"/>
           </a:p>
@@ -2384,7 +2388,7 @@
           <a:p>
             <a:fld id="{8ABDCE5D-2F42-4C45-98AA-7AAD2A36BEC8}" type="datetimeFigureOut">
               <a:rPr lang="en-US" smtClean="0"/>
-              <a:t>3/28/2023</a:t>
+              <a:t>3/31/2023</a:t>
             </a:fld>
             <a:endParaRPr lang="en-US"/>
           </a:p>
@@ -2672,7 +2676,7 @@
           <a:p>
             <a:fld id="{8ABDCE5D-2F42-4C45-98AA-7AAD2A36BEC8}" type="datetimeFigureOut">
               <a:rPr lang="en-US" smtClean="0"/>
-              <a:t>3/28/2023</a:t>
+              <a:t>3/31/2023</a:t>
             </a:fld>
             <a:endParaRPr lang="en-US"/>
           </a:p>
@@ -2913,7 +2917,7 @@
           <a:p>
             <a:fld id="{8ABDCE5D-2F42-4C45-98AA-7AAD2A36BEC8}" type="datetimeFigureOut">
               <a:rPr lang="en-US" smtClean="0"/>
-              <a:t>3/28/2023</a:t>
+              <a:t>3/31/2023</a:t>
             </a:fld>
             <a:endParaRPr lang="en-US"/>
           </a:p>
@@ -4138,6 +4142,2691 @@
 </p:sld>
 </file>
 
+<file path=ppt/slides/slide6.xml><?xml version="1.0" encoding="utf-8"?>
+<p:sld xmlns:a="http://schemas.openxmlformats.org/drawingml/2006/main" xmlns:r="http://schemas.openxmlformats.org/officeDocument/2006/relationships" xmlns:p="http://schemas.openxmlformats.org/presentationml/2006/main">
+  <p:cSld>
+    <p:spTree>
+      <p:nvGrpSpPr>
+        <p:cNvPr id="1" name=""/>
+        <p:cNvGrpSpPr/>
+        <p:nvPr/>
+      </p:nvGrpSpPr>
+      <p:grpSpPr>
+        <a:xfrm>
+          <a:off x="0" y="0"/>
+          <a:ext cx="0" cy="0"/>
+          <a:chOff x="0" y="0"/>
+          <a:chExt cx="0" cy="0"/>
+        </a:xfrm>
+      </p:grpSpPr>
+      <p:sp>
+        <p:nvSpPr>
+          <p:cNvPr id="2" name="Title 1">
+            <a:extLst>
+              <a:ext uri="{FF2B5EF4-FFF2-40B4-BE49-F238E27FC236}">
+                <a16:creationId xmlns:a16="http://schemas.microsoft.com/office/drawing/2014/main" id="{AFEC7045-4574-7BEB-F7AF-6B44AE9D0F42}"/>
+              </a:ext>
+            </a:extLst>
+          </p:cNvPr>
+          <p:cNvSpPr>
+            <a:spLocks noGrp="1"/>
+          </p:cNvSpPr>
+          <p:nvPr>
+            <p:ph type="title"/>
+          </p:nvPr>
+        </p:nvSpPr>
+        <p:spPr/>
+        <p:txBody>
+          <a:bodyPr/>
+          <a:lstStyle/>
+          <a:p>
+            <a:r>
+              <a:rPr lang="en-US" dirty="0"/>
+              <a:t>Component Deep Dive</a:t>
+            </a:r>
+          </a:p>
+        </p:txBody>
+      </p:sp>
+      <p:sp>
+        <p:nvSpPr>
+          <p:cNvPr id="3" name="Content Placeholder 2">
+            <a:extLst>
+              <a:ext uri="{FF2B5EF4-FFF2-40B4-BE49-F238E27FC236}">
+                <a16:creationId xmlns:a16="http://schemas.microsoft.com/office/drawing/2014/main" id="{4B3F8B6A-2F75-55CC-13C1-4794DAD9896B}"/>
+              </a:ext>
+            </a:extLst>
+          </p:cNvPr>
+          <p:cNvSpPr>
+            <a:spLocks noGrp="1"/>
+          </p:cNvSpPr>
+          <p:nvPr>
+            <p:ph idx="1"/>
+          </p:nvPr>
+        </p:nvSpPr>
+        <p:spPr/>
+        <p:txBody>
+          <a:bodyPr/>
+          <a:lstStyle/>
+          <a:p>
+            <a:r>
+              <a:rPr lang="en-US" dirty="0"/>
+              <a:t>Project structure</a:t>
+            </a:r>
+          </a:p>
+          <a:p>
+            <a:r>
+              <a:rPr lang="en-US" dirty="0"/>
+              <a:t>Splitting an app into components</a:t>
+            </a:r>
+          </a:p>
+          <a:p>
+            <a:r>
+              <a:rPr lang="en-US" dirty="0"/>
+              <a:t>Stateful vs stateless</a:t>
+            </a:r>
+          </a:p>
+          <a:p>
+            <a:endParaRPr lang="en-US" dirty="0"/>
+          </a:p>
+        </p:txBody>
+      </p:sp>
+    </p:spTree>
+    <p:extLst>
+      <p:ext uri="{BB962C8B-B14F-4D97-AF65-F5344CB8AC3E}">
+        <p14:creationId xmlns:p14="http://schemas.microsoft.com/office/powerpoint/2010/main" val="1086503888"/>
+      </p:ext>
+    </p:extLst>
+  </p:cSld>
+  <p:clrMapOvr>
+    <a:masterClrMapping/>
+  </p:clrMapOvr>
+</p:sld>
+</file>
+
+<file path=ppt/slides/slide7.xml><?xml version="1.0" encoding="utf-8"?>
+<p:sld xmlns:a="http://schemas.openxmlformats.org/drawingml/2006/main" xmlns:r="http://schemas.openxmlformats.org/officeDocument/2006/relationships" xmlns:p="http://schemas.openxmlformats.org/presentationml/2006/main">
+  <p:cSld>
+    <p:spTree>
+      <p:nvGrpSpPr>
+        <p:cNvPr id="1" name=""/>
+        <p:cNvGrpSpPr/>
+        <p:nvPr/>
+      </p:nvGrpSpPr>
+      <p:grpSpPr>
+        <a:xfrm>
+          <a:off x="0" y="0"/>
+          <a:ext cx="0" cy="0"/>
+          <a:chOff x="0" y="0"/>
+          <a:chExt cx="0" cy="0"/>
+        </a:xfrm>
+      </p:grpSpPr>
+      <p:sp>
+        <p:nvSpPr>
+          <p:cNvPr id="2" name="Title 1">
+            <a:extLst>
+              <a:ext uri="{FF2B5EF4-FFF2-40B4-BE49-F238E27FC236}">
+                <a16:creationId xmlns:a16="http://schemas.microsoft.com/office/drawing/2014/main" id="{EE0EDFAE-BD89-F0AF-D881-AB48B6071EDF}"/>
+              </a:ext>
+            </a:extLst>
+          </p:cNvPr>
+          <p:cNvSpPr>
+            <a:spLocks noGrp="1"/>
+          </p:cNvSpPr>
+          <p:nvPr>
+            <p:ph type="title"/>
+          </p:nvPr>
+        </p:nvSpPr>
+        <p:spPr/>
+        <p:txBody>
+          <a:bodyPr/>
+          <a:lstStyle/>
+          <a:p>
+            <a:r>
+              <a:rPr lang="en-US" dirty="0"/>
+              <a:t>Class-based vs Functional </a:t>
+            </a:r>
+            <a:r>
+              <a:rPr lang="en-US" dirty="0" err="1"/>
+              <a:t>Compnents</a:t>
+            </a:r>
+            <a:endParaRPr lang="en-US" dirty="0"/>
+          </a:p>
+        </p:txBody>
+      </p:sp>
+      <p:sp>
+        <p:nvSpPr>
+          <p:cNvPr id="4" name="TextBox 3">
+            <a:extLst>
+              <a:ext uri="{FF2B5EF4-FFF2-40B4-BE49-F238E27FC236}">
+                <a16:creationId xmlns:a16="http://schemas.microsoft.com/office/drawing/2014/main" id="{38066AF5-13F1-B226-8FE5-2648DDF367B2}"/>
+              </a:ext>
+            </a:extLst>
+          </p:cNvPr>
+          <p:cNvSpPr txBox="1"/>
+          <p:nvPr/>
+        </p:nvSpPr>
+        <p:spPr>
+          <a:xfrm>
+            <a:off x="1364776" y="1690688"/>
+            <a:ext cx="3234090" cy="2862322"/>
+          </a:xfrm>
+          <a:prstGeom prst="rect">
+            <a:avLst/>
+          </a:prstGeom>
+          <a:noFill/>
+        </p:spPr>
+        <p:txBody>
+          <a:bodyPr wrap="none" rtlCol="0">
+            <a:spAutoFit/>
+          </a:bodyPr>
+          <a:lstStyle/>
+          <a:p>
+            <a:r>
+              <a:rPr lang="en-US" dirty="0"/>
+              <a:t>Class based</a:t>
+            </a:r>
+          </a:p>
+          <a:p>
+            <a:endParaRPr lang="en-US" dirty="0"/>
+          </a:p>
+          <a:p>
+            <a:r>
+              <a:rPr lang="en-US" dirty="0"/>
+              <a:t>Class </a:t>
+            </a:r>
+            <a:r>
+              <a:rPr lang="en-US" dirty="0" err="1"/>
+              <a:t>xy</a:t>
+            </a:r>
+            <a:r>
+              <a:rPr lang="en-US" dirty="0"/>
+              <a:t> extends Component</a:t>
+            </a:r>
+          </a:p>
+          <a:p>
+            <a:r>
+              <a:rPr lang="en-US" dirty="0"/>
+              <a:t>	Access to State</a:t>
+            </a:r>
+          </a:p>
+          <a:p>
+            <a:r>
+              <a:rPr lang="en-US" dirty="0"/>
+              <a:t>	Lifecycle Hooks</a:t>
+            </a:r>
+          </a:p>
+          <a:p>
+            <a:endParaRPr lang="en-US" dirty="0"/>
+          </a:p>
+          <a:p>
+            <a:r>
+              <a:rPr lang="en-US" dirty="0"/>
+              <a:t>Access State and Props via “this”</a:t>
+            </a:r>
+          </a:p>
+          <a:p>
+            <a:endParaRPr lang="en-US" dirty="0"/>
+          </a:p>
+          <a:p>
+            <a:r>
+              <a:rPr lang="en-US" dirty="0"/>
+              <a:t>Ex: </a:t>
+            </a:r>
+            <a:r>
+              <a:rPr lang="en-US" dirty="0" err="1"/>
+              <a:t>this.state.XY</a:t>
+            </a:r>
+            <a:r>
+              <a:rPr lang="en-US" dirty="0"/>
+              <a:t> &amp; </a:t>
+            </a:r>
+            <a:r>
+              <a:rPr lang="en-US" dirty="0" err="1"/>
+              <a:t>this.props.XY</a:t>
+            </a:r>
+            <a:br>
+              <a:rPr lang="en-US" dirty="0"/>
+            </a:br>
+            <a:endParaRPr lang="en-US" dirty="0"/>
+          </a:p>
+        </p:txBody>
+      </p:sp>
+      <p:sp>
+        <p:nvSpPr>
+          <p:cNvPr id="5" name="TextBox 4">
+            <a:extLst>
+              <a:ext uri="{FF2B5EF4-FFF2-40B4-BE49-F238E27FC236}">
+                <a16:creationId xmlns:a16="http://schemas.microsoft.com/office/drawing/2014/main" id="{8DF1D7A4-96B2-930D-3B46-E8F52644C00F}"/>
+              </a:ext>
+            </a:extLst>
+          </p:cNvPr>
+          <p:cNvSpPr txBox="1"/>
+          <p:nvPr/>
+        </p:nvSpPr>
+        <p:spPr>
+          <a:xfrm>
+            <a:off x="7055892" y="1690688"/>
+            <a:ext cx="3765326" cy="2585323"/>
+          </a:xfrm>
+          <a:prstGeom prst="rect">
+            <a:avLst/>
+          </a:prstGeom>
+          <a:noFill/>
+        </p:spPr>
+        <p:txBody>
+          <a:bodyPr wrap="none" rtlCol="0">
+            <a:spAutoFit/>
+          </a:bodyPr>
+          <a:lstStyle/>
+          <a:p>
+            <a:r>
+              <a:rPr lang="en-US" dirty="0"/>
+              <a:t>Functional</a:t>
+            </a:r>
+          </a:p>
+          <a:p>
+            <a:endParaRPr lang="en-US" dirty="0"/>
+          </a:p>
+          <a:p>
+            <a:r>
+              <a:rPr lang="en-US" dirty="0"/>
+              <a:t>Const </a:t>
+            </a:r>
+            <a:r>
+              <a:rPr lang="en-US" dirty="0" err="1"/>
+              <a:t>xy</a:t>
+            </a:r>
+            <a:r>
+              <a:rPr lang="en-US" dirty="0"/>
+              <a:t> = props =&gt; {…}</a:t>
+            </a:r>
+          </a:p>
+          <a:p>
+            <a:r>
+              <a:rPr lang="en-US" dirty="0"/>
+              <a:t>	Access to State(</a:t>
+            </a:r>
+            <a:r>
+              <a:rPr lang="en-US" dirty="0" err="1"/>
+              <a:t>useState</a:t>
+            </a:r>
+            <a:r>
+              <a:rPr lang="en-US" dirty="0"/>
+              <a:t>())</a:t>
+            </a:r>
+          </a:p>
+          <a:p>
+            <a:r>
+              <a:rPr lang="en-US" dirty="0"/>
+              <a:t>	Lifecycle hooks not available</a:t>
+            </a:r>
+          </a:p>
+          <a:p>
+            <a:endParaRPr lang="en-US" dirty="0"/>
+          </a:p>
+          <a:p>
+            <a:r>
+              <a:rPr lang="en-US" dirty="0"/>
+              <a:t>Access Props via ‘props’</a:t>
+            </a:r>
+          </a:p>
+          <a:p>
+            <a:endParaRPr lang="en-US" dirty="0"/>
+          </a:p>
+          <a:p>
+            <a:r>
+              <a:rPr lang="en-US" dirty="0"/>
+              <a:t>Ex: </a:t>
+            </a:r>
+            <a:r>
+              <a:rPr lang="en-US" dirty="0" err="1"/>
+              <a:t>props.XY</a:t>
+            </a:r>
+            <a:endParaRPr lang="en-US" dirty="0"/>
+          </a:p>
+        </p:txBody>
+      </p:sp>
+      <p:sp>
+        <p:nvSpPr>
+          <p:cNvPr id="7" name="Rectangle 6">
+            <a:extLst>
+              <a:ext uri="{FF2B5EF4-FFF2-40B4-BE49-F238E27FC236}">
+                <a16:creationId xmlns:a16="http://schemas.microsoft.com/office/drawing/2014/main" id="{7645A426-7450-BC5E-4BA6-509FB5F37B02}"/>
+              </a:ext>
+            </a:extLst>
+          </p:cNvPr>
+          <p:cNvSpPr/>
+          <p:nvPr/>
+        </p:nvSpPr>
+        <p:spPr>
+          <a:xfrm>
+            <a:off x="1119116" y="4885899"/>
+            <a:ext cx="3234090" cy="1433014"/>
+          </a:xfrm>
+          <a:prstGeom prst="rect">
+            <a:avLst/>
+          </a:prstGeom>
+        </p:spPr>
+        <p:style>
+          <a:lnRef idx="2">
+            <a:schemeClr val="accent1">
+              <a:shade val="50000"/>
+            </a:schemeClr>
+          </a:lnRef>
+          <a:fillRef idx="1">
+            <a:schemeClr val="accent1"/>
+          </a:fillRef>
+          <a:effectRef idx="0">
+            <a:schemeClr val="accent1"/>
+          </a:effectRef>
+          <a:fontRef idx="minor">
+            <a:schemeClr val="lt1"/>
+          </a:fontRef>
+        </p:style>
+        <p:txBody>
+          <a:bodyPr rtlCol="0" anchor="ctr"/>
+          <a:lstStyle/>
+          <a:p>
+            <a:pPr algn="ctr"/>
+            <a:r>
+              <a:rPr lang="en-US" dirty="0"/>
+              <a:t>Use if you need to manage State or access to Lifecycle Hooks and you don’t want to use React Hooks!</a:t>
+            </a:r>
+          </a:p>
+        </p:txBody>
+      </p:sp>
+      <p:sp>
+        <p:nvSpPr>
+          <p:cNvPr id="8" name="Rectangle 7">
+            <a:extLst>
+              <a:ext uri="{FF2B5EF4-FFF2-40B4-BE49-F238E27FC236}">
+                <a16:creationId xmlns:a16="http://schemas.microsoft.com/office/drawing/2014/main" id="{8AAEDA2D-320F-5A46-7EBA-DEED3CBB6E5E}"/>
+              </a:ext>
+            </a:extLst>
+          </p:cNvPr>
+          <p:cNvSpPr/>
+          <p:nvPr/>
+        </p:nvSpPr>
+        <p:spPr>
+          <a:xfrm>
+            <a:off x="7055892" y="5868537"/>
+            <a:ext cx="3234090" cy="506698"/>
+          </a:xfrm>
+          <a:prstGeom prst="rect">
+            <a:avLst/>
+          </a:prstGeom>
+        </p:spPr>
+        <p:style>
+          <a:lnRef idx="2">
+            <a:schemeClr val="accent1">
+              <a:shade val="50000"/>
+            </a:schemeClr>
+          </a:lnRef>
+          <a:fillRef idx="1">
+            <a:schemeClr val="accent1"/>
+          </a:fillRef>
+          <a:effectRef idx="0">
+            <a:schemeClr val="accent1"/>
+          </a:effectRef>
+          <a:fontRef idx="minor">
+            <a:schemeClr val="lt1"/>
+          </a:fontRef>
+        </p:style>
+        <p:txBody>
+          <a:bodyPr rtlCol="0" anchor="ctr"/>
+          <a:lstStyle/>
+          <a:p>
+            <a:pPr algn="ctr"/>
+            <a:r>
+              <a:rPr lang="en-US" dirty="0"/>
+              <a:t>Use in all other Cases</a:t>
+            </a:r>
+          </a:p>
+        </p:txBody>
+      </p:sp>
+    </p:spTree>
+    <p:extLst>
+      <p:ext uri="{BB962C8B-B14F-4D97-AF65-F5344CB8AC3E}">
+        <p14:creationId xmlns:p14="http://schemas.microsoft.com/office/powerpoint/2010/main" val="182168555"/>
+      </p:ext>
+    </p:extLst>
+  </p:cSld>
+  <p:clrMapOvr>
+    <a:masterClrMapping/>
+  </p:clrMapOvr>
+</p:sld>
+</file>
+
+<file path=ppt/slides/slide8.xml><?xml version="1.0" encoding="utf-8"?>
+<p:sld xmlns:a="http://schemas.openxmlformats.org/drawingml/2006/main" xmlns:r="http://schemas.openxmlformats.org/officeDocument/2006/relationships" xmlns:p="http://schemas.openxmlformats.org/presentationml/2006/main">
+  <p:cSld>
+    <p:spTree>
+      <p:nvGrpSpPr>
+        <p:cNvPr id="1" name=""/>
+        <p:cNvGrpSpPr/>
+        <p:nvPr/>
+      </p:nvGrpSpPr>
+      <p:grpSpPr>
+        <a:xfrm>
+          <a:off x="0" y="0"/>
+          <a:ext cx="0" cy="0"/>
+          <a:chOff x="0" y="0"/>
+          <a:chExt cx="0" cy="0"/>
+        </a:xfrm>
+      </p:grpSpPr>
+      <p:sp>
+        <p:nvSpPr>
+          <p:cNvPr id="2" name="Title 1">
+            <a:extLst>
+              <a:ext uri="{FF2B5EF4-FFF2-40B4-BE49-F238E27FC236}">
+                <a16:creationId xmlns:a16="http://schemas.microsoft.com/office/drawing/2014/main" id="{B5C33556-4271-5ECD-05BD-6F2209FEB6C2}"/>
+              </a:ext>
+            </a:extLst>
+          </p:cNvPr>
+          <p:cNvSpPr>
+            <a:spLocks noGrp="1"/>
+          </p:cNvSpPr>
+          <p:nvPr>
+            <p:ph type="title"/>
+          </p:nvPr>
+        </p:nvSpPr>
+        <p:spPr>
+          <a:xfrm>
+            <a:off x="838200" y="365126"/>
+            <a:ext cx="10515600" cy="631162"/>
+          </a:xfrm>
+        </p:spPr>
+        <p:txBody>
+          <a:bodyPr>
+            <a:noAutofit/>
+          </a:bodyPr>
+          <a:lstStyle/>
+          <a:p>
+            <a:r>
+              <a:rPr lang="en-US" sz="2800" dirty="0"/>
+              <a:t>Component Lifecycle (Only available in Class-based Components)</a:t>
+            </a:r>
+          </a:p>
+        </p:txBody>
+      </p:sp>
+      <p:sp>
+        <p:nvSpPr>
+          <p:cNvPr id="3" name="Content Placeholder 2">
+            <a:extLst>
+              <a:ext uri="{FF2B5EF4-FFF2-40B4-BE49-F238E27FC236}">
+                <a16:creationId xmlns:a16="http://schemas.microsoft.com/office/drawing/2014/main" id="{B94AAD5A-9C55-2F3A-A1BE-58C712593D5B}"/>
+              </a:ext>
+            </a:extLst>
+          </p:cNvPr>
+          <p:cNvSpPr>
+            <a:spLocks noGrp="1"/>
+          </p:cNvSpPr>
+          <p:nvPr>
+            <p:ph idx="1"/>
+          </p:nvPr>
+        </p:nvSpPr>
+        <p:spPr>
+          <a:xfrm>
+            <a:off x="838200" y="1446663"/>
+            <a:ext cx="10515600" cy="4730300"/>
+          </a:xfrm>
+        </p:spPr>
+        <p:txBody>
+          <a:bodyPr numCol="2">
+            <a:normAutofit/>
+          </a:bodyPr>
+          <a:lstStyle/>
+          <a:p>
+            <a:r>
+              <a:rPr lang="en-US" sz="3200" dirty="0"/>
+              <a:t>Constructor()</a:t>
+            </a:r>
+          </a:p>
+          <a:p>
+            <a:r>
+              <a:rPr lang="en-US" sz="3200" dirty="0" err="1"/>
+              <a:t>getDerivedStateFromProps</a:t>
+            </a:r>
+            <a:r>
+              <a:rPr lang="en-US" sz="3200" dirty="0"/>
+              <a:t>()</a:t>
+            </a:r>
+          </a:p>
+          <a:p>
+            <a:r>
+              <a:rPr lang="en-US" sz="3200" dirty="0" err="1"/>
+              <a:t>getSnapshotBeforeUpdate</a:t>
+            </a:r>
+            <a:r>
+              <a:rPr lang="en-US" sz="3200" dirty="0"/>
+              <a:t>()</a:t>
+            </a:r>
+          </a:p>
+          <a:p>
+            <a:r>
+              <a:rPr lang="en-US" sz="3200" dirty="0" err="1"/>
+              <a:t>componentDidCatch</a:t>
+            </a:r>
+            <a:r>
+              <a:rPr lang="en-US" sz="3200" dirty="0"/>
+              <a:t>()</a:t>
+            </a:r>
+          </a:p>
+          <a:p>
+            <a:r>
+              <a:rPr lang="en-US" sz="3200" dirty="0" err="1"/>
+              <a:t>componentWillUnmount</a:t>
+            </a:r>
+            <a:r>
+              <a:rPr lang="en-US" sz="3200" dirty="0"/>
+              <a:t>()</a:t>
+            </a:r>
+          </a:p>
+          <a:p>
+            <a:r>
+              <a:rPr lang="en-US" sz="3200" dirty="0" err="1"/>
+              <a:t>shouldCompunetUpdate</a:t>
+            </a:r>
+            <a:r>
+              <a:rPr lang="en-US" sz="3200" dirty="0"/>
+              <a:t>()</a:t>
+            </a:r>
+          </a:p>
+          <a:p>
+            <a:r>
+              <a:rPr lang="en-US" sz="3200" dirty="0" err="1"/>
+              <a:t>componentDidUpdate</a:t>
+            </a:r>
+            <a:r>
+              <a:rPr lang="en-US" sz="3200" dirty="0"/>
+              <a:t>()</a:t>
+            </a:r>
+          </a:p>
+          <a:p>
+            <a:r>
+              <a:rPr lang="en-US" sz="3200" dirty="0" err="1"/>
+              <a:t>componentDidMount</a:t>
+            </a:r>
+            <a:r>
+              <a:rPr lang="en-US" sz="3200" dirty="0"/>
+              <a:t>()</a:t>
+            </a:r>
+          </a:p>
+          <a:p>
+            <a:r>
+              <a:rPr lang="en-US" sz="3200" dirty="0"/>
+              <a:t>Render()</a:t>
+            </a:r>
+          </a:p>
+        </p:txBody>
+      </p:sp>
+    </p:spTree>
+    <p:extLst>
+      <p:ext uri="{BB962C8B-B14F-4D97-AF65-F5344CB8AC3E}">
+        <p14:creationId xmlns:p14="http://schemas.microsoft.com/office/powerpoint/2010/main" val="331948697"/>
+      </p:ext>
+    </p:extLst>
+  </p:cSld>
+  <p:clrMapOvr>
+    <a:masterClrMapping/>
+  </p:clrMapOvr>
+</p:sld>
+</file>
+
+<file path=ppt/slides/slide9.xml><?xml version="1.0" encoding="utf-8"?>
+<p:sld xmlns:a="http://schemas.openxmlformats.org/drawingml/2006/main" xmlns:r="http://schemas.openxmlformats.org/officeDocument/2006/relationships" xmlns:p="http://schemas.openxmlformats.org/presentationml/2006/main">
+  <p:cSld>
+    <p:spTree>
+      <p:nvGrpSpPr>
+        <p:cNvPr id="1" name=""/>
+        <p:cNvGrpSpPr/>
+        <p:nvPr/>
+      </p:nvGrpSpPr>
+      <p:grpSpPr>
+        <a:xfrm>
+          <a:off x="0" y="0"/>
+          <a:ext cx="0" cy="0"/>
+          <a:chOff x="0" y="0"/>
+          <a:chExt cx="0" cy="0"/>
+        </a:xfrm>
+      </p:grpSpPr>
+      <p:sp>
+        <p:nvSpPr>
+          <p:cNvPr id="2" name="Title 1">
+            <a:extLst>
+              <a:ext uri="{FF2B5EF4-FFF2-40B4-BE49-F238E27FC236}">
+                <a16:creationId xmlns:a16="http://schemas.microsoft.com/office/drawing/2014/main" id="{E78B57A5-92F2-D2DA-FB29-17E9C7C5D927}"/>
+              </a:ext>
+            </a:extLst>
+          </p:cNvPr>
+          <p:cNvSpPr>
+            <a:spLocks noGrp="1"/>
+          </p:cNvSpPr>
+          <p:nvPr>
+            <p:ph type="title"/>
+          </p:nvPr>
+        </p:nvSpPr>
+        <p:spPr/>
+        <p:txBody>
+          <a:bodyPr/>
+          <a:lstStyle/>
+          <a:p>
+            <a:r>
+              <a:rPr lang="en-US" dirty="0"/>
+              <a:t>Component Lifecycle –creation </a:t>
+            </a:r>
+          </a:p>
+        </p:txBody>
+      </p:sp>
+      <p:sp>
+        <p:nvSpPr>
+          <p:cNvPr id="3" name="Content Placeholder 2">
+            <a:extLst>
+              <a:ext uri="{FF2B5EF4-FFF2-40B4-BE49-F238E27FC236}">
+                <a16:creationId xmlns:a16="http://schemas.microsoft.com/office/drawing/2014/main" id="{B4672A45-2DB5-2922-5388-DC4D253D978B}"/>
+              </a:ext>
+            </a:extLst>
+          </p:cNvPr>
+          <p:cNvSpPr>
+            <a:spLocks noGrp="1"/>
+          </p:cNvSpPr>
+          <p:nvPr>
+            <p:ph idx="1"/>
+          </p:nvPr>
+        </p:nvSpPr>
+        <p:spPr>
+          <a:xfrm>
+            <a:off x="3765076" y="2022583"/>
+            <a:ext cx="3187890" cy="562733"/>
+          </a:xfrm>
+        </p:spPr>
+        <p:txBody>
+          <a:bodyPr/>
+          <a:lstStyle/>
+          <a:p>
+            <a:pPr marL="0" indent="0">
+              <a:buNone/>
+            </a:pPr>
+            <a:r>
+              <a:rPr lang="en-US" dirty="0"/>
+              <a:t>Constructor(props)</a:t>
+            </a:r>
+          </a:p>
+        </p:txBody>
+      </p:sp>
+      <p:sp>
+        <p:nvSpPr>
+          <p:cNvPr id="4" name="Content Placeholder 2">
+            <a:extLst>
+              <a:ext uri="{FF2B5EF4-FFF2-40B4-BE49-F238E27FC236}">
+                <a16:creationId xmlns:a16="http://schemas.microsoft.com/office/drawing/2014/main" id="{8D8AE375-BF5C-F9EA-1E35-AC12FE939B19}"/>
+              </a:ext>
+            </a:extLst>
+          </p:cNvPr>
+          <p:cNvSpPr txBox="1">
+            <a:spLocks/>
+          </p:cNvSpPr>
+          <p:nvPr/>
+        </p:nvSpPr>
+        <p:spPr>
+          <a:xfrm>
+            <a:off x="3622343" y="3340384"/>
+            <a:ext cx="4661848" cy="442888"/>
+          </a:xfrm>
+          <a:prstGeom prst="rect">
+            <a:avLst/>
+          </a:prstGeom>
+        </p:spPr>
+        <p:txBody>
+          <a:bodyPr vert="horz" lIns="91440" tIns="45720" rIns="91440" bIns="45720" rtlCol="0">
+            <a:normAutofit fontScale="70000" lnSpcReduction="20000"/>
+          </a:bodyPr>
+          <a:lstStyle>
+            <a:lvl1pPr marL="228600" indent="-228600" algn="l" defTabSz="914400" rtl="0" eaLnBrk="1" latinLnBrk="0" hangingPunct="1">
+              <a:lnSpc>
+                <a:spcPct val="90000"/>
+              </a:lnSpc>
+              <a:spcBef>
+                <a:spcPts val="1000"/>
+              </a:spcBef>
+              <a:buFont typeface="Arial" panose="020B0604020202020204" pitchFamily="34" charset="0"/>
+              <a:buChar char="•"/>
+              <a:defRPr sz="2800" kern="1200">
+                <a:solidFill>
+                  <a:schemeClr val="tx1"/>
+                </a:solidFill>
+                <a:latin typeface="+mn-lt"/>
+                <a:ea typeface="+mn-ea"/>
+                <a:cs typeface="+mn-cs"/>
+              </a:defRPr>
+            </a:lvl1pPr>
+            <a:lvl2pPr marL="685800" indent="-228600" algn="l" defTabSz="914400" rtl="0" eaLnBrk="1" latinLnBrk="0" hangingPunct="1">
+              <a:lnSpc>
+                <a:spcPct val="90000"/>
+              </a:lnSpc>
+              <a:spcBef>
+                <a:spcPts val="500"/>
+              </a:spcBef>
+              <a:buFont typeface="Arial" panose="020B0604020202020204" pitchFamily="34" charset="0"/>
+              <a:buChar char="•"/>
+              <a:defRPr sz="2400" kern="1200">
+                <a:solidFill>
+                  <a:schemeClr val="tx1"/>
+                </a:solidFill>
+                <a:latin typeface="+mn-lt"/>
+                <a:ea typeface="+mn-ea"/>
+                <a:cs typeface="+mn-cs"/>
+              </a:defRPr>
+            </a:lvl2pPr>
+            <a:lvl3pPr marL="1143000" indent="-228600" algn="l" defTabSz="914400" rtl="0" eaLnBrk="1" latinLnBrk="0" hangingPunct="1">
+              <a:lnSpc>
+                <a:spcPct val="90000"/>
+              </a:lnSpc>
+              <a:spcBef>
+                <a:spcPts val="500"/>
+              </a:spcBef>
+              <a:buFont typeface="Arial" panose="020B0604020202020204" pitchFamily="34" charset="0"/>
+              <a:buChar char="•"/>
+              <a:defRPr sz="2000" kern="1200">
+                <a:solidFill>
+                  <a:schemeClr val="tx1"/>
+                </a:solidFill>
+                <a:latin typeface="+mn-lt"/>
+                <a:ea typeface="+mn-ea"/>
+                <a:cs typeface="+mn-cs"/>
+              </a:defRPr>
+            </a:lvl3pPr>
+            <a:lvl4pPr marL="1600200" indent="-228600" algn="l" defTabSz="914400" rtl="0" eaLnBrk="1" latinLnBrk="0" hangingPunct="1">
+              <a:lnSpc>
+                <a:spcPct val="90000"/>
+              </a:lnSpc>
+              <a:spcBef>
+                <a:spcPts val="500"/>
+              </a:spcBef>
+              <a:buFont typeface="Arial" panose="020B0604020202020204" pitchFamily="34" charset="0"/>
+              <a:buChar char="•"/>
+              <a:defRPr sz="1800" kern="1200">
+                <a:solidFill>
+                  <a:schemeClr val="tx1"/>
+                </a:solidFill>
+                <a:latin typeface="+mn-lt"/>
+                <a:ea typeface="+mn-ea"/>
+                <a:cs typeface="+mn-cs"/>
+              </a:defRPr>
+            </a:lvl4pPr>
+            <a:lvl5pPr marL="2057400" indent="-228600" algn="l" defTabSz="914400" rtl="0" eaLnBrk="1" latinLnBrk="0" hangingPunct="1">
+              <a:lnSpc>
+                <a:spcPct val="90000"/>
+              </a:lnSpc>
+              <a:spcBef>
+                <a:spcPts val="500"/>
+              </a:spcBef>
+              <a:buFont typeface="Arial" panose="020B0604020202020204" pitchFamily="34" charset="0"/>
+              <a:buChar char="•"/>
+              <a:defRPr sz="1800" kern="1200">
+                <a:solidFill>
+                  <a:schemeClr val="tx1"/>
+                </a:solidFill>
+                <a:latin typeface="+mn-lt"/>
+                <a:ea typeface="+mn-ea"/>
+                <a:cs typeface="+mn-cs"/>
+              </a:defRPr>
+            </a:lvl5pPr>
+            <a:lvl6pPr marL="2514600" indent="-228600" algn="l" defTabSz="914400" rtl="0" eaLnBrk="1" latinLnBrk="0" hangingPunct="1">
+              <a:lnSpc>
+                <a:spcPct val="90000"/>
+              </a:lnSpc>
+              <a:spcBef>
+                <a:spcPts val="500"/>
+              </a:spcBef>
+              <a:buFont typeface="Arial" panose="020B0604020202020204" pitchFamily="34" charset="0"/>
+              <a:buChar char="•"/>
+              <a:defRPr sz="1800" kern="1200">
+                <a:solidFill>
+                  <a:schemeClr val="tx1"/>
+                </a:solidFill>
+                <a:latin typeface="+mn-lt"/>
+                <a:ea typeface="+mn-ea"/>
+                <a:cs typeface="+mn-cs"/>
+              </a:defRPr>
+            </a:lvl6pPr>
+            <a:lvl7pPr marL="2971800" indent="-228600" algn="l" defTabSz="914400" rtl="0" eaLnBrk="1" latinLnBrk="0" hangingPunct="1">
+              <a:lnSpc>
+                <a:spcPct val="90000"/>
+              </a:lnSpc>
+              <a:spcBef>
+                <a:spcPts val="500"/>
+              </a:spcBef>
+              <a:buFont typeface="Arial" panose="020B0604020202020204" pitchFamily="34" charset="0"/>
+              <a:buChar char="•"/>
+              <a:defRPr sz="1800" kern="1200">
+                <a:solidFill>
+                  <a:schemeClr val="tx1"/>
+                </a:solidFill>
+                <a:latin typeface="+mn-lt"/>
+                <a:ea typeface="+mn-ea"/>
+                <a:cs typeface="+mn-cs"/>
+              </a:defRPr>
+            </a:lvl7pPr>
+            <a:lvl8pPr marL="3429000" indent="-228600" algn="l" defTabSz="914400" rtl="0" eaLnBrk="1" latinLnBrk="0" hangingPunct="1">
+              <a:lnSpc>
+                <a:spcPct val="90000"/>
+              </a:lnSpc>
+              <a:spcBef>
+                <a:spcPts val="500"/>
+              </a:spcBef>
+              <a:buFont typeface="Arial" panose="020B0604020202020204" pitchFamily="34" charset="0"/>
+              <a:buChar char="•"/>
+              <a:defRPr sz="1800" kern="1200">
+                <a:solidFill>
+                  <a:schemeClr val="tx1"/>
+                </a:solidFill>
+                <a:latin typeface="+mn-lt"/>
+                <a:ea typeface="+mn-ea"/>
+                <a:cs typeface="+mn-cs"/>
+              </a:defRPr>
+            </a:lvl8pPr>
+            <a:lvl9pPr marL="3886200" indent="-228600" algn="l" defTabSz="914400" rtl="0" eaLnBrk="1" latinLnBrk="0" hangingPunct="1">
+              <a:lnSpc>
+                <a:spcPct val="90000"/>
+              </a:lnSpc>
+              <a:spcBef>
+                <a:spcPts val="500"/>
+              </a:spcBef>
+              <a:buFont typeface="Arial" panose="020B0604020202020204" pitchFamily="34" charset="0"/>
+              <a:buChar char="•"/>
+              <a:defRPr sz="1800" kern="1200">
+                <a:solidFill>
+                  <a:schemeClr val="tx1"/>
+                </a:solidFill>
+                <a:latin typeface="+mn-lt"/>
+                <a:ea typeface="+mn-ea"/>
+                <a:cs typeface="+mn-cs"/>
+              </a:defRPr>
+            </a:lvl9pPr>
+          </a:lstStyle>
+          <a:p>
+            <a:pPr marL="0" indent="0">
+              <a:buFont typeface="Arial" panose="020B0604020202020204" pitchFamily="34" charset="0"/>
+              <a:buNone/>
+            </a:pPr>
+            <a:r>
+              <a:rPr lang="en-US" dirty="0" err="1"/>
+              <a:t>getDerivedStateFromProps</a:t>
+            </a:r>
+            <a:r>
+              <a:rPr lang="en-US" dirty="0"/>
+              <a:t>(</a:t>
+            </a:r>
+            <a:r>
+              <a:rPr lang="en-US" dirty="0" err="1"/>
+              <a:t>props,state</a:t>
+            </a:r>
+            <a:r>
+              <a:rPr lang="en-US" dirty="0"/>
+              <a:t>)</a:t>
+            </a:r>
+          </a:p>
+        </p:txBody>
+      </p:sp>
+      <p:sp>
+        <p:nvSpPr>
+          <p:cNvPr id="5" name="Content Placeholder 2">
+            <a:extLst>
+              <a:ext uri="{FF2B5EF4-FFF2-40B4-BE49-F238E27FC236}">
+                <a16:creationId xmlns:a16="http://schemas.microsoft.com/office/drawing/2014/main" id="{B4F7FABB-9EDC-E42C-E833-FC3A43354F17}"/>
+              </a:ext>
+            </a:extLst>
+          </p:cNvPr>
+          <p:cNvSpPr txBox="1">
+            <a:spLocks/>
+          </p:cNvSpPr>
+          <p:nvPr/>
+        </p:nvSpPr>
+        <p:spPr>
+          <a:xfrm>
+            <a:off x="3765076" y="4264925"/>
+            <a:ext cx="4661848" cy="442888"/>
+          </a:xfrm>
+          <a:prstGeom prst="rect">
+            <a:avLst/>
+          </a:prstGeom>
+        </p:spPr>
+        <p:txBody>
+          <a:bodyPr vert="horz" lIns="91440" tIns="45720" rIns="91440" bIns="45720" rtlCol="0">
+            <a:normAutofit fontScale="92500" lnSpcReduction="10000"/>
+          </a:bodyPr>
+          <a:lstStyle>
+            <a:lvl1pPr marL="228600" indent="-228600" algn="l" defTabSz="914400" rtl="0" eaLnBrk="1" latinLnBrk="0" hangingPunct="1">
+              <a:lnSpc>
+                <a:spcPct val="90000"/>
+              </a:lnSpc>
+              <a:spcBef>
+                <a:spcPts val="1000"/>
+              </a:spcBef>
+              <a:buFont typeface="Arial" panose="020B0604020202020204" pitchFamily="34" charset="0"/>
+              <a:buChar char="•"/>
+              <a:defRPr sz="2800" kern="1200">
+                <a:solidFill>
+                  <a:schemeClr val="tx1"/>
+                </a:solidFill>
+                <a:latin typeface="+mn-lt"/>
+                <a:ea typeface="+mn-ea"/>
+                <a:cs typeface="+mn-cs"/>
+              </a:defRPr>
+            </a:lvl1pPr>
+            <a:lvl2pPr marL="685800" indent="-228600" algn="l" defTabSz="914400" rtl="0" eaLnBrk="1" latinLnBrk="0" hangingPunct="1">
+              <a:lnSpc>
+                <a:spcPct val="90000"/>
+              </a:lnSpc>
+              <a:spcBef>
+                <a:spcPts val="500"/>
+              </a:spcBef>
+              <a:buFont typeface="Arial" panose="020B0604020202020204" pitchFamily="34" charset="0"/>
+              <a:buChar char="•"/>
+              <a:defRPr sz="2400" kern="1200">
+                <a:solidFill>
+                  <a:schemeClr val="tx1"/>
+                </a:solidFill>
+                <a:latin typeface="+mn-lt"/>
+                <a:ea typeface="+mn-ea"/>
+                <a:cs typeface="+mn-cs"/>
+              </a:defRPr>
+            </a:lvl2pPr>
+            <a:lvl3pPr marL="1143000" indent="-228600" algn="l" defTabSz="914400" rtl="0" eaLnBrk="1" latinLnBrk="0" hangingPunct="1">
+              <a:lnSpc>
+                <a:spcPct val="90000"/>
+              </a:lnSpc>
+              <a:spcBef>
+                <a:spcPts val="500"/>
+              </a:spcBef>
+              <a:buFont typeface="Arial" panose="020B0604020202020204" pitchFamily="34" charset="0"/>
+              <a:buChar char="•"/>
+              <a:defRPr sz="2000" kern="1200">
+                <a:solidFill>
+                  <a:schemeClr val="tx1"/>
+                </a:solidFill>
+                <a:latin typeface="+mn-lt"/>
+                <a:ea typeface="+mn-ea"/>
+                <a:cs typeface="+mn-cs"/>
+              </a:defRPr>
+            </a:lvl3pPr>
+            <a:lvl4pPr marL="1600200" indent="-228600" algn="l" defTabSz="914400" rtl="0" eaLnBrk="1" latinLnBrk="0" hangingPunct="1">
+              <a:lnSpc>
+                <a:spcPct val="90000"/>
+              </a:lnSpc>
+              <a:spcBef>
+                <a:spcPts val="500"/>
+              </a:spcBef>
+              <a:buFont typeface="Arial" panose="020B0604020202020204" pitchFamily="34" charset="0"/>
+              <a:buChar char="•"/>
+              <a:defRPr sz="1800" kern="1200">
+                <a:solidFill>
+                  <a:schemeClr val="tx1"/>
+                </a:solidFill>
+                <a:latin typeface="+mn-lt"/>
+                <a:ea typeface="+mn-ea"/>
+                <a:cs typeface="+mn-cs"/>
+              </a:defRPr>
+            </a:lvl4pPr>
+            <a:lvl5pPr marL="2057400" indent="-228600" algn="l" defTabSz="914400" rtl="0" eaLnBrk="1" latinLnBrk="0" hangingPunct="1">
+              <a:lnSpc>
+                <a:spcPct val="90000"/>
+              </a:lnSpc>
+              <a:spcBef>
+                <a:spcPts val="500"/>
+              </a:spcBef>
+              <a:buFont typeface="Arial" panose="020B0604020202020204" pitchFamily="34" charset="0"/>
+              <a:buChar char="•"/>
+              <a:defRPr sz="1800" kern="1200">
+                <a:solidFill>
+                  <a:schemeClr val="tx1"/>
+                </a:solidFill>
+                <a:latin typeface="+mn-lt"/>
+                <a:ea typeface="+mn-ea"/>
+                <a:cs typeface="+mn-cs"/>
+              </a:defRPr>
+            </a:lvl5pPr>
+            <a:lvl6pPr marL="2514600" indent="-228600" algn="l" defTabSz="914400" rtl="0" eaLnBrk="1" latinLnBrk="0" hangingPunct="1">
+              <a:lnSpc>
+                <a:spcPct val="90000"/>
+              </a:lnSpc>
+              <a:spcBef>
+                <a:spcPts val="500"/>
+              </a:spcBef>
+              <a:buFont typeface="Arial" panose="020B0604020202020204" pitchFamily="34" charset="0"/>
+              <a:buChar char="•"/>
+              <a:defRPr sz="1800" kern="1200">
+                <a:solidFill>
+                  <a:schemeClr val="tx1"/>
+                </a:solidFill>
+                <a:latin typeface="+mn-lt"/>
+                <a:ea typeface="+mn-ea"/>
+                <a:cs typeface="+mn-cs"/>
+              </a:defRPr>
+            </a:lvl6pPr>
+            <a:lvl7pPr marL="2971800" indent="-228600" algn="l" defTabSz="914400" rtl="0" eaLnBrk="1" latinLnBrk="0" hangingPunct="1">
+              <a:lnSpc>
+                <a:spcPct val="90000"/>
+              </a:lnSpc>
+              <a:spcBef>
+                <a:spcPts val="500"/>
+              </a:spcBef>
+              <a:buFont typeface="Arial" panose="020B0604020202020204" pitchFamily="34" charset="0"/>
+              <a:buChar char="•"/>
+              <a:defRPr sz="1800" kern="1200">
+                <a:solidFill>
+                  <a:schemeClr val="tx1"/>
+                </a:solidFill>
+                <a:latin typeface="+mn-lt"/>
+                <a:ea typeface="+mn-ea"/>
+                <a:cs typeface="+mn-cs"/>
+              </a:defRPr>
+            </a:lvl7pPr>
+            <a:lvl8pPr marL="3429000" indent="-228600" algn="l" defTabSz="914400" rtl="0" eaLnBrk="1" latinLnBrk="0" hangingPunct="1">
+              <a:lnSpc>
+                <a:spcPct val="90000"/>
+              </a:lnSpc>
+              <a:spcBef>
+                <a:spcPts val="500"/>
+              </a:spcBef>
+              <a:buFont typeface="Arial" panose="020B0604020202020204" pitchFamily="34" charset="0"/>
+              <a:buChar char="•"/>
+              <a:defRPr sz="1800" kern="1200">
+                <a:solidFill>
+                  <a:schemeClr val="tx1"/>
+                </a:solidFill>
+                <a:latin typeface="+mn-lt"/>
+                <a:ea typeface="+mn-ea"/>
+                <a:cs typeface="+mn-cs"/>
+              </a:defRPr>
+            </a:lvl8pPr>
+            <a:lvl9pPr marL="3886200" indent="-228600" algn="l" defTabSz="914400" rtl="0" eaLnBrk="1" latinLnBrk="0" hangingPunct="1">
+              <a:lnSpc>
+                <a:spcPct val="90000"/>
+              </a:lnSpc>
+              <a:spcBef>
+                <a:spcPts val="500"/>
+              </a:spcBef>
+              <a:buFont typeface="Arial" panose="020B0604020202020204" pitchFamily="34" charset="0"/>
+              <a:buChar char="•"/>
+              <a:defRPr sz="1800" kern="1200">
+                <a:solidFill>
+                  <a:schemeClr val="tx1"/>
+                </a:solidFill>
+                <a:latin typeface="+mn-lt"/>
+                <a:ea typeface="+mn-ea"/>
+                <a:cs typeface="+mn-cs"/>
+              </a:defRPr>
+            </a:lvl9pPr>
+          </a:lstStyle>
+          <a:p>
+            <a:pPr marL="0" indent="0">
+              <a:buFont typeface="Arial" panose="020B0604020202020204" pitchFamily="34" charset="0"/>
+              <a:buNone/>
+            </a:pPr>
+            <a:r>
+              <a:rPr lang="en-US" dirty="0"/>
+              <a:t>Render()</a:t>
+            </a:r>
+          </a:p>
+        </p:txBody>
+      </p:sp>
+      <p:sp>
+        <p:nvSpPr>
+          <p:cNvPr id="6" name="Content Placeholder 2">
+            <a:extLst>
+              <a:ext uri="{FF2B5EF4-FFF2-40B4-BE49-F238E27FC236}">
+                <a16:creationId xmlns:a16="http://schemas.microsoft.com/office/drawing/2014/main" id="{A4B08594-EF8C-3F32-8E2F-BD12E34FF876}"/>
+              </a:ext>
+            </a:extLst>
+          </p:cNvPr>
+          <p:cNvSpPr txBox="1">
+            <a:spLocks/>
+          </p:cNvSpPr>
+          <p:nvPr/>
+        </p:nvSpPr>
+        <p:spPr>
+          <a:xfrm>
+            <a:off x="3765076" y="5009795"/>
+            <a:ext cx="4661848" cy="442888"/>
+          </a:xfrm>
+          <a:prstGeom prst="rect">
+            <a:avLst/>
+          </a:prstGeom>
+        </p:spPr>
+        <p:txBody>
+          <a:bodyPr vert="horz" lIns="91440" tIns="45720" rIns="91440" bIns="45720" rtlCol="0">
+            <a:normAutofit fontScale="92500" lnSpcReduction="10000"/>
+          </a:bodyPr>
+          <a:lstStyle>
+            <a:lvl1pPr marL="228600" indent="-228600" algn="l" defTabSz="914400" rtl="0" eaLnBrk="1" latinLnBrk="0" hangingPunct="1">
+              <a:lnSpc>
+                <a:spcPct val="90000"/>
+              </a:lnSpc>
+              <a:spcBef>
+                <a:spcPts val="1000"/>
+              </a:spcBef>
+              <a:buFont typeface="Arial" panose="020B0604020202020204" pitchFamily="34" charset="0"/>
+              <a:buChar char="•"/>
+              <a:defRPr sz="2800" kern="1200">
+                <a:solidFill>
+                  <a:schemeClr val="tx1"/>
+                </a:solidFill>
+                <a:latin typeface="+mn-lt"/>
+                <a:ea typeface="+mn-ea"/>
+                <a:cs typeface="+mn-cs"/>
+              </a:defRPr>
+            </a:lvl1pPr>
+            <a:lvl2pPr marL="685800" indent="-228600" algn="l" defTabSz="914400" rtl="0" eaLnBrk="1" latinLnBrk="0" hangingPunct="1">
+              <a:lnSpc>
+                <a:spcPct val="90000"/>
+              </a:lnSpc>
+              <a:spcBef>
+                <a:spcPts val="500"/>
+              </a:spcBef>
+              <a:buFont typeface="Arial" panose="020B0604020202020204" pitchFamily="34" charset="0"/>
+              <a:buChar char="•"/>
+              <a:defRPr sz="2400" kern="1200">
+                <a:solidFill>
+                  <a:schemeClr val="tx1"/>
+                </a:solidFill>
+                <a:latin typeface="+mn-lt"/>
+                <a:ea typeface="+mn-ea"/>
+                <a:cs typeface="+mn-cs"/>
+              </a:defRPr>
+            </a:lvl2pPr>
+            <a:lvl3pPr marL="1143000" indent="-228600" algn="l" defTabSz="914400" rtl="0" eaLnBrk="1" latinLnBrk="0" hangingPunct="1">
+              <a:lnSpc>
+                <a:spcPct val="90000"/>
+              </a:lnSpc>
+              <a:spcBef>
+                <a:spcPts val="500"/>
+              </a:spcBef>
+              <a:buFont typeface="Arial" panose="020B0604020202020204" pitchFamily="34" charset="0"/>
+              <a:buChar char="•"/>
+              <a:defRPr sz="2000" kern="1200">
+                <a:solidFill>
+                  <a:schemeClr val="tx1"/>
+                </a:solidFill>
+                <a:latin typeface="+mn-lt"/>
+                <a:ea typeface="+mn-ea"/>
+                <a:cs typeface="+mn-cs"/>
+              </a:defRPr>
+            </a:lvl3pPr>
+            <a:lvl4pPr marL="1600200" indent="-228600" algn="l" defTabSz="914400" rtl="0" eaLnBrk="1" latinLnBrk="0" hangingPunct="1">
+              <a:lnSpc>
+                <a:spcPct val="90000"/>
+              </a:lnSpc>
+              <a:spcBef>
+                <a:spcPts val="500"/>
+              </a:spcBef>
+              <a:buFont typeface="Arial" panose="020B0604020202020204" pitchFamily="34" charset="0"/>
+              <a:buChar char="•"/>
+              <a:defRPr sz="1800" kern="1200">
+                <a:solidFill>
+                  <a:schemeClr val="tx1"/>
+                </a:solidFill>
+                <a:latin typeface="+mn-lt"/>
+                <a:ea typeface="+mn-ea"/>
+                <a:cs typeface="+mn-cs"/>
+              </a:defRPr>
+            </a:lvl4pPr>
+            <a:lvl5pPr marL="2057400" indent="-228600" algn="l" defTabSz="914400" rtl="0" eaLnBrk="1" latinLnBrk="0" hangingPunct="1">
+              <a:lnSpc>
+                <a:spcPct val="90000"/>
+              </a:lnSpc>
+              <a:spcBef>
+                <a:spcPts val="500"/>
+              </a:spcBef>
+              <a:buFont typeface="Arial" panose="020B0604020202020204" pitchFamily="34" charset="0"/>
+              <a:buChar char="•"/>
+              <a:defRPr sz="1800" kern="1200">
+                <a:solidFill>
+                  <a:schemeClr val="tx1"/>
+                </a:solidFill>
+                <a:latin typeface="+mn-lt"/>
+                <a:ea typeface="+mn-ea"/>
+                <a:cs typeface="+mn-cs"/>
+              </a:defRPr>
+            </a:lvl5pPr>
+            <a:lvl6pPr marL="2514600" indent="-228600" algn="l" defTabSz="914400" rtl="0" eaLnBrk="1" latinLnBrk="0" hangingPunct="1">
+              <a:lnSpc>
+                <a:spcPct val="90000"/>
+              </a:lnSpc>
+              <a:spcBef>
+                <a:spcPts val="500"/>
+              </a:spcBef>
+              <a:buFont typeface="Arial" panose="020B0604020202020204" pitchFamily="34" charset="0"/>
+              <a:buChar char="•"/>
+              <a:defRPr sz="1800" kern="1200">
+                <a:solidFill>
+                  <a:schemeClr val="tx1"/>
+                </a:solidFill>
+                <a:latin typeface="+mn-lt"/>
+                <a:ea typeface="+mn-ea"/>
+                <a:cs typeface="+mn-cs"/>
+              </a:defRPr>
+            </a:lvl6pPr>
+            <a:lvl7pPr marL="2971800" indent="-228600" algn="l" defTabSz="914400" rtl="0" eaLnBrk="1" latinLnBrk="0" hangingPunct="1">
+              <a:lnSpc>
+                <a:spcPct val="90000"/>
+              </a:lnSpc>
+              <a:spcBef>
+                <a:spcPts val="500"/>
+              </a:spcBef>
+              <a:buFont typeface="Arial" panose="020B0604020202020204" pitchFamily="34" charset="0"/>
+              <a:buChar char="•"/>
+              <a:defRPr sz="1800" kern="1200">
+                <a:solidFill>
+                  <a:schemeClr val="tx1"/>
+                </a:solidFill>
+                <a:latin typeface="+mn-lt"/>
+                <a:ea typeface="+mn-ea"/>
+                <a:cs typeface="+mn-cs"/>
+              </a:defRPr>
+            </a:lvl7pPr>
+            <a:lvl8pPr marL="3429000" indent="-228600" algn="l" defTabSz="914400" rtl="0" eaLnBrk="1" latinLnBrk="0" hangingPunct="1">
+              <a:lnSpc>
+                <a:spcPct val="90000"/>
+              </a:lnSpc>
+              <a:spcBef>
+                <a:spcPts val="500"/>
+              </a:spcBef>
+              <a:buFont typeface="Arial" panose="020B0604020202020204" pitchFamily="34" charset="0"/>
+              <a:buChar char="•"/>
+              <a:defRPr sz="1800" kern="1200">
+                <a:solidFill>
+                  <a:schemeClr val="tx1"/>
+                </a:solidFill>
+                <a:latin typeface="+mn-lt"/>
+                <a:ea typeface="+mn-ea"/>
+                <a:cs typeface="+mn-cs"/>
+              </a:defRPr>
+            </a:lvl8pPr>
+            <a:lvl9pPr marL="3886200" indent="-228600" algn="l" defTabSz="914400" rtl="0" eaLnBrk="1" latinLnBrk="0" hangingPunct="1">
+              <a:lnSpc>
+                <a:spcPct val="90000"/>
+              </a:lnSpc>
+              <a:spcBef>
+                <a:spcPts val="500"/>
+              </a:spcBef>
+              <a:buFont typeface="Arial" panose="020B0604020202020204" pitchFamily="34" charset="0"/>
+              <a:buChar char="•"/>
+              <a:defRPr sz="1800" kern="1200">
+                <a:solidFill>
+                  <a:schemeClr val="tx1"/>
+                </a:solidFill>
+                <a:latin typeface="+mn-lt"/>
+                <a:ea typeface="+mn-ea"/>
+                <a:cs typeface="+mn-cs"/>
+              </a:defRPr>
+            </a:lvl9pPr>
+          </a:lstStyle>
+          <a:p>
+            <a:pPr marL="0" indent="0">
+              <a:buFont typeface="Arial" panose="020B0604020202020204" pitchFamily="34" charset="0"/>
+              <a:buNone/>
+            </a:pPr>
+            <a:r>
+              <a:rPr lang="en-US" dirty="0"/>
+              <a:t>Render child </a:t>
+            </a:r>
+            <a:r>
+              <a:rPr lang="en-US" dirty="0" err="1"/>
+              <a:t>Componets</a:t>
+            </a:r>
+            <a:endParaRPr lang="en-US" dirty="0"/>
+          </a:p>
+        </p:txBody>
+      </p:sp>
+      <p:sp>
+        <p:nvSpPr>
+          <p:cNvPr id="7" name="Content Placeholder 2">
+            <a:extLst>
+              <a:ext uri="{FF2B5EF4-FFF2-40B4-BE49-F238E27FC236}">
+                <a16:creationId xmlns:a16="http://schemas.microsoft.com/office/drawing/2014/main" id="{57873EE8-7470-A5D0-BD86-DB77D625C54B}"/>
+              </a:ext>
+            </a:extLst>
+          </p:cNvPr>
+          <p:cNvSpPr txBox="1">
+            <a:spLocks/>
+          </p:cNvSpPr>
+          <p:nvPr/>
+        </p:nvSpPr>
+        <p:spPr>
+          <a:xfrm>
+            <a:off x="3765076" y="5875857"/>
+            <a:ext cx="4661848" cy="442888"/>
+          </a:xfrm>
+          <a:prstGeom prst="rect">
+            <a:avLst/>
+          </a:prstGeom>
+        </p:spPr>
+        <p:txBody>
+          <a:bodyPr vert="horz" lIns="91440" tIns="45720" rIns="91440" bIns="45720" rtlCol="0">
+            <a:normAutofit fontScale="92500" lnSpcReduction="10000"/>
+          </a:bodyPr>
+          <a:lstStyle>
+            <a:lvl1pPr marL="228600" indent="-228600" algn="l" defTabSz="914400" rtl="0" eaLnBrk="1" latinLnBrk="0" hangingPunct="1">
+              <a:lnSpc>
+                <a:spcPct val="90000"/>
+              </a:lnSpc>
+              <a:spcBef>
+                <a:spcPts val="1000"/>
+              </a:spcBef>
+              <a:buFont typeface="Arial" panose="020B0604020202020204" pitchFamily="34" charset="0"/>
+              <a:buChar char="•"/>
+              <a:defRPr sz="2800" kern="1200">
+                <a:solidFill>
+                  <a:schemeClr val="tx1"/>
+                </a:solidFill>
+                <a:latin typeface="+mn-lt"/>
+                <a:ea typeface="+mn-ea"/>
+                <a:cs typeface="+mn-cs"/>
+              </a:defRPr>
+            </a:lvl1pPr>
+            <a:lvl2pPr marL="685800" indent="-228600" algn="l" defTabSz="914400" rtl="0" eaLnBrk="1" latinLnBrk="0" hangingPunct="1">
+              <a:lnSpc>
+                <a:spcPct val="90000"/>
+              </a:lnSpc>
+              <a:spcBef>
+                <a:spcPts val="500"/>
+              </a:spcBef>
+              <a:buFont typeface="Arial" panose="020B0604020202020204" pitchFamily="34" charset="0"/>
+              <a:buChar char="•"/>
+              <a:defRPr sz="2400" kern="1200">
+                <a:solidFill>
+                  <a:schemeClr val="tx1"/>
+                </a:solidFill>
+                <a:latin typeface="+mn-lt"/>
+                <a:ea typeface="+mn-ea"/>
+                <a:cs typeface="+mn-cs"/>
+              </a:defRPr>
+            </a:lvl2pPr>
+            <a:lvl3pPr marL="1143000" indent="-228600" algn="l" defTabSz="914400" rtl="0" eaLnBrk="1" latinLnBrk="0" hangingPunct="1">
+              <a:lnSpc>
+                <a:spcPct val="90000"/>
+              </a:lnSpc>
+              <a:spcBef>
+                <a:spcPts val="500"/>
+              </a:spcBef>
+              <a:buFont typeface="Arial" panose="020B0604020202020204" pitchFamily="34" charset="0"/>
+              <a:buChar char="•"/>
+              <a:defRPr sz="2000" kern="1200">
+                <a:solidFill>
+                  <a:schemeClr val="tx1"/>
+                </a:solidFill>
+                <a:latin typeface="+mn-lt"/>
+                <a:ea typeface="+mn-ea"/>
+                <a:cs typeface="+mn-cs"/>
+              </a:defRPr>
+            </a:lvl3pPr>
+            <a:lvl4pPr marL="1600200" indent="-228600" algn="l" defTabSz="914400" rtl="0" eaLnBrk="1" latinLnBrk="0" hangingPunct="1">
+              <a:lnSpc>
+                <a:spcPct val="90000"/>
+              </a:lnSpc>
+              <a:spcBef>
+                <a:spcPts val="500"/>
+              </a:spcBef>
+              <a:buFont typeface="Arial" panose="020B0604020202020204" pitchFamily="34" charset="0"/>
+              <a:buChar char="•"/>
+              <a:defRPr sz="1800" kern="1200">
+                <a:solidFill>
+                  <a:schemeClr val="tx1"/>
+                </a:solidFill>
+                <a:latin typeface="+mn-lt"/>
+                <a:ea typeface="+mn-ea"/>
+                <a:cs typeface="+mn-cs"/>
+              </a:defRPr>
+            </a:lvl4pPr>
+            <a:lvl5pPr marL="2057400" indent="-228600" algn="l" defTabSz="914400" rtl="0" eaLnBrk="1" latinLnBrk="0" hangingPunct="1">
+              <a:lnSpc>
+                <a:spcPct val="90000"/>
+              </a:lnSpc>
+              <a:spcBef>
+                <a:spcPts val="500"/>
+              </a:spcBef>
+              <a:buFont typeface="Arial" panose="020B0604020202020204" pitchFamily="34" charset="0"/>
+              <a:buChar char="•"/>
+              <a:defRPr sz="1800" kern="1200">
+                <a:solidFill>
+                  <a:schemeClr val="tx1"/>
+                </a:solidFill>
+                <a:latin typeface="+mn-lt"/>
+                <a:ea typeface="+mn-ea"/>
+                <a:cs typeface="+mn-cs"/>
+              </a:defRPr>
+            </a:lvl5pPr>
+            <a:lvl6pPr marL="2514600" indent="-228600" algn="l" defTabSz="914400" rtl="0" eaLnBrk="1" latinLnBrk="0" hangingPunct="1">
+              <a:lnSpc>
+                <a:spcPct val="90000"/>
+              </a:lnSpc>
+              <a:spcBef>
+                <a:spcPts val="500"/>
+              </a:spcBef>
+              <a:buFont typeface="Arial" panose="020B0604020202020204" pitchFamily="34" charset="0"/>
+              <a:buChar char="•"/>
+              <a:defRPr sz="1800" kern="1200">
+                <a:solidFill>
+                  <a:schemeClr val="tx1"/>
+                </a:solidFill>
+                <a:latin typeface="+mn-lt"/>
+                <a:ea typeface="+mn-ea"/>
+                <a:cs typeface="+mn-cs"/>
+              </a:defRPr>
+            </a:lvl6pPr>
+            <a:lvl7pPr marL="2971800" indent="-228600" algn="l" defTabSz="914400" rtl="0" eaLnBrk="1" latinLnBrk="0" hangingPunct="1">
+              <a:lnSpc>
+                <a:spcPct val="90000"/>
+              </a:lnSpc>
+              <a:spcBef>
+                <a:spcPts val="500"/>
+              </a:spcBef>
+              <a:buFont typeface="Arial" panose="020B0604020202020204" pitchFamily="34" charset="0"/>
+              <a:buChar char="•"/>
+              <a:defRPr sz="1800" kern="1200">
+                <a:solidFill>
+                  <a:schemeClr val="tx1"/>
+                </a:solidFill>
+                <a:latin typeface="+mn-lt"/>
+                <a:ea typeface="+mn-ea"/>
+                <a:cs typeface="+mn-cs"/>
+              </a:defRPr>
+            </a:lvl7pPr>
+            <a:lvl8pPr marL="3429000" indent="-228600" algn="l" defTabSz="914400" rtl="0" eaLnBrk="1" latinLnBrk="0" hangingPunct="1">
+              <a:lnSpc>
+                <a:spcPct val="90000"/>
+              </a:lnSpc>
+              <a:spcBef>
+                <a:spcPts val="500"/>
+              </a:spcBef>
+              <a:buFont typeface="Arial" panose="020B0604020202020204" pitchFamily="34" charset="0"/>
+              <a:buChar char="•"/>
+              <a:defRPr sz="1800" kern="1200">
+                <a:solidFill>
+                  <a:schemeClr val="tx1"/>
+                </a:solidFill>
+                <a:latin typeface="+mn-lt"/>
+                <a:ea typeface="+mn-ea"/>
+                <a:cs typeface="+mn-cs"/>
+              </a:defRPr>
+            </a:lvl8pPr>
+            <a:lvl9pPr marL="3886200" indent="-228600" algn="l" defTabSz="914400" rtl="0" eaLnBrk="1" latinLnBrk="0" hangingPunct="1">
+              <a:lnSpc>
+                <a:spcPct val="90000"/>
+              </a:lnSpc>
+              <a:spcBef>
+                <a:spcPts val="500"/>
+              </a:spcBef>
+              <a:buFont typeface="Arial" panose="020B0604020202020204" pitchFamily="34" charset="0"/>
+              <a:buChar char="•"/>
+              <a:defRPr sz="1800" kern="1200">
+                <a:solidFill>
+                  <a:schemeClr val="tx1"/>
+                </a:solidFill>
+                <a:latin typeface="+mn-lt"/>
+                <a:ea typeface="+mn-ea"/>
+                <a:cs typeface="+mn-cs"/>
+              </a:defRPr>
+            </a:lvl9pPr>
+          </a:lstStyle>
+          <a:p>
+            <a:pPr marL="0" indent="0">
+              <a:buFont typeface="Arial" panose="020B0604020202020204" pitchFamily="34" charset="0"/>
+              <a:buNone/>
+            </a:pPr>
+            <a:r>
+              <a:rPr lang="en-US" dirty="0" err="1"/>
+              <a:t>componetDidMount</a:t>
+            </a:r>
+            <a:endParaRPr lang="en-US" dirty="0"/>
+          </a:p>
+        </p:txBody>
+      </p:sp>
+      <p:sp>
+        <p:nvSpPr>
+          <p:cNvPr id="8" name="Arrow: Down 7">
+            <a:extLst>
+              <a:ext uri="{FF2B5EF4-FFF2-40B4-BE49-F238E27FC236}">
+                <a16:creationId xmlns:a16="http://schemas.microsoft.com/office/drawing/2014/main" id="{2232AD16-18BF-34FD-062F-D4EF6C67D8C8}"/>
+              </a:ext>
+            </a:extLst>
+          </p:cNvPr>
+          <p:cNvSpPr/>
+          <p:nvPr/>
+        </p:nvSpPr>
+        <p:spPr>
+          <a:xfrm>
+            <a:off x="5049672" y="2696440"/>
+            <a:ext cx="491319" cy="442888"/>
+          </a:xfrm>
+          <a:prstGeom prst="downArrow">
+            <a:avLst/>
+          </a:prstGeom>
+        </p:spPr>
+        <p:style>
+          <a:lnRef idx="2">
+            <a:schemeClr val="accent1">
+              <a:shade val="50000"/>
+            </a:schemeClr>
+          </a:lnRef>
+          <a:fillRef idx="1">
+            <a:schemeClr val="accent1"/>
+          </a:fillRef>
+          <a:effectRef idx="0">
+            <a:schemeClr val="accent1"/>
+          </a:effectRef>
+          <a:fontRef idx="minor">
+            <a:schemeClr val="lt1"/>
+          </a:fontRef>
+        </p:style>
+        <p:txBody>
+          <a:bodyPr rtlCol="0" anchor="ctr"/>
+          <a:lstStyle/>
+          <a:p>
+            <a:pPr algn="ctr"/>
+            <a:endParaRPr lang="en-US"/>
+          </a:p>
+        </p:txBody>
+      </p:sp>
+      <p:sp>
+        <p:nvSpPr>
+          <p:cNvPr id="9" name="Arrow: Down 8">
+            <a:extLst>
+              <a:ext uri="{FF2B5EF4-FFF2-40B4-BE49-F238E27FC236}">
+                <a16:creationId xmlns:a16="http://schemas.microsoft.com/office/drawing/2014/main" id="{4059B9AA-879D-83C4-98A3-5888574074B7}"/>
+              </a:ext>
+            </a:extLst>
+          </p:cNvPr>
+          <p:cNvSpPr/>
+          <p:nvPr/>
+        </p:nvSpPr>
+        <p:spPr>
+          <a:xfrm>
+            <a:off x="5049672" y="3712819"/>
+            <a:ext cx="491319" cy="442888"/>
+          </a:xfrm>
+          <a:prstGeom prst="downArrow">
+            <a:avLst/>
+          </a:prstGeom>
+        </p:spPr>
+        <p:style>
+          <a:lnRef idx="2">
+            <a:schemeClr val="accent1">
+              <a:shade val="50000"/>
+            </a:schemeClr>
+          </a:lnRef>
+          <a:fillRef idx="1">
+            <a:schemeClr val="accent1"/>
+          </a:fillRef>
+          <a:effectRef idx="0">
+            <a:schemeClr val="accent1"/>
+          </a:effectRef>
+          <a:fontRef idx="minor">
+            <a:schemeClr val="lt1"/>
+          </a:fontRef>
+        </p:style>
+        <p:txBody>
+          <a:bodyPr rtlCol="0" anchor="ctr"/>
+          <a:lstStyle/>
+          <a:p>
+            <a:pPr algn="ctr"/>
+            <a:endParaRPr lang="en-US"/>
+          </a:p>
+        </p:txBody>
+      </p:sp>
+      <p:sp>
+        <p:nvSpPr>
+          <p:cNvPr id="10" name="Arrow: Down 9">
+            <a:extLst>
+              <a:ext uri="{FF2B5EF4-FFF2-40B4-BE49-F238E27FC236}">
+                <a16:creationId xmlns:a16="http://schemas.microsoft.com/office/drawing/2014/main" id="{4B4EE8F5-0D25-2EE3-EF53-66A99EC74F3A}"/>
+              </a:ext>
+            </a:extLst>
+          </p:cNvPr>
+          <p:cNvSpPr/>
+          <p:nvPr/>
+        </p:nvSpPr>
+        <p:spPr>
+          <a:xfrm>
+            <a:off x="5113361" y="4608120"/>
+            <a:ext cx="491319" cy="442888"/>
+          </a:xfrm>
+          <a:prstGeom prst="downArrow">
+            <a:avLst/>
+          </a:prstGeom>
+        </p:spPr>
+        <p:style>
+          <a:lnRef idx="2">
+            <a:schemeClr val="accent1">
+              <a:shade val="50000"/>
+            </a:schemeClr>
+          </a:lnRef>
+          <a:fillRef idx="1">
+            <a:schemeClr val="accent1"/>
+          </a:fillRef>
+          <a:effectRef idx="0">
+            <a:schemeClr val="accent1"/>
+          </a:effectRef>
+          <a:fontRef idx="minor">
+            <a:schemeClr val="lt1"/>
+          </a:fontRef>
+        </p:style>
+        <p:txBody>
+          <a:bodyPr rtlCol="0" anchor="ctr"/>
+          <a:lstStyle/>
+          <a:p>
+            <a:pPr algn="ctr"/>
+            <a:endParaRPr lang="en-US"/>
+          </a:p>
+        </p:txBody>
+      </p:sp>
+      <p:sp>
+        <p:nvSpPr>
+          <p:cNvPr id="11" name="Arrow: Down 10">
+            <a:extLst>
+              <a:ext uri="{FF2B5EF4-FFF2-40B4-BE49-F238E27FC236}">
+                <a16:creationId xmlns:a16="http://schemas.microsoft.com/office/drawing/2014/main" id="{017F621D-93C8-F519-CD38-136C390BB567}"/>
+              </a:ext>
+            </a:extLst>
+          </p:cNvPr>
+          <p:cNvSpPr/>
+          <p:nvPr/>
+        </p:nvSpPr>
+        <p:spPr>
+          <a:xfrm>
+            <a:off x="5136106" y="5337732"/>
+            <a:ext cx="491319" cy="442888"/>
+          </a:xfrm>
+          <a:prstGeom prst="downArrow">
+            <a:avLst/>
+          </a:prstGeom>
+        </p:spPr>
+        <p:style>
+          <a:lnRef idx="2">
+            <a:schemeClr val="accent1">
+              <a:shade val="50000"/>
+            </a:schemeClr>
+          </a:lnRef>
+          <a:fillRef idx="1">
+            <a:schemeClr val="accent1"/>
+          </a:fillRef>
+          <a:effectRef idx="0">
+            <a:schemeClr val="accent1"/>
+          </a:effectRef>
+          <a:fontRef idx="minor">
+            <a:schemeClr val="lt1"/>
+          </a:fontRef>
+        </p:style>
+        <p:txBody>
+          <a:bodyPr rtlCol="0" anchor="ctr"/>
+          <a:lstStyle/>
+          <a:p>
+            <a:pPr algn="ctr"/>
+            <a:endParaRPr lang="en-US"/>
+          </a:p>
+        </p:txBody>
+      </p:sp>
+      <p:sp>
+        <p:nvSpPr>
+          <p:cNvPr id="12" name="TextBox 11">
+            <a:extLst>
+              <a:ext uri="{FF2B5EF4-FFF2-40B4-BE49-F238E27FC236}">
+                <a16:creationId xmlns:a16="http://schemas.microsoft.com/office/drawing/2014/main" id="{4575D21D-6787-8614-EE53-6E7550350AAC}"/>
+              </a:ext>
+            </a:extLst>
+          </p:cNvPr>
+          <p:cNvSpPr txBox="1"/>
+          <p:nvPr/>
+        </p:nvSpPr>
+        <p:spPr>
+          <a:xfrm>
+            <a:off x="464024" y="1897039"/>
+            <a:ext cx="2518959" cy="369332"/>
+          </a:xfrm>
+          <a:prstGeom prst="rect">
+            <a:avLst/>
+          </a:prstGeom>
+          <a:noFill/>
+        </p:spPr>
+        <p:txBody>
+          <a:bodyPr wrap="none" rtlCol="0">
+            <a:spAutoFit/>
+          </a:bodyPr>
+          <a:lstStyle/>
+          <a:p>
+            <a:r>
+              <a:rPr lang="en-US" dirty="0"/>
+              <a:t>Default ES6 class Feature</a:t>
+            </a:r>
+          </a:p>
+        </p:txBody>
+      </p:sp>
+      <p:cxnSp>
+        <p:nvCxnSpPr>
+          <p:cNvPr id="14" name="Straight Arrow Connector 13">
+            <a:extLst>
+              <a:ext uri="{FF2B5EF4-FFF2-40B4-BE49-F238E27FC236}">
+                <a16:creationId xmlns:a16="http://schemas.microsoft.com/office/drawing/2014/main" id="{09E13711-79E2-022E-4FCA-ACF122A11F4C}"/>
+              </a:ext>
+            </a:extLst>
+          </p:cNvPr>
+          <p:cNvCxnSpPr>
+            <a:stCxn id="3" idx="3"/>
+          </p:cNvCxnSpPr>
+          <p:nvPr/>
+        </p:nvCxnSpPr>
+        <p:spPr>
+          <a:xfrm flipV="1">
+            <a:off x="6952966" y="1897039"/>
+            <a:ext cx="2313864" cy="406911"/>
+          </a:xfrm>
+          <a:prstGeom prst="straightConnector1">
+            <a:avLst/>
+          </a:prstGeom>
+          <a:ln>
+            <a:tailEnd type="triangle"/>
+          </a:ln>
+        </p:spPr>
+        <p:style>
+          <a:lnRef idx="1">
+            <a:schemeClr val="accent1"/>
+          </a:lnRef>
+          <a:fillRef idx="0">
+            <a:schemeClr val="accent1"/>
+          </a:fillRef>
+          <a:effectRef idx="0">
+            <a:schemeClr val="accent1"/>
+          </a:effectRef>
+          <a:fontRef idx="minor">
+            <a:schemeClr val="tx1"/>
+          </a:fontRef>
+        </p:style>
+      </p:cxnSp>
+      <p:sp>
+        <p:nvSpPr>
+          <p:cNvPr id="15" name="Content Placeholder 2">
+            <a:extLst>
+              <a:ext uri="{FF2B5EF4-FFF2-40B4-BE49-F238E27FC236}">
+                <a16:creationId xmlns:a16="http://schemas.microsoft.com/office/drawing/2014/main" id="{680D6498-08D9-505E-909D-FC12F5872E25}"/>
+              </a:ext>
+            </a:extLst>
+          </p:cNvPr>
+          <p:cNvSpPr txBox="1">
+            <a:spLocks/>
+          </p:cNvSpPr>
+          <p:nvPr/>
+        </p:nvSpPr>
+        <p:spPr>
+          <a:xfrm>
+            <a:off x="9004110" y="1168358"/>
+            <a:ext cx="3187890" cy="1135592"/>
+          </a:xfrm>
+          <a:prstGeom prst="rect">
+            <a:avLst/>
+          </a:prstGeom>
+        </p:spPr>
+        <p:txBody>
+          <a:bodyPr vert="horz" lIns="91440" tIns="45720" rIns="91440" bIns="45720" rtlCol="0">
+            <a:normAutofit fontScale="77500" lnSpcReduction="20000"/>
+          </a:bodyPr>
+          <a:lstStyle>
+            <a:lvl1pPr marL="228600" indent="-228600" algn="l" defTabSz="914400" rtl="0" eaLnBrk="1" latinLnBrk="0" hangingPunct="1">
+              <a:lnSpc>
+                <a:spcPct val="90000"/>
+              </a:lnSpc>
+              <a:spcBef>
+                <a:spcPts val="1000"/>
+              </a:spcBef>
+              <a:buFont typeface="Arial" panose="020B0604020202020204" pitchFamily="34" charset="0"/>
+              <a:buChar char="•"/>
+              <a:defRPr sz="2800" kern="1200">
+                <a:solidFill>
+                  <a:schemeClr val="tx1"/>
+                </a:solidFill>
+                <a:latin typeface="+mn-lt"/>
+                <a:ea typeface="+mn-ea"/>
+                <a:cs typeface="+mn-cs"/>
+              </a:defRPr>
+            </a:lvl1pPr>
+            <a:lvl2pPr marL="685800" indent="-228600" algn="l" defTabSz="914400" rtl="0" eaLnBrk="1" latinLnBrk="0" hangingPunct="1">
+              <a:lnSpc>
+                <a:spcPct val="90000"/>
+              </a:lnSpc>
+              <a:spcBef>
+                <a:spcPts val="500"/>
+              </a:spcBef>
+              <a:buFont typeface="Arial" panose="020B0604020202020204" pitchFamily="34" charset="0"/>
+              <a:buChar char="•"/>
+              <a:defRPr sz="2400" kern="1200">
+                <a:solidFill>
+                  <a:schemeClr val="tx1"/>
+                </a:solidFill>
+                <a:latin typeface="+mn-lt"/>
+                <a:ea typeface="+mn-ea"/>
+                <a:cs typeface="+mn-cs"/>
+              </a:defRPr>
+            </a:lvl2pPr>
+            <a:lvl3pPr marL="1143000" indent="-228600" algn="l" defTabSz="914400" rtl="0" eaLnBrk="1" latinLnBrk="0" hangingPunct="1">
+              <a:lnSpc>
+                <a:spcPct val="90000"/>
+              </a:lnSpc>
+              <a:spcBef>
+                <a:spcPts val="500"/>
+              </a:spcBef>
+              <a:buFont typeface="Arial" panose="020B0604020202020204" pitchFamily="34" charset="0"/>
+              <a:buChar char="•"/>
+              <a:defRPr sz="2000" kern="1200">
+                <a:solidFill>
+                  <a:schemeClr val="tx1"/>
+                </a:solidFill>
+                <a:latin typeface="+mn-lt"/>
+                <a:ea typeface="+mn-ea"/>
+                <a:cs typeface="+mn-cs"/>
+              </a:defRPr>
+            </a:lvl3pPr>
+            <a:lvl4pPr marL="1600200" indent="-228600" algn="l" defTabSz="914400" rtl="0" eaLnBrk="1" latinLnBrk="0" hangingPunct="1">
+              <a:lnSpc>
+                <a:spcPct val="90000"/>
+              </a:lnSpc>
+              <a:spcBef>
+                <a:spcPts val="500"/>
+              </a:spcBef>
+              <a:buFont typeface="Arial" panose="020B0604020202020204" pitchFamily="34" charset="0"/>
+              <a:buChar char="•"/>
+              <a:defRPr sz="1800" kern="1200">
+                <a:solidFill>
+                  <a:schemeClr val="tx1"/>
+                </a:solidFill>
+                <a:latin typeface="+mn-lt"/>
+                <a:ea typeface="+mn-ea"/>
+                <a:cs typeface="+mn-cs"/>
+              </a:defRPr>
+            </a:lvl4pPr>
+            <a:lvl5pPr marL="2057400" indent="-228600" algn="l" defTabSz="914400" rtl="0" eaLnBrk="1" latinLnBrk="0" hangingPunct="1">
+              <a:lnSpc>
+                <a:spcPct val="90000"/>
+              </a:lnSpc>
+              <a:spcBef>
+                <a:spcPts val="500"/>
+              </a:spcBef>
+              <a:buFont typeface="Arial" panose="020B0604020202020204" pitchFamily="34" charset="0"/>
+              <a:buChar char="•"/>
+              <a:defRPr sz="1800" kern="1200">
+                <a:solidFill>
+                  <a:schemeClr val="tx1"/>
+                </a:solidFill>
+                <a:latin typeface="+mn-lt"/>
+                <a:ea typeface="+mn-ea"/>
+                <a:cs typeface="+mn-cs"/>
+              </a:defRPr>
+            </a:lvl5pPr>
+            <a:lvl6pPr marL="2514600" indent="-228600" algn="l" defTabSz="914400" rtl="0" eaLnBrk="1" latinLnBrk="0" hangingPunct="1">
+              <a:lnSpc>
+                <a:spcPct val="90000"/>
+              </a:lnSpc>
+              <a:spcBef>
+                <a:spcPts val="500"/>
+              </a:spcBef>
+              <a:buFont typeface="Arial" panose="020B0604020202020204" pitchFamily="34" charset="0"/>
+              <a:buChar char="•"/>
+              <a:defRPr sz="1800" kern="1200">
+                <a:solidFill>
+                  <a:schemeClr val="tx1"/>
+                </a:solidFill>
+                <a:latin typeface="+mn-lt"/>
+                <a:ea typeface="+mn-ea"/>
+                <a:cs typeface="+mn-cs"/>
+              </a:defRPr>
+            </a:lvl6pPr>
+            <a:lvl7pPr marL="2971800" indent="-228600" algn="l" defTabSz="914400" rtl="0" eaLnBrk="1" latinLnBrk="0" hangingPunct="1">
+              <a:lnSpc>
+                <a:spcPct val="90000"/>
+              </a:lnSpc>
+              <a:spcBef>
+                <a:spcPts val="500"/>
+              </a:spcBef>
+              <a:buFont typeface="Arial" panose="020B0604020202020204" pitchFamily="34" charset="0"/>
+              <a:buChar char="•"/>
+              <a:defRPr sz="1800" kern="1200">
+                <a:solidFill>
+                  <a:schemeClr val="tx1"/>
+                </a:solidFill>
+                <a:latin typeface="+mn-lt"/>
+                <a:ea typeface="+mn-ea"/>
+                <a:cs typeface="+mn-cs"/>
+              </a:defRPr>
+            </a:lvl7pPr>
+            <a:lvl8pPr marL="3429000" indent="-228600" algn="l" defTabSz="914400" rtl="0" eaLnBrk="1" latinLnBrk="0" hangingPunct="1">
+              <a:lnSpc>
+                <a:spcPct val="90000"/>
+              </a:lnSpc>
+              <a:spcBef>
+                <a:spcPts val="500"/>
+              </a:spcBef>
+              <a:buFont typeface="Arial" panose="020B0604020202020204" pitchFamily="34" charset="0"/>
+              <a:buChar char="•"/>
+              <a:defRPr sz="1800" kern="1200">
+                <a:solidFill>
+                  <a:schemeClr val="tx1"/>
+                </a:solidFill>
+                <a:latin typeface="+mn-lt"/>
+                <a:ea typeface="+mn-ea"/>
+                <a:cs typeface="+mn-cs"/>
+              </a:defRPr>
+            </a:lvl8pPr>
+            <a:lvl9pPr marL="3886200" indent="-228600" algn="l" defTabSz="914400" rtl="0" eaLnBrk="1" latinLnBrk="0" hangingPunct="1">
+              <a:lnSpc>
+                <a:spcPct val="90000"/>
+              </a:lnSpc>
+              <a:spcBef>
+                <a:spcPts val="500"/>
+              </a:spcBef>
+              <a:buFont typeface="Arial" panose="020B0604020202020204" pitchFamily="34" charset="0"/>
+              <a:buChar char="•"/>
+              <a:defRPr sz="1800" kern="1200">
+                <a:solidFill>
+                  <a:schemeClr val="tx1"/>
+                </a:solidFill>
+                <a:latin typeface="+mn-lt"/>
+                <a:ea typeface="+mn-ea"/>
+                <a:cs typeface="+mn-cs"/>
+              </a:defRPr>
+            </a:lvl9pPr>
+          </a:lstStyle>
+          <a:p>
+            <a:pPr marL="0" indent="0">
+              <a:buFont typeface="Arial" panose="020B0604020202020204" pitchFamily="34" charset="0"/>
+              <a:buNone/>
+            </a:pPr>
+            <a:r>
+              <a:rPr lang="en-US" dirty="0"/>
+              <a:t>Call super(props)</a:t>
+            </a:r>
+          </a:p>
+          <a:p>
+            <a:pPr marL="0" indent="0">
+              <a:buFont typeface="Arial" panose="020B0604020202020204" pitchFamily="34" charset="0"/>
+              <a:buNone/>
+            </a:pPr>
+            <a:r>
+              <a:rPr lang="en-US" dirty="0"/>
+              <a:t>DO: Set up State</a:t>
+            </a:r>
+          </a:p>
+          <a:p>
+            <a:pPr marL="0" indent="0">
+              <a:buFont typeface="Arial" panose="020B0604020202020204" pitchFamily="34" charset="0"/>
+              <a:buNone/>
+            </a:pPr>
+            <a:r>
+              <a:rPr lang="en-US" dirty="0" err="1"/>
+              <a:t>DON’t</a:t>
+            </a:r>
+            <a:r>
+              <a:rPr lang="en-US" dirty="0"/>
+              <a:t> : Cause Side-Effects</a:t>
+            </a:r>
+          </a:p>
+        </p:txBody>
+      </p:sp>
+      <p:sp>
+        <p:nvSpPr>
+          <p:cNvPr id="16" name="Content Placeholder 2">
+            <a:extLst>
+              <a:ext uri="{FF2B5EF4-FFF2-40B4-BE49-F238E27FC236}">
+                <a16:creationId xmlns:a16="http://schemas.microsoft.com/office/drawing/2014/main" id="{06078313-63D4-BF3E-623E-93812525C3AC}"/>
+              </a:ext>
+            </a:extLst>
+          </p:cNvPr>
+          <p:cNvSpPr txBox="1">
+            <a:spLocks/>
+          </p:cNvSpPr>
+          <p:nvPr/>
+        </p:nvSpPr>
+        <p:spPr>
+          <a:xfrm>
+            <a:off x="8881280" y="2772588"/>
+            <a:ext cx="3187890" cy="1135592"/>
+          </a:xfrm>
+          <a:prstGeom prst="rect">
+            <a:avLst/>
+          </a:prstGeom>
+        </p:spPr>
+        <p:txBody>
+          <a:bodyPr vert="horz" lIns="91440" tIns="45720" rIns="91440" bIns="45720" rtlCol="0">
+            <a:normAutofit fontScale="92500" lnSpcReduction="20000"/>
+          </a:bodyPr>
+          <a:lstStyle>
+            <a:lvl1pPr marL="228600" indent="-228600" algn="l" defTabSz="914400" rtl="0" eaLnBrk="1" latinLnBrk="0" hangingPunct="1">
+              <a:lnSpc>
+                <a:spcPct val="90000"/>
+              </a:lnSpc>
+              <a:spcBef>
+                <a:spcPts val="1000"/>
+              </a:spcBef>
+              <a:buFont typeface="Arial" panose="020B0604020202020204" pitchFamily="34" charset="0"/>
+              <a:buChar char="•"/>
+              <a:defRPr sz="2800" kern="1200">
+                <a:solidFill>
+                  <a:schemeClr val="tx1"/>
+                </a:solidFill>
+                <a:latin typeface="+mn-lt"/>
+                <a:ea typeface="+mn-ea"/>
+                <a:cs typeface="+mn-cs"/>
+              </a:defRPr>
+            </a:lvl1pPr>
+            <a:lvl2pPr marL="685800" indent="-228600" algn="l" defTabSz="914400" rtl="0" eaLnBrk="1" latinLnBrk="0" hangingPunct="1">
+              <a:lnSpc>
+                <a:spcPct val="90000"/>
+              </a:lnSpc>
+              <a:spcBef>
+                <a:spcPts val="500"/>
+              </a:spcBef>
+              <a:buFont typeface="Arial" panose="020B0604020202020204" pitchFamily="34" charset="0"/>
+              <a:buChar char="•"/>
+              <a:defRPr sz="2400" kern="1200">
+                <a:solidFill>
+                  <a:schemeClr val="tx1"/>
+                </a:solidFill>
+                <a:latin typeface="+mn-lt"/>
+                <a:ea typeface="+mn-ea"/>
+                <a:cs typeface="+mn-cs"/>
+              </a:defRPr>
+            </a:lvl2pPr>
+            <a:lvl3pPr marL="1143000" indent="-228600" algn="l" defTabSz="914400" rtl="0" eaLnBrk="1" latinLnBrk="0" hangingPunct="1">
+              <a:lnSpc>
+                <a:spcPct val="90000"/>
+              </a:lnSpc>
+              <a:spcBef>
+                <a:spcPts val="500"/>
+              </a:spcBef>
+              <a:buFont typeface="Arial" panose="020B0604020202020204" pitchFamily="34" charset="0"/>
+              <a:buChar char="•"/>
+              <a:defRPr sz="2000" kern="1200">
+                <a:solidFill>
+                  <a:schemeClr val="tx1"/>
+                </a:solidFill>
+                <a:latin typeface="+mn-lt"/>
+                <a:ea typeface="+mn-ea"/>
+                <a:cs typeface="+mn-cs"/>
+              </a:defRPr>
+            </a:lvl3pPr>
+            <a:lvl4pPr marL="1600200" indent="-228600" algn="l" defTabSz="914400" rtl="0" eaLnBrk="1" latinLnBrk="0" hangingPunct="1">
+              <a:lnSpc>
+                <a:spcPct val="90000"/>
+              </a:lnSpc>
+              <a:spcBef>
+                <a:spcPts val="500"/>
+              </a:spcBef>
+              <a:buFont typeface="Arial" panose="020B0604020202020204" pitchFamily="34" charset="0"/>
+              <a:buChar char="•"/>
+              <a:defRPr sz="1800" kern="1200">
+                <a:solidFill>
+                  <a:schemeClr val="tx1"/>
+                </a:solidFill>
+                <a:latin typeface="+mn-lt"/>
+                <a:ea typeface="+mn-ea"/>
+                <a:cs typeface="+mn-cs"/>
+              </a:defRPr>
+            </a:lvl4pPr>
+            <a:lvl5pPr marL="2057400" indent="-228600" algn="l" defTabSz="914400" rtl="0" eaLnBrk="1" latinLnBrk="0" hangingPunct="1">
+              <a:lnSpc>
+                <a:spcPct val="90000"/>
+              </a:lnSpc>
+              <a:spcBef>
+                <a:spcPts val="500"/>
+              </a:spcBef>
+              <a:buFont typeface="Arial" panose="020B0604020202020204" pitchFamily="34" charset="0"/>
+              <a:buChar char="•"/>
+              <a:defRPr sz="1800" kern="1200">
+                <a:solidFill>
+                  <a:schemeClr val="tx1"/>
+                </a:solidFill>
+                <a:latin typeface="+mn-lt"/>
+                <a:ea typeface="+mn-ea"/>
+                <a:cs typeface="+mn-cs"/>
+              </a:defRPr>
+            </a:lvl5pPr>
+            <a:lvl6pPr marL="2514600" indent="-228600" algn="l" defTabSz="914400" rtl="0" eaLnBrk="1" latinLnBrk="0" hangingPunct="1">
+              <a:lnSpc>
+                <a:spcPct val="90000"/>
+              </a:lnSpc>
+              <a:spcBef>
+                <a:spcPts val="500"/>
+              </a:spcBef>
+              <a:buFont typeface="Arial" panose="020B0604020202020204" pitchFamily="34" charset="0"/>
+              <a:buChar char="•"/>
+              <a:defRPr sz="1800" kern="1200">
+                <a:solidFill>
+                  <a:schemeClr val="tx1"/>
+                </a:solidFill>
+                <a:latin typeface="+mn-lt"/>
+                <a:ea typeface="+mn-ea"/>
+                <a:cs typeface="+mn-cs"/>
+              </a:defRPr>
+            </a:lvl6pPr>
+            <a:lvl7pPr marL="2971800" indent="-228600" algn="l" defTabSz="914400" rtl="0" eaLnBrk="1" latinLnBrk="0" hangingPunct="1">
+              <a:lnSpc>
+                <a:spcPct val="90000"/>
+              </a:lnSpc>
+              <a:spcBef>
+                <a:spcPts val="500"/>
+              </a:spcBef>
+              <a:buFont typeface="Arial" panose="020B0604020202020204" pitchFamily="34" charset="0"/>
+              <a:buChar char="•"/>
+              <a:defRPr sz="1800" kern="1200">
+                <a:solidFill>
+                  <a:schemeClr val="tx1"/>
+                </a:solidFill>
+                <a:latin typeface="+mn-lt"/>
+                <a:ea typeface="+mn-ea"/>
+                <a:cs typeface="+mn-cs"/>
+              </a:defRPr>
+            </a:lvl7pPr>
+            <a:lvl8pPr marL="3429000" indent="-228600" algn="l" defTabSz="914400" rtl="0" eaLnBrk="1" latinLnBrk="0" hangingPunct="1">
+              <a:lnSpc>
+                <a:spcPct val="90000"/>
+              </a:lnSpc>
+              <a:spcBef>
+                <a:spcPts val="500"/>
+              </a:spcBef>
+              <a:buFont typeface="Arial" panose="020B0604020202020204" pitchFamily="34" charset="0"/>
+              <a:buChar char="•"/>
+              <a:defRPr sz="1800" kern="1200">
+                <a:solidFill>
+                  <a:schemeClr val="tx1"/>
+                </a:solidFill>
+                <a:latin typeface="+mn-lt"/>
+                <a:ea typeface="+mn-ea"/>
+                <a:cs typeface="+mn-cs"/>
+              </a:defRPr>
+            </a:lvl8pPr>
+            <a:lvl9pPr marL="3886200" indent="-228600" algn="l" defTabSz="914400" rtl="0" eaLnBrk="1" latinLnBrk="0" hangingPunct="1">
+              <a:lnSpc>
+                <a:spcPct val="90000"/>
+              </a:lnSpc>
+              <a:spcBef>
+                <a:spcPts val="500"/>
+              </a:spcBef>
+              <a:buFont typeface="Arial" panose="020B0604020202020204" pitchFamily="34" charset="0"/>
+              <a:buChar char="•"/>
+              <a:defRPr sz="1800" kern="1200">
+                <a:solidFill>
+                  <a:schemeClr val="tx1"/>
+                </a:solidFill>
+                <a:latin typeface="+mn-lt"/>
+                <a:ea typeface="+mn-ea"/>
+                <a:cs typeface="+mn-cs"/>
+              </a:defRPr>
+            </a:lvl9pPr>
+          </a:lstStyle>
+          <a:p>
+            <a:pPr marL="0" indent="0">
+              <a:buFont typeface="Arial" panose="020B0604020202020204" pitchFamily="34" charset="0"/>
+              <a:buNone/>
+            </a:pPr>
+            <a:r>
+              <a:rPr lang="en-US" dirty="0"/>
+              <a:t>DO: Sync State</a:t>
+            </a:r>
+          </a:p>
+          <a:p>
+            <a:pPr marL="0" indent="0">
+              <a:buFont typeface="Arial" panose="020B0604020202020204" pitchFamily="34" charset="0"/>
+              <a:buNone/>
+            </a:pPr>
+            <a:r>
+              <a:rPr lang="en-US" dirty="0" err="1"/>
+              <a:t>DON’t</a:t>
+            </a:r>
+            <a:r>
+              <a:rPr lang="en-US" dirty="0"/>
+              <a:t> : Cause Side-Effects</a:t>
+            </a:r>
+          </a:p>
+        </p:txBody>
+      </p:sp>
+      <p:sp>
+        <p:nvSpPr>
+          <p:cNvPr id="17" name="Content Placeholder 2">
+            <a:extLst>
+              <a:ext uri="{FF2B5EF4-FFF2-40B4-BE49-F238E27FC236}">
+                <a16:creationId xmlns:a16="http://schemas.microsoft.com/office/drawing/2014/main" id="{16DED068-7E74-56C1-7BDF-52DC9886DA77}"/>
+              </a:ext>
+            </a:extLst>
+          </p:cNvPr>
+          <p:cNvSpPr txBox="1">
+            <a:spLocks/>
+          </p:cNvSpPr>
+          <p:nvPr/>
+        </p:nvSpPr>
+        <p:spPr>
+          <a:xfrm>
+            <a:off x="8881280" y="4040324"/>
+            <a:ext cx="3187890" cy="1135592"/>
+          </a:xfrm>
+          <a:prstGeom prst="rect">
+            <a:avLst/>
+          </a:prstGeom>
+        </p:spPr>
+        <p:txBody>
+          <a:bodyPr vert="horz" lIns="91440" tIns="45720" rIns="91440" bIns="45720" rtlCol="0">
+            <a:normAutofit/>
+          </a:bodyPr>
+          <a:lstStyle>
+            <a:lvl1pPr marL="228600" indent="-228600" algn="l" defTabSz="914400" rtl="0" eaLnBrk="1" latinLnBrk="0" hangingPunct="1">
+              <a:lnSpc>
+                <a:spcPct val="90000"/>
+              </a:lnSpc>
+              <a:spcBef>
+                <a:spcPts val="1000"/>
+              </a:spcBef>
+              <a:buFont typeface="Arial" panose="020B0604020202020204" pitchFamily="34" charset="0"/>
+              <a:buChar char="•"/>
+              <a:defRPr sz="2800" kern="1200">
+                <a:solidFill>
+                  <a:schemeClr val="tx1"/>
+                </a:solidFill>
+                <a:latin typeface="+mn-lt"/>
+                <a:ea typeface="+mn-ea"/>
+                <a:cs typeface="+mn-cs"/>
+              </a:defRPr>
+            </a:lvl1pPr>
+            <a:lvl2pPr marL="685800" indent="-228600" algn="l" defTabSz="914400" rtl="0" eaLnBrk="1" latinLnBrk="0" hangingPunct="1">
+              <a:lnSpc>
+                <a:spcPct val="90000"/>
+              </a:lnSpc>
+              <a:spcBef>
+                <a:spcPts val="500"/>
+              </a:spcBef>
+              <a:buFont typeface="Arial" panose="020B0604020202020204" pitchFamily="34" charset="0"/>
+              <a:buChar char="•"/>
+              <a:defRPr sz="2400" kern="1200">
+                <a:solidFill>
+                  <a:schemeClr val="tx1"/>
+                </a:solidFill>
+                <a:latin typeface="+mn-lt"/>
+                <a:ea typeface="+mn-ea"/>
+                <a:cs typeface="+mn-cs"/>
+              </a:defRPr>
+            </a:lvl2pPr>
+            <a:lvl3pPr marL="1143000" indent="-228600" algn="l" defTabSz="914400" rtl="0" eaLnBrk="1" latinLnBrk="0" hangingPunct="1">
+              <a:lnSpc>
+                <a:spcPct val="90000"/>
+              </a:lnSpc>
+              <a:spcBef>
+                <a:spcPts val="500"/>
+              </a:spcBef>
+              <a:buFont typeface="Arial" panose="020B0604020202020204" pitchFamily="34" charset="0"/>
+              <a:buChar char="•"/>
+              <a:defRPr sz="2000" kern="1200">
+                <a:solidFill>
+                  <a:schemeClr val="tx1"/>
+                </a:solidFill>
+                <a:latin typeface="+mn-lt"/>
+                <a:ea typeface="+mn-ea"/>
+                <a:cs typeface="+mn-cs"/>
+              </a:defRPr>
+            </a:lvl3pPr>
+            <a:lvl4pPr marL="1600200" indent="-228600" algn="l" defTabSz="914400" rtl="0" eaLnBrk="1" latinLnBrk="0" hangingPunct="1">
+              <a:lnSpc>
+                <a:spcPct val="90000"/>
+              </a:lnSpc>
+              <a:spcBef>
+                <a:spcPts val="500"/>
+              </a:spcBef>
+              <a:buFont typeface="Arial" panose="020B0604020202020204" pitchFamily="34" charset="0"/>
+              <a:buChar char="•"/>
+              <a:defRPr sz="1800" kern="1200">
+                <a:solidFill>
+                  <a:schemeClr val="tx1"/>
+                </a:solidFill>
+                <a:latin typeface="+mn-lt"/>
+                <a:ea typeface="+mn-ea"/>
+                <a:cs typeface="+mn-cs"/>
+              </a:defRPr>
+            </a:lvl4pPr>
+            <a:lvl5pPr marL="2057400" indent="-228600" algn="l" defTabSz="914400" rtl="0" eaLnBrk="1" latinLnBrk="0" hangingPunct="1">
+              <a:lnSpc>
+                <a:spcPct val="90000"/>
+              </a:lnSpc>
+              <a:spcBef>
+                <a:spcPts val="500"/>
+              </a:spcBef>
+              <a:buFont typeface="Arial" panose="020B0604020202020204" pitchFamily="34" charset="0"/>
+              <a:buChar char="•"/>
+              <a:defRPr sz="1800" kern="1200">
+                <a:solidFill>
+                  <a:schemeClr val="tx1"/>
+                </a:solidFill>
+                <a:latin typeface="+mn-lt"/>
+                <a:ea typeface="+mn-ea"/>
+                <a:cs typeface="+mn-cs"/>
+              </a:defRPr>
+            </a:lvl5pPr>
+            <a:lvl6pPr marL="2514600" indent="-228600" algn="l" defTabSz="914400" rtl="0" eaLnBrk="1" latinLnBrk="0" hangingPunct="1">
+              <a:lnSpc>
+                <a:spcPct val="90000"/>
+              </a:lnSpc>
+              <a:spcBef>
+                <a:spcPts val="500"/>
+              </a:spcBef>
+              <a:buFont typeface="Arial" panose="020B0604020202020204" pitchFamily="34" charset="0"/>
+              <a:buChar char="•"/>
+              <a:defRPr sz="1800" kern="1200">
+                <a:solidFill>
+                  <a:schemeClr val="tx1"/>
+                </a:solidFill>
+                <a:latin typeface="+mn-lt"/>
+                <a:ea typeface="+mn-ea"/>
+                <a:cs typeface="+mn-cs"/>
+              </a:defRPr>
+            </a:lvl6pPr>
+            <a:lvl7pPr marL="2971800" indent="-228600" algn="l" defTabSz="914400" rtl="0" eaLnBrk="1" latinLnBrk="0" hangingPunct="1">
+              <a:lnSpc>
+                <a:spcPct val="90000"/>
+              </a:lnSpc>
+              <a:spcBef>
+                <a:spcPts val="500"/>
+              </a:spcBef>
+              <a:buFont typeface="Arial" panose="020B0604020202020204" pitchFamily="34" charset="0"/>
+              <a:buChar char="•"/>
+              <a:defRPr sz="1800" kern="1200">
+                <a:solidFill>
+                  <a:schemeClr val="tx1"/>
+                </a:solidFill>
+                <a:latin typeface="+mn-lt"/>
+                <a:ea typeface="+mn-ea"/>
+                <a:cs typeface="+mn-cs"/>
+              </a:defRPr>
+            </a:lvl7pPr>
+            <a:lvl8pPr marL="3429000" indent="-228600" algn="l" defTabSz="914400" rtl="0" eaLnBrk="1" latinLnBrk="0" hangingPunct="1">
+              <a:lnSpc>
+                <a:spcPct val="90000"/>
+              </a:lnSpc>
+              <a:spcBef>
+                <a:spcPts val="500"/>
+              </a:spcBef>
+              <a:buFont typeface="Arial" panose="020B0604020202020204" pitchFamily="34" charset="0"/>
+              <a:buChar char="•"/>
+              <a:defRPr sz="1800" kern="1200">
+                <a:solidFill>
+                  <a:schemeClr val="tx1"/>
+                </a:solidFill>
+                <a:latin typeface="+mn-lt"/>
+                <a:ea typeface="+mn-ea"/>
+                <a:cs typeface="+mn-cs"/>
+              </a:defRPr>
+            </a:lvl8pPr>
+            <a:lvl9pPr marL="3886200" indent="-228600" algn="l" defTabSz="914400" rtl="0" eaLnBrk="1" latinLnBrk="0" hangingPunct="1">
+              <a:lnSpc>
+                <a:spcPct val="90000"/>
+              </a:lnSpc>
+              <a:spcBef>
+                <a:spcPts val="500"/>
+              </a:spcBef>
+              <a:buFont typeface="Arial" panose="020B0604020202020204" pitchFamily="34" charset="0"/>
+              <a:buChar char="•"/>
+              <a:defRPr sz="1800" kern="1200">
+                <a:solidFill>
+                  <a:schemeClr val="tx1"/>
+                </a:solidFill>
+                <a:latin typeface="+mn-lt"/>
+                <a:ea typeface="+mn-ea"/>
+                <a:cs typeface="+mn-cs"/>
+              </a:defRPr>
+            </a:lvl9pPr>
+          </a:lstStyle>
+          <a:p>
+            <a:pPr marL="0" indent="0">
+              <a:buFont typeface="Arial" panose="020B0604020202020204" pitchFamily="34" charset="0"/>
+              <a:buNone/>
+            </a:pPr>
+            <a:r>
+              <a:rPr lang="en-US" dirty="0"/>
+              <a:t>Prepare &amp; Structure your JSX code</a:t>
+            </a:r>
+          </a:p>
+        </p:txBody>
+      </p:sp>
+      <p:sp>
+        <p:nvSpPr>
+          <p:cNvPr id="18" name="Content Placeholder 2">
+            <a:extLst>
+              <a:ext uri="{FF2B5EF4-FFF2-40B4-BE49-F238E27FC236}">
+                <a16:creationId xmlns:a16="http://schemas.microsoft.com/office/drawing/2014/main" id="{FFEA05A2-9FC7-6FE1-F15C-68B4717529BF}"/>
+              </a:ext>
+            </a:extLst>
+          </p:cNvPr>
+          <p:cNvSpPr txBox="1">
+            <a:spLocks/>
+          </p:cNvSpPr>
+          <p:nvPr/>
+        </p:nvSpPr>
+        <p:spPr>
+          <a:xfrm>
+            <a:off x="8758450" y="5529505"/>
+            <a:ext cx="3187890" cy="1135592"/>
+          </a:xfrm>
+          <a:prstGeom prst="rect">
+            <a:avLst/>
+          </a:prstGeom>
+        </p:spPr>
+        <p:txBody>
+          <a:bodyPr vert="horz" lIns="91440" tIns="45720" rIns="91440" bIns="45720" rtlCol="0">
+            <a:normAutofit fontScale="85000" lnSpcReduction="20000"/>
+          </a:bodyPr>
+          <a:lstStyle>
+            <a:lvl1pPr marL="228600" indent="-228600" algn="l" defTabSz="914400" rtl="0" eaLnBrk="1" latinLnBrk="0" hangingPunct="1">
+              <a:lnSpc>
+                <a:spcPct val="90000"/>
+              </a:lnSpc>
+              <a:spcBef>
+                <a:spcPts val="1000"/>
+              </a:spcBef>
+              <a:buFont typeface="Arial" panose="020B0604020202020204" pitchFamily="34" charset="0"/>
+              <a:buChar char="•"/>
+              <a:defRPr sz="2800" kern="1200">
+                <a:solidFill>
+                  <a:schemeClr val="tx1"/>
+                </a:solidFill>
+                <a:latin typeface="+mn-lt"/>
+                <a:ea typeface="+mn-ea"/>
+                <a:cs typeface="+mn-cs"/>
+              </a:defRPr>
+            </a:lvl1pPr>
+            <a:lvl2pPr marL="685800" indent="-228600" algn="l" defTabSz="914400" rtl="0" eaLnBrk="1" latinLnBrk="0" hangingPunct="1">
+              <a:lnSpc>
+                <a:spcPct val="90000"/>
+              </a:lnSpc>
+              <a:spcBef>
+                <a:spcPts val="500"/>
+              </a:spcBef>
+              <a:buFont typeface="Arial" panose="020B0604020202020204" pitchFamily="34" charset="0"/>
+              <a:buChar char="•"/>
+              <a:defRPr sz="2400" kern="1200">
+                <a:solidFill>
+                  <a:schemeClr val="tx1"/>
+                </a:solidFill>
+                <a:latin typeface="+mn-lt"/>
+                <a:ea typeface="+mn-ea"/>
+                <a:cs typeface="+mn-cs"/>
+              </a:defRPr>
+            </a:lvl2pPr>
+            <a:lvl3pPr marL="1143000" indent="-228600" algn="l" defTabSz="914400" rtl="0" eaLnBrk="1" latinLnBrk="0" hangingPunct="1">
+              <a:lnSpc>
+                <a:spcPct val="90000"/>
+              </a:lnSpc>
+              <a:spcBef>
+                <a:spcPts val="500"/>
+              </a:spcBef>
+              <a:buFont typeface="Arial" panose="020B0604020202020204" pitchFamily="34" charset="0"/>
+              <a:buChar char="•"/>
+              <a:defRPr sz="2000" kern="1200">
+                <a:solidFill>
+                  <a:schemeClr val="tx1"/>
+                </a:solidFill>
+                <a:latin typeface="+mn-lt"/>
+                <a:ea typeface="+mn-ea"/>
+                <a:cs typeface="+mn-cs"/>
+              </a:defRPr>
+            </a:lvl3pPr>
+            <a:lvl4pPr marL="1600200" indent="-228600" algn="l" defTabSz="914400" rtl="0" eaLnBrk="1" latinLnBrk="0" hangingPunct="1">
+              <a:lnSpc>
+                <a:spcPct val="90000"/>
+              </a:lnSpc>
+              <a:spcBef>
+                <a:spcPts val="500"/>
+              </a:spcBef>
+              <a:buFont typeface="Arial" panose="020B0604020202020204" pitchFamily="34" charset="0"/>
+              <a:buChar char="•"/>
+              <a:defRPr sz="1800" kern="1200">
+                <a:solidFill>
+                  <a:schemeClr val="tx1"/>
+                </a:solidFill>
+                <a:latin typeface="+mn-lt"/>
+                <a:ea typeface="+mn-ea"/>
+                <a:cs typeface="+mn-cs"/>
+              </a:defRPr>
+            </a:lvl4pPr>
+            <a:lvl5pPr marL="2057400" indent="-228600" algn="l" defTabSz="914400" rtl="0" eaLnBrk="1" latinLnBrk="0" hangingPunct="1">
+              <a:lnSpc>
+                <a:spcPct val="90000"/>
+              </a:lnSpc>
+              <a:spcBef>
+                <a:spcPts val="500"/>
+              </a:spcBef>
+              <a:buFont typeface="Arial" panose="020B0604020202020204" pitchFamily="34" charset="0"/>
+              <a:buChar char="•"/>
+              <a:defRPr sz="1800" kern="1200">
+                <a:solidFill>
+                  <a:schemeClr val="tx1"/>
+                </a:solidFill>
+                <a:latin typeface="+mn-lt"/>
+                <a:ea typeface="+mn-ea"/>
+                <a:cs typeface="+mn-cs"/>
+              </a:defRPr>
+            </a:lvl5pPr>
+            <a:lvl6pPr marL="2514600" indent="-228600" algn="l" defTabSz="914400" rtl="0" eaLnBrk="1" latinLnBrk="0" hangingPunct="1">
+              <a:lnSpc>
+                <a:spcPct val="90000"/>
+              </a:lnSpc>
+              <a:spcBef>
+                <a:spcPts val="500"/>
+              </a:spcBef>
+              <a:buFont typeface="Arial" panose="020B0604020202020204" pitchFamily="34" charset="0"/>
+              <a:buChar char="•"/>
+              <a:defRPr sz="1800" kern="1200">
+                <a:solidFill>
+                  <a:schemeClr val="tx1"/>
+                </a:solidFill>
+                <a:latin typeface="+mn-lt"/>
+                <a:ea typeface="+mn-ea"/>
+                <a:cs typeface="+mn-cs"/>
+              </a:defRPr>
+            </a:lvl6pPr>
+            <a:lvl7pPr marL="2971800" indent="-228600" algn="l" defTabSz="914400" rtl="0" eaLnBrk="1" latinLnBrk="0" hangingPunct="1">
+              <a:lnSpc>
+                <a:spcPct val="90000"/>
+              </a:lnSpc>
+              <a:spcBef>
+                <a:spcPts val="500"/>
+              </a:spcBef>
+              <a:buFont typeface="Arial" panose="020B0604020202020204" pitchFamily="34" charset="0"/>
+              <a:buChar char="•"/>
+              <a:defRPr sz="1800" kern="1200">
+                <a:solidFill>
+                  <a:schemeClr val="tx1"/>
+                </a:solidFill>
+                <a:latin typeface="+mn-lt"/>
+                <a:ea typeface="+mn-ea"/>
+                <a:cs typeface="+mn-cs"/>
+              </a:defRPr>
+            </a:lvl7pPr>
+            <a:lvl8pPr marL="3429000" indent="-228600" algn="l" defTabSz="914400" rtl="0" eaLnBrk="1" latinLnBrk="0" hangingPunct="1">
+              <a:lnSpc>
+                <a:spcPct val="90000"/>
+              </a:lnSpc>
+              <a:spcBef>
+                <a:spcPts val="500"/>
+              </a:spcBef>
+              <a:buFont typeface="Arial" panose="020B0604020202020204" pitchFamily="34" charset="0"/>
+              <a:buChar char="•"/>
+              <a:defRPr sz="1800" kern="1200">
+                <a:solidFill>
+                  <a:schemeClr val="tx1"/>
+                </a:solidFill>
+                <a:latin typeface="+mn-lt"/>
+                <a:ea typeface="+mn-ea"/>
+                <a:cs typeface="+mn-cs"/>
+              </a:defRPr>
+            </a:lvl8pPr>
+            <a:lvl9pPr marL="3886200" indent="-228600" algn="l" defTabSz="914400" rtl="0" eaLnBrk="1" latinLnBrk="0" hangingPunct="1">
+              <a:lnSpc>
+                <a:spcPct val="90000"/>
+              </a:lnSpc>
+              <a:spcBef>
+                <a:spcPts val="500"/>
+              </a:spcBef>
+              <a:buFont typeface="Arial" panose="020B0604020202020204" pitchFamily="34" charset="0"/>
+              <a:buChar char="•"/>
+              <a:defRPr sz="1800" kern="1200">
+                <a:solidFill>
+                  <a:schemeClr val="tx1"/>
+                </a:solidFill>
+                <a:latin typeface="+mn-lt"/>
+                <a:ea typeface="+mn-ea"/>
+                <a:cs typeface="+mn-cs"/>
+              </a:defRPr>
+            </a:lvl9pPr>
+          </a:lstStyle>
+          <a:p>
+            <a:pPr marL="0" indent="0">
+              <a:buFont typeface="Arial" panose="020B0604020202020204" pitchFamily="34" charset="0"/>
+              <a:buNone/>
+            </a:pPr>
+            <a:r>
+              <a:rPr lang="en-US" dirty="0"/>
+              <a:t>DO: Cause Side-Effects</a:t>
+            </a:r>
+          </a:p>
+          <a:p>
+            <a:pPr marL="0" indent="0">
+              <a:buFont typeface="Arial" panose="020B0604020202020204" pitchFamily="34" charset="0"/>
+              <a:buNone/>
+            </a:pPr>
+            <a:r>
+              <a:rPr lang="en-US" dirty="0"/>
+              <a:t>DON’T: Update State</a:t>
+            </a:r>
+          </a:p>
+          <a:p>
+            <a:pPr marL="0" indent="0">
+              <a:buFont typeface="Arial" panose="020B0604020202020204" pitchFamily="34" charset="0"/>
+              <a:buNone/>
+            </a:pPr>
+            <a:r>
+              <a:rPr lang="en-US" dirty="0"/>
+              <a:t>(triggers re-render)</a:t>
+            </a:r>
+          </a:p>
+        </p:txBody>
+      </p:sp>
+    </p:spTree>
+    <p:extLst>
+      <p:ext uri="{BB962C8B-B14F-4D97-AF65-F5344CB8AC3E}">
+        <p14:creationId xmlns:p14="http://schemas.microsoft.com/office/powerpoint/2010/main" val="1531761446"/>
+      </p:ext>
+    </p:extLst>
+  </p:cSld>
+  <p:clrMapOvr>
+    <a:masterClrMapping/>
+  </p:clrMapOvr>
+</p:sld>
+</file>
+
 <file path=ppt/theme/theme1.xml><?xml version="1.0" encoding="utf-8"?>
 <a:theme xmlns:a="http://schemas.openxmlformats.org/drawingml/2006/main" name="Office Theme">
   <a:themeElements>

--- a/Create-react-app.pptx
+++ b/Create-react-app.pptx
@@ -14,6 +14,10 @@
     <p:sldId id="262" r:id="rId8"/>
     <p:sldId id="263" r:id="rId9"/>
     <p:sldId id="264" r:id="rId10"/>
+    <p:sldId id="266" r:id="rId11"/>
+    <p:sldId id="265" r:id="rId12"/>
+    <p:sldId id="267" r:id="rId13"/>
+    <p:sldId id="268" r:id="rId14"/>
   </p:sldIdLst>
   <p:sldSz cx="12192000" cy="6858000"/>
   <p:notesSz cx="6858000" cy="9144000"/>
@@ -267,7 +271,7 @@
           <a:p>
             <a:fld id="{8ABDCE5D-2F42-4C45-98AA-7AAD2A36BEC8}" type="datetimeFigureOut">
               <a:rPr lang="en-US" smtClean="0"/>
-              <a:t>3/31/2023</a:t>
+              <a:t>4/5/2023</a:t>
             </a:fld>
             <a:endParaRPr lang="en-US"/>
           </a:p>
@@ -465,7 +469,7 @@
           <a:p>
             <a:fld id="{8ABDCE5D-2F42-4C45-98AA-7AAD2A36BEC8}" type="datetimeFigureOut">
               <a:rPr lang="en-US" smtClean="0"/>
-              <a:t>3/31/2023</a:t>
+              <a:t>4/5/2023</a:t>
             </a:fld>
             <a:endParaRPr lang="en-US"/>
           </a:p>
@@ -673,7 +677,7 @@
           <a:p>
             <a:fld id="{8ABDCE5D-2F42-4C45-98AA-7AAD2A36BEC8}" type="datetimeFigureOut">
               <a:rPr lang="en-US" smtClean="0"/>
-              <a:t>3/31/2023</a:t>
+              <a:t>4/5/2023</a:t>
             </a:fld>
             <a:endParaRPr lang="en-US"/>
           </a:p>
@@ -871,7 +875,7 @@
           <a:p>
             <a:fld id="{8ABDCE5D-2F42-4C45-98AA-7AAD2A36BEC8}" type="datetimeFigureOut">
               <a:rPr lang="en-US" smtClean="0"/>
-              <a:t>3/31/2023</a:t>
+              <a:t>4/5/2023</a:t>
             </a:fld>
             <a:endParaRPr lang="en-US"/>
           </a:p>
@@ -1146,7 +1150,7 @@
           <a:p>
             <a:fld id="{8ABDCE5D-2F42-4C45-98AA-7AAD2A36BEC8}" type="datetimeFigureOut">
               <a:rPr lang="en-US" smtClean="0"/>
-              <a:t>3/31/2023</a:t>
+              <a:t>4/5/2023</a:t>
             </a:fld>
             <a:endParaRPr lang="en-US"/>
           </a:p>
@@ -1411,7 +1415,7 @@
           <a:p>
             <a:fld id="{8ABDCE5D-2F42-4C45-98AA-7AAD2A36BEC8}" type="datetimeFigureOut">
               <a:rPr lang="en-US" smtClean="0"/>
-              <a:t>3/31/2023</a:t>
+              <a:t>4/5/2023</a:t>
             </a:fld>
             <a:endParaRPr lang="en-US"/>
           </a:p>
@@ -1823,7 +1827,7 @@
           <a:p>
             <a:fld id="{8ABDCE5D-2F42-4C45-98AA-7AAD2A36BEC8}" type="datetimeFigureOut">
               <a:rPr lang="en-US" smtClean="0"/>
-              <a:t>3/31/2023</a:t>
+              <a:t>4/5/2023</a:t>
             </a:fld>
             <a:endParaRPr lang="en-US"/>
           </a:p>
@@ -1964,7 +1968,7 @@
           <a:p>
             <a:fld id="{8ABDCE5D-2F42-4C45-98AA-7AAD2A36BEC8}" type="datetimeFigureOut">
               <a:rPr lang="en-US" smtClean="0"/>
-              <a:t>3/31/2023</a:t>
+              <a:t>4/5/2023</a:t>
             </a:fld>
             <a:endParaRPr lang="en-US"/>
           </a:p>
@@ -2077,7 +2081,7 @@
           <a:p>
             <a:fld id="{8ABDCE5D-2F42-4C45-98AA-7AAD2A36BEC8}" type="datetimeFigureOut">
               <a:rPr lang="en-US" smtClean="0"/>
-              <a:t>3/31/2023</a:t>
+              <a:t>4/5/2023</a:t>
             </a:fld>
             <a:endParaRPr lang="en-US"/>
           </a:p>
@@ -2388,7 +2392,7 @@
           <a:p>
             <a:fld id="{8ABDCE5D-2F42-4C45-98AA-7AAD2A36BEC8}" type="datetimeFigureOut">
               <a:rPr lang="en-US" smtClean="0"/>
-              <a:t>3/31/2023</a:t>
+              <a:t>4/5/2023</a:t>
             </a:fld>
             <a:endParaRPr lang="en-US"/>
           </a:p>
@@ -2676,7 +2680,7 @@
           <a:p>
             <a:fld id="{8ABDCE5D-2F42-4C45-98AA-7AAD2A36BEC8}" type="datetimeFigureOut">
               <a:rPr lang="en-US" smtClean="0"/>
-              <a:t>3/31/2023</a:t>
+              <a:t>4/5/2023</a:t>
             </a:fld>
             <a:endParaRPr lang="en-US"/>
           </a:p>
@@ -2917,7 +2921,7 @@
           <a:p>
             <a:fld id="{8ABDCE5D-2F42-4C45-98AA-7AAD2A36BEC8}" type="datetimeFigureOut">
               <a:rPr lang="en-US" smtClean="0"/>
-              <a:t>3/31/2023</a:t>
+              <a:t>4/5/2023</a:t>
             </a:fld>
             <a:endParaRPr lang="en-US"/>
           </a:p>
@@ -3515,6 +3519,3438 @@
 </p:sld>
 </file>
 
+<file path=ppt/slides/slide10.xml><?xml version="1.0" encoding="utf-8"?>
+<p:sld xmlns:a="http://schemas.openxmlformats.org/drawingml/2006/main" xmlns:r="http://schemas.openxmlformats.org/officeDocument/2006/relationships" xmlns:p="http://schemas.openxmlformats.org/presentationml/2006/main">
+  <p:cSld>
+    <p:spTree>
+      <p:nvGrpSpPr>
+        <p:cNvPr id="1" name=""/>
+        <p:cNvGrpSpPr/>
+        <p:nvPr/>
+      </p:nvGrpSpPr>
+      <p:grpSpPr>
+        <a:xfrm>
+          <a:off x="0" y="0"/>
+          <a:ext cx="0" cy="0"/>
+          <a:chOff x="0" y="0"/>
+          <a:chExt cx="0" cy="0"/>
+        </a:xfrm>
+      </p:grpSpPr>
+      <p:sp>
+        <p:nvSpPr>
+          <p:cNvPr id="2" name="Title 1">
+            <a:extLst>
+              <a:ext uri="{FF2B5EF4-FFF2-40B4-BE49-F238E27FC236}">
+                <a16:creationId xmlns:a16="http://schemas.microsoft.com/office/drawing/2014/main" id="{E78B57A5-92F2-D2DA-FB29-17E9C7C5D927}"/>
+              </a:ext>
+            </a:extLst>
+          </p:cNvPr>
+          <p:cNvSpPr>
+            <a:spLocks noGrp="1"/>
+          </p:cNvSpPr>
+          <p:nvPr>
+            <p:ph type="title"/>
+          </p:nvPr>
+        </p:nvSpPr>
+        <p:spPr/>
+        <p:txBody>
+          <a:bodyPr/>
+          <a:lstStyle/>
+          <a:p>
+            <a:r>
+              <a:rPr lang="en-US" dirty="0"/>
+              <a:t>Component Lifecycle –Update</a:t>
+            </a:r>
+          </a:p>
+        </p:txBody>
+      </p:sp>
+      <p:sp>
+        <p:nvSpPr>
+          <p:cNvPr id="3" name="Content Placeholder 2">
+            <a:extLst>
+              <a:ext uri="{FF2B5EF4-FFF2-40B4-BE49-F238E27FC236}">
+                <a16:creationId xmlns:a16="http://schemas.microsoft.com/office/drawing/2014/main" id="{B4672A45-2DB5-2922-5388-DC4D253D978B}"/>
+              </a:ext>
+            </a:extLst>
+          </p:cNvPr>
+          <p:cNvSpPr>
+            <a:spLocks noGrp="1"/>
+          </p:cNvSpPr>
+          <p:nvPr>
+            <p:ph idx="1"/>
+          </p:nvPr>
+        </p:nvSpPr>
+        <p:spPr>
+          <a:xfrm>
+            <a:off x="3193577" y="2022583"/>
+            <a:ext cx="4196118" cy="562733"/>
+          </a:xfrm>
+        </p:spPr>
+        <p:txBody>
+          <a:bodyPr>
+            <a:normAutofit/>
+          </a:bodyPr>
+          <a:lstStyle/>
+          <a:p>
+            <a:pPr marL="0" indent="0">
+              <a:buNone/>
+            </a:pPr>
+            <a:r>
+              <a:rPr lang="en-US" sz="1800" dirty="0" err="1"/>
+              <a:t>getDerivedStateFromProps</a:t>
+            </a:r>
+            <a:r>
+              <a:rPr lang="en-US" sz="1800" dirty="0"/>
+              <a:t>(</a:t>
+            </a:r>
+            <a:r>
+              <a:rPr lang="en-US" sz="1800" dirty="0" err="1"/>
+              <a:t>props,state</a:t>
+            </a:r>
+            <a:r>
+              <a:rPr lang="en-US" sz="1800" dirty="0"/>
+              <a:t>)</a:t>
+            </a:r>
+          </a:p>
+        </p:txBody>
+      </p:sp>
+      <p:sp>
+        <p:nvSpPr>
+          <p:cNvPr id="4" name="Content Placeholder 2">
+            <a:extLst>
+              <a:ext uri="{FF2B5EF4-FFF2-40B4-BE49-F238E27FC236}">
+                <a16:creationId xmlns:a16="http://schemas.microsoft.com/office/drawing/2014/main" id="{8D8AE375-BF5C-F9EA-1E35-AC12FE939B19}"/>
+              </a:ext>
+            </a:extLst>
+          </p:cNvPr>
+          <p:cNvSpPr txBox="1">
+            <a:spLocks/>
+          </p:cNvSpPr>
+          <p:nvPr/>
+        </p:nvSpPr>
+        <p:spPr>
+          <a:xfrm>
+            <a:off x="3193577" y="3015749"/>
+            <a:ext cx="4661848" cy="442888"/>
+          </a:xfrm>
+          <a:prstGeom prst="rect">
+            <a:avLst/>
+          </a:prstGeom>
+        </p:spPr>
+        <p:txBody>
+          <a:bodyPr vert="horz" lIns="91440" tIns="45720" rIns="91440" bIns="45720" rtlCol="0">
+            <a:normAutofit fontScale="62500" lnSpcReduction="20000"/>
+          </a:bodyPr>
+          <a:lstStyle>
+            <a:lvl1pPr marL="228600" indent="-228600" algn="l" defTabSz="914400" rtl="0" eaLnBrk="1" latinLnBrk="0" hangingPunct="1">
+              <a:lnSpc>
+                <a:spcPct val="90000"/>
+              </a:lnSpc>
+              <a:spcBef>
+                <a:spcPts val="1000"/>
+              </a:spcBef>
+              <a:buFont typeface="Arial" panose="020B0604020202020204" pitchFamily="34" charset="0"/>
+              <a:buChar char="•"/>
+              <a:defRPr sz="2800" kern="1200">
+                <a:solidFill>
+                  <a:schemeClr val="tx1"/>
+                </a:solidFill>
+                <a:latin typeface="+mn-lt"/>
+                <a:ea typeface="+mn-ea"/>
+                <a:cs typeface="+mn-cs"/>
+              </a:defRPr>
+            </a:lvl1pPr>
+            <a:lvl2pPr marL="685800" indent="-228600" algn="l" defTabSz="914400" rtl="0" eaLnBrk="1" latinLnBrk="0" hangingPunct="1">
+              <a:lnSpc>
+                <a:spcPct val="90000"/>
+              </a:lnSpc>
+              <a:spcBef>
+                <a:spcPts val="500"/>
+              </a:spcBef>
+              <a:buFont typeface="Arial" panose="020B0604020202020204" pitchFamily="34" charset="0"/>
+              <a:buChar char="•"/>
+              <a:defRPr sz="2400" kern="1200">
+                <a:solidFill>
+                  <a:schemeClr val="tx1"/>
+                </a:solidFill>
+                <a:latin typeface="+mn-lt"/>
+                <a:ea typeface="+mn-ea"/>
+                <a:cs typeface="+mn-cs"/>
+              </a:defRPr>
+            </a:lvl2pPr>
+            <a:lvl3pPr marL="1143000" indent="-228600" algn="l" defTabSz="914400" rtl="0" eaLnBrk="1" latinLnBrk="0" hangingPunct="1">
+              <a:lnSpc>
+                <a:spcPct val="90000"/>
+              </a:lnSpc>
+              <a:spcBef>
+                <a:spcPts val="500"/>
+              </a:spcBef>
+              <a:buFont typeface="Arial" panose="020B0604020202020204" pitchFamily="34" charset="0"/>
+              <a:buChar char="•"/>
+              <a:defRPr sz="2000" kern="1200">
+                <a:solidFill>
+                  <a:schemeClr val="tx1"/>
+                </a:solidFill>
+                <a:latin typeface="+mn-lt"/>
+                <a:ea typeface="+mn-ea"/>
+                <a:cs typeface="+mn-cs"/>
+              </a:defRPr>
+            </a:lvl3pPr>
+            <a:lvl4pPr marL="1600200" indent="-228600" algn="l" defTabSz="914400" rtl="0" eaLnBrk="1" latinLnBrk="0" hangingPunct="1">
+              <a:lnSpc>
+                <a:spcPct val="90000"/>
+              </a:lnSpc>
+              <a:spcBef>
+                <a:spcPts val="500"/>
+              </a:spcBef>
+              <a:buFont typeface="Arial" panose="020B0604020202020204" pitchFamily="34" charset="0"/>
+              <a:buChar char="•"/>
+              <a:defRPr sz="1800" kern="1200">
+                <a:solidFill>
+                  <a:schemeClr val="tx1"/>
+                </a:solidFill>
+                <a:latin typeface="+mn-lt"/>
+                <a:ea typeface="+mn-ea"/>
+                <a:cs typeface="+mn-cs"/>
+              </a:defRPr>
+            </a:lvl4pPr>
+            <a:lvl5pPr marL="2057400" indent="-228600" algn="l" defTabSz="914400" rtl="0" eaLnBrk="1" latinLnBrk="0" hangingPunct="1">
+              <a:lnSpc>
+                <a:spcPct val="90000"/>
+              </a:lnSpc>
+              <a:spcBef>
+                <a:spcPts val="500"/>
+              </a:spcBef>
+              <a:buFont typeface="Arial" panose="020B0604020202020204" pitchFamily="34" charset="0"/>
+              <a:buChar char="•"/>
+              <a:defRPr sz="1800" kern="1200">
+                <a:solidFill>
+                  <a:schemeClr val="tx1"/>
+                </a:solidFill>
+                <a:latin typeface="+mn-lt"/>
+                <a:ea typeface="+mn-ea"/>
+                <a:cs typeface="+mn-cs"/>
+              </a:defRPr>
+            </a:lvl5pPr>
+            <a:lvl6pPr marL="2514600" indent="-228600" algn="l" defTabSz="914400" rtl="0" eaLnBrk="1" latinLnBrk="0" hangingPunct="1">
+              <a:lnSpc>
+                <a:spcPct val="90000"/>
+              </a:lnSpc>
+              <a:spcBef>
+                <a:spcPts val="500"/>
+              </a:spcBef>
+              <a:buFont typeface="Arial" panose="020B0604020202020204" pitchFamily="34" charset="0"/>
+              <a:buChar char="•"/>
+              <a:defRPr sz="1800" kern="1200">
+                <a:solidFill>
+                  <a:schemeClr val="tx1"/>
+                </a:solidFill>
+                <a:latin typeface="+mn-lt"/>
+                <a:ea typeface="+mn-ea"/>
+                <a:cs typeface="+mn-cs"/>
+              </a:defRPr>
+            </a:lvl6pPr>
+            <a:lvl7pPr marL="2971800" indent="-228600" algn="l" defTabSz="914400" rtl="0" eaLnBrk="1" latinLnBrk="0" hangingPunct="1">
+              <a:lnSpc>
+                <a:spcPct val="90000"/>
+              </a:lnSpc>
+              <a:spcBef>
+                <a:spcPts val="500"/>
+              </a:spcBef>
+              <a:buFont typeface="Arial" panose="020B0604020202020204" pitchFamily="34" charset="0"/>
+              <a:buChar char="•"/>
+              <a:defRPr sz="1800" kern="1200">
+                <a:solidFill>
+                  <a:schemeClr val="tx1"/>
+                </a:solidFill>
+                <a:latin typeface="+mn-lt"/>
+                <a:ea typeface="+mn-ea"/>
+                <a:cs typeface="+mn-cs"/>
+              </a:defRPr>
+            </a:lvl7pPr>
+            <a:lvl8pPr marL="3429000" indent="-228600" algn="l" defTabSz="914400" rtl="0" eaLnBrk="1" latinLnBrk="0" hangingPunct="1">
+              <a:lnSpc>
+                <a:spcPct val="90000"/>
+              </a:lnSpc>
+              <a:spcBef>
+                <a:spcPts val="500"/>
+              </a:spcBef>
+              <a:buFont typeface="Arial" panose="020B0604020202020204" pitchFamily="34" charset="0"/>
+              <a:buChar char="•"/>
+              <a:defRPr sz="1800" kern="1200">
+                <a:solidFill>
+                  <a:schemeClr val="tx1"/>
+                </a:solidFill>
+                <a:latin typeface="+mn-lt"/>
+                <a:ea typeface="+mn-ea"/>
+                <a:cs typeface="+mn-cs"/>
+              </a:defRPr>
+            </a:lvl8pPr>
+            <a:lvl9pPr marL="3886200" indent="-228600" algn="l" defTabSz="914400" rtl="0" eaLnBrk="1" latinLnBrk="0" hangingPunct="1">
+              <a:lnSpc>
+                <a:spcPct val="90000"/>
+              </a:lnSpc>
+              <a:spcBef>
+                <a:spcPts val="500"/>
+              </a:spcBef>
+              <a:buFont typeface="Arial" panose="020B0604020202020204" pitchFamily="34" charset="0"/>
+              <a:buChar char="•"/>
+              <a:defRPr sz="1800" kern="1200">
+                <a:solidFill>
+                  <a:schemeClr val="tx1"/>
+                </a:solidFill>
+                <a:latin typeface="+mn-lt"/>
+                <a:ea typeface="+mn-ea"/>
+                <a:cs typeface="+mn-cs"/>
+              </a:defRPr>
+            </a:lvl9pPr>
+          </a:lstStyle>
+          <a:p>
+            <a:pPr marL="0" indent="0">
+              <a:buFont typeface="Arial" panose="020B0604020202020204" pitchFamily="34" charset="0"/>
+              <a:buNone/>
+            </a:pPr>
+            <a:r>
+              <a:rPr lang="en-US" dirty="0" err="1"/>
+              <a:t>ShouldComponentUpdate</a:t>
+            </a:r>
+            <a:r>
+              <a:rPr lang="en-US" dirty="0"/>
+              <a:t>(</a:t>
+            </a:r>
+            <a:r>
+              <a:rPr lang="en-US" dirty="0" err="1"/>
+              <a:t>nextProps,nextState</a:t>
+            </a:r>
+            <a:r>
+              <a:rPr lang="en-US" dirty="0"/>
+              <a:t>)</a:t>
+            </a:r>
+          </a:p>
+        </p:txBody>
+      </p:sp>
+      <p:sp>
+        <p:nvSpPr>
+          <p:cNvPr id="5" name="Content Placeholder 2">
+            <a:extLst>
+              <a:ext uri="{FF2B5EF4-FFF2-40B4-BE49-F238E27FC236}">
+                <a16:creationId xmlns:a16="http://schemas.microsoft.com/office/drawing/2014/main" id="{B4F7FABB-9EDC-E42C-E833-FC3A43354F17}"/>
+              </a:ext>
+            </a:extLst>
+          </p:cNvPr>
+          <p:cNvSpPr txBox="1">
+            <a:spLocks/>
+          </p:cNvSpPr>
+          <p:nvPr/>
+        </p:nvSpPr>
+        <p:spPr>
+          <a:xfrm>
+            <a:off x="4583941" y="3818589"/>
+            <a:ext cx="4661848" cy="442888"/>
+          </a:xfrm>
+          <a:prstGeom prst="rect">
+            <a:avLst/>
+          </a:prstGeom>
+        </p:spPr>
+        <p:txBody>
+          <a:bodyPr vert="horz" lIns="91440" tIns="45720" rIns="91440" bIns="45720" rtlCol="0">
+            <a:normAutofit fontScale="92500" lnSpcReduction="10000"/>
+          </a:bodyPr>
+          <a:lstStyle>
+            <a:lvl1pPr marL="228600" indent="-228600" algn="l" defTabSz="914400" rtl="0" eaLnBrk="1" latinLnBrk="0" hangingPunct="1">
+              <a:lnSpc>
+                <a:spcPct val="90000"/>
+              </a:lnSpc>
+              <a:spcBef>
+                <a:spcPts val="1000"/>
+              </a:spcBef>
+              <a:buFont typeface="Arial" panose="020B0604020202020204" pitchFamily="34" charset="0"/>
+              <a:buChar char="•"/>
+              <a:defRPr sz="2800" kern="1200">
+                <a:solidFill>
+                  <a:schemeClr val="tx1"/>
+                </a:solidFill>
+                <a:latin typeface="+mn-lt"/>
+                <a:ea typeface="+mn-ea"/>
+                <a:cs typeface="+mn-cs"/>
+              </a:defRPr>
+            </a:lvl1pPr>
+            <a:lvl2pPr marL="685800" indent="-228600" algn="l" defTabSz="914400" rtl="0" eaLnBrk="1" latinLnBrk="0" hangingPunct="1">
+              <a:lnSpc>
+                <a:spcPct val="90000"/>
+              </a:lnSpc>
+              <a:spcBef>
+                <a:spcPts val="500"/>
+              </a:spcBef>
+              <a:buFont typeface="Arial" panose="020B0604020202020204" pitchFamily="34" charset="0"/>
+              <a:buChar char="•"/>
+              <a:defRPr sz="2400" kern="1200">
+                <a:solidFill>
+                  <a:schemeClr val="tx1"/>
+                </a:solidFill>
+                <a:latin typeface="+mn-lt"/>
+                <a:ea typeface="+mn-ea"/>
+                <a:cs typeface="+mn-cs"/>
+              </a:defRPr>
+            </a:lvl2pPr>
+            <a:lvl3pPr marL="1143000" indent="-228600" algn="l" defTabSz="914400" rtl="0" eaLnBrk="1" latinLnBrk="0" hangingPunct="1">
+              <a:lnSpc>
+                <a:spcPct val="90000"/>
+              </a:lnSpc>
+              <a:spcBef>
+                <a:spcPts val="500"/>
+              </a:spcBef>
+              <a:buFont typeface="Arial" panose="020B0604020202020204" pitchFamily="34" charset="0"/>
+              <a:buChar char="•"/>
+              <a:defRPr sz="2000" kern="1200">
+                <a:solidFill>
+                  <a:schemeClr val="tx1"/>
+                </a:solidFill>
+                <a:latin typeface="+mn-lt"/>
+                <a:ea typeface="+mn-ea"/>
+                <a:cs typeface="+mn-cs"/>
+              </a:defRPr>
+            </a:lvl3pPr>
+            <a:lvl4pPr marL="1600200" indent="-228600" algn="l" defTabSz="914400" rtl="0" eaLnBrk="1" latinLnBrk="0" hangingPunct="1">
+              <a:lnSpc>
+                <a:spcPct val="90000"/>
+              </a:lnSpc>
+              <a:spcBef>
+                <a:spcPts val="500"/>
+              </a:spcBef>
+              <a:buFont typeface="Arial" panose="020B0604020202020204" pitchFamily="34" charset="0"/>
+              <a:buChar char="•"/>
+              <a:defRPr sz="1800" kern="1200">
+                <a:solidFill>
+                  <a:schemeClr val="tx1"/>
+                </a:solidFill>
+                <a:latin typeface="+mn-lt"/>
+                <a:ea typeface="+mn-ea"/>
+                <a:cs typeface="+mn-cs"/>
+              </a:defRPr>
+            </a:lvl4pPr>
+            <a:lvl5pPr marL="2057400" indent="-228600" algn="l" defTabSz="914400" rtl="0" eaLnBrk="1" latinLnBrk="0" hangingPunct="1">
+              <a:lnSpc>
+                <a:spcPct val="90000"/>
+              </a:lnSpc>
+              <a:spcBef>
+                <a:spcPts val="500"/>
+              </a:spcBef>
+              <a:buFont typeface="Arial" panose="020B0604020202020204" pitchFamily="34" charset="0"/>
+              <a:buChar char="•"/>
+              <a:defRPr sz="1800" kern="1200">
+                <a:solidFill>
+                  <a:schemeClr val="tx1"/>
+                </a:solidFill>
+                <a:latin typeface="+mn-lt"/>
+                <a:ea typeface="+mn-ea"/>
+                <a:cs typeface="+mn-cs"/>
+              </a:defRPr>
+            </a:lvl5pPr>
+            <a:lvl6pPr marL="2514600" indent="-228600" algn="l" defTabSz="914400" rtl="0" eaLnBrk="1" latinLnBrk="0" hangingPunct="1">
+              <a:lnSpc>
+                <a:spcPct val="90000"/>
+              </a:lnSpc>
+              <a:spcBef>
+                <a:spcPts val="500"/>
+              </a:spcBef>
+              <a:buFont typeface="Arial" panose="020B0604020202020204" pitchFamily="34" charset="0"/>
+              <a:buChar char="•"/>
+              <a:defRPr sz="1800" kern="1200">
+                <a:solidFill>
+                  <a:schemeClr val="tx1"/>
+                </a:solidFill>
+                <a:latin typeface="+mn-lt"/>
+                <a:ea typeface="+mn-ea"/>
+                <a:cs typeface="+mn-cs"/>
+              </a:defRPr>
+            </a:lvl6pPr>
+            <a:lvl7pPr marL="2971800" indent="-228600" algn="l" defTabSz="914400" rtl="0" eaLnBrk="1" latinLnBrk="0" hangingPunct="1">
+              <a:lnSpc>
+                <a:spcPct val="90000"/>
+              </a:lnSpc>
+              <a:spcBef>
+                <a:spcPts val="500"/>
+              </a:spcBef>
+              <a:buFont typeface="Arial" panose="020B0604020202020204" pitchFamily="34" charset="0"/>
+              <a:buChar char="•"/>
+              <a:defRPr sz="1800" kern="1200">
+                <a:solidFill>
+                  <a:schemeClr val="tx1"/>
+                </a:solidFill>
+                <a:latin typeface="+mn-lt"/>
+                <a:ea typeface="+mn-ea"/>
+                <a:cs typeface="+mn-cs"/>
+              </a:defRPr>
+            </a:lvl7pPr>
+            <a:lvl8pPr marL="3429000" indent="-228600" algn="l" defTabSz="914400" rtl="0" eaLnBrk="1" latinLnBrk="0" hangingPunct="1">
+              <a:lnSpc>
+                <a:spcPct val="90000"/>
+              </a:lnSpc>
+              <a:spcBef>
+                <a:spcPts val="500"/>
+              </a:spcBef>
+              <a:buFont typeface="Arial" panose="020B0604020202020204" pitchFamily="34" charset="0"/>
+              <a:buChar char="•"/>
+              <a:defRPr sz="1800" kern="1200">
+                <a:solidFill>
+                  <a:schemeClr val="tx1"/>
+                </a:solidFill>
+                <a:latin typeface="+mn-lt"/>
+                <a:ea typeface="+mn-ea"/>
+                <a:cs typeface="+mn-cs"/>
+              </a:defRPr>
+            </a:lvl8pPr>
+            <a:lvl9pPr marL="3886200" indent="-228600" algn="l" defTabSz="914400" rtl="0" eaLnBrk="1" latinLnBrk="0" hangingPunct="1">
+              <a:lnSpc>
+                <a:spcPct val="90000"/>
+              </a:lnSpc>
+              <a:spcBef>
+                <a:spcPts val="500"/>
+              </a:spcBef>
+              <a:buFont typeface="Arial" panose="020B0604020202020204" pitchFamily="34" charset="0"/>
+              <a:buChar char="•"/>
+              <a:defRPr sz="1800" kern="1200">
+                <a:solidFill>
+                  <a:schemeClr val="tx1"/>
+                </a:solidFill>
+                <a:latin typeface="+mn-lt"/>
+                <a:ea typeface="+mn-ea"/>
+                <a:cs typeface="+mn-cs"/>
+              </a:defRPr>
+            </a:lvl9pPr>
+          </a:lstStyle>
+          <a:p>
+            <a:pPr marL="0" indent="0">
+              <a:buFont typeface="Arial" panose="020B0604020202020204" pitchFamily="34" charset="0"/>
+              <a:buNone/>
+            </a:pPr>
+            <a:r>
+              <a:rPr lang="en-US" dirty="0"/>
+              <a:t>Render()</a:t>
+            </a:r>
+          </a:p>
+        </p:txBody>
+      </p:sp>
+      <p:sp>
+        <p:nvSpPr>
+          <p:cNvPr id="6" name="Content Placeholder 2">
+            <a:extLst>
+              <a:ext uri="{FF2B5EF4-FFF2-40B4-BE49-F238E27FC236}">
+                <a16:creationId xmlns:a16="http://schemas.microsoft.com/office/drawing/2014/main" id="{A4B08594-EF8C-3F32-8E2F-BD12E34FF876}"/>
+              </a:ext>
+            </a:extLst>
+          </p:cNvPr>
+          <p:cNvSpPr txBox="1">
+            <a:spLocks/>
+          </p:cNvSpPr>
+          <p:nvPr/>
+        </p:nvSpPr>
+        <p:spPr>
+          <a:xfrm>
+            <a:off x="3193576" y="4604122"/>
+            <a:ext cx="4661848" cy="442888"/>
+          </a:xfrm>
+          <a:prstGeom prst="rect">
+            <a:avLst/>
+          </a:prstGeom>
+        </p:spPr>
+        <p:txBody>
+          <a:bodyPr vert="horz" lIns="91440" tIns="45720" rIns="91440" bIns="45720" rtlCol="0">
+            <a:normAutofit fontScale="92500" lnSpcReduction="10000"/>
+          </a:bodyPr>
+          <a:lstStyle>
+            <a:lvl1pPr marL="228600" indent="-228600" algn="l" defTabSz="914400" rtl="0" eaLnBrk="1" latinLnBrk="0" hangingPunct="1">
+              <a:lnSpc>
+                <a:spcPct val="90000"/>
+              </a:lnSpc>
+              <a:spcBef>
+                <a:spcPts val="1000"/>
+              </a:spcBef>
+              <a:buFont typeface="Arial" panose="020B0604020202020204" pitchFamily="34" charset="0"/>
+              <a:buChar char="•"/>
+              <a:defRPr sz="2800" kern="1200">
+                <a:solidFill>
+                  <a:schemeClr val="tx1"/>
+                </a:solidFill>
+                <a:latin typeface="+mn-lt"/>
+                <a:ea typeface="+mn-ea"/>
+                <a:cs typeface="+mn-cs"/>
+              </a:defRPr>
+            </a:lvl1pPr>
+            <a:lvl2pPr marL="685800" indent="-228600" algn="l" defTabSz="914400" rtl="0" eaLnBrk="1" latinLnBrk="0" hangingPunct="1">
+              <a:lnSpc>
+                <a:spcPct val="90000"/>
+              </a:lnSpc>
+              <a:spcBef>
+                <a:spcPts val="500"/>
+              </a:spcBef>
+              <a:buFont typeface="Arial" panose="020B0604020202020204" pitchFamily="34" charset="0"/>
+              <a:buChar char="•"/>
+              <a:defRPr sz="2400" kern="1200">
+                <a:solidFill>
+                  <a:schemeClr val="tx1"/>
+                </a:solidFill>
+                <a:latin typeface="+mn-lt"/>
+                <a:ea typeface="+mn-ea"/>
+                <a:cs typeface="+mn-cs"/>
+              </a:defRPr>
+            </a:lvl2pPr>
+            <a:lvl3pPr marL="1143000" indent="-228600" algn="l" defTabSz="914400" rtl="0" eaLnBrk="1" latinLnBrk="0" hangingPunct="1">
+              <a:lnSpc>
+                <a:spcPct val="90000"/>
+              </a:lnSpc>
+              <a:spcBef>
+                <a:spcPts val="500"/>
+              </a:spcBef>
+              <a:buFont typeface="Arial" panose="020B0604020202020204" pitchFamily="34" charset="0"/>
+              <a:buChar char="•"/>
+              <a:defRPr sz="2000" kern="1200">
+                <a:solidFill>
+                  <a:schemeClr val="tx1"/>
+                </a:solidFill>
+                <a:latin typeface="+mn-lt"/>
+                <a:ea typeface="+mn-ea"/>
+                <a:cs typeface="+mn-cs"/>
+              </a:defRPr>
+            </a:lvl3pPr>
+            <a:lvl4pPr marL="1600200" indent="-228600" algn="l" defTabSz="914400" rtl="0" eaLnBrk="1" latinLnBrk="0" hangingPunct="1">
+              <a:lnSpc>
+                <a:spcPct val="90000"/>
+              </a:lnSpc>
+              <a:spcBef>
+                <a:spcPts val="500"/>
+              </a:spcBef>
+              <a:buFont typeface="Arial" panose="020B0604020202020204" pitchFamily="34" charset="0"/>
+              <a:buChar char="•"/>
+              <a:defRPr sz="1800" kern="1200">
+                <a:solidFill>
+                  <a:schemeClr val="tx1"/>
+                </a:solidFill>
+                <a:latin typeface="+mn-lt"/>
+                <a:ea typeface="+mn-ea"/>
+                <a:cs typeface="+mn-cs"/>
+              </a:defRPr>
+            </a:lvl4pPr>
+            <a:lvl5pPr marL="2057400" indent="-228600" algn="l" defTabSz="914400" rtl="0" eaLnBrk="1" latinLnBrk="0" hangingPunct="1">
+              <a:lnSpc>
+                <a:spcPct val="90000"/>
+              </a:lnSpc>
+              <a:spcBef>
+                <a:spcPts val="500"/>
+              </a:spcBef>
+              <a:buFont typeface="Arial" panose="020B0604020202020204" pitchFamily="34" charset="0"/>
+              <a:buChar char="•"/>
+              <a:defRPr sz="1800" kern="1200">
+                <a:solidFill>
+                  <a:schemeClr val="tx1"/>
+                </a:solidFill>
+                <a:latin typeface="+mn-lt"/>
+                <a:ea typeface="+mn-ea"/>
+                <a:cs typeface="+mn-cs"/>
+              </a:defRPr>
+            </a:lvl5pPr>
+            <a:lvl6pPr marL="2514600" indent="-228600" algn="l" defTabSz="914400" rtl="0" eaLnBrk="1" latinLnBrk="0" hangingPunct="1">
+              <a:lnSpc>
+                <a:spcPct val="90000"/>
+              </a:lnSpc>
+              <a:spcBef>
+                <a:spcPts val="500"/>
+              </a:spcBef>
+              <a:buFont typeface="Arial" panose="020B0604020202020204" pitchFamily="34" charset="0"/>
+              <a:buChar char="•"/>
+              <a:defRPr sz="1800" kern="1200">
+                <a:solidFill>
+                  <a:schemeClr val="tx1"/>
+                </a:solidFill>
+                <a:latin typeface="+mn-lt"/>
+                <a:ea typeface="+mn-ea"/>
+                <a:cs typeface="+mn-cs"/>
+              </a:defRPr>
+            </a:lvl6pPr>
+            <a:lvl7pPr marL="2971800" indent="-228600" algn="l" defTabSz="914400" rtl="0" eaLnBrk="1" latinLnBrk="0" hangingPunct="1">
+              <a:lnSpc>
+                <a:spcPct val="90000"/>
+              </a:lnSpc>
+              <a:spcBef>
+                <a:spcPts val="500"/>
+              </a:spcBef>
+              <a:buFont typeface="Arial" panose="020B0604020202020204" pitchFamily="34" charset="0"/>
+              <a:buChar char="•"/>
+              <a:defRPr sz="1800" kern="1200">
+                <a:solidFill>
+                  <a:schemeClr val="tx1"/>
+                </a:solidFill>
+                <a:latin typeface="+mn-lt"/>
+                <a:ea typeface="+mn-ea"/>
+                <a:cs typeface="+mn-cs"/>
+              </a:defRPr>
+            </a:lvl7pPr>
+            <a:lvl8pPr marL="3429000" indent="-228600" algn="l" defTabSz="914400" rtl="0" eaLnBrk="1" latinLnBrk="0" hangingPunct="1">
+              <a:lnSpc>
+                <a:spcPct val="90000"/>
+              </a:lnSpc>
+              <a:spcBef>
+                <a:spcPts val="500"/>
+              </a:spcBef>
+              <a:buFont typeface="Arial" panose="020B0604020202020204" pitchFamily="34" charset="0"/>
+              <a:buChar char="•"/>
+              <a:defRPr sz="1800" kern="1200">
+                <a:solidFill>
+                  <a:schemeClr val="tx1"/>
+                </a:solidFill>
+                <a:latin typeface="+mn-lt"/>
+                <a:ea typeface="+mn-ea"/>
+                <a:cs typeface="+mn-cs"/>
+              </a:defRPr>
+            </a:lvl8pPr>
+            <a:lvl9pPr marL="3886200" indent="-228600" algn="l" defTabSz="914400" rtl="0" eaLnBrk="1" latinLnBrk="0" hangingPunct="1">
+              <a:lnSpc>
+                <a:spcPct val="90000"/>
+              </a:lnSpc>
+              <a:spcBef>
+                <a:spcPts val="500"/>
+              </a:spcBef>
+              <a:buFont typeface="Arial" panose="020B0604020202020204" pitchFamily="34" charset="0"/>
+              <a:buChar char="•"/>
+              <a:defRPr sz="1800" kern="1200">
+                <a:solidFill>
+                  <a:schemeClr val="tx1"/>
+                </a:solidFill>
+                <a:latin typeface="+mn-lt"/>
+                <a:ea typeface="+mn-ea"/>
+                <a:cs typeface="+mn-cs"/>
+              </a:defRPr>
+            </a:lvl9pPr>
+          </a:lstStyle>
+          <a:p>
+            <a:pPr marL="0" indent="0">
+              <a:buFont typeface="Arial" panose="020B0604020202020204" pitchFamily="34" charset="0"/>
+              <a:buNone/>
+            </a:pPr>
+            <a:r>
+              <a:rPr lang="en-US" dirty="0"/>
+              <a:t>Update Child Components Props</a:t>
+            </a:r>
+          </a:p>
+        </p:txBody>
+      </p:sp>
+      <p:sp>
+        <p:nvSpPr>
+          <p:cNvPr id="7" name="Content Placeholder 2">
+            <a:extLst>
+              <a:ext uri="{FF2B5EF4-FFF2-40B4-BE49-F238E27FC236}">
+                <a16:creationId xmlns:a16="http://schemas.microsoft.com/office/drawing/2014/main" id="{57873EE8-7470-A5D0-BD86-DB77D625C54B}"/>
+              </a:ext>
+            </a:extLst>
+          </p:cNvPr>
+          <p:cNvSpPr txBox="1">
+            <a:spLocks/>
+          </p:cNvSpPr>
+          <p:nvPr/>
+        </p:nvSpPr>
+        <p:spPr>
+          <a:xfrm>
+            <a:off x="3433551" y="5406681"/>
+            <a:ext cx="4661848" cy="442888"/>
+          </a:xfrm>
+          <a:prstGeom prst="rect">
+            <a:avLst/>
+          </a:prstGeom>
+        </p:spPr>
+        <p:txBody>
+          <a:bodyPr vert="horz" lIns="91440" tIns="45720" rIns="91440" bIns="45720" rtlCol="0">
+            <a:normAutofit fontScale="62500" lnSpcReduction="20000"/>
+          </a:bodyPr>
+          <a:lstStyle>
+            <a:lvl1pPr marL="228600" indent="-228600" algn="l" defTabSz="914400" rtl="0" eaLnBrk="1" latinLnBrk="0" hangingPunct="1">
+              <a:lnSpc>
+                <a:spcPct val="90000"/>
+              </a:lnSpc>
+              <a:spcBef>
+                <a:spcPts val="1000"/>
+              </a:spcBef>
+              <a:buFont typeface="Arial" panose="020B0604020202020204" pitchFamily="34" charset="0"/>
+              <a:buChar char="•"/>
+              <a:defRPr sz="2800" kern="1200">
+                <a:solidFill>
+                  <a:schemeClr val="tx1"/>
+                </a:solidFill>
+                <a:latin typeface="+mn-lt"/>
+                <a:ea typeface="+mn-ea"/>
+                <a:cs typeface="+mn-cs"/>
+              </a:defRPr>
+            </a:lvl1pPr>
+            <a:lvl2pPr marL="685800" indent="-228600" algn="l" defTabSz="914400" rtl="0" eaLnBrk="1" latinLnBrk="0" hangingPunct="1">
+              <a:lnSpc>
+                <a:spcPct val="90000"/>
+              </a:lnSpc>
+              <a:spcBef>
+                <a:spcPts val="500"/>
+              </a:spcBef>
+              <a:buFont typeface="Arial" panose="020B0604020202020204" pitchFamily="34" charset="0"/>
+              <a:buChar char="•"/>
+              <a:defRPr sz="2400" kern="1200">
+                <a:solidFill>
+                  <a:schemeClr val="tx1"/>
+                </a:solidFill>
+                <a:latin typeface="+mn-lt"/>
+                <a:ea typeface="+mn-ea"/>
+                <a:cs typeface="+mn-cs"/>
+              </a:defRPr>
+            </a:lvl2pPr>
+            <a:lvl3pPr marL="1143000" indent="-228600" algn="l" defTabSz="914400" rtl="0" eaLnBrk="1" latinLnBrk="0" hangingPunct="1">
+              <a:lnSpc>
+                <a:spcPct val="90000"/>
+              </a:lnSpc>
+              <a:spcBef>
+                <a:spcPts val="500"/>
+              </a:spcBef>
+              <a:buFont typeface="Arial" panose="020B0604020202020204" pitchFamily="34" charset="0"/>
+              <a:buChar char="•"/>
+              <a:defRPr sz="2000" kern="1200">
+                <a:solidFill>
+                  <a:schemeClr val="tx1"/>
+                </a:solidFill>
+                <a:latin typeface="+mn-lt"/>
+                <a:ea typeface="+mn-ea"/>
+                <a:cs typeface="+mn-cs"/>
+              </a:defRPr>
+            </a:lvl3pPr>
+            <a:lvl4pPr marL="1600200" indent="-228600" algn="l" defTabSz="914400" rtl="0" eaLnBrk="1" latinLnBrk="0" hangingPunct="1">
+              <a:lnSpc>
+                <a:spcPct val="90000"/>
+              </a:lnSpc>
+              <a:spcBef>
+                <a:spcPts val="500"/>
+              </a:spcBef>
+              <a:buFont typeface="Arial" panose="020B0604020202020204" pitchFamily="34" charset="0"/>
+              <a:buChar char="•"/>
+              <a:defRPr sz="1800" kern="1200">
+                <a:solidFill>
+                  <a:schemeClr val="tx1"/>
+                </a:solidFill>
+                <a:latin typeface="+mn-lt"/>
+                <a:ea typeface="+mn-ea"/>
+                <a:cs typeface="+mn-cs"/>
+              </a:defRPr>
+            </a:lvl4pPr>
+            <a:lvl5pPr marL="2057400" indent="-228600" algn="l" defTabSz="914400" rtl="0" eaLnBrk="1" latinLnBrk="0" hangingPunct="1">
+              <a:lnSpc>
+                <a:spcPct val="90000"/>
+              </a:lnSpc>
+              <a:spcBef>
+                <a:spcPts val="500"/>
+              </a:spcBef>
+              <a:buFont typeface="Arial" panose="020B0604020202020204" pitchFamily="34" charset="0"/>
+              <a:buChar char="•"/>
+              <a:defRPr sz="1800" kern="1200">
+                <a:solidFill>
+                  <a:schemeClr val="tx1"/>
+                </a:solidFill>
+                <a:latin typeface="+mn-lt"/>
+                <a:ea typeface="+mn-ea"/>
+                <a:cs typeface="+mn-cs"/>
+              </a:defRPr>
+            </a:lvl5pPr>
+            <a:lvl6pPr marL="2514600" indent="-228600" algn="l" defTabSz="914400" rtl="0" eaLnBrk="1" latinLnBrk="0" hangingPunct="1">
+              <a:lnSpc>
+                <a:spcPct val="90000"/>
+              </a:lnSpc>
+              <a:spcBef>
+                <a:spcPts val="500"/>
+              </a:spcBef>
+              <a:buFont typeface="Arial" panose="020B0604020202020204" pitchFamily="34" charset="0"/>
+              <a:buChar char="•"/>
+              <a:defRPr sz="1800" kern="1200">
+                <a:solidFill>
+                  <a:schemeClr val="tx1"/>
+                </a:solidFill>
+                <a:latin typeface="+mn-lt"/>
+                <a:ea typeface="+mn-ea"/>
+                <a:cs typeface="+mn-cs"/>
+              </a:defRPr>
+            </a:lvl6pPr>
+            <a:lvl7pPr marL="2971800" indent="-228600" algn="l" defTabSz="914400" rtl="0" eaLnBrk="1" latinLnBrk="0" hangingPunct="1">
+              <a:lnSpc>
+                <a:spcPct val="90000"/>
+              </a:lnSpc>
+              <a:spcBef>
+                <a:spcPts val="500"/>
+              </a:spcBef>
+              <a:buFont typeface="Arial" panose="020B0604020202020204" pitchFamily="34" charset="0"/>
+              <a:buChar char="•"/>
+              <a:defRPr sz="1800" kern="1200">
+                <a:solidFill>
+                  <a:schemeClr val="tx1"/>
+                </a:solidFill>
+                <a:latin typeface="+mn-lt"/>
+                <a:ea typeface="+mn-ea"/>
+                <a:cs typeface="+mn-cs"/>
+              </a:defRPr>
+            </a:lvl7pPr>
+            <a:lvl8pPr marL="3429000" indent="-228600" algn="l" defTabSz="914400" rtl="0" eaLnBrk="1" latinLnBrk="0" hangingPunct="1">
+              <a:lnSpc>
+                <a:spcPct val="90000"/>
+              </a:lnSpc>
+              <a:spcBef>
+                <a:spcPts val="500"/>
+              </a:spcBef>
+              <a:buFont typeface="Arial" panose="020B0604020202020204" pitchFamily="34" charset="0"/>
+              <a:buChar char="•"/>
+              <a:defRPr sz="1800" kern="1200">
+                <a:solidFill>
+                  <a:schemeClr val="tx1"/>
+                </a:solidFill>
+                <a:latin typeface="+mn-lt"/>
+                <a:ea typeface="+mn-ea"/>
+                <a:cs typeface="+mn-cs"/>
+              </a:defRPr>
+            </a:lvl8pPr>
+            <a:lvl9pPr marL="3886200" indent="-228600" algn="l" defTabSz="914400" rtl="0" eaLnBrk="1" latinLnBrk="0" hangingPunct="1">
+              <a:lnSpc>
+                <a:spcPct val="90000"/>
+              </a:lnSpc>
+              <a:spcBef>
+                <a:spcPts val="500"/>
+              </a:spcBef>
+              <a:buFont typeface="Arial" panose="020B0604020202020204" pitchFamily="34" charset="0"/>
+              <a:buChar char="•"/>
+              <a:defRPr sz="1800" kern="1200">
+                <a:solidFill>
+                  <a:schemeClr val="tx1"/>
+                </a:solidFill>
+                <a:latin typeface="+mn-lt"/>
+                <a:ea typeface="+mn-ea"/>
+                <a:cs typeface="+mn-cs"/>
+              </a:defRPr>
+            </a:lvl9pPr>
+          </a:lstStyle>
+          <a:p>
+            <a:pPr marL="0" indent="0">
+              <a:buFont typeface="Arial" panose="020B0604020202020204" pitchFamily="34" charset="0"/>
+              <a:buNone/>
+            </a:pPr>
+            <a:r>
+              <a:rPr lang="en-US" dirty="0" err="1"/>
+              <a:t>getSnapshotBeforeUpdate</a:t>
+            </a:r>
+            <a:r>
+              <a:rPr lang="en-US" dirty="0"/>
+              <a:t>(</a:t>
+            </a:r>
+            <a:r>
+              <a:rPr lang="en-US" dirty="0" err="1"/>
+              <a:t>prevProps,prevState</a:t>
+            </a:r>
+            <a:r>
+              <a:rPr lang="en-US" dirty="0"/>
+              <a:t>)</a:t>
+            </a:r>
+          </a:p>
+        </p:txBody>
+      </p:sp>
+      <p:sp>
+        <p:nvSpPr>
+          <p:cNvPr id="8" name="Arrow: Down 7">
+            <a:extLst>
+              <a:ext uri="{FF2B5EF4-FFF2-40B4-BE49-F238E27FC236}">
+                <a16:creationId xmlns:a16="http://schemas.microsoft.com/office/drawing/2014/main" id="{2232AD16-18BF-34FD-062F-D4EF6C67D8C8}"/>
+              </a:ext>
+            </a:extLst>
+          </p:cNvPr>
+          <p:cNvSpPr/>
+          <p:nvPr/>
+        </p:nvSpPr>
+        <p:spPr>
+          <a:xfrm>
+            <a:off x="5033182" y="2453016"/>
+            <a:ext cx="491319" cy="442888"/>
+          </a:xfrm>
+          <a:prstGeom prst="downArrow">
+            <a:avLst/>
+          </a:prstGeom>
+        </p:spPr>
+        <p:style>
+          <a:lnRef idx="2">
+            <a:schemeClr val="accent1">
+              <a:shade val="50000"/>
+            </a:schemeClr>
+          </a:lnRef>
+          <a:fillRef idx="1">
+            <a:schemeClr val="accent1"/>
+          </a:fillRef>
+          <a:effectRef idx="0">
+            <a:schemeClr val="accent1"/>
+          </a:effectRef>
+          <a:fontRef idx="minor">
+            <a:schemeClr val="lt1"/>
+          </a:fontRef>
+        </p:style>
+        <p:txBody>
+          <a:bodyPr rtlCol="0" anchor="ctr"/>
+          <a:lstStyle/>
+          <a:p>
+            <a:pPr algn="ctr"/>
+            <a:endParaRPr lang="en-US" dirty="0"/>
+          </a:p>
+        </p:txBody>
+      </p:sp>
+      <p:sp>
+        <p:nvSpPr>
+          <p:cNvPr id="9" name="Arrow: Down 8">
+            <a:extLst>
+              <a:ext uri="{FF2B5EF4-FFF2-40B4-BE49-F238E27FC236}">
+                <a16:creationId xmlns:a16="http://schemas.microsoft.com/office/drawing/2014/main" id="{4059B9AA-879D-83C4-98A3-5888574074B7}"/>
+              </a:ext>
+            </a:extLst>
+          </p:cNvPr>
+          <p:cNvSpPr/>
+          <p:nvPr/>
+        </p:nvSpPr>
+        <p:spPr>
+          <a:xfrm>
+            <a:off x="5033181" y="3386259"/>
+            <a:ext cx="491319" cy="442888"/>
+          </a:xfrm>
+          <a:prstGeom prst="downArrow">
+            <a:avLst/>
+          </a:prstGeom>
+        </p:spPr>
+        <p:style>
+          <a:lnRef idx="2">
+            <a:schemeClr val="accent1">
+              <a:shade val="50000"/>
+            </a:schemeClr>
+          </a:lnRef>
+          <a:fillRef idx="1">
+            <a:schemeClr val="accent1"/>
+          </a:fillRef>
+          <a:effectRef idx="0">
+            <a:schemeClr val="accent1"/>
+          </a:effectRef>
+          <a:fontRef idx="minor">
+            <a:schemeClr val="lt1"/>
+          </a:fontRef>
+        </p:style>
+        <p:txBody>
+          <a:bodyPr rtlCol="0" anchor="ctr"/>
+          <a:lstStyle/>
+          <a:p>
+            <a:pPr algn="ctr"/>
+            <a:endParaRPr lang="en-US"/>
+          </a:p>
+        </p:txBody>
+      </p:sp>
+      <p:sp>
+        <p:nvSpPr>
+          <p:cNvPr id="10" name="Arrow: Down 9">
+            <a:extLst>
+              <a:ext uri="{FF2B5EF4-FFF2-40B4-BE49-F238E27FC236}">
+                <a16:creationId xmlns:a16="http://schemas.microsoft.com/office/drawing/2014/main" id="{4B4EE8F5-0D25-2EE3-EF53-66A99EC74F3A}"/>
+              </a:ext>
+            </a:extLst>
+          </p:cNvPr>
+          <p:cNvSpPr/>
+          <p:nvPr/>
+        </p:nvSpPr>
+        <p:spPr>
+          <a:xfrm>
+            <a:off x="5045976" y="4157084"/>
+            <a:ext cx="491319" cy="442888"/>
+          </a:xfrm>
+          <a:prstGeom prst="downArrow">
+            <a:avLst/>
+          </a:prstGeom>
+        </p:spPr>
+        <p:style>
+          <a:lnRef idx="2">
+            <a:schemeClr val="accent1">
+              <a:shade val="50000"/>
+            </a:schemeClr>
+          </a:lnRef>
+          <a:fillRef idx="1">
+            <a:schemeClr val="accent1"/>
+          </a:fillRef>
+          <a:effectRef idx="0">
+            <a:schemeClr val="accent1"/>
+          </a:effectRef>
+          <a:fontRef idx="minor">
+            <a:schemeClr val="lt1"/>
+          </a:fontRef>
+        </p:style>
+        <p:txBody>
+          <a:bodyPr rtlCol="0" anchor="ctr"/>
+          <a:lstStyle/>
+          <a:p>
+            <a:pPr algn="ctr"/>
+            <a:endParaRPr lang="en-US"/>
+          </a:p>
+        </p:txBody>
+      </p:sp>
+      <p:sp>
+        <p:nvSpPr>
+          <p:cNvPr id="11" name="Arrow: Down 10">
+            <a:extLst>
+              <a:ext uri="{FF2B5EF4-FFF2-40B4-BE49-F238E27FC236}">
+                <a16:creationId xmlns:a16="http://schemas.microsoft.com/office/drawing/2014/main" id="{017F621D-93C8-F519-CD38-136C390BB567}"/>
+              </a:ext>
+            </a:extLst>
+          </p:cNvPr>
+          <p:cNvSpPr/>
+          <p:nvPr/>
+        </p:nvSpPr>
+        <p:spPr>
+          <a:xfrm>
+            <a:off x="5045976" y="4963793"/>
+            <a:ext cx="491319" cy="442888"/>
+          </a:xfrm>
+          <a:prstGeom prst="downArrow">
+            <a:avLst/>
+          </a:prstGeom>
+        </p:spPr>
+        <p:style>
+          <a:lnRef idx="2">
+            <a:schemeClr val="accent1">
+              <a:shade val="50000"/>
+            </a:schemeClr>
+          </a:lnRef>
+          <a:fillRef idx="1">
+            <a:schemeClr val="accent1"/>
+          </a:fillRef>
+          <a:effectRef idx="0">
+            <a:schemeClr val="accent1"/>
+          </a:effectRef>
+          <a:fontRef idx="minor">
+            <a:schemeClr val="lt1"/>
+          </a:fontRef>
+        </p:style>
+        <p:txBody>
+          <a:bodyPr rtlCol="0" anchor="ctr"/>
+          <a:lstStyle/>
+          <a:p>
+            <a:pPr algn="ctr"/>
+            <a:endParaRPr lang="en-US"/>
+          </a:p>
+        </p:txBody>
+      </p:sp>
+      <p:sp>
+        <p:nvSpPr>
+          <p:cNvPr id="12" name="TextBox 11">
+            <a:extLst>
+              <a:ext uri="{FF2B5EF4-FFF2-40B4-BE49-F238E27FC236}">
+                <a16:creationId xmlns:a16="http://schemas.microsoft.com/office/drawing/2014/main" id="{4575D21D-6787-8614-EE53-6E7550350AAC}"/>
+              </a:ext>
+            </a:extLst>
+          </p:cNvPr>
+          <p:cNvSpPr txBox="1"/>
+          <p:nvPr/>
+        </p:nvSpPr>
+        <p:spPr>
+          <a:xfrm>
+            <a:off x="464024" y="1897039"/>
+            <a:ext cx="2518959" cy="369332"/>
+          </a:xfrm>
+          <a:prstGeom prst="rect">
+            <a:avLst/>
+          </a:prstGeom>
+          <a:noFill/>
+        </p:spPr>
+        <p:txBody>
+          <a:bodyPr wrap="none" rtlCol="0">
+            <a:spAutoFit/>
+          </a:bodyPr>
+          <a:lstStyle/>
+          <a:p>
+            <a:r>
+              <a:rPr lang="en-US" dirty="0"/>
+              <a:t>Default ES6 class Feature</a:t>
+            </a:r>
+          </a:p>
+        </p:txBody>
+      </p:sp>
+      <p:cxnSp>
+        <p:nvCxnSpPr>
+          <p:cNvPr id="14" name="Straight Arrow Connector 13">
+            <a:extLst>
+              <a:ext uri="{FF2B5EF4-FFF2-40B4-BE49-F238E27FC236}">
+                <a16:creationId xmlns:a16="http://schemas.microsoft.com/office/drawing/2014/main" id="{09E13711-79E2-022E-4FCA-ACF122A11F4C}"/>
+              </a:ext>
+            </a:extLst>
+          </p:cNvPr>
+          <p:cNvCxnSpPr>
+            <a:cxnSpLocks/>
+            <a:stCxn id="3" idx="3"/>
+          </p:cNvCxnSpPr>
+          <p:nvPr/>
+        </p:nvCxnSpPr>
+        <p:spPr>
+          <a:xfrm flipV="1">
+            <a:off x="7389695" y="1897039"/>
+            <a:ext cx="2313864" cy="406911"/>
+          </a:xfrm>
+          <a:prstGeom prst="straightConnector1">
+            <a:avLst/>
+          </a:prstGeom>
+          <a:ln>
+            <a:tailEnd type="triangle"/>
+          </a:ln>
+        </p:spPr>
+        <p:style>
+          <a:lnRef idx="1">
+            <a:schemeClr val="accent1"/>
+          </a:lnRef>
+          <a:fillRef idx="0">
+            <a:schemeClr val="accent1"/>
+          </a:fillRef>
+          <a:effectRef idx="0">
+            <a:schemeClr val="accent1"/>
+          </a:effectRef>
+          <a:fontRef idx="minor">
+            <a:schemeClr val="tx1"/>
+          </a:fontRef>
+        </p:style>
+      </p:cxnSp>
+      <p:sp>
+        <p:nvSpPr>
+          <p:cNvPr id="15" name="Content Placeholder 2">
+            <a:extLst>
+              <a:ext uri="{FF2B5EF4-FFF2-40B4-BE49-F238E27FC236}">
+                <a16:creationId xmlns:a16="http://schemas.microsoft.com/office/drawing/2014/main" id="{680D6498-08D9-505E-909D-FC12F5872E25}"/>
+              </a:ext>
+            </a:extLst>
+          </p:cNvPr>
+          <p:cNvSpPr txBox="1">
+            <a:spLocks/>
+          </p:cNvSpPr>
+          <p:nvPr/>
+        </p:nvSpPr>
+        <p:spPr>
+          <a:xfrm>
+            <a:off x="9004110" y="1168358"/>
+            <a:ext cx="3187890" cy="1135592"/>
+          </a:xfrm>
+          <a:prstGeom prst="rect">
+            <a:avLst/>
+          </a:prstGeom>
+        </p:spPr>
+        <p:txBody>
+          <a:bodyPr vert="horz" lIns="91440" tIns="45720" rIns="91440" bIns="45720" rtlCol="0">
+            <a:normAutofit fontScale="85000" lnSpcReduction="10000"/>
+          </a:bodyPr>
+          <a:lstStyle>
+            <a:lvl1pPr marL="228600" indent="-228600" algn="l" defTabSz="914400" rtl="0" eaLnBrk="1" latinLnBrk="0" hangingPunct="1">
+              <a:lnSpc>
+                <a:spcPct val="90000"/>
+              </a:lnSpc>
+              <a:spcBef>
+                <a:spcPts val="1000"/>
+              </a:spcBef>
+              <a:buFont typeface="Arial" panose="020B0604020202020204" pitchFamily="34" charset="0"/>
+              <a:buChar char="•"/>
+              <a:defRPr sz="2800" kern="1200">
+                <a:solidFill>
+                  <a:schemeClr val="tx1"/>
+                </a:solidFill>
+                <a:latin typeface="+mn-lt"/>
+                <a:ea typeface="+mn-ea"/>
+                <a:cs typeface="+mn-cs"/>
+              </a:defRPr>
+            </a:lvl1pPr>
+            <a:lvl2pPr marL="685800" indent="-228600" algn="l" defTabSz="914400" rtl="0" eaLnBrk="1" latinLnBrk="0" hangingPunct="1">
+              <a:lnSpc>
+                <a:spcPct val="90000"/>
+              </a:lnSpc>
+              <a:spcBef>
+                <a:spcPts val="500"/>
+              </a:spcBef>
+              <a:buFont typeface="Arial" panose="020B0604020202020204" pitchFamily="34" charset="0"/>
+              <a:buChar char="•"/>
+              <a:defRPr sz="2400" kern="1200">
+                <a:solidFill>
+                  <a:schemeClr val="tx1"/>
+                </a:solidFill>
+                <a:latin typeface="+mn-lt"/>
+                <a:ea typeface="+mn-ea"/>
+                <a:cs typeface="+mn-cs"/>
+              </a:defRPr>
+            </a:lvl2pPr>
+            <a:lvl3pPr marL="1143000" indent="-228600" algn="l" defTabSz="914400" rtl="0" eaLnBrk="1" latinLnBrk="0" hangingPunct="1">
+              <a:lnSpc>
+                <a:spcPct val="90000"/>
+              </a:lnSpc>
+              <a:spcBef>
+                <a:spcPts val="500"/>
+              </a:spcBef>
+              <a:buFont typeface="Arial" panose="020B0604020202020204" pitchFamily="34" charset="0"/>
+              <a:buChar char="•"/>
+              <a:defRPr sz="2000" kern="1200">
+                <a:solidFill>
+                  <a:schemeClr val="tx1"/>
+                </a:solidFill>
+                <a:latin typeface="+mn-lt"/>
+                <a:ea typeface="+mn-ea"/>
+                <a:cs typeface="+mn-cs"/>
+              </a:defRPr>
+            </a:lvl3pPr>
+            <a:lvl4pPr marL="1600200" indent="-228600" algn="l" defTabSz="914400" rtl="0" eaLnBrk="1" latinLnBrk="0" hangingPunct="1">
+              <a:lnSpc>
+                <a:spcPct val="90000"/>
+              </a:lnSpc>
+              <a:spcBef>
+                <a:spcPts val="500"/>
+              </a:spcBef>
+              <a:buFont typeface="Arial" panose="020B0604020202020204" pitchFamily="34" charset="0"/>
+              <a:buChar char="•"/>
+              <a:defRPr sz="1800" kern="1200">
+                <a:solidFill>
+                  <a:schemeClr val="tx1"/>
+                </a:solidFill>
+                <a:latin typeface="+mn-lt"/>
+                <a:ea typeface="+mn-ea"/>
+                <a:cs typeface="+mn-cs"/>
+              </a:defRPr>
+            </a:lvl4pPr>
+            <a:lvl5pPr marL="2057400" indent="-228600" algn="l" defTabSz="914400" rtl="0" eaLnBrk="1" latinLnBrk="0" hangingPunct="1">
+              <a:lnSpc>
+                <a:spcPct val="90000"/>
+              </a:lnSpc>
+              <a:spcBef>
+                <a:spcPts val="500"/>
+              </a:spcBef>
+              <a:buFont typeface="Arial" panose="020B0604020202020204" pitchFamily="34" charset="0"/>
+              <a:buChar char="•"/>
+              <a:defRPr sz="1800" kern="1200">
+                <a:solidFill>
+                  <a:schemeClr val="tx1"/>
+                </a:solidFill>
+                <a:latin typeface="+mn-lt"/>
+                <a:ea typeface="+mn-ea"/>
+                <a:cs typeface="+mn-cs"/>
+              </a:defRPr>
+            </a:lvl5pPr>
+            <a:lvl6pPr marL="2514600" indent="-228600" algn="l" defTabSz="914400" rtl="0" eaLnBrk="1" latinLnBrk="0" hangingPunct="1">
+              <a:lnSpc>
+                <a:spcPct val="90000"/>
+              </a:lnSpc>
+              <a:spcBef>
+                <a:spcPts val="500"/>
+              </a:spcBef>
+              <a:buFont typeface="Arial" panose="020B0604020202020204" pitchFamily="34" charset="0"/>
+              <a:buChar char="•"/>
+              <a:defRPr sz="1800" kern="1200">
+                <a:solidFill>
+                  <a:schemeClr val="tx1"/>
+                </a:solidFill>
+                <a:latin typeface="+mn-lt"/>
+                <a:ea typeface="+mn-ea"/>
+                <a:cs typeface="+mn-cs"/>
+              </a:defRPr>
+            </a:lvl6pPr>
+            <a:lvl7pPr marL="2971800" indent="-228600" algn="l" defTabSz="914400" rtl="0" eaLnBrk="1" latinLnBrk="0" hangingPunct="1">
+              <a:lnSpc>
+                <a:spcPct val="90000"/>
+              </a:lnSpc>
+              <a:spcBef>
+                <a:spcPts val="500"/>
+              </a:spcBef>
+              <a:buFont typeface="Arial" panose="020B0604020202020204" pitchFamily="34" charset="0"/>
+              <a:buChar char="•"/>
+              <a:defRPr sz="1800" kern="1200">
+                <a:solidFill>
+                  <a:schemeClr val="tx1"/>
+                </a:solidFill>
+                <a:latin typeface="+mn-lt"/>
+                <a:ea typeface="+mn-ea"/>
+                <a:cs typeface="+mn-cs"/>
+              </a:defRPr>
+            </a:lvl7pPr>
+            <a:lvl8pPr marL="3429000" indent="-228600" algn="l" defTabSz="914400" rtl="0" eaLnBrk="1" latinLnBrk="0" hangingPunct="1">
+              <a:lnSpc>
+                <a:spcPct val="90000"/>
+              </a:lnSpc>
+              <a:spcBef>
+                <a:spcPts val="500"/>
+              </a:spcBef>
+              <a:buFont typeface="Arial" panose="020B0604020202020204" pitchFamily="34" charset="0"/>
+              <a:buChar char="•"/>
+              <a:defRPr sz="1800" kern="1200">
+                <a:solidFill>
+                  <a:schemeClr val="tx1"/>
+                </a:solidFill>
+                <a:latin typeface="+mn-lt"/>
+                <a:ea typeface="+mn-ea"/>
+                <a:cs typeface="+mn-cs"/>
+              </a:defRPr>
+            </a:lvl8pPr>
+            <a:lvl9pPr marL="3886200" indent="-228600" algn="l" defTabSz="914400" rtl="0" eaLnBrk="1" latinLnBrk="0" hangingPunct="1">
+              <a:lnSpc>
+                <a:spcPct val="90000"/>
+              </a:lnSpc>
+              <a:spcBef>
+                <a:spcPts val="500"/>
+              </a:spcBef>
+              <a:buFont typeface="Arial" panose="020B0604020202020204" pitchFamily="34" charset="0"/>
+              <a:buChar char="•"/>
+              <a:defRPr sz="1800" kern="1200">
+                <a:solidFill>
+                  <a:schemeClr val="tx1"/>
+                </a:solidFill>
+                <a:latin typeface="+mn-lt"/>
+                <a:ea typeface="+mn-ea"/>
+                <a:cs typeface="+mn-cs"/>
+              </a:defRPr>
+            </a:lvl9pPr>
+          </a:lstStyle>
+          <a:p>
+            <a:pPr marL="0" indent="0">
+              <a:buFont typeface="Arial" panose="020B0604020202020204" pitchFamily="34" charset="0"/>
+              <a:buNone/>
+            </a:pPr>
+            <a:r>
+              <a:rPr lang="en-US" dirty="0"/>
+              <a:t>DO: Sync State to Props</a:t>
+            </a:r>
+          </a:p>
+          <a:p>
+            <a:pPr marL="0" indent="0">
+              <a:buFont typeface="Arial" panose="020B0604020202020204" pitchFamily="34" charset="0"/>
+              <a:buNone/>
+            </a:pPr>
+            <a:r>
+              <a:rPr lang="en-US" dirty="0" err="1"/>
+              <a:t>DON’t</a:t>
+            </a:r>
+            <a:r>
+              <a:rPr lang="en-US" dirty="0"/>
+              <a:t> : Cause Side-Effects</a:t>
+            </a:r>
+          </a:p>
+        </p:txBody>
+      </p:sp>
+      <p:sp>
+        <p:nvSpPr>
+          <p:cNvPr id="16" name="Content Placeholder 2">
+            <a:extLst>
+              <a:ext uri="{FF2B5EF4-FFF2-40B4-BE49-F238E27FC236}">
+                <a16:creationId xmlns:a16="http://schemas.microsoft.com/office/drawing/2014/main" id="{06078313-63D4-BF3E-623E-93812525C3AC}"/>
+              </a:ext>
+            </a:extLst>
+          </p:cNvPr>
+          <p:cNvSpPr txBox="1">
+            <a:spLocks/>
+          </p:cNvSpPr>
+          <p:nvPr/>
+        </p:nvSpPr>
+        <p:spPr>
+          <a:xfrm>
+            <a:off x="8680543" y="2607565"/>
+            <a:ext cx="3065060" cy="1046001"/>
+          </a:xfrm>
+          <a:prstGeom prst="rect">
+            <a:avLst/>
+          </a:prstGeom>
+        </p:spPr>
+        <p:txBody>
+          <a:bodyPr vert="horz" lIns="91440" tIns="45720" rIns="91440" bIns="45720" rtlCol="0">
+            <a:normAutofit fontScale="70000" lnSpcReduction="20000"/>
+          </a:bodyPr>
+          <a:lstStyle>
+            <a:lvl1pPr marL="228600" indent="-228600" algn="l" defTabSz="914400" rtl="0" eaLnBrk="1" latinLnBrk="0" hangingPunct="1">
+              <a:lnSpc>
+                <a:spcPct val="90000"/>
+              </a:lnSpc>
+              <a:spcBef>
+                <a:spcPts val="1000"/>
+              </a:spcBef>
+              <a:buFont typeface="Arial" panose="020B0604020202020204" pitchFamily="34" charset="0"/>
+              <a:buChar char="•"/>
+              <a:defRPr sz="2800" kern="1200">
+                <a:solidFill>
+                  <a:schemeClr val="tx1"/>
+                </a:solidFill>
+                <a:latin typeface="+mn-lt"/>
+                <a:ea typeface="+mn-ea"/>
+                <a:cs typeface="+mn-cs"/>
+              </a:defRPr>
+            </a:lvl1pPr>
+            <a:lvl2pPr marL="685800" indent="-228600" algn="l" defTabSz="914400" rtl="0" eaLnBrk="1" latinLnBrk="0" hangingPunct="1">
+              <a:lnSpc>
+                <a:spcPct val="90000"/>
+              </a:lnSpc>
+              <a:spcBef>
+                <a:spcPts val="500"/>
+              </a:spcBef>
+              <a:buFont typeface="Arial" panose="020B0604020202020204" pitchFamily="34" charset="0"/>
+              <a:buChar char="•"/>
+              <a:defRPr sz="2400" kern="1200">
+                <a:solidFill>
+                  <a:schemeClr val="tx1"/>
+                </a:solidFill>
+                <a:latin typeface="+mn-lt"/>
+                <a:ea typeface="+mn-ea"/>
+                <a:cs typeface="+mn-cs"/>
+              </a:defRPr>
+            </a:lvl2pPr>
+            <a:lvl3pPr marL="1143000" indent="-228600" algn="l" defTabSz="914400" rtl="0" eaLnBrk="1" latinLnBrk="0" hangingPunct="1">
+              <a:lnSpc>
+                <a:spcPct val="90000"/>
+              </a:lnSpc>
+              <a:spcBef>
+                <a:spcPts val="500"/>
+              </a:spcBef>
+              <a:buFont typeface="Arial" panose="020B0604020202020204" pitchFamily="34" charset="0"/>
+              <a:buChar char="•"/>
+              <a:defRPr sz="2000" kern="1200">
+                <a:solidFill>
+                  <a:schemeClr val="tx1"/>
+                </a:solidFill>
+                <a:latin typeface="+mn-lt"/>
+                <a:ea typeface="+mn-ea"/>
+                <a:cs typeface="+mn-cs"/>
+              </a:defRPr>
+            </a:lvl3pPr>
+            <a:lvl4pPr marL="1600200" indent="-228600" algn="l" defTabSz="914400" rtl="0" eaLnBrk="1" latinLnBrk="0" hangingPunct="1">
+              <a:lnSpc>
+                <a:spcPct val="90000"/>
+              </a:lnSpc>
+              <a:spcBef>
+                <a:spcPts val="500"/>
+              </a:spcBef>
+              <a:buFont typeface="Arial" panose="020B0604020202020204" pitchFamily="34" charset="0"/>
+              <a:buChar char="•"/>
+              <a:defRPr sz="1800" kern="1200">
+                <a:solidFill>
+                  <a:schemeClr val="tx1"/>
+                </a:solidFill>
+                <a:latin typeface="+mn-lt"/>
+                <a:ea typeface="+mn-ea"/>
+                <a:cs typeface="+mn-cs"/>
+              </a:defRPr>
+            </a:lvl4pPr>
+            <a:lvl5pPr marL="2057400" indent="-228600" algn="l" defTabSz="914400" rtl="0" eaLnBrk="1" latinLnBrk="0" hangingPunct="1">
+              <a:lnSpc>
+                <a:spcPct val="90000"/>
+              </a:lnSpc>
+              <a:spcBef>
+                <a:spcPts val="500"/>
+              </a:spcBef>
+              <a:buFont typeface="Arial" panose="020B0604020202020204" pitchFamily="34" charset="0"/>
+              <a:buChar char="•"/>
+              <a:defRPr sz="1800" kern="1200">
+                <a:solidFill>
+                  <a:schemeClr val="tx1"/>
+                </a:solidFill>
+                <a:latin typeface="+mn-lt"/>
+                <a:ea typeface="+mn-ea"/>
+                <a:cs typeface="+mn-cs"/>
+              </a:defRPr>
+            </a:lvl5pPr>
+            <a:lvl6pPr marL="2514600" indent="-228600" algn="l" defTabSz="914400" rtl="0" eaLnBrk="1" latinLnBrk="0" hangingPunct="1">
+              <a:lnSpc>
+                <a:spcPct val="90000"/>
+              </a:lnSpc>
+              <a:spcBef>
+                <a:spcPts val="500"/>
+              </a:spcBef>
+              <a:buFont typeface="Arial" panose="020B0604020202020204" pitchFamily="34" charset="0"/>
+              <a:buChar char="•"/>
+              <a:defRPr sz="1800" kern="1200">
+                <a:solidFill>
+                  <a:schemeClr val="tx1"/>
+                </a:solidFill>
+                <a:latin typeface="+mn-lt"/>
+                <a:ea typeface="+mn-ea"/>
+                <a:cs typeface="+mn-cs"/>
+              </a:defRPr>
+            </a:lvl6pPr>
+            <a:lvl7pPr marL="2971800" indent="-228600" algn="l" defTabSz="914400" rtl="0" eaLnBrk="1" latinLnBrk="0" hangingPunct="1">
+              <a:lnSpc>
+                <a:spcPct val="90000"/>
+              </a:lnSpc>
+              <a:spcBef>
+                <a:spcPts val="500"/>
+              </a:spcBef>
+              <a:buFont typeface="Arial" panose="020B0604020202020204" pitchFamily="34" charset="0"/>
+              <a:buChar char="•"/>
+              <a:defRPr sz="1800" kern="1200">
+                <a:solidFill>
+                  <a:schemeClr val="tx1"/>
+                </a:solidFill>
+                <a:latin typeface="+mn-lt"/>
+                <a:ea typeface="+mn-ea"/>
+                <a:cs typeface="+mn-cs"/>
+              </a:defRPr>
+            </a:lvl7pPr>
+            <a:lvl8pPr marL="3429000" indent="-228600" algn="l" defTabSz="914400" rtl="0" eaLnBrk="1" latinLnBrk="0" hangingPunct="1">
+              <a:lnSpc>
+                <a:spcPct val="90000"/>
+              </a:lnSpc>
+              <a:spcBef>
+                <a:spcPts val="500"/>
+              </a:spcBef>
+              <a:buFont typeface="Arial" panose="020B0604020202020204" pitchFamily="34" charset="0"/>
+              <a:buChar char="•"/>
+              <a:defRPr sz="1800" kern="1200">
+                <a:solidFill>
+                  <a:schemeClr val="tx1"/>
+                </a:solidFill>
+                <a:latin typeface="+mn-lt"/>
+                <a:ea typeface="+mn-ea"/>
+                <a:cs typeface="+mn-cs"/>
+              </a:defRPr>
+            </a:lvl8pPr>
+            <a:lvl9pPr marL="3886200" indent="-228600" algn="l" defTabSz="914400" rtl="0" eaLnBrk="1" latinLnBrk="0" hangingPunct="1">
+              <a:lnSpc>
+                <a:spcPct val="90000"/>
+              </a:lnSpc>
+              <a:spcBef>
+                <a:spcPts val="500"/>
+              </a:spcBef>
+              <a:buFont typeface="Arial" panose="020B0604020202020204" pitchFamily="34" charset="0"/>
+              <a:buChar char="•"/>
+              <a:defRPr sz="1800" kern="1200">
+                <a:solidFill>
+                  <a:schemeClr val="tx1"/>
+                </a:solidFill>
+                <a:latin typeface="+mn-lt"/>
+                <a:ea typeface="+mn-ea"/>
+                <a:cs typeface="+mn-cs"/>
+              </a:defRPr>
+            </a:lvl9pPr>
+          </a:lstStyle>
+          <a:p>
+            <a:pPr marL="0" indent="0">
+              <a:buFont typeface="Arial" panose="020B0604020202020204" pitchFamily="34" charset="0"/>
+              <a:buNone/>
+            </a:pPr>
+            <a:r>
+              <a:rPr lang="en-US" dirty="0"/>
+              <a:t>DO: Decide whether to continue or not</a:t>
+            </a:r>
+          </a:p>
+          <a:p>
+            <a:pPr marL="0" indent="0">
+              <a:buFont typeface="Arial" panose="020B0604020202020204" pitchFamily="34" charset="0"/>
+              <a:buNone/>
+            </a:pPr>
+            <a:r>
+              <a:rPr lang="en-US" dirty="0" err="1"/>
+              <a:t>DON’t</a:t>
+            </a:r>
+            <a:r>
+              <a:rPr lang="en-US" dirty="0"/>
+              <a:t> : Cause Side-Effects</a:t>
+            </a:r>
+          </a:p>
+        </p:txBody>
+      </p:sp>
+      <p:sp>
+        <p:nvSpPr>
+          <p:cNvPr id="17" name="Content Placeholder 2">
+            <a:extLst>
+              <a:ext uri="{FF2B5EF4-FFF2-40B4-BE49-F238E27FC236}">
+                <a16:creationId xmlns:a16="http://schemas.microsoft.com/office/drawing/2014/main" id="{16DED068-7E74-56C1-7BDF-52DC9886DA77}"/>
+              </a:ext>
+            </a:extLst>
+          </p:cNvPr>
+          <p:cNvSpPr txBox="1">
+            <a:spLocks/>
+          </p:cNvSpPr>
+          <p:nvPr/>
+        </p:nvSpPr>
+        <p:spPr>
+          <a:xfrm>
+            <a:off x="6161681" y="3754960"/>
+            <a:ext cx="6364406" cy="1135592"/>
+          </a:xfrm>
+          <a:prstGeom prst="rect">
+            <a:avLst/>
+          </a:prstGeom>
+        </p:spPr>
+        <p:txBody>
+          <a:bodyPr vert="horz" lIns="91440" tIns="45720" rIns="91440" bIns="45720" rtlCol="0">
+            <a:normAutofit/>
+          </a:bodyPr>
+          <a:lstStyle>
+            <a:lvl1pPr marL="228600" indent="-228600" algn="l" defTabSz="914400" rtl="0" eaLnBrk="1" latinLnBrk="0" hangingPunct="1">
+              <a:lnSpc>
+                <a:spcPct val="90000"/>
+              </a:lnSpc>
+              <a:spcBef>
+                <a:spcPts val="1000"/>
+              </a:spcBef>
+              <a:buFont typeface="Arial" panose="020B0604020202020204" pitchFamily="34" charset="0"/>
+              <a:buChar char="•"/>
+              <a:defRPr sz="2800" kern="1200">
+                <a:solidFill>
+                  <a:schemeClr val="tx1"/>
+                </a:solidFill>
+                <a:latin typeface="+mn-lt"/>
+                <a:ea typeface="+mn-ea"/>
+                <a:cs typeface="+mn-cs"/>
+              </a:defRPr>
+            </a:lvl1pPr>
+            <a:lvl2pPr marL="685800" indent="-228600" algn="l" defTabSz="914400" rtl="0" eaLnBrk="1" latinLnBrk="0" hangingPunct="1">
+              <a:lnSpc>
+                <a:spcPct val="90000"/>
+              </a:lnSpc>
+              <a:spcBef>
+                <a:spcPts val="500"/>
+              </a:spcBef>
+              <a:buFont typeface="Arial" panose="020B0604020202020204" pitchFamily="34" charset="0"/>
+              <a:buChar char="•"/>
+              <a:defRPr sz="2400" kern="1200">
+                <a:solidFill>
+                  <a:schemeClr val="tx1"/>
+                </a:solidFill>
+                <a:latin typeface="+mn-lt"/>
+                <a:ea typeface="+mn-ea"/>
+                <a:cs typeface="+mn-cs"/>
+              </a:defRPr>
+            </a:lvl2pPr>
+            <a:lvl3pPr marL="1143000" indent="-228600" algn="l" defTabSz="914400" rtl="0" eaLnBrk="1" latinLnBrk="0" hangingPunct="1">
+              <a:lnSpc>
+                <a:spcPct val="90000"/>
+              </a:lnSpc>
+              <a:spcBef>
+                <a:spcPts val="500"/>
+              </a:spcBef>
+              <a:buFont typeface="Arial" panose="020B0604020202020204" pitchFamily="34" charset="0"/>
+              <a:buChar char="•"/>
+              <a:defRPr sz="2000" kern="1200">
+                <a:solidFill>
+                  <a:schemeClr val="tx1"/>
+                </a:solidFill>
+                <a:latin typeface="+mn-lt"/>
+                <a:ea typeface="+mn-ea"/>
+                <a:cs typeface="+mn-cs"/>
+              </a:defRPr>
+            </a:lvl3pPr>
+            <a:lvl4pPr marL="1600200" indent="-228600" algn="l" defTabSz="914400" rtl="0" eaLnBrk="1" latinLnBrk="0" hangingPunct="1">
+              <a:lnSpc>
+                <a:spcPct val="90000"/>
+              </a:lnSpc>
+              <a:spcBef>
+                <a:spcPts val="500"/>
+              </a:spcBef>
+              <a:buFont typeface="Arial" panose="020B0604020202020204" pitchFamily="34" charset="0"/>
+              <a:buChar char="•"/>
+              <a:defRPr sz="1800" kern="1200">
+                <a:solidFill>
+                  <a:schemeClr val="tx1"/>
+                </a:solidFill>
+                <a:latin typeface="+mn-lt"/>
+                <a:ea typeface="+mn-ea"/>
+                <a:cs typeface="+mn-cs"/>
+              </a:defRPr>
+            </a:lvl4pPr>
+            <a:lvl5pPr marL="2057400" indent="-228600" algn="l" defTabSz="914400" rtl="0" eaLnBrk="1" latinLnBrk="0" hangingPunct="1">
+              <a:lnSpc>
+                <a:spcPct val="90000"/>
+              </a:lnSpc>
+              <a:spcBef>
+                <a:spcPts val="500"/>
+              </a:spcBef>
+              <a:buFont typeface="Arial" panose="020B0604020202020204" pitchFamily="34" charset="0"/>
+              <a:buChar char="•"/>
+              <a:defRPr sz="1800" kern="1200">
+                <a:solidFill>
+                  <a:schemeClr val="tx1"/>
+                </a:solidFill>
+                <a:latin typeface="+mn-lt"/>
+                <a:ea typeface="+mn-ea"/>
+                <a:cs typeface="+mn-cs"/>
+              </a:defRPr>
+            </a:lvl5pPr>
+            <a:lvl6pPr marL="2514600" indent="-228600" algn="l" defTabSz="914400" rtl="0" eaLnBrk="1" latinLnBrk="0" hangingPunct="1">
+              <a:lnSpc>
+                <a:spcPct val="90000"/>
+              </a:lnSpc>
+              <a:spcBef>
+                <a:spcPts val="500"/>
+              </a:spcBef>
+              <a:buFont typeface="Arial" panose="020B0604020202020204" pitchFamily="34" charset="0"/>
+              <a:buChar char="•"/>
+              <a:defRPr sz="1800" kern="1200">
+                <a:solidFill>
+                  <a:schemeClr val="tx1"/>
+                </a:solidFill>
+                <a:latin typeface="+mn-lt"/>
+                <a:ea typeface="+mn-ea"/>
+                <a:cs typeface="+mn-cs"/>
+              </a:defRPr>
+            </a:lvl6pPr>
+            <a:lvl7pPr marL="2971800" indent="-228600" algn="l" defTabSz="914400" rtl="0" eaLnBrk="1" latinLnBrk="0" hangingPunct="1">
+              <a:lnSpc>
+                <a:spcPct val="90000"/>
+              </a:lnSpc>
+              <a:spcBef>
+                <a:spcPts val="500"/>
+              </a:spcBef>
+              <a:buFont typeface="Arial" panose="020B0604020202020204" pitchFamily="34" charset="0"/>
+              <a:buChar char="•"/>
+              <a:defRPr sz="1800" kern="1200">
+                <a:solidFill>
+                  <a:schemeClr val="tx1"/>
+                </a:solidFill>
+                <a:latin typeface="+mn-lt"/>
+                <a:ea typeface="+mn-ea"/>
+                <a:cs typeface="+mn-cs"/>
+              </a:defRPr>
+            </a:lvl7pPr>
+            <a:lvl8pPr marL="3429000" indent="-228600" algn="l" defTabSz="914400" rtl="0" eaLnBrk="1" latinLnBrk="0" hangingPunct="1">
+              <a:lnSpc>
+                <a:spcPct val="90000"/>
+              </a:lnSpc>
+              <a:spcBef>
+                <a:spcPts val="500"/>
+              </a:spcBef>
+              <a:buFont typeface="Arial" panose="020B0604020202020204" pitchFamily="34" charset="0"/>
+              <a:buChar char="•"/>
+              <a:defRPr sz="1800" kern="1200">
+                <a:solidFill>
+                  <a:schemeClr val="tx1"/>
+                </a:solidFill>
+                <a:latin typeface="+mn-lt"/>
+                <a:ea typeface="+mn-ea"/>
+                <a:cs typeface="+mn-cs"/>
+              </a:defRPr>
+            </a:lvl8pPr>
+            <a:lvl9pPr marL="3886200" indent="-228600" algn="l" defTabSz="914400" rtl="0" eaLnBrk="1" latinLnBrk="0" hangingPunct="1">
+              <a:lnSpc>
+                <a:spcPct val="90000"/>
+              </a:lnSpc>
+              <a:spcBef>
+                <a:spcPts val="500"/>
+              </a:spcBef>
+              <a:buFont typeface="Arial" panose="020B0604020202020204" pitchFamily="34" charset="0"/>
+              <a:buChar char="•"/>
+              <a:defRPr sz="1800" kern="1200">
+                <a:solidFill>
+                  <a:schemeClr val="tx1"/>
+                </a:solidFill>
+                <a:latin typeface="+mn-lt"/>
+                <a:ea typeface="+mn-ea"/>
+                <a:cs typeface="+mn-cs"/>
+              </a:defRPr>
+            </a:lvl9pPr>
+          </a:lstStyle>
+          <a:p>
+            <a:pPr marL="0" indent="0">
+              <a:buFont typeface="Arial" panose="020B0604020202020204" pitchFamily="34" charset="0"/>
+              <a:buNone/>
+            </a:pPr>
+            <a:r>
+              <a:rPr lang="en-US" dirty="0"/>
+              <a:t>Prepare &amp; Structure your JSX code</a:t>
+            </a:r>
+          </a:p>
+        </p:txBody>
+      </p:sp>
+      <p:sp>
+        <p:nvSpPr>
+          <p:cNvPr id="18" name="Content Placeholder 2">
+            <a:extLst>
+              <a:ext uri="{FF2B5EF4-FFF2-40B4-BE49-F238E27FC236}">
+                <a16:creationId xmlns:a16="http://schemas.microsoft.com/office/drawing/2014/main" id="{FFEA05A2-9FC7-6FE1-F15C-68B4717529BF}"/>
+              </a:ext>
+            </a:extLst>
+          </p:cNvPr>
+          <p:cNvSpPr txBox="1">
+            <a:spLocks/>
+          </p:cNvSpPr>
+          <p:nvPr/>
+        </p:nvSpPr>
+        <p:spPr>
+          <a:xfrm>
+            <a:off x="7582327" y="6039319"/>
+            <a:ext cx="3187890" cy="1135592"/>
+          </a:xfrm>
+          <a:prstGeom prst="rect">
+            <a:avLst/>
+          </a:prstGeom>
+        </p:spPr>
+        <p:txBody>
+          <a:bodyPr vert="horz" lIns="91440" tIns="45720" rIns="91440" bIns="45720" rtlCol="0">
+            <a:normAutofit/>
+          </a:bodyPr>
+          <a:lstStyle>
+            <a:lvl1pPr marL="228600" indent="-228600" algn="l" defTabSz="914400" rtl="0" eaLnBrk="1" latinLnBrk="0" hangingPunct="1">
+              <a:lnSpc>
+                <a:spcPct val="90000"/>
+              </a:lnSpc>
+              <a:spcBef>
+                <a:spcPts val="1000"/>
+              </a:spcBef>
+              <a:buFont typeface="Arial" panose="020B0604020202020204" pitchFamily="34" charset="0"/>
+              <a:buChar char="•"/>
+              <a:defRPr sz="2800" kern="1200">
+                <a:solidFill>
+                  <a:schemeClr val="tx1"/>
+                </a:solidFill>
+                <a:latin typeface="+mn-lt"/>
+                <a:ea typeface="+mn-ea"/>
+                <a:cs typeface="+mn-cs"/>
+              </a:defRPr>
+            </a:lvl1pPr>
+            <a:lvl2pPr marL="685800" indent="-228600" algn="l" defTabSz="914400" rtl="0" eaLnBrk="1" latinLnBrk="0" hangingPunct="1">
+              <a:lnSpc>
+                <a:spcPct val="90000"/>
+              </a:lnSpc>
+              <a:spcBef>
+                <a:spcPts val="500"/>
+              </a:spcBef>
+              <a:buFont typeface="Arial" panose="020B0604020202020204" pitchFamily="34" charset="0"/>
+              <a:buChar char="•"/>
+              <a:defRPr sz="2400" kern="1200">
+                <a:solidFill>
+                  <a:schemeClr val="tx1"/>
+                </a:solidFill>
+                <a:latin typeface="+mn-lt"/>
+                <a:ea typeface="+mn-ea"/>
+                <a:cs typeface="+mn-cs"/>
+              </a:defRPr>
+            </a:lvl2pPr>
+            <a:lvl3pPr marL="1143000" indent="-228600" algn="l" defTabSz="914400" rtl="0" eaLnBrk="1" latinLnBrk="0" hangingPunct="1">
+              <a:lnSpc>
+                <a:spcPct val="90000"/>
+              </a:lnSpc>
+              <a:spcBef>
+                <a:spcPts val="500"/>
+              </a:spcBef>
+              <a:buFont typeface="Arial" panose="020B0604020202020204" pitchFamily="34" charset="0"/>
+              <a:buChar char="•"/>
+              <a:defRPr sz="2000" kern="1200">
+                <a:solidFill>
+                  <a:schemeClr val="tx1"/>
+                </a:solidFill>
+                <a:latin typeface="+mn-lt"/>
+                <a:ea typeface="+mn-ea"/>
+                <a:cs typeface="+mn-cs"/>
+              </a:defRPr>
+            </a:lvl3pPr>
+            <a:lvl4pPr marL="1600200" indent="-228600" algn="l" defTabSz="914400" rtl="0" eaLnBrk="1" latinLnBrk="0" hangingPunct="1">
+              <a:lnSpc>
+                <a:spcPct val="90000"/>
+              </a:lnSpc>
+              <a:spcBef>
+                <a:spcPts val="500"/>
+              </a:spcBef>
+              <a:buFont typeface="Arial" panose="020B0604020202020204" pitchFamily="34" charset="0"/>
+              <a:buChar char="•"/>
+              <a:defRPr sz="1800" kern="1200">
+                <a:solidFill>
+                  <a:schemeClr val="tx1"/>
+                </a:solidFill>
+                <a:latin typeface="+mn-lt"/>
+                <a:ea typeface="+mn-ea"/>
+                <a:cs typeface="+mn-cs"/>
+              </a:defRPr>
+            </a:lvl4pPr>
+            <a:lvl5pPr marL="2057400" indent="-228600" algn="l" defTabSz="914400" rtl="0" eaLnBrk="1" latinLnBrk="0" hangingPunct="1">
+              <a:lnSpc>
+                <a:spcPct val="90000"/>
+              </a:lnSpc>
+              <a:spcBef>
+                <a:spcPts val="500"/>
+              </a:spcBef>
+              <a:buFont typeface="Arial" panose="020B0604020202020204" pitchFamily="34" charset="0"/>
+              <a:buChar char="•"/>
+              <a:defRPr sz="1800" kern="1200">
+                <a:solidFill>
+                  <a:schemeClr val="tx1"/>
+                </a:solidFill>
+                <a:latin typeface="+mn-lt"/>
+                <a:ea typeface="+mn-ea"/>
+                <a:cs typeface="+mn-cs"/>
+              </a:defRPr>
+            </a:lvl5pPr>
+            <a:lvl6pPr marL="2514600" indent="-228600" algn="l" defTabSz="914400" rtl="0" eaLnBrk="1" latinLnBrk="0" hangingPunct="1">
+              <a:lnSpc>
+                <a:spcPct val="90000"/>
+              </a:lnSpc>
+              <a:spcBef>
+                <a:spcPts val="500"/>
+              </a:spcBef>
+              <a:buFont typeface="Arial" panose="020B0604020202020204" pitchFamily="34" charset="0"/>
+              <a:buChar char="•"/>
+              <a:defRPr sz="1800" kern="1200">
+                <a:solidFill>
+                  <a:schemeClr val="tx1"/>
+                </a:solidFill>
+                <a:latin typeface="+mn-lt"/>
+                <a:ea typeface="+mn-ea"/>
+                <a:cs typeface="+mn-cs"/>
+              </a:defRPr>
+            </a:lvl6pPr>
+            <a:lvl7pPr marL="2971800" indent="-228600" algn="l" defTabSz="914400" rtl="0" eaLnBrk="1" latinLnBrk="0" hangingPunct="1">
+              <a:lnSpc>
+                <a:spcPct val="90000"/>
+              </a:lnSpc>
+              <a:spcBef>
+                <a:spcPts val="500"/>
+              </a:spcBef>
+              <a:buFont typeface="Arial" panose="020B0604020202020204" pitchFamily="34" charset="0"/>
+              <a:buChar char="•"/>
+              <a:defRPr sz="1800" kern="1200">
+                <a:solidFill>
+                  <a:schemeClr val="tx1"/>
+                </a:solidFill>
+                <a:latin typeface="+mn-lt"/>
+                <a:ea typeface="+mn-ea"/>
+                <a:cs typeface="+mn-cs"/>
+              </a:defRPr>
+            </a:lvl7pPr>
+            <a:lvl8pPr marL="3429000" indent="-228600" algn="l" defTabSz="914400" rtl="0" eaLnBrk="1" latinLnBrk="0" hangingPunct="1">
+              <a:lnSpc>
+                <a:spcPct val="90000"/>
+              </a:lnSpc>
+              <a:spcBef>
+                <a:spcPts val="500"/>
+              </a:spcBef>
+              <a:buFont typeface="Arial" panose="020B0604020202020204" pitchFamily="34" charset="0"/>
+              <a:buChar char="•"/>
+              <a:defRPr sz="1800" kern="1200">
+                <a:solidFill>
+                  <a:schemeClr val="tx1"/>
+                </a:solidFill>
+                <a:latin typeface="+mn-lt"/>
+                <a:ea typeface="+mn-ea"/>
+                <a:cs typeface="+mn-cs"/>
+              </a:defRPr>
+            </a:lvl8pPr>
+            <a:lvl9pPr marL="3886200" indent="-228600" algn="l" defTabSz="914400" rtl="0" eaLnBrk="1" latinLnBrk="0" hangingPunct="1">
+              <a:lnSpc>
+                <a:spcPct val="90000"/>
+              </a:lnSpc>
+              <a:spcBef>
+                <a:spcPts val="500"/>
+              </a:spcBef>
+              <a:buFont typeface="Arial" panose="020B0604020202020204" pitchFamily="34" charset="0"/>
+              <a:buChar char="•"/>
+              <a:defRPr sz="1800" kern="1200">
+                <a:solidFill>
+                  <a:schemeClr val="tx1"/>
+                </a:solidFill>
+                <a:latin typeface="+mn-lt"/>
+                <a:ea typeface="+mn-ea"/>
+                <a:cs typeface="+mn-cs"/>
+              </a:defRPr>
+            </a:lvl9pPr>
+          </a:lstStyle>
+          <a:p>
+            <a:pPr marL="0" indent="0">
+              <a:buFont typeface="Arial" panose="020B0604020202020204" pitchFamily="34" charset="0"/>
+              <a:buNone/>
+            </a:pPr>
+            <a:r>
+              <a:rPr lang="en-US" sz="1800" dirty="0"/>
+              <a:t>DO: Cause Side-Effects</a:t>
+            </a:r>
+          </a:p>
+          <a:p>
+            <a:pPr marL="0" indent="0">
+              <a:buFont typeface="Arial" panose="020B0604020202020204" pitchFamily="34" charset="0"/>
+              <a:buNone/>
+            </a:pPr>
+            <a:r>
+              <a:rPr lang="en-US" sz="1800" dirty="0"/>
+              <a:t>DON’T: Update State</a:t>
+            </a:r>
+          </a:p>
+        </p:txBody>
+      </p:sp>
+      <p:sp>
+        <p:nvSpPr>
+          <p:cNvPr id="19" name="Content Placeholder 2">
+            <a:extLst>
+              <a:ext uri="{FF2B5EF4-FFF2-40B4-BE49-F238E27FC236}">
+                <a16:creationId xmlns:a16="http://schemas.microsoft.com/office/drawing/2014/main" id="{A63E22E6-073F-9C51-2816-5B1FFF6966F9}"/>
+              </a:ext>
+            </a:extLst>
+          </p:cNvPr>
+          <p:cNvSpPr txBox="1">
+            <a:spLocks/>
+          </p:cNvSpPr>
+          <p:nvPr/>
+        </p:nvSpPr>
+        <p:spPr>
+          <a:xfrm>
+            <a:off x="3679211" y="6234164"/>
+            <a:ext cx="3956144" cy="442888"/>
+          </a:xfrm>
+          <a:prstGeom prst="rect">
+            <a:avLst/>
+          </a:prstGeom>
+        </p:spPr>
+        <p:txBody>
+          <a:bodyPr vert="horz" lIns="91440" tIns="45720" rIns="91440" bIns="45720" rtlCol="0">
+            <a:normAutofit fontScale="92500" lnSpcReduction="10000"/>
+          </a:bodyPr>
+          <a:lstStyle>
+            <a:lvl1pPr marL="228600" indent="-228600" algn="l" defTabSz="914400" rtl="0" eaLnBrk="1" latinLnBrk="0" hangingPunct="1">
+              <a:lnSpc>
+                <a:spcPct val="90000"/>
+              </a:lnSpc>
+              <a:spcBef>
+                <a:spcPts val="1000"/>
+              </a:spcBef>
+              <a:buFont typeface="Arial" panose="020B0604020202020204" pitchFamily="34" charset="0"/>
+              <a:buChar char="•"/>
+              <a:defRPr sz="2800" kern="1200">
+                <a:solidFill>
+                  <a:schemeClr val="tx1"/>
+                </a:solidFill>
+                <a:latin typeface="+mn-lt"/>
+                <a:ea typeface="+mn-ea"/>
+                <a:cs typeface="+mn-cs"/>
+              </a:defRPr>
+            </a:lvl1pPr>
+            <a:lvl2pPr marL="685800" indent="-228600" algn="l" defTabSz="914400" rtl="0" eaLnBrk="1" latinLnBrk="0" hangingPunct="1">
+              <a:lnSpc>
+                <a:spcPct val="90000"/>
+              </a:lnSpc>
+              <a:spcBef>
+                <a:spcPts val="500"/>
+              </a:spcBef>
+              <a:buFont typeface="Arial" panose="020B0604020202020204" pitchFamily="34" charset="0"/>
+              <a:buChar char="•"/>
+              <a:defRPr sz="2400" kern="1200">
+                <a:solidFill>
+                  <a:schemeClr val="tx1"/>
+                </a:solidFill>
+                <a:latin typeface="+mn-lt"/>
+                <a:ea typeface="+mn-ea"/>
+                <a:cs typeface="+mn-cs"/>
+              </a:defRPr>
+            </a:lvl2pPr>
+            <a:lvl3pPr marL="1143000" indent="-228600" algn="l" defTabSz="914400" rtl="0" eaLnBrk="1" latinLnBrk="0" hangingPunct="1">
+              <a:lnSpc>
+                <a:spcPct val="90000"/>
+              </a:lnSpc>
+              <a:spcBef>
+                <a:spcPts val="500"/>
+              </a:spcBef>
+              <a:buFont typeface="Arial" panose="020B0604020202020204" pitchFamily="34" charset="0"/>
+              <a:buChar char="•"/>
+              <a:defRPr sz="2000" kern="1200">
+                <a:solidFill>
+                  <a:schemeClr val="tx1"/>
+                </a:solidFill>
+                <a:latin typeface="+mn-lt"/>
+                <a:ea typeface="+mn-ea"/>
+                <a:cs typeface="+mn-cs"/>
+              </a:defRPr>
+            </a:lvl3pPr>
+            <a:lvl4pPr marL="1600200" indent="-228600" algn="l" defTabSz="914400" rtl="0" eaLnBrk="1" latinLnBrk="0" hangingPunct="1">
+              <a:lnSpc>
+                <a:spcPct val="90000"/>
+              </a:lnSpc>
+              <a:spcBef>
+                <a:spcPts val="500"/>
+              </a:spcBef>
+              <a:buFont typeface="Arial" panose="020B0604020202020204" pitchFamily="34" charset="0"/>
+              <a:buChar char="•"/>
+              <a:defRPr sz="1800" kern="1200">
+                <a:solidFill>
+                  <a:schemeClr val="tx1"/>
+                </a:solidFill>
+                <a:latin typeface="+mn-lt"/>
+                <a:ea typeface="+mn-ea"/>
+                <a:cs typeface="+mn-cs"/>
+              </a:defRPr>
+            </a:lvl4pPr>
+            <a:lvl5pPr marL="2057400" indent="-228600" algn="l" defTabSz="914400" rtl="0" eaLnBrk="1" latinLnBrk="0" hangingPunct="1">
+              <a:lnSpc>
+                <a:spcPct val="90000"/>
+              </a:lnSpc>
+              <a:spcBef>
+                <a:spcPts val="500"/>
+              </a:spcBef>
+              <a:buFont typeface="Arial" panose="020B0604020202020204" pitchFamily="34" charset="0"/>
+              <a:buChar char="•"/>
+              <a:defRPr sz="1800" kern="1200">
+                <a:solidFill>
+                  <a:schemeClr val="tx1"/>
+                </a:solidFill>
+                <a:latin typeface="+mn-lt"/>
+                <a:ea typeface="+mn-ea"/>
+                <a:cs typeface="+mn-cs"/>
+              </a:defRPr>
+            </a:lvl5pPr>
+            <a:lvl6pPr marL="2514600" indent="-228600" algn="l" defTabSz="914400" rtl="0" eaLnBrk="1" latinLnBrk="0" hangingPunct="1">
+              <a:lnSpc>
+                <a:spcPct val="90000"/>
+              </a:lnSpc>
+              <a:spcBef>
+                <a:spcPts val="500"/>
+              </a:spcBef>
+              <a:buFont typeface="Arial" panose="020B0604020202020204" pitchFamily="34" charset="0"/>
+              <a:buChar char="•"/>
+              <a:defRPr sz="1800" kern="1200">
+                <a:solidFill>
+                  <a:schemeClr val="tx1"/>
+                </a:solidFill>
+                <a:latin typeface="+mn-lt"/>
+                <a:ea typeface="+mn-ea"/>
+                <a:cs typeface="+mn-cs"/>
+              </a:defRPr>
+            </a:lvl6pPr>
+            <a:lvl7pPr marL="2971800" indent="-228600" algn="l" defTabSz="914400" rtl="0" eaLnBrk="1" latinLnBrk="0" hangingPunct="1">
+              <a:lnSpc>
+                <a:spcPct val="90000"/>
+              </a:lnSpc>
+              <a:spcBef>
+                <a:spcPts val="500"/>
+              </a:spcBef>
+              <a:buFont typeface="Arial" panose="020B0604020202020204" pitchFamily="34" charset="0"/>
+              <a:buChar char="•"/>
+              <a:defRPr sz="1800" kern="1200">
+                <a:solidFill>
+                  <a:schemeClr val="tx1"/>
+                </a:solidFill>
+                <a:latin typeface="+mn-lt"/>
+                <a:ea typeface="+mn-ea"/>
+                <a:cs typeface="+mn-cs"/>
+              </a:defRPr>
+            </a:lvl7pPr>
+            <a:lvl8pPr marL="3429000" indent="-228600" algn="l" defTabSz="914400" rtl="0" eaLnBrk="1" latinLnBrk="0" hangingPunct="1">
+              <a:lnSpc>
+                <a:spcPct val="90000"/>
+              </a:lnSpc>
+              <a:spcBef>
+                <a:spcPts val="500"/>
+              </a:spcBef>
+              <a:buFont typeface="Arial" panose="020B0604020202020204" pitchFamily="34" charset="0"/>
+              <a:buChar char="•"/>
+              <a:defRPr sz="1800" kern="1200">
+                <a:solidFill>
+                  <a:schemeClr val="tx1"/>
+                </a:solidFill>
+                <a:latin typeface="+mn-lt"/>
+                <a:ea typeface="+mn-ea"/>
+                <a:cs typeface="+mn-cs"/>
+              </a:defRPr>
+            </a:lvl8pPr>
+            <a:lvl9pPr marL="3886200" indent="-228600" algn="l" defTabSz="914400" rtl="0" eaLnBrk="1" latinLnBrk="0" hangingPunct="1">
+              <a:lnSpc>
+                <a:spcPct val="90000"/>
+              </a:lnSpc>
+              <a:spcBef>
+                <a:spcPts val="500"/>
+              </a:spcBef>
+              <a:buFont typeface="Arial" panose="020B0604020202020204" pitchFamily="34" charset="0"/>
+              <a:buChar char="•"/>
+              <a:defRPr sz="1800" kern="1200">
+                <a:solidFill>
+                  <a:schemeClr val="tx1"/>
+                </a:solidFill>
+                <a:latin typeface="+mn-lt"/>
+                <a:ea typeface="+mn-ea"/>
+                <a:cs typeface="+mn-cs"/>
+              </a:defRPr>
+            </a:lvl9pPr>
+          </a:lstStyle>
+          <a:p>
+            <a:pPr marL="0" indent="0">
+              <a:buFont typeface="Arial" panose="020B0604020202020204" pitchFamily="34" charset="0"/>
+              <a:buNone/>
+            </a:pPr>
+            <a:r>
+              <a:rPr lang="en-US" dirty="0" err="1"/>
+              <a:t>componentDidUpdate</a:t>
+            </a:r>
+            <a:r>
+              <a:rPr lang="en-US" dirty="0"/>
+              <a:t>()</a:t>
+            </a:r>
+          </a:p>
+        </p:txBody>
+      </p:sp>
+      <p:sp>
+        <p:nvSpPr>
+          <p:cNvPr id="20" name="Arrow: Down 19">
+            <a:extLst>
+              <a:ext uri="{FF2B5EF4-FFF2-40B4-BE49-F238E27FC236}">
+                <a16:creationId xmlns:a16="http://schemas.microsoft.com/office/drawing/2014/main" id="{7EC831F7-D3A3-81B1-613B-141C425D2383}"/>
+              </a:ext>
+            </a:extLst>
+          </p:cNvPr>
+          <p:cNvSpPr/>
+          <p:nvPr/>
+        </p:nvSpPr>
+        <p:spPr>
+          <a:xfrm>
+            <a:off x="5045976" y="5749326"/>
+            <a:ext cx="491319" cy="442888"/>
+          </a:xfrm>
+          <a:prstGeom prst="downArrow">
+            <a:avLst/>
+          </a:prstGeom>
+        </p:spPr>
+        <p:style>
+          <a:lnRef idx="2">
+            <a:schemeClr val="accent1">
+              <a:shade val="50000"/>
+            </a:schemeClr>
+          </a:lnRef>
+          <a:fillRef idx="1">
+            <a:schemeClr val="accent1"/>
+          </a:fillRef>
+          <a:effectRef idx="0">
+            <a:schemeClr val="accent1"/>
+          </a:effectRef>
+          <a:fontRef idx="minor">
+            <a:schemeClr val="lt1"/>
+          </a:fontRef>
+        </p:style>
+        <p:txBody>
+          <a:bodyPr rtlCol="0" anchor="ctr"/>
+          <a:lstStyle/>
+          <a:p>
+            <a:pPr algn="ctr"/>
+            <a:endParaRPr lang="en-US"/>
+          </a:p>
+        </p:txBody>
+      </p:sp>
+      <p:sp>
+        <p:nvSpPr>
+          <p:cNvPr id="21" name="Content Placeholder 2">
+            <a:extLst>
+              <a:ext uri="{FF2B5EF4-FFF2-40B4-BE49-F238E27FC236}">
+                <a16:creationId xmlns:a16="http://schemas.microsoft.com/office/drawing/2014/main" id="{8943C26F-B513-C55A-0626-B3212CA5DC0A}"/>
+              </a:ext>
+            </a:extLst>
+          </p:cNvPr>
+          <p:cNvSpPr txBox="1">
+            <a:spLocks/>
+          </p:cNvSpPr>
+          <p:nvPr/>
+        </p:nvSpPr>
+        <p:spPr>
+          <a:xfrm>
+            <a:off x="8619128" y="5205970"/>
+            <a:ext cx="3187890" cy="1135592"/>
+          </a:xfrm>
+          <a:prstGeom prst="rect">
+            <a:avLst/>
+          </a:prstGeom>
+        </p:spPr>
+        <p:txBody>
+          <a:bodyPr vert="horz" lIns="91440" tIns="45720" rIns="91440" bIns="45720" rtlCol="0">
+            <a:normAutofit fontScale="77500" lnSpcReduction="20000"/>
+          </a:bodyPr>
+          <a:lstStyle>
+            <a:lvl1pPr marL="228600" indent="-228600" algn="l" defTabSz="914400" rtl="0" eaLnBrk="1" latinLnBrk="0" hangingPunct="1">
+              <a:lnSpc>
+                <a:spcPct val="90000"/>
+              </a:lnSpc>
+              <a:spcBef>
+                <a:spcPts val="1000"/>
+              </a:spcBef>
+              <a:buFont typeface="Arial" panose="020B0604020202020204" pitchFamily="34" charset="0"/>
+              <a:buChar char="•"/>
+              <a:defRPr sz="2800" kern="1200">
+                <a:solidFill>
+                  <a:schemeClr val="tx1"/>
+                </a:solidFill>
+                <a:latin typeface="+mn-lt"/>
+                <a:ea typeface="+mn-ea"/>
+                <a:cs typeface="+mn-cs"/>
+              </a:defRPr>
+            </a:lvl1pPr>
+            <a:lvl2pPr marL="685800" indent="-228600" algn="l" defTabSz="914400" rtl="0" eaLnBrk="1" latinLnBrk="0" hangingPunct="1">
+              <a:lnSpc>
+                <a:spcPct val="90000"/>
+              </a:lnSpc>
+              <a:spcBef>
+                <a:spcPts val="500"/>
+              </a:spcBef>
+              <a:buFont typeface="Arial" panose="020B0604020202020204" pitchFamily="34" charset="0"/>
+              <a:buChar char="•"/>
+              <a:defRPr sz="2400" kern="1200">
+                <a:solidFill>
+                  <a:schemeClr val="tx1"/>
+                </a:solidFill>
+                <a:latin typeface="+mn-lt"/>
+                <a:ea typeface="+mn-ea"/>
+                <a:cs typeface="+mn-cs"/>
+              </a:defRPr>
+            </a:lvl2pPr>
+            <a:lvl3pPr marL="1143000" indent="-228600" algn="l" defTabSz="914400" rtl="0" eaLnBrk="1" latinLnBrk="0" hangingPunct="1">
+              <a:lnSpc>
+                <a:spcPct val="90000"/>
+              </a:lnSpc>
+              <a:spcBef>
+                <a:spcPts val="500"/>
+              </a:spcBef>
+              <a:buFont typeface="Arial" panose="020B0604020202020204" pitchFamily="34" charset="0"/>
+              <a:buChar char="•"/>
+              <a:defRPr sz="2000" kern="1200">
+                <a:solidFill>
+                  <a:schemeClr val="tx1"/>
+                </a:solidFill>
+                <a:latin typeface="+mn-lt"/>
+                <a:ea typeface="+mn-ea"/>
+                <a:cs typeface="+mn-cs"/>
+              </a:defRPr>
+            </a:lvl3pPr>
+            <a:lvl4pPr marL="1600200" indent="-228600" algn="l" defTabSz="914400" rtl="0" eaLnBrk="1" latinLnBrk="0" hangingPunct="1">
+              <a:lnSpc>
+                <a:spcPct val="90000"/>
+              </a:lnSpc>
+              <a:spcBef>
+                <a:spcPts val="500"/>
+              </a:spcBef>
+              <a:buFont typeface="Arial" panose="020B0604020202020204" pitchFamily="34" charset="0"/>
+              <a:buChar char="•"/>
+              <a:defRPr sz="1800" kern="1200">
+                <a:solidFill>
+                  <a:schemeClr val="tx1"/>
+                </a:solidFill>
+                <a:latin typeface="+mn-lt"/>
+                <a:ea typeface="+mn-ea"/>
+                <a:cs typeface="+mn-cs"/>
+              </a:defRPr>
+            </a:lvl4pPr>
+            <a:lvl5pPr marL="2057400" indent="-228600" algn="l" defTabSz="914400" rtl="0" eaLnBrk="1" latinLnBrk="0" hangingPunct="1">
+              <a:lnSpc>
+                <a:spcPct val="90000"/>
+              </a:lnSpc>
+              <a:spcBef>
+                <a:spcPts val="500"/>
+              </a:spcBef>
+              <a:buFont typeface="Arial" panose="020B0604020202020204" pitchFamily="34" charset="0"/>
+              <a:buChar char="•"/>
+              <a:defRPr sz="1800" kern="1200">
+                <a:solidFill>
+                  <a:schemeClr val="tx1"/>
+                </a:solidFill>
+                <a:latin typeface="+mn-lt"/>
+                <a:ea typeface="+mn-ea"/>
+                <a:cs typeface="+mn-cs"/>
+              </a:defRPr>
+            </a:lvl5pPr>
+            <a:lvl6pPr marL="2514600" indent="-228600" algn="l" defTabSz="914400" rtl="0" eaLnBrk="1" latinLnBrk="0" hangingPunct="1">
+              <a:lnSpc>
+                <a:spcPct val="90000"/>
+              </a:lnSpc>
+              <a:spcBef>
+                <a:spcPts val="500"/>
+              </a:spcBef>
+              <a:buFont typeface="Arial" panose="020B0604020202020204" pitchFamily="34" charset="0"/>
+              <a:buChar char="•"/>
+              <a:defRPr sz="1800" kern="1200">
+                <a:solidFill>
+                  <a:schemeClr val="tx1"/>
+                </a:solidFill>
+                <a:latin typeface="+mn-lt"/>
+                <a:ea typeface="+mn-ea"/>
+                <a:cs typeface="+mn-cs"/>
+              </a:defRPr>
+            </a:lvl6pPr>
+            <a:lvl7pPr marL="2971800" indent="-228600" algn="l" defTabSz="914400" rtl="0" eaLnBrk="1" latinLnBrk="0" hangingPunct="1">
+              <a:lnSpc>
+                <a:spcPct val="90000"/>
+              </a:lnSpc>
+              <a:spcBef>
+                <a:spcPts val="500"/>
+              </a:spcBef>
+              <a:buFont typeface="Arial" panose="020B0604020202020204" pitchFamily="34" charset="0"/>
+              <a:buChar char="•"/>
+              <a:defRPr sz="1800" kern="1200">
+                <a:solidFill>
+                  <a:schemeClr val="tx1"/>
+                </a:solidFill>
+                <a:latin typeface="+mn-lt"/>
+                <a:ea typeface="+mn-ea"/>
+                <a:cs typeface="+mn-cs"/>
+              </a:defRPr>
+            </a:lvl7pPr>
+            <a:lvl8pPr marL="3429000" indent="-228600" algn="l" defTabSz="914400" rtl="0" eaLnBrk="1" latinLnBrk="0" hangingPunct="1">
+              <a:lnSpc>
+                <a:spcPct val="90000"/>
+              </a:lnSpc>
+              <a:spcBef>
+                <a:spcPts val="500"/>
+              </a:spcBef>
+              <a:buFont typeface="Arial" panose="020B0604020202020204" pitchFamily="34" charset="0"/>
+              <a:buChar char="•"/>
+              <a:defRPr sz="1800" kern="1200">
+                <a:solidFill>
+                  <a:schemeClr val="tx1"/>
+                </a:solidFill>
+                <a:latin typeface="+mn-lt"/>
+                <a:ea typeface="+mn-ea"/>
+                <a:cs typeface="+mn-cs"/>
+              </a:defRPr>
+            </a:lvl8pPr>
+            <a:lvl9pPr marL="3886200" indent="-228600" algn="l" defTabSz="914400" rtl="0" eaLnBrk="1" latinLnBrk="0" hangingPunct="1">
+              <a:lnSpc>
+                <a:spcPct val="90000"/>
+              </a:lnSpc>
+              <a:spcBef>
+                <a:spcPts val="500"/>
+              </a:spcBef>
+              <a:buFont typeface="Arial" panose="020B0604020202020204" pitchFamily="34" charset="0"/>
+              <a:buChar char="•"/>
+              <a:defRPr sz="1800" kern="1200">
+                <a:solidFill>
+                  <a:schemeClr val="tx1"/>
+                </a:solidFill>
+                <a:latin typeface="+mn-lt"/>
+                <a:ea typeface="+mn-ea"/>
+                <a:cs typeface="+mn-cs"/>
+              </a:defRPr>
+            </a:lvl9pPr>
+          </a:lstStyle>
+          <a:p>
+            <a:pPr marL="0" indent="0">
+              <a:buFont typeface="Arial" panose="020B0604020202020204" pitchFamily="34" charset="0"/>
+              <a:buNone/>
+            </a:pPr>
+            <a:r>
+              <a:rPr lang="en-US" dirty="0"/>
+              <a:t>DO: Last-minute DOM ops</a:t>
+            </a:r>
+          </a:p>
+          <a:p>
+            <a:pPr marL="0" indent="0">
+              <a:buFont typeface="Arial" panose="020B0604020202020204" pitchFamily="34" charset="0"/>
+              <a:buNone/>
+            </a:pPr>
+            <a:r>
+              <a:rPr lang="en-US" dirty="0"/>
+              <a:t>DON’T: Cause Side-Effects</a:t>
+            </a:r>
+          </a:p>
+        </p:txBody>
+      </p:sp>
+    </p:spTree>
+    <p:extLst>
+      <p:ext uri="{BB962C8B-B14F-4D97-AF65-F5344CB8AC3E}">
+        <p14:creationId xmlns:p14="http://schemas.microsoft.com/office/powerpoint/2010/main" val="4260670910"/>
+      </p:ext>
+    </p:extLst>
+  </p:cSld>
+  <p:clrMapOvr>
+    <a:masterClrMapping/>
+  </p:clrMapOvr>
+</p:sld>
+</file>
+
+<file path=ppt/slides/slide11.xml><?xml version="1.0" encoding="utf-8"?>
+<p:sld xmlns:a="http://schemas.openxmlformats.org/drawingml/2006/main" xmlns:r="http://schemas.openxmlformats.org/officeDocument/2006/relationships" xmlns:p="http://schemas.openxmlformats.org/presentationml/2006/main">
+  <p:cSld>
+    <p:spTree>
+      <p:nvGrpSpPr>
+        <p:cNvPr id="1" name=""/>
+        <p:cNvGrpSpPr/>
+        <p:nvPr/>
+      </p:nvGrpSpPr>
+      <p:grpSpPr>
+        <a:xfrm>
+          <a:off x="0" y="0"/>
+          <a:ext cx="0" cy="0"/>
+          <a:chOff x="0" y="0"/>
+          <a:chExt cx="0" cy="0"/>
+        </a:xfrm>
+      </p:grpSpPr>
+      <p:sp>
+        <p:nvSpPr>
+          <p:cNvPr id="2" name="Title 1">
+            <a:extLst>
+              <a:ext uri="{FF2B5EF4-FFF2-40B4-BE49-F238E27FC236}">
+                <a16:creationId xmlns:a16="http://schemas.microsoft.com/office/drawing/2014/main" id="{DE46B3AE-9F19-42AE-C745-736BAA7E4E15}"/>
+              </a:ext>
+            </a:extLst>
+          </p:cNvPr>
+          <p:cNvSpPr>
+            <a:spLocks noGrp="1"/>
+          </p:cNvSpPr>
+          <p:nvPr>
+            <p:ph type="title"/>
+          </p:nvPr>
+        </p:nvSpPr>
+        <p:spPr/>
+        <p:txBody>
+          <a:bodyPr/>
+          <a:lstStyle/>
+          <a:p>
+            <a:r>
+              <a:rPr lang="en-US" dirty="0"/>
+              <a:t>    </a:t>
+            </a:r>
+          </a:p>
+        </p:txBody>
+      </p:sp>
+      <p:sp>
+        <p:nvSpPr>
+          <p:cNvPr id="3" name="Content Placeholder 2">
+            <a:extLst>
+              <a:ext uri="{FF2B5EF4-FFF2-40B4-BE49-F238E27FC236}">
+                <a16:creationId xmlns:a16="http://schemas.microsoft.com/office/drawing/2014/main" id="{2A91B30C-913C-8753-695F-8AC567E0631D}"/>
+              </a:ext>
+            </a:extLst>
+          </p:cNvPr>
+          <p:cNvSpPr>
+            <a:spLocks noGrp="1"/>
+          </p:cNvSpPr>
+          <p:nvPr>
+            <p:ph idx="1"/>
+          </p:nvPr>
+        </p:nvSpPr>
+        <p:spPr/>
+        <p:txBody>
+          <a:bodyPr/>
+          <a:lstStyle/>
+          <a:p>
+            <a:r>
+              <a:rPr lang="en-US" dirty="0"/>
+              <a:t>Component creation lifecycle</a:t>
+            </a:r>
+          </a:p>
+          <a:p>
+            <a:r>
+              <a:rPr lang="en-US" dirty="0"/>
+              <a:t>Component update lifecycle</a:t>
+            </a:r>
+          </a:p>
+          <a:p>
+            <a:r>
+              <a:rPr lang="en-US" dirty="0"/>
+              <a:t>Component update lifecycle props changes</a:t>
+            </a:r>
+          </a:p>
+          <a:p>
+            <a:r>
+              <a:rPr lang="en-US" dirty="0"/>
+              <a:t>UseEffect for functional components</a:t>
+            </a:r>
+          </a:p>
+          <a:p>
+            <a:r>
+              <a:rPr lang="en-US" dirty="0"/>
+              <a:t>Controlling UseEffect behavior</a:t>
+            </a:r>
+          </a:p>
+          <a:p>
+            <a:r>
+              <a:rPr lang="en-US" dirty="0"/>
+              <a:t>Should component update for optimization</a:t>
+            </a:r>
+          </a:p>
+          <a:p>
+            <a:r>
+              <a:rPr lang="en-US" dirty="0"/>
+              <a:t>Memo for functional component optimization</a:t>
+            </a:r>
+          </a:p>
+          <a:p>
+            <a:r>
+              <a:rPr lang="en-US" dirty="0" err="1"/>
+              <a:t>purecomponent</a:t>
+            </a:r>
+            <a:endParaRPr lang="en-US" dirty="0"/>
+          </a:p>
+          <a:p>
+            <a:endParaRPr lang="en-US" dirty="0"/>
+          </a:p>
+        </p:txBody>
+      </p:sp>
+    </p:spTree>
+    <p:extLst>
+      <p:ext uri="{BB962C8B-B14F-4D97-AF65-F5344CB8AC3E}">
+        <p14:creationId xmlns:p14="http://schemas.microsoft.com/office/powerpoint/2010/main" val="3320276764"/>
+      </p:ext>
+    </p:extLst>
+  </p:cSld>
+  <p:clrMapOvr>
+    <a:masterClrMapping/>
+  </p:clrMapOvr>
+</p:sld>
+</file>
+
+<file path=ppt/slides/slide12.xml><?xml version="1.0" encoding="utf-8"?>
+<p:sld xmlns:a="http://schemas.openxmlformats.org/drawingml/2006/main" xmlns:r="http://schemas.openxmlformats.org/officeDocument/2006/relationships" xmlns:p="http://schemas.openxmlformats.org/presentationml/2006/main">
+  <p:cSld>
+    <p:spTree>
+      <p:nvGrpSpPr>
+        <p:cNvPr id="1" name=""/>
+        <p:cNvGrpSpPr/>
+        <p:nvPr/>
+      </p:nvGrpSpPr>
+      <p:grpSpPr>
+        <a:xfrm>
+          <a:off x="0" y="0"/>
+          <a:ext cx="0" cy="0"/>
+          <a:chOff x="0" y="0"/>
+          <a:chExt cx="0" cy="0"/>
+        </a:xfrm>
+      </p:grpSpPr>
+      <p:sp>
+        <p:nvSpPr>
+          <p:cNvPr id="2" name="Title 1">
+            <a:extLst>
+              <a:ext uri="{FF2B5EF4-FFF2-40B4-BE49-F238E27FC236}">
+                <a16:creationId xmlns:a16="http://schemas.microsoft.com/office/drawing/2014/main" id="{92289DF6-BEA6-B6BD-2E2B-4FDEA586A5C2}"/>
+              </a:ext>
+            </a:extLst>
+          </p:cNvPr>
+          <p:cNvSpPr>
+            <a:spLocks noGrp="1"/>
+          </p:cNvSpPr>
+          <p:nvPr>
+            <p:ph type="title"/>
+          </p:nvPr>
+        </p:nvSpPr>
+        <p:spPr/>
+        <p:txBody>
+          <a:bodyPr/>
+          <a:lstStyle/>
+          <a:p>
+            <a:r>
+              <a:rPr lang="en-US" dirty="0"/>
+              <a:t>How React Updates The DOM</a:t>
+            </a:r>
+          </a:p>
+        </p:txBody>
+      </p:sp>
+      <p:sp>
+        <p:nvSpPr>
+          <p:cNvPr id="4" name="TextBox 3">
+            <a:extLst>
+              <a:ext uri="{FF2B5EF4-FFF2-40B4-BE49-F238E27FC236}">
+                <a16:creationId xmlns:a16="http://schemas.microsoft.com/office/drawing/2014/main" id="{21F815C4-BDEF-1399-DE37-5CF44262EB5F}"/>
+              </a:ext>
+            </a:extLst>
+          </p:cNvPr>
+          <p:cNvSpPr txBox="1"/>
+          <p:nvPr/>
+        </p:nvSpPr>
+        <p:spPr>
+          <a:xfrm>
+            <a:off x="5049672" y="1569493"/>
+            <a:ext cx="1799339" cy="369332"/>
+          </a:xfrm>
+          <a:prstGeom prst="rect">
+            <a:avLst/>
+          </a:prstGeom>
+          <a:noFill/>
+        </p:spPr>
+        <p:txBody>
+          <a:bodyPr wrap="none" rtlCol="0">
+            <a:spAutoFit/>
+          </a:bodyPr>
+          <a:lstStyle/>
+          <a:p>
+            <a:r>
+              <a:rPr lang="en-US" dirty="0"/>
+              <a:t>Render() is called</a:t>
+            </a:r>
+          </a:p>
+        </p:txBody>
+      </p:sp>
+      <p:sp>
+        <p:nvSpPr>
+          <p:cNvPr id="5" name="TextBox 4">
+            <a:extLst>
+              <a:ext uri="{FF2B5EF4-FFF2-40B4-BE49-F238E27FC236}">
+                <a16:creationId xmlns:a16="http://schemas.microsoft.com/office/drawing/2014/main" id="{6FD98362-333E-4CF7-6689-C40579740433}"/>
+              </a:ext>
+            </a:extLst>
+          </p:cNvPr>
+          <p:cNvSpPr txBox="1"/>
+          <p:nvPr/>
+        </p:nvSpPr>
+        <p:spPr>
+          <a:xfrm>
+            <a:off x="838200" y="1491591"/>
+            <a:ext cx="2752357" cy="646331"/>
+          </a:xfrm>
+          <a:prstGeom prst="rect">
+            <a:avLst/>
+          </a:prstGeom>
+          <a:noFill/>
+        </p:spPr>
+        <p:txBody>
+          <a:bodyPr wrap="none" rtlCol="0">
+            <a:spAutoFit/>
+          </a:bodyPr>
+          <a:lstStyle/>
+          <a:p>
+            <a:r>
+              <a:rPr lang="en-US" dirty="0" err="1"/>
+              <a:t>shouldComponentUpdate</a:t>
+            </a:r>
+            <a:r>
+              <a:rPr lang="en-US" dirty="0"/>
+              <a:t>()</a:t>
+            </a:r>
+          </a:p>
+          <a:p>
+            <a:r>
+              <a:rPr lang="en-US" dirty="0"/>
+              <a:t>Passed!</a:t>
+            </a:r>
+          </a:p>
+        </p:txBody>
+      </p:sp>
+      <p:cxnSp>
+        <p:nvCxnSpPr>
+          <p:cNvPr id="7" name="Straight Arrow Connector 6">
+            <a:extLst>
+              <a:ext uri="{FF2B5EF4-FFF2-40B4-BE49-F238E27FC236}">
+                <a16:creationId xmlns:a16="http://schemas.microsoft.com/office/drawing/2014/main" id="{EFD6F849-A273-0059-9675-1AF68978069D}"/>
+              </a:ext>
+            </a:extLst>
+          </p:cNvPr>
+          <p:cNvCxnSpPr>
+            <a:stCxn id="5" idx="3"/>
+            <a:endCxn id="4" idx="1"/>
+          </p:cNvCxnSpPr>
+          <p:nvPr/>
+        </p:nvCxnSpPr>
+        <p:spPr>
+          <a:xfrm flipV="1">
+            <a:off x="3590557" y="1754159"/>
+            <a:ext cx="1336285" cy="60598"/>
+          </a:xfrm>
+          <a:prstGeom prst="straightConnector1">
+            <a:avLst/>
+          </a:prstGeom>
+          <a:ln>
+            <a:tailEnd type="triangle"/>
+          </a:ln>
+        </p:spPr>
+        <p:style>
+          <a:lnRef idx="1">
+            <a:schemeClr val="accent1"/>
+          </a:lnRef>
+          <a:fillRef idx="0">
+            <a:schemeClr val="accent1"/>
+          </a:fillRef>
+          <a:effectRef idx="0">
+            <a:schemeClr val="accent1"/>
+          </a:effectRef>
+          <a:fontRef idx="minor">
+            <a:schemeClr val="tx1"/>
+          </a:fontRef>
+        </p:style>
+      </p:cxnSp>
+      <p:sp>
+        <p:nvSpPr>
+          <p:cNvPr id="8" name="Rectangle 7">
+            <a:extLst>
+              <a:ext uri="{FF2B5EF4-FFF2-40B4-BE49-F238E27FC236}">
+                <a16:creationId xmlns:a16="http://schemas.microsoft.com/office/drawing/2014/main" id="{22BDE405-0150-18EA-9A0D-81417E3E3B24}"/>
+              </a:ext>
+            </a:extLst>
+          </p:cNvPr>
+          <p:cNvSpPr/>
+          <p:nvPr/>
+        </p:nvSpPr>
+        <p:spPr>
+          <a:xfrm>
+            <a:off x="2388358" y="2265528"/>
+            <a:ext cx="2538484" cy="914400"/>
+          </a:xfrm>
+          <a:prstGeom prst="rect">
+            <a:avLst/>
+          </a:prstGeom>
+        </p:spPr>
+        <p:style>
+          <a:lnRef idx="2">
+            <a:schemeClr val="accent1">
+              <a:shade val="50000"/>
+            </a:schemeClr>
+          </a:lnRef>
+          <a:fillRef idx="1">
+            <a:schemeClr val="accent1"/>
+          </a:fillRef>
+          <a:effectRef idx="0">
+            <a:schemeClr val="accent1"/>
+          </a:effectRef>
+          <a:fontRef idx="minor">
+            <a:schemeClr val="lt1"/>
+          </a:fontRef>
+        </p:style>
+        <p:txBody>
+          <a:bodyPr rtlCol="0" anchor="ctr"/>
+          <a:lstStyle/>
+          <a:p>
+            <a:pPr algn="ctr"/>
+            <a:r>
+              <a:rPr lang="en-US" dirty="0"/>
+              <a:t>Old Virtual DOM</a:t>
+            </a:r>
+          </a:p>
+        </p:txBody>
+      </p:sp>
+      <p:sp>
+        <p:nvSpPr>
+          <p:cNvPr id="9" name="Rectangle 8">
+            <a:extLst>
+              <a:ext uri="{FF2B5EF4-FFF2-40B4-BE49-F238E27FC236}">
+                <a16:creationId xmlns:a16="http://schemas.microsoft.com/office/drawing/2014/main" id="{C8294141-9B71-C742-8EEB-7636F9284ED3}"/>
+              </a:ext>
+            </a:extLst>
+          </p:cNvPr>
+          <p:cNvSpPr/>
+          <p:nvPr/>
+        </p:nvSpPr>
+        <p:spPr>
+          <a:xfrm>
+            <a:off x="6202936" y="2222786"/>
+            <a:ext cx="2538484" cy="914400"/>
+          </a:xfrm>
+          <a:prstGeom prst="rect">
+            <a:avLst/>
+          </a:prstGeom>
+        </p:spPr>
+        <p:style>
+          <a:lnRef idx="2">
+            <a:schemeClr val="accent1">
+              <a:shade val="50000"/>
+            </a:schemeClr>
+          </a:lnRef>
+          <a:fillRef idx="1">
+            <a:schemeClr val="accent1"/>
+          </a:fillRef>
+          <a:effectRef idx="0">
+            <a:schemeClr val="accent1"/>
+          </a:effectRef>
+          <a:fontRef idx="minor">
+            <a:schemeClr val="lt1"/>
+          </a:fontRef>
+        </p:style>
+        <p:txBody>
+          <a:bodyPr rtlCol="0" anchor="ctr"/>
+          <a:lstStyle/>
+          <a:p>
+            <a:pPr algn="ctr"/>
+            <a:r>
+              <a:rPr lang="en-US" dirty="0"/>
+              <a:t>Re-rendered Virtual</a:t>
+            </a:r>
+          </a:p>
+          <a:p>
+            <a:pPr algn="ctr"/>
+            <a:r>
+              <a:rPr lang="en-US" dirty="0"/>
+              <a:t>DOM</a:t>
+            </a:r>
+          </a:p>
+        </p:txBody>
+      </p:sp>
+      <p:sp>
+        <p:nvSpPr>
+          <p:cNvPr id="10" name="Rectangle 9">
+            <a:extLst>
+              <a:ext uri="{FF2B5EF4-FFF2-40B4-BE49-F238E27FC236}">
+                <a16:creationId xmlns:a16="http://schemas.microsoft.com/office/drawing/2014/main" id="{8C3DD1C0-FA90-5AF3-B377-4D6413071881}"/>
+              </a:ext>
+            </a:extLst>
+          </p:cNvPr>
+          <p:cNvSpPr/>
+          <p:nvPr/>
+        </p:nvSpPr>
+        <p:spPr>
+          <a:xfrm>
+            <a:off x="6202936" y="3307534"/>
+            <a:ext cx="2538484" cy="914400"/>
+          </a:xfrm>
+          <a:prstGeom prst="rect">
+            <a:avLst/>
+          </a:prstGeom>
+        </p:spPr>
+        <p:style>
+          <a:lnRef idx="2">
+            <a:schemeClr val="accent1">
+              <a:shade val="50000"/>
+            </a:schemeClr>
+          </a:lnRef>
+          <a:fillRef idx="1">
+            <a:schemeClr val="accent1"/>
+          </a:fillRef>
+          <a:effectRef idx="0">
+            <a:schemeClr val="accent1"/>
+          </a:effectRef>
+          <a:fontRef idx="minor">
+            <a:schemeClr val="lt1"/>
+          </a:fontRef>
+        </p:style>
+        <p:txBody>
+          <a:bodyPr rtlCol="0" anchor="ctr"/>
+          <a:lstStyle/>
+          <a:p>
+            <a:pPr algn="ctr"/>
+            <a:r>
+              <a:rPr lang="en-US" dirty="0"/>
+              <a:t>&lt;div&gt;…&lt;/div&gt;</a:t>
+            </a:r>
+          </a:p>
+        </p:txBody>
+      </p:sp>
+      <p:sp>
+        <p:nvSpPr>
+          <p:cNvPr id="11" name="Rectangle 10">
+            <a:extLst>
+              <a:ext uri="{FF2B5EF4-FFF2-40B4-BE49-F238E27FC236}">
+                <a16:creationId xmlns:a16="http://schemas.microsoft.com/office/drawing/2014/main" id="{AA4F1D9E-6BD7-9357-69B5-7D2061E996B5}"/>
+              </a:ext>
+            </a:extLst>
+          </p:cNvPr>
+          <p:cNvSpPr/>
+          <p:nvPr/>
+        </p:nvSpPr>
+        <p:spPr>
+          <a:xfrm>
+            <a:off x="2388358" y="3429000"/>
+            <a:ext cx="2538484" cy="914400"/>
+          </a:xfrm>
+          <a:prstGeom prst="rect">
+            <a:avLst/>
+          </a:prstGeom>
+        </p:spPr>
+        <p:style>
+          <a:lnRef idx="2">
+            <a:schemeClr val="accent1">
+              <a:shade val="50000"/>
+            </a:schemeClr>
+          </a:lnRef>
+          <a:fillRef idx="1">
+            <a:schemeClr val="accent1"/>
+          </a:fillRef>
+          <a:effectRef idx="0">
+            <a:schemeClr val="accent1"/>
+          </a:effectRef>
+          <a:fontRef idx="minor">
+            <a:schemeClr val="lt1"/>
+          </a:fontRef>
+        </p:style>
+        <p:txBody>
+          <a:bodyPr rtlCol="0" anchor="ctr"/>
+          <a:lstStyle/>
+          <a:p>
+            <a:pPr algn="ctr"/>
+            <a:r>
+              <a:rPr lang="en-US" dirty="0"/>
+              <a:t>&lt;div&gt;…&lt;/div&gt;</a:t>
+            </a:r>
+          </a:p>
+        </p:txBody>
+      </p:sp>
+      <p:sp>
+        <p:nvSpPr>
+          <p:cNvPr id="12" name="TextBox 11">
+            <a:extLst>
+              <a:ext uri="{FF2B5EF4-FFF2-40B4-BE49-F238E27FC236}">
+                <a16:creationId xmlns:a16="http://schemas.microsoft.com/office/drawing/2014/main" id="{405EE79F-2E42-1316-83BC-6E6193D84B64}"/>
+              </a:ext>
+            </a:extLst>
+          </p:cNvPr>
+          <p:cNvSpPr txBox="1"/>
+          <p:nvPr/>
+        </p:nvSpPr>
+        <p:spPr>
+          <a:xfrm>
+            <a:off x="481069" y="2588693"/>
+            <a:ext cx="1289071" cy="646331"/>
+          </a:xfrm>
+          <a:prstGeom prst="rect">
+            <a:avLst/>
+          </a:prstGeom>
+          <a:noFill/>
+        </p:spPr>
+        <p:txBody>
+          <a:bodyPr wrap="none" rtlCol="0">
+            <a:spAutoFit/>
+          </a:bodyPr>
+          <a:lstStyle/>
+          <a:p>
+            <a:r>
+              <a:rPr lang="en-US" dirty="0"/>
+              <a:t>Faster than </a:t>
+            </a:r>
+          </a:p>
+          <a:p>
+            <a:r>
+              <a:rPr lang="en-US" dirty="0"/>
+              <a:t>“</a:t>
+            </a:r>
+            <a:r>
+              <a:rPr lang="en-US" dirty="0" err="1"/>
+              <a:t>Real”DOM</a:t>
+            </a:r>
+            <a:endParaRPr lang="en-US" dirty="0"/>
+          </a:p>
+        </p:txBody>
+      </p:sp>
+      <p:sp>
+        <p:nvSpPr>
+          <p:cNvPr id="13" name="TextBox 12">
+            <a:extLst>
+              <a:ext uri="{FF2B5EF4-FFF2-40B4-BE49-F238E27FC236}">
+                <a16:creationId xmlns:a16="http://schemas.microsoft.com/office/drawing/2014/main" id="{D8B150F3-0461-2749-2132-C4919E276FE6}"/>
+              </a:ext>
+            </a:extLst>
+          </p:cNvPr>
+          <p:cNvSpPr txBox="1"/>
+          <p:nvPr/>
+        </p:nvSpPr>
+        <p:spPr>
+          <a:xfrm>
+            <a:off x="9594376" y="1938825"/>
+            <a:ext cx="1759584" cy="1200329"/>
+          </a:xfrm>
+          <a:prstGeom prst="rect">
+            <a:avLst/>
+          </a:prstGeom>
+          <a:noFill/>
+        </p:spPr>
+        <p:txBody>
+          <a:bodyPr wrap="none" rtlCol="0">
+            <a:spAutoFit/>
+          </a:bodyPr>
+          <a:lstStyle/>
+          <a:p>
+            <a:r>
+              <a:rPr lang="en-US" dirty="0"/>
+              <a:t>Render() doesn’t</a:t>
+            </a:r>
+          </a:p>
+          <a:p>
+            <a:r>
+              <a:rPr lang="en-US" dirty="0"/>
+              <a:t>Immediately</a:t>
+            </a:r>
+          </a:p>
+          <a:p>
+            <a:r>
+              <a:rPr lang="en-US" dirty="0"/>
+              <a:t>Update the</a:t>
+            </a:r>
+          </a:p>
+          <a:p>
+            <a:r>
+              <a:rPr lang="en-US" dirty="0"/>
+              <a:t>“Real” DOM </a:t>
+            </a:r>
+          </a:p>
+        </p:txBody>
+      </p:sp>
+      <p:sp>
+        <p:nvSpPr>
+          <p:cNvPr id="14" name="Arrow: Left-Right 13">
+            <a:extLst>
+              <a:ext uri="{FF2B5EF4-FFF2-40B4-BE49-F238E27FC236}">
+                <a16:creationId xmlns:a16="http://schemas.microsoft.com/office/drawing/2014/main" id="{E2E0E352-120D-2142-E330-B6DB92B8D97B}"/>
+              </a:ext>
+            </a:extLst>
+          </p:cNvPr>
+          <p:cNvSpPr/>
+          <p:nvPr/>
+        </p:nvSpPr>
+        <p:spPr>
+          <a:xfrm>
+            <a:off x="4599296" y="4474384"/>
+            <a:ext cx="2006220" cy="818865"/>
+          </a:xfrm>
+          <a:prstGeom prst="leftRightArrow">
+            <a:avLst/>
+          </a:prstGeom>
+        </p:spPr>
+        <p:style>
+          <a:lnRef idx="2">
+            <a:schemeClr val="accent1">
+              <a:shade val="50000"/>
+            </a:schemeClr>
+          </a:lnRef>
+          <a:fillRef idx="1">
+            <a:schemeClr val="accent1"/>
+          </a:fillRef>
+          <a:effectRef idx="0">
+            <a:schemeClr val="accent1"/>
+          </a:effectRef>
+          <a:fontRef idx="minor">
+            <a:schemeClr val="lt1"/>
+          </a:fontRef>
+        </p:style>
+        <p:txBody>
+          <a:bodyPr rtlCol="0" anchor="ctr"/>
+          <a:lstStyle/>
+          <a:p>
+            <a:pPr algn="ctr"/>
+            <a:endParaRPr lang="en-US"/>
+          </a:p>
+        </p:txBody>
+      </p:sp>
+      <p:sp>
+        <p:nvSpPr>
+          <p:cNvPr id="15" name="TextBox 14">
+            <a:extLst>
+              <a:ext uri="{FF2B5EF4-FFF2-40B4-BE49-F238E27FC236}">
+                <a16:creationId xmlns:a16="http://schemas.microsoft.com/office/drawing/2014/main" id="{D6FBB83B-8A18-B725-3797-3BAEE4EB0A13}"/>
+              </a:ext>
+            </a:extLst>
+          </p:cNvPr>
+          <p:cNvSpPr txBox="1"/>
+          <p:nvPr/>
+        </p:nvSpPr>
+        <p:spPr>
+          <a:xfrm>
+            <a:off x="5213445" y="5454329"/>
+            <a:ext cx="5281683" cy="369332"/>
+          </a:xfrm>
+          <a:prstGeom prst="rect">
+            <a:avLst/>
+          </a:prstGeom>
+          <a:noFill/>
+        </p:spPr>
+        <p:txBody>
+          <a:bodyPr wrap="square" rtlCol="0">
+            <a:spAutoFit/>
+          </a:bodyPr>
+          <a:lstStyle/>
+          <a:p>
+            <a:r>
+              <a:rPr lang="en-US" dirty="0"/>
+              <a:t>Comparison</a:t>
+            </a:r>
+          </a:p>
+        </p:txBody>
+      </p:sp>
+      <p:sp>
+        <p:nvSpPr>
+          <p:cNvPr id="16" name="TextBox 15">
+            <a:extLst>
+              <a:ext uri="{FF2B5EF4-FFF2-40B4-BE49-F238E27FC236}">
+                <a16:creationId xmlns:a16="http://schemas.microsoft.com/office/drawing/2014/main" id="{A07A025A-7E84-739E-C2B6-D9E2DB8D3253}"/>
+              </a:ext>
+            </a:extLst>
+          </p:cNvPr>
+          <p:cNvSpPr txBox="1"/>
+          <p:nvPr/>
+        </p:nvSpPr>
+        <p:spPr>
+          <a:xfrm>
+            <a:off x="5377218" y="5984741"/>
+            <a:ext cx="1471793" cy="369332"/>
+          </a:xfrm>
+          <a:prstGeom prst="rect">
+            <a:avLst/>
+          </a:prstGeom>
+          <a:noFill/>
+        </p:spPr>
+        <p:txBody>
+          <a:bodyPr wrap="square" rtlCol="0">
+            <a:spAutoFit/>
+          </a:bodyPr>
+          <a:lstStyle/>
+          <a:p>
+            <a:r>
+              <a:rPr lang="en-US" dirty="0"/>
+              <a:t>Differences?</a:t>
+            </a:r>
+          </a:p>
+        </p:txBody>
+      </p:sp>
+      <p:sp>
+        <p:nvSpPr>
+          <p:cNvPr id="17" name="TextBox 16">
+            <a:extLst>
+              <a:ext uri="{FF2B5EF4-FFF2-40B4-BE49-F238E27FC236}">
+                <a16:creationId xmlns:a16="http://schemas.microsoft.com/office/drawing/2014/main" id="{2F0B372C-20B7-0356-03B9-7A66163A3B69}"/>
+              </a:ext>
+            </a:extLst>
+          </p:cNvPr>
+          <p:cNvSpPr txBox="1"/>
+          <p:nvPr/>
+        </p:nvSpPr>
+        <p:spPr>
+          <a:xfrm>
+            <a:off x="1478481" y="6019901"/>
+            <a:ext cx="2538484" cy="646331"/>
+          </a:xfrm>
+          <a:prstGeom prst="rect">
+            <a:avLst/>
+          </a:prstGeom>
+          <a:noFill/>
+        </p:spPr>
+        <p:txBody>
+          <a:bodyPr wrap="square" rtlCol="0">
+            <a:spAutoFit/>
+          </a:bodyPr>
+          <a:lstStyle/>
+          <a:p>
+            <a:r>
+              <a:rPr lang="en-US" dirty="0"/>
+              <a:t>No Differences? Don’t touch the “</a:t>
+            </a:r>
+            <a:r>
+              <a:rPr lang="en-US" dirty="0" err="1"/>
+              <a:t>real”DOM</a:t>
+            </a:r>
+            <a:r>
+              <a:rPr lang="en-US" dirty="0"/>
+              <a:t>!</a:t>
+            </a:r>
+          </a:p>
+        </p:txBody>
+      </p:sp>
+      <p:sp>
+        <p:nvSpPr>
+          <p:cNvPr id="18" name="TextBox 17">
+            <a:extLst>
+              <a:ext uri="{FF2B5EF4-FFF2-40B4-BE49-F238E27FC236}">
+                <a16:creationId xmlns:a16="http://schemas.microsoft.com/office/drawing/2014/main" id="{D902A104-3854-6BF1-B81B-967233ABC6F5}"/>
+              </a:ext>
+            </a:extLst>
+          </p:cNvPr>
+          <p:cNvSpPr txBox="1"/>
+          <p:nvPr/>
+        </p:nvSpPr>
+        <p:spPr>
+          <a:xfrm>
+            <a:off x="8858479" y="6019901"/>
+            <a:ext cx="2538484" cy="646331"/>
+          </a:xfrm>
+          <a:prstGeom prst="rect">
+            <a:avLst/>
+          </a:prstGeom>
+          <a:noFill/>
+        </p:spPr>
+        <p:txBody>
+          <a:bodyPr wrap="square" rtlCol="0">
+            <a:spAutoFit/>
+          </a:bodyPr>
+          <a:lstStyle/>
+          <a:p>
+            <a:r>
+              <a:rPr lang="en-US" dirty="0"/>
+              <a:t>Differences found?</a:t>
+            </a:r>
+          </a:p>
+          <a:p>
+            <a:r>
+              <a:rPr lang="en-US" dirty="0"/>
+              <a:t>Update ”real” DOM</a:t>
+            </a:r>
+          </a:p>
+        </p:txBody>
+      </p:sp>
+    </p:spTree>
+    <p:extLst>
+      <p:ext uri="{BB962C8B-B14F-4D97-AF65-F5344CB8AC3E}">
+        <p14:creationId xmlns:p14="http://schemas.microsoft.com/office/powerpoint/2010/main" val="1452793104"/>
+      </p:ext>
+    </p:extLst>
+  </p:cSld>
+  <p:clrMapOvr>
+    <a:masterClrMapping/>
+  </p:clrMapOvr>
+</p:sld>
+</file>
+
+<file path=ppt/slides/slide13.xml><?xml version="1.0" encoding="utf-8"?>
+<p:sld xmlns:a="http://schemas.openxmlformats.org/drawingml/2006/main" xmlns:r="http://schemas.openxmlformats.org/officeDocument/2006/relationships" xmlns:p="http://schemas.openxmlformats.org/presentationml/2006/main">
+  <p:cSld>
+    <p:spTree>
+      <p:nvGrpSpPr>
+        <p:cNvPr id="1" name=""/>
+        <p:cNvGrpSpPr/>
+        <p:nvPr/>
+      </p:nvGrpSpPr>
+      <p:grpSpPr>
+        <a:xfrm>
+          <a:off x="0" y="0"/>
+          <a:ext cx="0" cy="0"/>
+          <a:chOff x="0" y="0"/>
+          <a:chExt cx="0" cy="0"/>
+        </a:xfrm>
+      </p:grpSpPr>
+      <p:sp>
+        <p:nvSpPr>
+          <p:cNvPr id="2" name="Title 1">
+            <a:extLst>
+              <a:ext uri="{FF2B5EF4-FFF2-40B4-BE49-F238E27FC236}">
+                <a16:creationId xmlns:a16="http://schemas.microsoft.com/office/drawing/2014/main" id="{1205EB92-0F57-0E30-21DC-FA855220203D}"/>
+              </a:ext>
+            </a:extLst>
+          </p:cNvPr>
+          <p:cNvSpPr>
+            <a:spLocks noGrp="1"/>
+          </p:cNvSpPr>
+          <p:nvPr>
+            <p:ph type="title"/>
+          </p:nvPr>
+        </p:nvSpPr>
+        <p:spPr/>
+        <p:txBody>
+          <a:bodyPr/>
+          <a:lstStyle/>
+          <a:p>
+            <a:endParaRPr lang="en-US"/>
+          </a:p>
+        </p:txBody>
+      </p:sp>
+      <p:sp>
+        <p:nvSpPr>
+          <p:cNvPr id="3" name="Content Placeholder 2">
+            <a:extLst>
+              <a:ext uri="{FF2B5EF4-FFF2-40B4-BE49-F238E27FC236}">
+                <a16:creationId xmlns:a16="http://schemas.microsoft.com/office/drawing/2014/main" id="{86FBB916-2954-A96A-3FE0-E645E88C5C9E}"/>
+              </a:ext>
+            </a:extLst>
+          </p:cNvPr>
+          <p:cNvSpPr>
+            <a:spLocks noGrp="1"/>
+          </p:cNvSpPr>
+          <p:nvPr>
+            <p:ph idx="1"/>
+          </p:nvPr>
+        </p:nvSpPr>
+        <p:spPr/>
+        <p:txBody>
+          <a:bodyPr/>
+          <a:lstStyle/>
+          <a:p>
+            <a:r>
+              <a:rPr lang="en-US" dirty="0"/>
+              <a:t>Adjacent </a:t>
+            </a:r>
+            <a:r>
+              <a:rPr lang="en-US" dirty="0" err="1"/>
+              <a:t>jsx</a:t>
+            </a:r>
+            <a:r>
+              <a:rPr lang="en-US" dirty="0"/>
+              <a:t> elements</a:t>
+            </a:r>
+          </a:p>
+          <a:p>
+            <a:r>
+              <a:rPr lang="en-US" dirty="0"/>
+              <a:t>React fragment</a:t>
+            </a:r>
+          </a:p>
+        </p:txBody>
+      </p:sp>
+    </p:spTree>
+    <p:extLst>
+      <p:ext uri="{BB962C8B-B14F-4D97-AF65-F5344CB8AC3E}">
+        <p14:creationId xmlns:p14="http://schemas.microsoft.com/office/powerpoint/2010/main" val="973162079"/>
+      </p:ext>
+    </p:extLst>
+  </p:cSld>
+  <p:clrMapOvr>
+    <a:masterClrMapping/>
+  </p:clrMapOvr>
+</p:sld>
+</file>
+
 <file path=ppt/slides/slide2.xml><?xml version="1.0" encoding="utf-8"?>
 <p:sld xmlns:a="http://schemas.openxmlformats.org/drawingml/2006/main" xmlns:r="http://schemas.openxmlformats.org/officeDocument/2006/relationships" xmlns:p="http://schemas.openxmlformats.org/presentationml/2006/main">
   <p:cSld>
@@ -4725,7 +8161,7 @@
           <a:p>
             <a:r>
               <a:rPr lang="en-US" sz="3200" dirty="0" err="1"/>
-              <a:t>shouldCompunetUpdate</a:t>
+              <a:t>shouldComponetUpdate</a:t>
             </a:r>
             <a:r>
               <a:rPr lang="en-US" sz="3200" dirty="0"/>

--- a/Create-react-app.pptx
+++ b/Create-react-app.pptx
@@ -18,6 +18,12 @@
     <p:sldId id="265" r:id="rId12"/>
     <p:sldId id="267" r:id="rId13"/>
     <p:sldId id="268" r:id="rId14"/>
+    <p:sldId id="269" r:id="rId15"/>
+    <p:sldId id="270" r:id="rId16"/>
+    <p:sldId id="271" r:id="rId17"/>
+    <p:sldId id="272" r:id="rId18"/>
+    <p:sldId id="273" r:id="rId19"/>
+    <p:sldId id="274" r:id="rId20"/>
   </p:sldIdLst>
   <p:sldSz cx="12192000" cy="6858000"/>
   <p:notesSz cx="6858000" cy="9144000"/>
@@ -124,6 +130,1294 @@
 </p:presentation>
 </file>
 
+<file path=ppt/ink/ink1.xml><?xml version="1.0" encoding="utf-8"?>
+<inkml:ink xmlns:inkml="http://www.w3.org/2003/InkML">
+  <inkml:definitions>
+    <inkml:context xml:id="ctx0">
+      <inkml:inkSource xml:id="inkSrc0">
+        <inkml:traceFormat>
+          <inkml:channel name="X" type="integer" min="-2.14748E9" max="2.14748E9" units="cm"/>
+          <inkml:channel name="Y" type="integer" min="-2.14748E9" max="2.14748E9" units="cm"/>
+          <inkml:channel name="F" type="integer" max="32767" units="dev"/>
+        </inkml:traceFormat>
+        <inkml:channelProperties>
+          <inkml:channelProperty channel="X" name="resolution" value="1000" units="1/cm"/>
+          <inkml:channelProperty channel="Y" name="resolution" value="1000" units="1/cm"/>
+          <inkml:channelProperty channel="F" name="resolution" value="0" units="1/dev"/>
+        </inkml:channelProperties>
+      </inkml:inkSource>
+      <inkml:timestamp xml:id="ts0" timeString="2023-04-07T15:02:33.985"/>
+    </inkml:context>
+    <inkml:brush xml:id="br0">
+      <inkml:brushProperty name="width" value="0.2" units="cm"/>
+      <inkml:brushProperty name="height" value="0.2" units="cm"/>
+      <inkml:brushProperty name="color" value="#E71224"/>
+    </inkml:brush>
+  </inkml:definitions>
+  <inkml:trace contextRef="#ctx0" brushRef="#br0">434 0 24575,'2'814'-195,"-7"1087"-4232,-55-439 3173,-47 10-252,-40 807 202,126-1631 987,9-84-949,8-96 980,1-91 410,-13-98 261,12-230 324,-13 57-1,6-77-396,11-29-310,-1 0-1,1 1 1,0-1-1,0 0 1,0 1-1,0-1 1,-1 0-1,1 0 1,0 1-1,0-1 1,-1 0-1,1 0 1,0 0-1,0 1 1,-1-1-1,1 0 1,0 0-1,0 0 1,-1 0-1,1 0 1,0 0-1,-1 1 1,1-1 0,0 0-1,-1 0 1,1 0-1,0 0 1,-1 0-1,1 0 1,0 0-1,-1 0 1,1 0-1,0 0 1,-1-1-1,1 1 1,-1 0-1,-1-3 7,0 0 0,0 0-1,0 0 1,0 0 0,0 0-1,1 0 1,-1-1 0,-1-6-1,3 10-7</inkml:trace>
+</inkml:ink>
+</file>
+
+<file path=ppt/ink/ink10.xml><?xml version="1.0" encoding="utf-8"?>
+<inkml:ink xmlns:inkml="http://www.w3.org/2003/InkML">
+  <inkml:definitions>
+    <inkml:context xml:id="ctx0">
+      <inkml:inkSource xml:id="inkSrc0">
+        <inkml:traceFormat>
+          <inkml:channel name="X" type="integer" min="-2.14748E9" max="2.14748E9" units="cm"/>
+          <inkml:channel name="Y" type="integer" min="-2.14748E9" max="2.14748E9" units="cm"/>
+          <inkml:channel name="F" type="integer" max="32767" units="dev"/>
+        </inkml:traceFormat>
+        <inkml:channelProperties>
+          <inkml:channelProperty channel="X" name="resolution" value="1000" units="1/cm"/>
+          <inkml:channelProperty channel="Y" name="resolution" value="1000" units="1/cm"/>
+          <inkml:channelProperty channel="F" name="resolution" value="0" units="1/dev"/>
+        </inkml:channelProperties>
+      </inkml:inkSource>
+      <inkml:timestamp xml:id="ts0" timeString="2023-04-07T15:02:46.177"/>
+    </inkml:context>
+    <inkml:brush xml:id="br0">
+      <inkml:brushProperty name="width" value="0.2" units="cm"/>
+      <inkml:brushProperty name="height" value="0.2" units="cm"/>
+      <inkml:brushProperty name="color" value="#E71224"/>
+    </inkml:brush>
+  </inkml:definitions>
+  <inkml:trace contextRef="#ctx0" brushRef="#br0">437 1 24575,'-35'-1'0,"0"3"0,-43 6 0,66-6 0,-1 1 0,1 1 0,0 0 0,0 1 0,0 0 0,1 0 0,-1 2 0,1-1 0,-14 12 0,11-6 0,1 1 0,-1 0 0,2 1 0,0 1 0,1 0 0,0 0 0,1 1 0,1 0 0,1 1 0,0 0 0,-11 34 0,16-38 0,-1 1 0,1-1 0,1 1 0,0-1 0,1 1 0,1 0 0,0 0 0,1-1 0,0 1 0,1 0 0,1-1 0,0 0 0,1 1 0,0-1 0,1 0 0,11 21 0,-4-15 0,2 0 0,0-1 0,1 0 0,0-1 0,2-1 0,0 0 0,0-2 0,2 0 0,-1 0 0,2-2 0,0-1 0,0 0 0,1-1 0,1-2 0,42 13 0,-1-8 0,0-1 0,0-4 0,1-3 0,95-3 0,-131-2 0,1-1 0,-1-2 0,0-1 0,0-1 0,40-13 0,-61 16 0,-1-1 0,1 0 0,0 0 0,-1-1 0,0 0 0,0 0 0,0 0 0,0-1 0,-1 0 0,0 0 0,8-10 0,-10 11 0,0-1 0,-1 0 0,0 1 0,0-1 0,0 0 0,-1 0 0,0 0 0,1 0 0,-2 0 0,1-1 0,-1 1 0,0 0 0,0 0 0,0 0 0,0-1 0,-1 1 0,0 0 0,-3-7 0,0 0 0,0 1 0,-1 0 0,0 1 0,-1-1 0,-1 1 0,1 0 0,-1 1 0,-1 0 0,0 0 0,0 0 0,-1 1 0,0 0 0,-17-11 0,1 3 0,0 1 0,-1 0 0,-1 2 0,-39-13 0,-28-4-55,51 17-273,1-1 1,1-2-1,-65-34 1,27-3-6499</inkml:trace>
+</inkml:ink>
+</file>
+
+<file path=ppt/ink/ink11.xml><?xml version="1.0" encoding="utf-8"?>
+<inkml:ink xmlns:inkml="http://www.w3.org/2003/InkML">
+  <inkml:definitions>
+    <inkml:context xml:id="ctx0">
+      <inkml:inkSource xml:id="inkSrc0">
+        <inkml:traceFormat>
+          <inkml:channel name="X" type="integer" min="-2.14748E9" max="2.14748E9" units="cm"/>
+          <inkml:channel name="Y" type="integer" min="-2.14748E9" max="2.14748E9" units="cm"/>
+          <inkml:channel name="F" type="integer" max="32767" units="dev"/>
+        </inkml:traceFormat>
+        <inkml:channelProperties>
+          <inkml:channelProperty channel="X" name="resolution" value="1000" units="1/cm"/>
+          <inkml:channelProperty channel="Y" name="resolution" value="1000" units="1/cm"/>
+          <inkml:channelProperty channel="F" name="resolution" value="0" units="1/dev"/>
+        </inkml:channelProperties>
+      </inkml:inkSource>
+      <inkml:timestamp xml:id="ts0" timeString="2023-04-07T15:02:48.544"/>
+    </inkml:context>
+    <inkml:brush xml:id="br0">
+      <inkml:brushProperty name="width" value="0.2" units="cm"/>
+      <inkml:brushProperty name="height" value="0.2" units="cm"/>
+      <inkml:brushProperty name="color" value="#E71224"/>
+    </inkml:brush>
+  </inkml:definitions>
+  <inkml:trace contextRef="#ctx0" brushRef="#br0">437 1 24575,'0'19'0,"-19"26"0,-6 25 0,0 19 0,-14 14 0,0 9 0,6 5 0,-11 2 0,2-1 0,9 0 0,9-1 0,9-1 0,-12-21 0,-2-6 0,5 0 0,5-14-8191</inkml:trace>
+</inkml:ink>
+</file>
+
+<file path=ppt/ink/ink12.xml><?xml version="1.0" encoding="utf-8"?>
+<inkml:ink xmlns:inkml="http://www.w3.org/2003/InkML">
+  <inkml:definitions>
+    <inkml:context xml:id="ctx0">
+      <inkml:inkSource xml:id="inkSrc0">
+        <inkml:traceFormat>
+          <inkml:channel name="X" type="integer" min="-2.14748E9" max="2.14748E9" units="cm"/>
+          <inkml:channel name="Y" type="integer" min="-2.14748E9" max="2.14748E9" units="cm"/>
+          <inkml:channel name="F" type="integer" max="32767" units="dev"/>
+        </inkml:traceFormat>
+        <inkml:channelProperties>
+          <inkml:channelProperty channel="X" name="resolution" value="1000" units="1/cm"/>
+          <inkml:channelProperty channel="Y" name="resolution" value="1000" units="1/cm"/>
+          <inkml:channelProperty channel="F" name="resolution" value="0" units="1/dev"/>
+        </inkml:channelProperties>
+      </inkml:inkSource>
+      <inkml:timestamp xml:id="ts0" timeString="2023-04-07T15:02:51.457"/>
+    </inkml:context>
+    <inkml:brush xml:id="br0">
+      <inkml:brushProperty name="width" value="0.2" units="cm"/>
+      <inkml:brushProperty name="height" value="0.2" units="cm"/>
+      <inkml:brushProperty name="color" value="#E71224"/>
+    </inkml:brush>
+  </inkml:definitions>
+  <inkml:trace contextRef="#ctx0" brushRef="#br0">304 1 24575,'0'19'0,"0"26"0,0 25 0,0 19 0,0 14 0,0 9 0,-19 5 0,-7 2 0,2-1 0,4 0 0,-13-20 0,-2-8 0,6 0 0,8 5 0,7 4 0,-14 6 0,-1 4 0,4-17-8191</inkml:trace>
+</inkml:ink>
+</file>
+
+<file path=ppt/ink/ink13.xml><?xml version="1.0" encoding="utf-8"?>
+<inkml:ink xmlns:inkml="http://www.w3.org/2003/InkML">
+  <inkml:definitions>
+    <inkml:context xml:id="ctx0">
+      <inkml:inkSource xml:id="inkSrc0">
+        <inkml:traceFormat>
+          <inkml:channel name="X" type="integer" min="-2.14748E9" max="2.14748E9" units="cm"/>
+          <inkml:channel name="Y" type="integer" min="-2.14748E9" max="2.14748E9" units="cm"/>
+          <inkml:channel name="F" type="integer" max="32767" units="dev"/>
+        </inkml:traceFormat>
+        <inkml:channelProperties>
+          <inkml:channelProperty channel="X" name="resolution" value="1000" units="1/cm"/>
+          <inkml:channelProperty channel="Y" name="resolution" value="1000" units="1/cm"/>
+          <inkml:channelProperty channel="F" name="resolution" value="0" units="1/dev"/>
+        </inkml:channelProperties>
+      </inkml:inkSource>
+      <inkml:timestamp xml:id="ts0" timeString="2023-04-07T15:03:35.992"/>
+    </inkml:context>
+    <inkml:brush xml:id="br0">
+      <inkml:brushProperty name="width" value="0.05" units="cm"/>
+      <inkml:brushProperty name="height" value="0.05" units="cm"/>
+      <inkml:brushProperty name="color" value="#E71224"/>
+    </inkml:brush>
+  </inkml:definitions>
+  <inkml:trace contextRef="#ctx0" brushRef="#br0">1725 0 24575,'-1259'0'0,"1221"0"0,0 2 0,0 1 0,0 2 0,-40 10 0,66-12 0,1 0 0,-1 1 0,1 0 0,0 1 0,0 0 0,0 1 0,0 1 0,1-1 0,0 1 0,1 1 0,0 0 0,0 0 0,0 1 0,1 0 0,1 1 0,-14 20 0,12-11 0,1 1 0,1 0 0,0 1 0,2-1 0,0 1 0,-3 41 0,3 132 0,6-170 0,-1 10 0,2 1 0,11 54 0,-9-73 0,0 0 0,1 0 0,1 0 0,0-1 0,1 0 0,1-1 0,16 24 0,-2-11 0,1-1 0,1 0 0,2-2 0,0-1 0,2-1 0,0-1 0,1-1 0,1-2 0,57 25 0,17-1 0,186 47 0,-229-72 0,64 15 0,1-5 0,2-5 0,256 9 0,405-34 0,-214-2 0,653 5 0,-1188 1 0,0-2 0,1-3 0,-1 0 0,63-17 0,-91 17 0,0 0 0,0-1 0,0 0 0,-1-1 0,0 0 0,0-1 0,0 0 0,11-11 0,-16 13 0,-1-1 0,1-1 0,-1 1 0,0-1 0,-1 1 0,0-1 0,0-1 0,0 1 0,-1-1 0,0 1 0,0-1 0,-1 0 0,3-16 0,-4 17 0,-1-1 0,1 1 0,-1-1 0,0 0 0,-1 1 0,0-1 0,0 1 0,-1-1 0,0 1 0,0-1 0,0 1 0,-1 0 0,0 0 0,-1 0 0,0 1 0,0-1 0,0 1 0,0 0 0,-1 0 0,0 0 0,-1 1 0,1 0 0,-1 0 0,-12-8 0,-10-4 0,0 1 0,-1 2 0,-1 1 0,-48-15 0,60 22 0,-219-55 0,25 9 0,-173-81 0,248 94 0,-31-11 0,109 28 0,-1 2 0,-1 3 0,-1 3 0,-70-8 0,78 17 0,-73-18 0,102 16 0,0 0 0,1-2 0,0-1 0,1-1 0,-27-16 0,21 8 0,-1 2 0,-1 1 0,0 1 0,-1 1 0,-49-12 0,-365-99 0,241 64-1365,111 33-5461</inkml:trace>
+</inkml:ink>
+</file>
+
+<file path=ppt/ink/ink14.xml><?xml version="1.0" encoding="utf-8"?>
+<inkml:ink xmlns:inkml="http://www.w3.org/2003/InkML">
+  <inkml:definitions>
+    <inkml:context xml:id="ctx0">
+      <inkml:inkSource xml:id="inkSrc0">
+        <inkml:traceFormat>
+          <inkml:channel name="X" type="integer" min="-2.14748E9" max="2.14748E9" units="cm"/>
+          <inkml:channel name="Y" type="integer" min="-2.14748E9" max="2.14748E9" units="cm"/>
+          <inkml:channel name="F" type="integer" max="32767" units="dev"/>
+        </inkml:traceFormat>
+        <inkml:channelProperties>
+          <inkml:channelProperty channel="X" name="resolution" value="1000" units="1/cm"/>
+          <inkml:channelProperty channel="Y" name="resolution" value="1000" units="1/cm"/>
+          <inkml:channelProperty channel="F" name="resolution" value="0" units="1/dev"/>
+        </inkml:channelProperties>
+      </inkml:inkSource>
+      <inkml:timestamp xml:id="ts0" timeString="2023-04-07T15:03:36.952"/>
+    </inkml:context>
+    <inkml:brush xml:id="br0">
+      <inkml:brushProperty name="width" value="0.05" units="cm"/>
+      <inkml:brushProperty name="height" value="0.05" units="cm"/>
+      <inkml:brushProperty name="color" value="#E71224"/>
+    </inkml:brush>
+  </inkml:definitions>
+  <inkml:trace contextRef="#ctx0" brushRef="#br0">0 0 24575,'557'0'0,"-508"2"0,1 2 0,0 1 0,-1 3 0,62 19 0,-28-6 0,-1-4 0,148 12 0,130 20 0,-67-5 0,638-17 0,-864-28 0,90 8 0,303 51 0,-281-33 0,211 1 0,181-28 0,-257-2 0,-184 4-1365,-20-1-5461</inkml:trace>
+</inkml:ink>
+</file>
+
+<file path=ppt/ink/ink15.xml><?xml version="1.0" encoding="utf-8"?>
+<inkml:ink xmlns:inkml="http://www.w3.org/2003/InkML">
+  <inkml:definitions>
+    <inkml:context xml:id="ctx0">
+      <inkml:inkSource xml:id="inkSrc0">
+        <inkml:traceFormat>
+          <inkml:channel name="X" type="integer" min="-2.14748E9" max="2.14748E9" units="cm"/>
+          <inkml:channel name="Y" type="integer" min="-2.14748E9" max="2.14748E9" units="cm"/>
+          <inkml:channel name="F" type="integer" max="32767" units="dev"/>
+        </inkml:traceFormat>
+        <inkml:channelProperties>
+          <inkml:channelProperty channel="X" name="resolution" value="1000" units="1/cm"/>
+          <inkml:channelProperty channel="Y" name="resolution" value="1000" units="1/cm"/>
+          <inkml:channelProperty channel="F" name="resolution" value="0" units="1/dev"/>
+        </inkml:channelProperties>
+      </inkml:inkSource>
+      <inkml:timestamp xml:id="ts0" timeString="2023-04-07T15:03:37.720"/>
+    </inkml:context>
+    <inkml:brush xml:id="br0">
+      <inkml:brushProperty name="width" value="0.05" units="cm"/>
+      <inkml:brushProperty name="height" value="0.05" units="cm"/>
+      <inkml:brushProperty name="color" value="#E71224"/>
+    </inkml:brush>
+  </inkml:definitions>
+  <inkml:trace contextRef="#ctx0" brushRef="#br0">1 1 24575,'4667'0'-1365,"-4570"0"-5461</inkml:trace>
+</inkml:ink>
+</file>
+
+<file path=ppt/ink/ink16.xml><?xml version="1.0" encoding="utf-8"?>
+<inkml:ink xmlns:inkml="http://www.w3.org/2003/InkML">
+  <inkml:definitions>
+    <inkml:context xml:id="ctx0">
+      <inkml:inkSource xml:id="inkSrc0">
+        <inkml:traceFormat>
+          <inkml:channel name="X" type="integer" min="-2.14748E9" max="2.14748E9" units="cm"/>
+          <inkml:channel name="Y" type="integer" min="-2.14748E9" max="2.14748E9" units="cm"/>
+          <inkml:channel name="F" type="integer" max="32767" units="dev"/>
+        </inkml:traceFormat>
+        <inkml:channelProperties>
+          <inkml:channelProperty channel="X" name="resolution" value="1000" units="1/cm"/>
+          <inkml:channelProperty channel="Y" name="resolution" value="1000" units="1/cm"/>
+          <inkml:channelProperty channel="F" name="resolution" value="0" units="1/dev"/>
+        </inkml:channelProperties>
+      </inkml:inkSource>
+      <inkml:timestamp xml:id="ts0" timeString="2023-04-07T15:03:38.688"/>
+    </inkml:context>
+    <inkml:brush xml:id="br0">
+      <inkml:brushProperty name="width" value="0.05" units="cm"/>
+      <inkml:brushProperty name="height" value="0.05" units="cm"/>
+      <inkml:brushProperty name="color" value="#E71224"/>
+    </inkml:brush>
+  </inkml:definitions>
+  <inkml:trace contextRef="#ctx0" brushRef="#br0">0 0 24575,'2445'0'0,"-2358"2"0,0 3 0,169 34 0,-127-14 0,232 17 0,123 15 134,-120-8-1633,-260-40-5327</inkml:trace>
+</inkml:ink>
+</file>
+
+<file path=ppt/ink/ink17.xml><?xml version="1.0" encoding="utf-8"?>
+<inkml:ink xmlns:inkml="http://www.w3.org/2003/InkML">
+  <inkml:definitions>
+    <inkml:context xml:id="ctx0">
+      <inkml:inkSource xml:id="inkSrc0">
+        <inkml:traceFormat>
+          <inkml:channel name="X" type="integer" min="-2.14748E9" max="2.14748E9" units="cm"/>
+          <inkml:channel name="Y" type="integer" min="-2.14748E9" max="2.14748E9" units="cm"/>
+          <inkml:channel name="F" type="integer" max="32767" units="dev"/>
+        </inkml:traceFormat>
+        <inkml:channelProperties>
+          <inkml:channelProperty channel="X" name="resolution" value="1000" units="1/cm"/>
+          <inkml:channelProperty channel="Y" name="resolution" value="1000" units="1/cm"/>
+          <inkml:channelProperty channel="F" name="resolution" value="0" units="1/dev"/>
+        </inkml:channelProperties>
+      </inkml:inkSource>
+      <inkml:timestamp xml:id="ts0" timeString="2023-04-07T15:03:42.625"/>
+    </inkml:context>
+    <inkml:brush xml:id="br0">
+      <inkml:brushProperty name="width" value="0.05" units="cm"/>
+      <inkml:brushProperty name="height" value="0.05" units="cm"/>
+      <inkml:brushProperty name="color" value="#E71224"/>
+    </inkml:brush>
+  </inkml:definitions>
+  <inkml:trace contextRef="#ctx0" brushRef="#br0">397 0 24575,'0'1331'0,"-17"-1001"0,14-310 0,1 0 0,1 0 0,1 0 0,0-1 0,2 1 0,0 0 0,1 0 0,10 30 0,-12-47 0,0-1 0,-1 1 0,2-1 0,-1 0 0,0 0 0,0 0 0,1 0 0,-1 0 0,1 0 0,0 0 0,-1 0 0,1 0 0,0-1 0,0 1 0,0-1 0,0 1 0,1-1 0,-1 0 0,0 0 0,0 0 0,1 0 0,-1 0 0,1-1 0,-1 1 0,1-1 0,-1 1 0,1-1 0,-1 0 0,5 0 0,3-2 0,0 0 0,0-1 0,-1 0 0,1-1 0,-1 0 0,10-5 0,-2 1 0,48-20 0,2 4 0,1 2 0,110-20 0,222-12 0,-185 28 0,780-76-701,-631 69 548,1717-36 153,-971 71 854,-1082-1-854,0-2 0,0-1 0,0-1 0,45-11 0,-65 12 0,1-1 0,-1 0 0,0-1 0,0 1 0,-1-2 0,1 1 0,-1-1 0,0 0 0,0-1 0,-1 1 0,1-1 0,-1-1 0,0 1 0,-1-1 0,0 0 0,0 0 0,0-1 0,-1 0 0,4-9 0,-2 0 0,-1 0 0,-1 0 0,-1 0 0,0-1 0,-2 1 0,0-1 0,0 1 0,-2-1 0,0 1 0,-1-1 0,-5-17 0,-7-31 0,-36-93 0,46 146 0,-42-112 0,-81-159 0,117 264 0,-2 0 0,0 1 0,-1 1 0,0 0 0,-2 1 0,0 0 0,-30-24 0,30 30 0,0 1 0,0 0 0,-2 1 0,1 0 0,-1 2 0,0 0 0,0 1 0,-1 0 0,-32-4 0,-31 1 0,0 4 0,-1 4 0,-101 11 0,42-2 0,-357-2 0,-63 3 0,127 42 0,55-4 0,-649-32 0,623-19 0,-158 4 0,477 5 0,0 3 0,-141 34 0,-57 6 0,-17-37 0,36-3 0,242-5-682,-47 10-1,-3 11-6143</inkml:trace>
+</inkml:ink>
+</file>
+
+<file path=ppt/ink/ink18.xml><?xml version="1.0" encoding="utf-8"?>
+<inkml:ink xmlns:inkml="http://www.w3.org/2003/InkML">
+  <inkml:definitions>
+    <inkml:context xml:id="ctx0">
+      <inkml:inkSource xml:id="inkSrc0">
+        <inkml:traceFormat>
+          <inkml:channel name="X" type="integer" min="-2.14748E9" max="2.14748E9" units="cm"/>
+          <inkml:channel name="Y" type="integer" min="-2.14748E9" max="2.14748E9" units="cm"/>
+          <inkml:channel name="F" type="integer" max="32767" units="dev"/>
+        </inkml:traceFormat>
+        <inkml:channelProperties>
+          <inkml:channelProperty channel="X" name="resolution" value="1000" units="1/cm"/>
+          <inkml:channelProperty channel="Y" name="resolution" value="1000" units="1/cm"/>
+          <inkml:channelProperty channel="F" name="resolution" value="0" units="1/dev"/>
+        </inkml:channelProperties>
+      </inkml:inkSource>
+      <inkml:timestamp xml:id="ts0" timeString="2023-04-07T15:03:46.960"/>
+    </inkml:context>
+    <inkml:brush xml:id="br0">
+      <inkml:brushProperty name="width" value="0.05" units="cm"/>
+      <inkml:brushProperty name="height" value="0.05" units="cm"/>
+      <inkml:brushProperty name="color" value="#E71224"/>
+    </inkml:brush>
+  </inkml:definitions>
+  <inkml:trace contextRef="#ctx0" brushRef="#br0">465 1 24575,'-1'10'0,"0"0"0,-1 0 0,0 0 0,-1 0 0,0-1 0,-1 1 0,-6 13 0,-8 22 0,-120 371 0,86-290 0,-12 37 0,38-77 0,-10 25 0,6 2 0,-17 123 0,20 218 0,32 4 0,0-132 0,-5 861-1365,0-1238-5461</inkml:trace>
+</inkml:ink>
+</file>
+
+<file path=ppt/ink/ink19.xml><?xml version="1.0" encoding="utf-8"?>
+<inkml:ink xmlns:inkml="http://www.w3.org/2003/InkML">
+  <inkml:definitions>
+    <inkml:context xml:id="ctx0">
+      <inkml:inkSource xml:id="inkSrc0">
+        <inkml:traceFormat>
+          <inkml:channel name="X" type="integer" min="-2.14748E9" max="2.14748E9" units="cm"/>
+          <inkml:channel name="Y" type="integer" min="-2.14748E9" max="2.14748E9" units="cm"/>
+          <inkml:channel name="F" type="integer" max="32767" units="dev"/>
+        </inkml:traceFormat>
+        <inkml:channelProperties>
+          <inkml:channelProperty channel="X" name="resolution" value="1000" units="1/cm"/>
+          <inkml:channelProperty channel="Y" name="resolution" value="1000" units="1/cm"/>
+          <inkml:channelProperty channel="F" name="resolution" value="0" units="1/dev"/>
+        </inkml:channelProperties>
+      </inkml:inkSource>
+      <inkml:timestamp xml:id="ts0" timeString="2023-04-07T15:03:50.305"/>
+    </inkml:context>
+    <inkml:brush xml:id="br0">
+      <inkml:brushProperty name="width" value="0.05" units="cm"/>
+      <inkml:brushProperty name="height" value="0.05" units="cm"/>
+      <inkml:brushProperty name="color" value="#E71224"/>
+    </inkml:brush>
+  </inkml:definitions>
+  <inkml:trace contextRef="#ctx0" brushRef="#br0">263 1 24575,'7185'0'0,"-7183"0"0,35-1 0,0 2 0,1 2 0,56 11 0,-85-12 0,-1 0 0,1 0 0,-1 1 0,1 0 0,-1 1 0,0 0 0,-1 0 0,1 0 0,-1 1 0,1 0 0,-1 1 0,-1 0 0,1 0 0,-1 0 0,0 1 0,-1 0 0,0 0 0,0 0 0,0 1 0,6 14 0,-6-7 0,0 1 0,-2-1 0,0 1 0,0 0 0,-2-1 0,0 24 0,-11 99 0,6-105 0,-57 308 0,12-94 0,-154 762 0,167-855 0,-18 63 0,26-116 0,4 2 0,5 0 0,-11 193 0,28-132 0,3-74 0,-22 175 0,19-251 0,-7 43 0,-2-1 0,-2 0 0,-37 94 0,43-135 0,0 0 0,-1 0 0,0-1 0,-2 0 0,1-1 0,-2 0 0,0 0 0,0-1 0,-1-1 0,0 0 0,-1 0 0,-1-1 0,1-1 0,-2 0 0,1-1 0,-1-1 0,-26 10 0,5-7 0,0-1 0,-1-2 0,1-1 0,-59 1 0,-153-13 0,169 2 0,-721-11 0,669 21 0,-248 45 0,-33 4 0,-374-49 0,443-10 0,-2651 4 0,2987 0 0,-42 1 0,0-2 0,-1-2 0,1-2 0,-62-15 0,99 17 0,0-1 0,0 0 0,0-1 0,0 0 0,1-1 0,0 0 0,0-1 0,0 0 0,1-1 0,0 0 0,0 0 0,1-1 0,0-1 0,1 1 0,0-1 0,1-1 0,0 1 0,0-1 0,1-1 0,0 1 0,-7-23 0,5 2 0,0-1 0,2 0 0,1 0 0,0-58 0,6 25 0,14-94 0,1 69-341,3 1 0,5 1-1,44-107 1,-27 97-6485</inkml:trace>
+</inkml:ink>
+</file>
+
+<file path=ppt/ink/ink2.xml><?xml version="1.0" encoding="utf-8"?>
+<inkml:ink xmlns:inkml="http://www.w3.org/2003/InkML">
+  <inkml:definitions>
+    <inkml:context xml:id="ctx0">
+      <inkml:inkSource xml:id="inkSrc0">
+        <inkml:traceFormat>
+          <inkml:channel name="X" type="integer" min="-2.14748E9" max="2.14748E9" units="cm"/>
+          <inkml:channel name="Y" type="integer" min="-2.14748E9" max="2.14748E9" units="cm"/>
+          <inkml:channel name="F" type="integer" max="32767" units="dev"/>
+        </inkml:traceFormat>
+        <inkml:channelProperties>
+          <inkml:channelProperty channel="X" name="resolution" value="1000" units="1/cm"/>
+          <inkml:channelProperty channel="Y" name="resolution" value="1000" units="1/cm"/>
+          <inkml:channelProperty channel="F" name="resolution" value="0" units="1/dev"/>
+        </inkml:channelProperties>
+      </inkml:inkSource>
+      <inkml:timestamp xml:id="ts0" timeString="2023-04-07T15:02:35.873"/>
+    </inkml:context>
+    <inkml:brush xml:id="br0">
+      <inkml:brushProperty name="width" value="0.2" units="cm"/>
+      <inkml:brushProperty name="height" value="0.2" units="cm"/>
+      <inkml:brushProperty name="color" value="#E71224"/>
+    </inkml:brush>
+  </inkml:definitions>
+  <inkml:trace contextRef="#ctx0" brushRef="#br0">1672 1 24575,'-7'143'0,"-6"1"0,-33 141 0,22-144 0,-243 1328-1779,9-39-540,36 10 1940,184-1189 463,-69 559-349,51 5-336,53-718 1234,-4-1 0,-24 121 0,7-79 377,-8 207-1,26 140 332,2-399-1341,-3 0 0,-34 146 0,-6 48 0,36 24 0,4-39 0,5-245 0,-1-1 0,0 1 0,-1-1 0,-1 0 0,-1 0 0,-1 0 0,0-1 0,-13 22 0,16-33 0,0 0 0,-1 0 0,0 0 0,0-1 0,-1 0 0,0 0 0,0 0 0,0-1 0,0 0 0,-1 0 0,0 0 0,0-1 0,0 0 0,-1 0 0,0-1 0,1 0 0,-1 0 0,0-1 0,0 0 0,-1-1 0,1 1 0,-10-1 0,4-1-227,0-1-1,0-1 1,1 0-1,-1-1 1,-16-5-1,-64-29-6598</inkml:trace>
+</inkml:ink>
+</file>
+
+<file path=ppt/ink/ink20.xml><?xml version="1.0" encoding="utf-8"?>
+<inkml:ink xmlns:inkml="http://www.w3.org/2003/InkML">
+  <inkml:definitions>
+    <inkml:context xml:id="ctx0">
+      <inkml:inkSource xml:id="inkSrc0">
+        <inkml:traceFormat>
+          <inkml:channel name="X" type="integer" min="-2.14748E9" max="2.14748E9" units="cm"/>
+          <inkml:channel name="Y" type="integer" min="-2.14748E9" max="2.14748E9" units="cm"/>
+          <inkml:channel name="F" type="integer" max="32767" units="dev"/>
+        </inkml:traceFormat>
+        <inkml:channelProperties>
+          <inkml:channelProperty channel="X" name="resolution" value="1000" units="1/cm"/>
+          <inkml:channelProperty channel="Y" name="resolution" value="1000" units="1/cm"/>
+          <inkml:channelProperty channel="F" name="resolution" value="0" units="1/dev"/>
+        </inkml:channelProperties>
+      </inkml:inkSource>
+      <inkml:timestamp xml:id="ts0" timeString="2023-04-07T15:03:54.602"/>
+    </inkml:context>
+    <inkml:brush xml:id="br0">
+      <inkml:brushProperty name="width" value="0.05" units="cm"/>
+      <inkml:brushProperty name="height" value="0.05" units="cm"/>
+      <inkml:brushProperty name="color" value="#E71224"/>
+    </inkml:brush>
+  </inkml:definitions>
+  <inkml:trace contextRef="#ctx0" brushRef="#br0">215 2 24575,'-1'-1'0,"1"1"0,-1 0 0,0 0 0,0 0 0,1 0 0,-1 0 0,0 0 0,0 0 0,1 0 0,-1 0 0,0 1 0,0-1 0,1 0 0,-1 0 0,0 1 0,1-1 0,-1 0 0,0 1 0,1-1 0,-1 1 0,1-1 0,-1 1 0,1-1 0,-1 1 0,1-1 0,-1 1 0,1 0 0,-1-1 0,1 1 0,0-1 0,-1 2 0,1 0 0,0-1 0,0 1 0,0 0 0,0-1 0,1 1 0,-1 0 0,1-1 0,-1 1 0,1 0 0,-1-1 0,1 1 0,0-1 0,1 3 0,38 48 0,-38-50 0,21 22 0,2-1 0,0-1 0,2-1 0,0-1 0,1-1 0,58 28 0,195 61 0,-71-31 0,-169-59 0,0 1 0,72 48 0,-102-59 0,1 1 0,-1 0 0,0 0 0,-1 1 0,0 1 0,12 16 0,-19-22 0,-1-1 0,1 0 0,-1 0 0,0 1 0,0-1 0,0 1 0,-1 0 0,1 0 0,-1-1 0,0 1 0,-1 0 0,1 0 0,-1 0 0,0 0 0,0 0 0,-1 0 0,1 0 0,-1 0 0,0 0 0,0-1 0,-1 1 0,-2 5 0,-1-1 0,0 0 0,-1 0 0,-1-1 0,1 0 0,-1 0 0,-1 0 0,1-1 0,-1 0 0,-1-1 0,1 0 0,-1 0 0,0-1 0,0 0 0,-1 0 0,1-1 0,-16 4 0,-11 3 0,-1-1 0,0-2 0,-47 4 0,-66-1 0,-203-13 0,253-1 0,61 3 60,-69-11-1,96 8-194,1 1 1,-1-1-1,1-1 0,0 0 0,0-1 0,0 0 0,0-1 0,1 0 0,0 0 0,-10-10 0,-29-34-6691</inkml:trace>
+</inkml:ink>
+</file>
+
+<file path=ppt/ink/ink21.xml><?xml version="1.0" encoding="utf-8"?>
+<inkml:ink xmlns:inkml="http://www.w3.org/2003/InkML">
+  <inkml:definitions>
+    <inkml:context xml:id="ctx0">
+      <inkml:inkSource xml:id="inkSrc0">
+        <inkml:traceFormat>
+          <inkml:channel name="X" type="integer" min="-2.14748E9" max="2.14748E9" units="cm"/>
+          <inkml:channel name="Y" type="integer" min="-2.14748E9" max="2.14748E9" units="cm"/>
+          <inkml:channel name="F" type="integer" max="32767" units="dev"/>
+        </inkml:traceFormat>
+        <inkml:channelProperties>
+          <inkml:channelProperty channel="X" name="resolution" value="1000" units="1/cm"/>
+          <inkml:channelProperty channel="Y" name="resolution" value="1000" units="1/cm"/>
+          <inkml:channelProperty channel="F" name="resolution" value="0" units="1/dev"/>
+        </inkml:channelProperties>
+      </inkml:inkSource>
+      <inkml:timestamp xml:id="ts0" timeString="2023-04-07T15:03:55.586"/>
+    </inkml:context>
+    <inkml:brush xml:id="br0">
+      <inkml:brushProperty name="width" value="0.05" units="cm"/>
+      <inkml:brushProperty name="height" value="0.05" units="cm"/>
+      <inkml:brushProperty name="color" value="#E71224"/>
+    </inkml:brush>
+  </inkml:definitions>
+  <inkml:trace contextRef="#ctx0" brushRef="#br0">1 119 24575,'19'-20'0,"27"-5"0,23 0 0,21 6 0,13 5 0,9 5 0,5 4 0,1 3 0,1 2 0,-1 1 0,-20 0-8191</inkml:trace>
+</inkml:ink>
+</file>
+
+<file path=ppt/ink/ink22.xml><?xml version="1.0" encoding="utf-8"?>
+<inkml:ink xmlns:inkml="http://www.w3.org/2003/InkML">
+  <inkml:definitions>
+    <inkml:context xml:id="ctx0">
+      <inkml:inkSource xml:id="inkSrc0">
+        <inkml:traceFormat>
+          <inkml:channel name="X" type="integer" min="-2.14748E9" max="2.14748E9" units="cm"/>
+          <inkml:channel name="Y" type="integer" min="-2.14748E9" max="2.14748E9" units="cm"/>
+          <inkml:channel name="F" type="integer" max="32767" units="dev"/>
+        </inkml:traceFormat>
+        <inkml:channelProperties>
+          <inkml:channelProperty channel="X" name="resolution" value="1000" units="1/cm"/>
+          <inkml:channelProperty channel="Y" name="resolution" value="1000" units="1/cm"/>
+          <inkml:channelProperty channel="F" name="resolution" value="0" units="1/dev"/>
+        </inkml:channelProperties>
+      </inkml:inkSource>
+      <inkml:timestamp xml:id="ts0" timeString="2023-04-07T15:03:56.911"/>
+    </inkml:context>
+    <inkml:brush xml:id="br0">
+      <inkml:brushProperty name="width" value="0.05" units="cm"/>
+      <inkml:brushProperty name="height" value="0.05" units="cm"/>
+      <inkml:brushProperty name="color" value="#E71224"/>
+    </inkml:brush>
+  </inkml:definitions>
+  <inkml:trace contextRef="#ctx0" brushRef="#br0">0 0 24575,'20'0'0,"25"0"0,24 0 0,21 0 0,13 0 0,9 0 0,5 0 0,2 0 0,-20 0-8191</inkml:trace>
+</inkml:ink>
+</file>
+
+<file path=ppt/ink/ink23.xml><?xml version="1.0" encoding="utf-8"?>
+<inkml:ink xmlns:inkml="http://www.w3.org/2003/InkML">
+  <inkml:definitions>
+    <inkml:context xml:id="ctx0">
+      <inkml:inkSource xml:id="inkSrc0">
+        <inkml:traceFormat>
+          <inkml:channel name="X" type="integer" min="-2.14748E9" max="2.14748E9" units="cm"/>
+          <inkml:channel name="Y" type="integer" min="-2.14748E9" max="2.14748E9" units="cm"/>
+          <inkml:channel name="F" type="integer" max="32767" units="dev"/>
+        </inkml:traceFormat>
+        <inkml:channelProperties>
+          <inkml:channelProperty channel="X" name="resolution" value="1000" units="1/cm"/>
+          <inkml:channelProperty channel="Y" name="resolution" value="1000" units="1/cm"/>
+          <inkml:channelProperty channel="F" name="resolution" value="0" units="1/dev"/>
+        </inkml:channelProperties>
+      </inkml:inkSource>
+      <inkml:timestamp xml:id="ts0" timeString="2023-04-07T15:03:57.584"/>
+    </inkml:context>
+    <inkml:brush xml:id="br0">
+      <inkml:brushProperty name="width" value="0.05" units="cm"/>
+      <inkml:brushProperty name="height" value="0.05" units="cm"/>
+      <inkml:brushProperty name="color" value="#E71224"/>
+    </inkml:brush>
+  </inkml:definitions>
+  <inkml:trace contextRef="#ctx0" brushRef="#br0">0 0 24575,'0'20'0,"0"24"0,0 26 0,0 19 0,0 15 0,0 8 0,0 5 0,0 1 0,0 1 0,0-1 0,0-21-8191</inkml:trace>
+</inkml:ink>
+</file>
+
+<file path=ppt/ink/ink24.xml><?xml version="1.0" encoding="utf-8"?>
+<inkml:ink xmlns:inkml="http://www.w3.org/2003/InkML">
+  <inkml:definitions>
+    <inkml:context xml:id="ctx0">
+      <inkml:inkSource xml:id="inkSrc0">
+        <inkml:traceFormat>
+          <inkml:channel name="X" type="integer" min="-2.14748E9" max="2.14748E9" units="cm"/>
+          <inkml:channel name="Y" type="integer" min="-2.14748E9" max="2.14748E9" units="cm"/>
+          <inkml:channel name="F" type="integer" max="32767" units="dev"/>
+        </inkml:traceFormat>
+        <inkml:channelProperties>
+          <inkml:channelProperty channel="X" name="resolution" value="1000" units="1/cm"/>
+          <inkml:channelProperty channel="Y" name="resolution" value="1000" units="1/cm"/>
+          <inkml:channelProperty channel="F" name="resolution" value="0" units="1/dev"/>
+        </inkml:channelProperties>
+      </inkml:inkSource>
+      <inkml:timestamp xml:id="ts0" timeString="2023-04-07T15:03:58.103"/>
+    </inkml:context>
+    <inkml:brush xml:id="br0">
+      <inkml:brushProperty name="width" value="0.05" units="cm"/>
+      <inkml:brushProperty name="height" value="0.05" units="cm"/>
+      <inkml:brushProperty name="color" value="#E71224"/>
+    </inkml:brush>
+  </inkml:definitions>
+  <inkml:trace contextRef="#ctx0" brushRef="#br0">0 120 24575,'0'-19'0,"19"-7"0,26 1 0,25 5 0,19 6 0,15 5 0,8 4 0,4 4 0,3 1 0,0 0 0,-1 1 0,-21 1-8191</inkml:trace>
+</inkml:ink>
+</file>
+
+<file path=ppt/ink/ink25.xml><?xml version="1.0" encoding="utf-8"?>
+<inkml:ink xmlns:inkml="http://www.w3.org/2003/InkML">
+  <inkml:definitions>
+    <inkml:context xml:id="ctx0">
+      <inkml:inkSource xml:id="inkSrc0">
+        <inkml:traceFormat>
+          <inkml:channel name="X" type="integer" min="-2.14748E9" max="2.14748E9" units="cm"/>
+          <inkml:channel name="Y" type="integer" min="-2.14748E9" max="2.14748E9" units="cm"/>
+          <inkml:channel name="F" type="integer" max="32767" units="dev"/>
+        </inkml:traceFormat>
+        <inkml:channelProperties>
+          <inkml:channelProperty channel="X" name="resolution" value="1000" units="1/cm"/>
+          <inkml:channelProperty channel="Y" name="resolution" value="1000" units="1/cm"/>
+          <inkml:channelProperty channel="F" name="resolution" value="0" units="1/dev"/>
+        </inkml:channelProperties>
+      </inkml:inkSource>
+      <inkml:timestamp xml:id="ts0" timeString="2023-04-07T15:04:00.561"/>
+    </inkml:context>
+    <inkml:brush xml:id="br0">
+      <inkml:brushProperty name="width" value="0.05" units="cm"/>
+      <inkml:brushProperty name="height" value="0.05" units="cm"/>
+      <inkml:brushProperty name="color" value="#E71224"/>
+    </inkml:brush>
+  </inkml:definitions>
+  <inkml:trace contextRef="#ctx0" brushRef="#br0">1355 119 24575,'0'-3'0,"-1"0"0,1 0 0,-1 0 0,0 0 0,0 0 0,0 0 0,0 0 0,-1 1 0,1-1 0,-1 0 0,0 1 0,0-1 0,1 1 0,-2-1 0,1 1 0,0 0 0,0 0 0,-1 0 0,1 0 0,-1 0 0,1 1 0,-1-1 0,0 1 0,-5-3 0,-8-2 0,0 0 0,-1 1 0,-20-3 0,35 7 0,-62-10 0,-1 2 0,1 3 0,-1 2 0,-1 4 0,1 2 0,0 3 0,1 3 0,-1 3 0,2 3 0,0 2 0,-97 40 0,130-43 0,0 1 0,2 2 0,0 1 0,1 1 0,0 1 0,2 2 0,-39 39 0,55-50 0,0 0 0,0 0 0,2 1 0,-1 0 0,1 1 0,1 0 0,0 0 0,0 0 0,2 1 0,-1-1 0,2 1 0,-1 0 0,2 1 0,0-1 0,0 0 0,2 1 0,-1-1 0,2 1 0,0-1 0,5 26 0,0-17 0,2-1 0,0 0 0,1 0 0,1-1 0,1 0 0,1-1 0,0 0 0,2-1 0,0 0 0,1-1 0,1-1 0,17 15 0,13 5 0,1-1 0,1-2 0,76 37 0,-10-17 0,3-5 0,150 41 0,-74-27 0,-81-25-1365,-13-5-5461</inkml:trace>
+</inkml:ink>
+</file>
+
+<file path=ppt/ink/ink26.xml><?xml version="1.0" encoding="utf-8"?>
+<inkml:ink xmlns:inkml="http://www.w3.org/2003/InkML">
+  <inkml:definitions>
+    <inkml:context xml:id="ctx0">
+      <inkml:inkSource xml:id="inkSrc0">
+        <inkml:traceFormat>
+          <inkml:channel name="X" type="integer" min="-2.14748E9" max="2.14748E9" units="cm"/>
+          <inkml:channel name="Y" type="integer" min="-2.14748E9" max="2.14748E9" units="cm"/>
+          <inkml:channel name="F" type="integer" max="32767" units="dev"/>
+        </inkml:traceFormat>
+        <inkml:channelProperties>
+          <inkml:channelProperty channel="X" name="resolution" value="1000" units="1/cm"/>
+          <inkml:channelProperty channel="Y" name="resolution" value="1000" units="1/cm"/>
+          <inkml:channelProperty channel="F" name="resolution" value="0" units="1/dev"/>
+        </inkml:channelProperties>
+      </inkml:inkSource>
+      <inkml:timestamp xml:id="ts0" timeString="2023-04-07T15:04:01.159"/>
+    </inkml:context>
+    <inkml:brush xml:id="br0">
+      <inkml:brushProperty name="width" value="0.05" units="cm"/>
+      <inkml:brushProperty name="height" value="0.05" units="cm"/>
+      <inkml:brushProperty name="color" value="#E71224"/>
+    </inkml:brush>
+  </inkml:definitions>
+  <inkml:trace contextRef="#ctx0" brushRef="#br0">0 0 24575,'20'0'0,"25"0"0,24 0 0,21 0 0,13 0 0,9 0 0,5 0 0,1 0 0,1 0 0,-20 0-8191</inkml:trace>
+</inkml:ink>
+</file>
+
+<file path=ppt/ink/ink27.xml><?xml version="1.0" encoding="utf-8"?>
+<inkml:ink xmlns:inkml="http://www.w3.org/2003/InkML">
+  <inkml:definitions>
+    <inkml:context xml:id="ctx0">
+      <inkml:inkSource xml:id="inkSrc0">
+        <inkml:traceFormat>
+          <inkml:channel name="X" type="integer" min="-2.14748E9" max="2.14748E9" units="cm"/>
+          <inkml:channel name="Y" type="integer" min="-2.14748E9" max="2.14748E9" units="cm"/>
+          <inkml:channel name="F" type="integer" max="32767" units="dev"/>
+        </inkml:traceFormat>
+        <inkml:channelProperties>
+          <inkml:channelProperty channel="X" name="resolution" value="1000" units="1/cm"/>
+          <inkml:channelProperty channel="Y" name="resolution" value="1000" units="1/cm"/>
+          <inkml:channelProperty channel="F" name="resolution" value="0" units="1/dev"/>
+        </inkml:channelProperties>
+      </inkml:inkSource>
+      <inkml:timestamp xml:id="ts0" timeString="2023-04-07T15:04:01.681"/>
+    </inkml:context>
+    <inkml:brush xml:id="br0">
+      <inkml:brushProperty name="width" value="0.05" units="cm"/>
+      <inkml:brushProperty name="height" value="0.05" units="cm"/>
+      <inkml:brushProperty name="color" value="#E71224"/>
+    </inkml:brush>
+  </inkml:definitions>
+  <inkml:trace contextRef="#ctx0" brushRef="#br0">1 0 24575,'0'19'0,"0"27"0,0 23 0,0 21 0,0 13 0,0 9 0,0 5 0,0 2 0,0-1 0,0 0 0,0-1 0,0-21-8191</inkml:trace>
+</inkml:ink>
+</file>
+
+<file path=ppt/ink/ink28.xml><?xml version="1.0" encoding="utf-8"?>
+<inkml:ink xmlns:inkml="http://www.w3.org/2003/InkML">
+  <inkml:definitions>
+    <inkml:context xml:id="ctx0">
+      <inkml:inkSource xml:id="inkSrc0">
+        <inkml:traceFormat>
+          <inkml:channel name="X" type="integer" min="-2.14748E9" max="2.14748E9" units="cm"/>
+          <inkml:channel name="Y" type="integer" min="-2.14748E9" max="2.14748E9" units="cm"/>
+          <inkml:channel name="F" type="integer" max="32767" units="dev"/>
+        </inkml:traceFormat>
+        <inkml:channelProperties>
+          <inkml:channelProperty channel="X" name="resolution" value="1000" units="1/cm"/>
+          <inkml:channelProperty channel="Y" name="resolution" value="1000" units="1/cm"/>
+          <inkml:channelProperty channel="F" name="resolution" value="0" units="1/dev"/>
+        </inkml:channelProperties>
+      </inkml:inkSource>
+      <inkml:timestamp xml:id="ts0" timeString="2023-04-07T15:04:02.287"/>
+    </inkml:context>
+    <inkml:brush xml:id="br0">
+      <inkml:brushProperty name="width" value="0.05" units="cm"/>
+      <inkml:brushProperty name="height" value="0.05" units="cm"/>
+      <inkml:brushProperty name="color" value="#E71224"/>
+    </inkml:brush>
+  </inkml:definitions>
+  <inkml:trace contextRef="#ctx0" brushRef="#br0">0 0 24575,'20'0'0,"25"0"0,25 0 0,19 0 0,15 0 0,8 0 0,5 0 0,1 0 0,1 0 0,-1 0 0,-1 0 0,-1 0 0,-21 0-8191</inkml:trace>
+</inkml:ink>
+</file>
+
+<file path=ppt/ink/ink29.xml><?xml version="1.0" encoding="utf-8"?>
+<inkml:ink xmlns:inkml="http://www.w3.org/2003/InkML">
+  <inkml:definitions>
+    <inkml:context xml:id="ctx0">
+      <inkml:inkSource xml:id="inkSrc0">
+        <inkml:traceFormat>
+          <inkml:channel name="X" type="integer" min="-2.14748E9" max="2.14748E9" units="cm"/>
+          <inkml:channel name="Y" type="integer" min="-2.14748E9" max="2.14748E9" units="cm"/>
+          <inkml:channel name="F" type="integer" max="32767" units="dev"/>
+        </inkml:traceFormat>
+        <inkml:channelProperties>
+          <inkml:channelProperty channel="X" name="resolution" value="1000" units="1/cm"/>
+          <inkml:channelProperty channel="Y" name="resolution" value="1000" units="1/cm"/>
+          <inkml:channelProperty channel="F" name="resolution" value="0" units="1/dev"/>
+        </inkml:channelProperties>
+      </inkml:inkSource>
+      <inkml:timestamp xml:id="ts0" timeString="2023-04-07T15:04:13.864"/>
+    </inkml:context>
+    <inkml:brush xml:id="br0">
+      <inkml:brushProperty name="width" value="0.05" units="cm"/>
+      <inkml:brushProperty name="height" value="0.05" units="cm"/>
+      <inkml:brushProperty name="color" value="#FFC114"/>
+    </inkml:brush>
+  </inkml:definitions>
+  <inkml:trace contextRef="#ctx0" brushRef="#br0">1390 120 24575,'-11'-9'0,"1"0"0,-1 1 0,-1 0 0,0 1 0,0 1 0,0 0 0,0 0 0,-1 1 0,0 1 0,-15-4 0,-21-2 0,-68-6 0,100 14 0,-525-13 0,502 15 0,3 0 0,0 1 0,0 3 0,-69 14 0,93-15 0,0 1 0,0 1 0,1 0 0,0 1 0,0 0 0,0 1 0,1 0 0,0 0 0,0 2 0,1-1 0,0 1 0,0 1 0,1 0 0,-9 12 0,7-4 0,1 0 0,0 1 0,1 0 0,2 1 0,0 0 0,0 0 0,2 0 0,-4 28 0,5-10 0,0-1 0,3 1 0,5 64 0,-2-86 0,0 1 0,2-1 0,0 0 0,1 0 0,0-1 0,1 0 0,1 1 0,0-2 0,1 1 0,1-1 0,0 0 0,1-1 0,0 0 0,1-1 0,1 0 0,0-1 0,0 0 0,1-1 0,1 0 0,0-1 0,0-1 0,0 0 0,21 8 0,45 17 0,0-3 0,3-4 0,160 28 0,50 0 0,77 8 0,-258-52 0,0-5 0,118-11 0,-207 4-455,0-2 0,25-8 0,25-13-6371</inkml:trace>
+</inkml:ink>
+</file>
+
+<file path=ppt/ink/ink3.xml><?xml version="1.0" encoding="utf-8"?>
+<inkml:ink xmlns:inkml="http://www.w3.org/2003/InkML">
+  <inkml:definitions>
+    <inkml:context xml:id="ctx0">
+      <inkml:inkSource xml:id="inkSrc0">
+        <inkml:traceFormat>
+          <inkml:channel name="X" type="integer" min="-2.14748E9" max="2.14748E9" units="cm"/>
+          <inkml:channel name="Y" type="integer" min="-2.14748E9" max="2.14748E9" units="cm"/>
+          <inkml:channel name="F" type="integer" max="32767" units="dev"/>
+        </inkml:traceFormat>
+        <inkml:channelProperties>
+          <inkml:channelProperty channel="X" name="resolution" value="1000" units="1/cm"/>
+          <inkml:channelProperty channel="Y" name="resolution" value="1000" units="1/cm"/>
+          <inkml:channelProperty channel="F" name="resolution" value="0" units="1/dev"/>
+        </inkml:channelProperties>
+      </inkml:inkSource>
+      <inkml:timestamp xml:id="ts0" timeString="2023-04-07T15:02:37.333"/>
+    </inkml:context>
+    <inkml:brush xml:id="br0">
+      <inkml:brushProperty name="width" value="0.2" units="cm"/>
+      <inkml:brushProperty name="height" value="0.2" units="cm"/>
+      <inkml:brushProperty name="color" value="#E71224"/>
+    </inkml:brush>
+  </inkml:definitions>
+  <inkml:trace contextRef="#ctx0" brushRef="#br0">1 120 24575,'0'-3'0,"0"-1"0,1 1 0,0 0 0,0 0 0,0 0 0,0 1 0,0-1 0,0 0 0,1 0 0,0 0 0,-1 1 0,1-1 0,0 1 0,0-1 0,0 1 0,1 0 0,-1 0 0,0 0 0,1 0 0,0 0 0,-1 1 0,1-1 0,0 1 0,5-2 0,8-4 0,1 2 0,-1 0 0,21-4 0,-35 9 0,64-12 0,123-5 0,77 15 0,-154 3 0,147-1 0,108 1-401,143 1-1203,156-2 657,135 1-1423,3527 0-3531,-4184-1 5932,2601 51-1802,-1350-15 1396,1997 103-71,-947-21 1235,-256-117 1021,-920-6 9375,-1224 6-11640,1 1 0,81 16 0,-31 6-6371</inkml:trace>
+</inkml:ink>
+</file>
+
+<file path=ppt/ink/ink30.xml><?xml version="1.0" encoding="utf-8"?>
+<inkml:ink xmlns:inkml="http://www.w3.org/2003/InkML">
+  <inkml:definitions>
+    <inkml:context xml:id="ctx0">
+      <inkml:inkSource xml:id="inkSrc0">
+        <inkml:traceFormat>
+          <inkml:channel name="X" type="integer" min="-2.14748E9" max="2.14748E9" units="cm"/>
+          <inkml:channel name="Y" type="integer" min="-2.14748E9" max="2.14748E9" units="cm"/>
+          <inkml:channel name="F" type="integer" max="32767" units="dev"/>
+        </inkml:traceFormat>
+        <inkml:channelProperties>
+          <inkml:channelProperty channel="X" name="resolution" value="1000" units="1/cm"/>
+          <inkml:channelProperty channel="Y" name="resolution" value="1000" units="1/cm"/>
+          <inkml:channelProperty channel="F" name="resolution" value="0" units="1/dev"/>
+        </inkml:channelProperties>
+      </inkml:inkSource>
+      <inkml:timestamp xml:id="ts0" timeString="2023-04-07T15:04:14.615"/>
+    </inkml:context>
+    <inkml:brush xml:id="br0">
+      <inkml:brushProperty name="width" value="0.05" units="cm"/>
+      <inkml:brushProperty name="height" value="0.05" units="cm"/>
+      <inkml:brushProperty name="color" value="#FFC114"/>
+    </inkml:brush>
+  </inkml:definitions>
+  <inkml:trace contextRef="#ctx0" brushRef="#br0">1 0 24575,'0'20'0,"0"25"0,0 24 0,0 21 0,0 13 0,0 9 0,0 5 0,0 2 0,0 0 0,0-2 0,0 0 0,0-1 0,0-1 0,0-1 0,0-19-8191</inkml:trace>
+</inkml:ink>
+</file>
+
+<file path=ppt/ink/ink31.xml><?xml version="1.0" encoding="utf-8"?>
+<inkml:ink xmlns:inkml="http://www.w3.org/2003/InkML">
+  <inkml:definitions>
+    <inkml:context xml:id="ctx0">
+      <inkml:inkSource xml:id="inkSrc0">
+        <inkml:traceFormat>
+          <inkml:channel name="X" type="integer" min="-2.14748E9" max="2.14748E9" units="cm"/>
+          <inkml:channel name="Y" type="integer" min="-2.14748E9" max="2.14748E9" units="cm"/>
+          <inkml:channel name="F" type="integer" max="32767" units="dev"/>
+        </inkml:traceFormat>
+        <inkml:channelProperties>
+          <inkml:channelProperty channel="X" name="resolution" value="1000" units="1/cm"/>
+          <inkml:channelProperty channel="Y" name="resolution" value="1000" units="1/cm"/>
+          <inkml:channelProperty channel="F" name="resolution" value="0" units="1/dev"/>
+        </inkml:channelProperties>
+      </inkml:inkSource>
+      <inkml:timestamp xml:id="ts0" timeString="2023-04-07T15:04:15.120"/>
+    </inkml:context>
+    <inkml:brush xml:id="br0">
+      <inkml:brushProperty name="width" value="0.05" units="cm"/>
+      <inkml:brushProperty name="height" value="0.05" units="cm"/>
+      <inkml:brushProperty name="color" value="#FFC114"/>
+    </inkml:brush>
+  </inkml:definitions>
+  <inkml:trace contextRef="#ctx0" brushRef="#br0">0 45 24575,'19'0'0,"26"0"0,25 0 0,19 0 0,14 0 0,9 0 0,5 0 0,2 0 0,0 0 0,-2 0 0,0 0 0,-1 0 0,-1 0 0,-1 0 0,-20-19 0,-25-7-8191</inkml:trace>
+</inkml:ink>
+</file>
+
+<file path=ppt/ink/ink32.xml><?xml version="1.0" encoding="utf-8"?>
+<inkml:ink xmlns:inkml="http://www.w3.org/2003/InkML">
+  <inkml:definitions>
+    <inkml:context xml:id="ctx0">
+      <inkml:inkSource xml:id="inkSrc0">
+        <inkml:traceFormat>
+          <inkml:channel name="X" type="integer" min="-2.14748E9" max="2.14748E9" units="cm"/>
+          <inkml:channel name="Y" type="integer" min="-2.14748E9" max="2.14748E9" units="cm"/>
+          <inkml:channel name="F" type="integer" max="32767" units="dev"/>
+        </inkml:traceFormat>
+        <inkml:channelProperties>
+          <inkml:channelProperty channel="X" name="resolution" value="1000" units="1/cm"/>
+          <inkml:channelProperty channel="Y" name="resolution" value="1000" units="1/cm"/>
+          <inkml:channelProperty channel="F" name="resolution" value="0" units="1/dev"/>
+        </inkml:channelProperties>
+      </inkml:inkSource>
+      <inkml:timestamp xml:id="ts0" timeString="2023-04-07T15:04:15.704"/>
+    </inkml:context>
+    <inkml:brush xml:id="br0">
+      <inkml:brushProperty name="width" value="0.05" units="cm"/>
+      <inkml:brushProperty name="height" value="0.05" units="cm"/>
+      <inkml:brushProperty name="color" value="#FFC114"/>
+    </inkml:brush>
+  </inkml:definitions>
+  <inkml:trace contextRef="#ctx0" brushRef="#br0">0 1 24575,'0'19'0,"0"26"0,0 24 0,0 21 0,0 13 0,0 9 0,0 5 0,0 2 0,0-1 0,0 0 0,0-1 0,0-2 0,0 0 0,0-20-8191</inkml:trace>
+</inkml:ink>
+</file>
+
+<file path=ppt/ink/ink33.xml><?xml version="1.0" encoding="utf-8"?>
+<inkml:ink xmlns:inkml="http://www.w3.org/2003/InkML">
+  <inkml:definitions>
+    <inkml:context xml:id="ctx0">
+      <inkml:inkSource xml:id="inkSrc0">
+        <inkml:traceFormat>
+          <inkml:channel name="X" type="integer" min="-2.14748E9" max="2.14748E9" units="cm"/>
+          <inkml:channel name="Y" type="integer" min="-2.14748E9" max="2.14748E9" units="cm"/>
+          <inkml:channel name="F" type="integer" max="32767" units="dev"/>
+        </inkml:traceFormat>
+        <inkml:channelProperties>
+          <inkml:channelProperty channel="X" name="resolution" value="1000" units="1/cm"/>
+          <inkml:channelProperty channel="Y" name="resolution" value="1000" units="1/cm"/>
+          <inkml:channelProperty channel="F" name="resolution" value="0" units="1/dev"/>
+        </inkml:channelProperties>
+      </inkml:inkSource>
+      <inkml:timestamp xml:id="ts0" timeString="2023-04-07T15:04:21.744"/>
+    </inkml:context>
+    <inkml:brush xml:id="br0">
+      <inkml:brushProperty name="width" value="0.05" units="cm"/>
+      <inkml:brushProperty name="height" value="0.05" units="cm"/>
+      <inkml:brushProperty name="color" value="#FFC114"/>
+    </inkml:brush>
+  </inkml:definitions>
+  <inkml:trace contextRef="#ctx0" brushRef="#br0">1 362 24575,'0'107'0,"20"589"0,42-140 0,39-4 0,-92-514 0,2 0 0,30 71 0,-35-96 0,1 0 0,0-1 0,1 0 0,1 0 0,-1-1 0,2 0 0,-1 0 0,2-1 0,-1-1 0,1 0 0,19 12 0,-11-11 0,0 0 0,1-2 0,0-1 0,0 0 0,0-1 0,1-1 0,33 3 0,154 0 0,-168-9 0,889-25 0,-360-23 0,-27 1 0,1125 20 0,-1632 29 0,688 55 0,-192-6 0,502-35 0,-1018-16 0,16 2 0,0-2 0,-1-2 0,50-9 0,-72 10 0,0-1 0,-1 1 0,1-1 0,-1-1 0,1 0 0,-1 0 0,0 0 0,7-6 0,-11 7 0,0 0 0,1 0 0,-1-1 0,0 0 0,-1 1 0,1-1 0,-1 0 0,1 0 0,-1 0 0,0-1 0,-1 1 0,1 0 0,-1-1 0,0 1 0,1-7 0,-2 4 0,0-1 0,0 0 0,-1 0 0,0 1 0,0-1 0,-1 0 0,0 1 0,-1-1 0,1 1 0,-1 0 0,-1 0 0,1 0 0,-1 0 0,0 1 0,-8-9 0,-11-14 0,-54-51 0,46 50 0,-10-11 0,17 19 0,1-1 0,1-1 0,1-1 0,1-1 0,-25-44 0,15 8 0,4-1 0,2-1 0,3-1 0,3-1 0,-13-95 0,15 26 0,2-234 0,21-202 0,-7 534 0,2-1 0,1 0 0,13-56 0,-11 74 0,0 5 0,-1-1 0,-1 1 0,0-1 0,-1 0 0,-1-32 0,-1 44 0,-1 0 0,0-1 0,0 1 0,0 0 0,-1-1 0,0 1 0,1 0 0,-1 0 0,-1 0 0,1 1 0,0-1 0,-1 0 0,0 1 0,0 0 0,0-1 0,0 1 0,-1 0 0,1 1 0,-1-1 0,0 1 0,1-1 0,-1 1 0,0 0 0,-1 1 0,1-1 0,-6-1 0,-15-4 0,0 1 0,0 1 0,0 1 0,-39 0 0,-108 7 0,105 0 0,-2304 14 0,1528-20 0,278 3 0,463 6 0,1 4 0,-136 31 0,155-25 0,-817 177 0,465-122 0,342-59 0,-131 32 61,115-20-1487,13-5-5400</inkml:trace>
+</inkml:ink>
+</file>
+
+<file path=ppt/ink/ink34.xml><?xml version="1.0" encoding="utf-8"?>
+<inkml:ink xmlns:inkml="http://www.w3.org/2003/InkML">
+  <inkml:definitions>
+    <inkml:context xml:id="ctx0">
+      <inkml:inkSource xml:id="inkSrc0">
+        <inkml:traceFormat>
+          <inkml:channel name="X" type="integer" min="-2.14748E9" max="2.14748E9" units="cm"/>
+          <inkml:channel name="Y" type="integer" min="-2.14748E9" max="2.14748E9" units="cm"/>
+          <inkml:channel name="F" type="integer" max="32767" units="dev"/>
+        </inkml:traceFormat>
+        <inkml:channelProperties>
+          <inkml:channelProperty channel="X" name="resolution" value="1000" units="1/cm"/>
+          <inkml:channelProperty channel="Y" name="resolution" value="1000" units="1/cm"/>
+          <inkml:channelProperty channel="F" name="resolution" value="0" units="1/dev"/>
+        </inkml:channelProperties>
+      </inkml:inkSource>
+      <inkml:timestamp xml:id="ts0" timeString="2023-04-07T15:04:25.711"/>
+    </inkml:context>
+    <inkml:brush xml:id="br0">
+      <inkml:brushProperty name="width" value="0.05" units="cm"/>
+      <inkml:brushProperty name="height" value="0.05" units="cm"/>
+      <inkml:brushProperty name="color" value="#FFC114"/>
+    </inkml:brush>
+  </inkml:definitions>
+  <inkml:trace contextRef="#ctx0" brushRef="#br0">786 3 24575,'-133'-2'0,"-170"7"0,289-4 0,1 1 0,-1 0 0,1 1 0,0 1 0,0 0 0,1 1 0,-1 0 0,1 1 0,0 0 0,-17 12 0,23-13 0,0 0 0,0 0 0,1 0 0,0 1 0,0-1 0,1 1 0,-1 0 0,1 1 0,0-1 0,1 1 0,0 0 0,0 0 0,0 0 0,1 0 0,0 0 0,0 0 0,1 1 0,0-1 0,0 1 0,1 10 0,1-9 0,-1 1 0,1-1 0,1 1 0,0-1 0,0 0 0,1 0 0,0 0 0,1 0 0,0 0 0,0-1 0,9 13 0,-5-10 0,1 0 0,1 0 0,0 0 0,1-1 0,0-1 0,22 15 0,10 1 0,0-3 0,2-2 0,69 23 0,-73-28 0,64 26 0,-45-16 0,64 17 0,46 13 0,9 3 0,-154-52 0,4 1 0,-1 1 0,0 1 0,28 14 0,-54-23 0,1 1 0,-1 0 0,0 0 0,0 0 0,1 0 0,-1 1 0,0-1 0,0 1 0,0-1 0,-1 1 0,1 0 0,0-1 0,0 1 0,-1 0 0,0 0 0,1 0 0,-1 1 0,0-1 0,0 0 0,0 0 0,0 1 0,0-1 0,0 4 0,-2-3 0,0-1 0,0 0 0,0 0 0,-1 0 0,1 0 0,-1 0 0,1 0 0,-1-1 0,0 1 0,0 0 0,1-1 0,-1 1 0,0-1 0,-1 0 0,1 0 0,0 1 0,0-2 0,0 1 0,-1 0 0,1 0 0,-1-1 0,1 1 0,-4 0 0,-52 9 0,0-2 0,0-2 0,-113-5 0,107-1 0,-762-7-1365,728 7-5461</inkml:trace>
+</inkml:ink>
+</file>
+
+<file path=ppt/ink/ink35.xml><?xml version="1.0" encoding="utf-8"?>
+<inkml:ink xmlns:inkml="http://www.w3.org/2003/InkML">
+  <inkml:definitions>
+    <inkml:context xml:id="ctx0">
+      <inkml:inkSource xml:id="inkSrc0">
+        <inkml:traceFormat>
+          <inkml:channel name="X" type="integer" min="-2.14748E9" max="2.14748E9" units="cm"/>
+          <inkml:channel name="Y" type="integer" min="-2.14748E9" max="2.14748E9" units="cm"/>
+          <inkml:channel name="F" type="integer" max="32767" units="dev"/>
+        </inkml:traceFormat>
+        <inkml:channelProperties>
+          <inkml:channelProperty channel="X" name="resolution" value="1000" units="1/cm"/>
+          <inkml:channelProperty channel="Y" name="resolution" value="1000" units="1/cm"/>
+          <inkml:channelProperty channel="F" name="resolution" value="0" units="1/dev"/>
+        </inkml:channelProperties>
+      </inkml:inkSource>
+      <inkml:timestamp xml:id="ts0" timeString="2023-04-07T15:04:26.761"/>
+    </inkml:context>
+    <inkml:brush xml:id="br0">
+      <inkml:brushProperty name="width" value="0.05" units="cm"/>
+      <inkml:brushProperty name="height" value="0.05" units="cm"/>
+      <inkml:brushProperty name="color" value="#FFC114"/>
+    </inkml:brush>
+  </inkml:definitions>
+  <inkml:trace contextRef="#ctx0" brushRef="#br0">1 1 24575,'0'19'0,"0"26"0,0 25 0,0 19 0,0 15 0,19 8 0,7 5 0,-1 1 0,14 1 0,1-1 0,-7-1 0,11-2 0,17 0 0,-2-20-8191</inkml:trace>
+</inkml:ink>
+</file>
+
+<file path=ppt/ink/ink36.xml><?xml version="1.0" encoding="utf-8"?>
+<inkml:ink xmlns:inkml="http://www.w3.org/2003/InkML">
+  <inkml:definitions>
+    <inkml:context xml:id="ctx0">
+      <inkml:inkSource xml:id="inkSrc0">
+        <inkml:traceFormat>
+          <inkml:channel name="X" type="integer" min="-2.14748E9" max="2.14748E9" units="cm"/>
+          <inkml:channel name="Y" type="integer" min="-2.14748E9" max="2.14748E9" units="cm"/>
+          <inkml:channel name="F" type="integer" max="32767" units="dev"/>
+        </inkml:traceFormat>
+        <inkml:channelProperties>
+          <inkml:channelProperty channel="X" name="resolution" value="1000" units="1/cm"/>
+          <inkml:channelProperty channel="Y" name="resolution" value="1000" units="1/cm"/>
+          <inkml:channelProperty channel="F" name="resolution" value="0" units="1/dev"/>
+        </inkml:channelProperties>
+      </inkml:inkSource>
+      <inkml:timestamp xml:id="ts0" timeString="2023-04-07T15:04:28.303"/>
+    </inkml:context>
+    <inkml:brush xml:id="br0">
+      <inkml:brushProperty name="width" value="0.05" units="cm"/>
+      <inkml:brushProperty name="height" value="0.05" units="cm"/>
+      <inkml:brushProperty name="color" value="#FFC114"/>
+    </inkml:brush>
+  </inkml:definitions>
+  <inkml:trace contextRef="#ctx0" brushRef="#br0">0 0 24575,'0'20'0,"0"25"0,0 24 0,0 20 0,0 14 0,0 10 0,0 3 0,0-16-8191</inkml:trace>
+</inkml:ink>
+</file>
+
+<file path=ppt/ink/ink37.xml><?xml version="1.0" encoding="utf-8"?>
+<inkml:ink xmlns:inkml="http://www.w3.org/2003/InkML">
+  <inkml:definitions>
+    <inkml:context xml:id="ctx0">
+      <inkml:inkSource xml:id="inkSrc0">
+        <inkml:traceFormat>
+          <inkml:channel name="X" type="integer" min="-2.14748E9" max="2.14748E9" units="cm"/>
+          <inkml:channel name="Y" type="integer" min="-2.14748E9" max="2.14748E9" units="cm"/>
+          <inkml:channel name="F" type="integer" max="32767" units="dev"/>
+        </inkml:traceFormat>
+        <inkml:channelProperties>
+          <inkml:channelProperty channel="X" name="resolution" value="1000" units="1/cm"/>
+          <inkml:channelProperty channel="Y" name="resolution" value="1000" units="1/cm"/>
+          <inkml:channelProperty channel="F" name="resolution" value="0" units="1/dev"/>
+        </inkml:channelProperties>
+      </inkml:inkSource>
+      <inkml:timestamp xml:id="ts0" timeString="2023-04-07T15:04:29.774"/>
+    </inkml:context>
+    <inkml:brush xml:id="br0">
+      <inkml:brushProperty name="width" value="0.05" units="cm"/>
+      <inkml:brushProperty name="height" value="0.05" units="cm"/>
+      <inkml:brushProperty name="color" value="#FFC114"/>
+    </inkml:brush>
+  </inkml:definitions>
+  <inkml:trace contextRef="#ctx0" brushRef="#br0">0 113 24575,'0'-3'0,"1"-1"0,-1 1 0,1 0 0,0 0 0,0 0 0,0 0 0,0 1 0,1-1 0,-1 0 0,1 0 0,0 1 0,0-1 0,-1 1 0,2-1 0,-1 1 0,0 0 0,0 0 0,1 0 0,-1 0 0,1 0 0,-1 1 0,1-1 0,0 1 0,5-2 0,8-4 0,0 2 0,1 0 0,20-4 0,-35 9 0,49-10 0,0 3 0,0 1 0,95 4 0,-135 2 0,0 1 0,-1 0 0,1 1 0,0 0 0,-1 0 0,0 1 0,1 1 0,-1 0 0,-1 0 0,1 1 0,-1 0 0,1 0 0,-1 1 0,-1 1 0,1-1 0,-1 2 0,-1-1 0,1 1 0,-1 0 0,0 0 0,-1 1 0,0 0 0,0 0 0,-1 0 0,0 1 0,-1 0 0,0 0 0,-1 0 0,0 0 0,0 1 0,2 18 0,-5-13 0,0 1 0,0 0 0,-2-1 0,0 1 0,-1 0 0,0-1 0,-1 0 0,-1 0 0,-1 0 0,0-1 0,-2 1 0,1-2 0,-11 16 0,7-13 0,-1 0 0,0 0 0,-2-1 0,0-1 0,0 0 0,-1-1 0,-1-1 0,-1-1 0,1 0 0,-27 14 0,-132 49 0,171-74 0,0 1 0,1 0 0,-1 0 0,1 1 0,-1-1 0,1 1 0,0-1 0,0 1 0,0 0 0,0 0 0,0 1 0,1-1 0,-4 5 0,6-7 0,0 0 0,0 0 0,0-1 0,-1 1 0,1 0 0,0 0 0,0-1 0,0 1 0,1 0 0,-1 0 0,0-1 0,0 1 0,0 0 0,0-1 0,1 1 0,-1 0 0,0-1 0,1 1 0,-1 0 0,0-1 0,1 1 0,-1 0 0,1-1 0,-1 1 0,1-1 0,0 1 0,2 1 0,0 0 0,0 0 0,0 0 0,0-1 0,1 0 0,-1 1 0,0-1 0,7 1 0,53 7 0,0-2 0,1-3 0,85-6 0,-64 0 0,604-4-1365,-584 6-5461</inkml:trace>
+</inkml:ink>
+</file>
+
+<file path=ppt/ink/ink38.xml><?xml version="1.0" encoding="utf-8"?>
+<inkml:ink xmlns:inkml="http://www.w3.org/2003/InkML">
+  <inkml:definitions>
+    <inkml:context xml:id="ctx0">
+      <inkml:inkSource xml:id="inkSrc0">
+        <inkml:traceFormat>
+          <inkml:channel name="X" type="integer" min="-2.14748E9" max="2.14748E9" units="cm"/>
+          <inkml:channel name="Y" type="integer" min="-2.14748E9" max="2.14748E9" units="cm"/>
+          <inkml:channel name="F" type="integer" max="32767" units="dev"/>
+        </inkml:traceFormat>
+        <inkml:channelProperties>
+          <inkml:channelProperty channel="X" name="resolution" value="1000" units="1/cm"/>
+          <inkml:channelProperty channel="Y" name="resolution" value="1000" units="1/cm"/>
+          <inkml:channelProperty channel="F" name="resolution" value="0" units="1/dev"/>
+        </inkml:channelProperties>
+      </inkml:inkSource>
+      <inkml:timestamp xml:id="ts0" timeString="2023-04-07T15:04:30.175"/>
+    </inkml:context>
+    <inkml:brush xml:id="br0">
+      <inkml:brushProperty name="width" value="0.05" units="cm"/>
+      <inkml:brushProperty name="height" value="0.05" units="cm"/>
+      <inkml:brushProperty name="color" value="#FFC114"/>
+    </inkml:brush>
+  </inkml:definitions>
+  <inkml:trace contextRef="#ctx0" brushRef="#br0">1 45 24575,'0'-19'0,"0"-7"-8191</inkml:trace>
+</inkml:ink>
+</file>
+
+<file path=ppt/ink/ink39.xml><?xml version="1.0" encoding="utf-8"?>
+<inkml:ink xmlns:inkml="http://www.w3.org/2003/InkML">
+  <inkml:definitions>
+    <inkml:context xml:id="ctx0">
+      <inkml:inkSource xml:id="inkSrc0">
+        <inkml:traceFormat>
+          <inkml:channel name="X" type="integer" min="-2.14748E9" max="2.14748E9" units="cm"/>
+          <inkml:channel name="Y" type="integer" min="-2.14748E9" max="2.14748E9" units="cm"/>
+          <inkml:channel name="F" type="integer" max="32767" units="dev"/>
+        </inkml:traceFormat>
+        <inkml:channelProperties>
+          <inkml:channelProperty channel="X" name="resolution" value="1000" units="1/cm"/>
+          <inkml:channelProperty channel="Y" name="resolution" value="1000" units="1/cm"/>
+          <inkml:channelProperty channel="F" name="resolution" value="0" units="1/dev"/>
+        </inkml:channelProperties>
+      </inkml:inkSource>
+      <inkml:timestamp xml:id="ts0" timeString="2023-04-07T15:04:31.631"/>
+    </inkml:context>
+    <inkml:brush xml:id="br0">
+      <inkml:brushProperty name="width" value="0.05" units="cm"/>
+      <inkml:brushProperty name="height" value="0.05" units="cm"/>
+      <inkml:brushProperty name="color" value="#FFC114"/>
+    </inkml:brush>
+  </inkml:definitions>
+  <inkml:trace contextRef="#ctx0" brushRef="#br0">475 4 24575,'-72'-3'0,"-39"2"0,100 2 0,1 0 0,-1 0 0,0 1 0,1 1 0,-1 0 0,1 0 0,-13 7 0,21-10 0,1 1 0,0-1 0,-1 1 0,1 0 0,0 0 0,0-1 0,-1 1 0,1 0 0,0 0 0,0 0 0,0 0 0,0 0 0,0 0 0,1 0 0,-1 1 0,0-1 0,0 0 0,1 0 0,-1 1 0,0 1 0,1-2 0,0 0 0,0 0 0,1 0 0,-1 0 0,0 0 0,1 0 0,-1 0 0,0 0 0,1 0 0,-1-1 0,1 1 0,0 0 0,-1 0 0,1 0 0,0 0 0,-1-1 0,1 1 0,0 0 0,0-1 0,-1 1 0,2 0 0,8 5 0,-1-1 0,1 0 0,0-1 0,12 4 0,-15-6 0,12 4 0,1 2 0,-1 0 0,-1 1 0,0 0 0,0 2 0,0 0 0,-2 1 0,1 1 0,-2 1 0,0 0 0,0 1 0,-1 0 0,-1 1 0,-1 1 0,0 0 0,-1 0 0,10 23 0,-9-9 0,-2-1 0,-1 1 0,-1 1 0,7 63 0,-6 132 0,-10-190 0,-1-1 0,-1 0 0,-2 0 0,-16 57 0,18-80 0,-1 0 0,-1-1 0,0 0 0,-1 0 0,0 0 0,-1-1 0,0 0 0,0 0 0,-2-1 0,1 0 0,-1 0 0,0-1 0,-1 0 0,0-1 0,-1 0 0,-14 8 0,3-6 0,-1-1 0,-1-1 0,0-1 0,0-1 0,0-1 0,-1-2 0,1 0 0,-1-2 0,-43-2 0,61 1-65,1 0 0,-1-1 0,1 0 0,-1 0 0,1-1 0,0 0 0,-1 0 0,1 0 0,0-1 0,1 0 0,-1 0 0,0-1 0,1 1 0,0-1 0,0 0 0,0 0 0,0-1 0,0 0 0,1 0 0,-4-6 0,-20-42-6761</inkml:trace>
+</inkml:ink>
+</file>
+
+<file path=ppt/ink/ink4.xml><?xml version="1.0" encoding="utf-8"?>
+<inkml:ink xmlns:inkml="http://www.w3.org/2003/InkML">
+  <inkml:definitions>
+    <inkml:context xml:id="ctx0">
+      <inkml:inkSource xml:id="inkSrc0">
+        <inkml:traceFormat>
+          <inkml:channel name="X" type="integer" min="-2.14748E9" max="2.14748E9" units="cm"/>
+          <inkml:channel name="Y" type="integer" min="-2.14748E9" max="2.14748E9" units="cm"/>
+          <inkml:channel name="F" type="integer" max="32767" units="dev"/>
+        </inkml:traceFormat>
+        <inkml:channelProperties>
+          <inkml:channelProperty channel="X" name="resolution" value="1000" units="1/cm"/>
+          <inkml:channelProperty channel="Y" name="resolution" value="1000" units="1/cm"/>
+          <inkml:channelProperty channel="F" name="resolution" value="0" units="1/dev"/>
+        </inkml:channelProperties>
+      </inkml:inkSource>
+      <inkml:timestamp xml:id="ts0" timeString="2023-04-07T15:02:38.817"/>
+    </inkml:context>
+    <inkml:brush xml:id="br0">
+      <inkml:brushProperty name="width" value="0.2" units="cm"/>
+      <inkml:brushProperty name="height" value="0.2" units="cm"/>
+      <inkml:brushProperty name="color" value="#E71224"/>
+    </inkml:brush>
+  </inkml:definitions>
+  <inkml:trace contextRef="#ctx0" brushRef="#br0">0 3 24575,'2518'0'-4754,"-1717"0"3409,98 0 599,683-2-1291,2017 7-2873,-978 50 4313,17 0 11,2580-49 1448,-2669-10 2234,-2408 4-1926,724 0 8352,-298 0-10562,-469 0-5786</inkml:trace>
+</inkml:ink>
+</file>
+
+<file path=ppt/ink/ink40.xml><?xml version="1.0" encoding="utf-8"?>
+<inkml:ink xmlns:inkml="http://www.w3.org/2003/InkML">
+  <inkml:definitions>
+    <inkml:context xml:id="ctx0">
+      <inkml:inkSource xml:id="inkSrc0">
+        <inkml:traceFormat>
+          <inkml:channel name="X" type="integer" min="-2.14748E9" max="2.14748E9" units="cm"/>
+          <inkml:channel name="Y" type="integer" min="-2.14748E9" max="2.14748E9" units="cm"/>
+          <inkml:channel name="F" type="integer" max="32767" units="dev"/>
+        </inkml:traceFormat>
+        <inkml:channelProperties>
+          <inkml:channelProperty channel="X" name="resolution" value="1000" units="1/cm"/>
+          <inkml:channelProperty channel="Y" name="resolution" value="1000" units="1/cm"/>
+          <inkml:channelProperty channel="F" name="resolution" value="0" units="1/dev"/>
+        </inkml:channelProperties>
+      </inkml:inkSource>
+      <inkml:timestamp xml:id="ts0" timeString="2023-04-07T15:04:33.087"/>
+    </inkml:context>
+    <inkml:brush xml:id="br0">
+      <inkml:brushProperty name="width" value="0.05" units="cm"/>
+      <inkml:brushProperty name="height" value="0.05" units="cm"/>
+      <inkml:brushProperty name="color" value="#FFC114"/>
+    </inkml:brush>
+  </inkml:definitions>
+  <inkml:trace contextRef="#ctx0" brushRef="#br0">592 2 24575,'-132'-2'0,"-172"7"0,289-3 0,1 0 0,-1 1 0,1 0 0,0 1 0,-21 9 0,31-11 0,0 0 0,1 0 0,-1 0 0,1 1 0,-1-1 0,1 1 0,0 0 0,0 0 0,0 0 0,-4 6 0,6-7 0,0 0 0,0 0 0,0 0 0,0 0 0,0 0 0,1 1 0,-1-1 0,1 0 0,0 1 0,-1-1 0,1 0 0,0 1 0,0-1 0,1 0 0,-1 1 0,0-1 0,1 0 0,0 1 0,-1-1 0,2 3 0,0-1 0,0 0 0,1 0 0,-1 0 0,1-1 0,0 1 0,0-1 0,0 1 0,0-1 0,0 0 0,1 0 0,-1-1 0,1 1 0,4 2 0,5 1 0,0 1 0,0-2 0,16 5 0,10 1 0,60 7 0,-66-13 0,1 1 0,-2 2 0,40 14 0,-62-18 0,0 0 0,0 1 0,-1 0 0,1 1 0,-1 0 0,-1 1 0,1 0 0,-1 0 0,-1 1 0,1-1 0,-1 2 0,0-1 0,-1 1 0,7 12 0,-4-2 0,-1 1 0,0 0 0,-1 0 0,-2 1 0,0-1 0,-1 1 0,2 27 0,-4 151 0,-2-175 0,0 3 0,-2 0 0,0 0 0,-2 0 0,-1 0 0,-9 29 0,11-46 0,-1-1 0,0 0 0,-1 0 0,0 0 0,0-1 0,0 1 0,-1-1 0,-1 0 0,1-1 0,-1 0 0,-1 0 0,1 0 0,-1-1 0,0 0 0,0-1 0,-1 1 0,-13 5 0,-2-3-227,0 0-1,-1-1 1,1-2-1,-1 0 1,-45 1-1,-25-2-6598</inkml:trace>
+</inkml:ink>
+</file>
+
+<file path=ppt/ink/ink41.xml><?xml version="1.0" encoding="utf-8"?>
+<inkml:ink xmlns:inkml="http://www.w3.org/2003/InkML">
+  <inkml:definitions>
+    <inkml:context xml:id="ctx0">
+      <inkml:inkSource xml:id="inkSrc0">
+        <inkml:traceFormat>
+          <inkml:channel name="X" type="integer" min="-2.14748E9" max="2.14748E9" units="cm"/>
+          <inkml:channel name="Y" type="integer" min="-2.14748E9" max="2.14748E9" units="cm"/>
+          <inkml:channel name="F" type="integer" max="32767" units="dev"/>
+        </inkml:traceFormat>
+        <inkml:channelProperties>
+          <inkml:channelProperty channel="X" name="resolution" value="1000" units="1/cm"/>
+          <inkml:channelProperty channel="Y" name="resolution" value="1000" units="1/cm"/>
+          <inkml:channelProperty channel="F" name="resolution" value="0" units="1/dev"/>
+        </inkml:channelProperties>
+      </inkml:inkSource>
+      <inkml:timestamp xml:id="ts0" timeString="2023-04-07T15:04:33.942"/>
+    </inkml:context>
+    <inkml:brush xml:id="br0">
+      <inkml:brushProperty name="width" value="0.05" units="cm"/>
+      <inkml:brushProperty name="height" value="0.05" units="cm"/>
+      <inkml:brushProperty name="color" value="#FFC114"/>
+    </inkml:brush>
+  </inkml:definitions>
+  <inkml:trace contextRef="#ctx0" brushRef="#br0">1 1 24575,'0'19'0,"0"26"0,0 25 0,0 19 0,0 15 0,0 8 0,0-15-8191</inkml:trace>
+</inkml:ink>
+</file>
+
+<file path=ppt/ink/ink42.xml><?xml version="1.0" encoding="utf-8"?>
+<inkml:ink xmlns:inkml="http://www.w3.org/2003/InkML">
+  <inkml:definitions>
+    <inkml:context xml:id="ctx0">
+      <inkml:inkSource xml:id="inkSrc0">
+        <inkml:traceFormat>
+          <inkml:channel name="X" type="integer" min="-2.14748E9" max="2.14748E9" units="cm"/>
+          <inkml:channel name="Y" type="integer" min="-2.14748E9" max="2.14748E9" units="cm"/>
+          <inkml:channel name="F" type="integer" max="32767" units="dev"/>
+        </inkml:traceFormat>
+        <inkml:channelProperties>
+          <inkml:channelProperty channel="X" name="resolution" value="1000" units="1/cm"/>
+          <inkml:channelProperty channel="Y" name="resolution" value="1000" units="1/cm"/>
+          <inkml:channelProperty channel="F" name="resolution" value="0" units="1/dev"/>
+        </inkml:channelProperties>
+      </inkml:inkSource>
+      <inkml:timestamp xml:id="ts0" timeString="2023-04-07T15:04:35.599"/>
+    </inkml:context>
+    <inkml:brush xml:id="br0">
+      <inkml:brushProperty name="width" value="0.05" units="cm"/>
+      <inkml:brushProperty name="height" value="0.05" units="cm"/>
+      <inkml:brushProperty name="color" value="#FFC114"/>
+    </inkml:brush>
+  </inkml:definitions>
+  <inkml:trace contextRef="#ctx0" brushRef="#br0">359 1 24575,'-20'0'0,"-25"0"0,-25 0 0,-19 0 0,5 19 0,36 6 0,46 0 0,23 14 0,27 1 0,25-7 0,20-8 0,-7 10 0,2 0 0,5-7 0,6-8 0,6-7 0,-15-6-8191</inkml:trace>
+</inkml:ink>
+</file>
+
+<file path=ppt/ink/ink43.xml><?xml version="1.0" encoding="utf-8"?>
+<inkml:ink xmlns:inkml="http://www.w3.org/2003/InkML">
+  <inkml:definitions>
+    <inkml:context xml:id="ctx0">
+      <inkml:inkSource xml:id="inkSrc0">
+        <inkml:traceFormat>
+          <inkml:channel name="X" type="integer" min="-2.14748E9" max="2.14748E9" units="cm"/>
+          <inkml:channel name="Y" type="integer" min="-2.14748E9" max="2.14748E9" units="cm"/>
+          <inkml:channel name="F" type="integer" max="32767" units="dev"/>
+        </inkml:traceFormat>
+        <inkml:channelProperties>
+          <inkml:channelProperty channel="X" name="resolution" value="1000" units="1/cm"/>
+          <inkml:channelProperty channel="Y" name="resolution" value="1000" units="1/cm"/>
+          <inkml:channelProperty channel="F" name="resolution" value="0" units="1/dev"/>
+        </inkml:channelProperties>
+      </inkml:inkSource>
+      <inkml:timestamp xml:id="ts0" timeString="2023-04-07T15:10:47.547"/>
+    </inkml:context>
+    <inkml:brush xml:id="br0">
+      <inkml:brushProperty name="width" value="0.05" units="cm"/>
+      <inkml:brushProperty name="height" value="0.05" units="cm"/>
+      <inkml:brushProperty name="color" value="#66CC00"/>
+    </inkml:brush>
+  </inkml:definitions>
+  <inkml:trace contextRef="#ctx0" brushRef="#br0">0 3082 24575,'5'-1'0,"0"0"0,0 0 0,0-1 0,0 0 0,-1 0 0,1 0 0,-1-1 0,0 1 0,1-1 0,-1 0 0,0 0 0,0-1 0,-1 1 0,1-1 0,-1 0 0,6-8 0,5-4 0,144-180 0,-36 41 0,210-237 0,-105 81 0,-23-22 0,-88 140 0,-46 78 0,168-264 0,-160 266 0,111-123 0,-143 187 0,1 2 0,3 2 0,2 2 0,1 3 0,3 2 0,0 3 0,3 2 0,91-38 0,-70 39 0,164-60 0,-196 77 0,1 2 0,0 3 0,61-6 0,-7 8 0,1 5 0,124 11 0,-187-2 0,-1 1 0,-1 2 0,0 2 0,39 17 0,144 73 0,16 6 0,-80-45 0,153 50 0,-238-91 0,28 10 0,2-5 0,163 20 0,292-37 0,-428-11 0,-85 3 0,0 2 0,-1 2 0,1 1 0,72 21 0,-29-5 0,1-4 0,0-4 0,142 3 0,-192-16-341,0 1 0,0 3-1,46 10 1,-12 9-6485</inkml:trace>
+</inkml:ink>
+</file>
+
+<file path=ppt/ink/ink44.xml><?xml version="1.0" encoding="utf-8"?>
+<inkml:ink xmlns:inkml="http://www.w3.org/2003/InkML">
+  <inkml:definitions>
+    <inkml:context xml:id="ctx0">
+      <inkml:inkSource xml:id="inkSrc0">
+        <inkml:traceFormat>
+          <inkml:channel name="X" type="integer" min="-2.14748E9" max="2.14748E9" units="cm"/>
+          <inkml:channel name="Y" type="integer" min="-2.14748E9" max="2.14748E9" units="cm"/>
+          <inkml:channel name="F" type="integer" max="32767" units="dev"/>
+        </inkml:traceFormat>
+        <inkml:channelProperties>
+          <inkml:channelProperty channel="X" name="resolution" value="1000" units="1/cm"/>
+          <inkml:channelProperty channel="Y" name="resolution" value="1000" units="1/cm"/>
+          <inkml:channelProperty channel="F" name="resolution" value="0" units="1/dev"/>
+        </inkml:channelProperties>
+      </inkml:inkSource>
+      <inkml:timestamp xml:id="ts0" timeString="2023-04-07T15:10:53.371"/>
+    </inkml:context>
+    <inkml:brush xml:id="br0">
+      <inkml:brushProperty name="width" value="0.05" units="cm"/>
+      <inkml:brushProperty name="height" value="0.05" units="cm"/>
+      <inkml:brushProperty name="color" value="#66CC00"/>
+    </inkml:brush>
+  </inkml:definitions>
+  <inkml:trace contextRef="#ctx0" brushRef="#br0">1 1 24575,'0'1765'0,"0"-1751"0,-1 23 0,2 0 0,2 0 0,11 60 0,-12-87 0,1-1 0,0 1 0,0-1 0,1 0 0,0 0 0,1 0 0,0 0 0,0-1 0,1 0 0,0 0 0,1 0 0,-1-1 0,1 0 0,1 0 0,0-1 0,-1 0 0,2 0 0,13 7 0,-1-4 0,0-1 0,0-1 0,0-1 0,1-1 0,-1-1 0,1-1 0,23 0 0,165-5 0,-127-2 0,545-56 0,-181 9 0,413 20 0,-623 20 0,257-44 0,176 6 0,5 50 0,-290 4 0,-304-5 0,0-4 0,107-17 0,-154 14 0,-1-1 0,0-1 0,0-2 0,0-2 0,-2 0 0,0-2 0,0-2 0,30-22 0,-44 28 0,-1-2 0,0 0 0,-1-1 0,0 0 0,-1-1 0,-1-1 0,0 0 0,-1-1 0,-1-1 0,-1 1 0,0-2 0,-1 1 0,-1-1 0,-1 0 0,-1-1 0,0 0 0,-2 0 0,0 0 0,-1-1 0,-1-40 0,-9-21 0,-28-125 0,2 28 0,21 81 0,5 33 0,-26-108 0,26 150 0,-1 0 0,0 1 0,-2 0 0,-1 0 0,0 1 0,-2 1 0,0 0 0,-21-24 0,13 22 0,0 0 0,-1 2 0,-2 0 0,0 2 0,0 0 0,-2 2 0,0 1 0,-1 1 0,-53-20 0,32 19 0,1 3 0,-2 1 0,1 3 0,-1 1 0,-67 1 0,-487 22 0,230 29 0,-10 1 0,-360-15 0,-2-34 0,216-1 0,-878 5-1365,1310-1-5461</inkml:trace>
+</inkml:ink>
+</file>
+
+<file path=ppt/ink/ink45.xml><?xml version="1.0" encoding="utf-8"?>
+<inkml:ink xmlns:inkml="http://www.w3.org/2003/InkML">
+  <inkml:definitions>
+    <inkml:context xml:id="ctx0">
+      <inkml:inkSource xml:id="inkSrc0">
+        <inkml:traceFormat>
+          <inkml:channel name="X" type="integer" min="-2.14748E9" max="2.14748E9" units="cm"/>
+          <inkml:channel name="Y" type="integer" min="-2.14748E9" max="2.14748E9" units="cm"/>
+          <inkml:channel name="F" type="integer" max="32767" units="dev"/>
+        </inkml:traceFormat>
+        <inkml:channelProperties>
+          <inkml:channelProperty channel="X" name="resolution" value="1000" units="1/cm"/>
+          <inkml:channelProperty channel="Y" name="resolution" value="1000" units="1/cm"/>
+          <inkml:channelProperty channel="F" name="resolution" value="0" units="1/dev"/>
+        </inkml:channelProperties>
+      </inkml:inkSource>
+      <inkml:timestamp xml:id="ts0" timeString="2023-04-07T15:10:54.658"/>
+    </inkml:context>
+    <inkml:brush xml:id="br0">
+      <inkml:brushProperty name="width" value="0.05" units="cm"/>
+      <inkml:brushProperty name="height" value="0.05" units="cm"/>
+      <inkml:brushProperty name="color" value="#66CC00"/>
+    </inkml:brush>
+  </inkml:definitions>
+  <inkml:trace contextRef="#ctx0" brushRef="#br0">0 1180 24575,'20'0'0,"5"-20"0,19-6 0,21 1 0,-1-14 0,9 0 0,-9-14 0,4-16 0,11-17 0,-10-12 0,5-9 0,8-6 0,-10-3 0,2 18 0,-11 7 0,3 19 0,-10 2 0,-15 13-8191</inkml:trace>
+</inkml:ink>
+</file>
+
+<file path=ppt/ink/ink46.xml><?xml version="1.0" encoding="utf-8"?>
+<inkml:ink xmlns:inkml="http://www.w3.org/2003/InkML">
+  <inkml:definitions>
+    <inkml:context xml:id="ctx0">
+      <inkml:inkSource xml:id="inkSrc0">
+        <inkml:traceFormat>
+          <inkml:channel name="X" type="integer" min="-2.14748E9" max="2.14748E9" units="cm"/>
+          <inkml:channel name="Y" type="integer" min="-2.14748E9" max="2.14748E9" units="cm"/>
+          <inkml:channel name="F" type="integer" max="32767" units="dev"/>
+        </inkml:traceFormat>
+        <inkml:channelProperties>
+          <inkml:channelProperty channel="X" name="resolution" value="1000" units="1/cm"/>
+          <inkml:channelProperty channel="Y" name="resolution" value="1000" units="1/cm"/>
+          <inkml:channelProperty channel="F" name="resolution" value="0" units="1/dev"/>
+        </inkml:channelProperties>
+      </inkml:inkSource>
+      <inkml:timestamp xml:id="ts0" timeString="2023-04-07T15:10:56.010"/>
+    </inkml:context>
+    <inkml:brush xml:id="br0">
+      <inkml:brushProperty name="width" value="0.05" units="cm"/>
+      <inkml:brushProperty name="height" value="0.05" units="cm"/>
+      <inkml:brushProperty name="color" value="#66CC00"/>
+    </inkml:brush>
+  </inkml:definitions>
+  <inkml:trace contextRef="#ctx0" brushRef="#br0">1947 123 24575,'-10'-9'0,"-1"1"0,0 0 0,0 0 0,0 1 0,-1 0 0,0 1 0,-1 1 0,1 0 0,-1 0 0,-16-3 0,-19-2 0,-70-5 0,101 13 0,-115-11 0,-1 6 0,-185 15 0,271-3 0,1 3 0,-1 2 0,2 2 0,0 2 0,-66 30 0,20 1 0,-132 85 0,185-105 0,2 2 0,1 1 0,1 2 0,1 1 0,2 1 0,-41 56 0,59-67 0,1 0 0,1 1 0,0 0 0,2 1 0,1 0 0,1 1 0,1-1 0,-5 35 0,3 15 0,2 110 0,6-154 0,1 1 0,2-1 0,1 0 0,1-1 0,1 1 0,1-1 0,20 46 0,-19-56 0,2 0 0,0 0 0,1-1 0,1-1 0,1 0 0,0 0 0,1-1 0,0-1 0,1 0 0,1-1 0,32 20 0,-2-7 0,0-2 0,2-2 0,85 27 0,154 25 0,-280-72 0,5 0 0,63 19 0,-70-20 0,0 1 0,0 0 0,0 0 0,-1 1 0,1 0 0,-1-1 0,1 2 0,-1-1 0,0 0 0,0 1 0,4 5 0,-7-8 0,0 0 0,0 1 0,0-1 0,-1 1 0,1 0 0,0-1 0,-1 1 0,1 0 0,-1-1 0,0 1 0,1 0 0,-1 0 0,0-1 0,0 1 0,0 0 0,-1 0 0,1-1 0,0 1 0,0 0 0,-1-1 0,1 1 0,-1 0 0,0-1 0,1 1 0,-1-1 0,0 1 0,-1 1 0,-2 2 0,0-1 0,0 1 0,0-1 0,0 0 0,0 0 0,-1 0 0,-6 4 0,-9 3 0,0-1 0,-1 0 0,0-2 0,0 0 0,-1-1 0,0-1 0,-29 3 0,-164 11 0,-149-16-1365,261-6-5461</inkml:trace>
+</inkml:ink>
+</file>
+
+<file path=ppt/ink/ink5.xml><?xml version="1.0" encoding="utf-8"?>
+<inkml:ink xmlns:inkml="http://www.w3.org/2003/InkML">
+  <inkml:definitions>
+    <inkml:context xml:id="ctx0">
+      <inkml:inkSource xml:id="inkSrc0">
+        <inkml:traceFormat>
+          <inkml:channel name="X" type="integer" min="-2.14748E9" max="2.14748E9" units="cm"/>
+          <inkml:channel name="Y" type="integer" min="-2.14748E9" max="2.14748E9" units="cm"/>
+          <inkml:channel name="F" type="integer" max="32767" units="dev"/>
+        </inkml:traceFormat>
+        <inkml:channelProperties>
+          <inkml:channelProperty channel="X" name="resolution" value="1000" units="1/cm"/>
+          <inkml:channelProperty channel="Y" name="resolution" value="1000" units="1/cm"/>
+          <inkml:channelProperty channel="F" name="resolution" value="0" units="1/dev"/>
+        </inkml:channelProperties>
+      </inkml:inkSource>
+      <inkml:timestamp xml:id="ts0" timeString="2023-04-07T15:02:40.713"/>
+    </inkml:context>
+    <inkml:brush xml:id="br0">
+      <inkml:brushProperty name="width" value="0.2" units="cm"/>
+      <inkml:brushProperty name="height" value="0.2" units="cm"/>
+      <inkml:brushProperty name="color" value="#E71224"/>
+    </inkml:brush>
+  </inkml:definitions>
+  <inkml:trace contextRef="#ctx0" brushRef="#br0">48 0 24575,'0'793'0,"-4"-722"0,-21 124 0,12-114 0,11-68 0,0 0 0,1 0 0,1-1 0,0 1 0,1 0 0,0 0 0,4 18 0,-3-25 0,0-1 0,0 1 0,0-1 0,1 1 0,0-1 0,0 0 0,0 0 0,1 0 0,0 0 0,-1-1 0,2 0 0,-1 1 0,0-2 0,1 1 0,0 0 0,0-1 0,10 5 0,0-1 0,1-1 0,-1 0 0,1-2 0,0 0 0,0 0 0,24 1 0,104-2 0,-115-3 0,650-20-1365,-573 18-5461</inkml:trace>
+</inkml:ink>
+</file>
+
+<file path=ppt/ink/ink6.xml><?xml version="1.0" encoding="utf-8"?>
+<inkml:ink xmlns:inkml="http://www.w3.org/2003/InkML">
+  <inkml:definitions>
+    <inkml:context xml:id="ctx0">
+      <inkml:inkSource xml:id="inkSrc0">
+        <inkml:traceFormat>
+          <inkml:channel name="X" type="integer" min="-2.14748E9" max="2.14748E9" units="cm"/>
+          <inkml:channel name="Y" type="integer" min="-2.14748E9" max="2.14748E9" units="cm"/>
+          <inkml:channel name="F" type="integer" max="32767" units="dev"/>
+        </inkml:traceFormat>
+        <inkml:channelProperties>
+          <inkml:channelProperty channel="X" name="resolution" value="1000" units="1/cm"/>
+          <inkml:channelProperty channel="Y" name="resolution" value="1000" units="1/cm"/>
+          <inkml:channelProperty channel="F" name="resolution" value="0" units="1/dev"/>
+        </inkml:channelProperties>
+      </inkml:inkSource>
+      <inkml:timestamp xml:id="ts0" timeString="2023-04-07T15:02:41.563"/>
+    </inkml:context>
+    <inkml:brush xml:id="br0">
+      <inkml:brushProperty name="width" value="0.2" units="cm"/>
+      <inkml:brushProperty name="height" value="0.2" units="cm"/>
+      <inkml:brushProperty name="color" value="#E71224"/>
+    </inkml:brush>
+  </inkml:definitions>
+  <inkml:trace contextRef="#ctx0" brushRef="#br0">0 0 24575,'19'0'0,"26"0"0,25 0 0,0 0-8191</inkml:trace>
+</inkml:ink>
+</file>
+
+<file path=ppt/ink/ink7.xml><?xml version="1.0" encoding="utf-8"?>
+<inkml:ink xmlns:inkml="http://www.w3.org/2003/InkML">
+  <inkml:definitions>
+    <inkml:context xml:id="ctx0">
+      <inkml:inkSource xml:id="inkSrc0">
+        <inkml:traceFormat>
+          <inkml:channel name="X" type="integer" min="-2.14748E9" max="2.14748E9" units="cm"/>
+          <inkml:channel name="Y" type="integer" min="-2.14748E9" max="2.14748E9" units="cm"/>
+          <inkml:channel name="F" type="integer" max="32767" units="dev"/>
+        </inkml:traceFormat>
+        <inkml:channelProperties>
+          <inkml:channelProperty channel="X" name="resolution" value="1000" units="1/cm"/>
+          <inkml:channelProperty channel="Y" name="resolution" value="1000" units="1/cm"/>
+          <inkml:channelProperty channel="F" name="resolution" value="0" units="1/dev"/>
+        </inkml:channelProperties>
+      </inkml:inkSource>
+      <inkml:timestamp xml:id="ts0" timeString="2023-04-07T15:02:42.320"/>
+    </inkml:context>
+    <inkml:brush xml:id="br0">
+      <inkml:brushProperty name="width" value="0.2" units="cm"/>
+      <inkml:brushProperty name="height" value="0.2" units="cm"/>
+      <inkml:brushProperty name="color" value="#E71224"/>
+    </inkml:brush>
+  </inkml:definitions>
+  <inkml:trace contextRef="#ctx0" brushRef="#br0">0 1 24575,'20'0'0,"25"0"0,24 0 0,21 0 0,13 0 0,10 0 0,3 0 0,3 0 0,-20 0-8191</inkml:trace>
+</inkml:ink>
+</file>
+
+<file path=ppt/ink/ink8.xml><?xml version="1.0" encoding="utf-8"?>
+<inkml:ink xmlns:inkml="http://www.w3.org/2003/InkML">
+  <inkml:definitions>
+    <inkml:context xml:id="ctx0">
+      <inkml:inkSource xml:id="inkSrc0">
+        <inkml:traceFormat>
+          <inkml:channel name="X" type="integer" min="-2.14748E9" max="2.14748E9" units="cm"/>
+          <inkml:channel name="Y" type="integer" min="-2.14748E9" max="2.14748E9" units="cm"/>
+          <inkml:channel name="F" type="integer" max="32767" units="dev"/>
+        </inkml:traceFormat>
+        <inkml:channelProperties>
+          <inkml:channelProperty channel="X" name="resolution" value="1000" units="1/cm"/>
+          <inkml:channelProperty channel="Y" name="resolution" value="1000" units="1/cm"/>
+          <inkml:channelProperty channel="F" name="resolution" value="0" units="1/dev"/>
+        </inkml:channelProperties>
+      </inkml:inkSource>
+      <inkml:timestamp xml:id="ts0" timeString="2023-04-07T15:02:43.858"/>
+    </inkml:context>
+    <inkml:brush xml:id="br0">
+      <inkml:brushProperty name="width" value="0.2" units="cm"/>
+      <inkml:brushProperty name="height" value="0.2" units="cm"/>
+      <inkml:brushProperty name="color" value="#E71224"/>
+    </inkml:brush>
+  </inkml:definitions>
+  <inkml:trace contextRef="#ctx0" brushRef="#br0">88 1 24575,'-3'39'0,"-1"0"0,-3 0 0,0 0 0,-17 45 0,12-42 0,1 0 0,-7 70 0,16-91 0,2 0 0,0 0 0,2 0 0,0 0 0,1-1 0,10 35 0,-10-45 0,1 0 0,0-1 0,0 1 0,1-1 0,1 0 0,-1 0 0,1 0 0,1-1 0,-1 0 0,2 0 0,-1-1 0,1 0 0,0 0 0,17 11 0,21 7 0,2-3 0,0-1 0,2-3 0,0-1 0,0-3 0,2-2 0,88 9 0,25-10 0,179-11 0,-241-2 0,-88 2 0,44-3 0,-55 3 0,-1-1 0,0 1 0,1-1 0,-1 0 0,0 0 0,0-1 0,0 1 0,0 0 0,0-1 0,0 0 0,0 0 0,4-3 0,-6 4 0,0 0 0,-1 0 0,1 0 0,-1 0 0,1 0 0,-1 0 0,1-1 0,-1 1 0,1 0 0,-1 0 0,0 0 0,0 0 0,0 0 0,0-1 0,0 1 0,0 0 0,0 0 0,0 0 0,0-1 0,0 1 0,-1 0 0,1 0 0,0 0 0,-1 0 0,1 0 0,-1 0 0,1 0 0,-1 0 0,0 0 0,1 0 0,-1 0 0,0 0 0,-1-1 0,-31-29 0,32 30 0,-46-35 0,-1 2 0,-2 2 0,-1 2 0,-1 3 0,-2 2 0,-72-24 0,122 48 0,-86-28 0,-129-60 0,117 39 0,-123-69 0,222 118 0,-31-25 0,34 26 0,-1 0 0,0-1 0,1 1 0,-1-1 0,1 1 0,-1-1 0,1 1 0,-1-1 0,1 1 0,-1-1 0,1 1 0,0-1 0,-1 0 0,1 1 0,0-1 0,-1 0 0,1 1 0,0-1 0,0 0 0,0 1 0,-1-1 0,1 0 0,0 0 0,0 1 0,0-1 0,0 0 0,0 1 0,0-1 0,1 0 0,-1 0 0,0 1 0,0-1 0,0 0 0,1 1 0,-1-1 0,0 0 0,1 1 0,-1-1 0,1 1 0,-1-1 0,0 1 0,1-1 0,-1 1 0,1-1 0,0 1 0,0-2 0,12-2 0,-1-1 0,1 2 0,0 0 0,0 0 0,0 1 0,0 1 0,0 0 0,24 2 0,0-2 0,121-2-1365,5 3-5461</inkml:trace>
+</inkml:ink>
+</file>
+
+<file path=ppt/ink/ink9.xml><?xml version="1.0" encoding="utf-8"?>
+<inkml:ink xmlns:inkml="http://www.w3.org/2003/InkML">
+  <inkml:definitions>
+    <inkml:context xml:id="ctx0">
+      <inkml:inkSource xml:id="inkSrc0">
+        <inkml:traceFormat>
+          <inkml:channel name="X" type="integer" min="-2.14748E9" max="2.14748E9" units="cm"/>
+          <inkml:channel name="Y" type="integer" min="-2.14748E9" max="2.14748E9" units="cm"/>
+          <inkml:channel name="F" type="integer" max="32767" units="dev"/>
+        </inkml:traceFormat>
+        <inkml:channelProperties>
+          <inkml:channelProperty channel="X" name="resolution" value="1000" units="1/cm"/>
+          <inkml:channelProperty channel="Y" name="resolution" value="1000" units="1/cm"/>
+          <inkml:channelProperty channel="F" name="resolution" value="0" units="1/dev"/>
+        </inkml:channelProperties>
+      </inkml:inkSource>
+      <inkml:timestamp xml:id="ts0" timeString="2023-04-07T15:02:45.032"/>
+    </inkml:context>
+    <inkml:brush xml:id="br0">
+      <inkml:brushProperty name="width" value="0.2" units="cm"/>
+      <inkml:brushProperty name="height" value="0.2" units="cm"/>
+      <inkml:brushProperty name="color" value="#E71224"/>
+    </inkml:brush>
+  </inkml:definitions>
+  <inkml:trace contextRef="#ctx0" brushRef="#br0">455 1 24575,'-8'0'0,"-22"0"0,0 0 0,-45 8 0,64-5 0,-1 0 0,1 1 0,0 0 0,0 0 0,0 1 0,0 1 0,1 0 0,0 0 0,-11 11 0,4-4 0,1 2 0,0 0 0,1 0 0,1 2 0,1 0 0,0 0 0,1 1 0,1 1 0,0 0 0,2 0 0,0 1 0,2 1 0,0-1 0,1 1 0,1 0 0,1 0 0,1 1 0,-1 32 0,4-44 0,0-1 0,0 0 0,1 0 0,1 0 0,-1-1 0,1 1 0,1 0 0,0-1 0,0 1 0,0-1 0,1 0 0,1 0 0,-1 0 0,1 0 0,1-1 0,-1 0 0,9 8 0,-4-6 0,1-1 0,-1 0 0,2-1 0,-1 0 0,1-1 0,0 0 0,0 0 0,1-2 0,0 1 0,-1-2 0,16 3 0,37 3 0,1-3 0,0-2 0,95-8 0,53 2 0,-213 2 0,78 7 0,-73-5 0,0-1 0,0 0 0,0 1 0,0 0 0,0 1 0,0-1 0,0 1 0,-1 1 0,1-1 0,4 5 0,-8-7 0,0 1 0,-1 0 0,1-1 0,-1 1 0,1 0 0,-1 0 0,0 0 0,0 0 0,0 0 0,0 0 0,0 1 0,0-1 0,0 0 0,-1 0 0,1 1 0,-1-1 0,0 0 0,0 1 0,0-1 0,0 0 0,0 1 0,0-1 0,-1 0 0,1 1 0,-1 2 0,-3 5 0,0 0 0,-1 0 0,0 0 0,-8 12 0,-1 1 0,-6 13-682,-47 65-1,17-43-6143</inkml:trace>
+</inkml:ink>
+</file>
+
 <file path=ppt/slideLayouts/slideLayout1.xml><?xml version="1.0" encoding="utf-8"?>
 <p:sldLayout xmlns:a="http://schemas.openxmlformats.org/drawingml/2006/main" xmlns:r="http://schemas.openxmlformats.org/officeDocument/2006/relationships" xmlns:p="http://schemas.openxmlformats.org/presentationml/2006/main" type="title" preserve="1">
   <p:cSld name="Title Slide">
@@ -271,7 +1565,7 @@
           <a:p>
             <a:fld id="{8ABDCE5D-2F42-4C45-98AA-7AAD2A36BEC8}" type="datetimeFigureOut">
               <a:rPr lang="en-US" smtClean="0"/>
-              <a:t>4/5/2023</a:t>
+              <a:t>4/7/2023</a:t>
             </a:fld>
             <a:endParaRPr lang="en-US"/>
           </a:p>
@@ -469,7 +1763,7 @@
           <a:p>
             <a:fld id="{8ABDCE5D-2F42-4C45-98AA-7AAD2A36BEC8}" type="datetimeFigureOut">
               <a:rPr lang="en-US" smtClean="0"/>
-              <a:t>4/5/2023</a:t>
+              <a:t>4/7/2023</a:t>
             </a:fld>
             <a:endParaRPr lang="en-US"/>
           </a:p>
@@ -677,7 +1971,7 @@
           <a:p>
             <a:fld id="{8ABDCE5D-2F42-4C45-98AA-7AAD2A36BEC8}" type="datetimeFigureOut">
               <a:rPr lang="en-US" smtClean="0"/>
-              <a:t>4/5/2023</a:t>
+              <a:t>4/7/2023</a:t>
             </a:fld>
             <a:endParaRPr lang="en-US"/>
           </a:p>
@@ -875,7 +2169,7 @@
           <a:p>
             <a:fld id="{8ABDCE5D-2F42-4C45-98AA-7AAD2A36BEC8}" type="datetimeFigureOut">
               <a:rPr lang="en-US" smtClean="0"/>
-              <a:t>4/5/2023</a:t>
+              <a:t>4/7/2023</a:t>
             </a:fld>
             <a:endParaRPr lang="en-US"/>
           </a:p>
@@ -1150,7 +2444,7 @@
           <a:p>
             <a:fld id="{8ABDCE5D-2F42-4C45-98AA-7AAD2A36BEC8}" type="datetimeFigureOut">
               <a:rPr lang="en-US" smtClean="0"/>
-              <a:t>4/5/2023</a:t>
+              <a:t>4/7/2023</a:t>
             </a:fld>
             <a:endParaRPr lang="en-US"/>
           </a:p>
@@ -1415,7 +2709,7 @@
           <a:p>
             <a:fld id="{8ABDCE5D-2F42-4C45-98AA-7AAD2A36BEC8}" type="datetimeFigureOut">
               <a:rPr lang="en-US" smtClean="0"/>
-              <a:t>4/5/2023</a:t>
+              <a:t>4/7/2023</a:t>
             </a:fld>
             <a:endParaRPr lang="en-US"/>
           </a:p>
@@ -1827,7 +3121,7 @@
           <a:p>
             <a:fld id="{8ABDCE5D-2F42-4C45-98AA-7AAD2A36BEC8}" type="datetimeFigureOut">
               <a:rPr lang="en-US" smtClean="0"/>
-              <a:t>4/5/2023</a:t>
+              <a:t>4/7/2023</a:t>
             </a:fld>
             <a:endParaRPr lang="en-US"/>
           </a:p>
@@ -1968,7 +3262,7 @@
           <a:p>
             <a:fld id="{8ABDCE5D-2F42-4C45-98AA-7AAD2A36BEC8}" type="datetimeFigureOut">
               <a:rPr lang="en-US" smtClean="0"/>
-              <a:t>4/5/2023</a:t>
+              <a:t>4/7/2023</a:t>
             </a:fld>
             <a:endParaRPr lang="en-US"/>
           </a:p>
@@ -2081,7 +3375,7 @@
           <a:p>
             <a:fld id="{8ABDCE5D-2F42-4C45-98AA-7AAD2A36BEC8}" type="datetimeFigureOut">
               <a:rPr lang="en-US" smtClean="0"/>
-              <a:t>4/5/2023</a:t>
+              <a:t>4/7/2023</a:t>
             </a:fld>
             <a:endParaRPr lang="en-US"/>
           </a:p>
@@ -2392,7 +3686,7 @@
           <a:p>
             <a:fld id="{8ABDCE5D-2F42-4C45-98AA-7AAD2A36BEC8}" type="datetimeFigureOut">
               <a:rPr lang="en-US" smtClean="0"/>
-              <a:t>4/5/2023</a:t>
+              <a:t>4/7/2023</a:t>
             </a:fld>
             <a:endParaRPr lang="en-US"/>
           </a:p>
@@ -2680,7 +3974,7 @@
           <a:p>
             <a:fld id="{8ABDCE5D-2F42-4C45-98AA-7AAD2A36BEC8}" type="datetimeFigureOut">
               <a:rPr lang="en-US" smtClean="0"/>
-              <a:t>4/5/2023</a:t>
+              <a:t>4/7/2023</a:t>
             </a:fld>
             <a:endParaRPr lang="en-US"/>
           </a:p>
@@ -2921,7 +4215,7 @@
           <a:p>
             <a:fld id="{8ABDCE5D-2F42-4C45-98AA-7AAD2A36BEC8}" type="datetimeFigureOut">
               <a:rPr lang="en-US" smtClean="0"/>
-              <a:t>4/5/2023</a:t>
+              <a:t>4/7/2023</a:t>
             </a:fld>
             <a:endParaRPr lang="en-US"/>
           </a:p>
@@ -6914,7 +8208,9 @@
         </p:nvSpPr>
         <p:spPr/>
         <p:txBody>
-          <a:bodyPr/>
+          <a:bodyPr>
+            <a:normAutofit lnSpcReduction="10000"/>
+          </a:bodyPr>
           <a:lstStyle/>
           <a:p>
             <a:r>
@@ -6934,6 +8230,53 @@
             <a:r>
               <a:rPr lang="en-US" dirty="0"/>
               <a:t>React fragment</a:t>
+            </a:r>
+          </a:p>
+          <a:p>
+            <a:r>
+              <a:rPr lang="en-US" dirty="0"/>
+              <a:t>Hoc introduction</a:t>
+            </a:r>
+          </a:p>
+          <a:p>
+            <a:r>
+              <a:rPr lang="en-US" dirty="0"/>
+              <a:t>Another form of </a:t>
+            </a:r>
+            <a:r>
+              <a:rPr lang="en-US" dirty="0" err="1"/>
+              <a:t>hocs</a:t>
+            </a:r>
+            <a:endParaRPr lang="en-US" dirty="0"/>
+          </a:p>
+          <a:p>
+            <a:r>
+              <a:rPr lang="en-US" dirty="0"/>
+              <a:t>Passing unknown props</a:t>
+            </a:r>
+          </a:p>
+          <a:p>
+            <a:r>
+              <a:rPr lang="en-US" dirty="0"/>
+              <a:t>Setting state correctly</a:t>
+            </a:r>
+          </a:p>
+          <a:p>
+            <a:r>
+              <a:rPr lang="en-US" dirty="0"/>
+              <a:t>Proptypes</a:t>
+            </a:r>
+          </a:p>
+          <a:p>
+            <a:r>
+              <a:rPr lang="en-US" dirty="0"/>
+              <a:t>Using refs</a:t>
+            </a:r>
+          </a:p>
+          <a:p>
+            <a:r>
+              <a:rPr lang="en-US" dirty="0"/>
+              <a:t>Using refs with Hooks</a:t>
             </a:r>
           </a:p>
         </p:txBody>
@@ -6942,6 +8285,4102 @@
     <p:extLst>
       <p:ext uri="{BB962C8B-B14F-4D97-AF65-F5344CB8AC3E}">
         <p14:creationId xmlns:p14="http://schemas.microsoft.com/office/powerpoint/2010/main" val="973162079"/>
+      </p:ext>
+    </p:extLst>
+  </p:cSld>
+  <p:clrMapOvr>
+    <a:masterClrMapping/>
+  </p:clrMapOvr>
+</p:sld>
+</file>
+
+<file path=ppt/slides/slide14.xml><?xml version="1.0" encoding="utf-8"?>
+<p:sld xmlns:a="http://schemas.openxmlformats.org/drawingml/2006/main" xmlns:r="http://schemas.openxmlformats.org/officeDocument/2006/relationships" xmlns:p="http://schemas.openxmlformats.org/presentationml/2006/main">
+  <p:cSld>
+    <p:spTree>
+      <p:nvGrpSpPr>
+        <p:cNvPr id="1" name=""/>
+        <p:cNvGrpSpPr/>
+        <p:nvPr/>
+      </p:nvGrpSpPr>
+      <p:grpSpPr>
+        <a:xfrm>
+          <a:off x="0" y="0"/>
+          <a:ext cx="0" cy="0"/>
+          <a:chOff x="0" y="0"/>
+          <a:chExt cx="0" cy="0"/>
+        </a:xfrm>
+      </p:grpSpPr>
+      <p:sp>
+        <p:nvSpPr>
+          <p:cNvPr id="3" name="Content Placeholder 2">
+            <a:extLst>
+              <a:ext uri="{FF2B5EF4-FFF2-40B4-BE49-F238E27FC236}">
+                <a16:creationId xmlns:a16="http://schemas.microsoft.com/office/drawing/2014/main" id="{84749636-1354-9514-3850-AA990EA16D84}"/>
+              </a:ext>
+            </a:extLst>
+          </p:cNvPr>
+          <p:cNvSpPr>
+            <a:spLocks noGrp="1"/>
+          </p:cNvSpPr>
+          <p:nvPr>
+            <p:ph idx="1"/>
+          </p:nvPr>
+        </p:nvSpPr>
+        <p:spPr>
+          <a:xfrm>
+            <a:off x="838200" y="656492"/>
+            <a:ext cx="10515600" cy="5520471"/>
+          </a:xfrm>
+        </p:spPr>
+        <p:txBody>
+          <a:bodyPr/>
+          <a:lstStyle/>
+          <a:p>
+            <a:r>
+              <a:rPr lang="en-US" dirty="0"/>
+              <a:t>Understanding problems with prop chains</a:t>
+            </a:r>
+          </a:p>
+          <a:p>
+            <a:r>
+              <a:rPr lang="en-US" dirty="0"/>
+              <a:t>Using the context </a:t>
+            </a:r>
+            <a:r>
+              <a:rPr lang="en-US" dirty="0" err="1"/>
+              <a:t>api</a:t>
+            </a:r>
+            <a:endParaRPr lang="en-US" dirty="0"/>
+          </a:p>
+          <a:p>
+            <a:r>
+              <a:rPr lang="en-US" dirty="0" err="1"/>
+              <a:t>contextType</a:t>
+            </a:r>
+            <a:r>
+              <a:rPr lang="en-US" dirty="0"/>
+              <a:t> and </a:t>
+            </a:r>
+            <a:r>
+              <a:rPr lang="en-US" dirty="0" err="1"/>
+              <a:t>usecontext</a:t>
+            </a:r>
+            <a:endParaRPr lang="en-US" dirty="0"/>
+          </a:p>
+        </p:txBody>
+      </p:sp>
+    </p:spTree>
+    <p:extLst>
+      <p:ext uri="{BB962C8B-B14F-4D97-AF65-F5344CB8AC3E}">
+        <p14:creationId xmlns:p14="http://schemas.microsoft.com/office/powerpoint/2010/main" val="1226453659"/>
+      </p:ext>
+    </p:extLst>
+  </p:cSld>
+  <p:clrMapOvr>
+    <a:masterClrMapping/>
+  </p:clrMapOvr>
+</p:sld>
+</file>
+
+<file path=ppt/slides/slide15.xml><?xml version="1.0" encoding="utf-8"?>
+<p:sld xmlns:a="http://schemas.openxmlformats.org/drawingml/2006/main" xmlns:r="http://schemas.openxmlformats.org/officeDocument/2006/relationships" xmlns:p="http://schemas.openxmlformats.org/presentationml/2006/main">
+  <p:cSld>
+    <p:spTree>
+      <p:nvGrpSpPr>
+        <p:cNvPr id="1" name=""/>
+        <p:cNvGrpSpPr/>
+        <p:nvPr/>
+      </p:nvGrpSpPr>
+      <p:grpSpPr>
+        <a:xfrm>
+          <a:off x="0" y="0"/>
+          <a:ext cx="0" cy="0"/>
+          <a:chOff x="0" y="0"/>
+          <a:chExt cx="0" cy="0"/>
+        </a:xfrm>
+      </p:grpSpPr>
+      <p:sp>
+        <p:nvSpPr>
+          <p:cNvPr id="2" name="Title 1">
+            <a:extLst>
+              <a:ext uri="{FF2B5EF4-FFF2-40B4-BE49-F238E27FC236}">
+                <a16:creationId xmlns:a16="http://schemas.microsoft.com/office/drawing/2014/main" id="{BA440AC3-C189-9214-B340-C52B090C124A}"/>
+              </a:ext>
+            </a:extLst>
+          </p:cNvPr>
+          <p:cNvSpPr>
+            <a:spLocks noGrp="1"/>
+          </p:cNvSpPr>
+          <p:nvPr>
+            <p:ph type="title"/>
+          </p:nvPr>
+        </p:nvSpPr>
+        <p:spPr/>
+        <p:txBody>
+          <a:bodyPr/>
+          <a:lstStyle/>
+          <a:p>
+            <a:r>
+              <a:rPr lang="en-US" dirty="0"/>
+              <a:t>From Theory to Practice</a:t>
+            </a:r>
+          </a:p>
+        </p:txBody>
+      </p:sp>
+      <p:sp>
+        <p:nvSpPr>
+          <p:cNvPr id="3" name="Content Placeholder 2">
+            <a:extLst>
+              <a:ext uri="{FF2B5EF4-FFF2-40B4-BE49-F238E27FC236}">
+                <a16:creationId xmlns:a16="http://schemas.microsoft.com/office/drawing/2014/main" id="{69130BE1-EE65-3E39-BB9F-6393D46F2519}"/>
+              </a:ext>
+            </a:extLst>
+          </p:cNvPr>
+          <p:cNvSpPr>
+            <a:spLocks noGrp="1"/>
+          </p:cNvSpPr>
+          <p:nvPr>
+            <p:ph idx="1"/>
+          </p:nvPr>
+        </p:nvSpPr>
+        <p:spPr/>
+        <p:txBody>
+          <a:bodyPr/>
+          <a:lstStyle/>
+          <a:p>
+            <a:pPr marL="0" indent="0">
+              <a:buNone/>
+            </a:pPr>
+            <a:r>
+              <a:rPr lang="en-US" dirty="0"/>
+              <a:t>Building a Burger</a:t>
+            </a:r>
+          </a:p>
+        </p:txBody>
+      </p:sp>
+    </p:spTree>
+    <p:extLst>
+      <p:ext uri="{BB962C8B-B14F-4D97-AF65-F5344CB8AC3E}">
+        <p14:creationId xmlns:p14="http://schemas.microsoft.com/office/powerpoint/2010/main" val="3457772564"/>
+      </p:ext>
+    </p:extLst>
+  </p:cSld>
+  <p:clrMapOvr>
+    <a:masterClrMapping/>
+  </p:clrMapOvr>
+</p:sld>
+</file>
+
+<file path=ppt/slides/slide16.xml><?xml version="1.0" encoding="utf-8"?>
+<p:sld xmlns:a="http://schemas.openxmlformats.org/drawingml/2006/main" xmlns:r="http://schemas.openxmlformats.org/officeDocument/2006/relationships" xmlns:p="http://schemas.openxmlformats.org/presentationml/2006/main">
+  <p:cSld>
+    <p:spTree>
+      <p:nvGrpSpPr>
+        <p:cNvPr id="1" name=""/>
+        <p:cNvGrpSpPr/>
+        <p:nvPr/>
+      </p:nvGrpSpPr>
+      <p:grpSpPr>
+        <a:xfrm>
+          <a:off x="0" y="0"/>
+          <a:ext cx="0" cy="0"/>
+          <a:chOff x="0" y="0"/>
+          <a:chExt cx="0" cy="0"/>
+        </a:xfrm>
+      </p:grpSpPr>
+      <p:sp>
+        <p:nvSpPr>
+          <p:cNvPr id="2" name="Title 1">
+            <a:extLst>
+              <a:ext uri="{FF2B5EF4-FFF2-40B4-BE49-F238E27FC236}">
+                <a16:creationId xmlns:a16="http://schemas.microsoft.com/office/drawing/2014/main" id="{A80D6994-75C1-376A-646B-2909E3A62446}"/>
+              </a:ext>
+            </a:extLst>
+          </p:cNvPr>
+          <p:cNvSpPr>
+            <a:spLocks noGrp="1"/>
+          </p:cNvSpPr>
+          <p:nvPr>
+            <p:ph type="title"/>
+          </p:nvPr>
+        </p:nvSpPr>
+        <p:spPr/>
+        <p:txBody>
+          <a:bodyPr/>
+          <a:lstStyle/>
+          <a:p>
+            <a:r>
+              <a:rPr lang="en-US" dirty="0"/>
+              <a:t>Planning a React App</a:t>
+            </a:r>
+          </a:p>
+        </p:txBody>
+      </p:sp>
+      <p:sp>
+        <p:nvSpPr>
+          <p:cNvPr id="3" name="Content Placeholder 2">
+            <a:extLst>
+              <a:ext uri="{FF2B5EF4-FFF2-40B4-BE49-F238E27FC236}">
+                <a16:creationId xmlns:a16="http://schemas.microsoft.com/office/drawing/2014/main" id="{E1190C1D-BABA-9F5B-45B4-75E02C6B4D3E}"/>
+              </a:ext>
+            </a:extLst>
+          </p:cNvPr>
+          <p:cNvSpPr>
+            <a:spLocks noGrp="1"/>
+          </p:cNvSpPr>
+          <p:nvPr>
+            <p:ph idx="1"/>
+          </p:nvPr>
+        </p:nvSpPr>
+        <p:spPr/>
+        <p:txBody>
+          <a:bodyPr/>
+          <a:lstStyle/>
+          <a:p>
+            <a:pPr marL="514350" indent="-514350">
+              <a:buAutoNum type="arabicPeriod"/>
+            </a:pPr>
+            <a:r>
+              <a:rPr lang="en-US" dirty="0"/>
+              <a:t>Component tree/ Component Structure</a:t>
+            </a:r>
+          </a:p>
+          <a:p>
+            <a:pPr marL="514350" indent="-514350">
+              <a:buAutoNum type="arabicPeriod"/>
+            </a:pPr>
+            <a:r>
+              <a:rPr lang="en-US" dirty="0"/>
+              <a:t>Application State(Data)</a:t>
+            </a:r>
+          </a:p>
+          <a:p>
+            <a:pPr marL="514350" indent="-514350">
+              <a:buAutoNum type="arabicPeriod"/>
+            </a:pPr>
+            <a:r>
+              <a:rPr lang="en-US" dirty="0"/>
+              <a:t>Components vs Containers</a:t>
+            </a:r>
+          </a:p>
+        </p:txBody>
+      </p:sp>
+    </p:spTree>
+    <p:extLst>
+      <p:ext uri="{BB962C8B-B14F-4D97-AF65-F5344CB8AC3E}">
+        <p14:creationId xmlns:p14="http://schemas.microsoft.com/office/powerpoint/2010/main" val="346910409"/>
+      </p:ext>
+    </p:extLst>
+  </p:cSld>
+  <p:clrMapOvr>
+    <a:masterClrMapping/>
+  </p:clrMapOvr>
+</p:sld>
+</file>
+
+<file path=ppt/slides/slide17.xml><?xml version="1.0" encoding="utf-8"?>
+<p:sld xmlns:a="http://schemas.openxmlformats.org/drawingml/2006/main" xmlns:r="http://schemas.openxmlformats.org/officeDocument/2006/relationships" xmlns:p="http://schemas.openxmlformats.org/presentationml/2006/main">
+  <p:cSld>
+    <p:spTree>
+      <p:nvGrpSpPr>
+        <p:cNvPr id="1" name=""/>
+        <p:cNvGrpSpPr/>
+        <p:nvPr/>
+      </p:nvGrpSpPr>
+      <p:grpSpPr>
+        <a:xfrm>
+          <a:off x="0" y="0"/>
+          <a:ext cx="0" cy="0"/>
+          <a:chOff x="0" y="0"/>
+          <a:chExt cx="0" cy="0"/>
+        </a:xfrm>
+      </p:grpSpPr>
+      <p:sp>
+        <p:nvSpPr>
+          <p:cNvPr id="25" name="TextBox 24">
+            <a:extLst>
+              <a:ext uri="{FF2B5EF4-FFF2-40B4-BE49-F238E27FC236}">
+                <a16:creationId xmlns:a16="http://schemas.microsoft.com/office/drawing/2014/main" id="{DD2E6F12-FE3C-E5CE-936D-67059810948A}"/>
+              </a:ext>
+            </a:extLst>
+          </p:cNvPr>
+          <p:cNvSpPr txBox="1"/>
+          <p:nvPr/>
+        </p:nvSpPr>
+        <p:spPr>
+          <a:xfrm>
+            <a:off x="4844955" y="464024"/>
+            <a:ext cx="1534138" cy="369332"/>
+          </a:xfrm>
+          <a:prstGeom prst="rect">
+            <a:avLst/>
+          </a:prstGeom>
+          <a:noFill/>
+        </p:spPr>
+        <p:txBody>
+          <a:bodyPr wrap="none" rtlCol="0">
+            <a:spAutoFit/>
+          </a:bodyPr>
+          <a:lstStyle/>
+          <a:p>
+            <a:r>
+              <a:rPr lang="en-US" dirty="0"/>
+              <a:t>Burger Builder</a:t>
+            </a:r>
+          </a:p>
+        </p:txBody>
+      </p:sp>
+      <p:grpSp>
+        <p:nvGrpSpPr>
+          <p:cNvPr id="41" name="Group 40">
+            <a:extLst>
+              <a:ext uri="{FF2B5EF4-FFF2-40B4-BE49-F238E27FC236}">
+                <a16:creationId xmlns:a16="http://schemas.microsoft.com/office/drawing/2014/main" id="{5160FB96-A727-4E18-718D-0A98349D4234}"/>
+              </a:ext>
+            </a:extLst>
+          </p:cNvPr>
+          <p:cNvGrpSpPr/>
+          <p:nvPr/>
+        </p:nvGrpSpPr>
+        <p:grpSpPr>
+          <a:xfrm>
+            <a:off x="1119036" y="1281267"/>
+            <a:ext cx="8674560" cy="3764520"/>
+            <a:chOff x="1119036" y="1281267"/>
+            <a:chExt cx="8674560" cy="3764520"/>
+          </a:xfrm>
+        </p:grpSpPr>
+        <mc:AlternateContent xmlns:mc="http://schemas.openxmlformats.org/markup-compatibility/2006">
+          <mc:Choice xmlns:p14="http://schemas.microsoft.com/office/powerpoint/2010/main" Requires="p14">
+            <p:contentPart p14:bwMode="auto" r:id="rId2">
+              <p14:nvContentPartPr>
+                <p14:cNvPr id="27" name="Ink 26">
+                  <a:extLst>
+                    <a:ext uri="{FF2B5EF4-FFF2-40B4-BE49-F238E27FC236}">
+                      <a16:creationId xmlns:a16="http://schemas.microsoft.com/office/drawing/2014/main" id="{18C21950-0772-D077-1461-B5D3B84033C7}"/>
+                    </a:ext>
+                  </a:extLst>
+                </p14:cNvPr>
+                <p14:cNvContentPartPr/>
+                <p14:nvPr/>
+              </p14:nvContentPartPr>
+              <p14:xfrm>
+                <a:off x="1617996" y="1282347"/>
+                <a:ext cx="157320" cy="3763440"/>
+              </p14:xfrm>
+            </p:contentPart>
+          </mc:Choice>
+          <mc:Fallback>
+            <p:pic>
+              <p:nvPicPr>
+                <p:cNvPr id="27" name="Ink 26">
+                  <a:extLst>
+                    <a:ext uri="{FF2B5EF4-FFF2-40B4-BE49-F238E27FC236}">
+                      <a16:creationId xmlns:a16="http://schemas.microsoft.com/office/drawing/2014/main" id="{18C21950-0772-D077-1461-B5D3B84033C7}"/>
+                    </a:ext>
+                  </a:extLst>
+                </p:cNvPr>
+                <p:cNvPicPr/>
+                <p:nvPr/>
+              </p:nvPicPr>
+              <p:blipFill>
+                <a:blip r:embed="rId3"/>
+                <a:stretch>
+                  <a:fillRect/>
+                </a:stretch>
+              </p:blipFill>
+              <p:spPr>
+                <a:xfrm>
+                  <a:off x="1581996" y="1246347"/>
+                  <a:ext cx="228960" cy="3835080"/>
+                </a:xfrm>
+                <a:prstGeom prst="rect">
+                  <a:avLst/>
+                </a:prstGeom>
+              </p:spPr>
+            </p:pic>
+          </mc:Fallback>
+        </mc:AlternateContent>
+        <mc:AlternateContent xmlns:mc="http://schemas.openxmlformats.org/markup-compatibility/2006">
+          <mc:Choice xmlns:p14="http://schemas.microsoft.com/office/powerpoint/2010/main" Requires="p14">
+            <p:contentPart p14:bwMode="auto" r:id="rId4">
+              <p14:nvContentPartPr>
+                <p14:cNvPr id="28" name="Ink 27">
+                  <a:extLst>
+                    <a:ext uri="{FF2B5EF4-FFF2-40B4-BE49-F238E27FC236}">
+                      <a16:creationId xmlns:a16="http://schemas.microsoft.com/office/drawing/2014/main" id="{130F6881-2001-3C10-91A3-23B13F90DE10}"/>
+                    </a:ext>
+                  </a:extLst>
+                </p14:cNvPr>
+                <p14:cNvContentPartPr/>
+                <p14:nvPr/>
+              </p14:nvContentPartPr>
+              <p14:xfrm>
+                <a:off x="8501196" y="1405467"/>
+                <a:ext cx="601920" cy="3547440"/>
+              </p14:xfrm>
+            </p:contentPart>
+          </mc:Choice>
+          <mc:Fallback>
+            <p:pic>
+              <p:nvPicPr>
+                <p:cNvPr id="28" name="Ink 27">
+                  <a:extLst>
+                    <a:ext uri="{FF2B5EF4-FFF2-40B4-BE49-F238E27FC236}">
+                      <a16:creationId xmlns:a16="http://schemas.microsoft.com/office/drawing/2014/main" id="{130F6881-2001-3C10-91A3-23B13F90DE10}"/>
+                    </a:ext>
+                  </a:extLst>
+                </p:cNvPr>
+                <p:cNvPicPr/>
+                <p:nvPr/>
+              </p:nvPicPr>
+              <p:blipFill>
+                <a:blip r:embed="rId5"/>
+                <a:stretch>
+                  <a:fillRect/>
+                </a:stretch>
+              </p:blipFill>
+              <p:spPr>
+                <a:xfrm>
+                  <a:off x="8465556" y="1369827"/>
+                  <a:ext cx="673560" cy="3619080"/>
+                </a:xfrm>
+                <a:prstGeom prst="rect">
+                  <a:avLst/>
+                </a:prstGeom>
+              </p:spPr>
+            </p:pic>
+          </mc:Fallback>
+        </mc:AlternateContent>
+        <mc:AlternateContent xmlns:mc="http://schemas.openxmlformats.org/markup-compatibility/2006">
+          <mc:Choice xmlns:p14="http://schemas.microsoft.com/office/powerpoint/2010/main" Requires="p14">
+            <p:contentPart p14:bwMode="auto" r:id="rId6">
+              <p14:nvContentPartPr>
+                <p14:cNvPr id="29" name="Ink 28">
+                  <a:extLst>
+                    <a:ext uri="{FF2B5EF4-FFF2-40B4-BE49-F238E27FC236}">
+                      <a16:creationId xmlns:a16="http://schemas.microsoft.com/office/drawing/2014/main" id="{A6610DE9-2D8F-315A-DA61-299AD294D867}"/>
+                    </a:ext>
+                  </a:extLst>
+                </p14:cNvPr>
+                <p14:cNvContentPartPr/>
+                <p14:nvPr/>
+              </p14:nvContentPartPr>
+              <p14:xfrm>
+                <a:off x="1200396" y="1853667"/>
+                <a:ext cx="7774560" cy="141120"/>
+              </p14:xfrm>
+            </p:contentPart>
+          </mc:Choice>
+          <mc:Fallback>
+            <p:pic>
+              <p:nvPicPr>
+                <p:cNvPr id="29" name="Ink 28">
+                  <a:extLst>
+                    <a:ext uri="{FF2B5EF4-FFF2-40B4-BE49-F238E27FC236}">
+                      <a16:creationId xmlns:a16="http://schemas.microsoft.com/office/drawing/2014/main" id="{A6610DE9-2D8F-315A-DA61-299AD294D867}"/>
+                    </a:ext>
+                  </a:extLst>
+                </p:cNvPr>
+                <p:cNvPicPr/>
+                <p:nvPr/>
+              </p:nvPicPr>
+              <p:blipFill>
+                <a:blip r:embed="rId7"/>
+                <a:stretch>
+                  <a:fillRect/>
+                </a:stretch>
+              </p:blipFill>
+              <p:spPr>
+                <a:xfrm>
+                  <a:off x="1164756" y="1818027"/>
+                  <a:ext cx="7846200" cy="212760"/>
+                </a:xfrm>
+                <a:prstGeom prst="rect">
+                  <a:avLst/>
+                </a:prstGeom>
+              </p:spPr>
+            </p:pic>
+          </mc:Fallback>
+        </mc:AlternateContent>
+        <mc:AlternateContent xmlns:mc="http://schemas.openxmlformats.org/markup-compatibility/2006">
+          <mc:Choice xmlns:p14="http://schemas.microsoft.com/office/powerpoint/2010/main" Requires="p14">
+            <p:contentPart p14:bwMode="auto" r:id="rId8">
+              <p14:nvContentPartPr>
+                <p14:cNvPr id="30" name="Ink 29">
+                  <a:extLst>
+                    <a:ext uri="{FF2B5EF4-FFF2-40B4-BE49-F238E27FC236}">
+                      <a16:creationId xmlns:a16="http://schemas.microsoft.com/office/drawing/2014/main" id="{37226247-D7F6-7016-6281-8922C33CB324}"/>
+                    </a:ext>
+                  </a:extLst>
+                </p14:cNvPr>
+                <p14:cNvContentPartPr/>
+                <p14:nvPr/>
+              </p14:nvContentPartPr>
+              <p14:xfrm>
+                <a:off x="1119036" y="1281267"/>
+                <a:ext cx="8674560" cy="43920"/>
+              </p14:xfrm>
+            </p:contentPart>
+          </mc:Choice>
+          <mc:Fallback>
+            <p:pic>
+              <p:nvPicPr>
+                <p:cNvPr id="30" name="Ink 29">
+                  <a:extLst>
+                    <a:ext uri="{FF2B5EF4-FFF2-40B4-BE49-F238E27FC236}">
+                      <a16:creationId xmlns:a16="http://schemas.microsoft.com/office/drawing/2014/main" id="{37226247-D7F6-7016-6281-8922C33CB324}"/>
+                    </a:ext>
+                  </a:extLst>
+                </p:cNvPr>
+                <p:cNvPicPr/>
+                <p:nvPr/>
+              </p:nvPicPr>
+              <p:blipFill>
+                <a:blip r:embed="rId9"/>
+                <a:stretch>
+                  <a:fillRect/>
+                </a:stretch>
+              </p:blipFill>
+              <p:spPr>
+                <a:xfrm>
+                  <a:off x="1083036" y="1245627"/>
+                  <a:ext cx="8746200" cy="115560"/>
+                </a:xfrm>
+                <a:prstGeom prst="rect">
+                  <a:avLst/>
+                </a:prstGeom>
+              </p:spPr>
+            </p:pic>
+          </mc:Fallback>
+        </mc:AlternateContent>
+        <mc:AlternateContent xmlns:mc="http://schemas.openxmlformats.org/markup-compatibility/2006">
+          <mc:Choice xmlns:p14="http://schemas.microsoft.com/office/powerpoint/2010/main" Requires="p14">
+            <p:contentPart p14:bwMode="auto" r:id="rId10">
+              <p14:nvContentPartPr>
+                <p14:cNvPr id="32" name="Ink 31">
+                  <a:extLst>
+                    <a:ext uri="{FF2B5EF4-FFF2-40B4-BE49-F238E27FC236}">
+                      <a16:creationId xmlns:a16="http://schemas.microsoft.com/office/drawing/2014/main" id="{0C303432-DABB-A64B-2414-99E2ED54D4AA}"/>
+                    </a:ext>
+                  </a:extLst>
+                </p14:cNvPr>
+                <p14:cNvContentPartPr/>
+                <p14:nvPr/>
+              </p14:nvContentPartPr>
+              <p14:xfrm>
+                <a:off x="2084556" y="1364427"/>
+                <a:ext cx="422640" cy="500040"/>
+              </p14:xfrm>
+            </p:contentPart>
+          </mc:Choice>
+          <mc:Fallback>
+            <p:pic>
+              <p:nvPicPr>
+                <p:cNvPr id="32" name="Ink 31">
+                  <a:extLst>
+                    <a:ext uri="{FF2B5EF4-FFF2-40B4-BE49-F238E27FC236}">
+                      <a16:creationId xmlns:a16="http://schemas.microsoft.com/office/drawing/2014/main" id="{0C303432-DABB-A64B-2414-99E2ED54D4AA}"/>
+                    </a:ext>
+                  </a:extLst>
+                </p:cNvPr>
+                <p:cNvPicPr/>
+                <p:nvPr/>
+              </p:nvPicPr>
+              <p:blipFill>
+                <a:blip r:embed="rId11"/>
+                <a:stretch>
+                  <a:fillRect/>
+                </a:stretch>
+              </p:blipFill>
+              <p:spPr>
+                <a:xfrm>
+                  <a:off x="2048916" y="1328427"/>
+                  <a:ext cx="494280" cy="571680"/>
+                </a:xfrm>
+                <a:prstGeom prst="rect">
+                  <a:avLst/>
+                </a:prstGeom>
+              </p:spPr>
+            </p:pic>
+          </mc:Fallback>
+        </mc:AlternateContent>
+        <mc:AlternateContent xmlns:mc="http://schemas.openxmlformats.org/markup-compatibility/2006">
+          <mc:Choice xmlns:p14="http://schemas.microsoft.com/office/powerpoint/2010/main" Requires="p14">
+            <p:contentPart p14:bwMode="auto" r:id="rId12">
+              <p14:nvContentPartPr>
+                <p14:cNvPr id="33" name="Ink 32">
+                  <a:extLst>
+                    <a:ext uri="{FF2B5EF4-FFF2-40B4-BE49-F238E27FC236}">
+                      <a16:creationId xmlns:a16="http://schemas.microsoft.com/office/drawing/2014/main" id="{321492A9-F297-70C9-AEF4-83561537CA29}"/>
+                    </a:ext>
+                  </a:extLst>
+                </p14:cNvPr>
+                <p14:cNvContentPartPr/>
+                <p14:nvPr/>
+              </p14:nvContentPartPr>
+              <p14:xfrm>
+                <a:off x="2019756" y="1733067"/>
+                <a:ext cx="73800" cy="360"/>
+              </p14:xfrm>
+            </p:contentPart>
+          </mc:Choice>
+          <mc:Fallback>
+            <p:pic>
+              <p:nvPicPr>
+                <p:cNvPr id="33" name="Ink 32">
+                  <a:extLst>
+                    <a:ext uri="{FF2B5EF4-FFF2-40B4-BE49-F238E27FC236}">
+                      <a16:creationId xmlns:a16="http://schemas.microsoft.com/office/drawing/2014/main" id="{321492A9-F297-70C9-AEF4-83561537CA29}"/>
+                    </a:ext>
+                  </a:extLst>
+                </p:cNvPr>
+                <p:cNvPicPr/>
+                <p:nvPr/>
+              </p:nvPicPr>
+              <p:blipFill>
+                <a:blip r:embed="rId13"/>
+                <a:stretch>
+                  <a:fillRect/>
+                </a:stretch>
+              </p:blipFill>
+              <p:spPr>
+                <a:xfrm>
+                  <a:off x="1983756" y="1697067"/>
+                  <a:ext cx="145440" cy="72000"/>
+                </a:xfrm>
+                <a:prstGeom prst="rect">
+                  <a:avLst/>
+                </a:prstGeom>
+              </p:spPr>
+            </p:pic>
+          </mc:Fallback>
+        </mc:AlternateContent>
+        <mc:AlternateContent xmlns:mc="http://schemas.openxmlformats.org/markup-compatibility/2006">
+          <mc:Choice xmlns:p14="http://schemas.microsoft.com/office/powerpoint/2010/main" Requires="p14">
+            <p:contentPart p14:bwMode="auto" r:id="rId14">
+              <p14:nvContentPartPr>
+                <p14:cNvPr id="34" name="Ink 33">
+                  <a:extLst>
+                    <a:ext uri="{FF2B5EF4-FFF2-40B4-BE49-F238E27FC236}">
+                      <a16:creationId xmlns:a16="http://schemas.microsoft.com/office/drawing/2014/main" id="{700AFFDE-0E6A-B392-5406-8D5EBE9D7066}"/>
+                    </a:ext>
+                  </a:extLst>
+                </p14:cNvPr>
+                <p14:cNvContentPartPr/>
+                <p14:nvPr/>
+              </p14:nvContentPartPr>
+              <p14:xfrm>
+                <a:off x="2183196" y="1691667"/>
+                <a:ext cx="279000" cy="360"/>
+              </p14:xfrm>
+            </p:contentPart>
+          </mc:Choice>
+          <mc:Fallback>
+            <p:pic>
+              <p:nvPicPr>
+                <p:cNvPr id="34" name="Ink 33">
+                  <a:extLst>
+                    <a:ext uri="{FF2B5EF4-FFF2-40B4-BE49-F238E27FC236}">
+                      <a16:creationId xmlns:a16="http://schemas.microsoft.com/office/drawing/2014/main" id="{700AFFDE-0E6A-B392-5406-8D5EBE9D7066}"/>
+                    </a:ext>
+                  </a:extLst>
+                </p:cNvPr>
+                <p:cNvPicPr/>
+                <p:nvPr/>
+              </p:nvPicPr>
+              <p:blipFill>
+                <a:blip r:embed="rId15"/>
+                <a:stretch>
+                  <a:fillRect/>
+                </a:stretch>
+              </p:blipFill>
+              <p:spPr>
+                <a:xfrm>
+                  <a:off x="2147196" y="1656027"/>
+                  <a:ext cx="350640" cy="72000"/>
+                </a:xfrm>
+                <a:prstGeom prst="rect">
+                  <a:avLst/>
+                </a:prstGeom>
+              </p:spPr>
+            </p:pic>
+          </mc:Fallback>
+        </mc:AlternateContent>
+        <mc:AlternateContent xmlns:mc="http://schemas.openxmlformats.org/markup-compatibility/2006">
+          <mc:Choice xmlns:p14="http://schemas.microsoft.com/office/powerpoint/2010/main" Requires="p14">
+            <p:contentPart p14:bwMode="auto" r:id="rId16">
+              <p14:nvContentPartPr>
+                <p14:cNvPr id="35" name="Ink 34">
+                  <a:extLst>
+                    <a:ext uri="{FF2B5EF4-FFF2-40B4-BE49-F238E27FC236}">
+                      <a16:creationId xmlns:a16="http://schemas.microsoft.com/office/drawing/2014/main" id="{27CC22C9-763D-DDD6-F72F-B0E85B963CD0}"/>
+                    </a:ext>
+                  </a:extLst>
+                </p14:cNvPr>
+                <p14:cNvContentPartPr/>
+                <p14:nvPr/>
+              </p14:nvContentPartPr>
+              <p14:xfrm>
+                <a:off x="2643276" y="1446147"/>
+                <a:ext cx="485280" cy="330120"/>
+              </p14:xfrm>
+            </p:contentPart>
+          </mc:Choice>
+          <mc:Fallback>
+            <p:pic>
+              <p:nvPicPr>
+                <p:cNvPr id="35" name="Ink 34">
+                  <a:extLst>
+                    <a:ext uri="{FF2B5EF4-FFF2-40B4-BE49-F238E27FC236}">
+                      <a16:creationId xmlns:a16="http://schemas.microsoft.com/office/drawing/2014/main" id="{27CC22C9-763D-DDD6-F72F-B0E85B963CD0}"/>
+                    </a:ext>
+                  </a:extLst>
+                </p:cNvPr>
+                <p:cNvPicPr/>
+                <p:nvPr/>
+              </p:nvPicPr>
+              <p:blipFill>
+                <a:blip r:embed="rId17"/>
+                <a:stretch>
+                  <a:fillRect/>
+                </a:stretch>
+              </p:blipFill>
+              <p:spPr>
+                <a:xfrm>
+                  <a:off x="2607276" y="1410507"/>
+                  <a:ext cx="556920" cy="401760"/>
+                </a:xfrm>
+                <a:prstGeom prst="rect">
+                  <a:avLst/>
+                </a:prstGeom>
+              </p:spPr>
+            </p:pic>
+          </mc:Fallback>
+        </mc:AlternateContent>
+        <mc:AlternateContent xmlns:mc="http://schemas.openxmlformats.org/markup-compatibility/2006">
+          <mc:Choice xmlns:p14="http://schemas.microsoft.com/office/powerpoint/2010/main" Requires="p14">
+            <p:contentPart p14:bwMode="auto" r:id="rId18">
+              <p14:nvContentPartPr>
+                <p14:cNvPr id="36" name="Ink 35">
+                  <a:extLst>
+                    <a:ext uri="{FF2B5EF4-FFF2-40B4-BE49-F238E27FC236}">
+                      <a16:creationId xmlns:a16="http://schemas.microsoft.com/office/drawing/2014/main" id="{1DE2F8BB-9157-E6EB-FA26-62ECBE801EFA}"/>
+                    </a:ext>
+                  </a:extLst>
+                </p14:cNvPr>
+                <p14:cNvContentPartPr/>
+                <p14:nvPr/>
+              </p14:nvContentPartPr>
+              <p14:xfrm>
+                <a:off x="3288756" y="1364067"/>
+                <a:ext cx="345240" cy="386280"/>
+              </p14:xfrm>
+            </p:contentPart>
+          </mc:Choice>
+          <mc:Fallback>
+            <p:pic>
+              <p:nvPicPr>
+                <p:cNvPr id="36" name="Ink 35">
+                  <a:extLst>
+                    <a:ext uri="{FF2B5EF4-FFF2-40B4-BE49-F238E27FC236}">
+                      <a16:creationId xmlns:a16="http://schemas.microsoft.com/office/drawing/2014/main" id="{1DE2F8BB-9157-E6EB-FA26-62ECBE801EFA}"/>
+                    </a:ext>
+                  </a:extLst>
+                </p:cNvPr>
+                <p:cNvPicPr/>
+                <p:nvPr/>
+              </p:nvPicPr>
+              <p:blipFill>
+                <a:blip r:embed="rId19"/>
+                <a:stretch>
+                  <a:fillRect/>
+                </a:stretch>
+              </p:blipFill>
+              <p:spPr>
+                <a:xfrm>
+                  <a:off x="3253116" y="1328427"/>
+                  <a:ext cx="416880" cy="457920"/>
+                </a:xfrm>
+                <a:prstGeom prst="rect">
+                  <a:avLst/>
+                </a:prstGeom>
+              </p:spPr>
+            </p:pic>
+          </mc:Fallback>
+        </mc:AlternateContent>
+        <mc:AlternateContent xmlns:mc="http://schemas.openxmlformats.org/markup-compatibility/2006">
+          <mc:Choice xmlns:p14="http://schemas.microsoft.com/office/powerpoint/2010/main" Requires="p14">
+            <p:contentPart p14:bwMode="auto" r:id="rId20">
+              <p14:nvContentPartPr>
+                <p14:cNvPr id="38" name="Ink 37">
+                  <a:extLst>
+                    <a:ext uri="{FF2B5EF4-FFF2-40B4-BE49-F238E27FC236}">
+                      <a16:creationId xmlns:a16="http://schemas.microsoft.com/office/drawing/2014/main" id="{D73AAF4B-74EE-13A4-198E-950F24290E08}"/>
+                    </a:ext>
+                  </a:extLst>
+                </p14:cNvPr>
+                <p14:cNvContentPartPr/>
+                <p14:nvPr/>
+              </p14:nvContentPartPr>
+              <p14:xfrm>
+                <a:off x="3868356" y="1446147"/>
+                <a:ext cx="390600" cy="292320"/>
+              </p14:xfrm>
+            </p:contentPart>
+          </mc:Choice>
+          <mc:Fallback>
+            <p:pic>
+              <p:nvPicPr>
+                <p:cNvPr id="38" name="Ink 37">
+                  <a:extLst>
+                    <a:ext uri="{FF2B5EF4-FFF2-40B4-BE49-F238E27FC236}">
+                      <a16:creationId xmlns:a16="http://schemas.microsoft.com/office/drawing/2014/main" id="{D73AAF4B-74EE-13A4-198E-950F24290E08}"/>
+                    </a:ext>
+                  </a:extLst>
+                </p:cNvPr>
+                <p:cNvPicPr/>
+                <p:nvPr/>
+              </p:nvPicPr>
+              <p:blipFill>
+                <a:blip r:embed="rId21"/>
+                <a:stretch>
+                  <a:fillRect/>
+                </a:stretch>
+              </p:blipFill>
+              <p:spPr>
+                <a:xfrm>
+                  <a:off x="3832716" y="1410147"/>
+                  <a:ext cx="462240" cy="363960"/>
+                </a:xfrm>
+                <a:prstGeom prst="rect">
+                  <a:avLst/>
+                </a:prstGeom>
+              </p:spPr>
+            </p:pic>
+          </mc:Fallback>
+        </mc:AlternateContent>
+        <mc:AlternateContent xmlns:mc="http://schemas.openxmlformats.org/markup-compatibility/2006">
+          <mc:Choice xmlns:p14="http://schemas.microsoft.com/office/powerpoint/2010/main" Requires="p14">
+            <p:contentPart p14:bwMode="auto" r:id="rId22">
+              <p14:nvContentPartPr>
+                <p14:cNvPr id="40" name="Ink 39">
+                  <a:extLst>
+                    <a:ext uri="{FF2B5EF4-FFF2-40B4-BE49-F238E27FC236}">
+                      <a16:creationId xmlns:a16="http://schemas.microsoft.com/office/drawing/2014/main" id="{3730B888-0C5E-79BA-A556-275A249E7C28}"/>
+                    </a:ext>
+                  </a:extLst>
+                </p14:cNvPr>
+                <p14:cNvContentPartPr/>
+                <p14:nvPr/>
+              </p14:nvContentPartPr>
+              <p14:xfrm>
+                <a:off x="5956356" y="1323387"/>
+                <a:ext cx="157680" cy="537120"/>
+              </p14:xfrm>
+            </p:contentPart>
+          </mc:Choice>
+          <mc:Fallback>
+            <p:pic>
+              <p:nvPicPr>
+                <p:cNvPr id="40" name="Ink 39">
+                  <a:extLst>
+                    <a:ext uri="{FF2B5EF4-FFF2-40B4-BE49-F238E27FC236}">
+                      <a16:creationId xmlns:a16="http://schemas.microsoft.com/office/drawing/2014/main" id="{3730B888-0C5E-79BA-A556-275A249E7C28}"/>
+                    </a:ext>
+                  </a:extLst>
+                </p:cNvPr>
+                <p:cNvPicPr/>
+                <p:nvPr/>
+              </p:nvPicPr>
+              <p:blipFill>
+                <a:blip r:embed="rId23"/>
+                <a:stretch>
+                  <a:fillRect/>
+                </a:stretch>
+              </p:blipFill>
+              <p:spPr>
+                <a:xfrm>
+                  <a:off x="5920356" y="1287747"/>
+                  <a:ext cx="229320" cy="608760"/>
+                </a:xfrm>
+                <a:prstGeom prst="rect">
+                  <a:avLst/>
+                </a:prstGeom>
+              </p:spPr>
+            </p:pic>
+          </mc:Fallback>
+        </mc:AlternateContent>
+      </p:grpSp>
+      <mc:AlternateContent xmlns:mc="http://schemas.openxmlformats.org/markup-compatibility/2006">
+        <mc:Choice xmlns:p14="http://schemas.microsoft.com/office/powerpoint/2010/main" Requires="p14">
+          <p:contentPart p14:bwMode="auto" r:id="rId24">
+            <p14:nvContentPartPr>
+              <p14:cNvPr id="42" name="Ink 41">
+                <a:extLst>
+                  <a:ext uri="{FF2B5EF4-FFF2-40B4-BE49-F238E27FC236}">
+                    <a16:creationId xmlns:a16="http://schemas.microsoft.com/office/drawing/2014/main" id="{8F75466C-8D33-770E-8DD7-0F46DA4FE584}"/>
+                  </a:ext>
+                </a:extLst>
+              </p14:cNvPr>
+              <p14:cNvContentPartPr/>
+              <p14:nvPr/>
+            </p14:nvContentPartPr>
+            <p14:xfrm>
+              <a:off x="7437396" y="1323387"/>
+              <a:ext cx="109440" cy="608400"/>
+            </p14:xfrm>
+          </p:contentPart>
+        </mc:Choice>
+        <mc:Fallback>
+          <p:pic>
+            <p:nvPicPr>
+              <p:cNvPr id="42" name="Ink 41">
+                <a:extLst>
+                  <a:ext uri="{FF2B5EF4-FFF2-40B4-BE49-F238E27FC236}">
+                    <a16:creationId xmlns:a16="http://schemas.microsoft.com/office/drawing/2014/main" id="{8F75466C-8D33-770E-8DD7-0F46DA4FE584}"/>
+                  </a:ext>
+                </a:extLst>
+              </p:cNvPr>
+              <p:cNvPicPr/>
+              <p:nvPr/>
+            </p:nvPicPr>
+            <p:blipFill>
+              <a:blip r:embed="rId25"/>
+              <a:stretch>
+                <a:fillRect/>
+              </a:stretch>
+            </p:blipFill>
+            <p:spPr>
+              <a:xfrm>
+                <a:off x="7401756" y="1287747"/>
+                <a:ext cx="181080" cy="680040"/>
+              </a:xfrm>
+              <a:prstGeom prst="rect">
+                <a:avLst/>
+              </a:prstGeom>
+            </p:spPr>
+          </p:pic>
+        </mc:Fallback>
+      </mc:AlternateContent>
+      <p:sp>
+        <p:nvSpPr>
+          <p:cNvPr id="46" name="TextBox 45">
+            <a:extLst>
+              <a:ext uri="{FF2B5EF4-FFF2-40B4-BE49-F238E27FC236}">
+                <a16:creationId xmlns:a16="http://schemas.microsoft.com/office/drawing/2014/main" id="{0F5A29E5-9ECA-C7F5-C829-C846509F0917}"/>
+              </a:ext>
+            </a:extLst>
+          </p:cNvPr>
+          <p:cNvSpPr txBox="1"/>
+          <p:nvPr/>
+        </p:nvSpPr>
+        <p:spPr>
+          <a:xfrm>
+            <a:off x="6355566" y="1445095"/>
+            <a:ext cx="854721" cy="369332"/>
+          </a:xfrm>
+          <a:prstGeom prst="rect">
+            <a:avLst/>
+          </a:prstGeom>
+          <a:noFill/>
+        </p:spPr>
+        <p:txBody>
+          <a:bodyPr wrap="none" rtlCol="0">
+            <a:spAutoFit/>
+          </a:bodyPr>
+          <a:lstStyle/>
+          <a:p>
+            <a:r>
+              <a:rPr lang="en-US" dirty="0"/>
+              <a:t>Builder</a:t>
+            </a:r>
+          </a:p>
+        </p:txBody>
+      </p:sp>
+      <p:sp>
+        <p:nvSpPr>
+          <p:cNvPr id="47" name="TextBox 46">
+            <a:extLst>
+              <a:ext uri="{FF2B5EF4-FFF2-40B4-BE49-F238E27FC236}">
+                <a16:creationId xmlns:a16="http://schemas.microsoft.com/office/drawing/2014/main" id="{D54EC69D-748C-39C7-0FF8-4F473153F0DA}"/>
+              </a:ext>
+            </a:extLst>
+          </p:cNvPr>
+          <p:cNvSpPr txBox="1"/>
+          <p:nvPr/>
+        </p:nvSpPr>
+        <p:spPr>
+          <a:xfrm>
+            <a:off x="7668346" y="1445095"/>
+            <a:ext cx="731354" cy="369332"/>
+          </a:xfrm>
+          <a:prstGeom prst="rect">
+            <a:avLst/>
+          </a:prstGeom>
+          <a:noFill/>
+        </p:spPr>
+        <p:txBody>
+          <a:bodyPr wrap="none" rtlCol="0">
+            <a:spAutoFit/>
+          </a:bodyPr>
+          <a:lstStyle/>
+          <a:p>
+            <a:r>
+              <a:rPr lang="en-US" dirty="0"/>
+              <a:t>Order</a:t>
+            </a:r>
+          </a:p>
+        </p:txBody>
+      </p:sp>
+      <p:grpSp>
+        <p:nvGrpSpPr>
+          <p:cNvPr id="52" name="Group 51">
+            <a:extLst>
+              <a:ext uri="{FF2B5EF4-FFF2-40B4-BE49-F238E27FC236}">
+                <a16:creationId xmlns:a16="http://schemas.microsoft.com/office/drawing/2014/main" id="{1A3620C9-9CBA-E0BD-42F3-19C539E3126A}"/>
+              </a:ext>
+            </a:extLst>
+          </p:cNvPr>
+          <p:cNvGrpSpPr/>
+          <p:nvPr/>
+        </p:nvGrpSpPr>
+        <p:grpSpPr>
+          <a:xfrm>
+            <a:off x="4394316" y="2183427"/>
+            <a:ext cx="1962000" cy="982800"/>
+            <a:chOff x="4394316" y="2183427"/>
+            <a:chExt cx="1962000" cy="982800"/>
+          </a:xfrm>
+        </p:grpSpPr>
+        <mc:AlternateContent xmlns:mc="http://schemas.openxmlformats.org/markup-compatibility/2006">
+          <mc:Choice xmlns:p14="http://schemas.microsoft.com/office/powerpoint/2010/main" Requires="p14">
+            <p:contentPart p14:bwMode="auto" r:id="rId26">
+              <p14:nvContentPartPr>
+                <p14:cNvPr id="48" name="Ink 47">
+                  <a:extLst>
+                    <a:ext uri="{FF2B5EF4-FFF2-40B4-BE49-F238E27FC236}">
+                      <a16:creationId xmlns:a16="http://schemas.microsoft.com/office/drawing/2014/main" id="{CE3C659C-4F58-DB25-9216-0A90F81391E4}"/>
+                    </a:ext>
+                  </a:extLst>
+                </p14:cNvPr>
+                <p14:cNvContentPartPr/>
+                <p14:nvPr/>
+              </p14:nvContentPartPr>
+              <p14:xfrm>
+                <a:off x="4674396" y="2183427"/>
+                <a:ext cx="1675080" cy="493920"/>
+              </p14:xfrm>
+            </p:contentPart>
+          </mc:Choice>
+          <mc:Fallback>
+            <p:pic>
+              <p:nvPicPr>
+                <p:cNvPr id="48" name="Ink 47">
+                  <a:extLst>
+                    <a:ext uri="{FF2B5EF4-FFF2-40B4-BE49-F238E27FC236}">
+                      <a16:creationId xmlns:a16="http://schemas.microsoft.com/office/drawing/2014/main" id="{CE3C659C-4F58-DB25-9216-0A90F81391E4}"/>
+                    </a:ext>
+                  </a:extLst>
+                </p:cNvPr>
+                <p:cNvPicPr/>
+                <p:nvPr/>
+              </p:nvPicPr>
+              <p:blipFill>
+                <a:blip r:embed="rId27"/>
+                <a:stretch>
+                  <a:fillRect/>
+                </a:stretch>
+              </p:blipFill>
+              <p:spPr>
+                <a:xfrm>
+                  <a:off x="4665396" y="2174427"/>
+                  <a:ext cx="1692720" cy="511560"/>
+                </a:xfrm>
+                <a:prstGeom prst="rect">
+                  <a:avLst/>
+                </a:prstGeom>
+              </p:spPr>
+            </p:pic>
+          </mc:Fallback>
+        </mc:AlternateContent>
+        <mc:AlternateContent xmlns:mc="http://schemas.openxmlformats.org/markup-compatibility/2006">
+          <mc:Choice xmlns:p14="http://schemas.microsoft.com/office/powerpoint/2010/main" Requires="p14">
+            <p:contentPart p14:bwMode="auto" r:id="rId28">
+              <p14:nvContentPartPr>
+                <p14:cNvPr id="49" name="Ink 48">
+                  <a:extLst>
+                    <a:ext uri="{FF2B5EF4-FFF2-40B4-BE49-F238E27FC236}">
+                      <a16:creationId xmlns:a16="http://schemas.microsoft.com/office/drawing/2014/main" id="{A9CBDABE-C646-ADB1-6847-6DC36E010C00}"/>
+                    </a:ext>
+                  </a:extLst>
+                </p14:cNvPr>
+                <p14:cNvContentPartPr/>
+                <p14:nvPr/>
+              </p14:nvContentPartPr>
+              <p14:xfrm>
+                <a:off x="4476036" y="2674467"/>
+                <a:ext cx="1880280" cy="125280"/>
+              </p14:xfrm>
+            </p:contentPart>
+          </mc:Choice>
+          <mc:Fallback>
+            <p:pic>
+              <p:nvPicPr>
+                <p:cNvPr id="49" name="Ink 48">
+                  <a:extLst>
+                    <a:ext uri="{FF2B5EF4-FFF2-40B4-BE49-F238E27FC236}">
+                      <a16:creationId xmlns:a16="http://schemas.microsoft.com/office/drawing/2014/main" id="{A9CBDABE-C646-ADB1-6847-6DC36E010C00}"/>
+                    </a:ext>
+                  </a:extLst>
+                </p:cNvPr>
+                <p:cNvPicPr/>
+                <p:nvPr/>
+              </p:nvPicPr>
+              <p:blipFill>
+                <a:blip r:embed="rId29"/>
+                <a:stretch>
+                  <a:fillRect/>
+                </a:stretch>
+              </p:blipFill>
+              <p:spPr>
+                <a:xfrm>
+                  <a:off x="4467036" y="2665467"/>
+                  <a:ext cx="1897920" cy="142920"/>
+                </a:xfrm>
+                <a:prstGeom prst="rect">
+                  <a:avLst/>
+                </a:prstGeom>
+              </p:spPr>
+            </p:pic>
+          </mc:Fallback>
+        </mc:AlternateContent>
+        <mc:AlternateContent xmlns:mc="http://schemas.openxmlformats.org/markup-compatibility/2006">
+          <mc:Choice xmlns:p14="http://schemas.microsoft.com/office/powerpoint/2010/main" Requires="p14">
+            <p:contentPart p14:bwMode="auto" r:id="rId30">
+              <p14:nvContentPartPr>
+                <p14:cNvPr id="50" name="Ink 49">
+                  <a:extLst>
+                    <a:ext uri="{FF2B5EF4-FFF2-40B4-BE49-F238E27FC236}">
+                      <a16:creationId xmlns:a16="http://schemas.microsoft.com/office/drawing/2014/main" id="{71D6D55F-B15A-8726-181B-A4617D27E405}"/>
+                    </a:ext>
+                  </a:extLst>
+                </p14:cNvPr>
+                <p14:cNvContentPartPr/>
+                <p14:nvPr/>
+              </p14:nvContentPartPr>
+              <p14:xfrm>
+                <a:off x="4394316" y="3165867"/>
+                <a:ext cx="1715400" cy="360"/>
+              </p14:xfrm>
+            </p:contentPart>
+          </mc:Choice>
+          <mc:Fallback>
+            <p:pic>
+              <p:nvPicPr>
+                <p:cNvPr id="50" name="Ink 49">
+                  <a:extLst>
+                    <a:ext uri="{FF2B5EF4-FFF2-40B4-BE49-F238E27FC236}">
+                      <a16:creationId xmlns:a16="http://schemas.microsoft.com/office/drawing/2014/main" id="{71D6D55F-B15A-8726-181B-A4617D27E405}"/>
+                    </a:ext>
+                  </a:extLst>
+                </p:cNvPr>
+                <p:cNvPicPr/>
+                <p:nvPr/>
+              </p:nvPicPr>
+              <p:blipFill>
+                <a:blip r:embed="rId31"/>
+                <a:stretch>
+                  <a:fillRect/>
+                </a:stretch>
+              </p:blipFill>
+              <p:spPr>
+                <a:xfrm>
+                  <a:off x="4385676" y="3157227"/>
+                  <a:ext cx="1733040" cy="18000"/>
+                </a:xfrm>
+                <a:prstGeom prst="rect">
+                  <a:avLst/>
+                </a:prstGeom>
+              </p:spPr>
+            </p:pic>
+          </mc:Fallback>
+        </mc:AlternateContent>
+        <mc:AlternateContent xmlns:mc="http://schemas.openxmlformats.org/markup-compatibility/2006">
+          <mc:Choice xmlns:p14="http://schemas.microsoft.com/office/powerpoint/2010/main" Requires="p14">
+            <p:contentPart p14:bwMode="auto" r:id="rId32">
+              <p14:nvContentPartPr>
+                <p14:cNvPr id="51" name="Ink 50">
+                  <a:extLst>
+                    <a:ext uri="{FF2B5EF4-FFF2-40B4-BE49-F238E27FC236}">
+                      <a16:creationId xmlns:a16="http://schemas.microsoft.com/office/drawing/2014/main" id="{4D6BD54D-76B6-C609-241E-311C4109AC6C}"/>
+                    </a:ext>
+                  </a:extLst>
+                </p14:cNvPr>
+                <p14:cNvContentPartPr/>
+                <p14:nvPr/>
+              </p14:nvContentPartPr>
+              <p14:xfrm>
+                <a:off x="4476036" y="2919987"/>
+                <a:ext cx="1554480" cy="82080"/>
+              </p14:xfrm>
+            </p:contentPart>
+          </mc:Choice>
+          <mc:Fallback>
+            <p:pic>
+              <p:nvPicPr>
+                <p:cNvPr id="51" name="Ink 50">
+                  <a:extLst>
+                    <a:ext uri="{FF2B5EF4-FFF2-40B4-BE49-F238E27FC236}">
+                      <a16:creationId xmlns:a16="http://schemas.microsoft.com/office/drawing/2014/main" id="{4D6BD54D-76B6-C609-241E-311C4109AC6C}"/>
+                    </a:ext>
+                  </a:extLst>
+                </p:cNvPr>
+                <p:cNvPicPr/>
+                <p:nvPr/>
+              </p:nvPicPr>
+              <p:blipFill>
+                <a:blip r:embed="rId33"/>
+                <a:stretch>
+                  <a:fillRect/>
+                </a:stretch>
+              </p:blipFill>
+              <p:spPr>
+                <a:xfrm>
+                  <a:off x="4467036" y="2910987"/>
+                  <a:ext cx="1572120" cy="99720"/>
+                </a:xfrm>
+                <a:prstGeom prst="rect">
+                  <a:avLst/>
+                </a:prstGeom>
+              </p:spPr>
+            </p:pic>
+          </mc:Fallback>
+        </mc:AlternateContent>
+      </p:grpSp>
+      <mc:AlternateContent xmlns:mc="http://schemas.openxmlformats.org/markup-compatibility/2006">
+        <mc:Choice xmlns:p14="http://schemas.microsoft.com/office/powerpoint/2010/main" Requires="p14">
+          <p:contentPart p14:bwMode="auto" r:id="rId34">
+            <p14:nvContentPartPr>
+              <p14:cNvPr id="53" name="Ink 52">
+                <a:extLst>
+                  <a:ext uri="{FF2B5EF4-FFF2-40B4-BE49-F238E27FC236}">
+                    <a16:creationId xmlns:a16="http://schemas.microsoft.com/office/drawing/2014/main" id="{B2DF0C5E-6A2C-A818-10F6-32934D409C0E}"/>
+                  </a:ext>
+                </a:extLst>
+              </p14:cNvPr>
+              <p14:cNvContentPartPr/>
+              <p14:nvPr/>
+            </p14:nvContentPartPr>
+            <p14:xfrm>
+              <a:off x="4210356" y="3329667"/>
+              <a:ext cx="2316600" cy="688680"/>
+            </p14:xfrm>
+          </p:contentPart>
+        </mc:Choice>
+        <mc:Fallback>
+          <p:pic>
+            <p:nvPicPr>
+              <p:cNvPr id="53" name="Ink 52">
+                <a:extLst>
+                  <a:ext uri="{FF2B5EF4-FFF2-40B4-BE49-F238E27FC236}">
+                    <a16:creationId xmlns:a16="http://schemas.microsoft.com/office/drawing/2014/main" id="{B2DF0C5E-6A2C-A818-10F6-32934D409C0E}"/>
+                  </a:ext>
+                </a:extLst>
+              </p:cNvPr>
+              <p:cNvPicPr/>
+              <p:nvPr/>
+            </p:nvPicPr>
+            <p:blipFill>
+              <a:blip r:embed="rId35"/>
+              <a:stretch>
+                <a:fillRect/>
+              </a:stretch>
+            </p:blipFill>
+            <p:spPr>
+              <a:xfrm>
+                <a:off x="4201356" y="3320667"/>
+                <a:ext cx="2334240" cy="706320"/>
+              </a:xfrm>
+              <a:prstGeom prst="rect">
+                <a:avLst/>
+              </a:prstGeom>
+            </p:spPr>
+          </p:pic>
+        </mc:Fallback>
+      </mc:AlternateContent>
+      <mc:AlternateContent xmlns:mc="http://schemas.openxmlformats.org/markup-compatibility/2006">
+        <mc:Choice xmlns:p14="http://schemas.microsoft.com/office/powerpoint/2010/main" Requires="p14">
+          <p:contentPart p14:bwMode="auto" r:id="rId36">
+            <p14:nvContentPartPr>
+              <p14:cNvPr id="54" name="Ink 53">
+                <a:extLst>
+                  <a:ext uri="{FF2B5EF4-FFF2-40B4-BE49-F238E27FC236}">
+                    <a16:creationId xmlns:a16="http://schemas.microsoft.com/office/drawing/2014/main" id="{D2B2F227-29A1-8657-0418-D26E37716136}"/>
+                  </a:ext>
+                </a:extLst>
+              </p14:cNvPr>
+              <p14:cNvContentPartPr/>
+              <p14:nvPr/>
+            </p14:nvContentPartPr>
+            <p14:xfrm>
+              <a:off x="2138556" y="4312107"/>
+              <a:ext cx="167400" cy="1373040"/>
+            </p14:xfrm>
+          </p:contentPart>
+        </mc:Choice>
+        <mc:Fallback>
+          <p:pic>
+            <p:nvPicPr>
+              <p:cNvPr id="54" name="Ink 53">
+                <a:extLst>
+                  <a:ext uri="{FF2B5EF4-FFF2-40B4-BE49-F238E27FC236}">
+                    <a16:creationId xmlns:a16="http://schemas.microsoft.com/office/drawing/2014/main" id="{D2B2F227-29A1-8657-0418-D26E37716136}"/>
+                  </a:ext>
+                </a:extLst>
+              </p:cNvPr>
+              <p:cNvPicPr/>
+              <p:nvPr/>
+            </p:nvPicPr>
+            <p:blipFill>
+              <a:blip r:embed="rId37"/>
+              <a:stretch>
+                <a:fillRect/>
+              </a:stretch>
+            </p:blipFill>
+            <p:spPr>
+              <a:xfrm>
+                <a:off x="2129916" y="4303467"/>
+                <a:ext cx="185040" cy="1390680"/>
+              </a:xfrm>
+              <a:prstGeom prst="rect">
+                <a:avLst/>
+              </a:prstGeom>
+            </p:spPr>
+          </p:pic>
+        </mc:Fallback>
+      </mc:AlternateContent>
+      <mc:AlternateContent xmlns:mc="http://schemas.openxmlformats.org/markup-compatibility/2006">
+        <mc:Choice xmlns:p14="http://schemas.microsoft.com/office/powerpoint/2010/main" Requires="p14">
+          <p:contentPart p14:bwMode="auto" r:id="rId38">
+            <p14:nvContentPartPr>
+              <p14:cNvPr id="55" name="Ink 54">
+                <a:extLst>
+                  <a:ext uri="{FF2B5EF4-FFF2-40B4-BE49-F238E27FC236}">
+                    <a16:creationId xmlns:a16="http://schemas.microsoft.com/office/drawing/2014/main" id="{843DB4A5-46CF-3454-64A6-0680463BA59E}"/>
+                  </a:ext>
+                </a:extLst>
+              </p14:cNvPr>
+              <p14:cNvContentPartPr/>
+              <p14:nvPr/>
+            </p14:nvContentPartPr>
+            <p14:xfrm>
+              <a:off x="2170596" y="4312107"/>
+              <a:ext cx="2818800" cy="1517040"/>
+            </p14:xfrm>
+          </p:contentPart>
+        </mc:Choice>
+        <mc:Fallback>
+          <p:pic>
+            <p:nvPicPr>
+              <p:cNvPr id="55" name="Ink 54">
+                <a:extLst>
+                  <a:ext uri="{FF2B5EF4-FFF2-40B4-BE49-F238E27FC236}">
+                    <a16:creationId xmlns:a16="http://schemas.microsoft.com/office/drawing/2014/main" id="{843DB4A5-46CF-3454-64A6-0680463BA59E}"/>
+                  </a:ext>
+                </a:extLst>
+              </p:cNvPr>
+              <p:cNvPicPr/>
+              <p:nvPr/>
+            </p:nvPicPr>
+            <p:blipFill>
+              <a:blip r:embed="rId39"/>
+              <a:stretch>
+                <a:fillRect/>
+              </a:stretch>
+            </p:blipFill>
+            <p:spPr>
+              <a:xfrm>
+                <a:off x="2161596" y="4303107"/>
+                <a:ext cx="2836440" cy="1534680"/>
+              </a:xfrm>
+              <a:prstGeom prst="rect">
+                <a:avLst/>
+              </a:prstGeom>
+            </p:spPr>
+          </p:pic>
+        </mc:Fallback>
+      </mc:AlternateContent>
+      <p:grpSp>
+        <p:nvGrpSpPr>
+          <p:cNvPr id="62" name="Group 61">
+            <a:extLst>
+              <a:ext uri="{FF2B5EF4-FFF2-40B4-BE49-F238E27FC236}">
+                <a16:creationId xmlns:a16="http://schemas.microsoft.com/office/drawing/2014/main" id="{61753D68-EB39-2791-721E-D741FADE4961}"/>
+              </a:ext>
+            </a:extLst>
+          </p:cNvPr>
+          <p:cNvGrpSpPr/>
+          <p:nvPr/>
+        </p:nvGrpSpPr>
+        <p:grpSpPr>
+          <a:xfrm>
+            <a:off x="2556156" y="4474467"/>
+            <a:ext cx="1792080" cy="374400"/>
+            <a:chOff x="2556156" y="4474467"/>
+            <a:chExt cx="1792080" cy="374400"/>
+          </a:xfrm>
+        </p:grpSpPr>
+        <mc:AlternateContent xmlns:mc="http://schemas.openxmlformats.org/markup-compatibility/2006">
+          <mc:Choice xmlns:p14="http://schemas.microsoft.com/office/powerpoint/2010/main" Requires="p14">
+            <p:contentPart p14:bwMode="auto" r:id="rId40">
+              <p14:nvContentPartPr>
+                <p14:cNvPr id="56" name="Ink 55">
+                  <a:extLst>
+                    <a:ext uri="{FF2B5EF4-FFF2-40B4-BE49-F238E27FC236}">
+                      <a16:creationId xmlns:a16="http://schemas.microsoft.com/office/drawing/2014/main" id="{53D7B47D-665F-E90B-C0CC-9CF39179ACAE}"/>
+                    </a:ext>
+                  </a:extLst>
+                </p14:cNvPr>
+                <p14:cNvContentPartPr/>
+                <p14:nvPr/>
+              </p14:nvContentPartPr>
+              <p14:xfrm>
+                <a:off x="2556156" y="4516587"/>
+                <a:ext cx="461160" cy="332280"/>
+              </p14:xfrm>
+            </p:contentPart>
+          </mc:Choice>
+          <mc:Fallback>
+            <p:pic>
+              <p:nvPicPr>
+                <p:cNvPr id="56" name="Ink 55">
+                  <a:extLst>
+                    <a:ext uri="{FF2B5EF4-FFF2-40B4-BE49-F238E27FC236}">
+                      <a16:creationId xmlns:a16="http://schemas.microsoft.com/office/drawing/2014/main" id="{53D7B47D-665F-E90B-C0CC-9CF39179ACAE}"/>
+                    </a:ext>
+                  </a:extLst>
+                </p:cNvPr>
+                <p:cNvPicPr/>
+                <p:nvPr/>
+              </p:nvPicPr>
+              <p:blipFill>
+                <a:blip r:embed="rId41"/>
+                <a:stretch>
+                  <a:fillRect/>
+                </a:stretch>
+              </p:blipFill>
+              <p:spPr>
+                <a:xfrm>
+                  <a:off x="2547156" y="4507947"/>
+                  <a:ext cx="478800" cy="349920"/>
+                </a:xfrm>
+                <a:prstGeom prst="rect">
+                  <a:avLst/>
+                </a:prstGeom>
+              </p:spPr>
+            </p:pic>
+          </mc:Fallback>
+        </mc:AlternateContent>
+        <mc:AlternateContent xmlns:mc="http://schemas.openxmlformats.org/markup-compatibility/2006">
+          <mc:Choice xmlns:p14="http://schemas.microsoft.com/office/powerpoint/2010/main" Requires="p14">
+            <p:contentPart p14:bwMode="auto" r:id="rId42">
+              <p14:nvContentPartPr>
+                <p14:cNvPr id="57" name="Ink 56">
+                  <a:extLst>
+                    <a:ext uri="{FF2B5EF4-FFF2-40B4-BE49-F238E27FC236}">
+                      <a16:creationId xmlns:a16="http://schemas.microsoft.com/office/drawing/2014/main" id="{156E9257-33B6-D7E6-CB4F-F6E19E76A52D}"/>
+                    </a:ext>
+                  </a:extLst>
+                </p14:cNvPr>
+                <p14:cNvContentPartPr/>
+                <p14:nvPr/>
+              </p14:nvContentPartPr>
+              <p14:xfrm>
+                <a:off x="2715276" y="4474467"/>
+                <a:ext cx="363600" cy="42840"/>
+              </p14:xfrm>
+            </p:contentPart>
+          </mc:Choice>
+          <mc:Fallback>
+            <p:pic>
+              <p:nvPicPr>
+                <p:cNvPr id="57" name="Ink 56">
+                  <a:extLst>
+                    <a:ext uri="{FF2B5EF4-FFF2-40B4-BE49-F238E27FC236}">
+                      <a16:creationId xmlns:a16="http://schemas.microsoft.com/office/drawing/2014/main" id="{156E9257-33B6-D7E6-CB4F-F6E19E76A52D}"/>
+                    </a:ext>
+                  </a:extLst>
+                </p:cNvPr>
+                <p:cNvPicPr/>
+                <p:nvPr/>
+              </p:nvPicPr>
+              <p:blipFill>
+                <a:blip r:embed="rId43"/>
+                <a:stretch>
+                  <a:fillRect/>
+                </a:stretch>
+              </p:blipFill>
+              <p:spPr>
+                <a:xfrm>
+                  <a:off x="2706636" y="4465467"/>
+                  <a:ext cx="381240" cy="60480"/>
+                </a:xfrm>
+                <a:prstGeom prst="rect">
+                  <a:avLst/>
+                </a:prstGeom>
+              </p:spPr>
+            </p:pic>
+          </mc:Fallback>
+        </mc:AlternateContent>
+        <mc:AlternateContent xmlns:mc="http://schemas.openxmlformats.org/markup-compatibility/2006">
+          <mc:Choice xmlns:p14="http://schemas.microsoft.com/office/powerpoint/2010/main" Requires="p14">
+            <p:contentPart p14:bwMode="auto" r:id="rId44">
+              <p14:nvContentPartPr>
+                <p14:cNvPr id="59" name="Ink 58">
+                  <a:extLst>
+                    <a:ext uri="{FF2B5EF4-FFF2-40B4-BE49-F238E27FC236}">
+                      <a16:creationId xmlns:a16="http://schemas.microsoft.com/office/drawing/2014/main" id="{BDA791B0-A7BF-705A-5AD0-CEDD82E71896}"/>
+                    </a:ext>
+                  </a:extLst>
+                </p14:cNvPr>
+                <p14:cNvContentPartPr/>
+                <p14:nvPr/>
+              </p14:nvContentPartPr>
+              <p14:xfrm>
+                <a:off x="3452556" y="4721787"/>
+                <a:ext cx="279000" cy="360"/>
+              </p14:xfrm>
+            </p:contentPart>
+          </mc:Choice>
+          <mc:Fallback>
+            <p:pic>
+              <p:nvPicPr>
+                <p:cNvPr id="59" name="Ink 58">
+                  <a:extLst>
+                    <a:ext uri="{FF2B5EF4-FFF2-40B4-BE49-F238E27FC236}">
+                      <a16:creationId xmlns:a16="http://schemas.microsoft.com/office/drawing/2014/main" id="{BDA791B0-A7BF-705A-5AD0-CEDD82E71896}"/>
+                    </a:ext>
+                  </a:extLst>
+                </p:cNvPr>
+                <p:cNvPicPr/>
+                <p:nvPr/>
+              </p:nvPicPr>
+              <p:blipFill>
+                <a:blip r:embed="rId45"/>
+                <a:stretch>
+                  <a:fillRect/>
+                </a:stretch>
+              </p:blipFill>
+              <p:spPr>
+                <a:xfrm>
+                  <a:off x="3443556" y="4712787"/>
+                  <a:ext cx="296640" cy="18000"/>
+                </a:xfrm>
+                <a:prstGeom prst="rect">
+                  <a:avLst/>
+                </a:prstGeom>
+              </p:spPr>
+            </p:pic>
+          </mc:Fallback>
+        </mc:AlternateContent>
+        <mc:AlternateContent xmlns:mc="http://schemas.openxmlformats.org/markup-compatibility/2006">
+          <mc:Choice xmlns:p14="http://schemas.microsoft.com/office/powerpoint/2010/main" Requires="p14">
+            <p:contentPart p14:bwMode="auto" r:id="rId46">
+              <p14:nvContentPartPr>
+                <p14:cNvPr id="60" name="Ink 59">
+                  <a:extLst>
+                    <a:ext uri="{FF2B5EF4-FFF2-40B4-BE49-F238E27FC236}">
+                      <a16:creationId xmlns:a16="http://schemas.microsoft.com/office/drawing/2014/main" id="{6889F8C6-6D7E-08E9-9E74-25D14899DDFA}"/>
+                    </a:ext>
+                  </a:extLst>
+                </p14:cNvPr>
+                <p14:cNvContentPartPr/>
+                <p14:nvPr/>
+              </p14:nvContentPartPr>
+              <p14:xfrm>
+                <a:off x="3657396" y="4476267"/>
+                <a:ext cx="360" cy="363240"/>
+              </p14:xfrm>
+            </p:contentPart>
+          </mc:Choice>
+          <mc:Fallback>
+            <p:pic>
+              <p:nvPicPr>
+                <p:cNvPr id="60" name="Ink 59">
+                  <a:extLst>
+                    <a:ext uri="{FF2B5EF4-FFF2-40B4-BE49-F238E27FC236}">
+                      <a16:creationId xmlns:a16="http://schemas.microsoft.com/office/drawing/2014/main" id="{6889F8C6-6D7E-08E9-9E74-25D14899DDFA}"/>
+                    </a:ext>
+                  </a:extLst>
+                </p:cNvPr>
+                <p:cNvPicPr/>
+                <p:nvPr/>
+              </p:nvPicPr>
+              <p:blipFill>
+                <a:blip r:embed="rId47"/>
+                <a:stretch>
+                  <a:fillRect/>
+                </a:stretch>
+              </p:blipFill>
+              <p:spPr>
+                <a:xfrm>
+                  <a:off x="3648396" y="4467267"/>
+                  <a:ext cx="18000" cy="380880"/>
+                </a:xfrm>
+                <a:prstGeom prst="rect">
+                  <a:avLst/>
+                </a:prstGeom>
+              </p:spPr>
+            </p:pic>
+          </mc:Fallback>
+        </mc:AlternateContent>
+        <mc:AlternateContent xmlns:mc="http://schemas.openxmlformats.org/markup-compatibility/2006">
+          <mc:Choice xmlns:p14="http://schemas.microsoft.com/office/powerpoint/2010/main" Requires="p14">
+            <p:contentPart p14:bwMode="auto" r:id="rId48">
+              <p14:nvContentPartPr>
+                <p14:cNvPr id="61" name="Ink 60">
+                  <a:extLst>
+                    <a:ext uri="{FF2B5EF4-FFF2-40B4-BE49-F238E27FC236}">
+                      <a16:creationId xmlns:a16="http://schemas.microsoft.com/office/drawing/2014/main" id="{CDE6578F-38F2-53C4-B2CF-01E791BF9010}"/>
+                    </a:ext>
+                  </a:extLst>
+                </p14:cNvPr>
+                <p14:cNvContentPartPr/>
+                <p14:nvPr/>
+              </p14:nvContentPartPr>
+              <p14:xfrm>
+                <a:off x="3984996" y="4637907"/>
+                <a:ext cx="363240" cy="43560"/>
+              </p14:xfrm>
+            </p:contentPart>
+          </mc:Choice>
+          <mc:Fallback>
+            <p:pic>
+              <p:nvPicPr>
+                <p:cNvPr id="61" name="Ink 60">
+                  <a:extLst>
+                    <a:ext uri="{FF2B5EF4-FFF2-40B4-BE49-F238E27FC236}">
+                      <a16:creationId xmlns:a16="http://schemas.microsoft.com/office/drawing/2014/main" id="{CDE6578F-38F2-53C4-B2CF-01E791BF9010}"/>
+                    </a:ext>
+                  </a:extLst>
+                </p:cNvPr>
+                <p:cNvPicPr/>
+                <p:nvPr/>
+              </p:nvPicPr>
+              <p:blipFill>
+                <a:blip r:embed="rId49"/>
+                <a:stretch>
+                  <a:fillRect/>
+                </a:stretch>
+              </p:blipFill>
+              <p:spPr>
+                <a:xfrm>
+                  <a:off x="3975996" y="4629267"/>
+                  <a:ext cx="380880" cy="61200"/>
+                </a:xfrm>
+                <a:prstGeom prst="rect">
+                  <a:avLst/>
+                </a:prstGeom>
+              </p:spPr>
+            </p:pic>
+          </mc:Fallback>
+        </mc:AlternateContent>
+      </p:grpSp>
+      <p:grpSp>
+        <p:nvGrpSpPr>
+          <p:cNvPr id="67" name="Group 66">
+            <a:extLst>
+              <a:ext uri="{FF2B5EF4-FFF2-40B4-BE49-F238E27FC236}">
+                <a16:creationId xmlns:a16="http://schemas.microsoft.com/office/drawing/2014/main" id="{1DDB2767-7F9A-9755-5B5B-60FCD5EE9444}"/>
+              </a:ext>
+            </a:extLst>
+          </p:cNvPr>
+          <p:cNvGrpSpPr/>
+          <p:nvPr/>
+        </p:nvGrpSpPr>
+        <p:grpSpPr>
+          <a:xfrm>
+            <a:off x="2350596" y="5047227"/>
+            <a:ext cx="2039760" cy="529920"/>
+            <a:chOff x="2350596" y="5047227"/>
+            <a:chExt cx="2039760" cy="529920"/>
+          </a:xfrm>
+        </p:grpSpPr>
+        <mc:AlternateContent xmlns:mc="http://schemas.openxmlformats.org/markup-compatibility/2006">
+          <mc:Choice xmlns:p14="http://schemas.microsoft.com/office/powerpoint/2010/main" Requires="p14">
+            <p:contentPart p14:bwMode="auto" r:id="rId50">
+              <p14:nvContentPartPr>
+                <p14:cNvPr id="63" name="Ink 62">
+                  <a:extLst>
+                    <a:ext uri="{FF2B5EF4-FFF2-40B4-BE49-F238E27FC236}">
+                      <a16:creationId xmlns:a16="http://schemas.microsoft.com/office/drawing/2014/main" id="{0FF365A2-ED69-DCD3-D4D0-11E7B70B9D47}"/>
+                    </a:ext>
+                  </a:extLst>
+                </p14:cNvPr>
+                <p14:cNvContentPartPr/>
+                <p14:nvPr/>
+              </p14:nvContentPartPr>
+              <p14:xfrm>
+                <a:off x="2350596" y="5047227"/>
+                <a:ext cx="488160" cy="479880"/>
+              </p14:xfrm>
+            </p:contentPart>
+          </mc:Choice>
+          <mc:Fallback>
+            <p:pic>
+              <p:nvPicPr>
+                <p:cNvPr id="63" name="Ink 62">
+                  <a:extLst>
+                    <a:ext uri="{FF2B5EF4-FFF2-40B4-BE49-F238E27FC236}">
+                      <a16:creationId xmlns:a16="http://schemas.microsoft.com/office/drawing/2014/main" id="{0FF365A2-ED69-DCD3-D4D0-11E7B70B9D47}"/>
+                    </a:ext>
+                  </a:extLst>
+                </p:cNvPr>
+                <p:cNvPicPr/>
+                <p:nvPr/>
+              </p:nvPicPr>
+              <p:blipFill>
+                <a:blip r:embed="rId51"/>
+                <a:stretch>
+                  <a:fillRect/>
+                </a:stretch>
+              </p:blipFill>
+              <p:spPr>
+                <a:xfrm>
+                  <a:off x="2341596" y="5038587"/>
+                  <a:ext cx="505800" cy="497520"/>
+                </a:xfrm>
+                <a:prstGeom prst="rect">
+                  <a:avLst/>
+                </a:prstGeom>
+              </p:spPr>
+            </p:pic>
+          </mc:Fallback>
+        </mc:AlternateContent>
+        <mc:AlternateContent xmlns:mc="http://schemas.openxmlformats.org/markup-compatibility/2006">
+          <mc:Choice xmlns:p14="http://schemas.microsoft.com/office/powerpoint/2010/main" Requires="p14">
+            <p:contentPart p14:bwMode="auto" r:id="rId52">
+              <p14:nvContentPartPr>
+                <p14:cNvPr id="64" name="Ink 63">
+                  <a:extLst>
+                    <a:ext uri="{FF2B5EF4-FFF2-40B4-BE49-F238E27FC236}">
+                      <a16:creationId xmlns:a16="http://schemas.microsoft.com/office/drawing/2014/main" id="{5930F178-2B5B-BD8B-CA08-52D752AC1EFF}"/>
+                    </a:ext>
+                  </a:extLst>
+                </p14:cNvPr>
+                <p14:cNvContentPartPr/>
+                <p14:nvPr/>
+              </p14:nvContentPartPr>
+              <p14:xfrm>
+                <a:off x="3329796" y="5294907"/>
+                <a:ext cx="321120" cy="360"/>
+              </p14:xfrm>
+            </p:contentPart>
+          </mc:Choice>
+          <mc:Fallback>
+            <p:pic>
+              <p:nvPicPr>
+                <p:cNvPr id="64" name="Ink 63">
+                  <a:extLst>
+                    <a:ext uri="{FF2B5EF4-FFF2-40B4-BE49-F238E27FC236}">
+                      <a16:creationId xmlns:a16="http://schemas.microsoft.com/office/drawing/2014/main" id="{5930F178-2B5B-BD8B-CA08-52D752AC1EFF}"/>
+                    </a:ext>
+                  </a:extLst>
+                </p:cNvPr>
+                <p:cNvPicPr/>
+                <p:nvPr/>
+              </p:nvPicPr>
+              <p:blipFill>
+                <a:blip r:embed="rId53"/>
+                <a:stretch>
+                  <a:fillRect/>
+                </a:stretch>
+              </p:blipFill>
+              <p:spPr>
+                <a:xfrm>
+                  <a:off x="3320796" y="5285907"/>
+                  <a:ext cx="338760" cy="18000"/>
+                </a:xfrm>
+                <a:prstGeom prst="rect">
+                  <a:avLst/>
+                </a:prstGeom>
+              </p:spPr>
+            </p:pic>
+          </mc:Fallback>
+        </mc:AlternateContent>
+        <mc:AlternateContent xmlns:mc="http://schemas.openxmlformats.org/markup-compatibility/2006">
+          <mc:Choice xmlns:p14="http://schemas.microsoft.com/office/powerpoint/2010/main" Requires="p14">
+            <p:contentPart p14:bwMode="auto" r:id="rId54">
+              <p14:nvContentPartPr>
+                <p14:cNvPr id="65" name="Ink 64">
+                  <a:extLst>
+                    <a:ext uri="{FF2B5EF4-FFF2-40B4-BE49-F238E27FC236}">
+                      <a16:creationId xmlns:a16="http://schemas.microsoft.com/office/drawing/2014/main" id="{72995FFA-5D91-66FF-C1D6-3F1FC65BB6DE}"/>
+                    </a:ext>
+                  </a:extLst>
+                </p14:cNvPr>
+                <p14:cNvContentPartPr/>
+                <p14:nvPr/>
+              </p14:nvContentPartPr>
+              <p14:xfrm>
+                <a:off x="3493236" y="5172147"/>
+                <a:ext cx="360" cy="405000"/>
+              </p14:xfrm>
+            </p:contentPart>
+          </mc:Choice>
+          <mc:Fallback>
+            <p:pic>
+              <p:nvPicPr>
+                <p:cNvPr id="65" name="Ink 64">
+                  <a:extLst>
+                    <a:ext uri="{FF2B5EF4-FFF2-40B4-BE49-F238E27FC236}">
+                      <a16:creationId xmlns:a16="http://schemas.microsoft.com/office/drawing/2014/main" id="{72995FFA-5D91-66FF-C1D6-3F1FC65BB6DE}"/>
+                    </a:ext>
+                  </a:extLst>
+                </p:cNvPr>
+                <p:cNvPicPr/>
+                <p:nvPr/>
+              </p:nvPicPr>
+              <p:blipFill>
+                <a:blip r:embed="rId55"/>
+                <a:stretch>
+                  <a:fillRect/>
+                </a:stretch>
+              </p:blipFill>
+              <p:spPr>
+                <a:xfrm>
+                  <a:off x="3484596" y="5163147"/>
+                  <a:ext cx="18000" cy="422640"/>
+                </a:xfrm>
+                <a:prstGeom prst="rect">
+                  <a:avLst/>
+                </a:prstGeom>
+              </p:spPr>
+            </p:pic>
+          </mc:Fallback>
+        </mc:AlternateContent>
+        <mc:AlternateContent xmlns:mc="http://schemas.openxmlformats.org/markup-compatibility/2006">
+          <mc:Choice xmlns:p14="http://schemas.microsoft.com/office/powerpoint/2010/main" Requires="p14">
+            <p:contentPart p14:bwMode="auto" r:id="rId56">
+              <p14:nvContentPartPr>
+                <p14:cNvPr id="66" name="Ink 65">
+                  <a:extLst>
+                    <a:ext uri="{FF2B5EF4-FFF2-40B4-BE49-F238E27FC236}">
+                      <a16:creationId xmlns:a16="http://schemas.microsoft.com/office/drawing/2014/main" id="{6B8EDAFE-C4A4-AA34-DF81-2321B95148E1}"/>
+                    </a:ext>
+                  </a:extLst>
+                </p14:cNvPr>
+                <p14:cNvContentPartPr/>
+                <p14:nvPr/>
+              </p14:nvContentPartPr>
+              <p14:xfrm>
+                <a:off x="3943596" y="5254227"/>
+                <a:ext cx="446760" cy="360"/>
+              </p14:xfrm>
+            </p:contentPart>
+          </mc:Choice>
+          <mc:Fallback>
+            <p:pic>
+              <p:nvPicPr>
+                <p:cNvPr id="66" name="Ink 65">
+                  <a:extLst>
+                    <a:ext uri="{FF2B5EF4-FFF2-40B4-BE49-F238E27FC236}">
+                      <a16:creationId xmlns:a16="http://schemas.microsoft.com/office/drawing/2014/main" id="{6B8EDAFE-C4A4-AA34-DF81-2321B95148E1}"/>
+                    </a:ext>
+                  </a:extLst>
+                </p:cNvPr>
+                <p:cNvPicPr/>
+                <p:nvPr/>
+              </p:nvPicPr>
+              <p:blipFill>
+                <a:blip r:embed="rId57"/>
+                <a:stretch>
+                  <a:fillRect/>
+                </a:stretch>
+              </p:blipFill>
+              <p:spPr>
+                <a:xfrm>
+                  <a:off x="3934596" y="5245227"/>
+                  <a:ext cx="464400" cy="18000"/>
+                </a:xfrm>
+                <a:prstGeom prst="rect">
+                  <a:avLst/>
+                </a:prstGeom>
+              </p:spPr>
+            </p:pic>
+          </mc:Fallback>
+        </mc:AlternateContent>
+      </p:grpSp>
+      <p:grpSp>
+        <p:nvGrpSpPr>
+          <p:cNvPr id="74" name="Group 73">
+            <a:extLst>
+              <a:ext uri="{FF2B5EF4-FFF2-40B4-BE49-F238E27FC236}">
+                <a16:creationId xmlns:a16="http://schemas.microsoft.com/office/drawing/2014/main" id="{0C21B8D1-9A70-4EA3-B349-E03E93DBB305}"/>
+              </a:ext>
+            </a:extLst>
+          </p:cNvPr>
+          <p:cNvGrpSpPr/>
+          <p:nvPr/>
+        </p:nvGrpSpPr>
+        <p:grpSpPr>
+          <a:xfrm>
+            <a:off x="2346996" y="5614947"/>
+            <a:ext cx="2570400" cy="961560"/>
+            <a:chOff x="2346996" y="5614947"/>
+            <a:chExt cx="2570400" cy="961560"/>
+          </a:xfrm>
+        </p:grpSpPr>
+        <mc:AlternateContent xmlns:mc="http://schemas.openxmlformats.org/markup-compatibility/2006">
+          <mc:Choice xmlns:p14="http://schemas.microsoft.com/office/powerpoint/2010/main" Requires="p14">
+            <p:contentPart p14:bwMode="auto" r:id="rId58">
+              <p14:nvContentPartPr>
+                <p14:cNvPr id="68" name="Ink 67">
+                  <a:extLst>
+                    <a:ext uri="{FF2B5EF4-FFF2-40B4-BE49-F238E27FC236}">
+                      <a16:creationId xmlns:a16="http://schemas.microsoft.com/office/drawing/2014/main" id="{FBFD3D43-66F7-E50C-FC93-23BC7BB350AC}"/>
+                    </a:ext>
+                  </a:extLst>
+                </p14:cNvPr>
+                <p14:cNvContentPartPr/>
+                <p14:nvPr/>
+              </p14:nvContentPartPr>
+              <p14:xfrm>
+                <a:off x="2502156" y="5866227"/>
+                <a:ext cx="725040" cy="414000"/>
+              </p14:xfrm>
+            </p:contentPart>
+          </mc:Choice>
+          <mc:Fallback>
+            <p:pic>
+              <p:nvPicPr>
+                <p:cNvPr id="68" name="Ink 67">
+                  <a:extLst>
+                    <a:ext uri="{FF2B5EF4-FFF2-40B4-BE49-F238E27FC236}">
+                      <a16:creationId xmlns:a16="http://schemas.microsoft.com/office/drawing/2014/main" id="{FBFD3D43-66F7-E50C-FC93-23BC7BB350AC}"/>
+                    </a:ext>
+                  </a:extLst>
+                </p:cNvPr>
+                <p:cNvPicPr/>
+                <p:nvPr/>
+              </p:nvPicPr>
+              <p:blipFill>
+                <a:blip r:embed="rId59"/>
+                <a:stretch>
+                  <a:fillRect/>
+                </a:stretch>
+              </p:blipFill>
+              <p:spPr>
+                <a:xfrm>
+                  <a:off x="2493516" y="5857587"/>
+                  <a:ext cx="742680" cy="431640"/>
+                </a:xfrm>
+                <a:prstGeom prst="rect">
+                  <a:avLst/>
+                </a:prstGeom>
+              </p:spPr>
+            </p:pic>
+          </mc:Fallback>
+        </mc:AlternateContent>
+        <mc:AlternateContent xmlns:mc="http://schemas.openxmlformats.org/markup-compatibility/2006">
+          <mc:Choice xmlns:p14="http://schemas.microsoft.com/office/powerpoint/2010/main" Requires="p14">
+            <p:contentPart p14:bwMode="auto" r:id="rId60">
+              <p14:nvContentPartPr>
+                <p14:cNvPr id="69" name="Ink 68">
+                  <a:extLst>
+                    <a:ext uri="{FF2B5EF4-FFF2-40B4-BE49-F238E27FC236}">
+                      <a16:creationId xmlns:a16="http://schemas.microsoft.com/office/drawing/2014/main" id="{5F31F19B-94A1-483F-5D2D-4878EDE832C7}"/>
+                    </a:ext>
+                  </a:extLst>
+                </p14:cNvPr>
+                <p14:cNvContentPartPr/>
+                <p14:nvPr/>
+              </p14:nvContentPartPr>
+              <p14:xfrm>
+                <a:off x="3493236" y="5745267"/>
+                <a:ext cx="360" cy="528480"/>
+              </p14:xfrm>
+            </p:contentPart>
+          </mc:Choice>
+          <mc:Fallback>
+            <p:pic>
+              <p:nvPicPr>
+                <p:cNvPr id="69" name="Ink 68">
+                  <a:extLst>
+                    <a:ext uri="{FF2B5EF4-FFF2-40B4-BE49-F238E27FC236}">
+                      <a16:creationId xmlns:a16="http://schemas.microsoft.com/office/drawing/2014/main" id="{5F31F19B-94A1-483F-5D2D-4878EDE832C7}"/>
+                    </a:ext>
+                  </a:extLst>
+                </p:cNvPr>
+                <p:cNvPicPr/>
+                <p:nvPr/>
+              </p:nvPicPr>
+              <p:blipFill>
+                <a:blip r:embed="rId61"/>
+                <a:stretch>
+                  <a:fillRect/>
+                </a:stretch>
+              </p:blipFill>
+              <p:spPr>
+                <a:xfrm>
+                  <a:off x="3484596" y="5736267"/>
+                  <a:ext cx="18000" cy="546120"/>
+                </a:xfrm>
+                <a:prstGeom prst="rect">
+                  <a:avLst/>
+                </a:prstGeom>
+              </p:spPr>
+            </p:pic>
+          </mc:Fallback>
+        </mc:AlternateContent>
+        <mc:AlternateContent xmlns:mc="http://schemas.openxmlformats.org/markup-compatibility/2006">
+          <mc:Choice xmlns:p14="http://schemas.microsoft.com/office/powerpoint/2010/main" Requires="p14">
+            <p:contentPart p14:bwMode="auto" r:id="rId62">
+              <p14:nvContentPartPr>
+                <p14:cNvPr id="70" name="Ink 69">
+                  <a:extLst>
+                    <a:ext uri="{FF2B5EF4-FFF2-40B4-BE49-F238E27FC236}">
+                      <a16:creationId xmlns:a16="http://schemas.microsoft.com/office/drawing/2014/main" id="{FDE2A9AD-DB20-53BD-2D5F-DB88F32A1E63}"/>
+                    </a:ext>
+                  </a:extLst>
+                </p14:cNvPr>
+                <p14:cNvContentPartPr/>
+                <p14:nvPr/>
+              </p14:nvContentPartPr>
+              <p14:xfrm>
+                <a:off x="3411876" y="6179427"/>
+                <a:ext cx="552960" cy="16560"/>
+              </p14:xfrm>
+            </p:contentPart>
+          </mc:Choice>
+          <mc:Fallback>
+            <p:pic>
+              <p:nvPicPr>
+                <p:cNvPr id="70" name="Ink 69">
+                  <a:extLst>
+                    <a:ext uri="{FF2B5EF4-FFF2-40B4-BE49-F238E27FC236}">
+                      <a16:creationId xmlns:a16="http://schemas.microsoft.com/office/drawing/2014/main" id="{FDE2A9AD-DB20-53BD-2D5F-DB88F32A1E63}"/>
+                    </a:ext>
+                  </a:extLst>
+                </p:cNvPr>
+                <p:cNvPicPr/>
+                <p:nvPr/>
+              </p:nvPicPr>
+              <p:blipFill>
+                <a:blip r:embed="rId63"/>
+                <a:stretch>
+                  <a:fillRect/>
+                </a:stretch>
+              </p:blipFill>
+              <p:spPr>
+                <a:xfrm>
+                  <a:off x="3402876" y="6170427"/>
+                  <a:ext cx="570600" cy="34200"/>
+                </a:xfrm>
+                <a:prstGeom prst="rect">
+                  <a:avLst/>
+                </a:prstGeom>
+              </p:spPr>
+            </p:pic>
+          </mc:Fallback>
+        </mc:AlternateContent>
+        <mc:AlternateContent xmlns:mc="http://schemas.openxmlformats.org/markup-compatibility/2006">
+          <mc:Choice xmlns:p14="http://schemas.microsoft.com/office/powerpoint/2010/main" Requires="p14">
+            <p:contentPart p14:bwMode="auto" r:id="rId64">
+              <p14:nvContentPartPr>
+                <p14:cNvPr id="71" name="Ink 70">
+                  <a:extLst>
+                    <a:ext uri="{FF2B5EF4-FFF2-40B4-BE49-F238E27FC236}">
+                      <a16:creationId xmlns:a16="http://schemas.microsoft.com/office/drawing/2014/main" id="{BAB9D04F-4D5D-1D17-3408-606B3F479DA8}"/>
+                    </a:ext>
+                  </a:extLst>
+                </p14:cNvPr>
+                <p14:cNvContentPartPr/>
+                <p14:nvPr/>
+              </p14:nvContentPartPr>
+              <p14:xfrm>
+                <a:off x="3984996" y="5786307"/>
+                <a:ext cx="360" cy="487440"/>
+              </p14:xfrm>
+            </p:contentPart>
+          </mc:Choice>
+          <mc:Fallback>
+            <p:pic>
+              <p:nvPicPr>
+                <p:cNvPr id="71" name="Ink 70">
+                  <a:extLst>
+                    <a:ext uri="{FF2B5EF4-FFF2-40B4-BE49-F238E27FC236}">
+                      <a16:creationId xmlns:a16="http://schemas.microsoft.com/office/drawing/2014/main" id="{BAB9D04F-4D5D-1D17-3408-606B3F479DA8}"/>
+                    </a:ext>
+                  </a:extLst>
+                </p:cNvPr>
+                <p:cNvPicPr/>
+                <p:nvPr/>
+              </p:nvPicPr>
+              <p:blipFill>
+                <a:blip r:embed="rId65"/>
+                <a:stretch>
+                  <a:fillRect/>
+                </a:stretch>
+              </p:blipFill>
+              <p:spPr>
+                <a:xfrm>
+                  <a:off x="3975996" y="5777667"/>
+                  <a:ext cx="18000" cy="505080"/>
+                </a:xfrm>
+                <a:prstGeom prst="rect">
+                  <a:avLst/>
+                </a:prstGeom>
+              </p:spPr>
+            </p:pic>
+          </mc:Fallback>
+        </mc:AlternateContent>
+        <mc:AlternateContent xmlns:mc="http://schemas.openxmlformats.org/markup-compatibility/2006">
+          <mc:Choice xmlns:p14="http://schemas.microsoft.com/office/powerpoint/2010/main" Requires="p14">
+            <p:contentPart p14:bwMode="auto" r:id="rId66">
+              <p14:nvContentPartPr>
+                <p14:cNvPr id="73" name="Ink 72">
+                  <a:extLst>
+                    <a:ext uri="{FF2B5EF4-FFF2-40B4-BE49-F238E27FC236}">
+                      <a16:creationId xmlns:a16="http://schemas.microsoft.com/office/drawing/2014/main" id="{0A546DB2-2CA1-6D92-B244-76A96DD0553A}"/>
+                    </a:ext>
+                  </a:extLst>
+                </p14:cNvPr>
+                <p14:cNvContentPartPr/>
+                <p14:nvPr/>
+              </p14:nvContentPartPr>
+              <p14:xfrm>
+                <a:off x="2346996" y="5614947"/>
+                <a:ext cx="2570400" cy="961560"/>
+              </p14:xfrm>
+            </p:contentPart>
+          </mc:Choice>
+          <mc:Fallback>
+            <p:pic>
+              <p:nvPicPr>
+                <p:cNvPr id="73" name="Ink 72">
+                  <a:extLst>
+                    <a:ext uri="{FF2B5EF4-FFF2-40B4-BE49-F238E27FC236}">
+                      <a16:creationId xmlns:a16="http://schemas.microsoft.com/office/drawing/2014/main" id="{0A546DB2-2CA1-6D92-B244-76A96DD0553A}"/>
+                    </a:ext>
+                  </a:extLst>
+                </p:cNvPr>
+                <p:cNvPicPr/>
+                <p:nvPr/>
+              </p:nvPicPr>
+              <p:blipFill>
+                <a:blip r:embed="rId67"/>
+                <a:stretch>
+                  <a:fillRect/>
+                </a:stretch>
+              </p:blipFill>
+              <p:spPr>
+                <a:xfrm>
+                  <a:off x="2338356" y="5606307"/>
+                  <a:ext cx="2588040" cy="979200"/>
+                </a:xfrm>
+                <a:prstGeom prst="rect">
+                  <a:avLst/>
+                </a:prstGeom>
+              </p:spPr>
+            </p:pic>
+          </mc:Fallback>
+        </mc:AlternateContent>
+      </p:grpSp>
+      <p:grpSp>
+        <p:nvGrpSpPr>
+          <p:cNvPr id="85" name="Group 84">
+            <a:extLst>
+              <a:ext uri="{FF2B5EF4-FFF2-40B4-BE49-F238E27FC236}">
+                <a16:creationId xmlns:a16="http://schemas.microsoft.com/office/drawing/2014/main" id="{7DA09E2E-7C1E-4843-E728-0E96BF30A61A}"/>
+              </a:ext>
+            </a:extLst>
+          </p:cNvPr>
+          <p:cNvGrpSpPr/>
+          <p:nvPr/>
+        </p:nvGrpSpPr>
+        <p:grpSpPr>
+          <a:xfrm>
+            <a:off x="5503476" y="3861747"/>
+            <a:ext cx="2092320" cy="610200"/>
+            <a:chOff x="5503476" y="3861747"/>
+            <a:chExt cx="2092320" cy="610200"/>
+          </a:xfrm>
+        </p:grpSpPr>
+        <mc:AlternateContent xmlns:mc="http://schemas.openxmlformats.org/markup-compatibility/2006">
+          <mc:Choice xmlns:p14="http://schemas.microsoft.com/office/powerpoint/2010/main" Requires="p14">
+            <p:contentPart p14:bwMode="auto" r:id="rId68">
+              <p14:nvContentPartPr>
+                <p14:cNvPr id="75" name="Ink 74">
+                  <a:extLst>
+                    <a:ext uri="{FF2B5EF4-FFF2-40B4-BE49-F238E27FC236}">
+                      <a16:creationId xmlns:a16="http://schemas.microsoft.com/office/drawing/2014/main" id="{F20BEA65-8F60-C386-281E-FBDAF290AEAB}"/>
+                    </a:ext>
+                  </a:extLst>
+                </p14:cNvPr>
+                <p14:cNvContentPartPr/>
+                <p14:nvPr/>
+              </p14:nvContentPartPr>
+              <p14:xfrm>
+                <a:off x="5503476" y="4065867"/>
+                <a:ext cx="497880" cy="330840"/>
+              </p14:xfrm>
+            </p:contentPart>
+          </mc:Choice>
+          <mc:Fallback>
+            <p:pic>
+              <p:nvPicPr>
+                <p:cNvPr id="75" name="Ink 74">
+                  <a:extLst>
+                    <a:ext uri="{FF2B5EF4-FFF2-40B4-BE49-F238E27FC236}">
+                      <a16:creationId xmlns:a16="http://schemas.microsoft.com/office/drawing/2014/main" id="{F20BEA65-8F60-C386-281E-FBDAF290AEAB}"/>
+                    </a:ext>
+                  </a:extLst>
+                </p:cNvPr>
+                <p:cNvPicPr/>
+                <p:nvPr/>
+              </p:nvPicPr>
+              <p:blipFill>
+                <a:blip r:embed="rId69"/>
+                <a:stretch>
+                  <a:fillRect/>
+                </a:stretch>
+              </p:blipFill>
+              <p:spPr>
+                <a:xfrm>
+                  <a:off x="5494836" y="4057227"/>
+                  <a:ext cx="515520" cy="348480"/>
+                </a:xfrm>
+                <a:prstGeom prst="rect">
+                  <a:avLst/>
+                </a:prstGeom>
+              </p:spPr>
+            </p:pic>
+          </mc:Fallback>
+        </mc:AlternateContent>
+        <mc:AlternateContent xmlns:mc="http://schemas.openxmlformats.org/markup-compatibility/2006">
+          <mc:Choice xmlns:p14="http://schemas.microsoft.com/office/powerpoint/2010/main" Requires="p14">
+            <p:contentPart p14:bwMode="auto" r:id="rId70">
+              <p14:nvContentPartPr>
+                <p14:cNvPr id="76" name="Ink 75">
+                  <a:extLst>
+                    <a:ext uri="{FF2B5EF4-FFF2-40B4-BE49-F238E27FC236}">
+                      <a16:creationId xmlns:a16="http://schemas.microsoft.com/office/drawing/2014/main" id="{0C26F904-1E72-8220-3412-D2AEBCF2C954}"/>
+                    </a:ext>
+                  </a:extLst>
+                </p14:cNvPr>
+                <p14:cNvContentPartPr/>
+                <p14:nvPr/>
+              </p14:nvContentPartPr>
+              <p14:xfrm>
+                <a:off x="5581236" y="3984507"/>
+                <a:ext cx="124920" cy="487440"/>
+              </p14:xfrm>
+            </p:contentPart>
+          </mc:Choice>
+          <mc:Fallback>
+            <p:pic>
+              <p:nvPicPr>
+                <p:cNvPr id="76" name="Ink 75">
+                  <a:extLst>
+                    <a:ext uri="{FF2B5EF4-FFF2-40B4-BE49-F238E27FC236}">
+                      <a16:creationId xmlns:a16="http://schemas.microsoft.com/office/drawing/2014/main" id="{0C26F904-1E72-8220-3412-D2AEBCF2C954}"/>
+                    </a:ext>
+                  </a:extLst>
+                </p:cNvPr>
+                <p:cNvPicPr/>
+                <p:nvPr/>
+              </p:nvPicPr>
+              <p:blipFill>
+                <a:blip r:embed="rId71"/>
+                <a:stretch>
+                  <a:fillRect/>
+                </a:stretch>
+              </p:blipFill>
+              <p:spPr>
+                <a:xfrm>
+                  <a:off x="5572596" y="3975867"/>
+                  <a:ext cx="142560" cy="505080"/>
+                </a:xfrm>
+                <a:prstGeom prst="rect">
+                  <a:avLst/>
+                </a:prstGeom>
+              </p:spPr>
+            </p:pic>
+          </mc:Fallback>
+        </mc:AlternateContent>
+        <mc:AlternateContent xmlns:mc="http://schemas.openxmlformats.org/markup-compatibility/2006">
+          <mc:Choice xmlns:p14="http://schemas.microsoft.com/office/powerpoint/2010/main" Requires="p14">
+            <p:contentPart p14:bwMode="auto" r:id="rId72">
+              <p14:nvContentPartPr>
+                <p14:cNvPr id="78" name="Ink 77">
+                  <a:extLst>
+                    <a:ext uri="{FF2B5EF4-FFF2-40B4-BE49-F238E27FC236}">
+                      <a16:creationId xmlns:a16="http://schemas.microsoft.com/office/drawing/2014/main" id="{05DEC5C7-6F7F-9B9C-3548-0DA601FBA5EA}"/>
+                    </a:ext>
+                  </a:extLst>
+                </p14:cNvPr>
+                <p14:cNvContentPartPr/>
+                <p14:nvPr/>
+              </p14:nvContentPartPr>
+              <p14:xfrm>
+                <a:off x="6155076" y="4025907"/>
+                <a:ext cx="360" cy="235800"/>
+              </p14:xfrm>
+            </p:contentPart>
+          </mc:Choice>
+          <mc:Fallback>
+            <p:pic>
+              <p:nvPicPr>
+                <p:cNvPr id="78" name="Ink 77">
+                  <a:extLst>
+                    <a:ext uri="{FF2B5EF4-FFF2-40B4-BE49-F238E27FC236}">
+                      <a16:creationId xmlns:a16="http://schemas.microsoft.com/office/drawing/2014/main" id="{05DEC5C7-6F7F-9B9C-3548-0DA601FBA5EA}"/>
+                    </a:ext>
+                  </a:extLst>
+                </p:cNvPr>
+                <p:cNvPicPr/>
+                <p:nvPr/>
+              </p:nvPicPr>
+              <p:blipFill>
+                <a:blip r:embed="rId73"/>
+                <a:stretch>
+                  <a:fillRect/>
+                </a:stretch>
+              </p:blipFill>
+              <p:spPr>
+                <a:xfrm>
+                  <a:off x="6146076" y="4016907"/>
+                  <a:ext cx="18000" cy="253440"/>
+                </a:xfrm>
+                <a:prstGeom prst="rect">
+                  <a:avLst/>
+                </a:prstGeom>
+              </p:spPr>
+            </p:pic>
+          </mc:Fallback>
+        </mc:AlternateContent>
+        <mc:AlternateContent xmlns:mc="http://schemas.openxmlformats.org/markup-compatibility/2006">
+          <mc:Choice xmlns:p14="http://schemas.microsoft.com/office/powerpoint/2010/main" Requires="p14">
+            <p:contentPart p14:bwMode="auto" r:id="rId74">
+              <p14:nvContentPartPr>
+                <p14:cNvPr id="79" name="Ink 78">
+                  <a:extLst>
+                    <a:ext uri="{FF2B5EF4-FFF2-40B4-BE49-F238E27FC236}">
+                      <a16:creationId xmlns:a16="http://schemas.microsoft.com/office/drawing/2014/main" id="{FEE5FFEA-A01B-C1F8-C69C-2CF932393FA0}"/>
+                    </a:ext>
+                  </a:extLst>
+                </p14:cNvPr>
+                <p14:cNvContentPartPr/>
+                <p14:nvPr/>
+              </p14:nvContentPartPr>
+              <p14:xfrm>
+                <a:off x="6277836" y="4026267"/>
+                <a:ext cx="529560" cy="290160"/>
+              </p14:xfrm>
+            </p:contentPart>
+          </mc:Choice>
+          <mc:Fallback>
+            <p:pic>
+              <p:nvPicPr>
+                <p:cNvPr id="79" name="Ink 78">
+                  <a:extLst>
+                    <a:ext uri="{FF2B5EF4-FFF2-40B4-BE49-F238E27FC236}">
+                      <a16:creationId xmlns:a16="http://schemas.microsoft.com/office/drawing/2014/main" id="{FEE5FFEA-A01B-C1F8-C69C-2CF932393FA0}"/>
+                    </a:ext>
+                  </a:extLst>
+                </p:cNvPr>
+                <p:cNvPicPr/>
+                <p:nvPr/>
+              </p:nvPicPr>
+              <p:blipFill>
+                <a:blip r:embed="rId75"/>
+                <a:stretch>
+                  <a:fillRect/>
+                </a:stretch>
+              </p:blipFill>
+              <p:spPr>
+                <a:xfrm>
+                  <a:off x="6268836" y="4017267"/>
+                  <a:ext cx="547200" cy="307800"/>
+                </a:xfrm>
+                <a:prstGeom prst="rect">
+                  <a:avLst/>
+                </a:prstGeom>
+              </p:spPr>
+            </p:pic>
+          </mc:Fallback>
+        </mc:AlternateContent>
+        <mc:AlternateContent xmlns:mc="http://schemas.openxmlformats.org/markup-compatibility/2006">
+          <mc:Choice xmlns:p14="http://schemas.microsoft.com/office/powerpoint/2010/main" Requires="p14">
+            <p:contentPart p14:bwMode="auto" r:id="rId76">
+              <p14:nvContentPartPr>
+                <p14:cNvPr id="80" name="Ink 79">
+                  <a:extLst>
+                    <a:ext uri="{FF2B5EF4-FFF2-40B4-BE49-F238E27FC236}">
+                      <a16:creationId xmlns:a16="http://schemas.microsoft.com/office/drawing/2014/main" id="{008A6104-F053-5529-4410-4423E4930BB4}"/>
+                    </a:ext>
+                  </a:extLst>
+                </p14:cNvPr>
+                <p14:cNvContentPartPr/>
+                <p14:nvPr/>
+              </p14:nvContentPartPr>
+              <p14:xfrm>
+                <a:off x="6809916" y="4214187"/>
+                <a:ext cx="360" cy="16560"/>
+              </p14:xfrm>
+            </p:contentPart>
+          </mc:Choice>
+          <mc:Fallback>
+            <p:pic>
+              <p:nvPicPr>
+                <p:cNvPr id="80" name="Ink 79">
+                  <a:extLst>
+                    <a:ext uri="{FF2B5EF4-FFF2-40B4-BE49-F238E27FC236}">
+                      <a16:creationId xmlns:a16="http://schemas.microsoft.com/office/drawing/2014/main" id="{008A6104-F053-5529-4410-4423E4930BB4}"/>
+                    </a:ext>
+                  </a:extLst>
+                </p:cNvPr>
+                <p:cNvPicPr/>
+                <p:nvPr/>
+              </p:nvPicPr>
+              <p:blipFill>
+                <a:blip r:embed="rId77"/>
+                <a:stretch>
+                  <a:fillRect/>
+                </a:stretch>
+              </p:blipFill>
+              <p:spPr>
+                <a:xfrm>
+                  <a:off x="6801276" y="4205187"/>
+                  <a:ext cx="18000" cy="34200"/>
+                </a:xfrm>
+                <a:prstGeom prst="rect">
+                  <a:avLst/>
+                </a:prstGeom>
+              </p:spPr>
+            </p:pic>
+          </mc:Fallback>
+        </mc:AlternateContent>
+        <mc:AlternateContent xmlns:mc="http://schemas.openxmlformats.org/markup-compatibility/2006">
+          <mc:Choice xmlns:p14="http://schemas.microsoft.com/office/powerpoint/2010/main" Requires="p14">
+            <p:contentPart p14:bwMode="auto" r:id="rId78">
+              <p14:nvContentPartPr>
+                <p14:cNvPr id="81" name="Ink 80">
+                  <a:extLst>
+                    <a:ext uri="{FF2B5EF4-FFF2-40B4-BE49-F238E27FC236}">
+                      <a16:creationId xmlns:a16="http://schemas.microsoft.com/office/drawing/2014/main" id="{B372E14B-9CE3-5BC1-5CCE-619E1516D691}"/>
+                    </a:ext>
+                  </a:extLst>
+                </p14:cNvPr>
+                <p14:cNvContentPartPr/>
+                <p14:nvPr/>
+              </p14:nvContentPartPr>
+              <p14:xfrm>
+                <a:off x="7048236" y="3942747"/>
+                <a:ext cx="218520" cy="457560"/>
+              </p14:xfrm>
+            </p:contentPart>
+          </mc:Choice>
+          <mc:Fallback>
+            <p:pic>
+              <p:nvPicPr>
+                <p:cNvPr id="81" name="Ink 80">
+                  <a:extLst>
+                    <a:ext uri="{FF2B5EF4-FFF2-40B4-BE49-F238E27FC236}">
+                      <a16:creationId xmlns:a16="http://schemas.microsoft.com/office/drawing/2014/main" id="{B372E14B-9CE3-5BC1-5CCE-619E1516D691}"/>
+                    </a:ext>
+                  </a:extLst>
+                </p:cNvPr>
+                <p:cNvPicPr/>
+                <p:nvPr/>
+              </p:nvPicPr>
+              <p:blipFill>
+                <a:blip r:embed="rId79"/>
+                <a:stretch>
+                  <a:fillRect/>
+                </a:stretch>
+              </p:blipFill>
+              <p:spPr>
+                <a:xfrm>
+                  <a:off x="7039236" y="3933747"/>
+                  <a:ext cx="236160" cy="475200"/>
+                </a:xfrm>
+                <a:prstGeom prst="rect">
+                  <a:avLst/>
+                </a:prstGeom>
+              </p:spPr>
+            </p:pic>
+          </mc:Fallback>
+        </mc:AlternateContent>
+        <mc:AlternateContent xmlns:mc="http://schemas.openxmlformats.org/markup-compatibility/2006">
+          <mc:Choice xmlns:p14="http://schemas.microsoft.com/office/powerpoint/2010/main" Requires="p14">
+            <p:contentPart p14:bwMode="auto" r:id="rId80">
+              <p14:nvContentPartPr>
+                <p14:cNvPr id="82" name="Ink 81">
+                  <a:extLst>
+                    <a:ext uri="{FF2B5EF4-FFF2-40B4-BE49-F238E27FC236}">
+                      <a16:creationId xmlns:a16="http://schemas.microsoft.com/office/drawing/2014/main" id="{F086AAD2-60FD-0871-48B0-D83EC705962B}"/>
+                    </a:ext>
+                  </a:extLst>
+                </p14:cNvPr>
+                <p14:cNvContentPartPr/>
+                <p14:nvPr/>
+              </p14:nvContentPartPr>
+              <p14:xfrm>
+                <a:off x="7374756" y="3902067"/>
+                <a:ext cx="221040" cy="419040"/>
+              </p14:xfrm>
+            </p:contentPart>
+          </mc:Choice>
+          <mc:Fallback>
+            <p:pic>
+              <p:nvPicPr>
+                <p:cNvPr id="82" name="Ink 81">
+                  <a:extLst>
+                    <a:ext uri="{FF2B5EF4-FFF2-40B4-BE49-F238E27FC236}">
+                      <a16:creationId xmlns:a16="http://schemas.microsoft.com/office/drawing/2014/main" id="{F086AAD2-60FD-0871-48B0-D83EC705962B}"/>
+                    </a:ext>
+                  </a:extLst>
+                </p:cNvPr>
+                <p:cNvPicPr/>
+                <p:nvPr/>
+              </p:nvPicPr>
+              <p:blipFill>
+                <a:blip r:embed="rId81"/>
+                <a:stretch>
+                  <a:fillRect/>
+                </a:stretch>
+              </p:blipFill>
+              <p:spPr>
+                <a:xfrm>
+                  <a:off x="7365756" y="3893067"/>
+                  <a:ext cx="238680" cy="436680"/>
+                </a:xfrm>
+                <a:prstGeom prst="rect">
+                  <a:avLst/>
+                </a:prstGeom>
+              </p:spPr>
+            </p:pic>
+          </mc:Fallback>
+        </mc:AlternateContent>
+        <mc:AlternateContent xmlns:mc="http://schemas.openxmlformats.org/markup-compatibility/2006">
+          <mc:Choice xmlns:p14="http://schemas.microsoft.com/office/powerpoint/2010/main" Requires="p14">
+            <p:contentPart p14:bwMode="auto" r:id="rId82">
+              <p14:nvContentPartPr>
+                <p14:cNvPr id="83" name="Ink 82">
+                  <a:extLst>
+                    <a:ext uri="{FF2B5EF4-FFF2-40B4-BE49-F238E27FC236}">
+                      <a16:creationId xmlns:a16="http://schemas.microsoft.com/office/drawing/2014/main" id="{C7F0D58C-6616-9FE8-F1CC-34EB87CD7BD6}"/>
+                    </a:ext>
+                  </a:extLst>
+                </p14:cNvPr>
+                <p14:cNvContentPartPr/>
+                <p14:nvPr/>
+              </p14:nvContentPartPr>
+              <p14:xfrm>
+                <a:off x="7546476" y="3861747"/>
+                <a:ext cx="360" cy="193320"/>
+              </p14:xfrm>
+            </p:contentPart>
+          </mc:Choice>
+          <mc:Fallback>
+            <p:pic>
+              <p:nvPicPr>
+                <p:cNvPr id="83" name="Ink 82">
+                  <a:extLst>
+                    <a:ext uri="{FF2B5EF4-FFF2-40B4-BE49-F238E27FC236}">
+                      <a16:creationId xmlns:a16="http://schemas.microsoft.com/office/drawing/2014/main" id="{C7F0D58C-6616-9FE8-F1CC-34EB87CD7BD6}"/>
+                    </a:ext>
+                  </a:extLst>
+                </p:cNvPr>
+                <p:cNvPicPr/>
+                <p:nvPr/>
+              </p:nvPicPr>
+              <p:blipFill>
+                <a:blip r:embed="rId83"/>
+                <a:stretch>
+                  <a:fillRect/>
+                </a:stretch>
+              </p:blipFill>
+              <p:spPr>
+                <a:xfrm>
+                  <a:off x="7537836" y="3853107"/>
+                  <a:ext cx="18000" cy="210960"/>
+                </a:xfrm>
+                <a:prstGeom prst="rect">
+                  <a:avLst/>
+                </a:prstGeom>
+              </p:spPr>
+            </p:pic>
+          </mc:Fallback>
+        </mc:AlternateContent>
+        <mc:AlternateContent xmlns:mc="http://schemas.openxmlformats.org/markup-compatibility/2006">
+          <mc:Choice xmlns:p14="http://schemas.microsoft.com/office/powerpoint/2010/main" Requires="p14">
+            <p:contentPart p14:bwMode="auto" r:id="rId84">
+              <p14:nvContentPartPr>
+                <p14:cNvPr id="84" name="Ink 83">
+                  <a:extLst>
+                    <a:ext uri="{FF2B5EF4-FFF2-40B4-BE49-F238E27FC236}">
+                      <a16:creationId xmlns:a16="http://schemas.microsoft.com/office/drawing/2014/main" id="{C90688E1-AD83-2886-AC51-2FDE3679CEAD}"/>
+                    </a:ext>
+                  </a:extLst>
+                </p14:cNvPr>
+                <p14:cNvContentPartPr/>
+                <p14:nvPr/>
+              </p14:nvContentPartPr>
+              <p14:xfrm>
+                <a:off x="7008636" y="3943827"/>
+                <a:ext cx="286920" cy="124560"/>
+              </p14:xfrm>
+            </p:contentPart>
+          </mc:Choice>
+          <mc:Fallback>
+            <p:pic>
+              <p:nvPicPr>
+                <p:cNvPr id="84" name="Ink 83">
+                  <a:extLst>
+                    <a:ext uri="{FF2B5EF4-FFF2-40B4-BE49-F238E27FC236}">
+                      <a16:creationId xmlns:a16="http://schemas.microsoft.com/office/drawing/2014/main" id="{C90688E1-AD83-2886-AC51-2FDE3679CEAD}"/>
+                    </a:ext>
+                  </a:extLst>
+                </p:cNvPr>
+                <p:cNvPicPr/>
+                <p:nvPr/>
+              </p:nvPicPr>
+              <p:blipFill>
+                <a:blip r:embed="rId85"/>
+                <a:stretch>
+                  <a:fillRect/>
+                </a:stretch>
+              </p:blipFill>
+              <p:spPr>
+                <a:xfrm>
+                  <a:off x="6999996" y="3935187"/>
+                  <a:ext cx="304560" cy="142200"/>
+                </a:xfrm>
+                <a:prstGeom prst="rect">
+                  <a:avLst/>
+                </a:prstGeom>
+              </p:spPr>
+            </p:pic>
+          </mc:Fallback>
+        </mc:AlternateContent>
+      </p:grpSp>
+    </p:spTree>
+    <p:extLst>
+      <p:ext uri="{BB962C8B-B14F-4D97-AF65-F5344CB8AC3E}">
+        <p14:creationId xmlns:p14="http://schemas.microsoft.com/office/powerpoint/2010/main" val="1327817810"/>
+      </p:ext>
+    </p:extLst>
+  </p:cSld>
+  <p:clrMapOvr>
+    <a:masterClrMapping/>
+  </p:clrMapOvr>
+</p:sld>
+</file>
+
+<file path=ppt/slides/slide18.xml><?xml version="1.0" encoding="utf-8"?>
+<p:sld xmlns:a="http://schemas.openxmlformats.org/drawingml/2006/main" xmlns:r="http://schemas.openxmlformats.org/officeDocument/2006/relationships" xmlns:p="http://schemas.openxmlformats.org/presentationml/2006/main">
+  <p:cSld>
+    <p:spTree>
+      <p:nvGrpSpPr>
+        <p:cNvPr id="1" name=""/>
+        <p:cNvGrpSpPr/>
+        <p:nvPr/>
+      </p:nvGrpSpPr>
+      <p:grpSpPr>
+        <a:xfrm>
+          <a:off x="0" y="0"/>
+          <a:ext cx="0" cy="0"/>
+          <a:chOff x="0" y="0"/>
+          <a:chExt cx="0" cy="0"/>
+        </a:xfrm>
+      </p:grpSpPr>
+      <p:sp>
+        <p:nvSpPr>
+          <p:cNvPr id="4" name="TextBox 3">
+            <a:extLst>
+              <a:ext uri="{FF2B5EF4-FFF2-40B4-BE49-F238E27FC236}">
+                <a16:creationId xmlns:a16="http://schemas.microsoft.com/office/drawing/2014/main" id="{834C4733-CB18-BF10-3CF9-49181191F83D}"/>
+              </a:ext>
+            </a:extLst>
+          </p:cNvPr>
+          <p:cNvSpPr txBox="1"/>
+          <p:nvPr/>
+        </p:nvSpPr>
+        <p:spPr>
+          <a:xfrm>
+            <a:off x="5090615" y="586854"/>
+            <a:ext cx="561372" cy="369332"/>
+          </a:xfrm>
+          <a:prstGeom prst="rect">
+            <a:avLst/>
+          </a:prstGeom>
+          <a:noFill/>
+        </p:spPr>
+        <p:txBody>
+          <a:bodyPr wrap="none" rtlCol="0">
+            <a:spAutoFit/>
+          </a:bodyPr>
+          <a:lstStyle/>
+          <a:p>
+            <a:r>
+              <a:rPr lang="en-US" dirty="0"/>
+              <a:t>App</a:t>
+            </a:r>
+          </a:p>
+        </p:txBody>
+      </p:sp>
+      <p:sp>
+        <p:nvSpPr>
+          <p:cNvPr id="5" name="TextBox 4">
+            <a:extLst>
+              <a:ext uri="{FF2B5EF4-FFF2-40B4-BE49-F238E27FC236}">
+                <a16:creationId xmlns:a16="http://schemas.microsoft.com/office/drawing/2014/main" id="{BA7D1B48-B037-A2EE-6158-0642A738FD72}"/>
+              </a:ext>
+            </a:extLst>
+          </p:cNvPr>
+          <p:cNvSpPr txBox="1"/>
+          <p:nvPr/>
+        </p:nvSpPr>
+        <p:spPr>
+          <a:xfrm>
+            <a:off x="1528549" y="1978926"/>
+            <a:ext cx="885499" cy="369332"/>
+          </a:xfrm>
+          <a:prstGeom prst="rect">
+            <a:avLst/>
+          </a:prstGeom>
+          <a:noFill/>
+        </p:spPr>
+        <p:txBody>
+          <a:bodyPr wrap="none" rtlCol="0">
+            <a:spAutoFit/>
+          </a:bodyPr>
+          <a:lstStyle/>
+          <a:p>
+            <a:r>
+              <a:rPr lang="en-US" dirty="0"/>
+              <a:t>Toolbar</a:t>
+            </a:r>
+          </a:p>
+        </p:txBody>
+      </p:sp>
+      <p:sp>
+        <p:nvSpPr>
+          <p:cNvPr id="6" name="TextBox 5">
+            <a:extLst>
+              <a:ext uri="{FF2B5EF4-FFF2-40B4-BE49-F238E27FC236}">
+                <a16:creationId xmlns:a16="http://schemas.microsoft.com/office/drawing/2014/main" id="{0EA49372-B990-6E65-5B73-ED8BCB019089}"/>
+              </a:ext>
+            </a:extLst>
+          </p:cNvPr>
+          <p:cNvSpPr txBox="1"/>
+          <p:nvPr/>
+        </p:nvSpPr>
+        <p:spPr>
+          <a:xfrm>
+            <a:off x="4965869" y="1201004"/>
+            <a:ext cx="810863" cy="369332"/>
+          </a:xfrm>
+          <a:prstGeom prst="rect">
+            <a:avLst/>
+          </a:prstGeom>
+          <a:noFill/>
+        </p:spPr>
+        <p:txBody>
+          <a:bodyPr wrap="none" rtlCol="0">
+            <a:spAutoFit/>
+          </a:bodyPr>
+          <a:lstStyle/>
+          <a:p>
+            <a:r>
+              <a:rPr lang="en-US" dirty="0"/>
+              <a:t>Layout</a:t>
+            </a:r>
+          </a:p>
+        </p:txBody>
+      </p:sp>
+      <p:sp>
+        <p:nvSpPr>
+          <p:cNvPr id="7" name="TextBox 6">
+            <a:extLst>
+              <a:ext uri="{FF2B5EF4-FFF2-40B4-BE49-F238E27FC236}">
+                <a16:creationId xmlns:a16="http://schemas.microsoft.com/office/drawing/2014/main" id="{1289808B-3BAA-3E2B-CA51-9F99CB1E14B6}"/>
+              </a:ext>
+            </a:extLst>
+          </p:cNvPr>
+          <p:cNvSpPr txBox="1"/>
+          <p:nvPr/>
+        </p:nvSpPr>
+        <p:spPr>
+          <a:xfrm>
+            <a:off x="2920620" y="1978926"/>
+            <a:ext cx="1266309" cy="369332"/>
+          </a:xfrm>
+          <a:prstGeom prst="rect">
+            <a:avLst/>
+          </a:prstGeom>
+          <a:noFill/>
+        </p:spPr>
+        <p:txBody>
+          <a:bodyPr wrap="none" rtlCol="0">
+            <a:spAutoFit/>
+          </a:bodyPr>
+          <a:lstStyle/>
+          <a:p>
+            <a:r>
+              <a:rPr lang="en-US" dirty="0" err="1"/>
+              <a:t>SideDrawer</a:t>
+            </a:r>
+            <a:endParaRPr lang="en-US" dirty="0"/>
+          </a:p>
+        </p:txBody>
+      </p:sp>
+      <p:sp>
+        <p:nvSpPr>
+          <p:cNvPr id="8" name="TextBox 7">
+            <a:extLst>
+              <a:ext uri="{FF2B5EF4-FFF2-40B4-BE49-F238E27FC236}">
+                <a16:creationId xmlns:a16="http://schemas.microsoft.com/office/drawing/2014/main" id="{2981F6B8-5B0E-8D74-A1FD-5D7A16B51492}"/>
+              </a:ext>
+            </a:extLst>
+          </p:cNvPr>
+          <p:cNvSpPr txBox="1"/>
+          <p:nvPr/>
+        </p:nvSpPr>
+        <p:spPr>
+          <a:xfrm>
+            <a:off x="5651987" y="1978926"/>
+            <a:ext cx="1057918" cy="369332"/>
+          </a:xfrm>
+          <a:prstGeom prst="rect">
+            <a:avLst/>
+          </a:prstGeom>
+          <a:noFill/>
+        </p:spPr>
+        <p:txBody>
+          <a:bodyPr wrap="none" rtlCol="0">
+            <a:spAutoFit/>
+          </a:bodyPr>
+          <a:lstStyle/>
+          <a:p>
+            <a:r>
+              <a:rPr lang="en-US" dirty="0"/>
+              <a:t>Backdrop</a:t>
+            </a:r>
+          </a:p>
+        </p:txBody>
+      </p:sp>
+      <p:sp>
+        <p:nvSpPr>
+          <p:cNvPr id="9" name="TextBox 8">
+            <a:extLst>
+              <a:ext uri="{FF2B5EF4-FFF2-40B4-BE49-F238E27FC236}">
+                <a16:creationId xmlns:a16="http://schemas.microsoft.com/office/drawing/2014/main" id="{CE7263FD-0825-F0E0-9407-37F092158105}"/>
+              </a:ext>
+            </a:extLst>
+          </p:cNvPr>
+          <p:cNvSpPr txBox="1"/>
+          <p:nvPr/>
+        </p:nvSpPr>
+        <p:spPr>
+          <a:xfrm>
+            <a:off x="8174963" y="1978926"/>
+            <a:ext cx="1216936" cy="369332"/>
+          </a:xfrm>
+          <a:prstGeom prst="rect">
+            <a:avLst/>
+          </a:prstGeom>
+          <a:noFill/>
+        </p:spPr>
+        <p:txBody>
+          <a:bodyPr wrap="none" rtlCol="0">
+            <a:spAutoFit/>
+          </a:bodyPr>
+          <a:lstStyle/>
+          <a:p>
+            <a:r>
+              <a:rPr lang="en-US" dirty="0" err="1"/>
+              <a:t>Props.child</a:t>
+            </a:r>
+            <a:endParaRPr lang="en-US" dirty="0"/>
+          </a:p>
+        </p:txBody>
+      </p:sp>
+      <p:sp>
+        <p:nvSpPr>
+          <p:cNvPr id="10" name="TextBox 9">
+            <a:extLst>
+              <a:ext uri="{FF2B5EF4-FFF2-40B4-BE49-F238E27FC236}">
+                <a16:creationId xmlns:a16="http://schemas.microsoft.com/office/drawing/2014/main" id="{421FD895-A7DC-FF87-129D-D37349555805}"/>
+              </a:ext>
+            </a:extLst>
+          </p:cNvPr>
+          <p:cNvSpPr txBox="1"/>
+          <p:nvPr/>
+        </p:nvSpPr>
+        <p:spPr>
+          <a:xfrm>
+            <a:off x="955343" y="3043451"/>
+            <a:ext cx="1525226" cy="369332"/>
+          </a:xfrm>
+          <a:prstGeom prst="rect">
+            <a:avLst/>
+          </a:prstGeom>
+          <a:noFill/>
+        </p:spPr>
+        <p:txBody>
+          <a:bodyPr wrap="none" rtlCol="0">
+            <a:spAutoFit/>
+          </a:bodyPr>
+          <a:lstStyle/>
+          <a:p>
+            <a:r>
+              <a:rPr lang="en-US" dirty="0"/>
+              <a:t>Drawer Toggle</a:t>
+            </a:r>
+          </a:p>
+        </p:txBody>
+      </p:sp>
+      <p:sp>
+        <p:nvSpPr>
+          <p:cNvPr id="11" name="TextBox 10">
+            <a:extLst>
+              <a:ext uri="{FF2B5EF4-FFF2-40B4-BE49-F238E27FC236}">
+                <a16:creationId xmlns:a16="http://schemas.microsoft.com/office/drawing/2014/main" id="{09007F83-8530-998E-B4BB-3EDC4BACE351}"/>
+              </a:ext>
+            </a:extLst>
+          </p:cNvPr>
+          <p:cNvSpPr txBox="1"/>
+          <p:nvPr/>
+        </p:nvSpPr>
+        <p:spPr>
+          <a:xfrm>
+            <a:off x="888822" y="3575714"/>
+            <a:ext cx="633507" cy="369332"/>
+          </a:xfrm>
+          <a:prstGeom prst="rect">
+            <a:avLst/>
+          </a:prstGeom>
+          <a:noFill/>
+        </p:spPr>
+        <p:txBody>
+          <a:bodyPr wrap="none" rtlCol="0">
+            <a:spAutoFit/>
+          </a:bodyPr>
+          <a:lstStyle/>
+          <a:p>
+            <a:r>
+              <a:rPr lang="en-US" dirty="0"/>
+              <a:t>Logo</a:t>
+            </a:r>
+          </a:p>
+        </p:txBody>
+      </p:sp>
+      <p:sp>
+        <p:nvSpPr>
+          <p:cNvPr id="12" name="TextBox 11">
+            <a:extLst>
+              <a:ext uri="{FF2B5EF4-FFF2-40B4-BE49-F238E27FC236}">
+                <a16:creationId xmlns:a16="http://schemas.microsoft.com/office/drawing/2014/main" id="{ECEF03BC-C056-BAED-5DA2-6A18802DA1DA}"/>
+              </a:ext>
+            </a:extLst>
+          </p:cNvPr>
+          <p:cNvSpPr txBox="1"/>
+          <p:nvPr/>
+        </p:nvSpPr>
+        <p:spPr>
+          <a:xfrm>
+            <a:off x="1084449" y="3945889"/>
+            <a:ext cx="1754070" cy="369332"/>
+          </a:xfrm>
+          <a:prstGeom prst="rect">
+            <a:avLst/>
+          </a:prstGeom>
+          <a:noFill/>
+        </p:spPr>
+        <p:txBody>
+          <a:bodyPr wrap="none" rtlCol="0">
+            <a:spAutoFit/>
+          </a:bodyPr>
+          <a:lstStyle/>
+          <a:p>
+            <a:r>
+              <a:rPr lang="en-US" dirty="0"/>
+              <a:t>Navigation items</a:t>
+            </a:r>
+          </a:p>
+        </p:txBody>
+      </p:sp>
+      <p:cxnSp>
+        <p:nvCxnSpPr>
+          <p:cNvPr id="14" name="Straight Arrow Connector 13">
+            <a:extLst>
+              <a:ext uri="{FF2B5EF4-FFF2-40B4-BE49-F238E27FC236}">
+                <a16:creationId xmlns:a16="http://schemas.microsoft.com/office/drawing/2014/main" id="{01D21684-7BAB-2544-ECC3-68C528461EA2}"/>
+              </a:ext>
+            </a:extLst>
+          </p:cNvPr>
+          <p:cNvCxnSpPr>
+            <a:stCxn id="4" idx="2"/>
+            <a:endCxn id="6" idx="0"/>
+          </p:cNvCxnSpPr>
+          <p:nvPr/>
+        </p:nvCxnSpPr>
+        <p:spPr>
+          <a:xfrm>
+            <a:off x="5371301" y="956186"/>
+            <a:ext cx="0" cy="244818"/>
+          </a:xfrm>
+          <a:prstGeom prst="straightConnector1">
+            <a:avLst/>
+          </a:prstGeom>
+          <a:ln>
+            <a:tailEnd type="triangle"/>
+          </a:ln>
+        </p:spPr>
+        <p:style>
+          <a:lnRef idx="1">
+            <a:schemeClr val="accent1"/>
+          </a:lnRef>
+          <a:fillRef idx="0">
+            <a:schemeClr val="accent1"/>
+          </a:fillRef>
+          <a:effectRef idx="0">
+            <a:schemeClr val="accent1"/>
+          </a:effectRef>
+          <a:fontRef idx="minor">
+            <a:schemeClr val="tx1"/>
+          </a:fontRef>
+        </p:style>
+      </p:cxnSp>
+      <p:cxnSp>
+        <p:nvCxnSpPr>
+          <p:cNvPr id="16" name="Connector: Elbow 15">
+            <a:extLst>
+              <a:ext uri="{FF2B5EF4-FFF2-40B4-BE49-F238E27FC236}">
+                <a16:creationId xmlns:a16="http://schemas.microsoft.com/office/drawing/2014/main" id="{7BB9FEBC-4646-705E-12B6-112E2D028818}"/>
+              </a:ext>
+            </a:extLst>
+          </p:cNvPr>
+          <p:cNvCxnSpPr>
+            <a:stCxn id="6" idx="2"/>
+            <a:endCxn id="5" idx="0"/>
+          </p:cNvCxnSpPr>
+          <p:nvPr/>
+        </p:nvCxnSpPr>
+        <p:spPr>
+          <a:xfrm rot="5400000">
+            <a:off x="3467005" y="74630"/>
+            <a:ext cx="408590" cy="3400002"/>
+          </a:xfrm>
+          <a:prstGeom prst="bentConnector3">
+            <a:avLst/>
+          </a:prstGeom>
+          <a:ln>
+            <a:tailEnd type="triangle"/>
+          </a:ln>
+        </p:spPr>
+        <p:style>
+          <a:lnRef idx="1">
+            <a:schemeClr val="accent1"/>
+          </a:lnRef>
+          <a:fillRef idx="0">
+            <a:schemeClr val="accent1"/>
+          </a:fillRef>
+          <a:effectRef idx="0">
+            <a:schemeClr val="accent1"/>
+          </a:effectRef>
+          <a:fontRef idx="minor">
+            <a:schemeClr val="tx1"/>
+          </a:fontRef>
+        </p:style>
+      </p:cxnSp>
+      <p:cxnSp>
+        <p:nvCxnSpPr>
+          <p:cNvPr id="18" name="Connector: Elbow 17">
+            <a:extLst>
+              <a:ext uri="{FF2B5EF4-FFF2-40B4-BE49-F238E27FC236}">
+                <a16:creationId xmlns:a16="http://schemas.microsoft.com/office/drawing/2014/main" id="{430289E6-9B2F-3BB5-B8E4-D96B62DEFCB8}"/>
+              </a:ext>
+            </a:extLst>
+          </p:cNvPr>
+          <p:cNvCxnSpPr>
+            <a:stCxn id="6" idx="2"/>
+            <a:endCxn id="7" idx="0"/>
+          </p:cNvCxnSpPr>
+          <p:nvPr/>
+        </p:nvCxnSpPr>
+        <p:spPr>
+          <a:xfrm rot="5400000">
+            <a:off x="4258243" y="865868"/>
+            <a:ext cx="408590" cy="1817526"/>
+          </a:xfrm>
+          <a:prstGeom prst="bentConnector3">
+            <a:avLst/>
+          </a:prstGeom>
+          <a:ln>
+            <a:tailEnd type="triangle"/>
+          </a:ln>
+        </p:spPr>
+        <p:style>
+          <a:lnRef idx="1">
+            <a:schemeClr val="accent1"/>
+          </a:lnRef>
+          <a:fillRef idx="0">
+            <a:schemeClr val="accent1"/>
+          </a:fillRef>
+          <a:effectRef idx="0">
+            <a:schemeClr val="accent1"/>
+          </a:effectRef>
+          <a:fontRef idx="minor">
+            <a:schemeClr val="tx1"/>
+          </a:fontRef>
+        </p:style>
+      </p:cxnSp>
+      <p:cxnSp>
+        <p:nvCxnSpPr>
+          <p:cNvPr id="20" name="Connector: Elbow 19">
+            <a:extLst>
+              <a:ext uri="{FF2B5EF4-FFF2-40B4-BE49-F238E27FC236}">
+                <a16:creationId xmlns:a16="http://schemas.microsoft.com/office/drawing/2014/main" id="{DF13D682-9E7D-F37F-CF92-05FE64CC8361}"/>
+              </a:ext>
+            </a:extLst>
+          </p:cNvPr>
+          <p:cNvCxnSpPr>
+            <a:stCxn id="6" idx="2"/>
+            <a:endCxn id="8" idx="0"/>
+          </p:cNvCxnSpPr>
+          <p:nvPr/>
+        </p:nvCxnSpPr>
+        <p:spPr>
+          <a:xfrm rot="16200000" flipH="1">
+            <a:off x="5571828" y="1369808"/>
+            <a:ext cx="408590" cy="809645"/>
+          </a:xfrm>
+          <a:prstGeom prst="bentConnector3">
+            <a:avLst/>
+          </a:prstGeom>
+          <a:ln>
+            <a:tailEnd type="triangle"/>
+          </a:ln>
+        </p:spPr>
+        <p:style>
+          <a:lnRef idx="1">
+            <a:schemeClr val="accent1"/>
+          </a:lnRef>
+          <a:fillRef idx="0">
+            <a:schemeClr val="accent1"/>
+          </a:fillRef>
+          <a:effectRef idx="0">
+            <a:schemeClr val="accent1"/>
+          </a:effectRef>
+          <a:fontRef idx="minor">
+            <a:schemeClr val="tx1"/>
+          </a:fontRef>
+        </p:style>
+      </p:cxnSp>
+      <p:cxnSp>
+        <p:nvCxnSpPr>
+          <p:cNvPr id="22" name="Connector: Elbow 21">
+            <a:extLst>
+              <a:ext uri="{FF2B5EF4-FFF2-40B4-BE49-F238E27FC236}">
+                <a16:creationId xmlns:a16="http://schemas.microsoft.com/office/drawing/2014/main" id="{29ABCCED-15BD-4163-4430-A6871FA1E492}"/>
+              </a:ext>
+            </a:extLst>
+          </p:cNvPr>
+          <p:cNvCxnSpPr>
+            <a:stCxn id="6" idx="2"/>
+            <a:endCxn id="9" idx="0"/>
+          </p:cNvCxnSpPr>
+          <p:nvPr/>
+        </p:nvCxnSpPr>
+        <p:spPr>
+          <a:xfrm rot="16200000" flipH="1">
+            <a:off x="6873071" y="68566"/>
+            <a:ext cx="408590" cy="3412130"/>
+          </a:xfrm>
+          <a:prstGeom prst="bentConnector3">
+            <a:avLst/>
+          </a:prstGeom>
+          <a:ln>
+            <a:tailEnd type="triangle"/>
+          </a:ln>
+        </p:spPr>
+        <p:style>
+          <a:lnRef idx="1">
+            <a:schemeClr val="accent1"/>
+          </a:lnRef>
+          <a:fillRef idx="0">
+            <a:schemeClr val="accent1"/>
+          </a:fillRef>
+          <a:effectRef idx="0">
+            <a:schemeClr val="accent1"/>
+          </a:effectRef>
+          <a:fontRef idx="minor">
+            <a:schemeClr val="tx1"/>
+          </a:fontRef>
+        </p:style>
+      </p:cxnSp>
+      <p:cxnSp>
+        <p:nvCxnSpPr>
+          <p:cNvPr id="24" name="Connector: Elbow 23">
+            <a:extLst>
+              <a:ext uri="{FF2B5EF4-FFF2-40B4-BE49-F238E27FC236}">
+                <a16:creationId xmlns:a16="http://schemas.microsoft.com/office/drawing/2014/main" id="{113A47E8-6BA0-4A7B-5534-7C276025DF36}"/>
+              </a:ext>
+            </a:extLst>
+          </p:cNvPr>
+          <p:cNvCxnSpPr>
+            <a:stCxn id="5" idx="2"/>
+            <a:endCxn id="10" idx="0"/>
+          </p:cNvCxnSpPr>
+          <p:nvPr/>
+        </p:nvCxnSpPr>
+        <p:spPr>
+          <a:xfrm rot="5400000">
+            <a:off x="1497032" y="2569183"/>
+            <a:ext cx="695193" cy="253343"/>
+          </a:xfrm>
+          <a:prstGeom prst="bentConnector3">
+            <a:avLst/>
+          </a:prstGeom>
+          <a:ln>
+            <a:tailEnd type="triangle"/>
+          </a:ln>
+        </p:spPr>
+        <p:style>
+          <a:lnRef idx="1">
+            <a:schemeClr val="accent1"/>
+          </a:lnRef>
+          <a:fillRef idx="0">
+            <a:schemeClr val="accent1"/>
+          </a:fillRef>
+          <a:effectRef idx="0">
+            <a:schemeClr val="accent1"/>
+          </a:effectRef>
+          <a:fontRef idx="minor">
+            <a:schemeClr val="tx1"/>
+          </a:fontRef>
+        </p:style>
+      </p:cxnSp>
+      <p:cxnSp>
+        <p:nvCxnSpPr>
+          <p:cNvPr id="26" name="Connector: Elbow 25">
+            <a:extLst>
+              <a:ext uri="{FF2B5EF4-FFF2-40B4-BE49-F238E27FC236}">
+                <a16:creationId xmlns:a16="http://schemas.microsoft.com/office/drawing/2014/main" id="{A162D42B-D1A0-8DD0-FFEC-99B49AAE9741}"/>
+              </a:ext>
+            </a:extLst>
+          </p:cNvPr>
+          <p:cNvCxnSpPr>
+            <a:stCxn id="7" idx="2"/>
+          </p:cNvCxnSpPr>
+          <p:nvPr/>
+        </p:nvCxnSpPr>
+        <p:spPr>
+          <a:xfrm rot="5400000">
+            <a:off x="2583832" y="1725911"/>
+            <a:ext cx="347596" cy="1592291"/>
+          </a:xfrm>
+          <a:prstGeom prst="bentConnector2">
+            <a:avLst/>
+          </a:prstGeom>
+          <a:ln>
+            <a:tailEnd type="triangle"/>
+          </a:ln>
+        </p:spPr>
+        <p:style>
+          <a:lnRef idx="1">
+            <a:schemeClr val="accent1"/>
+          </a:lnRef>
+          <a:fillRef idx="0">
+            <a:schemeClr val="accent1"/>
+          </a:fillRef>
+          <a:effectRef idx="0">
+            <a:schemeClr val="accent1"/>
+          </a:effectRef>
+          <a:fontRef idx="minor">
+            <a:schemeClr val="tx1"/>
+          </a:fontRef>
+        </p:style>
+      </p:cxnSp>
+      <p:sp>
+        <p:nvSpPr>
+          <p:cNvPr id="27" name="TextBox 26">
+            <a:extLst>
+              <a:ext uri="{FF2B5EF4-FFF2-40B4-BE49-F238E27FC236}">
+                <a16:creationId xmlns:a16="http://schemas.microsoft.com/office/drawing/2014/main" id="{74B52A3F-B86A-81C8-B2AE-4ADB929572C1}"/>
+              </a:ext>
+            </a:extLst>
+          </p:cNvPr>
+          <p:cNvSpPr txBox="1"/>
+          <p:nvPr/>
+        </p:nvSpPr>
+        <p:spPr>
+          <a:xfrm>
+            <a:off x="8174963" y="3228117"/>
+            <a:ext cx="1607363" cy="923330"/>
+          </a:xfrm>
+          <a:prstGeom prst="rect">
+            <a:avLst/>
+          </a:prstGeom>
+          <a:noFill/>
+        </p:spPr>
+        <p:txBody>
+          <a:bodyPr wrap="none" rtlCol="0">
+            <a:spAutoFit/>
+          </a:bodyPr>
+          <a:lstStyle/>
+          <a:p>
+            <a:r>
+              <a:rPr lang="en-US" dirty="0"/>
+              <a:t>Different Pages</a:t>
+            </a:r>
+          </a:p>
+          <a:p>
+            <a:endParaRPr lang="en-US" dirty="0"/>
+          </a:p>
+          <a:p>
+            <a:r>
+              <a:rPr lang="en-US" dirty="0" err="1"/>
+              <a:t>BurgerBuilder</a:t>
+            </a:r>
+            <a:endParaRPr lang="en-US" dirty="0"/>
+          </a:p>
+        </p:txBody>
+      </p:sp>
+      <p:sp>
+        <p:nvSpPr>
+          <p:cNvPr id="28" name="TextBox 27">
+            <a:extLst>
+              <a:ext uri="{FF2B5EF4-FFF2-40B4-BE49-F238E27FC236}">
+                <a16:creationId xmlns:a16="http://schemas.microsoft.com/office/drawing/2014/main" id="{735E83EA-742D-959B-36DD-309220FA8AF6}"/>
+              </a:ext>
+            </a:extLst>
+          </p:cNvPr>
+          <p:cNvSpPr txBox="1"/>
+          <p:nvPr/>
+        </p:nvSpPr>
+        <p:spPr>
+          <a:xfrm>
+            <a:off x="5090615" y="4687499"/>
+            <a:ext cx="2773131" cy="1200329"/>
+          </a:xfrm>
+          <a:prstGeom prst="rect">
+            <a:avLst/>
+          </a:prstGeom>
+          <a:noFill/>
+        </p:spPr>
+        <p:txBody>
+          <a:bodyPr wrap="none" rtlCol="0">
+            <a:spAutoFit/>
+          </a:bodyPr>
+          <a:lstStyle/>
+          <a:p>
+            <a:r>
+              <a:rPr lang="en-US" dirty="0"/>
+              <a:t>State</a:t>
+            </a:r>
+          </a:p>
+          <a:p>
+            <a:r>
+              <a:rPr lang="en-US" dirty="0"/>
+              <a:t>Ingredients{cheese:2,tikki:1</a:t>
+            </a:r>
+          </a:p>
+          <a:p>
+            <a:r>
+              <a:rPr lang="en-US" dirty="0" err="1"/>
+              <a:t>Purchased:true</a:t>
+            </a:r>
+            <a:endParaRPr lang="en-US" dirty="0"/>
+          </a:p>
+          <a:p>
+            <a:r>
+              <a:rPr lang="en-US" dirty="0" err="1"/>
+              <a:t>totalPrice</a:t>
+            </a:r>
+            <a:r>
+              <a:rPr lang="en-US" dirty="0"/>
+              <a:t>: $12.99</a:t>
+            </a:r>
+          </a:p>
+        </p:txBody>
+      </p:sp>
+      <mc:AlternateContent xmlns:mc="http://schemas.openxmlformats.org/markup-compatibility/2006">
+        <mc:Choice xmlns:p14="http://schemas.microsoft.com/office/powerpoint/2010/main" Requires="p14">
+          <p:contentPart p14:bwMode="auto" r:id="rId2">
+            <p14:nvContentPartPr>
+              <p14:cNvPr id="29" name="Ink 28">
+                <a:extLst>
+                  <a:ext uri="{FF2B5EF4-FFF2-40B4-BE49-F238E27FC236}">
+                    <a16:creationId xmlns:a16="http://schemas.microsoft.com/office/drawing/2014/main" id="{8C088C76-00E2-49FF-F038-5C78A48CF83D}"/>
+                  </a:ext>
+                </a:extLst>
+              </p14:cNvPr>
+              <p14:cNvContentPartPr/>
+              <p14:nvPr/>
+            </p14:nvContentPartPr>
+            <p14:xfrm>
+              <a:off x="5704716" y="3612267"/>
+              <a:ext cx="2475360" cy="1109880"/>
+            </p14:xfrm>
+          </p:contentPart>
+        </mc:Choice>
+        <mc:Fallback>
+          <p:pic>
+            <p:nvPicPr>
+              <p:cNvPr id="29" name="Ink 28">
+                <a:extLst>
+                  <a:ext uri="{FF2B5EF4-FFF2-40B4-BE49-F238E27FC236}">
+                    <a16:creationId xmlns:a16="http://schemas.microsoft.com/office/drawing/2014/main" id="{8C088C76-00E2-49FF-F038-5C78A48CF83D}"/>
+                  </a:ext>
+                </a:extLst>
+              </p:cNvPr>
+              <p:cNvPicPr/>
+              <p:nvPr/>
+            </p:nvPicPr>
+            <p:blipFill>
+              <a:blip r:embed="rId3"/>
+              <a:stretch>
+                <a:fillRect/>
+              </a:stretch>
+            </p:blipFill>
+            <p:spPr>
+              <a:xfrm>
+                <a:off x="5695716" y="3603627"/>
+                <a:ext cx="2493000" cy="1127520"/>
+              </a:xfrm>
+              <a:prstGeom prst="rect">
+                <a:avLst/>
+              </a:prstGeom>
+            </p:spPr>
+          </p:pic>
+        </mc:Fallback>
+      </mc:AlternateContent>
+      <p:grpSp>
+        <p:nvGrpSpPr>
+          <p:cNvPr id="33" name="Group 32">
+            <a:extLst>
+              <a:ext uri="{FF2B5EF4-FFF2-40B4-BE49-F238E27FC236}">
+                <a16:creationId xmlns:a16="http://schemas.microsoft.com/office/drawing/2014/main" id="{BFA4085A-FE9B-D53E-5013-EDF2E92FAA0F}"/>
+              </a:ext>
+            </a:extLst>
+          </p:cNvPr>
+          <p:cNvGrpSpPr/>
+          <p:nvPr/>
+        </p:nvGrpSpPr>
+        <p:grpSpPr>
+          <a:xfrm>
+            <a:off x="8242716" y="2917107"/>
+            <a:ext cx="3071520" cy="1611000"/>
+            <a:chOff x="8242716" y="2917107"/>
+            <a:chExt cx="3071520" cy="1611000"/>
+          </a:xfrm>
+        </p:grpSpPr>
+        <mc:AlternateContent xmlns:mc="http://schemas.openxmlformats.org/markup-compatibility/2006">
+          <mc:Choice xmlns:p14="http://schemas.microsoft.com/office/powerpoint/2010/main" Requires="p14">
+            <p:contentPart p14:bwMode="auto" r:id="rId4">
+              <p14:nvContentPartPr>
+                <p14:cNvPr id="30" name="Ink 29">
+                  <a:extLst>
+                    <a:ext uri="{FF2B5EF4-FFF2-40B4-BE49-F238E27FC236}">
+                      <a16:creationId xmlns:a16="http://schemas.microsoft.com/office/drawing/2014/main" id="{69F091E0-528A-36E6-0DC0-294C8B19F421}"/>
+                    </a:ext>
+                  </a:extLst>
+                </p14:cNvPr>
+                <p14:cNvContentPartPr/>
+                <p14:nvPr/>
+              </p14:nvContentPartPr>
+              <p14:xfrm>
+                <a:off x="8242716" y="3738987"/>
+                <a:ext cx="2125080" cy="789120"/>
+              </p14:xfrm>
+            </p:contentPart>
+          </mc:Choice>
+          <mc:Fallback>
+            <p:pic>
+              <p:nvPicPr>
+                <p:cNvPr id="30" name="Ink 29">
+                  <a:extLst>
+                    <a:ext uri="{FF2B5EF4-FFF2-40B4-BE49-F238E27FC236}">
+                      <a16:creationId xmlns:a16="http://schemas.microsoft.com/office/drawing/2014/main" id="{69F091E0-528A-36E6-0DC0-294C8B19F421}"/>
+                    </a:ext>
+                  </a:extLst>
+                </p:cNvPr>
+                <p:cNvPicPr/>
+                <p:nvPr/>
+              </p:nvPicPr>
+              <p:blipFill>
+                <a:blip r:embed="rId5"/>
+                <a:stretch>
+                  <a:fillRect/>
+                </a:stretch>
+              </p:blipFill>
+              <p:spPr>
+                <a:xfrm>
+                  <a:off x="8233716" y="3730347"/>
+                  <a:ext cx="2142720" cy="806760"/>
+                </a:xfrm>
+                <a:prstGeom prst="rect">
+                  <a:avLst/>
+                </a:prstGeom>
+              </p:spPr>
+            </p:pic>
+          </mc:Fallback>
+        </mc:AlternateContent>
+        <mc:AlternateContent xmlns:mc="http://schemas.openxmlformats.org/markup-compatibility/2006">
+          <mc:Choice xmlns:p14="http://schemas.microsoft.com/office/powerpoint/2010/main" Requires="p14">
+            <p:contentPart p14:bwMode="auto" r:id="rId6">
+              <p14:nvContentPartPr>
+                <p14:cNvPr id="31" name="Ink 30">
+                  <a:extLst>
+                    <a:ext uri="{FF2B5EF4-FFF2-40B4-BE49-F238E27FC236}">
+                      <a16:creationId xmlns:a16="http://schemas.microsoft.com/office/drawing/2014/main" id="{01FA910A-6493-2011-9FFE-EBFAEE7B7DBE}"/>
+                    </a:ext>
+                  </a:extLst>
+                </p14:cNvPr>
+                <p14:cNvContentPartPr/>
+                <p14:nvPr/>
+              </p14:nvContentPartPr>
+              <p14:xfrm>
+                <a:off x="10003476" y="3396627"/>
+                <a:ext cx="396000" cy="424800"/>
+              </p14:xfrm>
+            </p:contentPart>
+          </mc:Choice>
+          <mc:Fallback>
+            <p:pic>
+              <p:nvPicPr>
+                <p:cNvPr id="31" name="Ink 30">
+                  <a:extLst>
+                    <a:ext uri="{FF2B5EF4-FFF2-40B4-BE49-F238E27FC236}">
+                      <a16:creationId xmlns:a16="http://schemas.microsoft.com/office/drawing/2014/main" id="{01FA910A-6493-2011-9FFE-EBFAEE7B7DBE}"/>
+                    </a:ext>
+                  </a:extLst>
+                </p:cNvPr>
+                <p:cNvPicPr/>
+                <p:nvPr/>
+              </p:nvPicPr>
+              <p:blipFill>
+                <a:blip r:embed="rId7"/>
+                <a:stretch>
+                  <a:fillRect/>
+                </a:stretch>
+              </p:blipFill>
+              <p:spPr>
+                <a:xfrm>
+                  <a:off x="9994476" y="3387987"/>
+                  <a:ext cx="413640" cy="442440"/>
+                </a:xfrm>
+                <a:prstGeom prst="rect">
+                  <a:avLst/>
+                </a:prstGeom>
+              </p:spPr>
+            </p:pic>
+          </mc:Fallback>
+        </mc:AlternateContent>
+        <mc:AlternateContent xmlns:mc="http://schemas.openxmlformats.org/markup-compatibility/2006">
+          <mc:Choice xmlns:p14="http://schemas.microsoft.com/office/powerpoint/2010/main" Requires="p14">
+            <p:contentPart p14:bwMode="auto" r:id="rId8">
+              <p14:nvContentPartPr>
+                <p14:cNvPr id="32" name="Ink 31">
+                  <a:extLst>
+                    <a:ext uri="{FF2B5EF4-FFF2-40B4-BE49-F238E27FC236}">
+                      <a16:creationId xmlns:a16="http://schemas.microsoft.com/office/drawing/2014/main" id="{DDD09498-97A3-EB86-DECA-70C959A110C6}"/>
+                    </a:ext>
+                  </a:extLst>
+                </p14:cNvPr>
+                <p14:cNvContentPartPr/>
+                <p14:nvPr/>
+              </p14:nvContentPartPr>
+              <p14:xfrm>
+                <a:off x="10612956" y="2917107"/>
+                <a:ext cx="701280" cy="702360"/>
+              </p14:xfrm>
+            </p:contentPart>
+          </mc:Choice>
+          <mc:Fallback>
+            <p:pic>
+              <p:nvPicPr>
+                <p:cNvPr id="32" name="Ink 31">
+                  <a:extLst>
+                    <a:ext uri="{FF2B5EF4-FFF2-40B4-BE49-F238E27FC236}">
+                      <a16:creationId xmlns:a16="http://schemas.microsoft.com/office/drawing/2014/main" id="{DDD09498-97A3-EB86-DECA-70C959A110C6}"/>
+                    </a:ext>
+                  </a:extLst>
+                </p:cNvPr>
+                <p:cNvPicPr/>
+                <p:nvPr/>
+              </p:nvPicPr>
+              <p:blipFill>
+                <a:blip r:embed="rId9"/>
+                <a:stretch>
+                  <a:fillRect/>
+                </a:stretch>
+              </p:blipFill>
+              <p:spPr>
+                <a:xfrm>
+                  <a:off x="10603956" y="2908107"/>
+                  <a:ext cx="718920" cy="720000"/>
+                </a:xfrm>
+                <a:prstGeom prst="rect">
+                  <a:avLst/>
+                </a:prstGeom>
+              </p:spPr>
+            </p:pic>
+          </mc:Fallback>
+        </mc:AlternateContent>
+      </p:grpSp>
+    </p:spTree>
+    <p:extLst>
+      <p:ext uri="{BB962C8B-B14F-4D97-AF65-F5344CB8AC3E}">
+        <p14:creationId xmlns:p14="http://schemas.microsoft.com/office/powerpoint/2010/main" val="4168104980"/>
+      </p:ext>
+    </p:extLst>
+  </p:cSld>
+  <p:clrMapOvr>
+    <a:masterClrMapping/>
+  </p:clrMapOvr>
+</p:sld>
+</file>
+
+<file path=ppt/slides/slide19.xml><?xml version="1.0" encoding="utf-8"?>
+<p:sld xmlns:a="http://schemas.openxmlformats.org/drawingml/2006/main" xmlns:r="http://schemas.openxmlformats.org/officeDocument/2006/relationships" xmlns:p="http://schemas.openxmlformats.org/presentationml/2006/main">
+  <p:cSld>
+    <p:spTree>
+      <p:nvGrpSpPr>
+        <p:cNvPr id="1" name=""/>
+        <p:cNvGrpSpPr/>
+        <p:nvPr/>
+      </p:nvGrpSpPr>
+      <p:grpSpPr>
+        <a:xfrm>
+          <a:off x="0" y="0"/>
+          <a:ext cx="0" cy="0"/>
+          <a:chOff x="0" y="0"/>
+          <a:chExt cx="0" cy="0"/>
+        </a:xfrm>
+      </p:grpSpPr>
+      <p:sp>
+        <p:nvSpPr>
+          <p:cNvPr id="4" name="TextBox 3">
+            <a:extLst>
+              <a:ext uri="{FF2B5EF4-FFF2-40B4-BE49-F238E27FC236}">
+                <a16:creationId xmlns:a16="http://schemas.microsoft.com/office/drawing/2014/main" id="{50FEDAD9-C2FD-CCFA-18BD-83786CE1D403}"/>
+              </a:ext>
+            </a:extLst>
+          </p:cNvPr>
+          <p:cNvSpPr txBox="1"/>
+          <p:nvPr/>
+        </p:nvSpPr>
+        <p:spPr>
+          <a:xfrm>
+            <a:off x="5377218" y="423081"/>
+            <a:ext cx="1534138" cy="369332"/>
+          </a:xfrm>
+          <a:prstGeom prst="rect">
+            <a:avLst/>
+          </a:prstGeom>
+          <a:noFill/>
+        </p:spPr>
+        <p:txBody>
+          <a:bodyPr wrap="none" rtlCol="0">
+            <a:spAutoFit/>
+          </a:bodyPr>
+          <a:lstStyle/>
+          <a:p>
+            <a:r>
+              <a:rPr lang="en-US" dirty="0"/>
+              <a:t>Burger Builder</a:t>
+            </a:r>
+          </a:p>
+        </p:txBody>
+      </p:sp>
+      <p:sp>
+        <p:nvSpPr>
+          <p:cNvPr id="5" name="TextBox 4">
+            <a:extLst>
+              <a:ext uri="{FF2B5EF4-FFF2-40B4-BE49-F238E27FC236}">
+                <a16:creationId xmlns:a16="http://schemas.microsoft.com/office/drawing/2014/main" id="{658D6EDF-4A07-90F1-0A4D-7B405AB0B706}"/>
+              </a:ext>
+            </a:extLst>
+          </p:cNvPr>
+          <p:cNvSpPr txBox="1"/>
+          <p:nvPr/>
+        </p:nvSpPr>
+        <p:spPr>
+          <a:xfrm>
+            <a:off x="1241946" y="1487606"/>
+            <a:ext cx="1494896" cy="369332"/>
+          </a:xfrm>
+          <a:prstGeom prst="rect">
+            <a:avLst/>
+          </a:prstGeom>
+          <a:noFill/>
+        </p:spPr>
+        <p:txBody>
+          <a:bodyPr wrap="none" rtlCol="0">
+            <a:spAutoFit/>
+          </a:bodyPr>
+          <a:lstStyle/>
+          <a:p>
+            <a:r>
+              <a:rPr lang="en-US" dirty="0"/>
+              <a:t>Build Controls</a:t>
+            </a:r>
+          </a:p>
+        </p:txBody>
+      </p:sp>
+      <p:sp>
+        <p:nvSpPr>
+          <p:cNvPr id="6" name="TextBox 5">
+            <a:extLst>
+              <a:ext uri="{FF2B5EF4-FFF2-40B4-BE49-F238E27FC236}">
+                <a16:creationId xmlns:a16="http://schemas.microsoft.com/office/drawing/2014/main" id="{A7C2B9E5-C94F-1976-62A3-9DF5F31E6362}"/>
+              </a:ext>
+            </a:extLst>
+          </p:cNvPr>
+          <p:cNvSpPr txBox="1"/>
+          <p:nvPr/>
+        </p:nvSpPr>
+        <p:spPr>
+          <a:xfrm>
+            <a:off x="4967785" y="1610436"/>
+            <a:ext cx="811184" cy="369332"/>
+          </a:xfrm>
+          <a:prstGeom prst="rect">
+            <a:avLst/>
+          </a:prstGeom>
+          <a:noFill/>
+        </p:spPr>
+        <p:txBody>
+          <a:bodyPr wrap="none" rtlCol="0">
+            <a:spAutoFit/>
+          </a:bodyPr>
+          <a:lstStyle/>
+          <a:p>
+            <a:r>
+              <a:rPr lang="en-US" dirty="0"/>
+              <a:t>Burger</a:t>
+            </a:r>
+          </a:p>
+        </p:txBody>
+      </p:sp>
+      <p:sp>
+        <p:nvSpPr>
+          <p:cNvPr id="7" name="TextBox 6">
+            <a:extLst>
+              <a:ext uri="{FF2B5EF4-FFF2-40B4-BE49-F238E27FC236}">
+                <a16:creationId xmlns:a16="http://schemas.microsoft.com/office/drawing/2014/main" id="{8D88AD4B-5DBA-0BCA-DF32-C18575B593C0}"/>
+              </a:ext>
+            </a:extLst>
+          </p:cNvPr>
+          <p:cNvSpPr txBox="1"/>
+          <p:nvPr/>
+        </p:nvSpPr>
+        <p:spPr>
+          <a:xfrm>
+            <a:off x="7465326" y="1610436"/>
+            <a:ext cx="788999" cy="369332"/>
+          </a:xfrm>
+          <a:prstGeom prst="rect">
+            <a:avLst/>
+          </a:prstGeom>
+          <a:noFill/>
+        </p:spPr>
+        <p:txBody>
+          <a:bodyPr wrap="none" rtlCol="0">
+            <a:spAutoFit/>
+          </a:bodyPr>
+          <a:lstStyle/>
+          <a:p>
+            <a:r>
+              <a:rPr lang="en-US" dirty="0"/>
+              <a:t>Modal</a:t>
+            </a:r>
+          </a:p>
+        </p:txBody>
+      </p:sp>
+      <p:sp>
+        <p:nvSpPr>
+          <p:cNvPr id="8" name="TextBox 7">
+            <a:extLst>
+              <a:ext uri="{FF2B5EF4-FFF2-40B4-BE49-F238E27FC236}">
+                <a16:creationId xmlns:a16="http://schemas.microsoft.com/office/drawing/2014/main" id="{7C60923A-111B-CFF8-D295-E0B28B24F5BD}"/>
+              </a:ext>
+            </a:extLst>
+          </p:cNvPr>
+          <p:cNvSpPr txBox="1"/>
+          <p:nvPr/>
+        </p:nvSpPr>
+        <p:spPr>
+          <a:xfrm>
+            <a:off x="1241946" y="2961564"/>
+            <a:ext cx="1405128" cy="369332"/>
+          </a:xfrm>
+          <a:prstGeom prst="rect">
+            <a:avLst/>
+          </a:prstGeom>
+          <a:noFill/>
+        </p:spPr>
+        <p:txBody>
+          <a:bodyPr wrap="none" rtlCol="0">
+            <a:spAutoFit/>
+          </a:bodyPr>
+          <a:lstStyle/>
+          <a:p>
+            <a:r>
+              <a:rPr lang="en-US" dirty="0"/>
+              <a:t>Build Control</a:t>
+            </a:r>
+          </a:p>
+        </p:txBody>
+      </p:sp>
+      <p:sp>
+        <p:nvSpPr>
+          <p:cNvPr id="9" name="TextBox 8">
+            <a:extLst>
+              <a:ext uri="{FF2B5EF4-FFF2-40B4-BE49-F238E27FC236}">
+                <a16:creationId xmlns:a16="http://schemas.microsoft.com/office/drawing/2014/main" id="{30D5D959-BA24-A312-F7B7-2559496A8439}"/>
+              </a:ext>
+            </a:extLst>
+          </p:cNvPr>
+          <p:cNvSpPr txBox="1"/>
+          <p:nvPr/>
+        </p:nvSpPr>
+        <p:spPr>
+          <a:xfrm>
+            <a:off x="1241946" y="2429301"/>
+            <a:ext cx="1405128" cy="369332"/>
+          </a:xfrm>
+          <a:prstGeom prst="rect">
+            <a:avLst/>
+          </a:prstGeom>
+          <a:noFill/>
+        </p:spPr>
+        <p:txBody>
+          <a:bodyPr wrap="none" rtlCol="0">
+            <a:spAutoFit/>
+          </a:bodyPr>
+          <a:lstStyle/>
+          <a:p>
+            <a:r>
+              <a:rPr lang="en-US" dirty="0"/>
+              <a:t>Build Control</a:t>
+            </a:r>
+          </a:p>
+        </p:txBody>
+      </p:sp>
+      <p:sp>
+        <p:nvSpPr>
+          <p:cNvPr id="10" name="TextBox 9">
+            <a:extLst>
+              <a:ext uri="{FF2B5EF4-FFF2-40B4-BE49-F238E27FC236}">
+                <a16:creationId xmlns:a16="http://schemas.microsoft.com/office/drawing/2014/main" id="{86EE0DB4-738F-C7FC-6B9C-40E3D5948B3F}"/>
+              </a:ext>
+            </a:extLst>
+          </p:cNvPr>
+          <p:cNvSpPr txBox="1"/>
+          <p:nvPr/>
+        </p:nvSpPr>
+        <p:spPr>
+          <a:xfrm>
+            <a:off x="4967785" y="2286421"/>
+            <a:ext cx="1152560" cy="369332"/>
+          </a:xfrm>
+          <a:prstGeom prst="rect">
+            <a:avLst/>
+          </a:prstGeom>
+          <a:noFill/>
+        </p:spPr>
+        <p:txBody>
+          <a:bodyPr wrap="none" rtlCol="0">
+            <a:spAutoFit/>
+          </a:bodyPr>
+          <a:lstStyle/>
+          <a:p>
+            <a:r>
+              <a:rPr lang="en-US" dirty="0"/>
+              <a:t>Ingredient</a:t>
+            </a:r>
+          </a:p>
+        </p:txBody>
+      </p:sp>
+      <p:sp>
+        <p:nvSpPr>
+          <p:cNvPr id="12" name="TextBox 11">
+            <a:extLst>
+              <a:ext uri="{FF2B5EF4-FFF2-40B4-BE49-F238E27FC236}">
+                <a16:creationId xmlns:a16="http://schemas.microsoft.com/office/drawing/2014/main" id="{FB0D3DFC-3747-ED3A-E9C8-52B04B625E47}"/>
+              </a:ext>
+            </a:extLst>
+          </p:cNvPr>
+          <p:cNvSpPr txBox="1"/>
+          <p:nvPr/>
+        </p:nvSpPr>
+        <p:spPr>
+          <a:xfrm>
+            <a:off x="4967785" y="2777740"/>
+            <a:ext cx="1152560" cy="369332"/>
+          </a:xfrm>
+          <a:prstGeom prst="rect">
+            <a:avLst/>
+          </a:prstGeom>
+          <a:noFill/>
+        </p:spPr>
+        <p:txBody>
+          <a:bodyPr wrap="none" rtlCol="0">
+            <a:spAutoFit/>
+          </a:bodyPr>
+          <a:lstStyle/>
+          <a:p>
+            <a:r>
+              <a:rPr lang="en-US" dirty="0"/>
+              <a:t>Ingredient</a:t>
+            </a:r>
+          </a:p>
+        </p:txBody>
+      </p:sp>
+      <p:sp>
+        <p:nvSpPr>
+          <p:cNvPr id="13" name="TextBox 12">
+            <a:extLst>
+              <a:ext uri="{FF2B5EF4-FFF2-40B4-BE49-F238E27FC236}">
+                <a16:creationId xmlns:a16="http://schemas.microsoft.com/office/drawing/2014/main" id="{D9383388-9644-A7EC-2FC4-9DA30F2C4B01}"/>
+              </a:ext>
+            </a:extLst>
+          </p:cNvPr>
+          <p:cNvSpPr txBox="1"/>
+          <p:nvPr/>
+        </p:nvSpPr>
+        <p:spPr>
+          <a:xfrm>
+            <a:off x="7288496" y="2307314"/>
+            <a:ext cx="1531317" cy="369332"/>
+          </a:xfrm>
+          <a:prstGeom prst="rect">
+            <a:avLst/>
+          </a:prstGeom>
+          <a:noFill/>
+        </p:spPr>
+        <p:txBody>
+          <a:bodyPr wrap="none" rtlCol="0">
+            <a:spAutoFit/>
+          </a:bodyPr>
+          <a:lstStyle/>
+          <a:p>
+            <a:r>
+              <a:rPr lang="en-US" dirty="0" err="1"/>
+              <a:t>Props.children</a:t>
+            </a:r>
+            <a:endParaRPr lang="en-US" dirty="0"/>
+          </a:p>
+        </p:txBody>
+      </p:sp>
+      <p:sp>
+        <p:nvSpPr>
+          <p:cNvPr id="14" name="TextBox 13">
+            <a:extLst>
+              <a:ext uri="{FF2B5EF4-FFF2-40B4-BE49-F238E27FC236}">
+                <a16:creationId xmlns:a16="http://schemas.microsoft.com/office/drawing/2014/main" id="{A34B4B1C-A668-8B05-44D1-D02B50AC056C}"/>
+              </a:ext>
+            </a:extLst>
+          </p:cNvPr>
+          <p:cNvSpPr txBox="1"/>
+          <p:nvPr/>
+        </p:nvSpPr>
+        <p:spPr>
+          <a:xfrm>
+            <a:off x="1241946" y="3862317"/>
+            <a:ext cx="1370247" cy="369332"/>
+          </a:xfrm>
+          <a:prstGeom prst="rect">
+            <a:avLst/>
+          </a:prstGeom>
+          <a:noFill/>
+        </p:spPr>
+        <p:txBody>
+          <a:bodyPr wrap="none" rtlCol="0">
+            <a:spAutoFit/>
+          </a:bodyPr>
+          <a:lstStyle/>
+          <a:p>
+            <a:r>
+              <a:rPr lang="en-US" dirty="0" err="1"/>
+              <a:t>OrderButton</a:t>
+            </a:r>
+            <a:endParaRPr lang="en-US" dirty="0"/>
+          </a:p>
+        </p:txBody>
+      </p:sp>
+      <p:sp>
+        <p:nvSpPr>
+          <p:cNvPr id="15" name="TextBox 14">
+            <a:extLst>
+              <a:ext uri="{FF2B5EF4-FFF2-40B4-BE49-F238E27FC236}">
+                <a16:creationId xmlns:a16="http://schemas.microsoft.com/office/drawing/2014/main" id="{33C19CA6-A8D9-82FE-C56E-804B2A5D9F7B}"/>
+              </a:ext>
+            </a:extLst>
+          </p:cNvPr>
+          <p:cNvSpPr txBox="1"/>
+          <p:nvPr/>
+        </p:nvSpPr>
+        <p:spPr>
+          <a:xfrm>
+            <a:off x="8819813" y="4231649"/>
+            <a:ext cx="2773131" cy="1200329"/>
+          </a:xfrm>
+          <a:prstGeom prst="rect">
+            <a:avLst/>
+          </a:prstGeom>
+          <a:noFill/>
+        </p:spPr>
+        <p:txBody>
+          <a:bodyPr wrap="none" rtlCol="0">
+            <a:spAutoFit/>
+          </a:bodyPr>
+          <a:lstStyle/>
+          <a:p>
+            <a:r>
+              <a:rPr lang="en-US" dirty="0"/>
+              <a:t>State</a:t>
+            </a:r>
+          </a:p>
+          <a:p>
+            <a:r>
+              <a:rPr lang="en-US" dirty="0"/>
+              <a:t>Ingredients{cheese:2,tikki:1</a:t>
+            </a:r>
+          </a:p>
+          <a:p>
+            <a:r>
+              <a:rPr lang="en-US" dirty="0" err="1"/>
+              <a:t>Purchased:true</a:t>
+            </a:r>
+            <a:endParaRPr lang="en-US" dirty="0"/>
+          </a:p>
+          <a:p>
+            <a:r>
+              <a:rPr lang="en-US" dirty="0" err="1"/>
+              <a:t>totalPrice</a:t>
+            </a:r>
+            <a:r>
+              <a:rPr lang="en-US" dirty="0"/>
+              <a:t>: $12.99</a:t>
+            </a:r>
+          </a:p>
+        </p:txBody>
+      </p:sp>
+    </p:spTree>
+    <p:extLst>
+      <p:ext uri="{BB962C8B-B14F-4D97-AF65-F5344CB8AC3E}">
+        <p14:creationId xmlns:p14="http://schemas.microsoft.com/office/powerpoint/2010/main" val="3954437640"/>
       </p:ext>
     </p:extLst>
   </p:cSld>

--- a/Create-react-app.pptx
+++ b/Create-react-app.pptx
@@ -24,6 +24,7 @@
     <p:sldId id="272" r:id="rId18"/>
     <p:sldId id="273" r:id="rId19"/>
     <p:sldId id="274" r:id="rId20"/>
+    <p:sldId id="275" r:id="rId21"/>
   </p:sldIdLst>
   <p:sldSz cx="12192000" cy="6858000"/>
   <p:notesSz cx="6858000" cy="9144000"/>
@@ -1565,7 +1566,7 @@
           <a:p>
             <a:fld id="{8ABDCE5D-2F42-4C45-98AA-7AAD2A36BEC8}" type="datetimeFigureOut">
               <a:rPr lang="en-US" smtClean="0"/>
-              <a:t>4/7/2023</a:t>
+              <a:t>4/10/2023</a:t>
             </a:fld>
             <a:endParaRPr lang="en-US"/>
           </a:p>
@@ -1763,7 +1764,7 @@
           <a:p>
             <a:fld id="{8ABDCE5D-2F42-4C45-98AA-7AAD2A36BEC8}" type="datetimeFigureOut">
               <a:rPr lang="en-US" smtClean="0"/>
-              <a:t>4/7/2023</a:t>
+              <a:t>4/10/2023</a:t>
             </a:fld>
             <a:endParaRPr lang="en-US"/>
           </a:p>
@@ -1971,7 +1972,7 @@
           <a:p>
             <a:fld id="{8ABDCE5D-2F42-4C45-98AA-7AAD2A36BEC8}" type="datetimeFigureOut">
               <a:rPr lang="en-US" smtClean="0"/>
-              <a:t>4/7/2023</a:t>
+              <a:t>4/10/2023</a:t>
             </a:fld>
             <a:endParaRPr lang="en-US"/>
           </a:p>
@@ -2169,7 +2170,7 @@
           <a:p>
             <a:fld id="{8ABDCE5D-2F42-4C45-98AA-7AAD2A36BEC8}" type="datetimeFigureOut">
               <a:rPr lang="en-US" smtClean="0"/>
-              <a:t>4/7/2023</a:t>
+              <a:t>4/10/2023</a:t>
             </a:fld>
             <a:endParaRPr lang="en-US"/>
           </a:p>
@@ -2444,7 +2445,7 @@
           <a:p>
             <a:fld id="{8ABDCE5D-2F42-4C45-98AA-7AAD2A36BEC8}" type="datetimeFigureOut">
               <a:rPr lang="en-US" smtClean="0"/>
-              <a:t>4/7/2023</a:t>
+              <a:t>4/10/2023</a:t>
             </a:fld>
             <a:endParaRPr lang="en-US"/>
           </a:p>
@@ -2709,7 +2710,7 @@
           <a:p>
             <a:fld id="{8ABDCE5D-2F42-4C45-98AA-7AAD2A36BEC8}" type="datetimeFigureOut">
               <a:rPr lang="en-US" smtClean="0"/>
-              <a:t>4/7/2023</a:t>
+              <a:t>4/10/2023</a:t>
             </a:fld>
             <a:endParaRPr lang="en-US"/>
           </a:p>
@@ -3121,7 +3122,7 @@
           <a:p>
             <a:fld id="{8ABDCE5D-2F42-4C45-98AA-7AAD2A36BEC8}" type="datetimeFigureOut">
               <a:rPr lang="en-US" smtClean="0"/>
-              <a:t>4/7/2023</a:t>
+              <a:t>4/10/2023</a:t>
             </a:fld>
             <a:endParaRPr lang="en-US"/>
           </a:p>
@@ -3262,7 +3263,7 @@
           <a:p>
             <a:fld id="{8ABDCE5D-2F42-4C45-98AA-7AAD2A36BEC8}" type="datetimeFigureOut">
               <a:rPr lang="en-US" smtClean="0"/>
-              <a:t>4/7/2023</a:t>
+              <a:t>4/10/2023</a:t>
             </a:fld>
             <a:endParaRPr lang="en-US"/>
           </a:p>
@@ -3375,7 +3376,7 @@
           <a:p>
             <a:fld id="{8ABDCE5D-2F42-4C45-98AA-7AAD2A36BEC8}" type="datetimeFigureOut">
               <a:rPr lang="en-US" smtClean="0"/>
-              <a:t>4/7/2023</a:t>
+              <a:t>4/10/2023</a:t>
             </a:fld>
             <a:endParaRPr lang="en-US"/>
           </a:p>
@@ -3686,7 +3687,7 @@
           <a:p>
             <a:fld id="{8ABDCE5D-2F42-4C45-98AA-7AAD2A36BEC8}" type="datetimeFigureOut">
               <a:rPr lang="en-US" smtClean="0"/>
-              <a:t>4/7/2023</a:t>
+              <a:t>4/10/2023</a:t>
             </a:fld>
             <a:endParaRPr lang="en-US"/>
           </a:p>
@@ -3974,7 +3975,7 @@
           <a:p>
             <a:fld id="{8ABDCE5D-2F42-4C45-98AA-7AAD2A36BEC8}" type="datetimeFigureOut">
               <a:rPr lang="en-US" smtClean="0"/>
-              <a:t>4/7/2023</a:t>
+              <a:t>4/10/2023</a:t>
             </a:fld>
             <a:endParaRPr lang="en-US"/>
           </a:p>
@@ -4215,7 +4216,7 @@
           <a:p>
             <a:fld id="{8ABDCE5D-2F42-4C45-98AA-7AAD2A36BEC8}" type="datetimeFigureOut">
               <a:rPr lang="en-US" smtClean="0"/>
-              <a:t>4/7/2023</a:t>
+              <a:t>4/10/2023</a:t>
             </a:fld>
             <a:endParaRPr lang="en-US"/>
           </a:p>
@@ -8651,8 +8652,8 @@
             <a:chExt cx="8674560" cy="3764520"/>
           </a:xfrm>
         </p:grpSpPr>
-        <mc:AlternateContent xmlns:mc="http://schemas.openxmlformats.org/markup-compatibility/2006">
-          <mc:Choice xmlns:p14="http://schemas.microsoft.com/office/powerpoint/2010/main" Requires="p14">
+        <mc:AlternateContent xmlns:mc="http://schemas.openxmlformats.org/markup-compatibility/2006" xmlns:p14="http://schemas.microsoft.com/office/powerpoint/2010/main">
+          <mc:Choice Requires="p14">
             <p:contentPart p14:bwMode="auto" r:id="rId2">
               <p14:nvContentPartPr>
                 <p14:cNvPr id="27" name="Ink 26">
@@ -8671,7 +8672,7 @@
               </p14:xfrm>
             </p:contentPart>
           </mc:Choice>
-          <mc:Fallback>
+          <mc:Fallback xmlns="">
             <p:pic>
               <p:nvPicPr>
                 <p:cNvPr id="27" name="Ink 26">
@@ -8702,8 +8703,8 @@
             </p:pic>
           </mc:Fallback>
         </mc:AlternateContent>
-        <mc:AlternateContent xmlns:mc="http://schemas.openxmlformats.org/markup-compatibility/2006">
-          <mc:Choice xmlns:p14="http://schemas.microsoft.com/office/powerpoint/2010/main" Requires="p14">
+        <mc:AlternateContent xmlns:mc="http://schemas.openxmlformats.org/markup-compatibility/2006" xmlns:p14="http://schemas.microsoft.com/office/powerpoint/2010/main">
+          <mc:Choice Requires="p14">
             <p:contentPart p14:bwMode="auto" r:id="rId4">
               <p14:nvContentPartPr>
                 <p14:cNvPr id="28" name="Ink 27">
@@ -8722,7 +8723,7 @@
               </p14:xfrm>
             </p:contentPart>
           </mc:Choice>
-          <mc:Fallback>
+          <mc:Fallback xmlns="">
             <p:pic>
               <p:nvPicPr>
                 <p:cNvPr id="28" name="Ink 27">
@@ -8753,8 +8754,8 @@
             </p:pic>
           </mc:Fallback>
         </mc:AlternateContent>
-        <mc:AlternateContent xmlns:mc="http://schemas.openxmlformats.org/markup-compatibility/2006">
-          <mc:Choice xmlns:p14="http://schemas.microsoft.com/office/powerpoint/2010/main" Requires="p14">
+        <mc:AlternateContent xmlns:mc="http://schemas.openxmlformats.org/markup-compatibility/2006" xmlns:p14="http://schemas.microsoft.com/office/powerpoint/2010/main">
+          <mc:Choice Requires="p14">
             <p:contentPart p14:bwMode="auto" r:id="rId6">
               <p14:nvContentPartPr>
                 <p14:cNvPr id="29" name="Ink 28">
@@ -8773,7 +8774,7 @@
               </p14:xfrm>
             </p:contentPart>
           </mc:Choice>
-          <mc:Fallback>
+          <mc:Fallback xmlns="">
             <p:pic>
               <p:nvPicPr>
                 <p:cNvPr id="29" name="Ink 28">
@@ -8804,8 +8805,8 @@
             </p:pic>
           </mc:Fallback>
         </mc:AlternateContent>
-        <mc:AlternateContent xmlns:mc="http://schemas.openxmlformats.org/markup-compatibility/2006">
-          <mc:Choice xmlns:p14="http://schemas.microsoft.com/office/powerpoint/2010/main" Requires="p14">
+        <mc:AlternateContent xmlns:mc="http://schemas.openxmlformats.org/markup-compatibility/2006" xmlns:p14="http://schemas.microsoft.com/office/powerpoint/2010/main">
+          <mc:Choice Requires="p14">
             <p:contentPart p14:bwMode="auto" r:id="rId8">
               <p14:nvContentPartPr>
                 <p14:cNvPr id="30" name="Ink 29">
@@ -8824,7 +8825,7 @@
               </p14:xfrm>
             </p:contentPart>
           </mc:Choice>
-          <mc:Fallback>
+          <mc:Fallback xmlns="">
             <p:pic>
               <p:nvPicPr>
                 <p:cNvPr id="30" name="Ink 29">
@@ -8855,8 +8856,8 @@
             </p:pic>
           </mc:Fallback>
         </mc:AlternateContent>
-        <mc:AlternateContent xmlns:mc="http://schemas.openxmlformats.org/markup-compatibility/2006">
-          <mc:Choice xmlns:p14="http://schemas.microsoft.com/office/powerpoint/2010/main" Requires="p14">
+        <mc:AlternateContent xmlns:mc="http://schemas.openxmlformats.org/markup-compatibility/2006" xmlns:p14="http://schemas.microsoft.com/office/powerpoint/2010/main">
+          <mc:Choice Requires="p14">
             <p:contentPart p14:bwMode="auto" r:id="rId10">
               <p14:nvContentPartPr>
                 <p14:cNvPr id="32" name="Ink 31">
@@ -8875,7 +8876,7 @@
               </p14:xfrm>
             </p:contentPart>
           </mc:Choice>
-          <mc:Fallback>
+          <mc:Fallback xmlns="">
             <p:pic>
               <p:nvPicPr>
                 <p:cNvPr id="32" name="Ink 31">
@@ -8906,8 +8907,8 @@
             </p:pic>
           </mc:Fallback>
         </mc:AlternateContent>
-        <mc:AlternateContent xmlns:mc="http://schemas.openxmlformats.org/markup-compatibility/2006">
-          <mc:Choice xmlns:p14="http://schemas.microsoft.com/office/powerpoint/2010/main" Requires="p14">
+        <mc:AlternateContent xmlns:mc="http://schemas.openxmlformats.org/markup-compatibility/2006" xmlns:p14="http://schemas.microsoft.com/office/powerpoint/2010/main">
+          <mc:Choice Requires="p14">
             <p:contentPart p14:bwMode="auto" r:id="rId12">
               <p14:nvContentPartPr>
                 <p14:cNvPr id="33" name="Ink 32">
@@ -8926,7 +8927,7 @@
               </p14:xfrm>
             </p:contentPart>
           </mc:Choice>
-          <mc:Fallback>
+          <mc:Fallback xmlns="">
             <p:pic>
               <p:nvPicPr>
                 <p:cNvPr id="33" name="Ink 32">
@@ -8957,8 +8958,8 @@
             </p:pic>
           </mc:Fallback>
         </mc:AlternateContent>
-        <mc:AlternateContent xmlns:mc="http://schemas.openxmlformats.org/markup-compatibility/2006">
-          <mc:Choice xmlns:p14="http://schemas.microsoft.com/office/powerpoint/2010/main" Requires="p14">
+        <mc:AlternateContent xmlns:mc="http://schemas.openxmlformats.org/markup-compatibility/2006" xmlns:p14="http://schemas.microsoft.com/office/powerpoint/2010/main">
+          <mc:Choice Requires="p14">
             <p:contentPart p14:bwMode="auto" r:id="rId14">
               <p14:nvContentPartPr>
                 <p14:cNvPr id="34" name="Ink 33">
@@ -8977,7 +8978,7 @@
               </p14:xfrm>
             </p:contentPart>
           </mc:Choice>
-          <mc:Fallback>
+          <mc:Fallback xmlns="">
             <p:pic>
               <p:nvPicPr>
                 <p:cNvPr id="34" name="Ink 33">
@@ -9008,8 +9009,8 @@
             </p:pic>
           </mc:Fallback>
         </mc:AlternateContent>
-        <mc:AlternateContent xmlns:mc="http://schemas.openxmlformats.org/markup-compatibility/2006">
-          <mc:Choice xmlns:p14="http://schemas.microsoft.com/office/powerpoint/2010/main" Requires="p14">
+        <mc:AlternateContent xmlns:mc="http://schemas.openxmlformats.org/markup-compatibility/2006" xmlns:p14="http://schemas.microsoft.com/office/powerpoint/2010/main">
+          <mc:Choice Requires="p14">
             <p:contentPart p14:bwMode="auto" r:id="rId16">
               <p14:nvContentPartPr>
                 <p14:cNvPr id="35" name="Ink 34">
@@ -9028,7 +9029,7 @@
               </p14:xfrm>
             </p:contentPart>
           </mc:Choice>
-          <mc:Fallback>
+          <mc:Fallback xmlns="">
             <p:pic>
               <p:nvPicPr>
                 <p:cNvPr id="35" name="Ink 34">
@@ -9059,8 +9060,8 @@
             </p:pic>
           </mc:Fallback>
         </mc:AlternateContent>
-        <mc:AlternateContent xmlns:mc="http://schemas.openxmlformats.org/markup-compatibility/2006">
-          <mc:Choice xmlns:p14="http://schemas.microsoft.com/office/powerpoint/2010/main" Requires="p14">
+        <mc:AlternateContent xmlns:mc="http://schemas.openxmlformats.org/markup-compatibility/2006" xmlns:p14="http://schemas.microsoft.com/office/powerpoint/2010/main">
+          <mc:Choice Requires="p14">
             <p:contentPart p14:bwMode="auto" r:id="rId18">
               <p14:nvContentPartPr>
                 <p14:cNvPr id="36" name="Ink 35">
@@ -9079,7 +9080,7 @@
               </p14:xfrm>
             </p:contentPart>
           </mc:Choice>
-          <mc:Fallback>
+          <mc:Fallback xmlns="">
             <p:pic>
               <p:nvPicPr>
                 <p:cNvPr id="36" name="Ink 35">
@@ -9110,8 +9111,8 @@
             </p:pic>
           </mc:Fallback>
         </mc:AlternateContent>
-        <mc:AlternateContent xmlns:mc="http://schemas.openxmlformats.org/markup-compatibility/2006">
-          <mc:Choice xmlns:p14="http://schemas.microsoft.com/office/powerpoint/2010/main" Requires="p14">
+        <mc:AlternateContent xmlns:mc="http://schemas.openxmlformats.org/markup-compatibility/2006" xmlns:p14="http://schemas.microsoft.com/office/powerpoint/2010/main">
+          <mc:Choice Requires="p14">
             <p:contentPart p14:bwMode="auto" r:id="rId20">
               <p14:nvContentPartPr>
                 <p14:cNvPr id="38" name="Ink 37">
@@ -9130,7 +9131,7 @@
               </p14:xfrm>
             </p:contentPart>
           </mc:Choice>
-          <mc:Fallback>
+          <mc:Fallback xmlns="">
             <p:pic>
               <p:nvPicPr>
                 <p:cNvPr id="38" name="Ink 37">
@@ -9161,8 +9162,8 @@
             </p:pic>
           </mc:Fallback>
         </mc:AlternateContent>
-        <mc:AlternateContent xmlns:mc="http://schemas.openxmlformats.org/markup-compatibility/2006">
-          <mc:Choice xmlns:p14="http://schemas.microsoft.com/office/powerpoint/2010/main" Requires="p14">
+        <mc:AlternateContent xmlns:mc="http://schemas.openxmlformats.org/markup-compatibility/2006" xmlns:p14="http://schemas.microsoft.com/office/powerpoint/2010/main">
+          <mc:Choice Requires="p14">
             <p:contentPart p14:bwMode="auto" r:id="rId22">
               <p14:nvContentPartPr>
                 <p14:cNvPr id="40" name="Ink 39">
@@ -9181,7 +9182,7 @@
               </p14:xfrm>
             </p:contentPart>
           </mc:Choice>
-          <mc:Fallback>
+          <mc:Fallback xmlns="">
             <p:pic>
               <p:nvPicPr>
                 <p:cNvPr id="40" name="Ink 39">
@@ -9213,8 +9214,8 @@
           </mc:Fallback>
         </mc:AlternateContent>
       </p:grpSp>
-      <mc:AlternateContent xmlns:mc="http://schemas.openxmlformats.org/markup-compatibility/2006">
-        <mc:Choice xmlns:p14="http://schemas.microsoft.com/office/powerpoint/2010/main" Requires="p14">
+      <mc:AlternateContent xmlns:mc="http://schemas.openxmlformats.org/markup-compatibility/2006" xmlns:p14="http://schemas.microsoft.com/office/powerpoint/2010/main">
+        <mc:Choice Requires="p14">
           <p:contentPart p14:bwMode="auto" r:id="rId24">
             <p14:nvContentPartPr>
               <p14:cNvPr id="42" name="Ink 41">
@@ -9233,7 +9234,7 @@
             </p14:xfrm>
           </p:contentPart>
         </mc:Choice>
-        <mc:Fallback>
+        <mc:Fallback xmlns="">
           <p:pic>
             <p:nvPicPr>
               <p:cNvPr id="42" name="Ink 41">
@@ -9354,8 +9355,8 @@
             <a:chExt cx="1962000" cy="982800"/>
           </a:xfrm>
         </p:grpSpPr>
-        <mc:AlternateContent xmlns:mc="http://schemas.openxmlformats.org/markup-compatibility/2006">
-          <mc:Choice xmlns:p14="http://schemas.microsoft.com/office/powerpoint/2010/main" Requires="p14">
+        <mc:AlternateContent xmlns:mc="http://schemas.openxmlformats.org/markup-compatibility/2006" xmlns:p14="http://schemas.microsoft.com/office/powerpoint/2010/main">
+          <mc:Choice Requires="p14">
             <p:contentPart p14:bwMode="auto" r:id="rId26">
               <p14:nvContentPartPr>
                 <p14:cNvPr id="48" name="Ink 47">
@@ -9374,7 +9375,7 @@
               </p14:xfrm>
             </p:contentPart>
           </mc:Choice>
-          <mc:Fallback>
+          <mc:Fallback xmlns="">
             <p:pic>
               <p:nvPicPr>
                 <p:cNvPr id="48" name="Ink 47">
@@ -9405,8 +9406,8 @@
             </p:pic>
           </mc:Fallback>
         </mc:AlternateContent>
-        <mc:AlternateContent xmlns:mc="http://schemas.openxmlformats.org/markup-compatibility/2006">
-          <mc:Choice xmlns:p14="http://schemas.microsoft.com/office/powerpoint/2010/main" Requires="p14">
+        <mc:AlternateContent xmlns:mc="http://schemas.openxmlformats.org/markup-compatibility/2006" xmlns:p14="http://schemas.microsoft.com/office/powerpoint/2010/main">
+          <mc:Choice Requires="p14">
             <p:contentPart p14:bwMode="auto" r:id="rId28">
               <p14:nvContentPartPr>
                 <p14:cNvPr id="49" name="Ink 48">
@@ -9425,7 +9426,7 @@
               </p14:xfrm>
             </p:contentPart>
           </mc:Choice>
-          <mc:Fallback>
+          <mc:Fallback xmlns="">
             <p:pic>
               <p:nvPicPr>
                 <p:cNvPr id="49" name="Ink 48">
@@ -9456,8 +9457,8 @@
             </p:pic>
           </mc:Fallback>
         </mc:AlternateContent>
-        <mc:AlternateContent xmlns:mc="http://schemas.openxmlformats.org/markup-compatibility/2006">
-          <mc:Choice xmlns:p14="http://schemas.microsoft.com/office/powerpoint/2010/main" Requires="p14">
+        <mc:AlternateContent xmlns:mc="http://schemas.openxmlformats.org/markup-compatibility/2006" xmlns:p14="http://schemas.microsoft.com/office/powerpoint/2010/main">
+          <mc:Choice Requires="p14">
             <p:contentPart p14:bwMode="auto" r:id="rId30">
               <p14:nvContentPartPr>
                 <p14:cNvPr id="50" name="Ink 49">
@@ -9476,7 +9477,7 @@
               </p14:xfrm>
             </p:contentPart>
           </mc:Choice>
-          <mc:Fallback>
+          <mc:Fallback xmlns="">
             <p:pic>
               <p:nvPicPr>
                 <p:cNvPr id="50" name="Ink 49">
@@ -9507,8 +9508,8 @@
             </p:pic>
           </mc:Fallback>
         </mc:AlternateContent>
-        <mc:AlternateContent xmlns:mc="http://schemas.openxmlformats.org/markup-compatibility/2006">
-          <mc:Choice xmlns:p14="http://schemas.microsoft.com/office/powerpoint/2010/main" Requires="p14">
+        <mc:AlternateContent xmlns:mc="http://schemas.openxmlformats.org/markup-compatibility/2006" xmlns:p14="http://schemas.microsoft.com/office/powerpoint/2010/main">
+          <mc:Choice Requires="p14">
             <p:contentPart p14:bwMode="auto" r:id="rId32">
               <p14:nvContentPartPr>
                 <p14:cNvPr id="51" name="Ink 50">
@@ -9527,7 +9528,7 @@
               </p14:xfrm>
             </p:contentPart>
           </mc:Choice>
-          <mc:Fallback>
+          <mc:Fallback xmlns="">
             <p:pic>
               <p:nvPicPr>
                 <p:cNvPr id="51" name="Ink 50">
@@ -9559,8 +9560,8 @@
           </mc:Fallback>
         </mc:AlternateContent>
       </p:grpSp>
-      <mc:AlternateContent xmlns:mc="http://schemas.openxmlformats.org/markup-compatibility/2006">
-        <mc:Choice xmlns:p14="http://schemas.microsoft.com/office/powerpoint/2010/main" Requires="p14">
+      <mc:AlternateContent xmlns:mc="http://schemas.openxmlformats.org/markup-compatibility/2006" xmlns:p14="http://schemas.microsoft.com/office/powerpoint/2010/main">
+        <mc:Choice Requires="p14">
           <p:contentPart p14:bwMode="auto" r:id="rId34">
             <p14:nvContentPartPr>
               <p14:cNvPr id="53" name="Ink 52">
@@ -9579,7 +9580,7 @@
             </p14:xfrm>
           </p:contentPart>
         </mc:Choice>
-        <mc:Fallback>
+        <mc:Fallback xmlns="">
           <p:pic>
             <p:nvPicPr>
               <p:cNvPr id="53" name="Ink 52">
@@ -9610,8 +9611,8 @@
           </p:pic>
         </mc:Fallback>
       </mc:AlternateContent>
-      <mc:AlternateContent xmlns:mc="http://schemas.openxmlformats.org/markup-compatibility/2006">
-        <mc:Choice xmlns:p14="http://schemas.microsoft.com/office/powerpoint/2010/main" Requires="p14">
+      <mc:AlternateContent xmlns:mc="http://schemas.openxmlformats.org/markup-compatibility/2006" xmlns:p14="http://schemas.microsoft.com/office/powerpoint/2010/main">
+        <mc:Choice Requires="p14">
           <p:contentPart p14:bwMode="auto" r:id="rId36">
             <p14:nvContentPartPr>
               <p14:cNvPr id="54" name="Ink 53">
@@ -9630,7 +9631,7 @@
             </p14:xfrm>
           </p:contentPart>
         </mc:Choice>
-        <mc:Fallback>
+        <mc:Fallback xmlns="">
           <p:pic>
             <p:nvPicPr>
               <p:cNvPr id="54" name="Ink 53">
@@ -9661,8 +9662,8 @@
           </p:pic>
         </mc:Fallback>
       </mc:AlternateContent>
-      <mc:AlternateContent xmlns:mc="http://schemas.openxmlformats.org/markup-compatibility/2006">
-        <mc:Choice xmlns:p14="http://schemas.microsoft.com/office/powerpoint/2010/main" Requires="p14">
+      <mc:AlternateContent xmlns:mc="http://schemas.openxmlformats.org/markup-compatibility/2006" xmlns:p14="http://schemas.microsoft.com/office/powerpoint/2010/main">
+        <mc:Choice Requires="p14">
           <p:contentPart p14:bwMode="auto" r:id="rId38">
             <p14:nvContentPartPr>
               <p14:cNvPr id="55" name="Ink 54">
@@ -9681,7 +9682,7 @@
             </p14:xfrm>
           </p:contentPart>
         </mc:Choice>
-        <mc:Fallback>
+        <mc:Fallback xmlns="">
           <p:pic>
             <p:nvPicPr>
               <p:cNvPr id="55" name="Ink 54">
@@ -9732,8 +9733,8 @@
             <a:chExt cx="1792080" cy="374400"/>
           </a:xfrm>
         </p:grpSpPr>
-        <mc:AlternateContent xmlns:mc="http://schemas.openxmlformats.org/markup-compatibility/2006">
-          <mc:Choice xmlns:p14="http://schemas.microsoft.com/office/powerpoint/2010/main" Requires="p14">
+        <mc:AlternateContent xmlns:mc="http://schemas.openxmlformats.org/markup-compatibility/2006" xmlns:p14="http://schemas.microsoft.com/office/powerpoint/2010/main">
+          <mc:Choice Requires="p14">
             <p:contentPart p14:bwMode="auto" r:id="rId40">
               <p14:nvContentPartPr>
                 <p14:cNvPr id="56" name="Ink 55">
@@ -9752,7 +9753,7 @@
               </p14:xfrm>
             </p:contentPart>
           </mc:Choice>
-          <mc:Fallback>
+          <mc:Fallback xmlns="">
             <p:pic>
               <p:nvPicPr>
                 <p:cNvPr id="56" name="Ink 55">
@@ -9783,8 +9784,8 @@
             </p:pic>
           </mc:Fallback>
         </mc:AlternateContent>
-        <mc:AlternateContent xmlns:mc="http://schemas.openxmlformats.org/markup-compatibility/2006">
-          <mc:Choice xmlns:p14="http://schemas.microsoft.com/office/powerpoint/2010/main" Requires="p14">
+        <mc:AlternateContent xmlns:mc="http://schemas.openxmlformats.org/markup-compatibility/2006" xmlns:p14="http://schemas.microsoft.com/office/powerpoint/2010/main">
+          <mc:Choice Requires="p14">
             <p:contentPart p14:bwMode="auto" r:id="rId42">
               <p14:nvContentPartPr>
                 <p14:cNvPr id="57" name="Ink 56">
@@ -9803,7 +9804,7 @@
               </p14:xfrm>
             </p:contentPart>
           </mc:Choice>
-          <mc:Fallback>
+          <mc:Fallback xmlns="">
             <p:pic>
               <p:nvPicPr>
                 <p:cNvPr id="57" name="Ink 56">
@@ -9834,8 +9835,8 @@
             </p:pic>
           </mc:Fallback>
         </mc:AlternateContent>
-        <mc:AlternateContent xmlns:mc="http://schemas.openxmlformats.org/markup-compatibility/2006">
-          <mc:Choice xmlns:p14="http://schemas.microsoft.com/office/powerpoint/2010/main" Requires="p14">
+        <mc:AlternateContent xmlns:mc="http://schemas.openxmlformats.org/markup-compatibility/2006" xmlns:p14="http://schemas.microsoft.com/office/powerpoint/2010/main">
+          <mc:Choice Requires="p14">
             <p:contentPart p14:bwMode="auto" r:id="rId44">
               <p14:nvContentPartPr>
                 <p14:cNvPr id="59" name="Ink 58">
@@ -9854,7 +9855,7 @@
               </p14:xfrm>
             </p:contentPart>
           </mc:Choice>
-          <mc:Fallback>
+          <mc:Fallback xmlns="">
             <p:pic>
               <p:nvPicPr>
                 <p:cNvPr id="59" name="Ink 58">
@@ -9885,8 +9886,8 @@
             </p:pic>
           </mc:Fallback>
         </mc:AlternateContent>
-        <mc:AlternateContent xmlns:mc="http://schemas.openxmlformats.org/markup-compatibility/2006">
-          <mc:Choice xmlns:p14="http://schemas.microsoft.com/office/powerpoint/2010/main" Requires="p14">
+        <mc:AlternateContent xmlns:mc="http://schemas.openxmlformats.org/markup-compatibility/2006" xmlns:p14="http://schemas.microsoft.com/office/powerpoint/2010/main">
+          <mc:Choice Requires="p14">
             <p:contentPart p14:bwMode="auto" r:id="rId46">
               <p14:nvContentPartPr>
                 <p14:cNvPr id="60" name="Ink 59">
@@ -9905,7 +9906,7 @@
               </p14:xfrm>
             </p:contentPart>
           </mc:Choice>
-          <mc:Fallback>
+          <mc:Fallback xmlns="">
             <p:pic>
               <p:nvPicPr>
                 <p:cNvPr id="60" name="Ink 59">
@@ -9936,8 +9937,8 @@
             </p:pic>
           </mc:Fallback>
         </mc:AlternateContent>
-        <mc:AlternateContent xmlns:mc="http://schemas.openxmlformats.org/markup-compatibility/2006">
-          <mc:Choice xmlns:p14="http://schemas.microsoft.com/office/powerpoint/2010/main" Requires="p14">
+        <mc:AlternateContent xmlns:mc="http://schemas.openxmlformats.org/markup-compatibility/2006" xmlns:p14="http://schemas.microsoft.com/office/powerpoint/2010/main">
+          <mc:Choice Requires="p14">
             <p:contentPart p14:bwMode="auto" r:id="rId48">
               <p14:nvContentPartPr>
                 <p14:cNvPr id="61" name="Ink 60">
@@ -9956,7 +9957,7 @@
               </p14:xfrm>
             </p:contentPart>
           </mc:Choice>
-          <mc:Fallback>
+          <mc:Fallback xmlns="">
             <p:pic>
               <p:nvPicPr>
                 <p:cNvPr id="61" name="Ink 60">
@@ -10008,8 +10009,8 @@
             <a:chExt cx="2039760" cy="529920"/>
           </a:xfrm>
         </p:grpSpPr>
-        <mc:AlternateContent xmlns:mc="http://schemas.openxmlformats.org/markup-compatibility/2006">
-          <mc:Choice xmlns:p14="http://schemas.microsoft.com/office/powerpoint/2010/main" Requires="p14">
+        <mc:AlternateContent xmlns:mc="http://schemas.openxmlformats.org/markup-compatibility/2006" xmlns:p14="http://schemas.microsoft.com/office/powerpoint/2010/main">
+          <mc:Choice Requires="p14">
             <p:contentPart p14:bwMode="auto" r:id="rId50">
               <p14:nvContentPartPr>
                 <p14:cNvPr id="63" name="Ink 62">
@@ -10028,7 +10029,7 @@
               </p14:xfrm>
             </p:contentPart>
           </mc:Choice>
-          <mc:Fallback>
+          <mc:Fallback xmlns="">
             <p:pic>
               <p:nvPicPr>
                 <p:cNvPr id="63" name="Ink 62">
@@ -10059,8 +10060,8 @@
             </p:pic>
           </mc:Fallback>
         </mc:AlternateContent>
-        <mc:AlternateContent xmlns:mc="http://schemas.openxmlformats.org/markup-compatibility/2006">
-          <mc:Choice xmlns:p14="http://schemas.microsoft.com/office/powerpoint/2010/main" Requires="p14">
+        <mc:AlternateContent xmlns:mc="http://schemas.openxmlformats.org/markup-compatibility/2006" xmlns:p14="http://schemas.microsoft.com/office/powerpoint/2010/main">
+          <mc:Choice Requires="p14">
             <p:contentPart p14:bwMode="auto" r:id="rId52">
               <p14:nvContentPartPr>
                 <p14:cNvPr id="64" name="Ink 63">
@@ -10079,7 +10080,7 @@
               </p14:xfrm>
             </p:contentPart>
           </mc:Choice>
-          <mc:Fallback>
+          <mc:Fallback xmlns="">
             <p:pic>
               <p:nvPicPr>
                 <p:cNvPr id="64" name="Ink 63">
@@ -10110,8 +10111,8 @@
             </p:pic>
           </mc:Fallback>
         </mc:AlternateContent>
-        <mc:AlternateContent xmlns:mc="http://schemas.openxmlformats.org/markup-compatibility/2006">
-          <mc:Choice xmlns:p14="http://schemas.microsoft.com/office/powerpoint/2010/main" Requires="p14">
+        <mc:AlternateContent xmlns:mc="http://schemas.openxmlformats.org/markup-compatibility/2006" xmlns:p14="http://schemas.microsoft.com/office/powerpoint/2010/main">
+          <mc:Choice Requires="p14">
             <p:contentPart p14:bwMode="auto" r:id="rId54">
               <p14:nvContentPartPr>
                 <p14:cNvPr id="65" name="Ink 64">
@@ -10130,7 +10131,7 @@
               </p14:xfrm>
             </p:contentPart>
           </mc:Choice>
-          <mc:Fallback>
+          <mc:Fallback xmlns="">
             <p:pic>
               <p:nvPicPr>
                 <p:cNvPr id="65" name="Ink 64">
@@ -10161,8 +10162,8 @@
             </p:pic>
           </mc:Fallback>
         </mc:AlternateContent>
-        <mc:AlternateContent xmlns:mc="http://schemas.openxmlformats.org/markup-compatibility/2006">
-          <mc:Choice xmlns:p14="http://schemas.microsoft.com/office/powerpoint/2010/main" Requires="p14">
+        <mc:AlternateContent xmlns:mc="http://schemas.openxmlformats.org/markup-compatibility/2006" xmlns:p14="http://schemas.microsoft.com/office/powerpoint/2010/main">
+          <mc:Choice Requires="p14">
             <p:contentPart p14:bwMode="auto" r:id="rId56">
               <p14:nvContentPartPr>
                 <p14:cNvPr id="66" name="Ink 65">
@@ -10181,7 +10182,7 @@
               </p14:xfrm>
             </p:contentPart>
           </mc:Choice>
-          <mc:Fallback>
+          <mc:Fallback xmlns="">
             <p:pic>
               <p:nvPicPr>
                 <p:cNvPr id="66" name="Ink 65">
@@ -10233,8 +10234,8 @@
             <a:chExt cx="2570400" cy="961560"/>
           </a:xfrm>
         </p:grpSpPr>
-        <mc:AlternateContent xmlns:mc="http://schemas.openxmlformats.org/markup-compatibility/2006">
-          <mc:Choice xmlns:p14="http://schemas.microsoft.com/office/powerpoint/2010/main" Requires="p14">
+        <mc:AlternateContent xmlns:mc="http://schemas.openxmlformats.org/markup-compatibility/2006" xmlns:p14="http://schemas.microsoft.com/office/powerpoint/2010/main">
+          <mc:Choice Requires="p14">
             <p:contentPart p14:bwMode="auto" r:id="rId58">
               <p14:nvContentPartPr>
                 <p14:cNvPr id="68" name="Ink 67">
@@ -10253,7 +10254,7 @@
               </p14:xfrm>
             </p:contentPart>
           </mc:Choice>
-          <mc:Fallback>
+          <mc:Fallback xmlns="">
             <p:pic>
               <p:nvPicPr>
                 <p:cNvPr id="68" name="Ink 67">
@@ -10284,8 +10285,8 @@
             </p:pic>
           </mc:Fallback>
         </mc:AlternateContent>
-        <mc:AlternateContent xmlns:mc="http://schemas.openxmlformats.org/markup-compatibility/2006">
-          <mc:Choice xmlns:p14="http://schemas.microsoft.com/office/powerpoint/2010/main" Requires="p14">
+        <mc:AlternateContent xmlns:mc="http://schemas.openxmlformats.org/markup-compatibility/2006" xmlns:p14="http://schemas.microsoft.com/office/powerpoint/2010/main">
+          <mc:Choice Requires="p14">
             <p:contentPart p14:bwMode="auto" r:id="rId60">
               <p14:nvContentPartPr>
                 <p14:cNvPr id="69" name="Ink 68">
@@ -10304,7 +10305,7 @@
               </p14:xfrm>
             </p:contentPart>
           </mc:Choice>
-          <mc:Fallback>
+          <mc:Fallback xmlns="">
             <p:pic>
               <p:nvPicPr>
                 <p:cNvPr id="69" name="Ink 68">
@@ -10335,8 +10336,8 @@
             </p:pic>
           </mc:Fallback>
         </mc:AlternateContent>
-        <mc:AlternateContent xmlns:mc="http://schemas.openxmlformats.org/markup-compatibility/2006">
-          <mc:Choice xmlns:p14="http://schemas.microsoft.com/office/powerpoint/2010/main" Requires="p14">
+        <mc:AlternateContent xmlns:mc="http://schemas.openxmlformats.org/markup-compatibility/2006" xmlns:p14="http://schemas.microsoft.com/office/powerpoint/2010/main">
+          <mc:Choice Requires="p14">
             <p:contentPart p14:bwMode="auto" r:id="rId62">
               <p14:nvContentPartPr>
                 <p14:cNvPr id="70" name="Ink 69">
@@ -10355,7 +10356,7 @@
               </p14:xfrm>
             </p:contentPart>
           </mc:Choice>
-          <mc:Fallback>
+          <mc:Fallback xmlns="">
             <p:pic>
               <p:nvPicPr>
                 <p:cNvPr id="70" name="Ink 69">
@@ -10386,8 +10387,8 @@
             </p:pic>
           </mc:Fallback>
         </mc:AlternateContent>
-        <mc:AlternateContent xmlns:mc="http://schemas.openxmlformats.org/markup-compatibility/2006">
-          <mc:Choice xmlns:p14="http://schemas.microsoft.com/office/powerpoint/2010/main" Requires="p14">
+        <mc:AlternateContent xmlns:mc="http://schemas.openxmlformats.org/markup-compatibility/2006" xmlns:p14="http://schemas.microsoft.com/office/powerpoint/2010/main">
+          <mc:Choice Requires="p14">
             <p:contentPart p14:bwMode="auto" r:id="rId64">
               <p14:nvContentPartPr>
                 <p14:cNvPr id="71" name="Ink 70">
@@ -10406,7 +10407,7 @@
               </p14:xfrm>
             </p:contentPart>
           </mc:Choice>
-          <mc:Fallback>
+          <mc:Fallback xmlns="">
             <p:pic>
               <p:nvPicPr>
                 <p:cNvPr id="71" name="Ink 70">
@@ -10437,8 +10438,8 @@
             </p:pic>
           </mc:Fallback>
         </mc:AlternateContent>
-        <mc:AlternateContent xmlns:mc="http://schemas.openxmlformats.org/markup-compatibility/2006">
-          <mc:Choice xmlns:p14="http://schemas.microsoft.com/office/powerpoint/2010/main" Requires="p14">
+        <mc:AlternateContent xmlns:mc="http://schemas.openxmlformats.org/markup-compatibility/2006" xmlns:p14="http://schemas.microsoft.com/office/powerpoint/2010/main">
+          <mc:Choice Requires="p14">
             <p:contentPart p14:bwMode="auto" r:id="rId66">
               <p14:nvContentPartPr>
                 <p14:cNvPr id="73" name="Ink 72">
@@ -10457,7 +10458,7 @@
               </p14:xfrm>
             </p:contentPart>
           </mc:Choice>
-          <mc:Fallback>
+          <mc:Fallback xmlns="">
             <p:pic>
               <p:nvPicPr>
                 <p:cNvPr id="73" name="Ink 72">
@@ -10509,8 +10510,8 @@
             <a:chExt cx="2092320" cy="610200"/>
           </a:xfrm>
         </p:grpSpPr>
-        <mc:AlternateContent xmlns:mc="http://schemas.openxmlformats.org/markup-compatibility/2006">
-          <mc:Choice xmlns:p14="http://schemas.microsoft.com/office/powerpoint/2010/main" Requires="p14">
+        <mc:AlternateContent xmlns:mc="http://schemas.openxmlformats.org/markup-compatibility/2006" xmlns:p14="http://schemas.microsoft.com/office/powerpoint/2010/main">
+          <mc:Choice Requires="p14">
             <p:contentPart p14:bwMode="auto" r:id="rId68">
               <p14:nvContentPartPr>
                 <p14:cNvPr id="75" name="Ink 74">
@@ -10529,7 +10530,7 @@
               </p14:xfrm>
             </p:contentPart>
           </mc:Choice>
-          <mc:Fallback>
+          <mc:Fallback xmlns="">
             <p:pic>
               <p:nvPicPr>
                 <p:cNvPr id="75" name="Ink 74">
@@ -10560,8 +10561,8 @@
             </p:pic>
           </mc:Fallback>
         </mc:AlternateContent>
-        <mc:AlternateContent xmlns:mc="http://schemas.openxmlformats.org/markup-compatibility/2006">
-          <mc:Choice xmlns:p14="http://schemas.microsoft.com/office/powerpoint/2010/main" Requires="p14">
+        <mc:AlternateContent xmlns:mc="http://schemas.openxmlformats.org/markup-compatibility/2006" xmlns:p14="http://schemas.microsoft.com/office/powerpoint/2010/main">
+          <mc:Choice Requires="p14">
             <p:contentPart p14:bwMode="auto" r:id="rId70">
               <p14:nvContentPartPr>
                 <p14:cNvPr id="76" name="Ink 75">
@@ -10580,7 +10581,7 @@
               </p14:xfrm>
             </p:contentPart>
           </mc:Choice>
-          <mc:Fallback>
+          <mc:Fallback xmlns="">
             <p:pic>
               <p:nvPicPr>
                 <p:cNvPr id="76" name="Ink 75">
@@ -10611,8 +10612,8 @@
             </p:pic>
           </mc:Fallback>
         </mc:AlternateContent>
-        <mc:AlternateContent xmlns:mc="http://schemas.openxmlformats.org/markup-compatibility/2006">
-          <mc:Choice xmlns:p14="http://schemas.microsoft.com/office/powerpoint/2010/main" Requires="p14">
+        <mc:AlternateContent xmlns:mc="http://schemas.openxmlformats.org/markup-compatibility/2006" xmlns:p14="http://schemas.microsoft.com/office/powerpoint/2010/main">
+          <mc:Choice Requires="p14">
             <p:contentPart p14:bwMode="auto" r:id="rId72">
               <p14:nvContentPartPr>
                 <p14:cNvPr id="78" name="Ink 77">
@@ -10631,7 +10632,7 @@
               </p14:xfrm>
             </p:contentPart>
           </mc:Choice>
-          <mc:Fallback>
+          <mc:Fallback xmlns="">
             <p:pic>
               <p:nvPicPr>
                 <p:cNvPr id="78" name="Ink 77">
@@ -10662,8 +10663,8 @@
             </p:pic>
           </mc:Fallback>
         </mc:AlternateContent>
-        <mc:AlternateContent xmlns:mc="http://schemas.openxmlformats.org/markup-compatibility/2006">
-          <mc:Choice xmlns:p14="http://schemas.microsoft.com/office/powerpoint/2010/main" Requires="p14">
+        <mc:AlternateContent xmlns:mc="http://schemas.openxmlformats.org/markup-compatibility/2006" xmlns:p14="http://schemas.microsoft.com/office/powerpoint/2010/main">
+          <mc:Choice Requires="p14">
             <p:contentPart p14:bwMode="auto" r:id="rId74">
               <p14:nvContentPartPr>
                 <p14:cNvPr id="79" name="Ink 78">
@@ -10682,7 +10683,7 @@
               </p14:xfrm>
             </p:contentPart>
           </mc:Choice>
-          <mc:Fallback>
+          <mc:Fallback xmlns="">
             <p:pic>
               <p:nvPicPr>
                 <p:cNvPr id="79" name="Ink 78">
@@ -10713,8 +10714,8 @@
             </p:pic>
           </mc:Fallback>
         </mc:AlternateContent>
-        <mc:AlternateContent xmlns:mc="http://schemas.openxmlformats.org/markup-compatibility/2006">
-          <mc:Choice xmlns:p14="http://schemas.microsoft.com/office/powerpoint/2010/main" Requires="p14">
+        <mc:AlternateContent xmlns:mc="http://schemas.openxmlformats.org/markup-compatibility/2006" xmlns:p14="http://schemas.microsoft.com/office/powerpoint/2010/main">
+          <mc:Choice Requires="p14">
             <p:contentPart p14:bwMode="auto" r:id="rId76">
               <p14:nvContentPartPr>
                 <p14:cNvPr id="80" name="Ink 79">
@@ -10733,7 +10734,7 @@
               </p14:xfrm>
             </p:contentPart>
           </mc:Choice>
-          <mc:Fallback>
+          <mc:Fallback xmlns="">
             <p:pic>
               <p:nvPicPr>
                 <p:cNvPr id="80" name="Ink 79">
@@ -10764,8 +10765,8 @@
             </p:pic>
           </mc:Fallback>
         </mc:AlternateContent>
-        <mc:AlternateContent xmlns:mc="http://schemas.openxmlformats.org/markup-compatibility/2006">
-          <mc:Choice xmlns:p14="http://schemas.microsoft.com/office/powerpoint/2010/main" Requires="p14">
+        <mc:AlternateContent xmlns:mc="http://schemas.openxmlformats.org/markup-compatibility/2006" xmlns:p14="http://schemas.microsoft.com/office/powerpoint/2010/main">
+          <mc:Choice Requires="p14">
             <p:contentPart p14:bwMode="auto" r:id="rId78">
               <p14:nvContentPartPr>
                 <p14:cNvPr id="81" name="Ink 80">
@@ -10784,7 +10785,7 @@
               </p14:xfrm>
             </p:contentPart>
           </mc:Choice>
-          <mc:Fallback>
+          <mc:Fallback xmlns="">
             <p:pic>
               <p:nvPicPr>
                 <p:cNvPr id="81" name="Ink 80">
@@ -10815,8 +10816,8 @@
             </p:pic>
           </mc:Fallback>
         </mc:AlternateContent>
-        <mc:AlternateContent xmlns:mc="http://schemas.openxmlformats.org/markup-compatibility/2006">
-          <mc:Choice xmlns:p14="http://schemas.microsoft.com/office/powerpoint/2010/main" Requires="p14">
+        <mc:AlternateContent xmlns:mc="http://schemas.openxmlformats.org/markup-compatibility/2006" xmlns:p14="http://schemas.microsoft.com/office/powerpoint/2010/main">
+          <mc:Choice Requires="p14">
             <p:contentPart p14:bwMode="auto" r:id="rId80">
               <p14:nvContentPartPr>
                 <p14:cNvPr id="82" name="Ink 81">
@@ -10835,7 +10836,7 @@
               </p14:xfrm>
             </p:contentPart>
           </mc:Choice>
-          <mc:Fallback>
+          <mc:Fallback xmlns="">
             <p:pic>
               <p:nvPicPr>
                 <p:cNvPr id="82" name="Ink 81">
@@ -10866,8 +10867,8 @@
             </p:pic>
           </mc:Fallback>
         </mc:AlternateContent>
-        <mc:AlternateContent xmlns:mc="http://schemas.openxmlformats.org/markup-compatibility/2006">
-          <mc:Choice xmlns:p14="http://schemas.microsoft.com/office/powerpoint/2010/main" Requires="p14">
+        <mc:AlternateContent xmlns:mc="http://schemas.openxmlformats.org/markup-compatibility/2006" xmlns:p14="http://schemas.microsoft.com/office/powerpoint/2010/main">
+          <mc:Choice Requires="p14">
             <p:contentPart p14:bwMode="auto" r:id="rId82">
               <p14:nvContentPartPr>
                 <p14:cNvPr id="83" name="Ink 82">
@@ -10886,7 +10887,7 @@
               </p14:xfrm>
             </p:contentPart>
           </mc:Choice>
-          <mc:Fallback>
+          <mc:Fallback xmlns="">
             <p:pic>
               <p:nvPicPr>
                 <p:cNvPr id="83" name="Ink 82">
@@ -10917,8 +10918,8 @@
             </p:pic>
           </mc:Fallback>
         </mc:AlternateContent>
-        <mc:AlternateContent xmlns:mc="http://schemas.openxmlformats.org/markup-compatibility/2006">
-          <mc:Choice xmlns:p14="http://schemas.microsoft.com/office/powerpoint/2010/main" Requires="p14">
+        <mc:AlternateContent xmlns:mc="http://schemas.openxmlformats.org/markup-compatibility/2006" xmlns:p14="http://schemas.microsoft.com/office/powerpoint/2010/main">
+          <mc:Choice Requires="p14">
             <p:contentPart p14:bwMode="auto" r:id="rId84">
               <p14:nvContentPartPr>
                 <p14:cNvPr id="84" name="Ink 83">
@@ -10937,7 +10938,7 @@
               </p14:xfrm>
             </p:contentPart>
           </mc:Choice>
-          <mc:Fallback>
+          <mc:Fallback xmlns="">
             <p:pic>
               <p:nvPicPr>
                 <p:cNvPr id="84" name="Ink 83">
@@ -11712,8 +11713,8 @@
           </a:p>
         </p:txBody>
       </p:sp>
-      <mc:AlternateContent xmlns:mc="http://schemas.openxmlformats.org/markup-compatibility/2006">
-        <mc:Choice xmlns:p14="http://schemas.microsoft.com/office/powerpoint/2010/main" Requires="p14">
+      <mc:AlternateContent xmlns:mc="http://schemas.openxmlformats.org/markup-compatibility/2006" xmlns:p14="http://schemas.microsoft.com/office/powerpoint/2010/main">
+        <mc:Choice Requires="p14">
           <p:contentPart p14:bwMode="auto" r:id="rId2">
             <p14:nvContentPartPr>
               <p14:cNvPr id="29" name="Ink 28">
@@ -11732,7 +11733,7 @@
             </p14:xfrm>
           </p:contentPart>
         </mc:Choice>
-        <mc:Fallback>
+        <mc:Fallback xmlns="">
           <p:pic>
             <p:nvPicPr>
               <p:cNvPr id="29" name="Ink 28">
@@ -11783,8 +11784,8 @@
             <a:chExt cx="3071520" cy="1611000"/>
           </a:xfrm>
         </p:grpSpPr>
-        <mc:AlternateContent xmlns:mc="http://schemas.openxmlformats.org/markup-compatibility/2006">
-          <mc:Choice xmlns:p14="http://schemas.microsoft.com/office/powerpoint/2010/main" Requires="p14">
+        <mc:AlternateContent xmlns:mc="http://schemas.openxmlformats.org/markup-compatibility/2006" xmlns:p14="http://schemas.microsoft.com/office/powerpoint/2010/main">
+          <mc:Choice Requires="p14">
             <p:contentPart p14:bwMode="auto" r:id="rId4">
               <p14:nvContentPartPr>
                 <p14:cNvPr id="30" name="Ink 29">
@@ -11803,7 +11804,7 @@
               </p14:xfrm>
             </p:contentPart>
           </mc:Choice>
-          <mc:Fallback>
+          <mc:Fallback xmlns="">
             <p:pic>
               <p:nvPicPr>
                 <p:cNvPr id="30" name="Ink 29">
@@ -11834,8 +11835,8 @@
             </p:pic>
           </mc:Fallback>
         </mc:AlternateContent>
-        <mc:AlternateContent xmlns:mc="http://schemas.openxmlformats.org/markup-compatibility/2006">
-          <mc:Choice xmlns:p14="http://schemas.microsoft.com/office/powerpoint/2010/main" Requires="p14">
+        <mc:AlternateContent xmlns:mc="http://schemas.openxmlformats.org/markup-compatibility/2006" xmlns:p14="http://schemas.microsoft.com/office/powerpoint/2010/main">
+          <mc:Choice Requires="p14">
             <p:contentPart p14:bwMode="auto" r:id="rId6">
               <p14:nvContentPartPr>
                 <p14:cNvPr id="31" name="Ink 30">
@@ -11854,7 +11855,7 @@
               </p14:xfrm>
             </p:contentPart>
           </mc:Choice>
-          <mc:Fallback>
+          <mc:Fallback xmlns="">
             <p:pic>
               <p:nvPicPr>
                 <p:cNvPr id="31" name="Ink 30">
@@ -11885,8 +11886,8 @@
             </p:pic>
           </mc:Fallback>
         </mc:AlternateContent>
-        <mc:AlternateContent xmlns:mc="http://schemas.openxmlformats.org/markup-compatibility/2006">
-          <mc:Choice xmlns:p14="http://schemas.microsoft.com/office/powerpoint/2010/main" Requires="p14">
+        <mc:AlternateContent xmlns:mc="http://schemas.openxmlformats.org/markup-compatibility/2006" xmlns:p14="http://schemas.microsoft.com/office/powerpoint/2010/main">
+          <mc:Choice Requires="p14">
             <p:contentPart p14:bwMode="auto" r:id="rId8">
               <p14:nvContentPartPr>
                 <p14:cNvPr id="32" name="Ink 31">
@@ -11905,7 +11906,7 @@
               </p14:xfrm>
             </p:contentPart>
           </mc:Choice>
-          <mc:Fallback>
+          <mc:Fallback xmlns="">
             <p:pic>
               <p:nvPicPr>
                 <p:cNvPr id="32" name="Ink 31">
@@ -12609,6 +12610,131 @@
     <p:extLst>
       <p:ext uri="{BB962C8B-B14F-4D97-AF65-F5344CB8AC3E}">
         <p14:creationId xmlns:p14="http://schemas.microsoft.com/office/powerpoint/2010/main" val="4127798541"/>
+      </p:ext>
+    </p:extLst>
+  </p:cSld>
+  <p:clrMapOvr>
+    <a:masterClrMapping/>
+  </p:clrMapOvr>
+</p:sld>
+</file>
+
+<file path=ppt/slides/slide20.xml><?xml version="1.0" encoding="utf-8"?>
+<p:sld xmlns:a="http://schemas.openxmlformats.org/drawingml/2006/main" xmlns:r="http://schemas.openxmlformats.org/officeDocument/2006/relationships" xmlns:p="http://schemas.openxmlformats.org/presentationml/2006/main">
+  <p:cSld>
+    <p:spTree>
+      <p:nvGrpSpPr>
+        <p:cNvPr id="1" name=""/>
+        <p:cNvGrpSpPr/>
+        <p:nvPr/>
+      </p:nvGrpSpPr>
+      <p:grpSpPr>
+        <a:xfrm>
+          <a:off x="0" y="0"/>
+          <a:ext cx="0" cy="0"/>
+          <a:chOff x="0" y="0"/>
+          <a:chExt cx="0" cy="0"/>
+        </a:xfrm>
+      </p:grpSpPr>
+      <p:sp>
+        <p:nvSpPr>
+          <p:cNvPr id="2" name="Title 1">
+            <a:extLst>
+              <a:ext uri="{FF2B5EF4-FFF2-40B4-BE49-F238E27FC236}">
+                <a16:creationId xmlns:a16="http://schemas.microsoft.com/office/drawing/2014/main" id="{96236A6D-946C-B779-611D-D7D69017579F}"/>
+              </a:ext>
+            </a:extLst>
+          </p:cNvPr>
+          <p:cNvSpPr>
+            <a:spLocks noGrp="1"/>
+          </p:cNvSpPr>
+          <p:nvPr>
+            <p:ph type="title"/>
+          </p:nvPr>
+        </p:nvSpPr>
+        <p:spPr/>
+        <p:txBody>
+          <a:bodyPr/>
+          <a:lstStyle/>
+          <a:p>
+            <a:endParaRPr lang="en-US" dirty="0"/>
+          </a:p>
+        </p:txBody>
+      </p:sp>
+      <p:sp>
+        <p:nvSpPr>
+          <p:cNvPr id="3" name="Content Placeholder 2">
+            <a:extLst>
+              <a:ext uri="{FF2B5EF4-FFF2-40B4-BE49-F238E27FC236}">
+                <a16:creationId xmlns:a16="http://schemas.microsoft.com/office/drawing/2014/main" id="{55A7B6B1-0C1D-9EBC-FC07-5D516E31EBB3}"/>
+              </a:ext>
+            </a:extLst>
+          </p:cNvPr>
+          <p:cNvSpPr>
+            <a:spLocks noGrp="1"/>
+          </p:cNvSpPr>
+          <p:nvPr>
+            <p:ph idx="1"/>
+          </p:nvPr>
+        </p:nvSpPr>
+        <p:spPr/>
+        <p:txBody>
+          <a:bodyPr/>
+          <a:lstStyle/>
+          <a:p>
+            <a:r>
+              <a:rPr lang="en-US" dirty="0"/>
+              <a:t>Intro</a:t>
+            </a:r>
+          </a:p>
+          <a:p>
+            <a:r>
+              <a:rPr lang="en-US" dirty="0"/>
+              <a:t>Planning the app core steps</a:t>
+            </a:r>
+          </a:p>
+          <a:p>
+            <a:r>
+              <a:rPr lang="en-US" dirty="0"/>
+              <a:t>Planning layout and component tree</a:t>
+            </a:r>
+          </a:p>
+          <a:p>
+            <a:r>
+              <a:rPr lang="en-US" dirty="0"/>
+              <a:t>Planning the state</a:t>
+            </a:r>
+          </a:p>
+          <a:p>
+            <a:r>
+              <a:rPr lang="en-US" dirty="0"/>
+              <a:t>Setting up the project</a:t>
+            </a:r>
+          </a:p>
+          <a:p>
+            <a:r>
+              <a:rPr lang="en-US" dirty="0"/>
+              <a:t>Creating the layout component</a:t>
+            </a:r>
+          </a:p>
+          <a:p>
+            <a:r>
+              <a:rPr lang="en-US" dirty="0"/>
+              <a:t>Starting implementing the burger builder container</a:t>
+            </a:r>
+          </a:p>
+          <a:p>
+            <a:r>
+              <a:rPr lang="en-US" dirty="0"/>
+              <a:t>Adding a dynamic ingredient component</a:t>
+            </a:r>
+          </a:p>
+        </p:txBody>
+      </p:sp>
+    </p:spTree>
+    <p:extLst>
+      <p:ext uri="{BB962C8B-B14F-4D97-AF65-F5344CB8AC3E}">
+        <p14:creationId xmlns:p14="http://schemas.microsoft.com/office/powerpoint/2010/main" val="297882869"/>
       </p:ext>
     </p:extLst>
   </p:cSld>

--- a/Create-react-app.pptx
+++ b/Create-react-app.pptx
@@ -25,6 +25,7 @@
     <p:sldId id="273" r:id="rId19"/>
     <p:sldId id="274" r:id="rId20"/>
     <p:sldId id="275" r:id="rId21"/>
+    <p:sldId id="276" r:id="rId22"/>
   </p:sldIdLst>
   <p:sldSz cx="12192000" cy="6858000"/>
   <p:notesSz cx="6858000" cy="9144000"/>
@@ -1566,7 +1567,7 @@
           <a:p>
             <a:fld id="{8ABDCE5D-2F42-4C45-98AA-7AAD2A36BEC8}" type="datetimeFigureOut">
               <a:rPr lang="en-US" smtClean="0"/>
-              <a:t>4/10/2023</a:t>
+              <a:t>4/11/2023</a:t>
             </a:fld>
             <a:endParaRPr lang="en-US"/>
           </a:p>
@@ -1764,7 +1765,7 @@
           <a:p>
             <a:fld id="{8ABDCE5D-2F42-4C45-98AA-7AAD2A36BEC8}" type="datetimeFigureOut">
               <a:rPr lang="en-US" smtClean="0"/>
-              <a:t>4/10/2023</a:t>
+              <a:t>4/11/2023</a:t>
             </a:fld>
             <a:endParaRPr lang="en-US"/>
           </a:p>
@@ -1972,7 +1973,7 @@
           <a:p>
             <a:fld id="{8ABDCE5D-2F42-4C45-98AA-7AAD2A36BEC8}" type="datetimeFigureOut">
               <a:rPr lang="en-US" smtClean="0"/>
-              <a:t>4/10/2023</a:t>
+              <a:t>4/11/2023</a:t>
             </a:fld>
             <a:endParaRPr lang="en-US"/>
           </a:p>
@@ -2170,7 +2171,7 @@
           <a:p>
             <a:fld id="{8ABDCE5D-2F42-4C45-98AA-7AAD2A36BEC8}" type="datetimeFigureOut">
               <a:rPr lang="en-US" smtClean="0"/>
-              <a:t>4/10/2023</a:t>
+              <a:t>4/11/2023</a:t>
             </a:fld>
             <a:endParaRPr lang="en-US"/>
           </a:p>
@@ -2445,7 +2446,7 @@
           <a:p>
             <a:fld id="{8ABDCE5D-2F42-4C45-98AA-7AAD2A36BEC8}" type="datetimeFigureOut">
               <a:rPr lang="en-US" smtClean="0"/>
-              <a:t>4/10/2023</a:t>
+              <a:t>4/11/2023</a:t>
             </a:fld>
             <a:endParaRPr lang="en-US"/>
           </a:p>
@@ -2710,7 +2711,7 @@
           <a:p>
             <a:fld id="{8ABDCE5D-2F42-4C45-98AA-7AAD2A36BEC8}" type="datetimeFigureOut">
               <a:rPr lang="en-US" smtClean="0"/>
-              <a:t>4/10/2023</a:t>
+              <a:t>4/11/2023</a:t>
             </a:fld>
             <a:endParaRPr lang="en-US"/>
           </a:p>
@@ -3122,7 +3123,7 @@
           <a:p>
             <a:fld id="{8ABDCE5D-2F42-4C45-98AA-7AAD2A36BEC8}" type="datetimeFigureOut">
               <a:rPr lang="en-US" smtClean="0"/>
-              <a:t>4/10/2023</a:t>
+              <a:t>4/11/2023</a:t>
             </a:fld>
             <a:endParaRPr lang="en-US"/>
           </a:p>
@@ -3263,7 +3264,7 @@
           <a:p>
             <a:fld id="{8ABDCE5D-2F42-4C45-98AA-7AAD2A36BEC8}" type="datetimeFigureOut">
               <a:rPr lang="en-US" smtClean="0"/>
-              <a:t>4/10/2023</a:t>
+              <a:t>4/11/2023</a:t>
             </a:fld>
             <a:endParaRPr lang="en-US"/>
           </a:p>
@@ -3376,7 +3377,7 @@
           <a:p>
             <a:fld id="{8ABDCE5D-2F42-4C45-98AA-7AAD2A36BEC8}" type="datetimeFigureOut">
               <a:rPr lang="en-US" smtClean="0"/>
-              <a:t>4/10/2023</a:t>
+              <a:t>4/11/2023</a:t>
             </a:fld>
             <a:endParaRPr lang="en-US"/>
           </a:p>
@@ -3687,7 +3688,7 @@
           <a:p>
             <a:fld id="{8ABDCE5D-2F42-4C45-98AA-7AAD2A36BEC8}" type="datetimeFigureOut">
               <a:rPr lang="en-US" smtClean="0"/>
-              <a:t>4/10/2023</a:t>
+              <a:t>4/11/2023</a:t>
             </a:fld>
             <a:endParaRPr lang="en-US"/>
           </a:p>
@@ -3975,7 +3976,7 @@
           <a:p>
             <a:fld id="{8ABDCE5D-2F42-4C45-98AA-7AAD2A36BEC8}" type="datetimeFigureOut">
               <a:rPr lang="en-US" smtClean="0"/>
-              <a:t>4/10/2023</a:t>
+              <a:t>4/11/2023</a:t>
             </a:fld>
             <a:endParaRPr lang="en-US"/>
           </a:p>
@@ -4216,7 +4217,7 @@
           <a:p>
             <a:fld id="{8ABDCE5D-2F42-4C45-98AA-7AAD2A36BEC8}" type="datetimeFigureOut">
               <a:rPr lang="en-US" smtClean="0"/>
-              <a:t>4/10/2023</a:t>
+              <a:t>4/11/2023</a:t>
             </a:fld>
             <a:endParaRPr lang="en-US"/>
           </a:p>
@@ -12744,6 +12745,113 @@
 </p:sld>
 </file>
 
+<file path=ppt/slides/slide21.xml><?xml version="1.0" encoding="utf-8"?>
+<p:sld xmlns:a="http://schemas.openxmlformats.org/drawingml/2006/main" xmlns:r="http://schemas.openxmlformats.org/officeDocument/2006/relationships" xmlns:p="http://schemas.openxmlformats.org/presentationml/2006/main">
+  <p:cSld>
+    <p:spTree>
+      <p:nvGrpSpPr>
+        <p:cNvPr id="1" name=""/>
+        <p:cNvGrpSpPr/>
+        <p:nvPr/>
+      </p:nvGrpSpPr>
+      <p:grpSpPr>
+        <a:xfrm>
+          <a:off x="0" y="0"/>
+          <a:ext cx="0" cy="0"/>
+          <a:chOff x="0" y="0"/>
+          <a:chExt cx="0" cy="0"/>
+        </a:xfrm>
+      </p:grpSpPr>
+      <p:sp>
+        <p:nvSpPr>
+          <p:cNvPr id="2" name="Title 1">
+            <a:extLst>
+              <a:ext uri="{FF2B5EF4-FFF2-40B4-BE49-F238E27FC236}">
+                <a16:creationId xmlns:a16="http://schemas.microsoft.com/office/drawing/2014/main" id="{070B63F6-9CD7-2885-EFE6-1EA58C9D9E3C}"/>
+              </a:ext>
+            </a:extLst>
+          </p:cNvPr>
+          <p:cNvSpPr>
+            <a:spLocks noGrp="1"/>
+          </p:cNvSpPr>
+          <p:nvPr>
+            <p:ph type="title"/>
+          </p:nvPr>
+        </p:nvSpPr>
+        <p:spPr/>
+        <p:txBody>
+          <a:bodyPr/>
+          <a:lstStyle/>
+          <a:p>
+            <a:endParaRPr lang="en-US"/>
+          </a:p>
+        </p:txBody>
+      </p:sp>
+      <p:sp>
+        <p:nvSpPr>
+          <p:cNvPr id="3" name="Content Placeholder 2">
+            <a:extLst>
+              <a:ext uri="{FF2B5EF4-FFF2-40B4-BE49-F238E27FC236}">
+                <a16:creationId xmlns:a16="http://schemas.microsoft.com/office/drawing/2014/main" id="{1BAFC732-F7FD-E2EA-322E-147183E7F02D}"/>
+              </a:ext>
+            </a:extLst>
+          </p:cNvPr>
+          <p:cNvSpPr>
+            <a:spLocks noGrp="1"/>
+          </p:cNvSpPr>
+          <p:nvPr>
+            <p:ph idx="1"/>
+          </p:nvPr>
+        </p:nvSpPr>
+        <p:spPr/>
+        <p:txBody>
+          <a:bodyPr/>
+          <a:lstStyle/>
+          <a:p>
+            <a:r>
+              <a:rPr lang="en-US" dirty="0"/>
+              <a:t>Starting the burger component</a:t>
+            </a:r>
+          </a:p>
+          <a:p>
+            <a:r>
+              <a:rPr lang="en-US" dirty="0"/>
+              <a:t>Outputting ingredients dynamically</a:t>
+            </a:r>
+          </a:p>
+          <a:p>
+            <a:r>
+              <a:rPr lang="en-US" dirty="0"/>
+              <a:t>Adding the build control component</a:t>
+            </a:r>
+          </a:p>
+          <a:p>
+            <a:r>
+              <a:rPr lang="en-US" dirty="0"/>
+              <a:t>Connecting state to build controls.</a:t>
+            </a:r>
+          </a:p>
+          <a:p>
+            <a:r>
+              <a:rPr lang="en-US" dirty="0"/>
+              <a:t>Removing ingredients safely</a:t>
+            </a:r>
+          </a:p>
+        </p:txBody>
+      </p:sp>
+    </p:spTree>
+    <p:extLst>
+      <p:ext uri="{BB962C8B-B14F-4D97-AF65-F5344CB8AC3E}">
+        <p14:creationId xmlns:p14="http://schemas.microsoft.com/office/powerpoint/2010/main" val="795723005"/>
+      </p:ext>
+    </p:extLst>
+  </p:cSld>
+  <p:clrMapOvr>
+    <a:masterClrMapping/>
+  </p:clrMapOvr>
+</p:sld>
+</file>
+
 <file path=ppt/slides/slide3.xml><?xml version="1.0" encoding="utf-8"?>
 <p:sld xmlns:a="http://schemas.openxmlformats.org/drawingml/2006/main" xmlns:r="http://schemas.openxmlformats.org/officeDocument/2006/relationships" xmlns:p="http://schemas.openxmlformats.org/presentationml/2006/main">
   <p:cSld>

--- a/Create-react-app.pptx
+++ b/Create-react-app.pptx
@@ -1567,7 +1567,7 @@
           <a:p>
             <a:fld id="{8ABDCE5D-2F42-4C45-98AA-7AAD2A36BEC8}" type="datetimeFigureOut">
               <a:rPr lang="en-US" smtClean="0"/>
-              <a:t>4/11/2023</a:t>
+              <a:t>4/12/2023</a:t>
             </a:fld>
             <a:endParaRPr lang="en-US"/>
           </a:p>
@@ -1765,7 +1765,7 @@
           <a:p>
             <a:fld id="{8ABDCE5D-2F42-4C45-98AA-7AAD2A36BEC8}" type="datetimeFigureOut">
               <a:rPr lang="en-US" smtClean="0"/>
-              <a:t>4/11/2023</a:t>
+              <a:t>4/12/2023</a:t>
             </a:fld>
             <a:endParaRPr lang="en-US"/>
           </a:p>
@@ -1973,7 +1973,7 @@
           <a:p>
             <a:fld id="{8ABDCE5D-2F42-4C45-98AA-7AAD2A36BEC8}" type="datetimeFigureOut">
               <a:rPr lang="en-US" smtClean="0"/>
-              <a:t>4/11/2023</a:t>
+              <a:t>4/12/2023</a:t>
             </a:fld>
             <a:endParaRPr lang="en-US"/>
           </a:p>
@@ -2171,7 +2171,7 @@
           <a:p>
             <a:fld id="{8ABDCE5D-2F42-4C45-98AA-7AAD2A36BEC8}" type="datetimeFigureOut">
               <a:rPr lang="en-US" smtClean="0"/>
-              <a:t>4/11/2023</a:t>
+              <a:t>4/12/2023</a:t>
             </a:fld>
             <a:endParaRPr lang="en-US"/>
           </a:p>
@@ -2446,7 +2446,7 @@
           <a:p>
             <a:fld id="{8ABDCE5D-2F42-4C45-98AA-7AAD2A36BEC8}" type="datetimeFigureOut">
               <a:rPr lang="en-US" smtClean="0"/>
-              <a:t>4/11/2023</a:t>
+              <a:t>4/12/2023</a:t>
             </a:fld>
             <a:endParaRPr lang="en-US"/>
           </a:p>
@@ -2711,7 +2711,7 @@
           <a:p>
             <a:fld id="{8ABDCE5D-2F42-4C45-98AA-7AAD2A36BEC8}" type="datetimeFigureOut">
               <a:rPr lang="en-US" smtClean="0"/>
-              <a:t>4/11/2023</a:t>
+              <a:t>4/12/2023</a:t>
             </a:fld>
             <a:endParaRPr lang="en-US"/>
           </a:p>
@@ -3123,7 +3123,7 @@
           <a:p>
             <a:fld id="{8ABDCE5D-2F42-4C45-98AA-7AAD2A36BEC8}" type="datetimeFigureOut">
               <a:rPr lang="en-US" smtClean="0"/>
-              <a:t>4/11/2023</a:t>
+              <a:t>4/12/2023</a:t>
             </a:fld>
             <a:endParaRPr lang="en-US"/>
           </a:p>
@@ -3264,7 +3264,7 @@
           <a:p>
             <a:fld id="{8ABDCE5D-2F42-4C45-98AA-7AAD2A36BEC8}" type="datetimeFigureOut">
               <a:rPr lang="en-US" smtClean="0"/>
-              <a:t>4/11/2023</a:t>
+              <a:t>4/12/2023</a:t>
             </a:fld>
             <a:endParaRPr lang="en-US"/>
           </a:p>
@@ -3377,7 +3377,7 @@
           <a:p>
             <a:fld id="{8ABDCE5D-2F42-4C45-98AA-7AAD2A36BEC8}" type="datetimeFigureOut">
               <a:rPr lang="en-US" smtClean="0"/>
-              <a:t>4/11/2023</a:t>
+              <a:t>4/12/2023</a:t>
             </a:fld>
             <a:endParaRPr lang="en-US"/>
           </a:p>
@@ -3688,7 +3688,7 @@
           <a:p>
             <a:fld id="{8ABDCE5D-2F42-4C45-98AA-7AAD2A36BEC8}" type="datetimeFigureOut">
               <a:rPr lang="en-US" smtClean="0"/>
-              <a:t>4/11/2023</a:t>
+              <a:t>4/12/2023</a:t>
             </a:fld>
             <a:endParaRPr lang="en-US"/>
           </a:p>
@@ -3976,7 +3976,7 @@
           <a:p>
             <a:fld id="{8ABDCE5D-2F42-4C45-98AA-7AAD2A36BEC8}" type="datetimeFigureOut">
               <a:rPr lang="en-US" smtClean="0"/>
-              <a:t>4/11/2023</a:t>
+              <a:t>4/12/2023</a:t>
             </a:fld>
             <a:endParaRPr lang="en-US"/>
           </a:p>
@@ -4217,7 +4217,7 @@
           <a:p>
             <a:fld id="{8ABDCE5D-2F42-4C45-98AA-7AAD2A36BEC8}" type="datetimeFigureOut">
               <a:rPr lang="en-US" smtClean="0"/>
-              <a:t>4/11/2023</a:t>
+              <a:t>4/12/2023</a:t>
             </a:fld>
             <a:endParaRPr lang="en-US"/>
           </a:p>
@@ -12805,7 +12805,9 @@
         </p:nvSpPr>
         <p:spPr/>
         <p:txBody>
-          <a:bodyPr/>
+          <a:bodyPr>
+            <a:normAutofit lnSpcReduction="10000"/>
+          </a:bodyPr>
           <a:lstStyle/>
           <a:p>
             <a:r>
@@ -12835,6 +12837,30 @@
             <a:r>
               <a:rPr lang="en-US" dirty="0"/>
               <a:t>Removing ingredients safely</a:t>
+            </a:r>
+          </a:p>
+          <a:p>
+            <a:r>
+              <a:rPr lang="en-US" dirty="0"/>
+              <a:t>Updating and displaying the burger price</a:t>
+            </a:r>
+          </a:p>
+          <a:p>
+            <a:r>
+              <a:rPr lang="en-US" dirty="0"/>
+              <a:t>Adding order button</a:t>
+            </a:r>
+          </a:p>
+          <a:p>
+            <a:r>
+              <a:rPr lang="en-US" dirty="0"/>
+              <a:t>Creating order summary modal</a:t>
+            </a:r>
+          </a:p>
+          <a:p>
+            <a:r>
+              <a:rPr lang="en-US" dirty="0"/>
+              <a:t>Showing and hiding the modal</a:t>
             </a:r>
           </a:p>
         </p:txBody>

--- a/Create-react-app.pptx
+++ b/Create-react-app.pptx
@@ -1567,7 +1567,7 @@
           <a:p>
             <a:fld id="{8ABDCE5D-2F42-4C45-98AA-7AAD2A36BEC8}" type="datetimeFigureOut">
               <a:rPr lang="en-US" smtClean="0"/>
-              <a:t>4/12/2023</a:t>
+              <a:t>4/13/2023</a:t>
             </a:fld>
             <a:endParaRPr lang="en-US"/>
           </a:p>
@@ -1765,7 +1765,7 @@
           <a:p>
             <a:fld id="{8ABDCE5D-2F42-4C45-98AA-7AAD2A36BEC8}" type="datetimeFigureOut">
               <a:rPr lang="en-US" smtClean="0"/>
-              <a:t>4/12/2023</a:t>
+              <a:t>4/13/2023</a:t>
             </a:fld>
             <a:endParaRPr lang="en-US"/>
           </a:p>
@@ -1973,7 +1973,7 @@
           <a:p>
             <a:fld id="{8ABDCE5D-2F42-4C45-98AA-7AAD2A36BEC8}" type="datetimeFigureOut">
               <a:rPr lang="en-US" smtClean="0"/>
-              <a:t>4/12/2023</a:t>
+              <a:t>4/13/2023</a:t>
             </a:fld>
             <a:endParaRPr lang="en-US"/>
           </a:p>
@@ -2171,7 +2171,7 @@
           <a:p>
             <a:fld id="{8ABDCE5D-2F42-4C45-98AA-7AAD2A36BEC8}" type="datetimeFigureOut">
               <a:rPr lang="en-US" smtClean="0"/>
-              <a:t>4/12/2023</a:t>
+              <a:t>4/13/2023</a:t>
             </a:fld>
             <a:endParaRPr lang="en-US"/>
           </a:p>
@@ -2446,7 +2446,7 @@
           <a:p>
             <a:fld id="{8ABDCE5D-2F42-4C45-98AA-7AAD2A36BEC8}" type="datetimeFigureOut">
               <a:rPr lang="en-US" smtClean="0"/>
-              <a:t>4/12/2023</a:t>
+              <a:t>4/13/2023</a:t>
             </a:fld>
             <a:endParaRPr lang="en-US"/>
           </a:p>
@@ -2711,7 +2711,7 @@
           <a:p>
             <a:fld id="{8ABDCE5D-2F42-4C45-98AA-7AAD2A36BEC8}" type="datetimeFigureOut">
               <a:rPr lang="en-US" smtClean="0"/>
-              <a:t>4/12/2023</a:t>
+              <a:t>4/13/2023</a:t>
             </a:fld>
             <a:endParaRPr lang="en-US"/>
           </a:p>
@@ -3123,7 +3123,7 @@
           <a:p>
             <a:fld id="{8ABDCE5D-2F42-4C45-98AA-7AAD2A36BEC8}" type="datetimeFigureOut">
               <a:rPr lang="en-US" smtClean="0"/>
-              <a:t>4/12/2023</a:t>
+              <a:t>4/13/2023</a:t>
             </a:fld>
             <a:endParaRPr lang="en-US"/>
           </a:p>
@@ -3264,7 +3264,7 @@
           <a:p>
             <a:fld id="{8ABDCE5D-2F42-4C45-98AA-7AAD2A36BEC8}" type="datetimeFigureOut">
               <a:rPr lang="en-US" smtClean="0"/>
-              <a:t>4/12/2023</a:t>
+              <a:t>4/13/2023</a:t>
             </a:fld>
             <a:endParaRPr lang="en-US"/>
           </a:p>
@@ -3377,7 +3377,7 @@
           <a:p>
             <a:fld id="{8ABDCE5D-2F42-4C45-98AA-7AAD2A36BEC8}" type="datetimeFigureOut">
               <a:rPr lang="en-US" smtClean="0"/>
-              <a:t>4/12/2023</a:t>
+              <a:t>4/13/2023</a:t>
             </a:fld>
             <a:endParaRPr lang="en-US"/>
           </a:p>
@@ -3688,7 +3688,7 @@
           <a:p>
             <a:fld id="{8ABDCE5D-2F42-4C45-98AA-7AAD2A36BEC8}" type="datetimeFigureOut">
               <a:rPr lang="en-US" smtClean="0"/>
-              <a:t>4/12/2023</a:t>
+              <a:t>4/13/2023</a:t>
             </a:fld>
             <a:endParaRPr lang="en-US"/>
           </a:p>
@@ -3976,7 +3976,7 @@
           <a:p>
             <a:fld id="{8ABDCE5D-2F42-4C45-98AA-7AAD2A36BEC8}" type="datetimeFigureOut">
               <a:rPr lang="en-US" smtClean="0"/>
-              <a:t>4/12/2023</a:t>
+              <a:t>4/13/2023</a:t>
             </a:fld>
             <a:endParaRPr lang="en-US"/>
           </a:p>
@@ -4217,7 +4217,7 @@
           <a:p>
             <a:fld id="{8ABDCE5D-2F42-4C45-98AA-7AAD2A36BEC8}" type="datetimeFigureOut">
               <a:rPr lang="en-US" smtClean="0"/>
-              <a:t>4/12/2023</a:t>
+              <a:t>4/13/2023</a:t>
             </a:fld>
             <a:endParaRPr lang="en-US"/>
           </a:p>
@@ -12764,31 +12764,6 @@
       </p:grpSpPr>
       <p:sp>
         <p:nvSpPr>
-          <p:cNvPr id="2" name="Title 1">
-            <a:extLst>
-              <a:ext uri="{FF2B5EF4-FFF2-40B4-BE49-F238E27FC236}">
-                <a16:creationId xmlns:a16="http://schemas.microsoft.com/office/drawing/2014/main" id="{070B63F6-9CD7-2885-EFE6-1EA58C9D9E3C}"/>
-              </a:ext>
-            </a:extLst>
-          </p:cNvPr>
-          <p:cNvSpPr>
-            <a:spLocks noGrp="1"/>
-          </p:cNvSpPr>
-          <p:nvPr>
-            <p:ph type="title"/>
-          </p:nvPr>
-        </p:nvSpPr>
-        <p:spPr/>
-        <p:txBody>
-          <a:bodyPr/>
-          <a:lstStyle/>
-          <a:p>
-            <a:endParaRPr lang="en-US"/>
-          </a:p>
-        </p:txBody>
-      </p:sp>
-      <p:sp>
-        <p:nvSpPr>
           <p:cNvPr id="3" name="Content Placeholder 2">
             <a:extLst>
               <a:ext uri="{FF2B5EF4-FFF2-40B4-BE49-F238E27FC236}">
@@ -12803,10 +12778,15 @@
             <p:ph idx="1"/>
           </p:nvPr>
         </p:nvSpPr>
-        <p:spPr/>
+        <p:spPr>
+          <a:xfrm>
+            <a:off x="332872" y="309645"/>
+            <a:ext cx="11506201" cy="6283659"/>
+          </a:xfrm>
+        </p:spPr>
         <p:txBody>
-          <a:bodyPr>
-            <a:normAutofit lnSpcReduction="10000"/>
+          <a:bodyPr numCol="2">
+            <a:normAutofit/>
           </a:bodyPr>
           <a:lstStyle/>
           <a:p>
@@ -12862,6 +12842,45 @@
               <a:rPr lang="en-US" dirty="0"/>
               <a:t>Showing and hiding the modal</a:t>
             </a:r>
+          </a:p>
+          <a:p>
+            <a:r>
+              <a:rPr lang="en-US" dirty="0"/>
+              <a:t>Adding a custom button component</a:t>
+            </a:r>
+          </a:p>
+          <a:p>
+            <a:pPr marL="0" indent="0">
+              <a:buNone/>
+            </a:pPr>
+            <a:endParaRPr lang="en-US" dirty="0"/>
+          </a:p>
+          <a:p>
+            <a:r>
+              <a:rPr lang="en-US" dirty="0"/>
+              <a:t>Adding the price to the order summary</a:t>
+            </a:r>
+          </a:p>
+          <a:p>
+            <a:r>
+              <a:rPr lang="en-US" dirty="0"/>
+              <a:t>Adding Toolbar</a:t>
+            </a:r>
+          </a:p>
+          <a:p>
+            <a:r>
+              <a:rPr lang="en-US" dirty="0"/>
+              <a:t>Adding images logo</a:t>
+            </a:r>
+          </a:p>
+          <a:p>
+            <a:r>
+              <a:rPr lang="en-US" dirty="0"/>
+              <a:t>Adding side drawer</a:t>
+            </a:r>
+          </a:p>
+          <a:p>
+            <a:endParaRPr lang="en-US" dirty="0"/>
           </a:p>
         </p:txBody>
       </p:sp>

--- a/Create-react-app.pptx
+++ b/Create-react-app.pptx
@@ -1567,7 +1567,7 @@
           <a:p>
             <a:fld id="{8ABDCE5D-2F42-4C45-98AA-7AAD2A36BEC8}" type="datetimeFigureOut">
               <a:rPr lang="en-US" smtClean="0"/>
-              <a:t>4/13/2023</a:t>
+              <a:t>4/14/2023</a:t>
             </a:fld>
             <a:endParaRPr lang="en-US"/>
           </a:p>
@@ -1765,7 +1765,7 @@
           <a:p>
             <a:fld id="{8ABDCE5D-2F42-4C45-98AA-7AAD2A36BEC8}" type="datetimeFigureOut">
               <a:rPr lang="en-US" smtClean="0"/>
-              <a:t>4/13/2023</a:t>
+              <a:t>4/14/2023</a:t>
             </a:fld>
             <a:endParaRPr lang="en-US"/>
           </a:p>
@@ -1973,7 +1973,7 @@
           <a:p>
             <a:fld id="{8ABDCE5D-2F42-4C45-98AA-7AAD2A36BEC8}" type="datetimeFigureOut">
               <a:rPr lang="en-US" smtClean="0"/>
-              <a:t>4/13/2023</a:t>
+              <a:t>4/14/2023</a:t>
             </a:fld>
             <a:endParaRPr lang="en-US"/>
           </a:p>
@@ -2171,7 +2171,7 @@
           <a:p>
             <a:fld id="{8ABDCE5D-2F42-4C45-98AA-7AAD2A36BEC8}" type="datetimeFigureOut">
               <a:rPr lang="en-US" smtClean="0"/>
-              <a:t>4/13/2023</a:t>
+              <a:t>4/14/2023</a:t>
             </a:fld>
             <a:endParaRPr lang="en-US"/>
           </a:p>
@@ -2446,7 +2446,7 @@
           <a:p>
             <a:fld id="{8ABDCE5D-2F42-4C45-98AA-7AAD2A36BEC8}" type="datetimeFigureOut">
               <a:rPr lang="en-US" smtClean="0"/>
-              <a:t>4/13/2023</a:t>
+              <a:t>4/14/2023</a:t>
             </a:fld>
             <a:endParaRPr lang="en-US"/>
           </a:p>
@@ -2711,7 +2711,7 @@
           <a:p>
             <a:fld id="{8ABDCE5D-2F42-4C45-98AA-7AAD2A36BEC8}" type="datetimeFigureOut">
               <a:rPr lang="en-US" smtClean="0"/>
-              <a:t>4/13/2023</a:t>
+              <a:t>4/14/2023</a:t>
             </a:fld>
             <a:endParaRPr lang="en-US"/>
           </a:p>
@@ -3123,7 +3123,7 @@
           <a:p>
             <a:fld id="{8ABDCE5D-2F42-4C45-98AA-7AAD2A36BEC8}" type="datetimeFigureOut">
               <a:rPr lang="en-US" smtClean="0"/>
-              <a:t>4/13/2023</a:t>
+              <a:t>4/14/2023</a:t>
             </a:fld>
             <a:endParaRPr lang="en-US"/>
           </a:p>
@@ -3264,7 +3264,7 @@
           <a:p>
             <a:fld id="{8ABDCE5D-2F42-4C45-98AA-7AAD2A36BEC8}" type="datetimeFigureOut">
               <a:rPr lang="en-US" smtClean="0"/>
-              <a:t>4/13/2023</a:t>
+              <a:t>4/14/2023</a:t>
             </a:fld>
             <a:endParaRPr lang="en-US"/>
           </a:p>
@@ -3377,7 +3377,7 @@
           <a:p>
             <a:fld id="{8ABDCE5D-2F42-4C45-98AA-7AAD2A36BEC8}" type="datetimeFigureOut">
               <a:rPr lang="en-US" smtClean="0"/>
-              <a:t>4/13/2023</a:t>
+              <a:t>4/14/2023</a:t>
             </a:fld>
             <a:endParaRPr lang="en-US"/>
           </a:p>
@@ -3688,7 +3688,7 @@
           <a:p>
             <a:fld id="{8ABDCE5D-2F42-4C45-98AA-7AAD2A36BEC8}" type="datetimeFigureOut">
               <a:rPr lang="en-US" smtClean="0"/>
-              <a:t>4/13/2023</a:t>
+              <a:t>4/14/2023</a:t>
             </a:fld>
             <a:endParaRPr lang="en-US"/>
           </a:p>
@@ -3976,7 +3976,7 @@
           <a:p>
             <a:fld id="{8ABDCE5D-2F42-4C45-98AA-7AAD2A36BEC8}" type="datetimeFigureOut">
               <a:rPr lang="en-US" smtClean="0"/>
-              <a:t>4/13/2023</a:t>
+              <a:t>4/14/2023</a:t>
             </a:fld>
             <a:endParaRPr lang="en-US"/>
           </a:p>
@@ -4217,7 +4217,7 @@
           <a:p>
             <a:fld id="{8ABDCE5D-2F42-4C45-98AA-7AAD2A36BEC8}" type="datetimeFigureOut">
               <a:rPr lang="en-US" smtClean="0"/>
-              <a:t>4/13/2023</a:t>
+              <a:t>4/14/2023</a:t>
             </a:fld>
             <a:endParaRPr lang="en-US"/>
           </a:p>
@@ -12880,6 +12880,32 @@
             </a:r>
           </a:p>
           <a:p>
+            <a:r>
+              <a:rPr lang="en-US" dirty="0"/>
+              <a:t>Responsive adjustments</a:t>
+            </a:r>
+          </a:p>
+          <a:p>
+            <a:r>
+              <a:rPr lang="en-US" dirty="0"/>
+              <a:t>Reusing backdrop</a:t>
+            </a:r>
+          </a:p>
+          <a:p>
+            <a:r>
+              <a:rPr lang="en-US" dirty="0"/>
+              <a:t>Adding side drawer toggle button</a:t>
+            </a:r>
+          </a:p>
+          <a:p>
+            <a:r>
+              <a:rPr lang="en-US" dirty="0"/>
+              <a:t>Improving performance with </a:t>
+            </a:r>
+            <a:r>
+              <a:rPr lang="en-US" dirty="0" err="1"/>
+              <a:t>shouldcompnentupdate</a:t>
+            </a:r>
             <a:endParaRPr lang="en-US" dirty="0"/>
           </a:p>
         </p:txBody>

--- a/Create-react-app.pptx
+++ b/Create-react-app.pptx
@@ -26,6 +26,9 @@
     <p:sldId id="274" r:id="rId20"/>
     <p:sldId id="275" r:id="rId21"/>
     <p:sldId id="276" r:id="rId22"/>
+    <p:sldId id="277" r:id="rId23"/>
+    <p:sldId id="279" r:id="rId24"/>
+    <p:sldId id="278" r:id="rId25"/>
   </p:sldIdLst>
   <p:sldSz cx="12192000" cy="6858000"/>
   <p:notesSz cx="6858000" cy="9144000"/>
@@ -1567,7 +1570,7 @@
           <a:p>
             <a:fld id="{8ABDCE5D-2F42-4C45-98AA-7AAD2A36BEC8}" type="datetimeFigureOut">
               <a:rPr lang="en-US" smtClean="0"/>
-              <a:t>4/14/2023</a:t>
+              <a:t>4/18/2023</a:t>
             </a:fld>
             <a:endParaRPr lang="en-US"/>
           </a:p>
@@ -1765,7 +1768,7 @@
           <a:p>
             <a:fld id="{8ABDCE5D-2F42-4C45-98AA-7AAD2A36BEC8}" type="datetimeFigureOut">
               <a:rPr lang="en-US" smtClean="0"/>
-              <a:t>4/14/2023</a:t>
+              <a:t>4/18/2023</a:t>
             </a:fld>
             <a:endParaRPr lang="en-US"/>
           </a:p>
@@ -1973,7 +1976,7 @@
           <a:p>
             <a:fld id="{8ABDCE5D-2F42-4C45-98AA-7AAD2A36BEC8}" type="datetimeFigureOut">
               <a:rPr lang="en-US" smtClean="0"/>
-              <a:t>4/14/2023</a:t>
+              <a:t>4/18/2023</a:t>
             </a:fld>
             <a:endParaRPr lang="en-US"/>
           </a:p>
@@ -2171,7 +2174,7 @@
           <a:p>
             <a:fld id="{8ABDCE5D-2F42-4C45-98AA-7AAD2A36BEC8}" type="datetimeFigureOut">
               <a:rPr lang="en-US" smtClean="0"/>
-              <a:t>4/14/2023</a:t>
+              <a:t>4/18/2023</a:t>
             </a:fld>
             <a:endParaRPr lang="en-US"/>
           </a:p>
@@ -2446,7 +2449,7 @@
           <a:p>
             <a:fld id="{8ABDCE5D-2F42-4C45-98AA-7AAD2A36BEC8}" type="datetimeFigureOut">
               <a:rPr lang="en-US" smtClean="0"/>
-              <a:t>4/14/2023</a:t>
+              <a:t>4/18/2023</a:t>
             </a:fld>
             <a:endParaRPr lang="en-US"/>
           </a:p>
@@ -2711,7 +2714,7 @@
           <a:p>
             <a:fld id="{8ABDCE5D-2F42-4C45-98AA-7AAD2A36BEC8}" type="datetimeFigureOut">
               <a:rPr lang="en-US" smtClean="0"/>
-              <a:t>4/14/2023</a:t>
+              <a:t>4/18/2023</a:t>
             </a:fld>
             <a:endParaRPr lang="en-US"/>
           </a:p>
@@ -3123,7 +3126,7 @@
           <a:p>
             <a:fld id="{8ABDCE5D-2F42-4C45-98AA-7AAD2A36BEC8}" type="datetimeFigureOut">
               <a:rPr lang="en-US" smtClean="0"/>
-              <a:t>4/14/2023</a:t>
+              <a:t>4/18/2023</a:t>
             </a:fld>
             <a:endParaRPr lang="en-US"/>
           </a:p>
@@ -3264,7 +3267,7 @@
           <a:p>
             <a:fld id="{8ABDCE5D-2F42-4C45-98AA-7AAD2A36BEC8}" type="datetimeFigureOut">
               <a:rPr lang="en-US" smtClean="0"/>
-              <a:t>4/14/2023</a:t>
+              <a:t>4/18/2023</a:t>
             </a:fld>
             <a:endParaRPr lang="en-US"/>
           </a:p>
@@ -3377,7 +3380,7 @@
           <a:p>
             <a:fld id="{8ABDCE5D-2F42-4C45-98AA-7AAD2A36BEC8}" type="datetimeFigureOut">
               <a:rPr lang="en-US" smtClean="0"/>
-              <a:t>4/14/2023</a:t>
+              <a:t>4/18/2023</a:t>
             </a:fld>
             <a:endParaRPr lang="en-US"/>
           </a:p>
@@ -3688,7 +3691,7 @@
           <a:p>
             <a:fld id="{8ABDCE5D-2F42-4C45-98AA-7AAD2A36BEC8}" type="datetimeFigureOut">
               <a:rPr lang="en-US" smtClean="0"/>
-              <a:t>4/14/2023</a:t>
+              <a:t>4/18/2023</a:t>
             </a:fld>
             <a:endParaRPr lang="en-US"/>
           </a:p>
@@ -3976,7 +3979,7 @@
           <a:p>
             <a:fld id="{8ABDCE5D-2F42-4C45-98AA-7AAD2A36BEC8}" type="datetimeFigureOut">
               <a:rPr lang="en-US" smtClean="0"/>
-              <a:t>4/14/2023</a:t>
+              <a:t>4/18/2023</a:t>
             </a:fld>
             <a:endParaRPr lang="en-US"/>
           </a:p>
@@ -4217,7 +4220,7 @@
           <a:p>
             <a:fld id="{8ABDCE5D-2F42-4C45-98AA-7AAD2A36BEC8}" type="datetimeFigureOut">
               <a:rPr lang="en-US" smtClean="0"/>
-              <a:t>4/14/2023</a:t>
+              <a:t>4/18/2023</a:t>
             </a:fld>
             <a:endParaRPr lang="en-US"/>
           </a:p>
@@ -12923,6 +12926,516 @@
 </p:sld>
 </file>
 
+<file path=ppt/slides/slide22.xml><?xml version="1.0" encoding="utf-8"?>
+<p:sld xmlns:a="http://schemas.openxmlformats.org/drawingml/2006/main" xmlns:r="http://schemas.openxmlformats.org/officeDocument/2006/relationships" xmlns:p="http://schemas.openxmlformats.org/presentationml/2006/main">
+  <p:cSld>
+    <p:spTree>
+      <p:nvGrpSpPr>
+        <p:cNvPr id="1" name=""/>
+        <p:cNvGrpSpPr/>
+        <p:nvPr/>
+      </p:nvGrpSpPr>
+      <p:grpSpPr>
+        <a:xfrm>
+          <a:off x="0" y="0"/>
+          <a:ext cx="0" cy="0"/>
+          <a:chOff x="0" y="0"/>
+          <a:chExt cx="0" cy="0"/>
+        </a:xfrm>
+      </p:grpSpPr>
+      <p:sp>
+        <p:nvSpPr>
+          <p:cNvPr id="2" name="Title 1">
+            <a:extLst>
+              <a:ext uri="{FF2B5EF4-FFF2-40B4-BE49-F238E27FC236}">
+                <a16:creationId xmlns:a16="http://schemas.microsoft.com/office/drawing/2014/main" id="{A4508F7D-6A52-EB5A-A3BF-7C4F974905F5}"/>
+              </a:ext>
+            </a:extLst>
+          </p:cNvPr>
+          <p:cNvSpPr>
+            <a:spLocks noGrp="1"/>
+          </p:cNvSpPr>
+          <p:nvPr>
+            <p:ph type="title"/>
+          </p:nvPr>
+        </p:nvSpPr>
+        <p:spPr/>
+        <p:txBody>
+          <a:bodyPr/>
+          <a:lstStyle/>
+          <a:p>
+            <a:r>
+              <a:rPr lang="en-US" dirty="0"/>
+              <a:t>Http/Ajax</a:t>
+            </a:r>
+          </a:p>
+        </p:txBody>
+      </p:sp>
+      <p:sp>
+        <p:nvSpPr>
+          <p:cNvPr id="3" name="Content Placeholder 2">
+            <a:extLst>
+              <a:ext uri="{FF2B5EF4-FFF2-40B4-BE49-F238E27FC236}">
+                <a16:creationId xmlns:a16="http://schemas.microsoft.com/office/drawing/2014/main" id="{29CC019D-586E-C1ED-779A-62EE3121FFDA}"/>
+              </a:ext>
+            </a:extLst>
+          </p:cNvPr>
+          <p:cNvSpPr>
+            <a:spLocks noGrp="1"/>
+          </p:cNvSpPr>
+          <p:nvPr>
+            <p:ph idx="1"/>
+          </p:nvPr>
+        </p:nvSpPr>
+        <p:spPr/>
+        <p:txBody>
+          <a:bodyPr numCol="2">
+            <a:normAutofit/>
+          </a:bodyPr>
+          <a:lstStyle/>
+          <a:p>
+            <a:r>
+              <a:rPr lang="en-US" dirty="0"/>
+              <a:t>Server------------------</a:t>
+            </a:r>
+            <a:r>
+              <a:rPr lang="en-US" dirty="0">
+                <a:sym typeface="Wingdings" panose="05000000000000000000" pitchFamily="2" charset="2"/>
+              </a:rPr>
+              <a:t> React App</a:t>
+            </a:r>
+          </a:p>
+          <a:p>
+            <a:r>
+              <a:rPr lang="en-US" dirty="0">
+                <a:sym typeface="Wingdings" panose="05000000000000000000" pitchFamily="2" charset="2"/>
+              </a:rPr>
+              <a:t>JSON Data</a:t>
+            </a:r>
+          </a:p>
+          <a:p>
+            <a:r>
+              <a:rPr lang="en-US" dirty="0">
+                <a:sym typeface="Wingdings" panose="05000000000000000000" pitchFamily="2" charset="2"/>
+              </a:rPr>
+              <a:t>Intro </a:t>
+            </a:r>
+            <a:r>
+              <a:rPr lang="en-US" dirty="0" err="1">
+                <a:sym typeface="Wingdings" panose="05000000000000000000" pitchFamily="2" charset="2"/>
+              </a:rPr>
+              <a:t>axios</a:t>
+            </a:r>
+            <a:endParaRPr lang="en-US" dirty="0">
+              <a:sym typeface="Wingdings" panose="05000000000000000000" pitchFamily="2" charset="2"/>
+            </a:endParaRPr>
+          </a:p>
+          <a:p>
+            <a:r>
+              <a:rPr lang="en-US" dirty="0">
+                <a:sym typeface="Wingdings" panose="05000000000000000000" pitchFamily="2" charset="2"/>
+              </a:rPr>
+              <a:t>Sending a get request</a:t>
+            </a:r>
+          </a:p>
+          <a:p>
+            <a:r>
+              <a:rPr lang="en-US" dirty="0">
+                <a:sym typeface="Wingdings" panose="05000000000000000000" pitchFamily="2" charset="2"/>
+              </a:rPr>
+              <a:t>Rendering fetched data</a:t>
+            </a:r>
+          </a:p>
+          <a:p>
+            <a:r>
+              <a:rPr lang="en-US" dirty="0">
+                <a:sym typeface="Wingdings" panose="05000000000000000000" pitchFamily="2" charset="2"/>
+              </a:rPr>
+              <a:t>Transform and adjust fetched data</a:t>
+            </a:r>
+          </a:p>
+          <a:p>
+            <a:r>
+              <a:rPr lang="en-US" dirty="0">
+                <a:sym typeface="Wingdings" panose="05000000000000000000" pitchFamily="2" charset="2"/>
+              </a:rPr>
+              <a:t>Making the post selectable</a:t>
+            </a:r>
+          </a:p>
+          <a:p>
+            <a:r>
+              <a:rPr lang="en-US" dirty="0">
+                <a:sym typeface="Wingdings" panose="05000000000000000000" pitchFamily="2" charset="2"/>
+              </a:rPr>
+              <a:t>http requests on update</a:t>
+            </a:r>
+          </a:p>
+          <a:p>
+            <a:r>
+              <a:rPr lang="en-US" dirty="0">
+                <a:sym typeface="Wingdings" panose="05000000000000000000" pitchFamily="2" charset="2"/>
+              </a:rPr>
+              <a:t>Posting data to server</a:t>
+            </a:r>
+          </a:p>
+          <a:p>
+            <a:r>
+              <a:rPr lang="en-US" dirty="0">
+                <a:sym typeface="Wingdings" panose="05000000000000000000" pitchFamily="2" charset="2"/>
+              </a:rPr>
+              <a:t>Sending a delete request</a:t>
+            </a:r>
+          </a:p>
+          <a:p>
+            <a:r>
+              <a:rPr lang="en-US" dirty="0">
+                <a:sym typeface="Wingdings" panose="05000000000000000000" pitchFamily="2" charset="2"/>
+              </a:rPr>
+              <a:t>Handling errors locally</a:t>
+            </a:r>
+          </a:p>
+          <a:p>
+            <a:r>
+              <a:rPr lang="en-US" dirty="0">
+                <a:sym typeface="Wingdings" panose="05000000000000000000" pitchFamily="2" charset="2"/>
+              </a:rPr>
+              <a:t>Interceptors</a:t>
+            </a:r>
+          </a:p>
+          <a:p>
+            <a:r>
+              <a:rPr lang="en-US" dirty="0">
+                <a:sym typeface="Wingdings" panose="05000000000000000000" pitchFamily="2" charset="2"/>
+              </a:rPr>
+              <a:t>Setting a default global configuration for </a:t>
+            </a:r>
+            <a:r>
+              <a:rPr lang="en-US" dirty="0" err="1">
+                <a:sym typeface="Wingdings" panose="05000000000000000000" pitchFamily="2" charset="2"/>
+              </a:rPr>
+              <a:t>axios</a:t>
+            </a:r>
+            <a:endParaRPr lang="en-US" dirty="0">
+              <a:sym typeface="Wingdings" panose="05000000000000000000" pitchFamily="2" charset="2"/>
+            </a:endParaRPr>
+          </a:p>
+          <a:p>
+            <a:r>
+              <a:rPr lang="en-US" dirty="0" err="1">
+                <a:sym typeface="Wingdings" panose="05000000000000000000" pitchFamily="2" charset="2"/>
+              </a:rPr>
+              <a:t>Axios</a:t>
+            </a:r>
+            <a:r>
+              <a:rPr lang="en-US" dirty="0">
+                <a:sym typeface="Wingdings" panose="05000000000000000000" pitchFamily="2" charset="2"/>
+              </a:rPr>
+              <a:t> instances</a:t>
+            </a:r>
+          </a:p>
+        </p:txBody>
+      </p:sp>
+    </p:spTree>
+    <p:extLst>
+      <p:ext uri="{BB962C8B-B14F-4D97-AF65-F5344CB8AC3E}">
+        <p14:creationId xmlns:p14="http://schemas.microsoft.com/office/powerpoint/2010/main" val="235158424"/>
+      </p:ext>
+    </p:extLst>
+  </p:cSld>
+  <p:clrMapOvr>
+    <a:masterClrMapping/>
+  </p:clrMapOvr>
+</p:sld>
+</file>
+
+<file path=ppt/slides/slide23.xml><?xml version="1.0" encoding="utf-8"?>
+<p:sld xmlns:a="http://schemas.openxmlformats.org/drawingml/2006/main" xmlns:r="http://schemas.openxmlformats.org/officeDocument/2006/relationships" xmlns:p="http://schemas.openxmlformats.org/presentationml/2006/main">
+  <p:cSld>
+    <p:spTree>
+      <p:nvGrpSpPr>
+        <p:cNvPr id="1" name=""/>
+        <p:cNvGrpSpPr/>
+        <p:nvPr/>
+      </p:nvGrpSpPr>
+      <p:grpSpPr>
+        <a:xfrm>
+          <a:off x="0" y="0"/>
+          <a:ext cx="0" cy="0"/>
+          <a:chOff x="0" y="0"/>
+          <a:chExt cx="0" cy="0"/>
+        </a:xfrm>
+      </p:grpSpPr>
+      <p:sp>
+        <p:nvSpPr>
+          <p:cNvPr id="2" name="Title 1">
+            <a:extLst>
+              <a:ext uri="{FF2B5EF4-FFF2-40B4-BE49-F238E27FC236}">
+                <a16:creationId xmlns:a16="http://schemas.microsoft.com/office/drawing/2014/main" id="{54D5951B-DA5E-4D4C-F358-B1D623A454F9}"/>
+              </a:ext>
+            </a:extLst>
+          </p:cNvPr>
+          <p:cNvSpPr>
+            <a:spLocks noGrp="1"/>
+          </p:cNvSpPr>
+          <p:nvPr>
+            <p:ph type="title"/>
+          </p:nvPr>
+        </p:nvSpPr>
+        <p:spPr/>
+        <p:txBody>
+          <a:bodyPr/>
+          <a:lstStyle/>
+          <a:p>
+            <a:r>
+              <a:rPr lang="en-US" dirty="0"/>
+              <a:t>Component Lifecycle – Update(triggered by Parent)</a:t>
+            </a:r>
+          </a:p>
+        </p:txBody>
+      </p:sp>
+      <p:sp>
+        <p:nvSpPr>
+          <p:cNvPr id="3" name="Content Placeholder 2">
+            <a:extLst>
+              <a:ext uri="{FF2B5EF4-FFF2-40B4-BE49-F238E27FC236}">
+                <a16:creationId xmlns:a16="http://schemas.microsoft.com/office/drawing/2014/main" id="{A017383E-71FA-5498-2D43-055D81D437C6}"/>
+              </a:ext>
+            </a:extLst>
+          </p:cNvPr>
+          <p:cNvSpPr>
+            <a:spLocks noGrp="1"/>
+          </p:cNvSpPr>
+          <p:nvPr>
+            <p:ph idx="1"/>
+          </p:nvPr>
+        </p:nvSpPr>
+        <p:spPr/>
+        <p:txBody>
+          <a:bodyPr/>
+          <a:lstStyle/>
+          <a:p>
+            <a:pPr marL="0" indent="0">
+              <a:buNone/>
+            </a:pPr>
+            <a:r>
+              <a:rPr lang="en-US" dirty="0" err="1"/>
+              <a:t>componentWillReceiveProps</a:t>
+            </a:r>
+            <a:r>
+              <a:rPr lang="en-US" dirty="0"/>
+              <a:t>(</a:t>
+            </a:r>
+            <a:r>
+              <a:rPr lang="en-US" dirty="0" err="1"/>
+              <a:t>nextProps</a:t>
+            </a:r>
+            <a:r>
+              <a:rPr lang="en-US" dirty="0"/>
+              <a:t>)</a:t>
+            </a:r>
+            <a:r>
+              <a:rPr lang="en-US" dirty="0">
+                <a:sym typeface="Wingdings" panose="05000000000000000000" pitchFamily="2" charset="2"/>
+              </a:rPr>
+              <a:t></a:t>
+            </a:r>
+            <a:r>
+              <a:rPr lang="en-US" dirty="0" err="1">
+                <a:sym typeface="Wingdings" panose="05000000000000000000" pitchFamily="2" charset="2"/>
+              </a:rPr>
+              <a:t>shouldComponentUpdate</a:t>
+            </a:r>
+            <a:r>
+              <a:rPr lang="en-US" dirty="0">
+                <a:sym typeface="Wingdings" panose="05000000000000000000" pitchFamily="2" charset="2"/>
+              </a:rPr>
+              <a:t>(</a:t>
+            </a:r>
+            <a:r>
+              <a:rPr lang="en-US" dirty="0" err="1">
+                <a:sym typeface="Wingdings" panose="05000000000000000000" pitchFamily="2" charset="2"/>
+              </a:rPr>
+              <a:t>nextProps,nextState</a:t>
+            </a:r>
+            <a:r>
+              <a:rPr lang="en-US" dirty="0">
+                <a:sym typeface="Wingdings" panose="05000000000000000000" pitchFamily="2" charset="2"/>
+              </a:rPr>
+              <a:t>)</a:t>
+            </a:r>
+            <a:r>
+              <a:rPr lang="en-US" dirty="0" err="1">
+                <a:sym typeface="Wingdings" panose="05000000000000000000" pitchFamily="2" charset="2"/>
+              </a:rPr>
+              <a:t>componetWillUpdate</a:t>
+            </a:r>
+            <a:r>
+              <a:rPr lang="en-US" dirty="0">
+                <a:sym typeface="Wingdings" panose="05000000000000000000" pitchFamily="2" charset="2"/>
+              </a:rPr>
+              <a:t>(</a:t>
+            </a:r>
+            <a:r>
+              <a:rPr lang="en-US" dirty="0" err="1">
+                <a:sym typeface="Wingdings" panose="05000000000000000000" pitchFamily="2" charset="2"/>
+              </a:rPr>
+              <a:t>nextProps,nextState</a:t>
+            </a:r>
+            <a:r>
+              <a:rPr lang="en-US" dirty="0">
+                <a:sym typeface="Wingdings" panose="05000000000000000000" pitchFamily="2" charset="2"/>
+              </a:rPr>
+              <a:t>)render()</a:t>
+            </a:r>
+            <a:r>
+              <a:rPr lang="en-US" dirty="0" err="1">
+                <a:sym typeface="Wingdings" panose="05000000000000000000" pitchFamily="2" charset="2"/>
+              </a:rPr>
+              <a:t>UpdateChildComponentPropscomponentDidUpdate</a:t>
+            </a:r>
+            <a:r>
+              <a:rPr lang="en-US" dirty="0">
+                <a:sym typeface="Wingdings" panose="05000000000000000000" pitchFamily="2" charset="2"/>
+              </a:rPr>
+              <a:t>()</a:t>
+            </a:r>
+            <a:endParaRPr lang="en-US" dirty="0"/>
+          </a:p>
+        </p:txBody>
+      </p:sp>
+    </p:spTree>
+    <p:extLst>
+      <p:ext uri="{BB962C8B-B14F-4D97-AF65-F5344CB8AC3E}">
+        <p14:creationId xmlns:p14="http://schemas.microsoft.com/office/powerpoint/2010/main" val="3859349807"/>
+      </p:ext>
+    </p:extLst>
+  </p:cSld>
+  <p:clrMapOvr>
+    <a:masterClrMapping/>
+  </p:clrMapOvr>
+</p:sld>
+</file>
+
+<file path=ppt/slides/slide24.xml><?xml version="1.0" encoding="utf-8"?>
+<p:sld xmlns:a="http://schemas.openxmlformats.org/drawingml/2006/main" xmlns:r="http://schemas.openxmlformats.org/officeDocument/2006/relationships" xmlns:p="http://schemas.openxmlformats.org/presentationml/2006/main">
+  <p:cSld>
+    <p:spTree>
+      <p:nvGrpSpPr>
+        <p:cNvPr id="1" name=""/>
+        <p:cNvGrpSpPr/>
+        <p:nvPr/>
+      </p:nvGrpSpPr>
+      <p:grpSpPr>
+        <a:xfrm>
+          <a:off x="0" y="0"/>
+          <a:ext cx="0" cy="0"/>
+          <a:chOff x="0" y="0"/>
+          <a:chExt cx="0" cy="0"/>
+        </a:xfrm>
+      </p:grpSpPr>
+      <p:sp>
+        <p:nvSpPr>
+          <p:cNvPr id="2" name="Title 1">
+            <a:extLst>
+              <a:ext uri="{FF2B5EF4-FFF2-40B4-BE49-F238E27FC236}">
+                <a16:creationId xmlns:a16="http://schemas.microsoft.com/office/drawing/2014/main" id="{3D33FACA-9123-BE97-9E36-8CAFA2CFC2DC}"/>
+              </a:ext>
+            </a:extLst>
+          </p:cNvPr>
+          <p:cNvSpPr>
+            <a:spLocks noGrp="1"/>
+          </p:cNvSpPr>
+          <p:nvPr>
+            <p:ph type="title"/>
+          </p:nvPr>
+        </p:nvSpPr>
+        <p:spPr/>
+        <p:txBody>
+          <a:bodyPr/>
+          <a:lstStyle/>
+          <a:p>
+            <a:r>
+              <a:rPr lang="en-US" dirty="0"/>
+              <a:t>Component Lifecycle - Creation</a:t>
+            </a:r>
+          </a:p>
+        </p:txBody>
+      </p:sp>
+      <p:sp>
+        <p:nvSpPr>
+          <p:cNvPr id="3" name="Content Placeholder 2">
+            <a:extLst>
+              <a:ext uri="{FF2B5EF4-FFF2-40B4-BE49-F238E27FC236}">
+                <a16:creationId xmlns:a16="http://schemas.microsoft.com/office/drawing/2014/main" id="{B2E1D6C2-9B59-97EE-5162-9BCFF6BE36E7}"/>
+              </a:ext>
+            </a:extLst>
+          </p:cNvPr>
+          <p:cNvSpPr>
+            <a:spLocks noGrp="1"/>
+          </p:cNvSpPr>
+          <p:nvPr>
+            <p:ph idx="1"/>
+          </p:nvPr>
+        </p:nvSpPr>
+        <p:spPr/>
+        <p:txBody>
+          <a:bodyPr/>
+          <a:lstStyle/>
+          <a:p>
+            <a:pPr marL="0" indent="0">
+              <a:buNone/>
+            </a:pPr>
+            <a:r>
+              <a:rPr lang="en-US" dirty="0"/>
+              <a:t>Constructor(props)</a:t>
+            </a:r>
+            <a:r>
+              <a:rPr lang="en-US" dirty="0">
+                <a:sym typeface="Wingdings" panose="05000000000000000000" pitchFamily="2" charset="2"/>
+              </a:rPr>
+              <a:t></a:t>
+            </a:r>
+            <a:r>
+              <a:rPr lang="en-US" dirty="0" err="1">
+                <a:sym typeface="Wingdings" panose="05000000000000000000" pitchFamily="2" charset="2"/>
+              </a:rPr>
+              <a:t>componentWillMount</a:t>
+            </a:r>
+            <a:r>
+              <a:rPr lang="en-US" dirty="0">
+                <a:sym typeface="Wingdings" panose="05000000000000000000" pitchFamily="2" charset="2"/>
+              </a:rPr>
+              <a:t>()render()Render Child </a:t>
+            </a:r>
+            <a:r>
+              <a:rPr lang="en-US" dirty="0" err="1">
+                <a:sym typeface="Wingdings" panose="05000000000000000000" pitchFamily="2" charset="2"/>
+              </a:rPr>
+              <a:t>ComponentsComponentDidMount</a:t>
+            </a:r>
+            <a:r>
+              <a:rPr lang="en-US" dirty="0">
+                <a:sym typeface="Wingdings" panose="05000000000000000000" pitchFamily="2" charset="2"/>
+              </a:rPr>
+              <a:t>()</a:t>
+            </a:r>
+            <a:endParaRPr lang="en-US" dirty="0"/>
+          </a:p>
+        </p:txBody>
+      </p:sp>
+    </p:spTree>
+    <p:extLst>
+      <p:ext uri="{BB962C8B-B14F-4D97-AF65-F5344CB8AC3E}">
+        <p14:creationId xmlns:p14="http://schemas.microsoft.com/office/powerpoint/2010/main" val="643594599"/>
+      </p:ext>
+    </p:extLst>
+  </p:cSld>
+  <p:clrMapOvr>
+    <a:masterClrMapping/>
+  </p:clrMapOvr>
+</p:sld>
+</file>
+
 <file path=ppt/slides/slide3.xml><?xml version="1.0" encoding="utf-8"?>
 <p:sld xmlns:a="http://schemas.openxmlformats.org/drawingml/2006/main" xmlns:r="http://schemas.openxmlformats.org/officeDocument/2006/relationships" xmlns:p="http://schemas.openxmlformats.org/presentationml/2006/main">
   <p:cSld>

--- a/Create-react-app.pptx
+++ b/Create-react-app.pptx
@@ -29,6 +29,7 @@
     <p:sldId id="277" r:id="rId23"/>
     <p:sldId id="279" r:id="rId24"/>
     <p:sldId id="278" r:id="rId25"/>
+    <p:sldId id="280" r:id="rId26"/>
   </p:sldIdLst>
   <p:sldSz cx="12192000" cy="6858000"/>
   <p:notesSz cx="6858000" cy="9144000"/>
@@ -1570,7 +1571,7 @@
           <a:p>
             <a:fld id="{8ABDCE5D-2F42-4C45-98AA-7AAD2A36BEC8}" type="datetimeFigureOut">
               <a:rPr lang="en-US" smtClean="0"/>
-              <a:t>4/18/2023</a:t>
+              <a:t>4/19/2023</a:t>
             </a:fld>
             <a:endParaRPr lang="en-US"/>
           </a:p>
@@ -1768,7 +1769,7 @@
           <a:p>
             <a:fld id="{8ABDCE5D-2F42-4C45-98AA-7AAD2A36BEC8}" type="datetimeFigureOut">
               <a:rPr lang="en-US" smtClean="0"/>
-              <a:t>4/18/2023</a:t>
+              <a:t>4/19/2023</a:t>
             </a:fld>
             <a:endParaRPr lang="en-US"/>
           </a:p>
@@ -1976,7 +1977,7 @@
           <a:p>
             <a:fld id="{8ABDCE5D-2F42-4C45-98AA-7AAD2A36BEC8}" type="datetimeFigureOut">
               <a:rPr lang="en-US" smtClean="0"/>
-              <a:t>4/18/2023</a:t>
+              <a:t>4/19/2023</a:t>
             </a:fld>
             <a:endParaRPr lang="en-US"/>
           </a:p>
@@ -2174,7 +2175,7 @@
           <a:p>
             <a:fld id="{8ABDCE5D-2F42-4C45-98AA-7AAD2A36BEC8}" type="datetimeFigureOut">
               <a:rPr lang="en-US" smtClean="0"/>
-              <a:t>4/18/2023</a:t>
+              <a:t>4/19/2023</a:t>
             </a:fld>
             <a:endParaRPr lang="en-US"/>
           </a:p>
@@ -2449,7 +2450,7 @@
           <a:p>
             <a:fld id="{8ABDCE5D-2F42-4C45-98AA-7AAD2A36BEC8}" type="datetimeFigureOut">
               <a:rPr lang="en-US" smtClean="0"/>
-              <a:t>4/18/2023</a:t>
+              <a:t>4/19/2023</a:t>
             </a:fld>
             <a:endParaRPr lang="en-US"/>
           </a:p>
@@ -2714,7 +2715,7 @@
           <a:p>
             <a:fld id="{8ABDCE5D-2F42-4C45-98AA-7AAD2A36BEC8}" type="datetimeFigureOut">
               <a:rPr lang="en-US" smtClean="0"/>
-              <a:t>4/18/2023</a:t>
+              <a:t>4/19/2023</a:t>
             </a:fld>
             <a:endParaRPr lang="en-US"/>
           </a:p>
@@ -3126,7 +3127,7 @@
           <a:p>
             <a:fld id="{8ABDCE5D-2F42-4C45-98AA-7AAD2A36BEC8}" type="datetimeFigureOut">
               <a:rPr lang="en-US" smtClean="0"/>
-              <a:t>4/18/2023</a:t>
+              <a:t>4/19/2023</a:t>
             </a:fld>
             <a:endParaRPr lang="en-US"/>
           </a:p>
@@ -3267,7 +3268,7 @@
           <a:p>
             <a:fld id="{8ABDCE5D-2F42-4C45-98AA-7AAD2A36BEC8}" type="datetimeFigureOut">
               <a:rPr lang="en-US" smtClean="0"/>
-              <a:t>4/18/2023</a:t>
+              <a:t>4/19/2023</a:t>
             </a:fld>
             <a:endParaRPr lang="en-US"/>
           </a:p>
@@ -3380,7 +3381,7 @@
           <a:p>
             <a:fld id="{8ABDCE5D-2F42-4C45-98AA-7AAD2A36BEC8}" type="datetimeFigureOut">
               <a:rPr lang="en-US" smtClean="0"/>
-              <a:t>4/18/2023</a:t>
+              <a:t>4/19/2023</a:t>
             </a:fld>
             <a:endParaRPr lang="en-US"/>
           </a:p>
@@ -3691,7 +3692,7 @@
           <a:p>
             <a:fld id="{8ABDCE5D-2F42-4C45-98AA-7AAD2A36BEC8}" type="datetimeFigureOut">
               <a:rPr lang="en-US" smtClean="0"/>
-              <a:t>4/18/2023</a:t>
+              <a:t>4/19/2023</a:t>
             </a:fld>
             <a:endParaRPr lang="en-US"/>
           </a:p>
@@ -3979,7 +3980,7 @@
           <a:p>
             <a:fld id="{8ABDCE5D-2F42-4C45-98AA-7AAD2A36BEC8}" type="datetimeFigureOut">
               <a:rPr lang="en-US" smtClean="0"/>
-              <a:t>4/18/2023</a:t>
+              <a:t>4/19/2023</a:t>
             </a:fld>
             <a:endParaRPr lang="en-US"/>
           </a:p>
@@ -4220,7 +4221,7 @@
           <a:p>
             <a:fld id="{8ABDCE5D-2F42-4C45-98AA-7AAD2A36BEC8}" type="datetimeFigureOut">
               <a:rPr lang="en-US" smtClean="0"/>
-              <a:t>4/18/2023</a:t>
+              <a:t>4/19/2023</a:t>
             </a:fld>
             <a:endParaRPr lang="en-US"/>
           </a:p>
@@ -13436,6 +13437,134 @@
 </p:sld>
 </file>
 
+<file path=ppt/slides/slide25.xml><?xml version="1.0" encoding="utf-8"?>
+<p:sld xmlns:a="http://schemas.openxmlformats.org/drawingml/2006/main" xmlns:r="http://schemas.openxmlformats.org/officeDocument/2006/relationships" xmlns:p="http://schemas.openxmlformats.org/presentationml/2006/main">
+  <p:cSld>
+    <p:spTree>
+      <p:nvGrpSpPr>
+        <p:cNvPr id="1" name=""/>
+        <p:cNvGrpSpPr/>
+        <p:nvPr/>
+      </p:nvGrpSpPr>
+      <p:grpSpPr>
+        <a:xfrm>
+          <a:off x="0" y="0"/>
+          <a:ext cx="0" cy="0"/>
+          <a:chOff x="0" y="0"/>
+          <a:chExt cx="0" cy="0"/>
+        </a:xfrm>
+      </p:grpSpPr>
+      <p:sp>
+        <p:nvSpPr>
+          <p:cNvPr id="2" name="Title 1">
+            <a:extLst>
+              <a:ext uri="{FF2B5EF4-FFF2-40B4-BE49-F238E27FC236}">
+                <a16:creationId xmlns:a16="http://schemas.microsoft.com/office/drawing/2014/main" id="{F6FD47C0-B5AE-437C-AC86-7006DFA0853A}"/>
+              </a:ext>
+            </a:extLst>
+          </p:cNvPr>
+          <p:cNvSpPr>
+            <a:spLocks noGrp="1"/>
+          </p:cNvSpPr>
+          <p:nvPr>
+            <p:ph type="title"/>
+          </p:nvPr>
+        </p:nvSpPr>
+        <p:spPr/>
+        <p:txBody>
+          <a:bodyPr/>
+          <a:lstStyle/>
+          <a:p>
+            <a:r>
+              <a:rPr lang="en-US" dirty="0" err="1"/>
+              <a:t>HttpProject</a:t>
+            </a:r>
+            <a:endParaRPr lang="en-US" dirty="0"/>
+          </a:p>
+        </p:txBody>
+      </p:sp>
+      <p:sp>
+        <p:nvSpPr>
+          <p:cNvPr id="3" name="Content Placeholder 2">
+            <a:extLst>
+              <a:ext uri="{FF2B5EF4-FFF2-40B4-BE49-F238E27FC236}">
+                <a16:creationId xmlns:a16="http://schemas.microsoft.com/office/drawing/2014/main" id="{8FD62ADA-2995-09CE-6DAA-54EFCDD594D4}"/>
+              </a:ext>
+            </a:extLst>
+          </p:cNvPr>
+          <p:cNvSpPr>
+            <a:spLocks noGrp="1"/>
+          </p:cNvSpPr>
+          <p:nvPr>
+            <p:ph idx="1"/>
+          </p:nvPr>
+        </p:nvSpPr>
+        <p:spPr/>
+        <p:txBody>
+          <a:bodyPr/>
+          <a:lstStyle/>
+          <a:p>
+            <a:r>
+              <a:rPr lang="en-US" dirty="0"/>
+              <a:t>Creating the firebase project</a:t>
+            </a:r>
+          </a:p>
+          <a:p>
+            <a:r>
+              <a:rPr lang="en-US" dirty="0"/>
+              <a:t>Creating the </a:t>
+            </a:r>
+            <a:r>
+              <a:rPr lang="en-US" dirty="0" err="1"/>
+              <a:t>axios</a:t>
+            </a:r>
+            <a:r>
+              <a:rPr lang="en-US" dirty="0"/>
+              <a:t> instance</a:t>
+            </a:r>
+          </a:p>
+          <a:p>
+            <a:r>
+              <a:rPr lang="en-US" dirty="0"/>
+              <a:t>Sending a post request</a:t>
+            </a:r>
+          </a:p>
+          <a:p>
+            <a:r>
+              <a:rPr lang="en-US" dirty="0"/>
+              <a:t>Showing spinner while sending a request</a:t>
+            </a:r>
+          </a:p>
+          <a:p>
+            <a:r>
+              <a:rPr lang="en-US" dirty="0"/>
+              <a:t>Handling errors with a hoc</a:t>
+            </a:r>
+          </a:p>
+          <a:p>
+            <a:r>
+              <a:rPr lang="en-US" dirty="0"/>
+              <a:t>Getting data from the backend</a:t>
+            </a:r>
+          </a:p>
+          <a:p>
+            <a:endParaRPr lang="en-US" dirty="0"/>
+          </a:p>
+        </p:txBody>
+      </p:sp>
+    </p:spTree>
+    <p:extLst>
+      <p:ext uri="{BB962C8B-B14F-4D97-AF65-F5344CB8AC3E}">
+        <p14:creationId xmlns:p14="http://schemas.microsoft.com/office/powerpoint/2010/main" val="3351512102"/>
+      </p:ext>
+    </p:extLst>
+  </p:cSld>
+  <p:clrMapOvr>
+    <a:masterClrMapping/>
+  </p:clrMapOvr>
+</p:sld>
+</file>
+
 <file path=ppt/slides/slide3.xml><?xml version="1.0" encoding="utf-8"?>
 <p:sld xmlns:a="http://schemas.openxmlformats.org/drawingml/2006/main" xmlns:r="http://schemas.openxmlformats.org/officeDocument/2006/relationships" xmlns:p="http://schemas.openxmlformats.org/presentationml/2006/main">
   <p:cSld>

--- a/Create-react-app.pptx
+++ b/Create-react-app.pptx
@@ -30,6 +30,8 @@
     <p:sldId id="279" r:id="rId24"/>
     <p:sldId id="278" r:id="rId25"/>
     <p:sldId id="280" r:id="rId26"/>
+    <p:sldId id="282" r:id="rId27"/>
+    <p:sldId id="281" r:id="rId28"/>
   </p:sldIdLst>
   <p:sldSz cx="12192000" cy="6858000"/>
   <p:notesSz cx="6858000" cy="9144000"/>
@@ -1571,7 +1573,7 @@
           <a:p>
             <a:fld id="{8ABDCE5D-2F42-4C45-98AA-7AAD2A36BEC8}" type="datetimeFigureOut">
               <a:rPr lang="en-US" smtClean="0"/>
-              <a:t>4/19/2023</a:t>
+              <a:t>4/21/2023</a:t>
             </a:fld>
             <a:endParaRPr lang="en-US"/>
           </a:p>
@@ -1769,7 +1771,7 @@
           <a:p>
             <a:fld id="{8ABDCE5D-2F42-4C45-98AA-7AAD2A36BEC8}" type="datetimeFigureOut">
               <a:rPr lang="en-US" smtClean="0"/>
-              <a:t>4/19/2023</a:t>
+              <a:t>4/21/2023</a:t>
             </a:fld>
             <a:endParaRPr lang="en-US"/>
           </a:p>
@@ -1977,7 +1979,7 @@
           <a:p>
             <a:fld id="{8ABDCE5D-2F42-4C45-98AA-7AAD2A36BEC8}" type="datetimeFigureOut">
               <a:rPr lang="en-US" smtClean="0"/>
-              <a:t>4/19/2023</a:t>
+              <a:t>4/21/2023</a:t>
             </a:fld>
             <a:endParaRPr lang="en-US"/>
           </a:p>
@@ -2175,7 +2177,7 @@
           <a:p>
             <a:fld id="{8ABDCE5D-2F42-4C45-98AA-7AAD2A36BEC8}" type="datetimeFigureOut">
               <a:rPr lang="en-US" smtClean="0"/>
-              <a:t>4/19/2023</a:t>
+              <a:t>4/21/2023</a:t>
             </a:fld>
             <a:endParaRPr lang="en-US"/>
           </a:p>
@@ -2450,7 +2452,7 @@
           <a:p>
             <a:fld id="{8ABDCE5D-2F42-4C45-98AA-7AAD2A36BEC8}" type="datetimeFigureOut">
               <a:rPr lang="en-US" smtClean="0"/>
-              <a:t>4/19/2023</a:t>
+              <a:t>4/21/2023</a:t>
             </a:fld>
             <a:endParaRPr lang="en-US"/>
           </a:p>
@@ -2715,7 +2717,7 @@
           <a:p>
             <a:fld id="{8ABDCE5D-2F42-4C45-98AA-7AAD2A36BEC8}" type="datetimeFigureOut">
               <a:rPr lang="en-US" smtClean="0"/>
-              <a:t>4/19/2023</a:t>
+              <a:t>4/21/2023</a:t>
             </a:fld>
             <a:endParaRPr lang="en-US"/>
           </a:p>
@@ -3127,7 +3129,7 @@
           <a:p>
             <a:fld id="{8ABDCE5D-2F42-4C45-98AA-7AAD2A36BEC8}" type="datetimeFigureOut">
               <a:rPr lang="en-US" smtClean="0"/>
-              <a:t>4/19/2023</a:t>
+              <a:t>4/21/2023</a:t>
             </a:fld>
             <a:endParaRPr lang="en-US"/>
           </a:p>
@@ -3268,7 +3270,7 @@
           <a:p>
             <a:fld id="{8ABDCE5D-2F42-4C45-98AA-7AAD2A36BEC8}" type="datetimeFigureOut">
               <a:rPr lang="en-US" smtClean="0"/>
-              <a:t>4/19/2023</a:t>
+              <a:t>4/21/2023</a:t>
             </a:fld>
             <a:endParaRPr lang="en-US"/>
           </a:p>
@@ -3381,7 +3383,7 @@
           <a:p>
             <a:fld id="{8ABDCE5D-2F42-4C45-98AA-7AAD2A36BEC8}" type="datetimeFigureOut">
               <a:rPr lang="en-US" smtClean="0"/>
-              <a:t>4/19/2023</a:t>
+              <a:t>4/21/2023</a:t>
             </a:fld>
             <a:endParaRPr lang="en-US"/>
           </a:p>
@@ -3692,7 +3694,7 @@
           <a:p>
             <a:fld id="{8ABDCE5D-2F42-4C45-98AA-7AAD2A36BEC8}" type="datetimeFigureOut">
               <a:rPr lang="en-US" smtClean="0"/>
-              <a:t>4/19/2023</a:t>
+              <a:t>4/21/2023</a:t>
             </a:fld>
             <a:endParaRPr lang="en-US"/>
           </a:p>
@@ -3980,7 +3982,7 @@
           <a:p>
             <a:fld id="{8ABDCE5D-2F42-4C45-98AA-7AAD2A36BEC8}" type="datetimeFigureOut">
               <a:rPr lang="en-US" smtClean="0"/>
-              <a:t>4/19/2023</a:t>
+              <a:t>4/21/2023</a:t>
             </a:fld>
             <a:endParaRPr lang="en-US"/>
           </a:p>
@@ -4221,7 +4223,7 @@
           <a:p>
             <a:fld id="{8ABDCE5D-2F42-4C45-98AA-7AAD2A36BEC8}" type="datetimeFigureOut">
               <a:rPr lang="en-US" smtClean="0"/>
-              <a:t>4/19/2023</a:t>
+              <a:t>4/21/2023</a:t>
             </a:fld>
             <a:endParaRPr lang="en-US"/>
           </a:p>
@@ -13548,7 +13550,10 @@
             </a:r>
           </a:p>
           <a:p>
-            <a:endParaRPr lang="en-US" dirty="0"/>
+            <a:r>
+              <a:rPr lang="en-US" dirty="0"/>
+              <a:t>Removing old interceptors</a:t>
+            </a:r>
           </a:p>
         </p:txBody>
       </p:sp>
@@ -13556,6 +13561,1060 @@
     <p:extLst>
       <p:ext uri="{BB962C8B-B14F-4D97-AF65-F5344CB8AC3E}">
         <p14:creationId xmlns:p14="http://schemas.microsoft.com/office/powerpoint/2010/main" val="3351512102"/>
+      </p:ext>
+    </p:extLst>
+  </p:cSld>
+  <p:clrMapOvr>
+    <a:masterClrMapping/>
+  </p:clrMapOvr>
+</p:sld>
+</file>
+
+<file path=ppt/slides/slide26.xml><?xml version="1.0" encoding="utf-8"?>
+<p:sld xmlns:a="http://schemas.openxmlformats.org/drawingml/2006/main" xmlns:r="http://schemas.openxmlformats.org/officeDocument/2006/relationships" xmlns:p="http://schemas.openxmlformats.org/presentationml/2006/main">
+  <p:cSld>
+    <p:spTree>
+      <p:nvGrpSpPr>
+        <p:cNvPr id="1" name=""/>
+        <p:cNvGrpSpPr/>
+        <p:nvPr/>
+      </p:nvGrpSpPr>
+      <p:grpSpPr>
+        <a:xfrm>
+          <a:off x="0" y="0"/>
+          <a:ext cx="0" cy="0"/>
+          <a:chOff x="0" y="0"/>
+          <a:chExt cx="0" cy="0"/>
+        </a:xfrm>
+      </p:grpSpPr>
+      <p:sp>
+        <p:nvSpPr>
+          <p:cNvPr id="2" name="Title 1">
+            <a:extLst>
+              <a:ext uri="{FF2B5EF4-FFF2-40B4-BE49-F238E27FC236}">
+                <a16:creationId xmlns:a16="http://schemas.microsoft.com/office/drawing/2014/main" id="{1EB30D8F-6002-5AA8-5309-067F3C381DA4}"/>
+              </a:ext>
+            </a:extLst>
+          </p:cNvPr>
+          <p:cNvSpPr>
+            <a:spLocks noGrp="1"/>
+          </p:cNvSpPr>
+          <p:nvPr>
+            <p:ph type="title"/>
+          </p:nvPr>
+        </p:nvSpPr>
+        <p:spPr>
+          <a:xfrm>
+            <a:off x="838200" y="365125"/>
+            <a:ext cx="6201229" cy="665389"/>
+          </a:xfrm>
+        </p:spPr>
+        <p:txBody>
+          <a:bodyPr>
+            <a:normAutofit fontScale="90000"/>
+          </a:bodyPr>
+          <a:lstStyle/>
+          <a:p>
+            <a:r>
+              <a:rPr lang="en-US" dirty="0"/>
+              <a:t>Multiple Pages in a SPA?</a:t>
+            </a:r>
+          </a:p>
+        </p:txBody>
+      </p:sp>
+      <p:sp>
+        <p:nvSpPr>
+          <p:cNvPr id="4" name="Rectangle 3">
+            <a:extLst>
+              <a:ext uri="{FF2B5EF4-FFF2-40B4-BE49-F238E27FC236}">
+                <a16:creationId xmlns:a16="http://schemas.microsoft.com/office/drawing/2014/main" id="{85A48548-ACA0-7FDC-BB62-D0170C2D91F6}"/>
+              </a:ext>
+            </a:extLst>
+          </p:cNvPr>
+          <p:cNvSpPr/>
+          <p:nvPr/>
+        </p:nvSpPr>
+        <p:spPr>
+          <a:xfrm>
+            <a:off x="4383314" y="1030513"/>
+            <a:ext cx="2438400" cy="914401"/>
+          </a:xfrm>
+          <a:prstGeom prst="rect">
+            <a:avLst/>
+          </a:prstGeom>
+        </p:spPr>
+        <p:style>
+          <a:lnRef idx="2">
+            <a:schemeClr val="accent1">
+              <a:shade val="50000"/>
+            </a:schemeClr>
+          </a:lnRef>
+          <a:fillRef idx="1">
+            <a:schemeClr val="accent1"/>
+          </a:fillRef>
+          <a:effectRef idx="0">
+            <a:schemeClr val="accent1"/>
+          </a:effectRef>
+          <a:fontRef idx="minor">
+            <a:schemeClr val="lt1"/>
+          </a:fontRef>
+        </p:style>
+        <p:txBody>
+          <a:bodyPr rtlCol="0" anchor="ctr"/>
+          <a:lstStyle/>
+          <a:p>
+            <a:pPr algn="ctr"/>
+            <a:r>
+              <a:rPr lang="en-US" dirty="0">
+                <a:ln w="0"/>
+                <a:solidFill>
+                  <a:schemeClr val="tx1"/>
+                </a:solidFill>
+                <a:effectLst>
+                  <a:outerShdw blurRad="38100" dist="19050" dir="2700000" algn="tl" rotWithShape="0">
+                    <a:schemeClr val="dk1">
+                      <a:alpha val="40000"/>
+                    </a:schemeClr>
+                  </a:outerShdw>
+                </a:effectLst>
+              </a:rPr>
+              <a:t>Single Page</a:t>
+            </a:r>
+          </a:p>
+          <a:p>
+            <a:pPr algn="ctr"/>
+            <a:r>
+              <a:rPr lang="en-US" dirty="0">
+                <a:ln w="0"/>
+                <a:solidFill>
+                  <a:schemeClr val="tx1"/>
+                </a:solidFill>
+                <a:effectLst>
+                  <a:outerShdw blurRad="38100" dist="19050" dir="2700000" algn="tl" rotWithShape="0">
+                    <a:schemeClr val="dk1">
+                      <a:alpha val="40000"/>
+                    </a:schemeClr>
+                  </a:outerShdw>
+                </a:effectLst>
+              </a:rPr>
+              <a:t>(HTML File)</a:t>
+            </a:r>
+          </a:p>
+        </p:txBody>
+      </p:sp>
+      <p:sp>
+        <p:nvSpPr>
+          <p:cNvPr id="5" name="Rectangle 4">
+            <a:extLst>
+              <a:ext uri="{FF2B5EF4-FFF2-40B4-BE49-F238E27FC236}">
+                <a16:creationId xmlns:a16="http://schemas.microsoft.com/office/drawing/2014/main" id="{A714A122-0A3C-ABB5-2B0A-E16793DC2693}"/>
+              </a:ext>
+            </a:extLst>
+          </p:cNvPr>
+          <p:cNvSpPr/>
+          <p:nvPr/>
+        </p:nvSpPr>
+        <p:spPr>
+          <a:xfrm>
+            <a:off x="682173" y="2514600"/>
+            <a:ext cx="1436914" cy="475344"/>
+          </a:xfrm>
+          <a:prstGeom prst="rect">
+            <a:avLst/>
+          </a:prstGeom>
+        </p:spPr>
+        <p:style>
+          <a:lnRef idx="2">
+            <a:schemeClr val="accent1">
+              <a:shade val="50000"/>
+            </a:schemeClr>
+          </a:lnRef>
+          <a:fillRef idx="1">
+            <a:schemeClr val="accent1"/>
+          </a:fillRef>
+          <a:effectRef idx="0">
+            <a:schemeClr val="accent1"/>
+          </a:effectRef>
+          <a:fontRef idx="minor">
+            <a:schemeClr val="lt1"/>
+          </a:fontRef>
+        </p:style>
+        <p:txBody>
+          <a:bodyPr rtlCol="0" anchor="ctr"/>
+          <a:lstStyle/>
+          <a:p>
+            <a:pPr algn="ctr"/>
+            <a:r>
+              <a:rPr lang="en-US" dirty="0">
+                <a:ln w="0"/>
+                <a:solidFill>
+                  <a:schemeClr val="tx1"/>
+                </a:solidFill>
+                <a:effectLst>
+                  <a:outerShdw blurRad="38100" dist="19050" dir="2700000" algn="tl" rotWithShape="0">
+                    <a:schemeClr val="dk1">
+                      <a:alpha val="40000"/>
+                    </a:schemeClr>
+                  </a:outerShdw>
+                </a:effectLst>
+              </a:rPr>
+              <a:t>/</a:t>
+            </a:r>
+          </a:p>
+        </p:txBody>
+      </p:sp>
+      <p:sp>
+        <p:nvSpPr>
+          <p:cNvPr id="6" name="Rectangle 5">
+            <a:extLst>
+              <a:ext uri="{FF2B5EF4-FFF2-40B4-BE49-F238E27FC236}">
+                <a16:creationId xmlns:a16="http://schemas.microsoft.com/office/drawing/2014/main" id="{EA1E77CA-9215-33FE-1556-4FA089B11F64}"/>
+              </a:ext>
+            </a:extLst>
+          </p:cNvPr>
+          <p:cNvSpPr/>
+          <p:nvPr/>
+        </p:nvSpPr>
+        <p:spPr>
+          <a:xfrm>
+            <a:off x="2772230" y="2514600"/>
+            <a:ext cx="1436914" cy="475344"/>
+          </a:xfrm>
+          <a:prstGeom prst="rect">
+            <a:avLst/>
+          </a:prstGeom>
+        </p:spPr>
+        <p:style>
+          <a:lnRef idx="2">
+            <a:schemeClr val="accent1">
+              <a:shade val="50000"/>
+            </a:schemeClr>
+          </a:lnRef>
+          <a:fillRef idx="1">
+            <a:schemeClr val="accent1"/>
+          </a:fillRef>
+          <a:effectRef idx="0">
+            <a:schemeClr val="accent1"/>
+          </a:effectRef>
+          <a:fontRef idx="minor">
+            <a:schemeClr val="lt1"/>
+          </a:fontRef>
+        </p:style>
+        <p:txBody>
+          <a:bodyPr rtlCol="0" anchor="ctr"/>
+          <a:lstStyle/>
+          <a:p>
+            <a:pPr algn="ctr"/>
+            <a:r>
+              <a:rPr lang="en-US" dirty="0">
+                <a:ln w="0"/>
+                <a:solidFill>
+                  <a:schemeClr val="tx1"/>
+                </a:solidFill>
+                <a:effectLst>
+                  <a:outerShdw blurRad="38100" dist="19050" dir="2700000" algn="tl" rotWithShape="0">
+                    <a:schemeClr val="dk1">
+                      <a:alpha val="40000"/>
+                    </a:schemeClr>
+                  </a:outerShdw>
+                </a:effectLst>
+              </a:rPr>
+              <a:t>/blog</a:t>
+            </a:r>
+          </a:p>
+        </p:txBody>
+      </p:sp>
+      <p:sp>
+        <p:nvSpPr>
+          <p:cNvPr id="7" name="Rectangle 6">
+            <a:extLst>
+              <a:ext uri="{FF2B5EF4-FFF2-40B4-BE49-F238E27FC236}">
+                <a16:creationId xmlns:a16="http://schemas.microsoft.com/office/drawing/2014/main" id="{396547F8-5F38-27F5-A40F-AF47A311709C}"/>
+              </a:ext>
+            </a:extLst>
+          </p:cNvPr>
+          <p:cNvSpPr/>
+          <p:nvPr/>
+        </p:nvSpPr>
+        <p:spPr>
+          <a:xfrm>
+            <a:off x="4896758" y="2514600"/>
+            <a:ext cx="1436914" cy="475344"/>
+          </a:xfrm>
+          <a:prstGeom prst="rect">
+            <a:avLst/>
+          </a:prstGeom>
+        </p:spPr>
+        <p:style>
+          <a:lnRef idx="2">
+            <a:schemeClr val="accent1">
+              <a:shade val="50000"/>
+            </a:schemeClr>
+          </a:lnRef>
+          <a:fillRef idx="1">
+            <a:schemeClr val="accent1"/>
+          </a:fillRef>
+          <a:effectRef idx="0">
+            <a:schemeClr val="accent1"/>
+          </a:effectRef>
+          <a:fontRef idx="minor">
+            <a:schemeClr val="lt1"/>
+          </a:fontRef>
+        </p:style>
+        <p:txBody>
+          <a:bodyPr rtlCol="0" anchor="ctr"/>
+          <a:lstStyle/>
+          <a:p>
+            <a:pPr algn="ctr"/>
+            <a:r>
+              <a:rPr lang="en-US" dirty="0">
+                <a:ln w="0"/>
+                <a:solidFill>
+                  <a:schemeClr val="tx1"/>
+                </a:solidFill>
+                <a:effectLst>
+                  <a:outerShdw blurRad="38100" dist="19050" dir="2700000" algn="tl" rotWithShape="0">
+                    <a:schemeClr val="dk1">
+                      <a:alpha val="40000"/>
+                    </a:schemeClr>
+                  </a:outerShdw>
+                </a:effectLst>
+              </a:rPr>
+              <a:t>/blog/post/1</a:t>
+            </a:r>
+          </a:p>
+        </p:txBody>
+      </p:sp>
+      <p:sp>
+        <p:nvSpPr>
+          <p:cNvPr id="8" name="Rectangle 7">
+            <a:extLst>
+              <a:ext uri="{FF2B5EF4-FFF2-40B4-BE49-F238E27FC236}">
+                <a16:creationId xmlns:a16="http://schemas.microsoft.com/office/drawing/2014/main" id="{9A55DAA5-67DD-934F-3309-C0664FF6D415}"/>
+              </a:ext>
+            </a:extLst>
+          </p:cNvPr>
+          <p:cNvSpPr/>
+          <p:nvPr/>
+        </p:nvSpPr>
+        <p:spPr>
+          <a:xfrm>
+            <a:off x="6682015" y="2514600"/>
+            <a:ext cx="1436914" cy="475344"/>
+          </a:xfrm>
+          <a:prstGeom prst="rect">
+            <a:avLst/>
+          </a:prstGeom>
+        </p:spPr>
+        <p:style>
+          <a:lnRef idx="2">
+            <a:schemeClr val="accent1">
+              <a:shade val="50000"/>
+            </a:schemeClr>
+          </a:lnRef>
+          <a:fillRef idx="1">
+            <a:schemeClr val="accent1"/>
+          </a:fillRef>
+          <a:effectRef idx="0">
+            <a:schemeClr val="accent1"/>
+          </a:effectRef>
+          <a:fontRef idx="minor">
+            <a:schemeClr val="lt1"/>
+          </a:fontRef>
+        </p:style>
+        <p:txBody>
+          <a:bodyPr rtlCol="0" anchor="ctr"/>
+          <a:lstStyle/>
+          <a:p>
+            <a:pPr algn="ctr"/>
+            <a:r>
+              <a:rPr lang="en-US" dirty="0">
+                <a:ln w="0"/>
+                <a:solidFill>
+                  <a:schemeClr val="tx1"/>
+                </a:solidFill>
+                <a:effectLst>
+                  <a:outerShdw blurRad="38100" dist="19050" dir="2700000" algn="tl" rotWithShape="0">
+                    <a:schemeClr val="dk1">
+                      <a:alpha val="40000"/>
+                    </a:schemeClr>
+                  </a:outerShdw>
+                </a:effectLst>
+              </a:rPr>
+              <a:t>/users</a:t>
+            </a:r>
+          </a:p>
+        </p:txBody>
+      </p:sp>
+      <p:sp>
+        <p:nvSpPr>
+          <p:cNvPr id="9" name="Rectangle 8">
+            <a:extLst>
+              <a:ext uri="{FF2B5EF4-FFF2-40B4-BE49-F238E27FC236}">
+                <a16:creationId xmlns:a16="http://schemas.microsoft.com/office/drawing/2014/main" id="{A4BCB664-26D1-6B03-D561-CDCA7849422B}"/>
+              </a:ext>
+            </a:extLst>
+          </p:cNvPr>
+          <p:cNvSpPr/>
+          <p:nvPr/>
+        </p:nvSpPr>
+        <p:spPr>
+          <a:xfrm>
+            <a:off x="8701313" y="2451101"/>
+            <a:ext cx="1436914" cy="475344"/>
+          </a:xfrm>
+          <a:prstGeom prst="rect">
+            <a:avLst/>
+          </a:prstGeom>
+        </p:spPr>
+        <p:style>
+          <a:lnRef idx="2">
+            <a:schemeClr val="accent1">
+              <a:shade val="50000"/>
+            </a:schemeClr>
+          </a:lnRef>
+          <a:fillRef idx="1">
+            <a:schemeClr val="accent1"/>
+          </a:fillRef>
+          <a:effectRef idx="0">
+            <a:schemeClr val="accent1"/>
+          </a:effectRef>
+          <a:fontRef idx="minor">
+            <a:schemeClr val="lt1"/>
+          </a:fontRef>
+        </p:style>
+        <p:txBody>
+          <a:bodyPr rtlCol="0" anchor="ctr"/>
+          <a:lstStyle/>
+          <a:p>
+            <a:pPr algn="ctr"/>
+            <a:r>
+              <a:rPr lang="en-US" dirty="0">
+                <a:ln w="0"/>
+                <a:solidFill>
+                  <a:schemeClr val="tx1"/>
+                </a:solidFill>
+                <a:effectLst>
+                  <a:outerShdw blurRad="38100" dist="19050" dir="2700000" algn="tl" rotWithShape="0">
+                    <a:schemeClr val="dk1">
+                      <a:alpha val="40000"/>
+                    </a:schemeClr>
+                  </a:outerShdw>
+                </a:effectLst>
+              </a:rPr>
+              <a:t>/account</a:t>
+            </a:r>
+          </a:p>
+        </p:txBody>
+      </p:sp>
+      <p:sp>
+        <p:nvSpPr>
+          <p:cNvPr id="10" name="Rectangle 9">
+            <a:extLst>
+              <a:ext uri="{FF2B5EF4-FFF2-40B4-BE49-F238E27FC236}">
+                <a16:creationId xmlns:a16="http://schemas.microsoft.com/office/drawing/2014/main" id="{69989F34-60B0-241A-03F9-16BC4C825DB7}"/>
+              </a:ext>
+            </a:extLst>
+          </p:cNvPr>
+          <p:cNvSpPr/>
+          <p:nvPr/>
+        </p:nvSpPr>
+        <p:spPr>
+          <a:xfrm>
+            <a:off x="10486570" y="2451101"/>
+            <a:ext cx="1436914" cy="475344"/>
+          </a:xfrm>
+          <a:prstGeom prst="rect">
+            <a:avLst/>
+          </a:prstGeom>
+        </p:spPr>
+        <p:style>
+          <a:lnRef idx="2">
+            <a:schemeClr val="accent1">
+              <a:shade val="50000"/>
+            </a:schemeClr>
+          </a:lnRef>
+          <a:fillRef idx="1">
+            <a:schemeClr val="accent1"/>
+          </a:fillRef>
+          <a:effectRef idx="0">
+            <a:schemeClr val="accent1"/>
+          </a:effectRef>
+          <a:fontRef idx="minor">
+            <a:schemeClr val="lt1"/>
+          </a:fontRef>
+        </p:style>
+        <p:txBody>
+          <a:bodyPr rtlCol="0" anchor="ctr"/>
+          <a:lstStyle/>
+          <a:p>
+            <a:pPr algn="ctr"/>
+            <a:r>
+              <a:rPr lang="en-US" dirty="0">
+                <a:ln w="0"/>
+                <a:solidFill>
+                  <a:schemeClr val="tx1"/>
+                </a:solidFill>
+                <a:effectLst>
+                  <a:outerShdw blurRad="38100" dist="19050" dir="2700000" algn="tl" rotWithShape="0">
+                    <a:schemeClr val="dk1">
+                      <a:alpha val="40000"/>
+                    </a:schemeClr>
+                  </a:outerShdw>
+                </a:effectLst>
+              </a:rPr>
+              <a:t>/orders</a:t>
+            </a:r>
+          </a:p>
+        </p:txBody>
+      </p:sp>
+      <p:sp>
+        <p:nvSpPr>
+          <p:cNvPr id="11" name="TextBox 10">
+            <a:extLst>
+              <a:ext uri="{FF2B5EF4-FFF2-40B4-BE49-F238E27FC236}">
+                <a16:creationId xmlns:a16="http://schemas.microsoft.com/office/drawing/2014/main" id="{DC23FD03-51D6-DD45-0650-DB3F378308EB}"/>
+              </a:ext>
+            </a:extLst>
+          </p:cNvPr>
+          <p:cNvSpPr txBox="1"/>
+          <p:nvPr/>
+        </p:nvSpPr>
+        <p:spPr>
+          <a:xfrm>
+            <a:off x="3686630" y="3244334"/>
+            <a:ext cx="4152419" cy="369332"/>
+          </a:xfrm>
+          <a:prstGeom prst="rect">
+            <a:avLst/>
+          </a:prstGeom>
+          <a:noFill/>
+        </p:spPr>
+        <p:txBody>
+          <a:bodyPr wrap="none" rtlCol="0">
+            <a:spAutoFit/>
+          </a:bodyPr>
+          <a:lstStyle/>
+          <a:p>
+            <a:r>
+              <a:rPr lang="en-US" dirty="0"/>
+              <a:t>Not real Files but re-rendered Single Page!</a:t>
+            </a:r>
+          </a:p>
+        </p:txBody>
+      </p:sp>
+      <p:sp>
+        <p:nvSpPr>
+          <p:cNvPr id="12" name="Rectangle 11">
+            <a:extLst>
+              <a:ext uri="{FF2B5EF4-FFF2-40B4-BE49-F238E27FC236}">
+                <a16:creationId xmlns:a16="http://schemas.microsoft.com/office/drawing/2014/main" id="{7CCEC522-01F8-8171-3A11-9CC75B1A7DCC}"/>
+              </a:ext>
+            </a:extLst>
+          </p:cNvPr>
+          <p:cNvSpPr/>
+          <p:nvPr/>
+        </p:nvSpPr>
+        <p:spPr>
+          <a:xfrm>
+            <a:off x="464457" y="5123542"/>
+            <a:ext cx="2438400" cy="914401"/>
+          </a:xfrm>
+          <a:prstGeom prst="rect">
+            <a:avLst/>
+          </a:prstGeom>
+        </p:spPr>
+        <p:style>
+          <a:lnRef idx="2">
+            <a:schemeClr val="accent1">
+              <a:shade val="50000"/>
+            </a:schemeClr>
+          </a:lnRef>
+          <a:fillRef idx="1">
+            <a:schemeClr val="accent1"/>
+          </a:fillRef>
+          <a:effectRef idx="0">
+            <a:schemeClr val="accent1"/>
+          </a:effectRef>
+          <a:fontRef idx="minor">
+            <a:schemeClr val="lt1"/>
+          </a:fontRef>
+        </p:style>
+        <p:txBody>
+          <a:bodyPr rtlCol="0" anchor="ctr"/>
+          <a:lstStyle/>
+          <a:p>
+            <a:pPr algn="ctr"/>
+            <a:r>
+              <a:rPr lang="en-US" dirty="0">
+                <a:ln w="0"/>
+                <a:solidFill>
+                  <a:schemeClr val="tx1"/>
+                </a:solidFill>
+                <a:effectLst>
+                  <a:outerShdw blurRad="38100" dist="19050" dir="2700000" algn="tl" rotWithShape="0">
+                    <a:schemeClr val="dk1">
+                      <a:alpha val="40000"/>
+                    </a:schemeClr>
+                  </a:outerShdw>
+                </a:effectLst>
+              </a:rPr>
+              <a:t>Parse URL/Path</a:t>
+            </a:r>
+          </a:p>
+        </p:txBody>
+      </p:sp>
+      <p:sp>
+        <p:nvSpPr>
+          <p:cNvPr id="13" name="Rectangle 12">
+            <a:extLst>
+              <a:ext uri="{FF2B5EF4-FFF2-40B4-BE49-F238E27FC236}">
+                <a16:creationId xmlns:a16="http://schemas.microsoft.com/office/drawing/2014/main" id="{2C623DB1-7DD2-5FB1-7E97-31D81885247F}"/>
+              </a:ext>
+            </a:extLst>
+          </p:cNvPr>
+          <p:cNvSpPr/>
+          <p:nvPr/>
+        </p:nvSpPr>
+        <p:spPr>
+          <a:xfrm>
+            <a:off x="4543639" y="5123541"/>
+            <a:ext cx="2438400" cy="914401"/>
+          </a:xfrm>
+          <a:prstGeom prst="rect">
+            <a:avLst/>
+          </a:prstGeom>
+        </p:spPr>
+        <p:style>
+          <a:lnRef idx="2">
+            <a:schemeClr val="accent1">
+              <a:shade val="50000"/>
+            </a:schemeClr>
+          </a:lnRef>
+          <a:fillRef idx="1">
+            <a:schemeClr val="accent1"/>
+          </a:fillRef>
+          <a:effectRef idx="0">
+            <a:schemeClr val="accent1"/>
+          </a:effectRef>
+          <a:fontRef idx="minor">
+            <a:schemeClr val="lt1"/>
+          </a:fontRef>
+        </p:style>
+        <p:txBody>
+          <a:bodyPr rtlCol="0" anchor="ctr"/>
+          <a:lstStyle/>
+          <a:p>
+            <a:pPr algn="ctr"/>
+            <a:r>
+              <a:rPr lang="en-US" dirty="0">
+                <a:ln w="0"/>
+                <a:solidFill>
+                  <a:schemeClr val="tx1"/>
+                </a:solidFill>
+                <a:effectLst>
+                  <a:outerShdw blurRad="38100" dist="19050" dir="2700000" algn="tl" rotWithShape="0">
+                    <a:schemeClr val="dk1">
+                      <a:alpha val="40000"/>
+                    </a:schemeClr>
+                  </a:outerShdw>
+                </a:effectLst>
+              </a:rPr>
+              <a:t>Read Config</a:t>
+            </a:r>
+          </a:p>
+        </p:txBody>
+      </p:sp>
+      <p:sp>
+        <p:nvSpPr>
+          <p:cNvPr id="14" name="Rectangle 13">
+            <a:extLst>
+              <a:ext uri="{FF2B5EF4-FFF2-40B4-BE49-F238E27FC236}">
+                <a16:creationId xmlns:a16="http://schemas.microsoft.com/office/drawing/2014/main" id="{5D63A120-8311-9050-4135-863EF2AD5C81}"/>
+              </a:ext>
+            </a:extLst>
+          </p:cNvPr>
+          <p:cNvSpPr/>
+          <p:nvPr/>
+        </p:nvSpPr>
+        <p:spPr>
+          <a:xfrm>
+            <a:off x="4543639" y="3911403"/>
+            <a:ext cx="2438400" cy="914401"/>
+          </a:xfrm>
+          <a:prstGeom prst="rect">
+            <a:avLst/>
+          </a:prstGeom>
+        </p:spPr>
+        <p:style>
+          <a:lnRef idx="2">
+            <a:schemeClr val="accent1">
+              <a:shade val="50000"/>
+            </a:schemeClr>
+          </a:lnRef>
+          <a:fillRef idx="1">
+            <a:schemeClr val="accent1"/>
+          </a:fillRef>
+          <a:effectRef idx="0">
+            <a:schemeClr val="accent1"/>
+          </a:effectRef>
+          <a:fontRef idx="minor">
+            <a:schemeClr val="lt1"/>
+          </a:fontRef>
+        </p:style>
+        <p:txBody>
+          <a:bodyPr rtlCol="0" anchor="ctr"/>
+          <a:lstStyle/>
+          <a:p>
+            <a:pPr algn="ctr"/>
+            <a:r>
+              <a:rPr lang="en-US" dirty="0">
+                <a:ln w="0"/>
+                <a:solidFill>
+                  <a:schemeClr val="tx1"/>
+                </a:solidFill>
+                <a:effectLst>
+                  <a:outerShdw blurRad="38100" dist="19050" dir="2700000" algn="tl" rotWithShape="0">
+                    <a:schemeClr val="dk1">
+                      <a:alpha val="40000"/>
+                    </a:schemeClr>
+                  </a:outerShdw>
+                </a:effectLst>
+              </a:rPr>
+              <a:t>Router Package</a:t>
+            </a:r>
+          </a:p>
+        </p:txBody>
+      </p:sp>
+      <p:sp>
+        <p:nvSpPr>
+          <p:cNvPr id="15" name="Rectangle 14">
+            <a:extLst>
+              <a:ext uri="{FF2B5EF4-FFF2-40B4-BE49-F238E27FC236}">
+                <a16:creationId xmlns:a16="http://schemas.microsoft.com/office/drawing/2014/main" id="{CA590A9B-59AC-BE7A-215A-3889908696FD}"/>
+              </a:ext>
+            </a:extLst>
+          </p:cNvPr>
+          <p:cNvSpPr/>
+          <p:nvPr/>
+        </p:nvSpPr>
+        <p:spPr>
+          <a:xfrm>
+            <a:off x="8331867" y="5123541"/>
+            <a:ext cx="2438400" cy="914401"/>
+          </a:xfrm>
+          <a:prstGeom prst="rect">
+            <a:avLst/>
+          </a:prstGeom>
+        </p:spPr>
+        <p:style>
+          <a:lnRef idx="2">
+            <a:schemeClr val="accent1">
+              <a:shade val="50000"/>
+            </a:schemeClr>
+          </a:lnRef>
+          <a:fillRef idx="1">
+            <a:schemeClr val="accent1"/>
+          </a:fillRef>
+          <a:effectRef idx="0">
+            <a:schemeClr val="accent1"/>
+          </a:effectRef>
+          <a:fontRef idx="minor">
+            <a:schemeClr val="lt1"/>
+          </a:fontRef>
+        </p:style>
+        <p:txBody>
+          <a:bodyPr rtlCol="0" anchor="ctr"/>
+          <a:lstStyle/>
+          <a:p>
+            <a:pPr algn="ctr"/>
+            <a:r>
+              <a:rPr lang="en-US" dirty="0">
+                <a:ln w="0"/>
+                <a:solidFill>
+                  <a:schemeClr val="tx1"/>
+                </a:solidFill>
+                <a:effectLst>
+                  <a:outerShdw blurRad="38100" dist="19050" dir="2700000" algn="tl" rotWithShape="0">
+                    <a:schemeClr val="dk1">
+                      <a:alpha val="40000"/>
+                    </a:schemeClr>
+                  </a:outerShdw>
+                </a:effectLst>
+              </a:rPr>
+              <a:t>Render/Load appropriate JSX/Component</a:t>
+            </a:r>
+          </a:p>
+        </p:txBody>
+      </p:sp>
+      <p:sp>
+        <p:nvSpPr>
+          <p:cNvPr id="16" name="Arrow: Chevron 15">
+            <a:extLst>
+              <a:ext uri="{FF2B5EF4-FFF2-40B4-BE49-F238E27FC236}">
+                <a16:creationId xmlns:a16="http://schemas.microsoft.com/office/drawing/2014/main" id="{3E04BD11-B529-BD36-E719-DC8FCCAA5A97}"/>
+              </a:ext>
+            </a:extLst>
+          </p:cNvPr>
+          <p:cNvSpPr/>
+          <p:nvPr/>
+        </p:nvSpPr>
+        <p:spPr>
+          <a:xfrm>
+            <a:off x="3164114" y="5275941"/>
+            <a:ext cx="1088571" cy="609599"/>
+          </a:xfrm>
+          <a:prstGeom prst="chevron">
+            <a:avLst/>
+          </a:prstGeom>
+        </p:spPr>
+        <p:style>
+          <a:lnRef idx="2">
+            <a:schemeClr val="accent1">
+              <a:shade val="50000"/>
+            </a:schemeClr>
+          </a:lnRef>
+          <a:fillRef idx="1">
+            <a:schemeClr val="accent1"/>
+          </a:fillRef>
+          <a:effectRef idx="0">
+            <a:schemeClr val="accent1"/>
+          </a:effectRef>
+          <a:fontRef idx="minor">
+            <a:schemeClr val="lt1"/>
+          </a:fontRef>
+        </p:style>
+        <p:txBody>
+          <a:bodyPr rtlCol="0" anchor="ctr"/>
+          <a:lstStyle/>
+          <a:p>
+            <a:pPr algn="ctr"/>
+            <a:endParaRPr lang="en-US">
+              <a:solidFill>
+                <a:schemeClr val="tx1"/>
+              </a:solidFill>
+            </a:endParaRPr>
+          </a:p>
+        </p:txBody>
+      </p:sp>
+      <p:sp>
+        <p:nvSpPr>
+          <p:cNvPr id="17" name="Arrow: Chevron 16">
+            <a:extLst>
+              <a:ext uri="{FF2B5EF4-FFF2-40B4-BE49-F238E27FC236}">
+                <a16:creationId xmlns:a16="http://schemas.microsoft.com/office/drawing/2014/main" id="{643B53E0-002A-AB49-1839-E449F2308DC3}"/>
+              </a:ext>
+            </a:extLst>
+          </p:cNvPr>
+          <p:cNvSpPr/>
+          <p:nvPr/>
+        </p:nvSpPr>
+        <p:spPr>
+          <a:xfrm>
+            <a:off x="7112667" y="5275941"/>
+            <a:ext cx="1088571" cy="609599"/>
+          </a:xfrm>
+          <a:prstGeom prst="chevron">
+            <a:avLst/>
+          </a:prstGeom>
+        </p:spPr>
+        <p:style>
+          <a:lnRef idx="2">
+            <a:schemeClr val="accent1">
+              <a:shade val="50000"/>
+            </a:schemeClr>
+          </a:lnRef>
+          <a:fillRef idx="1">
+            <a:schemeClr val="accent1"/>
+          </a:fillRef>
+          <a:effectRef idx="0">
+            <a:schemeClr val="accent1"/>
+          </a:effectRef>
+          <a:fontRef idx="minor">
+            <a:schemeClr val="lt1"/>
+          </a:fontRef>
+        </p:style>
+        <p:txBody>
+          <a:bodyPr rtlCol="0" anchor="ctr"/>
+          <a:lstStyle/>
+          <a:p>
+            <a:pPr algn="ctr"/>
+            <a:endParaRPr lang="en-US">
+              <a:solidFill>
+                <a:schemeClr val="tx1"/>
+              </a:solidFill>
+            </a:endParaRPr>
+          </a:p>
+        </p:txBody>
+      </p:sp>
+    </p:spTree>
+    <p:extLst>
+      <p:ext uri="{BB962C8B-B14F-4D97-AF65-F5344CB8AC3E}">
+        <p14:creationId xmlns:p14="http://schemas.microsoft.com/office/powerpoint/2010/main" val="4285218848"/>
+      </p:ext>
+    </p:extLst>
+  </p:cSld>
+  <p:clrMapOvr>
+    <a:masterClrMapping/>
+  </p:clrMapOvr>
+</p:sld>
+</file>
+
+<file path=ppt/slides/slide27.xml><?xml version="1.0" encoding="utf-8"?>
+<p:sld xmlns:a="http://schemas.openxmlformats.org/drawingml/2006/main" xmlns:r="http://schemas.openxmlformats.org/officeDocument/2006/relationships" xmlns:p="http://schemas.openxmlformats.org/presentationml/2006/main">
+  <p:cSld>
+    <p:spTree>
+      <p:nvGrpSpPr>
+        <p:cNvPr id="1" name=""/>
+        <p:cNvGrpSpPr/>
+        <p:nvPr/>
+      </p:nvGrpSpPr>
+      <p:grpSpPr>
+        <a:xfrm>
+          <a:off x="0" y="0"/>
+          <a:ext cx="0" cy="0"/>
+          <a:chOff x="0" y="0"/>
+          <a:chExt cx="0" cy="0"/>
+        </a:xfrm>
+      </p:grpSpPr>
+      <p:sp>
+        <p:nvSpPr>
+          <p:cNvPr id="2" name="Title 1">
+            <a:extLst>
+              <a:ext uri="{FF2B5EF4-FFF2-40B4-BE49-F238E27FC236}">
+                <a16:creationId xmlns:a16="http://schemas.microsoft.com/office/drawing/2014/main" id="{D69DBC87-E832-3E98-94B8-91823FB672F4}"/>
+              </a:ext>
+            </a:extLst>
+          </p:cNvPr>
+          <p:cNvSpPr>
+            <a:spLocks noGrp="1"/>
+          </p:cNvSpPr>
+          <p:nvPr>
+            <p:ph type="title"/>
+          </p:nvPr>
+        </p:nvSpPr>
+        <p:spPr/>
+        <p:txBody>
+          <a:bodyPr/>
+          <a:lstStyle/>
+          <a:p>
+            <a:r>
+              <a:rPr lang="en-US" dirty="0"/>
+              <a:t>Routing</a:t>
+            </a:r>
+          </a:p>
+        </p:txBody>
+      </p:sp>
+      <p:sp>
+        <p:nvSpPr>
+          <p:cNvPr id="3" name="Content Placeholder 2">
+            <a:extLst>
+              <a:ext uri="{FF2B5EF4-FFF2-40B4-BE49-F238E27FC236}">
+                <a16:creationId xmlns:a16="http://schemas.microsoft.com/office/drawing/2014/main" id="{97CD9863-30A2-2AB3-A5BE-867055CA24F9}"/>
+              </a:ext>
+            </a:extLst>
+          </p:cNvPr>
+          <p:cNvSpPr>
+            <a:spLocks noGrp="1"/>
+          </p:cNvSpPr>
+          <p:nvPr>
+            <p:ph idx="1"/>
+          </p:nvPr>
+        </p:nvSpPr>
+        <p:spPr/>
+        <p:txBody>
+          <a:bodyPr/>
+          <a:lstStyle/>
+          <a:p>
+            <a:pPr marL="0" indent="0">
+              <a:buNone/>
+            </a:pPr>
+            <a:r>
+              <a:rPr lang="en-US" dirty="0"/>
+              <a:t>Setting up links</a:t>
+            </a:r>
+          </a:p>
+          <a:p>
+            <a:pPr marL="0" indent="0">
+              <a:buNone/>
+            </a:pPr>
+            <a:r>
+              <a:rPr lang="en-US" dirty="0"/>
+              <a:t>Setting up the router package</a:t>
+            </a:r>
+          </a:p>
+          <a:p>
+            <a:pPr marL="0" indent="0">
+              <a:buNone/>
+            </a:pPr>
+            <a:r>
+              <a:rPr lang="en-US" dirty="0"/>
+              <a:t>Preparing the project for routing</a:t>
+            </a:r>
+          </a:p>
+          <a:p>
+            <a:pPr marL="0" indent="0">
+              <a:buNone/>
+            </a:pPr>
+            <a:r>
+              <a:rPr lang="en-US" dirty="0"/>
+              <a:t>Setting up and rendering routes</a:t>
+            </a:r>
+          </a:p>
+          <a:p>
+            <a:pPr marL="0" indent="0">
+              <a:buNone/>
+            </a:pPr>
+            <a:r>
+              <a:rPr lang="en-US" dirty="0"/>
+              <a:t>Rendering components</a:t>
+            </a:r>
+          </a:p>
+          <a:p>
+            <a:pPr marL="0" indent="0">
+              <a:buNone/>
+            </a:pPr>
+            <a:r>
+              <a:rPr lang="en-US" dirty="0"/>
+              <a:t>Switching between pages</a:t>
+            </a:r>
+          </a:p>
+          <a:p>
+            <a:pPr marL="0" indent="0">
+              <a:buNone/>
+            </a:pPr>
+            <a:r>
+              <a:rPr lang="en-US" dirty="0"/>
+              <a:t>Using links</a:t>
+            </a:r>
+          </a:p>
+          <a:p>
+            <a:pPr marL="0" indent="0">
+              <a:buNone/>
+            </a:pPr>
+            <a:r>
+              <a:rPr lang="en-US" dirty="0"/>
+              <a:t>Route-related props</a:t>
+            </a:r>
+          </a:p>
+          <a:p>
+            <a:pPr marL="0" indent="0">
+              <a:buNone/>
+            </a:pPr>
+            <a:endParaRPr lang="en-US" dirty="0"/>
+          </a:p>
+          <a:p>
+            <a:pPr marL="0" indent="0">
+              <a:buNone/>
+            </a:pPr>
+            <a:endParaRPr lang="en-US" dirty="0"/>
+          </a:p>
+        </p:txBody>
+      </p:sp>
+    </p:spTree>
+    <p:extLst>
+      <p:ext uri="{BB962C8B-B14F-4D97-AF65-F5344CB8AC3E}">
+        <p14:creationId xmlns:p14="http://schemas.microsoft.com/office/powerpoint/2010/main" val="4077927215"/>
       </p:ext>
     </p:extLst>
   </p:cSld>

--- a/Create-react-app.pptx
+++ b/Create-react-app.pptx
@@ -32,6 +32,7 @@
     <p:sldId id="280" r:id="rId26"/>
     <p:sldId id="282" r:id="rId27"/>
     <p:sldId id="281" r:id="rId28"/>
+    <p:sldId id="283" r:id="rId29"/>
   </p:sldIdLst>
   <p:sldSz cx="12192000" cy="6858000"/>
   <p:notesSz cx="6858000" cy="9144000"/>
@@ -1573,7 +1574,7 @@
           <a:p>
             <a:fld id="{8ABDCE5D-2F42-4C45-98AA-7AAD2A36BEC8}" type="datetimeFigureOut">
               <a:rPr lang="en-US" smtClean="0"/>
-              <a:t>4/21/2023</a:t>
+              <a:t>4/28/2023</a:t>
             </a:fld>
             <a:endParaRPr lang="en-US"/>
           </a:p>
@@ -1771,7 +1772,7 @@
           <a:p>
             <a:fld id="{8ABDCE5D-2F42-4C45-98AA-7AAD2A36BEC8}" type="datetimeFigureOut">
               <a:rPr lang="en-US" smtClean="0"/>
-              <a:t>4/21/2023</a:t>
+              <a:t>4/28/2023</a:t>
             </a:fld>
             <a:endParaRPr lang="en-US"/>
           </a:p>
@@ -1979,7 +1980,7 @@
           <a:p>
             <a:fld id="{8ABDCE5D-2F42-4C45-98AA-7AAD2A36BEC8}" type="datetimeFigureOut">
               <a:rPr lang="en-US" smtClean="0"/>
-              <a:t>4/21/2023</a:t>
+              <a:t>4/28/2023</a:t>
             </a:fld>
             <a:endParaRPr lang="en-US"/>
           </a:p>
@@ -2177,7 +2178,7 @@
           <a:p>
             <a:fld id="{8ABDCE5D-2F42-4C45-98AA-7AAD2A36BEC8}" type="datetimeFigureOut">
               <a:rPr lang="en-US" smtClean="0"/>
-              <a:t>4/21/2023</a:t>
+              <a:t>4/28/2023</a:t>
             </a:fld>
             <a:endParaRPr lang="en-US"/>
           </a:p>
@@ -2452,7 +2453,7 @@
           <a:p>
             <a:fld id="{8ABDCE5D-2F42-4C45-98AA-7AAD2A36BEC8}" type="datetimeFigureOut">
               <a:rPr lang="en-US" smtClean="0"/>
-              <a:t>4/21/2023</a:t>
+              <a:t>4/28/2023</a:t>
             </a:fld>
             <a:endParaRPr lang="en-US"/>
           </a:p>
@@ -2717,7 +2718,7 @@
           <a:p>
             <a:fld id="{8ABDCE5D-2F42-4C45-98AA-7AAD2A36BEC8}" type="datetimeFigureOut">
               <a:rPr lang="en-US" smtClean="0"/>
-              <a:t>4/21/2023</a:t>
+              <a:t>4/28/2023</a:t>
             </a:fld>
             <a:endParaRPr lang="en-US"/>
           </a:p>
@@ -3129,7 +3130,7 @@
           <a:p>
             <a:fld id="{8ABDCE5D-2F42-4C45-98AA-7AAD2A36BEC8}" type="datetimeFigureOut">
               <a:rPr lang="en-US" smtClean="0"/>
-              <a:t>4/21/2023</a:t>
+              <a:t>4/28/2023</a:t>
             </a:fld>
             <a:endParaRPr lang="en-US"/>
           </a:p>
@@ -3270,7 +3271,7 @@
           <a:p>
             <a:fld id="{8ABDCE5D-2F42-4C45-98AA-7AAD2A36BEC8}" type="datetimeFigureOut">
               <a:rPr lang="en-US" smtClean="0"/>
-              <a:t>4/21/2023</a:t>
+              <a:t>4/28/2023</a:t>
             </a:fld>
             <a:endParaRPr lang="en-US"/>
           </a:p>
@@ -3383,7 +3384,7 @@
           <a:p>
             <a:fld id="{8ABDCE5D-2F42-4C45-98AA-7AAD2A36BEC8}" type="datetimeFigureOut">
               <a:rPr lang="en-US" smtClean="0"/>
-              <a:t>4/21/2023</a:t>
+              <a:t>4/28/2023</a:t>
             </a:fld>
             <a:endParaRPr lang="en-US"/>
           </a:p>
@@ -3694,7 +3695,7 @@
           <a:p>
             <a:fld id="{8ABDCE5D-2F42-4C45-98AA-7AAD2A36BEC8}" type="datetimeFigureOut">
               <a:rPr lang="en-US" smtClean="0"/>
-              <a:t>4/21/2023</a:t>
+              <a:t>4/28/2023</a:t>
             </a:fld>
             <a:endParaRPr lang="en-US"/>
           </a:p>
@@ -3982,7 +3983,7 @@
           <a:p>
             <a:fld id="{8ABDCE5D-2F42-4C45-98AA-7AAD2A36BEC8}" type="datetimeFigureOut">
               <a:rPr lang="en-US" smtClean="0"/>
-              <a:t>4/21/2023</a:t>
+              <a:t>4/28/2023</a:t>
             </a:fld>
             <a:endParaRPr lang="en-US"/>
           </a:p>
@@ -4223,7 +4224,7 @@
           <a:p>
             <a:fld id="{8ABDCE5D-2F42-4C45-98AA-7AAD2A36BEC8}" type="datetimeFigureOut">
               <a:rPr lang="en-US" smtClean="0"/>
-              <a:t>4/21/2023</a:t>
+              <a:t>4/28/2023</a:t>
             </a:fld>
             <a:endParaRPr lang="en-US"/>
           </a:p>
@@ -14523,7 +14524,9 @@
         </p:nvSpPr>
         <p:spPr/>
         <p:txBody>
-          <a:bodyPr/>
+          <a:bodyPr numCol="2">
+            <a:normAutofit/>
+          </a:bodyPr>
           <a:lstStyle/>
           <a:p>
             <a:pPr marL="0" indent="0">
@@ -14595,6 +14598,164 @@
             <a:r>
               <a:rPr lang="en-US" dirty="0"/>
               <a:t>Route-related props</a:t>
+            </a:r>
+          </a:p>
+          <a:p>
+            <a:pPr marL="0" indent="0">
+              <a:buNone/>
+            </a:pPr>
+            <a:r>
+              <a:rPr lang="en-US" dirty="0" err="1"/>
+              <a:t>withRoute</a:t>
+            </a:r>
+            <a:r>
+              <a:rPr lang="en-US" dirty="0"/>
+              <a:t> Hoc to access route props</a:t>
+            </a:r>
+          </a:p>
+          <a:p>
+            <a:pPr marL="0" indent="0">
+              <a:buNone/>
+            </a:pPr>
+            <a:r>
+              <a:rPr lang="en-US" dirty="0"/>
+              <a:t>Absolute and relative paths</a:t>
+            </a:r>
+          </a:p>
+          <a:p>
+            <a:pPr marL="0" indent="0">
+              <a:buNone/>
+            </a:pPr>
+            <a:r>
+              <a:rPr lang="en-US" dirty="0"/>
+              <a:t>Styling the active</a:t>
+            </a:r>
+          </a:p>
+          <a:p>
+            <a:pPr marL="0" indent="0">
+              <a:buNone/>
+            </a:pPr>
+            <a:r>
+              <a:rPr lang="en-US" dirty="0"/>
+              <a:t>Passing route parameters</a:t>
+            </a:r>
+          </a:p>
+          <a:p>
+            <a:pPr marL="0" indent="0">
+              <a:buNone/>
+            </a:pPr>
+            <a:r>
+              <a:rPr lang="en-US" dirty="0"/>
+              <a:t>Extracting route parameters</a:t>
+            </a:r>
+          </a:p>
+          <a:p>
+            <a:pPr marL="0" indent="0">
+              <a:buNone/>
+            </a:pPr>
+            <a:r>
+              <a:rPr lang="en-US" dirty="0"/>
+              <a:t>Using switch to only load a single route</a:t>
+            </a:r>
+          </a:p>
+        </p:txBody>
+      </p:sp>
+    </p:spTree>
+    <p:extLst>
+      <p:ext uri="{BB962C8B-B14F-4D97-AF65-F5344CB8AC3E}">
+        <p14:creationId xmlns:p14="http://schemas.microsoft.com/office/powerpoint/2010/main" val="4077927215"/>
+      </p:ext>
+    </p:extLst>
+  </p:cSld>
+  <p:clrMapOvr>
+    <a:masterClrMapping/>
+  </p:clrMapOvr>
+</p:sld>
+</file>
+
+<file path=ppt/slides/slide28.xml><?xml version="1.0" encoding="utf-8"?>
+<p:sld xmlns:a="http://schemas.openxmlformats.org/drawingml/2006/main" xmlns:r="http://schemas.openxmlformats.org/officeDocument/2006/relationships" xmlns:p="http://schemas.openxmlformats.org/presentationml/2006/main">
+  <p:cSld>
+    <p:spTree>
+      <p:nvGrpSpPr>
+        <p:cNvPr id="1" name=""/>
+        <p:cNvGrpSpPr/>
+        <p:nvPr/>
+      </p:nvGrpSpPr>
+      <p:grpSpPr>
+        <a:xfrm>
+          <a:off x="0" y="0"/>
+          <a:ext cx="0" cy="0"/>
+          <a:chOff x="0" y="0"/>
+          <a:chExt cx="0" cy="0"/>
+        </a:xfrm>
+      </p:grpSpPr>
+      <p:sp>
+        <p:nvSpPr>
+          <p:cNvPr id="2" name="Title 1">
+            <a:extLst>
+              <a:ext uri="{FF2B5EF4-FFF2-40B4-BE49-F238E27FC236}">
+                <a16:creationId xmlns:a16="http://schemas.microsoft.com/office/drawing/2014/main" id="{D69DBC87-E832-3E98-94B8-91823FB672F4}"/>
+              </a:ext>
+            </a:extLst>
+          </p:cNvPr>
+          <p:cNvSpPr>
+            <a:spLocks noGrp="1"/>
+          </p:cNvSpPr>
+          <p:nvPr>
+            <p:ph type="title"/>
+          </p:nvPr>
+        </p:nvSpPr>
+        <p:spPr/>
+        <p:txBody>
+          <a:bodyPr/>
+          <a:lstStyle/>
+          <a:p>
+            <a:r>
+              <a:rPr lang="en-US" dirty="0"/>
+              <a:t>Routing</a:t>
+            </a:r>
+          </a:p>
+        </p:txBody>
+      </p:sp>
+      <p:sp>
+        <p:nvSpPr>
+          <p:cNvPr id="3" name="Content Placeholder 2">
+            <a:extLst>
+              <a:ext uri="{FF2B5EF4-FFF2-40B4-BE49-F238E27FC236}">
+                <a16:creationId xmlns:a16="http://schemas.microsoft.com/office/drawing/2014/main" id="{97CD9863-30A2-2AB3-A5BE-867055CA24F9}"/>
+              </a:ext>
+            </a:extLst>
+          </p:cNvPr>
+          <p:cNvSpPr>
+            <a:spLocks noGrp="1"/>
+          </p:cNvSpPr>
+          <p:nvPr>
+            <p:ph idx="1"/>
+          </p:nvPr>
+        </p:nvSpPr>
+        <p:spPr/>
+        <p:txBody>
+          <a:bodyPr numCol="2">
+            <a:normAutofit/>
+          </a:bodyPr>
+          <a:lstStyle/>
+          <a:p>
+            <a:pPr marL="0" indent="0">
+              <a:buNone/>
+            </a:pPr>
+            <a:r>
+              <a:rPr lang="en-US" dirty="0"/>
+              <a:t>Navigating programmatically</a:t>
+            </a:r>
+          </a:p>
+          <a:p>
+            <a:pPr marL="0" indent="0">
+              <a:buNone/>
+            </a:pPr>
+            <a:r>
+              <a:rPr lang="en-US" dirty="0"/>
+              <a:t>Nested routes</a:t>
             </a:r>
           </a:p>
           <a:p>
@@ -14603,18 +14764,12 @@
             </a:pPr>
             <a:endParaRPr lang="en-US" dirty="0"/>
           </a:p>
-          <a:p>
-            <a:pPr marL="0" indent="0">
-              <a:buNone/>
-            </a:pPr>
-            <a:endParaRPr lang="en-US" dirty="0"/>
-          </a:p>
         </p:txBody>
       </p:sp>
     </p:spTree>
     <p:extLst>
       <p:ext uri="{BB962C8B-B14F-4D97-AF65-F5344CB8AC3E}">
-        <p14:creationId xmlns:p14="http://schemas.microsoft.com/office/powerpoint/2010/main" val="4077927215"/>
+        <p14:creationId xmlns:p14="http://schemas.microsoft.com/office/powerpoint/2010/main" val="238590054"/>
       </p:ext>
     </p:extLst>
   </p:cSld>

--- a/Create-react-app.pptx
+++ b/Create-react-app.pptx
@@ -1574,7 +1574,7 @@
           <a:p>
             <a:fld id="{8ABDCE5D-2F42-4C45-98AA-7AAD2A36BEC8}" type="datetimeFigureOut">
               <a:rPr lang="en-US" smtClean="0"/>
-              <a:t>4/28/2023</a:t>
+              <a:t>5/3/2023</a:t>
             </a:fld>
             <a:endParaRPr lang="en-US"/>
           </a:p>
@@ -1772,7 +1772,7 @@
           <a:p>
             <a:fld id="{8ABDCE5D-2F42-4C45-98AA-7AAD2A36BEC8}" type="datetimeFigureOut">
               <a:rPr lang="en-US" smtClean="0"/>
-              <a:t>4/28/2023</a:t>
+              <a:t>5/3/2023</a:t>
             </a:fld>
             <a:endParaRPr lang="en-US"/>
           </a:p>
@@ -1980,7 +1980,7 @@
           <a:p>
             <a:fld id="{8ABDCE5D-2F42-4C45-98AA-7AAD2A36BEC8}" type="datetimeFigureOut">
               <a:rPr lang="en-US" smtClean="0"/>
-              <a:t>4/28/2023</a:t>
+              <a:t>5/3/2023</a:t>
             </a:fld>
             <a:endParaRPr lang="en-US"/>
           </a:p>
@@ -2178,7 +2178,7 @@
           <a:p>
             <a:fld id="{8ABDCE5D-2F42-4C45-98AA-7AAD2A36BEC8}" type="datetimeFigureOut">
               <a:rPr lang="en-US" smtClean="0"/>
-              <a:t>4/28/2023</a:t>
+              <a:t>5/3/2023</a:t>
             </a:fld>
             <a:endParaRPr lang="en-US"/>
           </a:p>
@@ -2453,7 +2453,7 @@
           <a:p>
             <a:fld id="{8ABDCE5D-2F42-4C45-98AA-7AAD2A36BEC8}" type="datetimeFigureOut">
               <a:rPr lang="en-US" smtClean="0"/>
-              <a:t>4/28/2023</a:t>
+              <a:t>5/3/2023</a:t>
             </a:fld>
             <a:endParaRPr lang="en-US"/>
           </a:p>
@@ -2718,7 +2718,7 @@
           <a:p>
             <a:fld id="{8ABDCE5D-2F42-4C45-98AA-7AAD2A36BEC8}" type="datetimeFigureOut">
               <a:rPr lang="en-US" smtClean="0"/>
-              <a:t>4/28/2023</a:t>
+              <a:t>5/3/2023</a:t>
             </a:fld>
             <a:endParaRPr lang="en-US"/>
           </a:p>
@@ -3130,7 +3130,7 @@
           <a:p>
             <a:fld id="{8ABDCE5D-2F42-4C45-98AA-7AAD2A36BEC8}" type="datetimeFigureOut">
               <a:rPr lang="en-US" smtClean="0"/>
-              <a:t>4/28/2023</a:t>
+              <a:t>5/3/2023</a:t>
             </a:fld>
             <a:endParaRPr lang="en-US"/>
           </a:p>
@@ -3271,7 +3271,7 @@
           <a:p>
             <a:fld id="{8ABDCE5D-2F42-4C45-98AA-7AAD2A36BEC8}" type="datetimeFigureOut">
               <a:rPr lang="en-US" smtClean="0"/>
-              <a:t>4/28/2023</a:t>
+              <a:t>5/3/2023</a:t>
             </a:fld>
             <a:endParaRPr lang="en-US"/>
           </a:p>
@@ -3384,7 +3384,7 @@
           <a:p>
             <a:fld id="{8ABDCE5D-2F42-4C45-98AA-7AAD2A36BEC8}" type="datetimeFigureOut">
               <a:rPr lang="en-US" smtClean="0"/>
-              <a:t>4/28/2023</a:t>
+              <a:t>5/3/2023</a:t>
             </a:fld>
             <a:endParaRPr lang="en-US"/>
           </a:p>
@@ -3695,7 +3695,7 @@
           <a:p>
             <a:fld id="{8ABDCE5D-2F42-4C45-98AA-7AAD2A36BEC8}" type="datetimeFigureOut">
               <a:rPr lang="en-US" smtClean="0"/>
-              <a:t>4/28/2023</a:t>
+              <a:t>5/3/2023</a:t>
             </a:fld>
             <a:endParaRPr lang="en-US"/>
           </a:p>
@@ -3983,7 +3983,7 @@
           <a:p>
             <a:fld id="{8ABDCE5D-2F42-4C45-98AA-7AAD2A36BEC8}" type="datetimeFigureOut">
               <a:rPr lang="en-US" smtClean="0"/>
-              <a:t>4/28/2023</a:t>
+              <a:t>5/3/2023</a:t>
             </a:fld>
             <a:endParaRPr lang="en-US"/>
           </a:p>
@@ -4224,7 +4224,7 @@
           <a:p>
             <a:fld id="{8ABDCE5D-2F42-4C45-98AA-7AAD2A36BEC8}" type="datetimeFigureOut">
               <a:rPr lang="en-US" smtClean="0"/>
-              <a:t>4/28/2023</a:t>
+              <a:t>5/3/2023</a:t>
             </a:fld>
             <a:endParaRPr lang="en-US"/>
           </a:p>
@@ -14762,7 +14762,19 @@
             <a:pPr marL="0" indent="0">
               <a:buNone/>
             </a:pPr>
-            <a:endParaRPr lang="en-US" dirty="0"/>
+            <a:r>
+              <a:rPr lang="en-US" dirty="0"/>
+              <a:t>Understanding redirect</a:t>
+            </a:r>
+          </a:p>
+          <a:p>
+            <a:pPr marL="0" indent="0">
+              <a:buNone/>
+            </a:pPr>
+            <a:r>
+              <a:rPr lang="en-US" dirty="0"/>
+              <a:t>Using redirect conditionally</a:t>
+            </a:r>
           </a:p>
         </p:txBody>
       </p:sp>

--- a/Create-react-app.pptx
+++ b/Create-react-app.pptx
@@ -33,6 +33,7 @@
     <p:sldId id="282" r:id="rId27"/>
     <p:sldId id="281" r:id="rId28"/>
     <p:sldId id="283" r:id="rId29"/>
+    <p:sldId id="284" r:id="rId30"/>
   </p:sldIdLst>
   <p:sldSz cx="12192000" cy="6858000"/>
   <p:notesSz cx="6858000" cy="9144000"/>
@@ -1574,7 +1575,7 @@
           <a:p>
             <a:fld id="{8ABDCE5D-2F42-4C45-98AA-7AAD2A36BEC8}" type="datetimeFigureOut">
               <a:rPr lang="en-US" smtClean="0"/>
-              <a:t>5/3/2023</a:t>
+              <a:t>5/4/2023</a:t>
             </a:fld>
             <a:endParaRPr lang="en-US"/>
           </a:p>
@@ -1772,7 +1773,7 @@
           <a:p>
             <a:fld id="{8ABDCE5D-2F42-4C45-98AA-7AAD2A36BEC8}" type="datetimeFigureOut">
               <a:rPr lang="en-US" smtClean="0"/>
-              <a:t>5/3/2023</a:t>
+              <a:t>5/4/2023</a:t>
             </a:fld>
             <a:endParaRPr lang="en-US"/>
           </a:p>
@@ -1980,7 +1981,7 @@
           <a:p>
             <a:fld id="{8ABDCE5D-2F42-4C45-98AA-7AAD2A36BEC8}" type="datetimeFigureOut">
               <a:rPr lang="en-US" smtClean="0"/>
-              <a:t>5/3/2023</a:t>
+              <a:t>5/4/2023</a:t>
             </a:fld>
             <a:endParaRPr lang="en-US"/>
           </a:p>
@@ -2178,7 +2179,7 @@
           <a:p>
             <a:fld id="{8ABDCE5D-2F42-4C45-98AA-7AAD2A36BEC8}" type="datetimeFigureOut">
               <a:rPr lang="en-US" smtClean="0"/>
-              <a:t>5/3/2023</a:t>
+              <a:t>5/4/2023</a:t>
             </a:fld>
             <a:endParaRPr lang="en-US"/>
           </a:p>
@@ -2453,7 +2454,7 @@
           <a:p>
             <a:fld id="{8ABDCE5D-2F42-4C45-98AA-7AAD2A36BEC8}" type="datetimeFigureOut">
               <a:rPr lang="en-US" smtClean="0"/>
-              <a:t>5/3/2023</a:t>
+              <a:t>5/4/2023</a:t>
             </a:fld>
             <a:endParaRPr lang="en-US"/>
           </a:p>
@@ -2718,7 +2719,7 @@
           <a:p>
             <a:fld id="{8ABDCE5D-2F42-4C45-98AA-7AAD2A36BEC8}" type="datetimeFigureOut">
               <a:rPr lang="en-US" smtClean="0"/>
-              <a:t>5/3/2023</a:t>
+              <a:t>5/4/2023</a:t>
             </a:fld>
             <a:endParaRPr lang="en-US"/>
           </a:p>
@@ -3130,7 +3131,7 @@
           <a:p>
             <a:fld id="{8ABDCE5D-2F42-4C45-98AA-7AAD2A36BEC8}" type="datetimeFigureOut">
               <a:rPr lang="en-US" smtClean="0"/>
-              <a:t>5/3/2023</a:t>
+              <a:t>5/4/2023</a:t>
             </a:fld>
             <a:endParaRPr lang="en-US"/>
           </a:p>
@@ -3271,7 +3272,7 @@
           <a:p>
             <a:fld id="{8ABDCE5D-2F42-4C45-98AA-7AAD2A36BEC8}" type="datetimeFigureOut">
               <a:rPr lang="en-US" smtClean="0"/>
-              <a:t>5/3/2023</a:t>
+              <a:t>5/4/2023</a:t>
             </a:fld>
             <a:endParaRPr lang="en-US"/>
           </a:p>
@@ -3384,7 +3385,7 @@
           <a:p>
             <a:fld id="{8ABDCE5D-2F42-4C45-98AA-7AAD2A36BEC8}" type="datetimeFigureOut">
               <a:rPr lang="en-US" smtClean="0"/>
-              <a:t>5/3/2023</a:t>
+              <a:t>5/4/2023</a:t>
             </a:fld>
             <a:endParaRPr lang="en-US"/>
           </a:p>
@@ -3695,7 +3696,7 @@
           <a:p>
             <a:fld id="{8ABDCE5D-2F42-4C45-98AA-7AAD2A36BEC8}" type="datetimeFigureOut">
               <a:rPr lang="en-US" smtClean="0"/>
-              <a:t>5/3/2023</a:t>
+              <a:t>5/4/2023</a:t>
             </a:fld>
             <a:endParaRPr lang="en-US"/>
           </a:p>
@@ -3983,7 +3984,7 @@
           <a:p>
             <a:fld id="{8ABDCE5D-2F42-4C45-98AA-7AAD2A36BEC8}" type="datetimeFigureOut">
               <a:rPr lang="en-US" smtClean="0"/>
-              <a:t>5/3/2023</a:t>
+              <a:t>5/4/2023</a:t>
             </a:fld>
             <a:endParaRPr lang="en-US"/>
           </a:p>
@@ -4224,7 +4225,7 @@
           <a:p>
             <a:fld id="{8ABDCE5D-2F42-4C45-98AA-7AAD2A36BEC8}" type="datetimeFigureOut">
               <a:rPr lang="en-US" smtClean="0"/>
-              <a:t>5/3/2023</a:t>
+              <a:t>5/4/2023</a:t>
             </a:fld>
             <a:endParaRPr lang="en-US"/>
           </a:p>
@@ -14776,12 +14777,206 @@
               <a:t>Using redirect conditionally</a:t>
             </a:r>
           </a:p>
+          <a:p>
+            <a:pPr marL="0" indent="0">
+              <a:buNone/>
+            </a:pPr>
+            <a:r>
+              <a:rPr lang="en-US" dirty="0"/>
+              <a:t>Using the history prop to push a new page</a:t>
+            </a:r>
+          </a:p>
+          <a:p>
+            <a:pPr marL="0" indent="0">
+              <a:buNone/>
+            </a:pPr>
+            <a:r>
+              <a:rPr lang="en-US" dirty="0"/>
+              <a:t>Working with guards</a:t>
+            </a:r>
+          </a:p>
+          <a:p>
+            <a:pPr marL="0" indent="0">
+              <a:buNone/>
+            </a:pPr>
+            <a:r>
+              <a:rPr lang="en-US" dirty="0"/>
+              <a:t>Handling the 404 case</a:t>
+            </a:r>
+          </a:p>
+          <a:p>
+            <a:pPr marL="0" indent="0">
+              <a:buNone/>
+            </a:pPr>
+            <a:r>
+              <a:rPr lang="en-US" dirty="0"/>
+              <a:t>Adding lazy loading</a:t>
+            </a:r>
+          </a:p>
         </p:txBody>
       </p:sp>
     </p:spTree>
     <p:extLst>
       <p:ext uri="{BB962C8B-B14F-4D97-AF65-F5344CB8AC3E}">
         <p14:creationId xmlns:p14="http://schemas.microsoft.com/office/powerpoint/2010/main" val="238590054"/>
+      </p:ext>
+    </p:extLst>
+  </p:cSld>
+  <p:clrMapOvr>
+    <a:masterClrMapping/>
+  </p:clrMapOvr>
+</p:sld>
+</file>
+
+<file path=ppt/slides/slide29.xml><?xml version="1.0" encoding="utf-8"?>
+<p:sld xmlns:a="http://schemas.openxmlformats.org/drawingml/2006/main" xmlns:r="http://schemas.openxmlformats.org/officeDocument/2006/relationships" xmlns:p="http://schemas.openxmlformats.org/presentationml/2006/main">
+  <p:cSld>
+    <p:spTree>
+      <p:nvGrpSpPr>
+        <p:cNvPr id="1" name=""/>
+        <p:cNvGrpSpPr/>
+        <p:nvPr/>
+      </p:nvGrpSpPr>
+      <p:grpSpPr>
+        <a:xfrm>
+          <a:off x="0" y="0"/>
+          <a:ext cx="0" cy="0"/>
+          <a:chOff x="0" y="0"/>
+          <a:chExt cx="0" cy="0"/>
+        </a:xfrm>
+      </p:grpSpPr>
+      <p:sp>
+        <p:nvSpPr>
+          <p:cNvPr id="3" name="Content Placeholder 2">
+            <a:extLst>
+              <a:ext uri="{FF2B5EF4-FFF2-40B4-BE49-F238E27FC236}">
+                <a16:creationId xmlns:a16="http://schemas.microsoft.com/office/drawing/2014/main" id="{7269440E-E390-AAC6-FFB7-3697D4E460BB}"/>
+              </a:ext>
+            </a:extLst>
+          </p:cNvPr>
+          <p:cNvSpPr>
+            <a:spLocks noGrp="1"/>
+          </p:cNvSpPr>
+          <p:nvPr>
+            <p:ph idx="1"/>
+          </p:nvPr>
+        </p:nvSpPr>
+        <p:spPr>
+          <a:xfrm>
+            <a:off x="838200" y="377371"/>
+            <a:ext cx="10515600" cy="5799592"/>
+          </a:xfrm>
+        </p:spPr>
+        <p:txBody>
+          <a:bodyPr>
+            <a:normAutofit fontScale="92500" lnSpcReduction="10000"/>
+          </a:bodyPr>
+          <a:lstStyle/>
+          <a:p>
+            <a:pPr marL="514350" indent="-514350">
+              <a:buFont typeface="+mj-lt"/>
+              <a:buAutoNum type="arabicPeriod"/>
+            </a:pPr>
+            <a:r>
+              <a:rPr lang="en-US" dirty="0"/>
+              <a:t>Add Routes to load “Users” and “Courses” on different pages (by entering a URL, without Links)</a:t>
+            </a:r>
+          </a:p>
+          <a:p>
+            <a:pPr marL="514350" indent="-514350">
+              <a:buFont typeface="+mj-lt"/>
+              <a:buAutoNum type="arabicPeriod"/>
+            </a:pPr>
+            <a:r>
+              <a:rPr lang="en-US" dirty="0"/>
+              <a:t>Add a simple navigation with two links </a:t>
+            </a:r>
+            <a:r>
+              <a:rPr lang="en-US" dirty="0">
+                <a:sym typeface="Wingdings" panose="05000000000000000000" pitchFamily="2" charset="2"/>
+              </a:rPr>
+              <a:t> One leading to “Users”, one leading to “Courses”.</a:t>
+            </a:r>
+          </a:p>
+          <a:p>
+            <a:pPr marL="514350" indent="-514350">
+              <a:buFont typeface="+mj-lt"/>
+              <a:buAutoNum type="arabicPeriod"/>
+            </a:pPr>
+            <a:r>
+              <a:rPr lang="en-US" dirty="0">
+                <a:sym typeface="Wingdings" panose="05000000000000000000" pitchFamily="2" charset="2"/>
+              </a:rPr>
+              <a:t>Make the courses in “Courses” clickable by adding a link and lad the “Course” component in the place of “Courses” (without passing any data for now)</a:t>
+            </a:r>
+          </a:p>
+          <a:p>
+            <a:pPr marL="514350" indent="-514350">
+              <a:buFont typeface="+mj-lt"/>
+              <a:buAutoNum type="arabicPeriod"/>
+            </a:pPr>
+            <a:r>
+              <a:rPr lang="en-US" dirty="0">
+                <a:sym typeface="Wingdings" panose="05000000000000000000" pitchFamily="2" charset="2"/>
+              </a:rPr>
+              <a:t>Pass the course ID to the “Course” page and output it there</a:t>
+            </a:r>
+          </a:p>
+          <a:p>
+            <a:pPr marL="514350" indent="-514350">
+              <a:buFont typeface="+mj-lt"/>
+              <a:buAutoNum type="arabicPeriod"/>
+            </a:pPr>
+            <a:r>
+              <a:rPr lang="en-US" dirty="0">
+                <a:sym typeface="Wingdings" panose="05000000000000000000" pitchFamily="2" charset="2"/>
+              </a:rPr>
+              <a:t>Pass the course title to the “Course” page – pass it as a param or score bonus points by passing it as query params (you need to manually parse them thought)</a:t>
+            </a:r>
+          </a:p>
+          <a:p>
+            <a:pPr marL="514350" indent="-514350">
+              <a:buFont typeface="+mj-lt"/>
+              <a:buAutoNum type="arabicPeriod"/>
+            </a:pPr>
+            <a:r>
+              <a:rPr lang="en-US" dirty="0">
+                <a:sym typeface="Wingdings" panose="05000000000000000000" pitchFamily="2" charset="2"/>
+              </a:rPr>
+              <a:t>Load the “Course” component as a nested component of “Courses”</a:t>
+            </a:r>
+          </a:p>
+          <a:p>
+            <a:pPr marL="514350" indent="-514350">
+              <a:buFont typeface="+mj-lt"/>
+              <a:buAutoNum type="arabicPeriod"/>
+            </a:pPr>
+            <a:r>
+              <a:rPr lang="en-US" dirty="0">
+                <a:sym typeface="Wingdings" panose="05000000000000000000" pitchFamily="2" charset="2"/>
+              </a:rPr>
+              <a:t>Add a 404 error page and render it for any unknown routes</a:t>
+            </a:r>
+          </a:p>
+          <a:p>
+            <a:pPr marL="514350" indent="-514350">
+              <a:buFont typeface="+mj-lt"/>
+              <a:buAutoNum type="arabicPeriod"/>
+            </a:pPr>
+            <a:r>
+              <a:rPr lang="en-US" dirty="0">
+                <a:sym typeface="Wingdings" panose="05000000000000000000" pitchFamily="2" charset="2"/>
+              </a:rPr>
+              <a:t>Redirect requests to /all-courses to /courses ( Your “Courses” page)</a:t>
+            </a:r>
+            <a:endParaRPr lang="en-US" dirty="0"/>
+          </a:p>
+        </p:txBody>
+      </p:sp>
+    </p:spTree>
+    <p:extLst>
+      <p:ext uri="{BB962C8B-B14F-4D97-AF65-F5344CB8AC3E}">
+        <p14:creationId xmlns:p14="http://schemas.microsoft.com/office/powerpoint/2010/main" val="1468439848"/>
       </p:ext>
     </p:extLst>
   </p:cSld>
